--- a/presentazione.pptx
+++ b/presentazione.pptx
@@ -234,7 +234,7 @@
           <a:p>
             <a:fld id="{F3D5F453-40FB-4DD9-B536-90A4813DB008}" type="datetimeFigureOut">
               <a:rPr lang="it-IT" smtClean="0"/>
-              <a:t>05/06/2020</a:t>
+              <a:t>06/06/2020</a:t>
             </a:fld>
             <a:endParaRPr lang="it-IT"/>
           </a:p>
@@ -648,7 +648,7 @@
           <a:p>
             <a:fld id="{7D3160D3-3861-4FF2-AB94-7D20E130CF06}" type="datetime1">
               <a:rPr lang="en-US" smtClean="0"/>
-              <a:t>6/5/2020</a:t>
+              <a:t>6/6/2020</a:t>
             </a:fld>
             <a:endParaRPr lang="en-US" dirty="0"/>
           </a:p>
@@ -1107,7 +1107,7 @@
           <a:p>
             <a:fld id="{30FE4783-CD2E-42C9-93B9-DF5E323382DC}" type="datetime1">
               <a:rPr lang="en-US" smtClean="0"/>
-              <a:t>6/5/2020</a:t>
+              <a:t>6/6/2020</a:t>
             </a:fld>
             <a:endParaRPr lang="en-US" dirty="0"/>
           </a:p>
@@ -6635,7 +6635,7 @@
         <p:spPr>
           <a:xfrm>
             <a:off x="4867750" y="1358521"/>
-            <a:ext cx="1421825" cy="461665"/>
+            <a:ext cx="2383276" cy="461665"/>
           </a:xfrm>
           <a:prstGeom prst="rect">
             <a:avLst/>
@@ -6669,7 +6669,7 @@
                   <a:schemeClr val="bg1"/>
                 </a:solidFill>
               </a:rPr>
-              <a:t> =ν−</a:t>
+              <a:t> = ν − </a:t>
             </a:r>
             <a:r>
               <a:rPr lang="it-IT" sz="2400" dirty="0" err="1">
@@ -6712,8 +6712,8 @@
         </p:nvSpPr>
         <p:spPr>
           <a:xfrm>
-            <a:off x="7154467" y="2578159"/>
-            <a:ext cx="2605200" cy="461665"/>
+            <a:off x="7124375" y="2558886"/>
+            <a:ext cx="2784737" cy="461665"/>
           </a:xfrm>
           <a:prstGeom prst="rect">
             <a:avLst/>
@@ -6755,7 +6755,7 @@
                   <a:schemeClr val="bg1"/>
                 </a:solidFill>
               </a:rPr>
-              <a:t>r1</a:t>
+              <a:t>r1 </a:t>
             </a:r>
             <a:r>
               <a:rPr lang="it-IT" sz="2400" dirty="0">
@@ -6763,7 +6763,7 @@
                   <a:schemeClr val="bg1"/>
                 </a:solidFill>
               </a:rPr>
-              <a:t>+ν</a:t>
+              <a:t>+ ν</a:t>
             </a:r>
             <a:r>
               <a:rPr lang="it-IT" sz="2400" baseline="-25000" dirty="0">
@@ -6807,172 +6807,6 @@
             </a:r>
             <a:r>
               <a:rPr lang="it-IT" sz="2400" dirty="0">
-                <a:solidFill>
-                  <a:schemeClr val="bg1"/>
-                </a:solidFill>
-              </a:rPr>
-              <a:t> </a:t>
-            </a:r>
-          </a:p>
-        </p:txBody>
-      </p:sp>
-      <p:sp>
-        <p:nvSpPr>
-          <p:cNvPr id="13" name="Rettangolo 12">
-            <a:extLst>
-              <a:ext uri="{FF2B5EF4-FFF2-40B4-BE49-F238E27FC236}">
-                <a16:creationId xmlns:a16="http://schemas.microsoft.com/office/drawing/2014/main" id="{D31828CB-DB02-49D2-87EC-E937BADB4214}"/>
-              </a:ext>
-            </a:extLst>
-          </p:cNvPr>
-          <p:cNvSpPr/>
-          <p:nvPr/>
-        </p:nvSpPr>
-        <p:spPr>
-          <a:xfrm>
-            <a:off x="6853046" y="5122351"/>
-            <a:ext cx="2954655" cy="369332"/>
-          </a:xfrm>
-          <a:prstGeom prst="rect">
-            <a:avLst/>
-          </a:prstGeom>
-        </p:spPr>
-        <p:txBody>
-          <a:bodyPr wrap="none">
-            <a:spAutoFit/>
-          </a:bodyPr>
-          <a:lstStyle/>
-          <a:p>
-            <a:r>
-              <a:rPr lang="it-IT" dirty="0">
-                <a:solidFill>
-                  <a:schemeClr val="bg1"/>
-                </a:solidFill>
-              </a:rPr>
-              <a:t> </a:t>
-            </a:r>
-            <a:r>
-              <a:rPr lang="el-GR" dirty="0">
-                <a:solidFill>
-                  <a:schemeClr val="bg1"/>
-                </a:solidFill>
-              </a:rPr>
-              <a:t>τ</a:t>
-            </a:r>
-            <a:r>
-              <a:rPr lang="it-IT" dirty="0">
-                <a:solidFill>
-                  <a:schemeClr val="bg1"/>
-                </a:solidFill>
-              </a:rPr>
-              <a:t> =     B</a:t>
-            </a:r>
-            <a:r>
-              <a:rPr lang="it-IT" baseline="-25000" dirty="0">
-                <a:solidFill>
-                  <a:schemeClr val="bg1"/>
-                </a:solidFill>
-              </a:rPr>
-              <a:t>1</a:t>
-            </a:r>
-            <a:r>
-              <a:rPr lang="it-IT" dirty="0">
-                <a:solidFill>
-                  <a:schemeClr val="bg1"/>
-                </a:solidFill>
-              </a:rPr>
-              <a:t> B</a:t>
-            </a:r>
-            <a:r>
-              <a:rPr lang="it-IT" baseline="-25000" dirty="0">
-                <a:solidFill>
-                  <a:schemeClr val="bg1"/>
-                </a:solidFill>
-              </a:rPr>
-              <a:t>2</a:t>
-            </a:r>
-            <a:r>
-              <a:rPr lang="it-IT" dirty="0">
-                <a:solidFill>
-                  <a:schemeClr val="bg1"/>
-                </a:solidFill>
-              </a:rPr>
-              <a:t> B</a:t>
-            </a:r>
-            <a:r>
-              <a:rPr lang="it-IT" baseline="-25000" dirty="0">
-                <a:solidFill>
-                  <a:schemeClr val="bg1"/>
-                </a:solidFill>
-              </a:rPr>
-              <a:t>3</a:t>
-            </a:r>
-            <a:r>
-              <a:rPr lang="it-IT" dirty="0">
-                <a:solidFill>
-                  <a:schemeClr val="bg1"/>
-                </a:solidFill>
-              </a:rPr>
-              <a:t> B</a:t>
-            </a:r>
-            <a:r>
-              <a:rPr lang="it-IT" baseline="-25000" dirty="0">
-                <a:solidFill>
-                  <a:schemeClr val="bg1"/>
-                </a:solidFill>
-              </a:rPr>
-              <a:t>4</a:t>
-            </a:r>
-            <a:r>
-              <a:rPr lang="it-IT" dirty="0">
-                <a:solidFill>
-                  <a:schemeClr val="bg1"/>
-                </a:solidFill>
-              </a:rPr>
-              <a:t> B</a:t>
-            </a:r>
-            <a:r>
-              <a:rPr lang="it-IT" baseline="-25000" dirty="0">
-                <a:solidFill>
-                  <a:schemeClr val="bg1"/>
-                </a:solidFill>
-              </a:rPr>
-              <a:t>5</a:t>
-            </a:r>
-            <a:r>
-              <a:rPr lang="it-IT" dirty="0">
-                <a:solidFill>
-                  <a:schemeClr val="bg1"/>
-                </a:solidFill>
-              </a:rPr>
-              <a:t> B</a:t>
-            </a:r>
-            <a:r>
-              <a:rPr lang="it-IT" baseline="-25000" dirty="0">
-                <a:solidFill>
-                  <a:schemeClr val="bg1"/>
-                </a:solidFill>
-              </a:rPr>
-              <a:t>6</a:t>
-            </a:r>
-            <a:r>
-              <a:rPr lang="it-IT" dirty="0">
-                <a:solidFill>
-                  <a:schemeClr val="bg1"/>
-                </a:solidFill>
-              </a:rPr>
-              <a:t> B</a:t>
-            </a:r>
-            <a:r>
-              <a:rPr lang="it-IT" baseline="-25000" dirty="0">
-                <a:solidFill>
-                  <a:schemeClr val="bg1"/>
-                </a:solidFill>
-              </a:rPr>
-              <a:t>7</a:t>
-            </a:r>
-            <a:r>
-              <a:rPr lang="it-IT" dirty="0">
                 <a:solidFill>
                   <a:schemeClr val="bg1"/>
                 </a:solidFill>
@@ -7161,381 +6995,6 @@
                 <a:schemeClr val="bg1"/>
               </a:solidFill>
             </a:endParaRPr>
-          </a:p>
-        </p:txBody>
-      </p:sp>
-      <p:sp>
-        <p:nvSpPr>
-          <p:cNvPr id="16" name="Rettangolo 15">
-            <a:extLst>
-              <a:ext uri="{FF2B5EF4-FFF2-40B4-BE49-F238E27FC236}">
-                <a16:creationId xmlns:a16="http://schemas.microsoft.com/office/drawing/2014/main" id="{EC25BA11-19A5-40A5-A3D8-6257A4C5F8DC}"/>
-              </a:ext>
-            </a:extLst>
-          </p:cNvPr>
-          <p:cNvSpPr/>
-          <p:nvPr/>
-        </p:nvSpPr>
-        <p:spPr>
-          <a:xfrm>
-            <a:off x="9747699" y="4420957"/>
-            <a:ext cx="463588" cy="2031325"/>
-          </a:xfrm>
-          <a:prstGeom prst="rect">
-            <a:avLst/>
-          </a:prstGeom>
-        </p:spPr>
-        <p:txBody>
-          <a:bodyPr wrap="none">
-            <a:spAutoFit/>
-          </a:bodyPr>
-          <a:lstStyle/>
-          <a:p>
-            <a:r>
-              <a:rPr lang="it-IT" dirty="0">
-                <a:solidFill>
-                  <a:schemeClr val="bg1"/>
-                </a:solidFill>
-              </a:rPr>
-              <a:t>T</a:t>
-            </a:r>
-            <a:r>
-              <a:rPr lang="it-IT" baseline="-25000" dirty="0">
-                <a:solidFill>
-                  <a:schemeClr val="bg1"/>
-                </a:solidFill>
-              </a:rPr>
-              <a:t>1</a:t>
-            </a:r>
-          </a:p>
-          <a:p>
-            <a:r>
-              <a:rPr lang="it-IT" dirty="0">
-                <a:solidFill>
-                  <a:schemeClr val="bg1"/>
-                </a:solidFill>
-              </a:rPr>
-              <a:t>T</a:t>
-            </a:r>
-            <a:r>
-              <a:rPr lang="it-IT" baseline="-25000" dirty="0">
-                <a:solidFill>
-                  <a:schemeClr val="bg1"/>
-                </a:solidFill>
-              </a:rPr>
-              <a:t>2</a:t>
-            </a:r>
-            <a:r>
-              <a:rPr lang="it-IT" dirty="0">
-                <a:solidFill>
-                  <a:schemeClr val="bg1"/>
-                </a:solidFill>
-              </a:rPr>
-              <a:t> </a:t>
-            </a:r>
-          </a:p>
-          <a:p>
-            <a:r>
-              <a:rPr lang="it-IT" dirty="0">
-                <a:solidFill>
-                  <a:schemeClr val="bg1"/>
-                </a:solidFill>
-              </a:rPr>
-              <a:t>T</a:t>
-            </a:r>
-            <a:r>
-              <a:rPr lang="it-IT" baseline="-25000" dirty="0">
-                <a:solidFill>
-                  <a:schemeClr val="bg1"/>
-                </a:solidFill>
-              </a:rPr>
-              <a:t>3</a:t>
-            </a:r>
-            <a:r>
-              <a:rPr lang="it-IT" dirty="0">
-                <a:solidFill>
-                  <a:schemeClr val="bg1"/>
-                </a:solidFill>
-              </a:rPr>
-              <a:t> </a:t>
-            </a:r>
-          </a:p>
-          <a:p>
-            <a:r>
-              <a:rPr lang="it-IT" dirty="0">
-                <a:solidFill>
-                  <a:schemeClr val="bg1"/>
-                </a:solidFill>
-              </a:rPr>
-              <a:t>T</a:t>
-            </a:r>
-            <a:r>
-              <a:rPr lang="it-IT" baseline="-25000" dirty="0">
-                <a:solidFill>
-                  <a:schemeClr val="bg1"/>
-                </a:solidFill>
-              </a:rPr>
-              <a:t>4</a:t>
-            </a:r>
-            <a:r>
-              <a:rPr lang="it-IT" dirty="0">
-                <a:solidFill>
-                  <a:schemeClr val="bg1"/>
-                </a:solidFill>
-              </a:rPr>
-              <a:t> </a:t>
-            </a:r>
-          </a:p>
-          <a:p>
-            <a:r>
-              <a:rPr lang="it-IT" dirty="0">
-                <a:solidFill>
-                  <a:schemeClr val="bg1"/>
-                </a:solidFill>
-              </a:rPr>
-              <a:t>T</a:t>
-            </a:r>
-            <a:r>
-              <a:rPr lang="it-IT" baseline="-25000" dirty="0">
-                <a:solidFill>
-                  <a:schemeClr val="bg1"/>
-                </a:solidFill>
-              </a:rPr>
-              <a:t>5</a:t>
-            </a:r>
-          </a:p>
-          <a:p>
-            <a:r>
-              <a:rPr lang="it-IT" dirty="0">
-                <a:solidFill>
-                  <a:schemeClr val="bg1"/>
-                </a:solidFill>
-              </a:rPr>
-              <a:t>T</a:t>
-            </a:r>
-            <a:r>
-              <a:rPr lang="it-IT" baseline="-25000" dirty="0">
-                <a:solidFill>
-                  <a:schemeClr val="bg1"/>
-                </a:solidFill>
-              </a:rPr>
-              <a:t>6</a:t>
-            </a:r>
-          </a:p>
-          <a:p>
-            <a:r>
-              <a:rPr lang="it-IT" dirty="0">
-                <a:solidFill>
-                  <a:schemeClr val="bg1"/>
-                </a:solidFill>
-              </a:rPr>
-              <a:t>T</a:t>
-            </a:r>
-            <a:r>
-              <a:rPr lang="it-IT" baseline="-25000" dirty="0">
-                <a:solidFill>
-                  <a:schemeClr val="bg1"/>
-                </a:solidFill>
-              </a:rPr>
-              <a:t>7</a:t>
-            </a:r>
-            <a:endParaRPr lang="it-IT" baseline="-25000" dirty="0"/>
-          </a:p>
-        </p:txBody>
-      </p:sp>
-      <p:sp>
-        <p:nvSpPr>
-          <p:cNvPr id="17" name="Parentesi quadra aperta 16">
-            <a:extLst>
-              <a:ext uri="{FF2B5EF4-FFF2-40B4-BE49-F238E27FC236}">
-                <a16:creationId xmlns:a16="http://schemas.microsoft.com/office/drawing/2014/main" id="{41E177A8-A821-4E11-A90E-1CED3489AC6E}"/>
-              </a:ext>
-            </a:extLst>
-          </p:cNvPr>
-          <p:cNvSpPr/>
-          <p:nvPr/>
-        </p:nvSpPr>
-        <p:spPr>
-          <a:xfrm>
-            <a:off x="9751534" y="4420957"/>
-            <a:ext cx="145205" cy="2031325"/>
-          </a:xfrm>
-          <a:prstGeom prst="leftBracket">
-            <a:avLst/>
-          </a:prstGeom>
-          <a:ln>
-            <a:solidFill>
-              <a:schemeClr val="bg1"/>
-            </a:solidFill>
-          </a:ln>
-        </p:spPr>
-        <p:style>
-          <a:lnRef idx="1">
-            <a:schemeClr val="dk1"/>
-          </a:lnRef>
-          <a:fillRef idx="0">
-            <a:schemeClr val="dk1"/>
-          </a:fillRef>
-          <a:effectRef idx="0">
-            <a:schemeClr val="dk1"/>
-          </a:effectRef>
-          <a:fontRef idx="minor">
-            <a:schemeClr val="tx1"/>
-          </a:fontRef>
-        </p:style>
-        <p:txBody>
-          <a:bodyPr rtlCol="0" anchor="ctr"/>
-          <a:lstStyle/>
-          <a:p>
-            <a:pPr algn="ctr"/>
-            <a:endParaRPr lang="it-IT"/>
-          </a:p>
-        </p:txBody>
-      </p:sp>
-      <p:sp>
-        <p:nvSpPr>
-          <p:cNvPr id="18" name="Parentesi quadra aperta 17">
-            <a:extLst>
-              <a:ext uri="{FF2B5EF4-FFF2-40B4-BE49-F238E27FC236}">
-                <a16:creationId xmlns:a16="http://schemas.microsoft.com/office/drawing/2014/main" id="{93C78A19-B455-4146-976F-A06DB73795A7}"/>
-              </a:ext>
-            </a:extLst>
-          </p:cNvPr>
-          <p:cNvSpPr/>
-          <p:nvPr/>
-        </p:nvSpPr>
-        <p:spPr>
-          <a:xfrm rot="10800000">
-            <a:off x="10002942" y="4420957"/>
-            <a:ext cx="145205" cy="2031325"/>
-          </a:xfrm>
-          <a:prstGeom prst="leftBracket">
-            <a:avLst/>
-          </a:prstGeom>
-          <a:ln>
-            <a:solidFill>
-              <a:schemeClr val="bg1"/>
-            </a:solidFill>
-          </a:ln>
-        </p:spPr>
-        <p:style>
-          <a:lnRef idx="1">
-            <a:schemeClr val="dk1"/>
-          </a:lnRef>
-          <a:fillRef idx="0">
-            <a:schemeClr val="dk1"/>
-          </a:fillRef>
-          <a:effectRef idx="0">
-            <a:schemeClr val="dk1"/>
-          </a:effectRef>
-          <a:fontRef idx="minor">
-            <a:schemeClr val="tx1"/>
-          </a:fontRef>
-        </p:style>
-        <p:txBody>
-          <a:bodyPr rtlCol="0" anchor="ctr"/>
-          <a:lstStyle/>
-          <a:p>
-            <a:pPr algn="ctr"/>
-            <a:endParaRPr lang="it-IT"/>
-          </a:p>
-        </p:txBody>
-      </p:sp>
-      <p:sp>
-        <p:nvSpPr>
-          <p:cNvPr id="19" name="Parentesi quadra aperta 18">
-            <a:extLst>
-              <a:ext uri="{FF2B5EF4-FFF2-40B4-BE49-F238E27FC236}">
-                <a16:creationId xmlns:a16="http://schemas.microsoft.com/office/drawing/2014/main" id="{17F05DF1-C7CA-4E4A-8B1B-89380580A26B}"/>
-              </a:ext>
-            </a:extLst>
-          </p:cNvPr>
-          <p:cNvSpPr/>
-          <p:nvPr/>
-        </p:nvSpPr>
-        <p:spPr>
-          <a:xfrm>
-            <a:off x="7455825" y="5122351"/>
-            <a:ext cx="99487" cy="351633"/>
-          </a:xfrm>
-          <a:prstGeom prst="leftBracket">
-            <a:avLst/>
-          </a:prstGeom>
-          <a:ln>
-            <a:solidFill>
-              <a:schemeClr val="bg1"/>
-            </a:solidFill>
-          </a:ln>
-        </p:spPr>
-        <p:style>
-          <a:lnRef idx="1">
-            <a:schemeClr val="dk1"/>
-          </a:lnRef>
-          <a:fillRef idx="0">
-            <a:schemeClr val="dk1"/>
-          </a:fillRef>
-          <a:effectRef idx="0">
-            <a:schemeClr val="dk1"/>
-          </a:effectRef>
-          <a:fontRef idx="minor">
-            <a:schemeClr val="tx1"/>
-          </a:fontRef>
-        </p:style>
-        <p:txBody>
-          <a:bodyPr rtlCol="0" anchor="ctr"/>
-          <a:lstStyle/>
-          <a:p>
-            <a:pPr algn="ctr"/>
-            <a:endParaRPr lang="it-IT"/>
-          </a:p>
-        </p:txBody>
-      </p:sp>
-      <p:sp>
-        <p:nvSpPr>
-          <p:cNvPr id="21" name="Parentesi quadra aperta 20">
-            <a:extLst>
-              <a:ext uri="{FF2B5EF4-FFF2-40B4-BE49-F238E27FC236}">
-                <a16:creationId xmlns:a16="http://schemas.microsoft.com/office/drawing/2014/main" id="{5ADB82E5-B2C3-49A1-B4AF-0F7E78F9E71B}"/>
-              </a:ext>
-            </a:extLst>
-          </p:cNvPr>
-          <p:cNvSpPr/>
-          <p:nvPr/>
-        </p:nvSpPr>
-        <p:spPr>
-          <a:xfrm rot="10800000">
-            <a:off x="9567015" y="5122351"/>
-            <a:ext cx="99487" cy="351633"/>
-          </a:xfrm>
-          <a:prstGeom prst="leftBracket">
-            <a:avLst/>
-          </a:prstGeom>
-          <a:ln>
-            <a:solidFill>
-              <a:schemeClr val="bg1"/>
-            </a:solidFill>
-          </a:ln>
-        </p:spPr>
-        <p:style>
-          <a:lnRef idx="1">
-            <a:schemeClr val="dk1"/>
-          </a:lnRef>
-          <a:fillRef idx="0">
-            <a:schemeClr val="dk1"/>
-          </a:fillRef>
-          <a:effectRef idx="0">
-            <a:schemeClr val="dk1"/>
-          </a:effectRef>
-          <a:fontRef idx="minor">
-            <a:schemeClr val="tx1"/>
-          </a:fontRef>
-        </p:style>
-        <p:txBody>
-          <a:bodyPr rtlCol="0" anchor="ctr"/>
-          <a:lstStyle/>
-          <a:p>
-            <a:pPr algn="ctr"/>
-            <a:endParaRPr lang="it-IT"/>
           </a:p>
         </p:txBody>
       </p:sp>
@@ -7634,241 +7093,251 @@
           </a:fontRef>
         </p:style>
       </p:cxnSp>
-      <p:sp>
-        <p:nvSpPr>
-          <p:cNvPr id="27" name="Rettangolo 26">
-            <a:extLst>
-              <a:ext uri="{FF2B5EF4-FFF2-40B4-BE49-F238E27FC236}">
-                <a16:creationId xmlns:a16="http://schemas.microsoft.com/office/drawing/2014/main" id="{4B01D95A-3D16-43D0-B8D7-7476130DD825}"/>
-              </a:ext>
-            </a:extLst>
-          </p:cNvPr>
-          <p:cNvSpPr/>
-          <p:nvPr/>
-        </p:nvSpPr>
-        <p:spPr>
-          <a:xfrm>
-            <a:off x="6716987" y="6008411"/>
-            <a:ext cx="1037351" cy="369332"/>
-          </a:xfrm>
-          <a:prstGeom prst="rect">
-            <a:avLst/>
-          </a:prstGeom>
-        </p:spPr>
-        <p:txBody>
-          <a:bodyPr wrap="square">
-            <a:spAutoFit/>
-          </a:bodyPr>
-          <a:lstStyle/>
-          <a:p>
-            <a:pPr algn="ctr"/>
-            <a:r>
-              <a:rPr lang="it-IT" dirty="0">
-                <a:solidFill>
-                  <a:schemeClr val="bg1"/>
-                </a:solidFill>
-              </a:rPr>
-              <a:t>Bi = </a:t>
-            </a:r>
-          </a:p>
-        </p:txBody>
-      </p:sp>
-      <p:sp>
-        <p:nvSpPr>
-          <p:cNvPr id="28" name="CasellaDiTesto 27">
-            <a:extLst>
-              <a:ext uri="{FF2B5EF4-FFF2-40B4-BE49-F238E27FC236}">
-                <a16:creationId xmlns:a16="http://schemas.microsoft.com/office/drawing/2014/main" id="{7A98AA87-D720-49E6-9F08-77F8ED2FCEC3}"/>
-              </a:ext>
-            </a:extLst>
-          </p:cNvPr>
-          <p:cNvSpPr txBox="1"/>
-          <p:nvPr/>
-        </p:nvSpPr>
-        <p:spPr>
-          <a:xfrm>
-            <a:off x="7407103" y="5804954"/>
-            <a:ext cx="1130709" cy="923330"/>
-          </a:xfrm>
-          <a:prstGeom prst="rect">
-            <a:avLst/>
-          </a:prstGeom>
-          <a:noFill/>
-        </p:spPr>
-        <p:txBody>
-          <a:bodyPr wrap="square" rtlCol="0">
-            <a:spAutoFit/>
-          </a:bodyPr>
-          <a:lstStyle/>
-          <a:p>
-            <a:pPr algn="ctr"/>
-            <a:r>
-              <a:rPr lang="it-IT" dirty="0">
-                <a:solidFill>
-                  <a:schemeClr val="bg1"/>
-                </a:solidFill>
-              </a:rPr>
-              <a:t> t</a:t>
-            </a:r>
-            <a:r>
-              <a:rPr lang="it-IT" baseline="-25000" dirty="0">
-                <a:solidFill>
-                  <a:schemeClr val="bg1"/>
-                </a:solidFill>
-              </a:rPr>
-              <a:t>i</a:t>
-            </a:r>
-          </a:p>
-          <a:p>
-            <a:pPr algn="ctr"/>
-            <a:r>
-              <a:rPr lang="it-IT" dirty="0" err="1">
-                <a:solidFill>
-                  <a:schemeClr val="bg1"/>
-                </a:solidFill>
-              </a:rPr>
-              <a:t>p</a:t>
-            </a:r>
-            <a:r>
-              <a:rPr lang="it-IT" baseline="-25000" dirty="0" err="1">
-                <a:solidFill>
-                  <a:schemeClr val="bg1"/>
-                </a:solidFill>
-              </a:rPr>
-              <a:t>i</a:t>
-            </a:r>
-            <a:r>
-              <a:rPr lang="it-IT" dirty="0">
-                <a:solidFill>
-                  <a:schemeClr val="bg1"/>
-                </a:solidFill>
-              </a:rPr>
-              <a:t> × t</a:t>
-            </a:r>
-            <a:r>
-              <a:rPr lang="it-IT" baseline="-25000" dirty="0">
-                <a:solidFill>
-                  <a:schemeClr val="bg1"/>
-                </a:solidFill>
-              </a:rPr>
-              <a:t>i</a:t>
-            </a:r>
-          </a:p>
-          <a:p>
-            <a:endParaRPr lang="it-IT" dirty="0">
-              <a:solidFill>
-                <a:schemeClr val="bg1"/>
-              </a:solidFill>
-            </a:endParaRPr>
-          </a:p>
-        </p:txBody>
-      </p:sp>
-      <p:sp>
-        <p:nvSpPr>
-          <p:cNvPr id="29" name="Parentesi quadra aperta 28">
-            <a:extLst>
-              <a:ext uri="{FF2B5EF4-FFF2-40B4-BE49-F238E27FC236}">
-                <a16:creationId xmlns:a16="http://schemas.microsoft.com/office/drawing/2014/main" id="{E127D252-14BA-4385-91A4-07F610828F9E}"/>
-              </a:ext>
-            </a:extLst>
-          </p:cNvPr>
-          <p:cNvSpPr/>
-          <p:nvPr/>
-        </p:nvSpPr>
-        <p:spPr>
-          <a:xfrm>
-            <a:off x="7604117" y="5815159"/>
-            <a:ext cx="150221" cy="646330"/>
-          </a:xfrm>
-          <a:prstGeom prst="leftBracket">
-            <a:avLst/>
-          </a:prstGeom>
-          <a:ln>
-            <a:solidFill>
-              <a:schemeClr val="bg1"/>
-            </a:solidFill>
-          </a:ln>
-        </p:spPr>
-        <p:style>
-          <a:lnRef idx="1">
-            <a:schemeClr val="dk1"/>
-          </a:lnRef>
-          <a:fillRef idx="0">
-            <a:schemeClr val="dk1"/>
-          </a:fillRef>
-          <a:effectRef idx="0">
-            <a:schemeClr val="dk1"/>
-          </a:effectRef>
-          <a:fontRef idx="minor">
-            <a:schemeClr val="tx1"/>
-          </a:fontRef>
-        </p:style>
-        <p:txBody>
-          <a:bodyPr rtlCol="0" anchor="ctr"/>
-          <a:lstStyle/>
-          <a:p>
-            <a:pPr algn="ctr"/>
-            <a:endParaRPr lang="it-IT">
-              <a:solidFill>
-                <a:schemeClr val="bg1"/>
-              </a:solidFill>
-            </a:endParaRPr>
-          </a:p>
-        </p:txBody>
-      </p:sp>
-      <p:sp>
-        <p:nvSpPr>
-          <p:cNvPr id="30" name="Parentesi quadra aperta 29">
-            <a:extLst>
-              <a:ext uri="{FF2B5EF4-FFF2-40B4-BE49-F238E27FC236}">
-                <a16:creationId xmlns:a16="http://schemas.microsoft.com/office/drawing/2014/main" id="{5B9CC570-0004-4DE7-95E5-7703CBADB919}"/>
-              </a:ext>
-            </a:extLst>
-          </p:cNvPr>
-          <p:cNvSpPr/>
-          <p:nvPr/>
-        </p:nvSpPr>
-        <p:spPr>
-          <a:xfrm rot="10800000">
-            <a:off x="8206112" y="5815159"/>
-            <a:ext cx="150221" cy="646330"/>
-          </a:xfrm>
-          <a:prstGeom prst="leftBracket">
-            <a:avLst/>
-          </a:prstGeom>
-          <a:ln>
-            <a:solidFill>
-              <a:schemeClr val="bg1"/>
-            </a:solidFill>
-          </a:ln>
-        </p:spPr>
-        <p:style>
-          <a:lnRef idx="1">
-            <a:schemeClr val="dk1"/>
-          </a:lnRef>
-          <a:fillRef idx="0">
-            <a:schemeClr val="dk1"/>
-          </a:fillRef>
-          <a:effectRef idx="0">
-            <a:schemeClr val="dk1"/>
-          </a:effectRef>
-          <a:fontRef idx="minor">
-            <a:schemeClr val="tx1"/>
-          </a:fontRef>
-        </p:style>
-        <p:txBody>
-          <a:bodyPr rtlCol="0" anchor="ctr"/>
-          <a:lstStyle/>
-          <a:p>
-            <a:pPr algn="ctr"/>
-            <a:endParaRPr lang="it-IT">
-              <a:solidFill>
-                <a:schemeClr val="bg1"/>
-              </a:solidFill>
-            </a:endParaRPr>
-          </a:p>
-        </p:txBody>
-      </p:sp>
+      <mc:AlternateContent xmlns:mc="http://schemas.openxmlformats.org/markup-compatibility/2006">
+        <mc:Choice xmlns:a14="http://schemas.microsoft.com/office/drawing/2010/main" Requires="a14">
+          <p:sp>
+            <p:nvSpPr>
+              <p:cNvPr id="28" name="CasellaDiTesto 27">
+                <a:extLst>
+                  <a:ext uri="{FF2B5EF4-FFF2-40B4-BE49-F238E27FC236}">
+                    <a16:creationId xmlns:a16="http://schemas.microsoft.com/office/drawing/2014/main" id="{7A98AA87-D720-49E6-9F08-77F8ED2FCEC3}"/>
+                  </a:ext>
+                </a:extLst>
+              </p:cNvPr>
+              <p:cNvSpPr txBox="1"/>
+              <p:nvPr/>
+            </p:nvSpPr>
+            <p:spPr>
+              <a:xfrm>
+                <a:off x="6533538" y="5733255"/>
+                <a:ext cx="1788717" cy="590739"/>
+              </a:xfrm>
+              <a:prstGeom prst="rect">
+                <a:avLst/>
+              </a:prstGeom>
+              <a:noFill/>
+            </p:spPr>
+            <p:txBody>
+              <a:bodyPr wrap="square" rtlCol="0">
+                <a:spAutoFit/>
+              </a:bodyPr>
+              <a:lstStyle/>
+              <a:p>
+                <a:pPr algn="ctr"/>
+                <a:r>
+                  <a:rPr lang="it-IT" dirty="0">
+                    <a:solidFill>
+                      <a:schemeClr val="bg1"/>
+                    </a:solidFill>
+                  </a:rPr>
+                  <a:t>B</a:t>
+                </a:r>
+                <a:r>
+                  <a:rPr lang="it-IT" baseline="-25000" dirty="0">
+                    <a:solidFill>
+                      <a:schemeClr val="bg1"/>
+                    </a:solidFill>
+                  </a:rPr>
+                  <a:t>i </a:t>
+                </a:r>
+                <a:r>
+                  <a:rPr lang="it-IT" dirty="0">
+                    <a:solidFill>
+                      <a:schemeClr val="bg1"/>
+                    </a:solidFill>
+                  </a:rPr>
+                  <a:t>= </a:t>
+                </a:r>
+                <a14:m>
+                  <m:oMath xmlns:m="http://schemas.openxmlformats.org/officeDocument/2006/math">
+                    <m:d>
+                      <m:dPr>
+                        <m:begChr m:val="["/>
+                        <m:endChr m:val="]"/>
+                        <m:ctrlPr>
+                          <a:rPr lang="it-IT" i="1" smtClean="0">
+                            <a:solidFill>
+                              <a:schemeClr val="bg1"/>
+                            </a:solidFill>
+                            <a:latin typeface="Cambria Math" panose="02040503050406030204" pitchFamily="18" charset="0"/>
+                          </a:rPr>
+                        </m:ctrlPr>
+                      </m:dPr>
+                      <m:e>
+                        <m:m>
+                          <m:mPr>
+                            <m:mcs>
+                              <m:mc>
+                                <m:mcPr>
+                                  <m:count m:val="1"/>
+                                  <m:mcJc m:val="center"/>
+                                </m:mcPr>
+                              </m:mc>
+                            </m:mcs>
+                            <m:ctrlPr>
+                              <a:rPr lang="it-IT" i="1" smtClean="0">
+                                <a:solidFill>
+                                  <a:schemeClr val="bg1"/>
+                                </a:solidFill>
+                                <a:latin typeface="Cambria Math" panose="02040503050406030204" pitchFamily="18" charset="0"/>
+                              </a:rPr>
+                            </m:ctrlPr>
+                          </m:mPr>
+                          <m:mr>
+                            <m:e>
+                              <m:r>
+                                <m:rPr>
+                                  <m:nor/>
+                                </m:rPr>
+                                <a:rPr lang="it-IT" dirty="0">
+                                  <a:solidFill>
+                                    <a:schemeClr val="bg1"/>
+                                  </a:solidFill>
+                                </a:rPr>
+                                <m:t>t</m:t>
+                              </m:r>
+                              <m:r>
+                                <m:rPr>
+                                  <m:nor/>
+                                </m:rPr>
+                                <a:rPr lang="it-IT" baseline="-25000" dirty="0">
+                                  <a:solidFill>
+                                    <a:schemeClr val="bg1"/>
+                                  </a:solidFill>
+                                </a:rPr>
+                                <m:t>i</m:t>
+                              </m:r>
+                              <m:r>
+                                <m:rPr>
+                                  <m:nor/>
+                                </m:rPr>
+                                <a:rPr lang="it-IT" baseline="-25000" dirty="0">
+                                  <a:solidFill>
+                                    <a:schemeClr val="bg1"/>
+                                  </a:solidFill>
+                                </a:rPr>
+                                <m:t> </m:t>
+                              </m:r>
+                            </m:e>
+                          </m:mr>
+                          <m:mr>
+                            <m:e>
+                              <m:r>
+                                <m:rPr>
+                                  <m:nor/>
+                                </m:rPr>
+                                <a:rPr lang="it-IT" dirty="0">
+                                  <a:solidFill>
+                                    <a:schemeClr val="bg1"/>
+                                  </a:solidFill>
+                                </a:rPr>
+                                <m:t>p</m:t>
+                              </m:r>
+                              <m:r>
+                                <m:rPr>
+                                  <m:nor/>
+                                </m:rPr>
+                                <a:rPr lang="it-IT" baseline="-25000" dirty="0">
+                                  <a:solidFill>
+                                    <a:schemeClr val="bg1"/>
+                                  </a:solidFill>
+                                </a:rPr>
+                                <m:t>i</m:t>
+                              </m:r>
+                              <m:r>
+                                <m:rPr>
+                                  <m:nor/>
+                                </m:rPr>
+                                <a:rPr lang="it-IT" dirty="0">
+                                  <a:solidFill>
+                                    <a:schemeClr val="bg1"/>
+                                  </a:solidFill>
+                                </a:rPr>
+                                <m:t> × </m:t>
+                              </m:r>
+                              <m:r>
+                                <m:rPr>
+                                  <m:nor/>
+                                </m:rPr>
+                                <a:rPr lang="it-IT" dirty="0">
+                                  <a:solidFill>
+                                    <a:schemeClr val="bg1"/>
+                                  </a:solidFill>
+                                </a:rPr>
+                                <m:t>ti</m:t>
+                              </m:r>
+                              <m:r>
+                                <m:rPr>
+                                  <m:nor/>
+                                </m:rPr>
+                                <a:rPr lang="it-IT" baseline="-25000" dirty="0">
+                                  <a:solidFill>
+                                    <a:schemeClr val="bg1"/>
+                                  </a:solidFill>
+                                </a:rPr>
+                                <m:t> </m:t>
+                              </m:r>
+                            </m:e>
+                          </m:mr>
+                        </m:m>
+                      </m:e>
+                    </m:d>
+                  </m:oMath>
+                </a14:m>
+                <a:endParaRPr lang="it-IT" baseline="-25000" dirty="0">
+                  <a:solidFill>
+                    <a:schemeClr val="bg1"/>
+                  </a:solidFill>
+                </a:endParaRPr>
+              </a:p>
+            </p:txBody>
+          </p:sp>
+        </mc:Choice>
+        <mc:Fallback>
+          <p:sp>
+            <p:nvSpPr>
+              <p:cNvPr id="28" name="CasellaDiTesto 27">
+                <a:extLst>
+                  <a:ext uri="{FF2B5EF4-FFF2-40B4-BE49-F238E27FC236}">
+                    <a16:creationId xmlns:a16="http://schemas.microsoft.com/office/drawing/2014/main" id="{7A98AA87-D720-49E6-9F08-77F8ED2FCEC3}"/>
+                  </a:ext>
+                </a:extLst>
+              </p:cNvPr>
+              <p:cNvSpPr txBox="1">
+                <a:spLocks noRot="1" noChangeAspect="1" noMove="1" noResize="1" noEditPoints="1" noAdjustHandles="1" noChangeArrowheads="1" noChangeShapeType="1" noTextEdit="1"/>
+              </p:cNvSpPr>
+              <p:nvPr/>
+            </p:nvSpPr>
+            <p:spPr>
+              <a:xfrm>
+                <a:off x="6533538" y="5733255"/>
+                <a:ext cx="1788717" cy="590739"/>
+              </a:xfrm>
+              <a:prstGeom prst="rect">
+                <a:avLst/>
+              </a:prstGeom>
+              <a:blipFill>
+                <a:blip r:embed="rId3"/>
+                <a:stretch>
+                  <a:fillRect/>
+                </a:stretch>
+              </a:blipFill>
+            </p:spPr>
+            <p:txBody>
+              <a:bodyPr/>
+              <a:lstStyle/>
+              <a:p>
+                <a:r>
+                  <a:rPr lang="it-IT">
+                    <a:noFill/>
+                  </a:rPr>
+                  <a:t> </a:t>
+                </a:r>
+              </a:p>
+            </p:txBody>
+          </p:sp>
+        </mc:Fallback>
+      </mc:AlternateContent>
       <p:cxnSp>
         <p:nvCxnSpPr>
           <p:cNvPr id="31" name="Connettore 2 30">
@@ -7926,7 +7395,7 @@
         </p:nvCxnSpPr>
         <p:spPr>
           <a:xfrm>
-            <a:off x="5952742" y="1820186"/>
+            <a:off x="6096000" y="1820186"/>
             <a:ext cx="0" cy="272352"/>
           </a:xfrm>
           <a:prstGeom prst="straightConnector1">
@@ -8447,8 +7916,8 @@
         </p:nvSpPr>
         <p:spPr>
           <a:xfrm>
-            <a:off x="4701359" y="1358520"/>
-            <a:ext cx="1489124" cy="497129"/>
+            <a:off x="4716904" y="1367745"/>
+            <a:ext cx="1691695" cy="497129"/>
           </a:xfrm>
           <a:prstGeom prst="rect">
             <a:avLst/>
@@ -8541,8 +8010,8 @@
         </p:nvSpPr>
         <p:spPr>
           <a:xfrm>
-            <a:off x="6840283" y="4348848"/>
-            <a:ext cx="3525865" cy="2179234"/>
+            <a:off x="6160687" y="4348848"/>
+            <a:ext cx="4205462" cy="2179234"/>
           </a:xfrm>
           <a:prstGeom prst="rect">
             <a:avLst/>
@@ -8668,6 +8137,659 @@
           </a:p>
         </p:txBody>
       </p:sp>
+      <mc:AlternateContent xmlns:mc="http://schemas.openxmlformats.org/markup-compatibility/2006">
+        <mc:Choice xmlns:a14="http://schemas.microsoft.com/office/drawing/2010/main" Requires="a14">
+          <p:sp>
+            <p:nvSpPr>
+              <p:cNvPr id="2" name="CasellaDiTesto 1">
+                <a:extLst>
+                  <a:ext uri="{FF2B5EF4-FFF2-40B4-BE49-F238E27FC236}">
+                    <a16:creationId xmlns:a16="http://schemas.microsoft.com/office/drawing/2014/main" id="{DE49AC7B-C05B-4283-8446-B362C342B3B5}"/>
+                  </a:ext>
+                </a:extLst>
+              </p:cNvPr>
+              <p:cNvSpPr txBox="1"/>
+              <p:nvPr/>
+            </p:nvSpPr>
+            <p:spPr>
+              <a:xfrm>
+                <a:off x="9742966" y="4422001"/>
+                <a:ext cx="478977" cy="1787605"/>
+              </a:xfrm>
+              <a:prstGeom prst="rect">
+                <a:avLst/>
+              </a:prstGeom>
+              <a:noFill/>
+            </p:spPr>
+            <p:txBody>
+              <a:bodyPr wrap="none" lIns="0" tIns="0" rIns="0" bIns="0" rtlCol="0">
+                <a:spAutoFit/>
+              </a:bodyPr>
+              <a:lstStyle/>
+              <a:p>
+                <a:pPr/>
+                <a14:m>
+                  <m:oMathPara xmlns:m="http://schemas.openxmlformats.org/officeDocument/2006/math">
+                    <m:oMathParaPr>
+                      <m:jc m:val="centerGroup"/>
+                    </m:oMathParaPr>
+                    <m:oMath xmlns:m="http://schemas.openxmlformats.org/officeDocument/2006/math">
+                      <m:d>
+                        <m:dPr>
+                          <m:begChr m:val="["/>
+                          <m:endChr m:val="]"/>
+                          <m:ctrlPr>
+                            <a:rPr lang="it-IT" i="1" smtClean="0">
+                              <a:solidFill>
+                                <a:schemeClr val="bg1"/>
+                              </a:solidFill>
+                              <a:latin typeface="Cambria Math" panose="02040503050406030204" pitchFamily="18" charset="0"/>
+                            </a:rPr>
+                          </m:ctrlPr>
+                        </m:dPr>
+                        <m:e>
+                          <m:m>
+                            <m:mPr>
+                              <m:mcs>
+                                <m:mc>
+                                  <m:mcPr>
+                                    <m:count m:val="1"/>
+                                    <m:mcJc m:val="center"/>
+                                  </m:mcPr>
+                                </m:mc>
+                              </m:mcs>
+                              <m:ctrlPr>
+                                <a:rPr lang="it-IT" i="1" smtClean="0">
+                                  <a:solidFill>
+                                    <a:schemeClr val="bg1"/>
+                                  </a:solidFill>
+                                  <a:latin typeface="Cambria Math" panose="02040503050406030204" pitchFamily="18" charset="0"/>
+                                </a:rPr>
+                              </m:ctrlPr>
+                            </m:mPr>
+                            <m:mr>
+                              <m:e>
+                                <m:eqArr>
+                                  <m:eqArrPr>
+                                    <m:ctrlPr>
+                                      <a:rPr lang="it-IT" i="1" dirty="0">
+                                        <a:solidFill>
+                                          <a:schemeClr val="bg1"/>
+                                        </a:solidFill>
+                                        <a:latin typeface="Cambria Math" panose="02040503050406030204" pitchFamily="18" charset="0"/>
+                                      </a:rPr>
+                                    </m:ctrlPr>
+                                  </m:eqArrPr>
+                                  <m:e>
+                                    <m:r>
+                                      <m:rPr>
+                                        <m:nor/>
+                                      </m:rPr>
+                                      <a:rPr lang="it-IT" dirty="0">
+                                        <a:solidFill>
+                                          <a:schemeClr val="bg1"/>
+                                        </a:solidFill>
+                                      </a:rPr>
+                                      <m:t>T</m:t>
+                                    </m:r>
+                                    <m:r>
+                                      <m:rPr>
+                                        <m:nor/>
+                                      </m:rPr>
+                                      <a:rPr lang="it-IT" baseline="-25000" dirty="0">
+                                        <a:solidFill>
+                                          <a:schemeClr val="bg1"/>
+                                        </a:solidFill>
+                                      </a:rPr>
+                                      <m:t>1 </m:t>
+                                    </m:r>
+                                  </m:e>
+                                  <m:e>
+                                    <m:r>
+                                      <m:rPr>
+                                        <m:nor/>
+                                      </m:rPr>
+                                      <a:rPr lang="it-IT" dirty="0">
+                                        <a:solidFill>
+                                          <a:schemeClr val="bg1"/>
+                                        </a:solidFill>
+                                      </a:rPr>
+                                      <m:t>T</m:t>
+                                    </m:r>
+                                    <m:r>
+                                      <m:rPr>
+                                        <m:nor/>
+                                      </m:rPr>
+                                      <a:rPr lang="it-IT" b="0" i="0" baseline="-25000" dirty="0" smtClean="0">
+                                        <a:solidFill>
+                                          <a:schemeClr val="bg1"/>
+                                        </a:solidFill>
+                                      </a:rPr>
+                                      <m:t>2</m:t>
+                                    </m:r>
+                                    <m:r>
+                                      <m:rPr>
+                                        <m:nor/>
+                                      </m:rPr>
+                                      <a:rPr lang="it-IT" baseline="-25000" dirty="0">
+                                        <a:solidFill>
+                                          <a:schemeClr val="bg1"/>
+                                        </a:solidFill>
+                                      </a:rPr>
+                                      <m:t> </m:t>
+                                    </m:r>
+                                  </m:e>
+                                </m:eqArr>
+                              </m:e>
+                            </m:mr>
+                            <m:mr>
+                              <m:e>
+                                <m:eqArr>
+                                  <m:eqArrPr>
+                                    <m:ctrlPr>
+                                      <a:rPr lang="it-IT" i="1" dirty="0">
+                                        <a:solidFill>
+                                          <a:schemeClr val="bg1"/>
+                                        </a:solidFill>
+                                        <a:latin typeface="Cambria Math" panose="02040503050406030204" pitchFamily="18" charset="0"/>
+                                      </a:rPr>
+                                    </m:ctrlPr>
+                                  </m:eqArrPr>
+                                  <m:e>
+                                    <m:r>
+                                      <m:rPr>
+                                        <m:nor/>
+                                      </m:rPr>
+                                      <a:rPr lang="it-IT" dirty="0">
+                                        <a:solidFill>
+                                          <a:schemeClr val="bg1"/>
+                                        </a:solidFill>
+                                      </a:rPr>
+                                      <m:t>T</m:t>
+                                    </m:r>
+                                    <m:r>
+                                      <m:rPr>
+                                        <m:nor/>
+                                      </m:rPr>
+                                      <a:rPr lang="it-IT" b="0" i="1" baseline="-25000" dirty="0" smtClean="0">
+                                        <a:solidFill>
+                                          <a:schemeClr val="bg1"/>
+                                        </a:solidFill>
+                                      </a:rPr>
+                                      <m:t>3</m:t>
+                                    </m:r>
+                                  </m:e>
+                                  <m:e>
+                                    <m:r>
+                                      <m:rPr>
+                                        <m:nor/>
+                                      </m:rPr>
+                                      <a:rPr lang="it-IT" dirty="0">
+                                        <a:solidFill>
+                                          <a:schemeClr val="bg1"/>
+                                        </a:solidFill>
+                                      </a:rPr>
+                                      <m:t>T</m:t>
+                                    </m:r>
+                                    <m:r>
+                                      <m:rPr>
+                                        <m:nor/>
+                                      </m:rPr>
+                                      <a:rPr lang="it-IT" b="0" i="0" baseline="-25000" dirty="0" smtClean="0">
+                                        <a:solidFill>
+                                          <a:schemeClr val="bg1"/>
+                                        </a:solidFill>
+                                      </a:rPr>
+                                      <m:t>4</m:t>
+                                    </m:r>
+                                  </m:e>
+                                  <m:e>
+                                    <m:r>
+                                      <m:rPr>
+                                        <m:nor/>
+                                      </m:rPr>
+                                      <a:rPr lang="it-IT" dirty="0">
+                                        <a:solidFill>
+                                          <a:schemeClr val="bg1"/>
+                                        </a:solidFill>
+                                      </a:rPr>
+                                      <m:t>T</m:t>
+                                    </m:r>
+                                    <m:r>
+                                      <m:rPr>
+                                        <m:nor/>
+                                      </m:rPr>
+                                      <a:rPr lang="it-IT" b="0" i="0" baseline="-25000" dirty="0" smtClean="0">
+                                        <a:solidFill>
+                                          <a:schemeClr val="bg1"/>
+                                        </a:solidFill>
+                                      </a:rPr>
+                                      <m:t>5</m:t>
+                                    </m:r>
+                                  </m:e>
+                                  <m:e>
+                                    <m:r>
+                                      <m:rPr>
+                                        <m:nor/>
+                                      </m:rPr>
+                                      <a:rPr lang="it-IT" dirty="0" smtClean="0">
+                                        <a:solidFill>
+                                          <a:schemeClr val="bg1"/>
+                                        </a:solidFill>
+                                      </a:rPr>
+                                      <m:t>T</m:t>
+                                    </m:r>
+                                    <m:r>
+                                      <m:rPr>
+                                        <m:nor/>
+                                      </m:rPr>
+                                      <a:rPr lang="it-IT" b="0" i="0" baseline="-25000" dirty="0" smtClean="0">
+                                        <a:solidFill>
+                                          <a:schemeClr val="bg1"/>
+                                        </a:solidFill>
+                                      </a:rPr>
+                                      <m:t>6</m:t>
+                                    </m:r>
+                                  </m:e>
+                                  <m:e>
+                                    <m:r>
+                                      <m:rPr>
+                                        <m:nor/>
+                                      </m:rPr>
+                                      <a:rPr lang="it-IT" dirty="0">
+                                        <a:solidFill>
+                                          <a:schemeClr val="bg1"/>
+                                        </a:solidFill>
+                                      </a:rPr>
+                                      <m:t>T</m:t>
+                                    </m:r>
+                                    <m:r>
+                                      <m:rPr>
+                                        <m:nor/>
+                                      </m:rPr>
+                                      <a:rPr lang="it-IT" b="0" i="0" baseline="-25000" dirty="0" smtClean="0">
+                                        <a:solidFill>
+                                          <a:schemeClr val="bg1"/>
+                                        </a:solidFill>
+                                      </a:rPr>
+                                      <m:t>7</m:t>
+                                    </m:r>
+                                  </m:e>
+                                </m:eqArr>
+                              </m:e>
+                            </m:mr>
+                          </m:m>
+                        </m:e>
+                      </m:d>
+                    </m:oMath>
+                  </m:oMathPara>
+                </a14:m>
+                <a:endParaRPr lang="it-IT" dirty="0">
+                  <a:solidFill>
+                    <a:schemeClr val="bg1"/>
+                  </a:solidFill>
+                </a:endParaRPr>
+              </a:p>
+            </p:txBody>
+          </p:sp>
+        </mc:Choice>
+        <mc:Fallback>
+          <p:sp>
+            <p:nvSpPr>
+              <p:cNvPr id="2" name="CasellaDiTesto 1">
+                <a:extLst>
+                  <a:ext uri="{FF2B5EF4-FFF2-40B4-BE49-F238E27FC236}">
+                    <a16:creationId xmlns:a16="http://schemas.microsoft.com/office/drawing/2014/main" id="{DE49AC7B-C05B-4283-8446-B362C342B3B5}"/>
+                  </a:ext>
+                </a:extLst>
+              </p:cNvPr>
+              <p:cNvSpPr txBox="1">
+                <a:spLocks noRot="1" noChangeAspect="1" noMove="1" noResize="1" noEditPoints="1" noAdjustHandles="1" noChangeArrowheads="1" noChangeShapeType="1" noTextEdit="1"/>
+              </p:cNvSpPr>
+              <p:nvPr/>
+            </p:nvSpPr>
+            <p:spPr>
+              <a:xfrm>
+                <a:off x="9742966" y="4422001"/>
+                <a:ext cx="478977" cy="1787605"/>
+              </a:xfrm>
+              <a:prstGeom prst="rect">
+                <a:avLst/>
+              </a:prstGeom>
+              <a:blipFill>
+                <a:blip r:embed="rId4"/>
+                <a:stretch>
+                  <a:fillRect b="-2041"/>
+                </a:stretch>
+              </a:blipFill>
+            </p:spPr>
+            <p:txBody>
+              <a:bodyPr/>
+              <a:lstStyle/>
+              <a:p>
+                <a:r>
+                  <a:rPr lang="it-IT">
+                    <a:noFill/>
+                  </a:rPr>
+                  <a:t> </a:t>
+                </a:r>
+              </a:p>
+            </p:txBody>
+          </p:sp>
+        </mc:Fallback>
+      </mc:AlternateContent>
+      <mc:AlternateContent xmlns:mc="http://schemas.openxmlformats.org/markup-compatibility/2006">
+        <mc:Choice xmlns:a14="http://schemas.microsoft.com/office/drawing/2010/main" Requires="a14">
+          <p:sp>
+            <p:nvSpPr>
+              <p:cNvPr id="16" name="CasellaDiTesto 15">
+                <a:extLst>
+                  <a:ext uri="{FF2B5EF4-FFF2-40B4-BE49-F238E27FC236}">
+                    <a16:creationId xmlns:a16="http://schemas.microsoft.com/office/drawing/2014/main" id="{F37F7116-69E7-4235-A557-998D7EAD8CEF}"/>
+                  </a:ext>
+                </a:extLst>
+              </p:cNvPr>
+              <p:cNvSpPr txBox="1"/>
+              <p:nvPr/>
+            </p:nvSpPr>
+            <p:spPr>
+              <a:xfrm>
+                <a:off x="6232965" y="5177303"/>
+                <a:ext cx="3531095" cy="276999"/>
+              </a:xfrm>
+              <a:prstGeom prst="rect">
+                <a:avLst/>
+              </a:prstGeom>
+              <a:noFill/>
+            </p:spPr>
+            <p:txBody>
+              <a:bodyPr wrap="none" lIns="0" tIns="0" rIns="0" bIns="0" rtlCol="0">
+                <a:spAutoFit/>
+              </a:bodyPr>
+              <a:lstStyle/>
+              <a:p>
+                <a:r>
+                  <a:rPr lang="el-GR" dirty="0">
+                    <a:solidFill>
+                      <a:schemeClr val="bg1"/>
+                    </a:solidFill>
+                    <a:latin typeface="Cambria Math" panose="02040503050406030204" pitchFamily="18" charset="0"/>
+                    <a:ea typeface="Cambria Math" panose="02040503050406030204" pitchFamily="18" charset="0"/>
+                  </a:rPr>
+                  <a:t>τ</a:t>
+                </a:r>
+                <a:r>
+                  <a:rPr lang="it-IT" dirty="0">
+                    <a:solidFill>
+                      <a:schemeClr val="bg1"/>
+                    </a:solidFill>
+                  </a:rPr>
+                  <a:t> =</a:t>
+                </a:r>
+                <a14:m>
+                  <m:oMath xmlns:m="http://schemas.openxmlformats.org/officeDocument/2006/math">
+                    <m:d>
+                      <m:dPr>
+                        <m:begChr m:val="["/>
+                        <m:endChr m:val="]"/>
+                        <m:ctrlPr>
+                          <a:rPr lang="it-IT" i="1" smtClean="0">
+                            <a:solidFill>
+                              <a:schemeClr val="bg1"/>
+                            </a:solidFill>
+                            <a:latin typeface="Cambria Math" panose="02040503050406030204" pitchFamily="18" charset="0"/>
+                          </a:rPr>
+                        </m:ctrlPr>
+                      </m:dPr>
+                      <m:e>
+                        <m:m>
+                          <m:mPr>
+                            <m:mcs>
+                              <m:mc>
+                                <m:mcPr>
+                                  <m:count m:val="7"/>
+                                  <m:mcJc m:val="center"/>
+                                </m:mcPr>
+                              </m:mc>
+                            </m:mcs>
+                            <m:ctrlPr>
+                              <a:rPr lang="it-IT" i="1" smtClean="0">
+                                <a:solidFill>
+                                  <a:schemeClr val="bg1"/>
+                                </a:solidFill>
+                                <a:latin typeface="Cambria Math" panose="02040503050406030204" pitchFamily="18" charset="0"/>
+                              </a:rPr>
+                            </m:ctrlPr>
+                          </m:mPr>
+                          <m:mr>
+                            <m:e>
+                              <m:r>
+                                <m:rPr>
+                                  <m:nor/>
+                                </m:rPr>
+                                <a:rPr lang="it-IT" dirty="0">
+                                  <a:solidFill>
+                                    <a:schemeClr val="bg1"/>
+                                  </a:solidFill>
+                                </a:rPr>
+                                <m:t>B</m:t>
+                              </m:r>
+                              <m:r>
+                                <m:rPr>
+                                  <m:nor/>
+                                </m:rPr>
+                                <a:rPr lang="it-IT" baseline="-25000" dirty="0">
+                                  <a:solidFill>
+                                    <a:schemeClr val="bg1"/>
+                                  </a:solidFill>
+                                </a:rPr>
+                                <m:t>1</m:t>
+                              </m:r>
+                            </m:e>
+                            <m:e>
+                              <m:r>
+                                <m:rPr>
+                                  <m:nor/>
+                                </m:rPr>
+                                <a:rPr lang="it-IT" dirty="0">
+                                  <a:solidFill>
+                                    <a:schemeClr val="bg1"/>
+                                  </a:solidFill>
+                                </a:rPr>
+                                <m:t>B</m:t>
+                              </m:r>
+                              <m:r>
+                                <m:rPr>
+                                  <m:nor/>
+                                </m:rPr>
+                                <a:rPr lang="it-IT" b="0" i="0" baseline="-25000" dirty="0" smtClean="0">
+                                  <a:solidFill>
+                                    <a:schemeClr val="bg1"/>
+                                  </a:solidFill>
+                                </a:rPr>
+                                <m:t>2</m:t>
+                              </m:r>
+                            </m:e>
+                            <m:e>
+                              <m:r>
+                                <m:rPr>
+                                  <m:nor/>
+                                </m:rPr>
+                                <a:rPr lang="it-IT" dirty="0">
+                                  <a:solidFill>
+                                    <a:schemeClr val="bg1"/>
+                                  </a:solidFill>
+                                </a:rPr>
+                                <m:t>B</m:t>
+                              </m:r>
+                              <m:r>
+                                <m:rPr>
+                                  <m:nor/>
+                                </m:rPr>
+                                <a:rPr lang="it-IT" b="0" i="0" baseline="-25000" dirty="0" smtClean="0">
+                                  <a:solidFill>
+                                    <a:schemeClr val="bg1"/>
+                                  </a:solidFill>
+                                </a:rPr>
+                                <m:t>3</m:t>
+                              </m:r>
+                            </m:e>
+                            <m:e>
+                              <m:r>
+                                <m:rPr>
+                                  <m:nor/>
+                                </m:rPr>
+                                <a:rPr lang="it-IT" dirty="0">
+                                  <a:solidFill>
+                                    <a:schemeClr val="bg1"/>
+                                  </a:solidFill>
+                                </a:rPr>
+                                <m:t>B</m:t>
+                              </m:r>
+                              <m:r>
+                                <m:rPr>
+                                  <m:nor/>
+                                </m:rPr>
+                                <a:rPr lang="it-IT" b="0" i="0" baseline="-25000" dirty="0" smtClean="0">
+                                  <a:solidFill>
+                                    <a:schemeClr val="bg1"/>
+                                  </a:solidFill>
+                                </a:rPr>
+                                <m:t>4</m:t>
+                              </m:r>
+                            </m:e>
+                            <m:e>
+                              <m:r>
+                                <m:rPr>
+                                  <m:nor/>
+                                </m:rPr>
+                                <a:rPr lang="it-IT" dirty="0">
+                                  <a:solidFill>
+                                    <a:schemeClr val="bg1"/>
+                                  </a:solidFill>
+                                </a:rPr>
+                                <m:t>B</m:t>
+                              </m:r>
+                              <m:r>
+                                <m:rPr>
+                                  <m:nor/>
+                                </m:rPr>
+                                <a:rPr lang="it-IT" b="0" i="0" baseline="-25000" dirty="0" smtClean="0">
+                                  <a:solidFill>
+                                    <a:schemeClr val="bg1"/>
+                                  </a:solidFill>
+                                </a:rPr>
+                                <m:t>5</m:t>
+                              </m:r>
+                            </m:e>
+                            <m:e>
+                              <m:r>
+                                <m:rPr>
+                                  <m:nor/>
+                                </m:rPr>
+                                <a:rPr lang="it-IT" dirty="0">
+                                  <a:solidFill>
+                                    <a:schemeClr val="bg1"/>
+                                  </a:solidFill>
+                                </a:rPr>
+                                <m:t>B</m:t>
+                              </m:r>
+                              <m:r>
+                                <m:rPr>
+                                  <m:nor/>
+                                </m:rPr>
+                                <a:rPr lang="it-IT" b="0" i="0" baseline="-25000" dirty="0" smtClean="0">
+                                  <a:solidFill>
+                                    <a:schemeClr val="bg1"/>
+                                  </a:solidFill>
+                                </a:rPr>
+                                <m:t>6</m:t>
+                              </m:r>
+                            </m:e>
+                            <m:e>
+                              <m:r>
+                                <m:rPr>
+                                  <m:nor/>
+                                </m:rPr>
+                                <a:rPr lang="it-IT" dirty="0">
+                                  <a:solidFill>
+                                    <a:schemeClr val="bg1"/>
+                                  </a:solidFill>
+                                </a:rPr>
+                                <m:t>B</m:t>
+                              </m:r>
+                              <m:r>
+                                <m:rPr>
+                                  <m:nor/>
+                                </m:rPr>
+                                <a:rPr lang="it-IT" b="0" i="0" baseline="-25000" dirty="0" smtClean="0">
+                                  <a:solidFill>
+                                    <a:schemeClr val="bg1"/>
+                                  </a:solidFill>
+                                </a:rPr>
+                                <m:t>7</m:t>
+                              </m:r>
+                            </m:e>
+                          </m:mr>
+                        </m:m>
+                      </m:e>
+                    </m:d>
+                  </m:oMath>
+                </a14:m>
+                <a:endParaRPr lang="it-IT" dirty="0">
+                  <a:solidFill>
+                    <a:schemeClr val="bg1"/>
+                  </a:solidFill>
+                </a:endParaRPr>
+              </a:p>
+            </p:txBody>
+          </p:sp>
+        </mc:Choice>
+        <mc:Fallback>
+          <p:sp>
+            <p:nvSpPr>
+              <p:cNvPr id="16" name="CasellaDiTesto 15">
+                <a:extLst>
+                  <a:ext uri="{FF2B5EF4-FFF2-40B4-BE49-F238E27FC236}">
+                    <a16:creationId xmlns:a16="http://schemas.microsoft.com/office/drawing/2014/main" id="{F37F7116-69E7-4235-A557-998D7EAD8CEF}"/>
+                  </a:ext>
+                </a:extLst>
+              </p:cNvPr>
+              <p:cNvSpPr txBox="1">
+                <a:spLocks noRot="1" noChangeAspect="1" noMove="1" noResize="1" noEditPoints="1" noAdjustHandles="1" noChangeArrowheads="1" noChangeShapeType="1" noTextEdit="1"/>
+              </p:cNvSpPr>
+              <p:nvPr/>
+            </p:nvSpPr>
+            <p:spPr>
+              <a:xfrm>
+                <a:off x="6232965" y="5177303"/>
+                <a:ext cx="3531095" cy="276999"/>
+              </a:xfrm>
+              <a:prstGeom prst="rect">
+                <a:avLst/>
+              </a:prstGeom>
+              <a:blipFill>
+                <a:blip r:embed="rId5"/>
+                <a:stretch>
+                  <a:fillRect l="-3966" t="-30435" b="-52174"/>
+                </a:stretch>
+              </a:blipFill>
+            </p:spPr>
+            <p:txBody>
+              <a:bodyPr/>
+              <a:lstStyle/>
+              <a:p>
+                <a:r>
+                  <a:rPr lang="it-IT">
+                    <a:noFill/>
+                  </a:rPr>
+                  <a:t> </a:t>
+                </a:r>
+              </a:p>
+            </p:txBody>
+          </p:sp>
+        </mc:Fallback>
+      </mc:AlternateContent>
     </p:spTree>
     <p:extLst>
       <p:ext uri="{BB962C8B-B14F-4D97-AF65-F5344CB8AC3E}">

--- a/presentazione.pptx
+++ b/presentazione.pptx
@@ -6620,202 +6620,339 @@
           </a:p>
         </p:txBody>
       </p:sp>
-      <p:sp>
-        <p:nvSpPr>
-          <p:cNvPr id="10" name="Rettangolo 9">
-            <a:extLst>
-              <a:ext uri="{FF2B5EF4-FFF2-40B4-BE49-F238E27FC236}">
-                <a16:creationId xmlns:a16="http://schemas.microsoft.com/office/drawing/2014/main" id="{0615C7E3-A432-4C70-B00B-A3E3D7AE24C8}"/>
-              </a:ext>
-            </a:extLst>
-          </p:cNvPr>
-          <p:cNvSpPr/>
-          <p:nvPr/>
-        </p:nvSpPr>
-        <p:spPr>
-          <a:xfrm>
-            <a:off x="4867750" y="1358521"/>
-            <a:ext cx="2383276" cy="461665"/>
-          </a:xfrm>
-          <a:prstGeom prst="rect">
-            <a:avLst/>
-          </a:prstGeom>
-        </p:spPr>
-        <p:txBody>
-          <a:bodyPr wrap="square">
-            <a:spAutoFit/>
-          </a:bodyPr>
-          <a:lstStyle/>
-          <a:p>
-            <a:r>
-              <a:rPr lang="it-IT" sz="2400" dirty="0" err="1">
-                <a:solidFill>
-                  <a:schemeClr val="bg1"/>
-                </a:solidFill>
-              </a:rPr>
-              <a:t>ν</a:t>
-            </a:r>
-            <a:r>
-              <a:rPr lang="it-IT" sz="2400" baseline="-25000" dirty="0" err="1">
-                <a:solidFill>
-                  <a:schemeClr val="bg1"/>
-                </a:solidFill>
-              </a:rPr>
-              <a:t>r</a:t>
-            </a:r>
-            <a:r>
-              <a:rPr lang="it-IT" sz="2400" dirty="0">
-                <a:solidFill>
-                  <a:schemeClr val="bg1"/>
-                </a:solidFill>
-              </a:rPr>
-              <a:t> = ν − </a:t>
-            </a:r>
-            <a:r>
-              <a:rPr lang="it-IT" sz="2400" dirty="0" err="1">
-                <a:solidFill>
-                  <a:schemeClr val="bg1"/>
-                </a:solidFill>
-              </a:rPr>
-              <a:t>ν</a:t>
-            </a:r>
-            <a:r>
-              <a:rPr lang="it-IT" sz="2400" baseline="-25000" dirty="0" err="1">
-                <a:solidFill>
-                  <a:schemeClr val="bg1"/>
-                </a:solidFill>
-              </a:rPr>
-              <a:t>c</a:t>
-            </a:r>
-            <a:r>
-              <a:rPr lang="it-IT" sz="2400" dirty="0">
-                <a:solidFill>
-                  <a:schemeClr val="bg1"/>
-                </a:solidFill>
-              </a:rPr>
-              <a:t> </a:t>
-            </a:r>
-          </a:p>
-        </p:txBody>
-      </p:sp>
-      <p:sp>
-        <p:nvSpPr>
-          <p:cNvPr id="12" name="Rettangolo 11">
-            <a:extLst>
-              <a:ext uri="{FF2B5EF4-FFF2-40B4-BE49-F238E27FC236}">
-                <a16:creationId xmlns:a16="http://schemas.microsoft.com/office/drawing/2014/main" id="{DA5E9FEF-0A00-435A-BCC4-5D21C6408F4C}"/>
-              </a:ext>
-            </a:extLst>
-          </p:cNvPr>
-          <p:cNvSpPr/>
-          <p:nvPr/>
-        </p:nvSpPr>
-        <p:spPr>
-          <a:xfrm>
-            <a:off x="7124375" y="2558886"/>
-            <a:ext cx="2784737" cy="461665"/>
-          </a:xfrm>
-          <a:prstGeom prst="rect">
-            <a:avLst/>
-          </a:prstGeom>
-        </p:spPr>
-        <p:txBody>
-          <a:bodyPr wrap="none">
-            <a:spAutoFit/>
-          </a:bodyPr>
-          <a:lstStyle/>
-          <a:p>
-            <a:r>
-              <a:rPr lang="it-IT" sz="2400" dirty="0" err="1">
-                <a:solidFill>
-                  <a:schemeClr val="bg1"/>
-                </a:solidFill>
-              </a:rPr>
-              <a:t>ν</a:t>
-            </a:r>
-            <a:r>
-              <a:rPr lang="it-IT" sz="2400" baseline="-25000" dirty="0" err="1">
-                <a:solidFill>
-                  <a:schemeClr val="bg1"/>
-                </a:solidFill>
-              </a:rPr>
-              <a:t>i</a:t>
-            </a:r>
-            <a:r>
-              <a:rPr lang="it-IT" sz="2400" dirty="0">
-                <a:solidFill>
-                  <a:schemeClr val="bg1"/>
-                </a:solidFill>
-              </a:rPr>
-              <a:t> = (ν</a:t>
-            </a:r>
-            <a:r>
-              <a:rPr lang="it-IT" sz="2400" baseline="-25000" dirty="0">
-                <a:solidFill>
-                  <a:schemeClr val="bg1"/>
-                </a:solidFill>
-              </a:rPr>
-              <a:t>r1 </a:t>
-            </a:r>
-            <a:r>
-              <a:rPr lang="it-IT" sz="2400" dirty="0">
-                <a:solidFill>
-                  <a:schemeClr val="bg1"/>
-                </a:solidFill>
-              </a:rPr>
-              <a:t>+ ν</a:t>
-            </a:r>
-            <a:r>
-              <a:rPr lang="it-IT" sz="2400" baseline="-25000" dirty="0">
-                <a:solidFill>
-                  <a:schemeClr val="bg1"/>
-                </a:solidFill>
-              </a:rPr>
-              <a:t>r2</a:t>
-            </a:r>
-            <a:r>
-              <a:rPr lang="it-IT" sz="2400" dirty="0">
-                <a:solidFill>
-                  <a:schemeClr val="bg1"/>
-                </a:solidFill>
-              </a:rPr>
-              <a:t>×pi)</a:t>
-            </a:r>
-            <a:r>
-              <a:rPr lang="it-IT" sz="2400" baseline="30000" dirty="0" err="1">
-                <a:solidFill>
-                  <a:schemeClr val="bg1"/>
-                </a:solidFill>
-              </a:rPr>
-              <a:t>T</a:t>
-            </a:r>
-            <a:r>
-              <a:rPr lang="it-IT" sz="2400" dirty="0" err="1">
-                <a:solidFill>
-                  <a:schemeClr val="bg1"/>
-                </a:solidFill>
-              </a:rPr>
-              <a:t>t</a:t>
-            </a:r>
-            <a:r>
-              <a:rPr lang="it-IT" sz="2400" baseline="-25000" dirty="0" err="1">
-                <a:solidFill>
-                  <a:schemeClr val="bg1"/>
-                </a:solidFill>
-              </a:rPr>
-              <a:t>i</a:t>
-            </a:r>
-            <a:r>
-              <a:rPr lang="it-IT" sz="2400" dirty="0">
-                <a:solidFill>
-                  <a:schemeClr val="bg1"/>
-                </a:solidFill>
-              </a:rPr>
-              <a:t> </a:t>
-            </a:r>
-          </a:p>
-        </p:txBody>
-      </p:sp>
+      <mc:AlternateContent xmlns:mc="http://schemas.openxmlformats.org/markup-compatibility/2006">
+        <mc:Choice xmlns:a14="http://schemas.microsoft.com/office/drawing/2010/main" Requires="a14">
+          <p:sp>
+            <p:nvSpPr>
+              <p:cNvPr id="12" name="Rettangolo 11">
+                <a:extLst>
+                  <a:ext uri="{FF2B5EF4-FFF2-40B4-BE49-F238E27FC236}">
+                    <a16:creationId xmlns:a16="http://schemas.microsoft.com/office/drawing/2014/main" id="{DA5E9FEF-0A00-435A-BCC4-5D21C6408F4C}"/>
+                  </a:ext>
+                </a:extLst>
+              </p:cNvPr>
+              <p:cNvSpPr/>
+              <p:nvPr/>
+            </p:nvSpPr>
+            <p:spPr>
+              <a:xfrm>
+                <a:off x="7137737" y="2550991"/>
+                <a:ext cx="4913654" cy="461665"/>
+              </a:xfrm>
+              <a:prstGeom prst="rect">
+                <a:avLst/>
+              </a:prstGeom>
+            </p:spPr>
+            <p:txBody>
+              <a:bodyPr wrap="square">
+                <a:spAutoFit/>
+              </a:bodyPr>
+              <a:lstStyle/>
+              <a:p>
+                <a14:m>
+                  <m:oMath xmlns:m="http://schemas.openxmlformats.org/officeDocument/2006/math">
+                    <m:r>
+                      <a:rPr lang="it-IT" sz="2400" i="1" dirty="0" smtClean="0">
+                        <a:solidFill>
+                          <a:schemeClr val="bg1"/>
+                        </a:solidFill>
+                        <a:latin typeface="Cambria Math" panose="02040503050406030204" pitchFamily="18" charset="0"/>
+                      </a:rPr>
+                      <m:t>𝜈</m:t>
+                    </m:r>
+                    <m:r>
+                      <a:rPr lang="it-IT" sz="2400" i="1" baseline="-25000" dirty="0" err="1" smtClean="0">
+                        <a:solidFill>
+                          <a:schemeClr val="bg1"/>
+                        </a:solidFill>
+                        <a:latin typeface="Cambria Math" panose="02040503050406030204" pitchFamily="18" charset="0"/>
+                      </a:rPr>
+                      <m:t>𝑖</m:t>
+                    </m:r>
+                  </m:oMath>
+                </a14:m>
+                <a:r>
+                  <a:rPr lang="it-IT" sz="2400" dirty="0">
+                    <a:solidFill>
+                      <a:schemeClr val="bg1"/>
+                    </a:solidFill>
+                  </a:rPr>
+                  <a:t> = </a:t>
+                </a:r>
+                <a14:m>
+                  <m:oMath xmlns:m="http://schemas.openxmlformats.org/officeDocument/2006/math">
+                    <m:d>
+                      <m:dPr>
+                        <m:ctrlPr>
+                          <a:rPr lang="it-IT" sz="2400" i="1" smtClean="0">
+                            <a:solidFill>
+                              <a:schemeClr val="bg1"/>
+                            </a:solidFill>
+                            <a:latin typeface="Cambria Math" panose="02040503050406030204" pitchFamily="18" charset="0"/>
+                          </a:rPr>
+                        </m:ctrlPr>
+                      </m:dPr>
+                      <m:e>
+                        <m:sSub>
+                          <m:sSubPr>
+                            <m:ctrlPr>
+                              <a:rPr lang="it-IT" sz="2400" i="1">
+                                <a:solidFill>
+                                  <a:schemeClr val="bg1"/>
+                                </a:solidFill>
+                                <a:latin typeface="Cambria Math" panose="02040503050406030204" pitchFamily="18" charset="0"/>
+                              </a:rPr>
+                            </m:ctrlPr>
+                          </m:sSubPr>
+                          <m:e>
+                            <m:r>
+                              <a:rPr lang="it-IT" sz="2400" i="1" dirty="0">
+                                <a:solidFill>
+                                  <a:schemeClr val="bg1"/>
+                                </a:solidFill>
+                                <a:latin typeface="Cambria Math" panose="02040503050406030204" pitchFamily="18" charset="0"/>
+                              </a:rPr>
+                              <m:t>𝜈</m:t>
+                            </m:r>
+                          </m:e>
+                          <m:sub>
+                            <m:r>
+                              <a:rPr lang="it-IT" sz="2400" i="1">
+                                <a:solidFill>
+                                  <a:schemeClr val="bg1"/>
+                                </a:solidFill>
+                                <a:latin typeface="Cambria Math" panose="02040503050406030204" pitchFamily="18" charset="0"/>
+                              </a:rPr>
+                              <m:t>𝑟</m:t>
+                            </m:r>
+                            <m:r>
+                              <a:rPr lang="it-IT" sz="2400" b="0" i="1" smtClean="0">
+                                <a:solidFill>
+                                  <a:schemeClr val="bg1"/>
+                                </a:solidFill>
+                                <a:latin typeface="Cambria Math" panose="02040503050406030204" pitchFamily="18" charset="0"/>
+                              </a:rPr>
+                              <m:t>1</m:t>
+                            </m:r>
+                          </m:sub>
+                        </m:sSub>
+                        <m:r>
+                          <m:rPr>
+                            <m:nor/>
+                          </m:rPr>
+                          <a:rPr lang="it-IT" sz="2400" baseline="-25000" dirty="0">
+                            <a:solidFill>
+                              <a:schemeClr val="bg1"/>
+                            </a:solidFill>
+                          </a:rPr>
+                          <m:t> </m:t>
+                        </m:r>
+                        <m:r>
+                          <m:rPr>
+                            <m:nor/>
+                          </m:rPr>
+                          <a:rPr lang="it-IT" sz="2400" dirty="0">
+                            <a:solidFill>
+                              <a:schemeClr val="bg1"/>
+                            </a:solidFill>
+                          </a:rPr>
+                          <m:t>+</m:t>
+                        </m:r>
+                        <m:sSub>
+                          <m:sSubPr>
+                            <m:ctrlPr>
+                              <a:rPr lang="it-IT" sz="2400" i="1">
+                                <a:solidFill>
+                                  <a:schemeClr val="bg1"/>
+                                </a:solidFill>
+                                <a:latin typeface="Cambria Math" panose="02040503050406030204" pitchFamily="18" charset="0"/>
+                              </a:rPr>
+                            </m:ctrlPr>
+                          </m:sSubPr>
+                          <m:e>
+                            <m:r>
+                              <a:rPr lang="it-IT" sz="2400" i="1" dirty="0">
+                                <a:solidFill>
+                                  <a:schemeClr val="bg1"/>
+                                </a:solidFill>
+                                <a:latin typeface="Cambria Math" panose="02040503050406030204" pitchFamily="18" charset="0"/>
+                              </a:rPr>
+                              <m:t>𝜈</m:t>
+                            </m:r>
+                          </m:e>
+                          <m:sub>
+                            <m:r>
+                              <a:rPr lang="it-IT" sz="2400" i="1">
+                                <a:solidFill>
+                                  <a:schemeClr val="bg1"/>
+                                </a:solidFill>
+                                <a:latin typeface="Cambria Math" panose="02040503050406030204" pitchFamily="18" charset="0"/>
+                              </a:rPr>
+                              <m:t>𝑟</m:t>
+                            </m:r>
+                            <m:r>
+                              <a:rPr lang="it-IT" sz="2400" b="0" i="1" smtClean="0">
+                                <a:solidFill>
+                                  <a:schemeClr val="bg1"/>
+                                </a:solidFill>
+                                <a:latin typeface="Cambria Math" panose="02040503050406030204" pitchFamily="18" charset="0"/>
+                              </a:rPr>
+                              <m:t>2</m:t>
+                            </m:r>
+                          </m:sub>
+                        </m:sSub>
+                        <m:r>
+                          <m:rPr>
+                            <m:nor/>
+                          </m:rPr>
+                          <a:rPr lang="it-IT" sz="2400" dirty="0">
+                            <a:solidFill>
+                              <a:schemeClr val="bg1"/>
+                            </a:solidFill>
+                          </a:rPr>
+                          <m:t>×</m:t>
+                        </m:r>
+                        <m:sSub>
+                          <m:sSubPr>
+                            <m:ctrlPr>
+                              <a:rPr lang="it-IT" sz="2400" i="1">
+                                <a:solidFill>
+                                  <a:schemeClr val="bg1"/>
+                                </a:solidFill>
+                                <a:latin typeface="Cambria Math" panose="02040503050406030204" pitchFamily="18" charset="0"/>
+                              </a:rPr>
+                            </m:ctrlPr>
+                          </m:sSubPr>
+                          <m:e>
+                            <m:r>
+                              <a:rPr lang="it-IT" sz="2400" i="1">
+                                <a:solidFill>
+                                  <a:schemeClr val="bg1"/>
+                                </a:solidFill>
+                                <a:latin typeface="Cambria Math" panose="02040503050406030204" pitchFamily="18" charset="0"/>
+                              </a:rPr>
+                              <m:t>𝑝</m:t>
+                            </m:r>
+                          </m:e>
+                          <m:sub>
+                            <m:r>
+                              <a:rPr lang="it-IT" sz="2400" i="1">
+                                <a:solidFill>
+                                  <a:schemeClr val="bg1"/>
+                                </a:solidFill>
+                                <a:latin typeface="Cambria Math" panose="02040503050406030204" pitchFamily="18" charset="0"/>
+                              </a:rPr>
+                              <m:t>𝑖</m:t>
+                            </m:r>
+                          </m:sub>
+                        </m:sSub>
+                      </m:e>
+                    </m:d>
+                  </m:oMath>
+                </a14:m>
+                <a:r>
+                  <a:rPr lang="it-IT" sz="2400" baseline="30000" dirty="0">
+                    <a:solidFill>
+                      <a:schemeClr val="bg1"/>
+                    </a:solidFill>
+                  </a:rPr>
+                  <a:t>T</a:t>
+                </a:r>
+                <a14:m>
+                  <m:oMath xmlns:m="http://schemas.openxmlformats.org/officeDocument/2006/math">
+                    <m:sSub>
+                      <m:sSubPr>
+                        <m:ctrlPr>
+                          <a:rPr lang="it-IT" sz="2400" i="1">
+                            <a:solidFill>
+                              <a:schemeClr val="bg1"/>
+                            </a:solidFill>
+                            <a:latin typeface="Cambria Math" panose="02040503050406030204" pitchFamily="18" charset="0"/>
+                          </a:rPr>
+                        </m:ctrlPr>
+                      </m:sSubPr>
+                      <m:e>
+                        <m:r>
+                          <a:rPr lang="it-IT" sz="2400" i="1">
+                            <a:solidFill>
+                              <a:schemeClr val="bg1"/>
+                            </a:solidFill>
+                            <a:latin typeface="Cambria Math" panose="02040503050406030204" pitchFamily="18" charset="0"/>
+                          </a:rPr>
+                          <m:t>𝑡</m:t>
+                        </m:r>
+                      </m:e>
+                      <m:sub>
+                        <m:r>
+                          <a:rPr lang="it-IT" sz="2400" i="1">
+                            <a:solidFill>
+                              <a:schemeClr val="bg1"/>
+                            </a:solidFill>
+                            <a:latin typeface="Cambria Math" panose="02040503050406030204" pitchFamily="18" charset="0"/>
+                          </a:rPr>
+                          <m:t>𝑖</m:t>
+                        </m:r>
+                      </m:sub>
+                    </m:sSub>
+                  </m:oMath>
+                </a14:m>
+                <a:r>
+                  <a:rPr lang="it-IT" sz="2400" dirty="0">
+                    <a:solidFill>
+                      <a:schemeClr val="bg1"/>
+                    </a:solidFill>
+                  </a:rPr>
+                  <a:t> </a:t>
+                </a:r>
+              </a:p>
+            </p:txBody>
+          </p:sp>
+        </mc:Choice>
+        <mc:Fallback>
+          <p:sp>
+            <p:nvSpPr>
+              <p:cNvPr id="12" name="Rettangolo 11">
+                <a:extLst>
+                  <a:ext uri="{FF2B5EF4-FFF2-40B4-BE49-F238E27FC236}">
+                    <a16:creationId xmlns:a16="http://schemas.microsoft.com/office/drawing/2014/main" id="{DA5E9FEF-0A00-435A-BCC4-5D21C6408F4C}"/>
+                  </a:ext>
+                </a:extLst>
+              </p:cNvPr>
+              <p:cNvSpPr>
+                <a:spLocks noRot="1" noChangeAspect="1" noMove="1" noResize="1" noEditPoints="1" noAdjustHandles="1" noChangeArrowheads="1" noChangeShapeType="1" noTextEdit="1"/>
+              </p:cNvSpPr>
+              <p:nvPr/>
+            </p:nvSpPr>
+            <p:spPr>
+              <a:xfrm>
+                <a:off x="7137737" y="2550991"/>
+                <a:ext cx="4913654" cy="461665"/>
+              </a:xfrm>
+              <a:prstGeom prst="rect">
+                <a:avLst/>
+              </a:prstGeom>
+              <a:blipFill>
+                <a:blip r:embed="rId3"/>
+                <a:stretch>
+                  <a:fillRect t="-9211" b="-30263"/>
+                </a:stretch>
+              </a:blipFill>
+            </p:spPr>
+            <p:txBody>
+              <a:bodyPr/>
+              <a:lstStyle/>
+              <a:p>
+                <a:r>
+                  <a:rPr lang="it-IT">
+                    <a:noFill/>
+                  </a:rPr>
+                  <a:t> </a:t>
+                </a:r>
+              </a:p>
+            </p:txBody>
+          </p:sp>
+        </mc:Fallback>
+      </mc:AlternateContent>
       <p:sp>
         <p:nvSpPr>
           <p:cNvPr id="14" name="CasellaDiTesto 13">
@@ -7124,22 +7261,53 @@
               <a:lstStyle/>
               <a:p>
                 <a:pPr algn="ctr"/>
-                <a:r>
-                  <a:rPr lang="it-IT" dirty="0">
-                    <a:solidFill>
-                      <a:schemeClr val="bg1"/>
-                    </a:solidFill>
-                  </a:rPr>
-                  <a:t>B</a:t>
-                </a:r>
-                <a:r>
-                  <a:rPr lang="it-IT" baseline="-25000" dirty="0">
-                    <a:solidFill>
-                      <a:schemeClr val="bg1"/>
-                    </a:solidFill>
-                  </a:rPr>
-                  <a:t>i </a:t>
-                </a:r>
+                <a14:m>
+                  <m:oMath xmlns:m="http://schemas.openxmlformats.org/officeDocument/2006/math">
+                    <m:sSub>
+                      <m:sSubPr>
+                        <m:ctrlPr>
+                          <a:rPr lang="it-IT" i="1" smtClean="0">
+                            <a:solidFill>
+                              <a:schemeClr val="bg1"/>
+                            </a:solidFill>
+                            <a:latin typeface="Cambria Math" panose="02040503050406030204" pitchFamily="18" charset="0"/>
+                          </a:rPr>
+                        </m:ctrlPr>
+                      </m:sSubPr>
+                      <m:e>
+                        <m:r>
+                          <a:rPr lang="it-IT" i="1">
+                            <a:solidFill>
+                              <a:schemeClr val="bg1"/>
+                            </a:solidFill>
+                            <a:latin typeface="Cambria Math" panose="02040503050406030204" pitchFamily="18" charset="0"/>
+                          </a:rPr>
+                          <m:t>𝐵</m:t>
+                        </m:r>
+                      </m:e>
+                      <m:sub>
+                        <m:r>
+                          <a:rPr lang="it-IT" b="0" i="1" smtClean="0">
+                            <a:solidFill>
+                              <a:schemeClr val="bg1"/>
+                            </a:solidFill>
+                            <a:latin typeface="Cambria Math" panose="02040503050406030204" pitchFamily="18" charset="0"/>
+                          </a:rPr>
+                          <m:t>𝑖</m:t>
+                        </m:r>
+                      </m:sub>
+                    </m:sSub>
+                    <m:r>
+                      <a:rPr lang="it-IT" i="1">
+                        <a:solidFill>
+                          <a:schemeClr val="bg1"/>
+                        </a:solidFill>
+                        <a:latin typeface="Cambria Math" panose="02040503050406030204" pitchFamily="18" charset="0"/>
+                      </a:rPr>
+                      <m:t> </m:t>
+                    </m:r>
+                  </m:oMath>
+                </a14:m>
                 <a:r>
                   <a:rPr lang="it-IT" dirty="0">
                     <a:solidFill>
@@ -7185,6 +7353,78 @@
                           </m:mPr>
                           <m:mr>
                             <m:e>
+                              <m:sSub>
+                                <m:sSubPr>
+                                  <m:ctrlPr>
+                                    <a:rPr lang="it-IT" i="1">
+                                      <a:solidFill>
+                                        <a:schemeClr val="bg1"/>
+                                      </a:solidFill>
+                                      <a:latin typeface="Cambria Math" panose="02040503050406030204" pitchFamily="18" charset="0"/>
+                                    </a:rPr>
+                                  </m:ctrlPr>
+                                </m:sSubPr>
+                                <m:e>
+                                  <m:r>
+                                    <a:rPr lang="it-IT" i="1">
+                                      <a:solidFill>
+                                        <a:schemeClr val="bg1"/>
+                                      </a:solidFill>
+                                      <a:latin typeface="Cambria Math" panose="02040503050406030204" pitchFamily="18" charset="0"/>
+                                    </a:rPr>
+                                    <m:t>𝑡</m:t>
+                                  </m:r>
+                                </m:e>
+                                <m:sub>
+                                  <m:r>
+                                    <a:rPr lang="it-IT" i="1">
+                                      <a:solidFill>
+                                        <a:schemeClr val="bg1"/>
+                                      </a:solidFill>
+                                      <a:latin typeface="Cambria Math" panose="02040503050406030204" pitchFamily="18" charset="0"/>
+                                    </a:rPr>
+                                    <m:t>𝑖</m:t>
+                                  </m:r>
+                                </m:sub>
+                              </m:sSub>
+                            </m:e>
+                          </m:mr>
+                          <m:mr>
+                            <m:e>
+                              <m:sSub>
+                                <m:sSubPr>
+                                  <m:ctrlPr>
+                                    <a:rPr lang="it-IT" i="1">
+                                      <a:solidFill>
+                                        <a:schemeClr val="bg1"/>
+                                      </a:solidFill>
+                                      <a:latin typeface="Cambria Math" panose="02040503050406030204" pitchFamily="18" charset="0"/>
+                                    </a:rPr>
+                                  </m:ctrlPr>
+                                </m:sSubPr>
+                                <m:e>
+                                  <m:r>
+                                    <a:rPr lang="it-IT" i="1">
+                                      <a:solidFill>
+                                        <a:schemeClr val="bg1"/>
+                                      </a:solidFill>
+                                      <a:latin typeface="Cambria Math" panose="02040503050406030204" pitchFamily="18" charset="0"/>
+                                    </a:rPr>
+                                    <m:t>𝑝</m:t>
+                                  </m:r>
+                                </m:e>
+                                <m:sub>
+                                  <m:r>
+                                    <a:rPr lang="it-IT" i="1">
+                                      <a:solidFill>
+                                        <a:schemeClr val="bg1"/>
+                                      </a:solidFill>
+                                      <a:latin typeface="Cambria Math" panose="02040503050406030204" pitchFamily="18" charset="0"/>
+                                    </a:rPr>
+                                    <m:t>𝑖</m:t>
+                                  </m:r>
+                                </m:sub>
+                              </m:sSub>
                               <m:r>
                                 <m:rPr>
                                   <m:nor/>
@@ -7194,78 +7434,42 @@
                                     <a:schemeClr val="bg1"/>
                                   </a:solidFill>
                                 </a:rPr>
-                                <m:t>t</m:t>
+                                <m:t>×</m:t>
                               </m:r>
-                              <m:r>
-                                <m:rPr>
-                                  <m:nor/>
-                                </m:rPr>
-                                <a:rPr lang="it-IT" baseline="-25000" dirty="0">
-                                  <a:solidFill>
-                                    <a:schemeClr val="bg1"/>
-                                  </a:solidFill>
-                                </a:rPr>
-                                <m:t>i</m:t>
-                              </m:r>
-                              <m:r>
-                                <m:rPr>
-                                  <m:nor/>
-                                </m:rPr>
-                                <a:rPr lang="it-IT" baseline="-25000" dirty="0">
-                                  <a:solidFill>
-                                    <a:schemeClr val="bg1"/>
-                                  </a:solidFill>
-                                </a:rPr>
-                                <m:t> </m:t>
-                              </m:r>
-                            </m:e>
-                          </m:mr>
-                          <m:mr>
-                            <m:e>
-                              <m:r>
-                                <m:rPr>
-                                  <m:nor/>
-                                </m:rPr>
-                                <a:rPr lang="it-IT" dirty="0">
-                                  <a:solidFill>
-                                    <a:schemeClr val="bg1"/>
-                                  </a:solidFill>
-                                </a:rPr>
-                                <m:t>p</m:t>
-                              </m:r>
-                              <m:r>
-                                <m:rPr>
-                                  <m:nor/>
-                                </m:rPr>
-                                <a:rPr lang="it-IT" baseline="-25000" dirty="0">
-                                  <a:solidFill>
-                                    <a:schemeClr val="bg1"/>
-                                  </a:solidFill>
-                                </a:rPr>
-                                <m:t>i</m:t>
-                              </m:r>
-                              <m:r>
-                                <m:rPr>
-                                  <m:nor/>
-                                </m:rPr>
-                                <a:rPr lang="it-IT" dirty="0">
-                                  <a:solidFill>
-                                    <a:schemeClr val="bg1"/>
-                                  </a:solidFill>
-                                </a:rPr>
-                                <m:t> × </m:t>
-                              </m:r>
-                              <m:r>
-                                <m:rPr>
-                                  <m:nor/>
-                                </m:rPr>
-                                <a:rPr lang="it-IT" dirty="0">
-                                  <a:solidFill>
-                                    <a:schemeClr val="bg1"/>
-                                  </a:solidFill>
-                                </a:rPr>
-                                <m:t>ti</m:t>
-                              </m:r>
+                              <m:sSub>
+                                <m:sSubPr>
+                                  <m:ctrlPr>
+                                    <a:rPr lang="it-IT" i="1">
+                                      <a:solidFill>
+                                        <a:schemeClr val="bg1"/>
+                                      </a:solidFill>
+                                      <a:latin typeface="Cambria Math" panose="02040503050406030204" pitchFamily="18" charset="0"/>
+                                    </a:rPr>
+                                  </m:ctrlPr>
+                                </m:sSubPr>
+                                <m:e>
+                                  <m:r>
+                                    <a:rPr lang="it-IT" i="1">
+                                      <a:solidFill>
+                                        <a:schemeClr val="bg1"/>
+                                      </a:solidFill>
+                                      <a:latin typeface="Cambria Math" panose="02040503050406030204" pitchFamily="18" charset="0"/>
+                                    </a:rPr>
+                                    <m:t>𝑡</m:t>
+                                  </m:r>
+                                </m:e>
+                                <m:sub>
+                                  <m:r>
+                                    <a:rPr lang="it-IT" i="1">
+                                      <a:solidFill>
+                                        <a:schemeClr val="bg1"/>
+                                      </a:solidFill>
+                                      <a:latin typeface="Cambria Math" panose="02040503050406030204" pitchFamily="18" charset="0"/>
+                                    </a:rPr>
+                                    <m:t>𝑖</m:t>
+                                  </m:r>
+                                </m:sub>
+                              </m:sSub>
                               <m:r>
                                 <m:rPr>
                                   <m:nor/>
@@ -7317,7 +7521,7 @@
                 <a:avLst/>
               </a:prstGeom>
               <a:blipFill>
-                <a:blip r:embed="rId3"/>
+                <a:blip r:embed="rId4"/>
                 <a:stretch>
                   <a:fillRect/>
                 </a:stretch>
@@ -7436,7 +7640,7 @@
         </p:nvCxnSpPr>
         <p:spPr>
           <a:xfrm>
-            <a:off x="9678470" y="2944909"/>
+            <a:off x="9984010" y="2879693"/>
             <a:ext cx="289453" cy="0"/>
           </a:xfrm>
           <a:prstGeom prst="straightConnector1">
@@ -7477,7 +7681,7 @@
         </p:nvCxnSpPr>
         <p:spPr>
           <a:xfrm>
-            <a:off x="8603216" y="3018480"/>
+            <a:off x="8792878" y="3012656"/>
             <a:ext cx="0" cy="694149"/>
           </a:xfrm>
           <a:prstGeom prst="straightConnector1">
@@ -7518,7 +7722,7 @@
         </p:nvCxnSpPr>
         <p:spPr>
           <a:xfrm>
-            <a:off x="9079194" y="3018480"/>
+            <a:off x="9364897" y="3000321"/>
             <a:ext cx="0" cy="272352"/>
           </a:xfrm>
           <a:prstGeom prst="straightConnector1">
@@ -7740,7 +7944,7 @@
         </p:nvSpPr>
         <p:spPr>
           <a:xfrm>
-            <a:off x="8106134" y="3717654"/>
+            <a:off x="8285080" y="3745178"/>
             <a:ext cx="1079817" cy="415498"/>
           </a:xfrm>
           <a:prstGeom prst="rect">
@@ -7804,7 +8008,7 @@
         </p:nvSpPr>
         <p:spPr>
           <a:xfrm>
-            <a:off x="10008191" y="2764820"/>
+            <a:off x="10273463" y="2671944"/>
             <a:ext cx="1218146" cy="415498"/>
           </a:xfrm>
           <a:prstGeom prst="rect">
@@ -7860,7 +8064,7 @@
         </p:nvSpPr>
         <p:spPr>
           <a:xfrm>
-            <a:off x="8566106" y="3266818"/>
+            <a:off x="8807587" y="3287960"/>
             <a:ext cx="1218146" cy="415498"/>
           </a:xfrm>
           <a:prstGeom prst="rect">
@@ -7963,8 +8167,8 @@
         </p:nvSpPr>
         <p:spPr>
           <a:xfrm>
-            <a:off x="7110461" y="2550990"/>
-            <a:ext cx="2697240" cy="536451"/>
+            <a:off x="7137736" y="2550991"/>
+            <a:ext cx="2911645" cy="536451"/>
           </a:xfrm>
           <a:prstGeom prst="rect">
             <a:avLst/>
@@ -8011,7 +8215,7 @@
         <p:spPr>
           <a:xfrm>
             <a:off x="6160687" y="4348848"/>
-            <a:ext cx="4205462" cy="2179234"/>
+            <a:ext cx="4303066" cy="2179234"/>
           </a:xfrm>
           <a:prstGeom prst="rect">
             <a:avLst/>
@@ -8153,8 +8357,8 @@
             </p:nvSpPr>
             <p:spPr>
               <a:xfrm>
-                <a:off x="9742966" y="4422001"/>
-                <a:ext cx="478977" cy="1787605"/>
+                <a:off x="9926478" y="4458080"/>
+                <a:ext cx="439672" cy="1887440"/>
               </a:xfrm>
               <a:prstGeom prst="rect">
                 <a:avLst/>
@@ -8221,63 +8425,76 @@
                                     </m:ctrlPr>
                                   </m:eqArrPr>
                                   <m:e>
-                                    <m:r>
-                                      <m:rPr>
-                                        <m:nor/>
-                                      </m:rPr>
-                                      <a:rPr lang="it-IT" dirty="0">
-                                        <a:solidFill>
-                                          <a:schemeClr val="bg1"/>
-                                        </a:solidFill>
-                                      </a:rPr>
-                                      <m:t>T</m:t>
-                                    </m:r>
-                                    <m:r>
-                                      <m:rPr>
-                                        <m:nor/>
-                                      </m:rPr>
-                                      <a:rPr lang="it-IT" baseline="-25000" dirty="0">
-                                        <a:solidFill>
-                                          <a:schemeClr val="bg1"/>
-                                        </a:solidFill>
-                                      </a:rPr>
-                                      <m:t>1 </m:t>
-                                    </m:r>
+                                    <m:sSub>
+                                      <m:sSubPr>
+                                        <m:ctrlPr>
+                                          <a:rPr lang="it-IT" i="1">
+                                            <a:solidFill>
+                                              <a:schemeClr val="bg1"/>
+                                            </a:solidFill>
+                                            <a:latin typeface="Cambria Math" panose="02040503050406030204" pitchFamily="18" charset="0"/>
+                                          </a:rPr>
+                                        </m:ctrlPr>
+                                      </m:sSubPr>
+                                      <m:e>
+                                        <m:r>
+                                          <a:rPr lang="it-IT" b="0" i="1" smtClean="0">
+                                            <a:solidFill>
+                                              <a:schemeClr val="bg1"/>
+                                            </a:solidFill>
+                                            <a:latin typeface="Cambria Math" panose="02040503050406030204" pitchFamily="18" charset="0"/>
+                                          </a:rPr>
+                                          <m:t>𝑇</m:t>
+                                        </m:r>
+                                      </m:e>
+                                      <m:sub>
+                                        <m:r>
+                                          <a:rPr lang="it-IT" i="1">
+                                            <a:solidFill>
+                                              <a:schemeClr val="bg1"/>
+                                            </a:solidFill>
+                                            <a:latin typeface="Cambria Math" panose="02040503050406030204" pitchFamily="18" charset="0"/>
+                                          </a:rPr>
+                                          <m:t>1</m:t>
+                                        </m:r>
+                                      </m:sub>
+                                    </m:sSub>
                                   </m:e>
                                   <m:e>
-                                    <m:r>
-                                      <m:rPr>
-                                        <m:nor/>
-                                      </m:rPr>
-                                      <a:rPr lang="it-IT" dirty="0">
-                                        <a:solidFill>
-                                          <a:schemeClr val="bg1"/>
-                                        </a:solidFill>
-                                      </a:rPr>
-                                      <m:t>T</m:t>
-                                    </m:r>
-                                    <m:r>
-                                      <m:rPr>
-                                        <m:nor/>
-                                      </m:rPr>
-                                      <a:rPr lang="it-IT" b="0" i="0" baseline="-25000" dirty="0" smtClean="0">
-                                        <a:solidFill>
-                                          <a:schemeClr val="bg1"/>
-                                        </a:solidFill>
-                                      </a:rPr>
-                                      <m:t>2</m:t>
-                                    </m:r>
-                                    <m:r>
-                                      <m:rPr>
-                                        <m:nor/>
-                                      </m:rPr>
-                                      <a:rPr lang="it-IT" baseline="-25000" dirty="0">
-                                        <a:solidFill>
-                                          <a:schemeClr val="bg1"/>
-                                        </a:solidFill>
-                                      </a:rPr>
-                                      <m:t> </m:t>
-                                    </m:r>
+                                    <m:sSub>
+                                      <m:sSubPr>
+                                        <m:ctrlPr>
+                                          <a:rPr lang="it-IT" i="1">
+                                            <a:solidFill>
+                                              <a:schemeClr val="bg1"/>
+                                            </a:solidFill>
+                                            <a:latin typeface="Cambria Math" panose="02040503050406030204" pitchFamily="18" charset="0"/>
+                                          </a:rPr>
+                                        </m:ctrlPr>
+                                      </m:sSubPr>
+                                      <m:e>
+                                        <m:r>
+                                          <a:rPr lang="it-IT" i="1">
+                                            <a:solidFill>
+                                              <a:schemeClr val="bg1"/>
+                                            </a:solidFill>
+                                            <a:latin typeface="Cambria Math" panose="02040503050406030204" pitchFamily="18" charset="0"/>
+                                          </a:rPr>
+                                          <m:t>𝑇</m:t>
+                                        </m:r>
+                                      </m:e>
+                                      <m:sub>
+                                        <m:r>
+                                          <a:rPr lang="it-IT" b="0" i="1" smtClean="0">
+                                            <a:solidFill>
+                                              <a:schemeClr val="bg1"/>
+                                            </a:solidFill>
+                                            <a:latin typeface="Cambria Math" panose="02040503050406030204" pitchFamily="18" charset="0"/>
+                                          </a:rPr>
+                                          <m:t>2</m:t>
+                                        </m:r>
+                                      </m:sub>
+                                    </m:sSub>
                                   </m:e>
                                 </m:eqArr>
                               </m:e>
@@ -8296,124 +8513,184 @@
                                     </m:ctrlPr>
                                   </m:eqArrPr>
                                   <m:e>
-                                    <m:r>
-                                      <m:rPr>
-                                        <m:nor/>
-                                      </m:rPr>
-                                      <a:rPr lang="it-IT" dirty="0">
-                                        <a:solidFill>
-                                          <a:schemeClr val="bg1"/>
-                                        </a:solidFill>
-                                      </a:rPr>
-                                      <m:t>T</m:t>
-                                    </m:r>
-                                    <m:r>
-                                      <m:rPr>
-                                        <m:nor/>
-                                      </m:rPr>
-                                      <a:rPr lang="it-IT" b="0" i="1" baseline="-25000" dirty="0" smtClean="0">
-                                        <a:solidFill>
-                                          <a:schemeClr val="bg1"/>
-                                        </a:solidFill>
-                                      </a:rPr>
-                                      <m:t>3</m:t>
-                                    </m:r>
+                                    <m:sSub>
+                                      <m:sSubPr>
+                                        <m:ctrlPr>
+                                          <a:rPr lang="it-IT" i="1">
+                                            <a:solidFill>
+                                              <a:schemeClr val="bg1"/>
+                                            </a:solidFill>
+                                            <a:latin typeface="Cambria Math" panose="02040503050406030204" pitchFamily="18" charset="0"/>
+                                          </a:rPr>
+                                        </m:ctrlPr>
+                                      </m:sSubPr>
+                                      <m:e>
+                                        <m:r>
+                                          <a:rPr lang="it-IT" i="1">
+                                            <a:solidFill>
+                                              <a:schemeClr val="bg1"/>
+                                            </a:solidFill>
+                                            <a:latin typeface="Cambria Math" panose="02040503050406030204" pitchFamily="18" charset="0"/>
+                                          </a:rPr>
+                                          <m:t>𝑇</m:t>
+                                        </m:r>
+                                      </m:e>
+                                      <m:sub>
+                                        <m:r>
+                                          <a:rPr lang="it-IT" b="0" i="1" smtClean="0">
+                                            <a:solidFill>
+                                              <a:schemeClr val="bg1"/>
+                                            </a:solidFill>
+                                            <a:latin typeface="Cambria Math" panose="02040503050406030204" pitchFamily="18" charset="0"/>
+                                          </a:rPr>
+                                          <m:t>3</m:t>
+                                        </m:r>
+                                      </m:sub>
+                                    </m:sSub>
                                   </m:e>
                                   <m:e>
-                                    <m:r>
-                                      <m:rPr>
-                                        <m:nor/>
-                                      </m:rPr>
-                                      <a:rPr lang="it-IT" dirty="0">
-                                        <a:solidFill>
-                                          <a:schemeClr val="bg1"/>
-                                        </a:solidFill>
-                                      </a:rPr>
-                                      <m:t>T</m:t>
-                                    </m:r>
-                                    <m:r>
-                                      <m:rPr>
-                                        <m:nor/>
-                                      </m:rPr>
-                                      <a:rPr lang="it-IT" b="0" i="0" baseline="-25000" dirty="0" smtClean="0">
-                                        <a:solidFill>
-                                          <a:schemeClr val="bg1"/>
-                                        </a:solidFill>
-                                      </a:rPr>
-                                      <m:t>4</m:t>
-                                    </m:r>
+                                    <m:sSub>
+                                      <m:sSubPr>
+                                        <m:ctrlPr>
+                                          <a:rPr lang="it-IT" i="1">
+                                            <a:solidFill>
+                                              <a:schemeClr val="bg1"/>
+                                            </a:solidFill>
+                                            <a:latin typeface="Cambria Math" panose="02040503050406030204" pitchFamily="18" charset="0"/>
+                                          </a:rPr>
+                                        </m:ctrlPr>
+                                      </m:sSubPr>
+                                      <m:e>
+                                        <m:r>
+                                          <a:rPr lang="it-IT" i="1">
+                                            <a:solidFill>
+                                              <a:schemeClr val="bg1"/>
+                                            </a:solidFill>
+                                            <a:latin typeface="Cambria Math" panose="02040503050406030204" pitchFamily="18" charset="0"/>
+                                          </a:rPr>
+                                          <m:t>𝑇</m:t>
+                                        </m:r>
+                                      </m:e>
+                                      <m:sub>
+                                        <m:r>
+                                          <a:rPr lang="it-IT" b="0" i="1" smtClean="0">
+                                            <a:solidFill>
+                                              <a:schemeClr val="bg1"/>
+                                            </a:solidFill>
+                                            <a:latin typeface="Cambria Math" panose="02040503050406030204" pitchFamily="18" charset="0"/>
+                                          </a:rPr>
+                                          <m:t>4</m:t>
+                                        </m:r>
+                                      </m:sub>
+                                    </m:sSub>
                                   </m:e>
                                   <m:e>
-                                    <m:r>
-                                      <m:rPr>
-                                        <m:nor/>
-                                      </m:rPr>
-                                      <a:rPr lang="it-IT" dirty="0">
-                                        <a:solidFill>
-                                          <a:schemeClr val="bg1"/>
-                                        </a:solidFill>
-                                      </a:rPr>
-                                      <m:t>T</m:t>
-                                    </m:r>
-                                    <m:r>
-                                      <m:rPr>
-                                        <m:nor/>
-                                      </m:rPr>
-                                      <a:rPr lang="it-IT" b="0" i="0" baseline="-25000" dirty="0" smtClean="0">
-                                        <a:solidFill>
-                                          <a:schemeClr val="bg1"/>
-                                        </a:solidFill>
-                                      </a:rPr>
-                                      <m:t>5</m:t>
-                                    </m:r>
+                                    <m:sSub>
+                                      <m:sSubPr>
+                                        <m:ctrlPr>
+                                          <a:rPr lang="it-IT" i="1">
+                                            <a:solidFill>
+                                              <a:schemeClr val="bg1"/>
+                                            </a:solidFill>
+                                            <a:latin typeface="Cambria Math" panose="02040503050406030204" pitchFamily="18" charset="0"/>
+                                          </a:rPr>
+                                        </m:ctrlPr>
+                                      </m:sSubPr>
+                                      <m:e>
+                                        <m:r>
+                                          <a:rPr lang="it-IT" i="1">
+                                            <a:solidFill>
+                                              <a:schemeClr val="bg1"/>
+                                            </a:solidFill>
+                                            <a:latin typeface="Cambria Math" panose="02040503050406030204" pitchFamily="18" charset="0"/>
+                                          </a:rPr>
+                                          <m:t>𝑇</m:t>
+                                        </m:r>
+                                      </m:e>
+                                      <m:sub>
+                                        <m:r>
+                                          <a:rPr lang="it-IT" b="0" i="1" smtClean="0">
+                                            <a:solidFill>
+                                              <a:schemeClr val="bg1"/>
+                                            </a:solidFill>
+                                            <a:latin typeface="Cambria Math" panose="02040503050406030204" pitchFamily="18" charset="0"/>
+                                          </a:rPr>
+                                          <m:t>5</m:t>
+                                        </m:r>
+                                      </m:sub>
+                                    </m:sSub>
                                   </m:e>
                                   <m:e>
-                                    <m:r>
-                                      <m:rPr>
-                                        <m:nor/>
-                                      </m:rPr>
-                                      <a:rPr lang="it-IT" dirty="0" smtClean="0">
-                                        <a:solidFill>
-                                          <a:schemeClr val="bg1"/>
-                                        </a:solidFill>
-                                      </a:rPr>
-                                      <m:t>T</m:t>
-                                    </m:r>
-                                    <m:r>
-                                      <m:rPr>
-                                        <m:nor/>
-                                      </m:rPr>
-                                      <a:rPr lang="it-IT" b="0" i="0" baseline="-25000" dirty="0" smtClean="0">
-                                        <a:solidFill>
-                                          <a:schemeClr val="bg1"/>
-                                        </a:solidFill>
-                                      </a:rPr>
-                                      <m:t>6</m:t>
-                                    </m:r>
+                                    <m:sSub>
+                                      <m:sSubPr>
+                                        <m:ctrlPr>
+                                          <a:rPr lang="it-IT" i="1">
+                                            <a:solidFill>
+                                              <a:schemeClr val="bg1"/>
+                                            </a:solidFill>
+                                            <a:latin typeface="Cambria Math" panose="02040503050406030204" pitchFamily="18" charset="0"/>
+                                          </a:rPr>
+                                        </m:ctrlPr>
+                                      </m:sSubPr>
+                                      <m:e>
+                                        <m:r>
+                                          <a:rPr lang="it-IT" i="1">
+                                            <a:solidFill>
+                                              <a:schemeClr val="bg1"/>
+                                            </a:solidFill>
+                                            <a:latin typeface="Cambria Math" panose="02040503050406030204" pitchFamily="18" charset="0"/>
+                                          </a:rPr>
+                                          <m:t>𝑇</m:t>
+                                        </m:r>
+                                      </m:e>
+                                      <m:sub>
+                                        <m:r>
+                                          <a:rPr lang="it-IT" b="0" i="1" smtClean="0">
+                                            <a:solidFill>
+                                              <a:schemeClr val="bg1"/>
+                                            </a:solidFill>
+                                            <a:latin typeface="Cambria Math" panose="02040503050406030204" pitchFamily="18" charset="0"/>
+                                          </a:rPr>
+                                          <m:t>6</m:t>
+                                        </m:r>
+                                      </m:sub>
+                                    </m:sSub>
                                   </m:e>
                                   <m:e>
-                                    <m:r>
-                                      <m:rPr>
-                                        <m:nor/>
-                                      </m:rPr>
-                                      <a:rPr lang="it-IT" dirty="0">
-                                        <a:solidFill>
-                                          <a:schemeClr val="bg1"/>
-                                        </a:solidFill>
-                                      </a:rPr>
-                                      <m:t>T</m:t>
-                                    </m:r>
-                                    <m:r>
-                                      <m:rPr>
-                                        <m:nor/>
-                                      </m:rPr>
-                                      <a:rPr lang="it-IT" b="0" i="0" baseline="-25000" dirty="0" smtClean="0">
-                                        <a:solidFill>
-                                          <a:schemeClr val="bg1"/>
-                                        </a:solidFill>
-                                      </a:rPr>
-                                      <m:t>7</m:t>
-                                    </m:r>
+                                    <m:sSub>
+                                      <m:sSubPr>
+                                        <m:ctrlPr>
+                                          <a:rPr lang="it-IT" i="1">
+                                            <a:solidFill>
+                                              <a:schemeClr val="bg1"/>
+                                            </a:solidFill>
+                                            <a:latin typeface="Cambria Math" panose="02040503050406030204" pitchFamily="18" charset="0"/>
+                                          </a:rPr>
+                                        </m:ctrlPr>
+                                      </m:sSubPr>
+                                      <m:e>
+                                        <m:r>
+                                          <a:rPr lang="it-IT" i="1">
+                                            <a:solidFill>
+                                              <a:schemeClr val="bg1"/>
+                                            </a:solidFill>
+                                            <a:latin typeface="Cambria Math" panose="02040503050406030204" pitchFamily="18" charset="0"/>
+                                          </a:rPr>
+                                          <m:t>𝑇</m:t>
+                                        </m:r>
+                                      </m:e>
+                                      <m:sub>
+                                        <m:r>
+                                          <a:rPr lang="it-IT" b="0" i="1" smtClean="0">
+                                            <a:solidFill>
+                                              <a:schemeClr val="bg1"/>
+                                            </a:solidFill>
+                                            <a:latin typeface="Cambria Math" panose="02040503050406030204" pitchFamily="18" charset="0"/>
+                                          </a:rPr>
+                                          <m:t>7</m:t>
+                                        </m:r>
+                                      </m:sub>
+                                    </m:sSub>
                                   </m:e>
                                 </m:eqArr>
                               </m:e>
@@ -8450,16 +8727,16 @@
             </p:nvSpPr>
             <p:spPr>
               <a:xfrm>
-                <a:off x="9742966" y="4422001"/>
-                <a:ext cx="478977" cy="1787605"/>
+                <a:off x="9926478" y="4458080"/>
+                <a:ext cx="439672" cy="1887440"/>
               </a:xfrm>
               <a:prstGeom prst="rect">
                 <a:avLst/>
               </a:prstGeom>
               <a:blipFill>
-                <a:blip r:embed="rId4"/>
+                <a:blip r:embed="rId5"/>
                 <a:stretch>
-                  <a:fillRect b="-2041"/>
+                  <a:fillRect/>
                 </a:stretch>
               </a:blipFill>
             </p:spPr>
@@ -8482,10 +8759,10 @@
         <mc:Choice xmlns:a14="http://schemas.microsoft.com/office/drawing/2010/main" Requires="a14">
           <p:sp>
             <p:nvSpPr>
-              <p:cNvPr id="16" name="CasellaDiTesto 15">
+              <p:cNvPr id="13" name="CasellaDiTesto 12">
                 <a:extLst>
                   <a:ext uri="{FF2B5EF4-FFF2-40B4-BE49-F238E27FC236}">
-                    <a16:creationId xmlns:a16="http://schemas.microsoft.com/office/drawing/2014/main" id="{F37F7116-69E7-4235-A557-998D7EAD8CEF}"/>
+                    <a16:creationId xmlns:a16="http://schemas.microsoft.com/office/drawing/2014/main" id="{78FC8553-7049-494F-B1F8-58B33A84902E}"/>
                   </a:ext>
                 </a:extLst>
               </p:cNvPr>
@@ -8494,8 +8771,8 @@
             </p:nvSpPr>
             <p:spPr>
               <a:xfrm>
-                <a:off x="6232965" y="5177303"/>
-                <a:ext cx="3531095" cy="276999"/>
+                <a:off x="6243079" y="5095411"/>
+                <a:ext cx="3806306" cy="276999"/>
               </a:xfrm>
               <a:prstGeom prst="rect">
                 <a:avLst/>
@@ -8503,28 +8780,42 @@
               <a:noFill/>
             </p:spPr>
             <p:txBody>
-              <a:bodyPr wrap="none" lIns="0" tIns="0" rIns="0" bIns="0" rtlCol="0">
+              <a:bodyPr wrap="square" lIns="0" tIns="0" rIns="0" bIns="0" rtlCol="0">
                 <a:spAutoFit/>
               </a:bodyPr>
               <a:lstStyle/>
               <a:p>
-                <a:r>
-                  <a:rPr lang="el-GR" dirty="0">
-                    <a:solidFill>
-                      <a:schemeClr val="bg1"/>
-                    </a:solidFill>
-                    <a:latin typeface="Cambria Math" panose="02040503050406030204" pitchFamily="18" charset="0"/>
-                    <a:ea typeface="Cambria Math" panose="02040503050406030204" pitchFamily="18" charset="0"/>
-                  </a:rPr>
-                  <a:t>τ</a:t>
-                </a:r>
+                <a14:m>
+                  <m:oMath xmlns:m="http://schemas.openxmlformats.org/officeDocument/2006/math">
+                    <m:r>
+                      <a:rPr lang="it-IT" i="1" smtClean="0">
+                        <a:solidFill>
+                          <a:schemeClr val="bg1"/>
+                        </a:solidFill>
+                        <a:latin typeface="Cambria Math" panose="02040503050406030204" pitchFamily="18" charset="0"/>
+                        <a:ea typeface="Cambria Math" panose="02040503050406030204" pitchFamily="18" charset="0"/>
+                      </a:rPr>
+                      <m:t>𝜏</m:t>
+                    </m:r>
+                    <m:r>
+                      <a:rPr lang="it-IT" b="0" i="1" smtClean="0">
+                        <a:solidFill>
+                          <a:schemeClr val="bg1"/>
+                        </a:solidFill>
+                        <a:latin typeface="Cambria Math" panose="02040503050406030204" pitchFamily="18" charset="0"/>
+                        <a:ea typeface="Cambria Math" panose="02040503050406030204" pitchFamily="18" charset="0"/>
+                      </a:rPr>
+                      <m:t>=</m:t>
+                    </m:r>
+                  </m:oMath>
+                </a14:m>
                 <a:r>
                   <a:rPr lang="it-IT" dirty="0">
                     <a:solidFill>
                       <a:schemeClr val="bg1"/>
                     </a:solidFill>
                   </a:rPr>
-                  <a:t> =</a:t>
+                  <a:t> </a:t>
                 </a:r>
                 <a14:m>
                   <m:oMath xmlns:m="http://schemas.openxmlformats.org/officeDocument/2006/math">
@@ -8533,7 +8824,7 @@
                         <m:begChr m:val="["/>
                         <m:endChr m:val="]"/>
                         <m:ctrlPr>
-                          <a:rPr lang="it-IT" i="1" smtClean="0">
+                          <a:rPr lang="it-IT" i="1">
                             <a:solidFill>
                               <a:schemeClr val="bg1"/>
                             </a:solidFill>
@@ -8553,7 +8844,7 @@
                               </m:mc>
                             </m:mcs>
                             <m:ctrlPr>
-                              <a:rPr lang="it-IT" i="1" smtClean="0">
+                              <a:rPr lang="it-IT" i="1">
                                 <a:solidFill>
                                   <a:schemeClr val="bg1"/>
                                 </a:solidFill>
@@ -8563,172 +8854,256 @@
                           </m:mPr>
                           <m:mr>
                             <m:e>
-                              <m:r>
-                                <m:rPr>
-                                  <m:nor/>
-                                </m:rPr>
-                                <a:rPr lang="it-IT" dirty="0">
-                                  <a:solidFill>
-                                    <a:schemeClr val="bg1"/>
-                                  </a:solidFill>
-                                </a:rPr>
-                                <m:t>B</m:t>
-                              </m:r>
-                              <m:r>
-                                <m:rPr>
-                                  <m:nor/>
-                                </m:rPr>
-                                <a:rPr lang="it-IT" baseline="-25000" dirty="0">
-                                  <a:solidFill>
-                                    <a:schemeClr val="bg1"/>
-                                  </a:solidFill>
-                                </a:rPr>
-                                <m:t>1</m:t>
-                              </m:r>
+                              <m:sSub>
+                                <m:sSubPr>
+                                  <m:ctrlPr>
+                                    <a:rPr lang="it-IT" i="1">
+                                      <a:solidFill>
+                                        <a:schemeClr val="bg1"/>
+                                      </a:solidFill>
+                                      <a:latin typeface="Cambria Math" panose="02040503050406030204" pitchFamily="18" charset="0"/>
+                                    </a:rPr>
+                                  </m:ctrlPr>
+                                </m:sSubPr>
+                                <m:e>
+                                  <m:r>
+                                    <a:rPr lang="it-IT" i="1">
+                                      <a:solidFill>
+                                        <a:schemeClr val="bg1"/>
+                                      </a:solidFill>
+                                      <a:latin typeface="Cambria Math" panose="02040503050406030204" pitchFamily="18" charset="0"/>
+                                    </a:rPr>
+                                    <m:t>𝐵</m:t>
+                                  </m:r>
+                                </m:e>
+                                <m:sub>
+                                  <m:r>
+                                    <a:rPr lang="it-IT" i="1">
+                                      <a:solidFill>
+                                        <a:schemeClr val="bg1"/>
+                                      </a:solidFill>
+                                      <a:latin typeface="Cambria Math" panose="02040503050406030204" pitchFamily="18" charset="0"/>
+                                    </a:rPr>
+                                    <m:t>1</m:t>
+                                  </m:r>
+                                </m:sub>
+                              </m:sSub>
                             </m:e>
                             <m:e>
-                              <m:r>
-                                <m:rPr>
-                                  <m:nor/>
-                                </m:rPr>
-                                <a:rPr lang="it-IT" dirty="0">
-                                  <a:solidFill>
-                                    <a:schemeClr val="bg1"/>
-                                  </a:solidFill>
-                                </a:rPr>
-                                <m:t>B</m:t>
-                              </m:r>
-                              <m:r>
-                                <m:rPr>
-                                  <m:nor/>
-                                </m:rPr>
-                                <a:rPr lang="it-IT" b="0" i="0" baseline="-25000" dirty="0" smtClean="0">
-                                  <a:solidFill>
-                                    <a:schemeClr val="bg1"/>
-                                  </a:solidFill>
-                                </a:rPr>
-                                <m:t>2</m:t>
-                              </m:r>
+                              <m:sSub>
+                                <m:sSubPr>
+                                  <m:ctrlPr>
+                                    <a:rPr lang="it-IT" i="1">
+                                      <a:solidFill>
+                                        <a:schemeClr val="bg1"/>
+                                      </a:solidFill>
+                                      <a:latin typeface="Cambria Math" panose="02040503050406030204" pitchFamily="18" charset="0"/>
+                                    </a:rPr>
+                                  </m:ctrlPr>
+                                </m:sSubPr>
+                                <m:e>
+                                  <m:r>
+                                    <a:rPr lang="it-IT" i="1">
+                                      <a:solidFill>
+                                        <a:schemeClr val="bg1"/>
+                                      </a:solidFill>
+                                      <a:latin typeface="Cambria Math" panose="02040503050406030204" pitchFamily="18" charset="0"/>
+                                    </a:rPr>
+                                    <m:t>𝐵</m:t>
+                                  </m:r>
+                                </m:e>
+                                <m:sub>
+                                  <m:r>
+                                    <a:rPr lang="it-IT" i="1">
+                                      <a:solidFill>
+                                        <a:schemeClr val="bg1"/>
+                                      </a:solidFill>
+                                      <a:latin typeface="Cambria Math" panose="02040503050406030204" pitchFamily="18" charset="0"/>
+                                    </a:rPr>
+                                    <m:t>2</m:t>
+                                  </m:r>
+                                </m:sub>
+                              </m:sSub>
                             </m:e>
                             <m:e>
-                              <m:r>
-                                <m:rPr>
-                                  <m:nor/>
-                                </m:rPr>
-                                <a:rPr lang="it-IT" dirty="0">
-                                  <a:solidFill>
-                                    <a:schemeClr val="bg1"/>
-                                  </a:solidFill>
-                                </a:rPr>
-                                <m:t>B</m:t>
-                              </m:r>
-                              <m:r>
-                                <m:rPr>
-                                  <m:nor/>
-                                </m:rPr>
-                                <a:rPr lang="it-IT" b="0" i="0" baseline="-25000" dirty="0" smtClean="0">
-                                  <a:solidFill>
-                                    <a:schemeClr val="bg1"/>
-                                  </a:solidFill>
-                                </a:rPr>
-                                <m:t>3</m:t>
-                              </m:r>
+                              <m:sSub>
+                                <m:sSubPr>
+                                  <m:ctrlPr>
+                                    <a:rPr lang="it-IT" i="1">
+                                      <a:solidFill>
+                                        <a:schemeClr val="bg1"/>
+                                      </a:solidFill>
+                                      <a:latin typeface="Cambria Math" panose="02040503050406030204" pitchFamily="18" charset="0"/>
+                                    </a:rPr>
+                                  </m:ctrlPr>
+                                </m:sSubPr>
+                                <m:e>
+                                  <m:r>
+                                    <a:rPr lang="it-IT" i="1">
+                                      <a:solidFill>
+                                        <a:schemeClr val="bg1"/>
+                                      </a:solidFill>
+                                      <a:latin typeface="Cambria Math" panose="02040503050406030204" pitchFamily="18" charset="0"/>
+                                    </a:rPr>
+                                    <m:t>𝐵</m:t>
+                                  </m:r>
+                                </m:e>
+                                <m:sub>
+                                  <m:r>
+                                    <a:rPr lang="it-IT" i="1">
+                                      <a:solidFill>
+                                        <a:schemeClr val="bg1"/>
+                                      </a:solidFill>
+                                      <a:latin typeface="Cambria Math" panose="02040503050406030204" pitchFamily="18" charset="0"/>
+                                    </a:rPr>
+                                    <m:t>3</m:t>
+                                  </m:r>
+                                </m:sub>
+                              </m:sSub>
                             </m:e>
                             <m:e>
-                              <m:r>
-                                <m:rPr>
-                                  <m:nor/>
-                                </m:rPr>
-                                <a:rPr lang="it-IT" dirty="0">
-                                  <a:solidFill>
-                                    <a:schemeClr val="bg1"/>
-                                  </a:solidFill>
-                                </a:rPr>
-                                <m:t>B</m:t>
-                              </m:r>
-                              <m:r>
-                                <m:rPr>
-                                  <m:nor/>
-                                </m:rPr>
-                                <a:rPr lang="it-IT" b="0" i="0" baseline="-25000" dirty="0" smtClean="0">
-                                  <a:solidFill>
-                                    <a:schemeClr val="bg1"/>
-                                  </a:solidFill>
-                                </a:rPr>
-                                <m:t>4</m:t>
-                              </m:r>
+                              <m:sSub>
+                                <m:sSubPr>
+                                  <m:ctrlPr>
+                                    <a:rPr lang="it-IT" i="1">
+                                      <a:solidFill>
+                                        <a:schemeClr val="bg1"/>
+                                      </a:solidFill>
+                                      <a:latin typeface="Cambria Math" panose="02040503050406030204" pitchFamily="18" charset="0"/>
+                                    </a:rPr>
+                                  </m:ctrlPr>
+                                </m:sSubPr>
+                                <m:e>
+                                  <m:r>
+                                    <a:rPr lang="it-IT" i="1">
+                                      <a:solidFill>
+                                        <a:schemeClr val="bg1"/>
+                                      </a:solidFill>
+                                      <a:latin typeface="Cambria Math" panose="02040503050406030204" pitchFamily="18" charset="0"/>
+                                    </a:rPr>
+                                    <m:t>𝐵</m:t>
+                                  </m:r>
+                                </m:e>
+                                <m:sub>
+                                  <m:r>
+                                    <a:rPr lang="it-IT" i="1">
+                                      <a:solidFill>
+                                        <a:schemeClr val="bg1"/>
+                                      </a:solidFill>
+                                      <a:latin typeface="Cambria Math" panose="02040503050406030204" pitchFamily="18" charset="0"/>
+                                    </a:rPr>
+                                    <m:t>4</m:t>
+                                  </m:r>
+                                </m:sub>
+                              </m:sSub>
                             </m:e>
                             <m:e>
-                              <m:r>
-                                <m:rPr>
-                                  <m:nor/>
-                                </m:rPr>
-                                <a:rPr lang="it-IT" dirty="0">
-                                  <a:solidFill>
-                                    <a:schemeClr val="bg1"/>
-                                  </a:solidFill>
-                                </a:rPr>
-                                <m:t>B</m:t>
-                              </m:r>
-                              <m:r>
-                                <m:rPr>
-                                  <m:nor/>
-                                </m:rPr>
-                                <a:rPr lang="it-IT" b="0" i="0" baseline="-25000" dirty="0" smtClean="0">
-                                  <a:solidFill>
-                                    <a:schemeClr val="bg1"/>
-                                  </a:solidFill>
-                                </a:rPr>
-                                <m:t>5</m:t>
-                              </m:r>
+                              <m:sSub>
+                                <m:sSubPr>
+                                  <m:ctrlPr>
+                                    <a:rPr lang="it-IT" i="1">
+                                      <a:solidFill>
+                                        <a:schemeClr val="bg1"/>
+                                      </a:solidFill>
+                                      <a:latin typeface="Cambria Math" panose="02040503050406030204" pitchFamily="18" charset="0"/>
+                                    </a:rPr>
+                                  </m:ctrlPr>
+                                </m:sSubPr>
+                                <m:e>
+                                  <m:r>
+                                    <a:rPr lang="it-IT" i="1">
+                                      <a:solidFill>
+                                        <a:schemeClr val="bg1"/>
+                                      </a:solidFill>
+                                      <a:latin typeface="Cambria Math" panose="02040503050406030204" pitchFamily="18" charset="0"/>
+                                    </a:rPr>
+                                    <m:t>𝐵</m:t>
+                                  </m:r>
+                                </m:e>
+                                <m:sub>
+                                  <m:r>
+                                    <a:rPr lang="it-IT" i="1">
+                                      <a:solidFill>
+                                        <a:schemeClr val="bg1"/>
+                                      </a:solidFill>
+                                      <a:latin typeface="Cambria Math" panose="02040503050406030204" pitchFamily="18" charset="0"/>
+                                    </a:rPr>
+                                    <m:t>5</m:t>
+                                  </m:r>
+                                </m:sub>
+                              </m:sSub>
                             </m:e>
                             <m:e>
-                              <m:r>
-                                <m:rPr>
-                                  <m:nor/>
-                                </m:rPr>
-                                <a:rPr lang="it-IT" dirty="0">
-                                  <a:solidFill>
-                                    <a:schemeClr val="bg1"/>
-                                  </a:solidFill>
-                                </a:rPr>
-                                <m:t>B</m:t>
-                              </m:r>
-                              <m:r>
-                                <m:rPr>
-                                  <m:nor/>
-                                </m:rPr>
-                                <a:rPr lang="it-IT" b="0" i="0" baseline="-25000" dirty="0" smtClean="0">
-                                  <a:solidFill>
-                                    <a:schemeClr val="bg1"/>
-                                  </a:solidFill>
-                                </a:rPr>
-                                <m:t>6</m:t>
-                              </m:r>
+                              <m:sSub>
+                                <m:sSubPr>
+                                  <m:ctrlPr>
+                                    <a:rPr lang="it-IT" i="1">
+                                      <a:solidFill>
+                                        <a:schemeClr val="bg1"/>
+                                      </a:solidFill>
+                                      <a:latin typeface="Cambria Math" panose="02040503050406030204" pitchFamily="18" charset="0"/>
+                                    </a:rPr>
+                                  </m:ctrlPr>
+                                </m:sSubPr>
+                                <m:e>
+                                  <m:r>
+                                    <a:rPr lang="it-IT" i="1">
+                                      <a:solidFill>
+                                        <a:schemeClr val="bg1"/>
+                                      </a:solidFill>
+                                      <a:latin typeface="Cambria Math" panose="02040503050406030204" pitchFamily="18" charset="0"/>
+                                    </a:rPr>
+                                    <m:t>𝐵</m:t>
+                                  </m:r>
+                                </m:e>
+                                <m:sub>
+                                  <m:r>
+                                    <a:rPr lang="it-IT" i="1">
+                                      <a:solidFill>
+                                        <a:schemeClr val="bg1"/>
+                                      </a:solidFill>
+                                      <a:latin typeface="Cambria Math" panose="02040503050406030204" pitchFamily="18" charset="0"/>
+                                    </a:rPr>
+                                    <m:t>6</m:t>
+                                  </m:r>
+                                </m:sub>
+                              </m:sSub>
                             </m:e>
                             <m:e>
-                              <m:r>
-                                <m:rPr>
-                                  <m:nor/>
-                                </m:rPr>
-                                <a:rPr lang="it-IT" dirty="0">
-                                  <a:solidFill>
-                                    <a:schemeClr val="bg1"/>
-                                  </a:solidFill>
-                                </a:rPr>
-                                <m:t>B</m:t>
-                              </m:r>
-                              <m:r>
-                                <m:rPr>
-                                  <m:nor/>
-                                </m:rPr>
-                                <a:rPr lang="it-IT" b="0" i="0" baseline="-25000" dirty="0" smtClean="0">
-                                  <a:solidFill>
-                                    <a:schemeClr val="bg1"/>
-                                  </a:solidFill>
-                                </a:rPr>
-                                <m:t>7</m:t>
-                              </m:r>
+                              <m:sSub>
+                                <m:sSubPr>
+                                  <m:ctrlPr>
+                                    <a:rPr lang="it-IT" i="1">
+                                      <a:solidFill>
+                                        <a:schemeClr val="bg1"/>
+                                      </a:solidFill>
+                                      <a:latin typeface="Cambria Math" panose="02040503050406030204" pitchFamily="18" charset="0"/>
+                                    </a:rPr>
+                                  </m:ctrlPr>
+                                </m:sSubPr>
+                                <m:e>
+                                  <m:r>
+                                    <a:rPr lang="it-IT" i="1">
+                                      <a:solidFill>
+                                        <a:schemeClr val="bg1"/>
+                                      </a:solidFill>
+                                      <a:latin typeface="Cambria Math" panose="02040503050406030204" pitchFamily="18" charset="0"/>
+                                    </a:rPr>
+                                    <m:t>𝐵</m:t>
+                                  </m:r>
+                                </m:e>
+                                <m:sub>
+                                  <m:r>
+                                    <a:rPr lang="it-IT" i="1">
+                                      <a:solidFill>
+                                        <a:schemeClr val="bg1"/>
+                                      </a:solidFill>
+                                      <a:latin typeface="Cambria Math" panose="02040503050406030204" pitchFamily="18" charset="0"/>
+                                    </a:rPr>
+                                    <m:t>7</m:t>
+                                  </m:r>
+                                </m:sub>
+                              </m:sSub>
                             </m:e>
                           </m:mr>
                         </m:m>
@@ -8736,7 +9111,199 @@
                     </m:d>
                   </m:oMath>
                 </a14:m>
-                <a:endParaRPr lang="it-IT" dirty="0">
+                <a:r>
+                  <a:rPr lang="it-IT" dirty="0">
+                    <a:solidFill>
+                      <a:schemeClr val="bg1"/>
+                    </a:solidFill>
+                  </a:rPr>
+                  <a:t> </a:t>
+                </a:r>
+              </a:p>
+            </p:txBody>
+          </p:sp>
+        </mc:Choice>
+        <mc:Fallback>
+          <p:sp>
+            <p:nvSpPr>
+              <p:cNvPr id="13" name="CasellaDiTesto 12">
+                <a:extLst>
+                  <a:ext uri="{FF2B5EF4-FFF2-40B4-BE49-F238E27FC236}">
+                    <a16:creationId xmlns:a16="http://schemas.microsoft.com/office/drawing/2014/main" id="{78FC8553-7049-494F-B1F8-58B33A84902E}"/>
+                  </a:ext>
+                </a:extLst>
+              </p:cNvPr>
+              <p:cNvSpPr txBox="1">
+                <a:spLocks noRot="1" noChangeAspect="1" noMove="1" noResize="1" noEditPoints="1" noAdjustHandles="1" noChangeArrowheads="1" noChangeShapeType="1" noTextEdit="1"/>
+              </p:cNvSpPr>
+              <p:nvPr/>
+            </p:nvSpPr>
+            <p:spPr>
+              <a:xfrm>
+                <a:off x="6243079" y="5095411"/>
+                <a:ext cx="3806306" cy="276999"/>
+              </a:xfrm>
+              <a:prstGeom prst="rect">
+                <a:avLst/>
+              </a:prstGeom>
+              <a:blipFill>
+                <a:blip r:embed="rId6"/>
+                <a:stretch>
+                  <a:fillRect l="-1600" b="-15556"/>
+                </a:stretch>
+              </a:blipFill>
+            </p:spPr>
+            <p:txBody>
+              <a:bodyPr/>
+              <a:lstStyle/>
+              <a:p>
+                <a:r>
+                  <a:rPr lang="it-IT">
+                    <a:noFill/>
+                  </a:rPr>
+                  <a:t> </a:t>
+                </a:r>
+              </a:p>
+            </p:txBody>
+          </p:sp>
+        </mc:Fallback>
+      </mc:AlternateContent>
+      <mc:AlternateContent xmlns:mc="http://schemas.openxmlformats.org/markup-compatibility/2006">
+        <mc:Choice xmlns:a14="http://schemas.microsoft.com/office/drawing/2010/main" Requires="a14">
+          <p:sp>
+            <p:nvSpPr>
+              <p:cNvPr id="19" name="CasellaDiTesto 18">
+                <a:extLst>
+                  <a:ext uri="{FF2B5EF4-FFF2-40B4-BE49-F238E27FC236}">
+                    <a16:creationId xmlns:a16="http://schemas.microsoft.com/office/drawing/2014/main" id="{12EEFF23-6B41-40A9-B446-D2593E80DC39}"/>
+                  </a:ext>
+                </a:extLst>
+              </p:cNvPr>
+              <p:cNvSpPr txBox="1"/>
+              <p:nvPr/>
+            </p:nvSpPr>
+            <p:spPr>
+              <a:xfrm>
+                <a:off x="4901711" y="1399994"/>
+                <a:ext cx="1559810" cy="369332"/>
+              </a:xfrm>
+              <a:prstGeom prst="rect">
+                <a:avLst/>
+              </a:prstGeom>
+              <a:noFill/>
+            </p:spPr>
+            <p:txBody>
+              <a:bodyPr wrap="square" lIns="0" tIns="0" rIns="0" bIns="0" rtlCol="0">
+                <a:spAutoFit/>
+              </a:bodyPr>
+              <a:lstStyle/>
+              <a:p>
+                <a14:m>
+                  <m:oMath xmlns:m="http://schemas.openxmlformats.org/officeDocument/2006/math">
+                    <m:sSub>
+                      <m:sSubPr>
+                        <m:ctrlPr>
+                          <a:rPr lang="it-IT" sz="2400" i="1" smtClean="0">
+                            <a:solidFill>
+                              <a:schemeClr val="bg1"/>
+                            </a:solidFill>
+                            <a:latin typeface="Cambria Math" panose="02040503050406030204" pitchFamily="18" charset="0"/>
+                          </a:rPr>
+                        </m:ctrlPr>
+                      </m:sSubPr>
+                      <m:e>
+                        <m:r>
+                          <a:rPr lang="it-IT" sz="2400" i="1" dirty="0">
+                            <a:solidFill>
+                              <a:schemeClr val="bg1"/>
+                            </a:solidFill>
+                            <a:latin typeface="Cambria Math" panose="02040503050406030204" pitchFamily="18" charset="0"/>
+                          </a:rPr>
+                          <m:t>𝜈</m:t>
+                        </m:r>
+                      </m:e>
+                      <m:sub>
+                        <m:r>
+                          <a:rPr lang="it-IT" sz="2400" i="1">
+                            <a:solidFill>
+                              <a:schemeClr val="bg1"/>
+                            </a:solidFill>
+                            <a:latin typeface="Cambria Math" panose="02040503050406030204" pitchFamily="18" charset="0"/>
+                          </a:rPr>
+                          <m:t>𝑟</m:t>
+                        </m:r>
+                      </m:sub>
+                    </m:sSub>
+                  </m:oMath>
+                </a14:m>
+                <a:r>
+                  <a:rPr lang="it-IT" sz="2400" dirty="0">
+                    <a:solidFill>
+                      <a:schemeClr val="bg1"/>
+                    </a:solidFill>
+                  </a:rPr>
+                  <a:t> = </a:t>
+                </a:r>
+                <a14:m>
+                  <m:oMath xmlns:m="http://schemas.openxmlformats.org/officeDocument/2006/math">
+                    <m:r>
+                      <a:rPr lang="it-IT" sz="2400" i="1" dirty="0">
+                        <a:solidFill>
+                          <a:schemeClr val="bg1"/>
+                        </a:solidFill>
+                        <a:latin typeface="Cambria Math" panose="02040503050406030204" pitchFamily="18" charset="0"/>
+                      </a:rPr>
+                      <m:t>𝜈</m:t>
+                    </m:r>
+                  </m:oMath>
+                </a14:m>
+                <a:r>
+                  <a:rPr lang="it-IT" sz="2400" dirty="0">
+                    <a:solidFill>
+                      <a:schemeClr val="bg1"/>
+                    </a:solidFill>
+                  </a:rPr>
+                  <a:t> - </a:t>
+                </a:r>
+                <a14:m>
+                  <m:oMath xmlns:m="http://schemas.openxmlformats.org/officeDocument/2006/math">
+                    <m:sSub>
+                      <m:sSubPr>
+                        <m:ctrlPr>
+                          <a:rPr lang="it-IT" sz="2400" i="1">
+                            <a:solidFill>
+                              <a:schemeClr val="bg1"/>
+                            </a:solidFill>
+                            <a:latin typeface="Cambria Math" panose="02040503050406030204" pitchFamily="18" charset="0"/>
+                          </a:rPr>
+                        </m:ctrlPr>
+                      </m:sSubPr>
+                      <m:e>
+                        <m:r>
+                          <a:rPr lang="it-IT" sz="2400" i="1" dirty="0">
+                            <a:solidFill>
+                              <a:schemeClr val="bg1"/>
+                            </a:solidFill>
+                            <a:latin typeface="Cambria Math" panose="02040503050406030204" pitchFamily="18" charset="0"/>
+                          </a:rPr>
+                          <m:t>𝜈</m:t>
+                        </m:r>
+                      </m:e>
+                      <m:sub>
+                        <m:r>
+                          <a:rPr lang="it-IT" sz="2400" b="0" i="1" smtClean="0">
+                            <a:solidFill>
+                              <a:schemeClr val="bg1"/>
+                            </a:solidFill>
+                            <a:latin typeface="Cambria Math" panose="02040503050406030204" pitchFamily="18" charset="0"/>
+                          </a:rPr>
+                          <m:t>𝑐</m:t>
+                        </m:r>
+                      </m:sub>
+                    </m:sSub>
+                  </m:oMath>
+                </a14:m>
+                <a:endParaRPr lang="it-IT" sz="2400" dirty="0">
                   <a:solidFill>
                     <a:schemeClr val="bg1"/>
                   </a:solidFill>
@@ -8748,10 +9315,10 @@
         <mc:Fallback>
           <p:sp>
             <p:nvSpPr>
-              <p:cNvPr id="16" name="CasellaDiTesto 15">
+              <p:cNvPr id="19" name="CasellaDiTesto 18">
                 <a:extLst>
                   <a:ext uri="{FF2B5EF4-FFF2-40B4-BE49-F238E27FC236}">
-                    <a16:creationId xmlns:a16="http://schemas.microsoft.com/office/drawing/2014/main" id="{F37F7116-69E7-4235-A557-998D7EAD8CEF}"/>
+                    <a16:creationId xmlns:a16="http://schemas.microsoft.com/office/drawing/2014/main" id="{12EEFF23-6B41-40A9-B446-D2593E80DC39}"/>
                   </a:ext>
                 </a:extLst>
               </p:cNvPr>
@@ -8762,16 +9329,16 @@
             </p:nvSpPr>
             <p:spPr>
               <a:xfrm>
-                <a:off x="6232965" y="5177303"/>
-                <a:ext cx="3531095" cy="276999"/>
+                <a:off x="4901711" y="1399994"/>
+                <a:ext cx="1559810" cy="369332"/>
               </a:xfrm>
               <a:prstGeom prst="rect">
                 <a:avLst/>
               </a:prstGeom>
               <a:blipFill>
-                <a:blip r:embed="rId5"/>
+                <a:blip r:embed="rId7"/>
                 <a:stretch>
-                  <a:fillRect l="-3966" t="-30435" b="-52174"/>
+                  <a:fillRect l="-4688" t="-25000" b="-51667"/>
                 </a:stretch>
               </a:blipFill>
             </p:spPr>
@@ -8943,91 +9510,6 @@
           </a:p>
         </p:txBody>
       </p:sp>
-      <p:sp>
-        <p:nvSpPr>
-          <p:cNvPr id="41" name="Rettangolo 40">
-            <a:extLst>
-              <a:ext uri="{FF2B5EF4-FFF2-40B4-BE49-F238E27FC236}">
-                <a16:creationId xmlns:a16="http://schemas.microsoft.com/office/drawing/2014/main" id="{B4C9AE46-7571-43E3-AF39-7C95367BC19E}"/>
-              </a:ext>
-            </a:extLst>
-          </p:cNvPr>
-          <p:cNvSpPr/>
-          <p:nvPr/>
-        </p:nvSpPr>
-        <p:spPr>
-          <a:xfrm>
-            <a:off x="2705667" y="1178714"/>
-            <a:ext cx="6263941" cy="584775"/>
-          </a:xfrm>
-          <a:prstGeom prst="rect">
-            <a:avLst/>
-          </a:prstGeom>
-        </p:spPr>
-        <p:txBody>
-          <a:bodyPr wrap="square">
-            <a:spAutoFit/>
-          </a:bodyPr>
-          <a:lstStyle/>
-          <a:p>
-            <a:r>
-              <a:rPr lang="it-IT" sz="3200" dirty="0" err="1">
-                <a:solidFill>
-                  <a:schemeClr val="bg1"/>
-                </a:solidFill>
-              </a:rPr>
-              <a:t>Mν</a:t>
-            </a:r>
-            <a:r>
-              <a:rPr lang="it-IT" sz="3200" dirty="0">
-                <a:solidFill>
-                  <a:schemeClr val="bg1"/>
-                </a:solidFill>
-              </a:rPr>
-              <a:t> + C(ν)ν + D(ν)ν + g(η) = τ </a:t>
-            </a:r>
-          </a:p>
-        </p:txBody>
-      </p:sp>
-      <p:sp>
-        <p:nvSpPr>
-          <p:cNvPr id="2" name="CasellaDiTesto 1">
-            <a:extLst>
-              <a:ext uri="{FF2B5EF4-FFF2-40B4-BE49-F238E27FC236}">
-                <a16:creationId xmlns:a16="http://schemas.microsoft.com/office/drawing/2014/main" id="{D59299D3-3A41-4A2E-8282-9A536EF7B4E5}"/>
-              </a:ext>
-            </a:extLst>
-          </p:cNvPr>
-          <p:cNvSpPr txBox="1"/>
-          <p:nvPr/>
-        </p:nvSpPr>
-        <p:spPr>
-          <a:xfrm>
-            <a:off x="3089301" y="1178714"/>
-            <a:ext cx="348792" cy="584775"/>
-          </a:xfrm>
-          <a:prstGeom prst="rect">
-            <a:avLst/>
-          </a:prstGeom>
-          <a:noFill/>
-        </p:spPr>
-        <p:txBody>
-          <a:bodyPr wrap="square" rtlCol="0">
-            <a:spAutoFit/>
-          </a:bodyPr>
-          <a:lstStyle/>
-          <a:p>
-            <a:r>
-              <a:rPr lang="it-IT" sz="3200" dirty="0">
-                <a:solidFill>
-                  <a:schemeClr val="bg1"/>
-                </a:solidFill>
-              </a:rPr>
-              <a:t>.</a:t>
-            </a:r>
-          </a:p>
-        </p:txBody>
-      </p:sp>
       <p:cxnSp>
         <p:nvCxnSpPr>
           <p:cNvPr id="45" name="Connettore 2 44">
@@ -9083,8 +9565,8 @@
         </p:nvSpPr>
         <p:spPr>
           <a:xfrm>
-            <a:off x="2615942" y="1178714"/>
-            <a:ext cx="5599522" cy="678209"/>
+            <a:off x="2615941" y="1178714"/>
+            <a:ext cx="5741929" cy="678209"/>
           </a:xfrm>
           <a:prstGeom prst="rect">
             <a:avLst/>
@@ -9214,7 +9696,7 @@
         </p:nvCxnSpPr>
         <p:spPr>
           <a:xfrm>
-            <a:off x="6722789" y="1763489"/>
+            <a:off x="6864191" y="1783525"/>
             <a:ext cx="0" cy="272352"/>
           </a:xfrm>
           <a:prstGeom prst="straightConnector1">
@@ -9425,8 +9907,8 @@
         </p:nvSpPr>
         <p:spPr>
           <a:xfrm>
-            <a:off x="799380" y="2641089"/>
-            <a:ext cx="5022781" cy="2677656"/>
+            <a:off x="799381" y="2641089"/>
+            <a:ext cx="3266909" cy="1938992"/>
           </a:xfrm>
           <a:prstGeom prst="rect">
             <a:avLst/>
@@ -9496,686 +9978,187 @@
               </a:solidFill>
             </a:endParaRPr>
           </a:p>
-          <a:p>
-            <a:pPr marL="342900" indent="-342900">
-              <a:buFont typeface="+mj-lt"/>
-              <a:buAutoNum type="arabicPeriod"/>
-            </a:pPr>
-            <a:endParaRPr lang="it-IT" sz="2400" dirty="0">
-              <a:solidFill>
-                <a:schemeClr val="bg1"/>
-              </a:solidFill>
-            </a:endParaRPr>
-          </a:p>
-          <a:p>
-            <a:pPr marL="342900" indent="-342900">
-              <a:buFont typeface="+mj-lt"/>
-              <a:buAutoNum type="arabicPeriod"/>
-            </a:pPr>
-            <a:r>
-              <a:rPr lang="it-IT" sz="2400" dirty="0">
-                <a:solidFill>
-                  <a:schemeClr val="bg1"/>
-                </a:solidFill>
-              </a:rPr>
-              <a:t>Termini centripeti e di </a:t>
-            </a:r>
-            <a:r>
-              <a:rPr lang="it-IT" sz="2400" dirty="0" err="1">
-                <a:solidFill>
-                  <a:schemeClr val="bg1"/>
-                </a:solidFill>
-              </a:rPr>
-              <a:t>Coriolis</a:t>
-            </a:r>
-            <a:endParaRPr lang="it-IT" sz="2400" dirty="0">
-              <a:solidFill>
-                <a:schemeClr val="bg1"/>
-              </a:solidFill>
-            </a:endParaRPr>
-          </a:p>
         </p:txBody>
       </p:sp>
+      <mc:AlternateContent xmlns:mc="http://schemas.openxmlformats.org/markup-compatibility/2006">
+        <mc:Choice xmlns:a14="http://schemas.microsoft.com/office/drawing/2010/main" Requires="a14">
+          <p:sp>
+            <p:nvSpPr>
+              <p:cNvPr id="6" name="Rettangolo 5">
+                <a:extLst>
+                  <a:ext uri="{FF2B5EF4-FFF2-40B4-BE49-F238E27FC236}">
+                    <a16:creationId xmlns:a16="http://schemas.microsoft.com/office/drawing/2014/main" id="{B5867085-01CB-4A51-8D0E-CBA46DCB5DD6}"/>
+                  </a:ext>
+                </a:extLst>
+              </p:cNvPr>
+              <p:cNvSpPr/>
+              <p:nvPr/>
+            </p:nvSpPr>
+            <p:spPr>
+              <a:xfrm>
+                <a:off x="1294144" y="3589457"/>
+                <a:ext cx="2348656" cy="369332"/>
+              </a:xfrm>
+              <a:prstGeom prst="rect">
+                <a:avLst/>
+              </a:prstGeom>
+            </p:spPr>
+            <p:txBody>
+              <a:bodyPr wrap="none">
+                <a:spAutoFit/>
+              </a:bodyPr>
+              <a:lstStyle/>
+              <a:p>
+                <a14:m>
+                  <m:oMathPara xmlns:m="http://schemas.openxmlformats.org/officeDocument/2006/math">
+                    <m:oMathParaPr>
+                      <m:jc m:val="centerGroup"/>
+                    </m:oMathParaPr>
+                    <m:oMath xmlns:m="http://schemas.openxmlformats.org/officeDocument/2006/math">
+                      <m:r>
+                        <a:rPr lang="it-IT" i="1" dirty="0" smtClean="0">
+                          <a:solidFill>
+                            <a:schemeClr val="bg1"/>
+                          </a:solidFill>
+                          <a:latin typeface="Cambria Math" panose="02040503050406030204" pitchFamily="18" charset="0"/>
+                        </a:rPr>
+                        <m:t>𝑀</m:t>
+                      </m:r>
+                      <m:r>
+                        <a:rPr lang="it-IT" i="1" baseline="-25000" dirty="0" err="1">
+                          <a:solidFill>
+                            <a:schemeClr val="bg1"/>
+                          </a:solidFill>
+                          <a:latin typeface="Cambria Math" panose="02040503050406030204" pitchFamily="18" charset="0"/>
+                        </a:rPr>
+                        <m:t>𝑡𝑜𝑡</m:t>
+                      </m:r>
+                      <m:r>
+                        <a:rPr lang="it-IT" i="1" dirty="0">
+                          <a:solidFill>
+                            <a:schemeClr val="bg1"/>
+                          </a:solidFill>
+                          <a:latin typeface="Cambria Math" panose="02040503050406030204" pitchFamily="18" charset="0"/>
+                        </a:rPr>
+                        <m:t> </m:t>
+                      </m:r>
+                      <m:r>
+                        <a:rPr lang="it-IT" i="1" dirty="0" smtClean="0">
+                          <a:solidFill>
+                            <a:schemeClr val="bg1"/>
+                          </a:solidFill>
+                          <a:latin typeface="Cambria Math" panose="02040503050406030204" pitchFamily="18" charset="0"/>
+                        </a:rPr>
+                        <m:t>= </m:t>
+                      </m:r>
+                      <m:r>
+                        <a:rPr lang="it-IT" i="1" dirty="0" smtClean="0">
+                          <a:solidFill>
+                            <a:schemeClr val="bg1"/>
+                          </a:solidFill>
+                          <a:latin typeface="Cambria Math" panose="02040503050406030204" pitchFamily="18" charset="0"/>
+                        </a:rPr>
+                        <m:t>𝑀𝑅𝐵</m:t>
+                      </m:r>
+                      <m:r>
+                        <a:rPr lang="it-IT" i="1" baseline="-25000" dirty="0" smtClean="0">
+                          <a:solidFill>
+                            <a:schemeClr val="bg1"/>
+                          </a:solidFill>
+                          <a:latin typeface="Cambria Math" panose="02040503050406030204" pitchFamily="18" charset="0"/>
+                        </a:rPr>
+                        <m:t> + </m:t>
+                      </m:r>
+                      <m:r>
+                        <a:rPr lang="it-IT" i="1" dirty="0" err="1">
+                          <a:solidFill>
+                            <a:schemeClr val="bg1"/>
+                          </a:solidFill>
+                          <a:latin typeface="Cambria Math" panose="02040503050406030204" pitchFamily="18" charset="0"/>
+                        </a:rPr>
+                        <m:t>𝑀</m:t>
+                      </m:r>
+                      <m:r>
+                        <a:rPr lang="it-IT" i="1" baseline="-25000" dirty="0" err="1">
+                          <a:solidFill>
+                            <a:schemeClr val="bg1"/>
+                          </a:solidFill>
+                          <a:latin typeface="Cambria Math" panose="02040503050406030204" pitchFamily="18" charset="0"/>
+                        </a:rPr>
+                        <m:t>𝐴𝑑𝑑</m:t>
+                      </m:r>
+                      <m:r>
+                        <a:rPr lang="it-IT" i="1" dirty="0">
+                          <a:solidFill>
+                            <a:schemeClr val="bg1"/>
+                          </a:solidFill>
+                          <a:latin typeface="Cambria Math" panose="02040503050406030204" pitchFamily="18" charset="0"/>
+                        </a:rPr>
+                        <m:t> </m:t>
+                      </m:r>
+                    </m:oMath>
+                  </m:oMathPara>
+                </a14:m>
+                <a:endParaRPr lang="it-IT" dirty="0">
+                  <a:solidFill>
+                    <a:schemeClr val="bg1"/>
+                  </a:solidFill>
+                </a:endParaRPr>
+              </a:p>
+            </p:txBody>
+          </p:sp>
+        </mc:Choice>
+        <mc:Fallback>
+          <p:sp>
+            <p:nvSpPr>
+              <p:cNvPr id="6" name="Rettangolo 5">
+                <a:extLst>
+                  <a:ext uri="{FF2B5EF4-FFF2-40B4-BE49-F238E27FC236}">
+                    <a16:creationId xmlns:a16="http://schemas.microsoft.com/office/drawing/2014/main" id="{B5867085-01CB-4A51-8D0E-CBA46DCB5DD6}"/>
+                  </a:ext>
+                </a:extLst>
+              </p:cNvPr>
+              <p:cNvSpPr>
+                <a:spLocks noRot="1" noChangeAspect="1" noMove="1" noResize="1" noEditPoints="1" noAdjustHandles="1" noChangeArrowheads="1" noChangeShapeType="1" noTextEdit="1"/>
+              </p:cNvSpPr>
+              <p:nvPr/>
+            </p:nvSpPr>
+            <p:spPr>
+              <a:xfrm>
+                <a:off x="1294144" y="3589457"/>
+                <a:ext cx="2348656" cy="369332"/>
+              </a:xfrm>
+              <a:prstGeom prst="rect">
+                <a:avLst/>
+              </a:prstGeom>
+              <a:blipFill>
+                <a:blip r:embed="rId3"/>
+                <a:stretch>
+                  <a:fillRect b="-1667"/>
+                </a:stretch>
+              </a:blipFill>
+            </p:spPr>
+            <p:txBody>
+              <a:bodyPr/>
+              <a:lstStyle/>
+              <a:p>
+                <a:r>
+                  <a:rPr lang="it-IT">
+                    <a:noFill/>
+                  </a:rPr>
+                  <a:t> </a:t>
+                </a:r>
+              </a:p>
+            </p:txBody>
+          </p:sp>
+        </mc:Fallback>
+      </mc:AlternateContent>
       <p:sp>
         <p:nvSpPr>
-          <p:cNvPr id="6" name="Rettangolo 5">
+          <p:cNvPr id="69" name="CasellaDiTesto 68">
             <a:extLst>
               <a:ext uri="{FF2B5EF4-FFF2-40B4-BE49-F238E27FC236}">
-                <a16:creationId xmlns:a16="http://schemas.microsoft.com/office/drawing/2014/main" id="{B5867085-01CB-4A51-8D0E-CBA46DCB5DD6}"/>
-              </a:ext>
-            </a:extLst>
-          </p:cNvPr>
-          <p:cNvSpPr/>
-          <p:nvPr/>
-        </p:nvSpPr>
-        <p:spPr>
-          <a:xfrm>
-            <a:off x="1294144" y="3589457"/>
-            <a:ext cx="2004075" cy="369332"/>
-          </a:xfrm>
-          <a:prstGeom prst="rect">
-            <a:avLst/>
-          </a:prstGeom>
-        </p:spPr>
-        <p:txBody>
-          <a:bodyPr wrap="none">
-            <a:spAutoFit/>
-          </a:bodyPr>
-          <a:lstStyle/>
-          <a:p>
-            <a:r>
-              <a:rPr lang="it-IT" dirty="0" err="1">
-                <a:solidFill>
-                  <a:schemeClr val="bg1"/>
-                </a:solidFill>
-              </a:rPr>
-              <a:t>M</a:t>
-            </a:r>
-            <a:r>
-              <a:rPr lang="it-IT" baseline="-25000" dirty="0" err="1">
-                <a:solidFill>
-                  <a:schemeClr val="bg1"/>
-                </a:solidFill>
-              </a:rPr>
-              <a:t>tot</a:t>
-            </a:r>
-            <a:r>
-              <a:rPr lang="it-IT" dirty="0">
-                <a:solidFill>
-                  <a:schemeClr val="bg1"/>
-                </a:solidFill>
-              </a:rPr>
-              <a:t> =M</a:t>
-            </a:r>
-            <a:r>
-              <a:rPr lang="it-IT" baseline="-25000" dirty="0">
-                <a:solidFill>
-                  <a:schemeClr val="bg1"/>
-                </a:solidFill>
-              </a:rPr>
-              <a:t>RB </a:t>
-            </a:r>
-            <a:r>
-              <a:rPr lang="it-IT" dirty="0">
-                <a:solidFill>
-                  <a:schemeClr val="bg1"/>
-                </a:solidFill>
-              </a:rPr>
-              <a:t>+ </a:t>
-            </a:r>
-            <a:r>
-              <a:rPr lang="it-IT" dirty="0" err="1">
-                <a:solidFill>
-                  <a:schemeClr val="bg1"/>
-                </a:solidFill>
-              </a:rPr>
-              <a:t>M</a:t>
-            </a:r>
-            <a:r>
-              <a:rPr lang="it-IT" baseline="-25000" dirty="0" err="1">
-                <a:solidFill>
-                  <a:schemeClr val="bg1"/>
-                </a:solidFill>
-              </a:rPr>
-              <a:t>Add</a:t>
-            </a:r>
-            <a:r>
-              <a:rPr lang="it-IT" dirty="0">
-                <a:solidFill>
-                  <a:schemeClr val="bg1"/>
-                </a:solidFill>
-              </a:rPr>
-              <a:t> </a:t>
-            </a:r>
-          </a:p>
-        </p:txBody>
-      </p:sp>
-      <p:sp>
-        <p:nvSpPr>
-          <p:cNvPr id="7" name="Rettangolo 6">
-            <a:extLst>
-              <a:ext uri="{FF2B5EF4-FFF2-40B4-BE49-F238E27FC236}">
-                <a16:creationId xmlns:a16="http://schemas.microsoft.com/office/drawing/2014/main" id="{1619DC4F-E929-4FC2-A24A-C1CA0F4839BD}"/>
-              </a:ext>
-            </a:extLst>
-          </p:cNvPr>
-          <p:cNvSpPr/>
-          <p:nvPr/>
-        </p:nvSpPr>
-        <p:spPr>
-          <a:xfrm>
-            <a:off x="5174047" y="3101079"/>
-            <a:ext cx="6096000" cy="1600438"/>
-          </a:xfrm>
-          <a:prstGeom prst="rect">
-            <a:avLst/>
-          </a:prstGeom>
-        </p:spPr>
-        <p:txBody>
-          <a:bodyPr>
-            <a:spAutoFit/>
-          </a:bodyPr>
-          <a:lstStyle/>
-          <a:p>
-            <a:r>
-              <a:rPr lang="it-IT" sz="1400" dirty="0">
-                <a:solidFill>
-                  <a:schemeClr val="bg1"/>
-                </a:solidFill>
-              </a:rPr>
-              <a:t>m  0  0  0  0  0</a:t>
-            </a:r>
-          </a:p>
-          <a:p>
-            <a:r>
-              <a:rPr lang="it-IT" sz="1400" dirty="0">
-                <a:solidFill>
-                  <a:schemeClr val="bg1"/>
-                </a:solidFill>
-              </a:rPr>
-              <a:t>0   m 0  0  0  0 </a:t>
-            </a:r>
-          </a:p>
-          <a:p>
-            <a:r>
-              <a:rPr lang="it-IT" sz="1400" dirty="0">
-                <a:solidFill>
-                  <a:schemeClr val="bg1"/>
-                </a:solidFill>
-              </a:rPr>
-              <a:t>0   0  m 0  0  0</a:t>
-            </a:r>
-          </a:p>
-          <a:p>
-            <a:r>
-              <a:rPr lang="it-IT" sz="1400" dirty="0">
-                <a:solidFill>
-                  <a:schemeClr val="bg1"/>
-                </a:solidFill>
-              </a:rPr>
-              <a:t>0   0  0  </a:t>
-            </a:r>
-            <a:r>
-              <a:rPr lang="it-IT" sz="1400" dirty="0" err="1">
-                <a:solidFill>
-                  <a:schemeClr val="bg1"/>
-                </a:solidFill>
-              </a:rPr>
-              <a:t>Ix</a:t>
-            </a:r>
-            <a:r>
-              <a:rPr lang="it-IT" sz="1400" dirty="0">
-                <a:solidFill>
-                  <a:schemeClr val="bg1"/>
-                </a:solidFill>
-              </a:rPr>
-              <a:t>  0 0 </a:t>
-            </a:r>
-          </a:p>
-          <a:p>
-            <a:r>
-              <a:rPr lang="it-IT" sz="1400" dirty="0">
-                <a:solidFill>
-                  <a:schemeClr val="bg1"/>
-                </a:solidFill>
-              </a:rPr>
-              <a:t>0   0  0  0  </a:t>
-            </a:r>
-            <a:r>
-              <a:rPr lang="it-IT" sz="1400" dirty="0" err="1">
-                <a:solidFill>
-                  <a:schemeClr val="bg1"/>
-                </a:solidFill>
-              </a:rPr>
-              <a:t>Iy</a:t>
-            </a:r>
-            <a:r>
-              <a:rPr lang="it-IT" sz="1400" dirty="0">
-                <a:solidFill>
-                  <a:schemeClr val="bg1"/>
-                </a:solidFill>
-              </a:rPr>
-              <a:t>  0 </a:t>
-            </a:r>
-          </a:p>
-          <a:p>
-            <a:r>
-              <a:rPr lang="it-IT" sz="1400" dirty="0">
-                <a:solidFill>
-                  <a:schemeClr val="bg1"/>
-                </a:solidFill>
-              </a:rPr>
-              <a:t>0   0  0  0  0  </a:t>
-            </a:r>
-            <a:r>
-              <a:rPr lang="it-IT" sz="1400" dirty="0" err="1">
-                <a:solidFill>
-                  <a:schemeClr val="bg1"/>
-                </a:solidFill>
-              </a:rPr>
-              <a:t>Iz</a:t>
-            </a:r>
-            <a:endParaRPr lang="it-IT" sz="1400" dirty="0">
-              <a:solidFill>
-                <a:schemeClr val="bg1"/>
-              </a:solidFill>
-            </a:endParaRPr>
-          </a:p>
-          <a:p>
-            <a:r>
-              <a:rPr lang="it-IT" sz="1400" dirty="0">
-                <a:solidFill>
-                  <a:schemeClr val="bg1"/>
-                </a:solidFill>
-              </a:rPr>
-              <a:t> </a:t>
-            </a:r>
-          </a:p>
-        </p:txBody>
-      </p:sp>
-      <p:sp>
-        <p:nvSpPr>
-          <p:cNvPr id="20" name="Rettangolo 19">
-            <a:extLst>
-              <a:ext uri="{FF2B5EF4-FFF2-40B4-BE49-F238E27FC236}">
-                <a16:creationId xmlns:a16="http://schemas.microsoft.com/office/drawing/2014/main" id="{A9B4CE27-3483-4EA0-8A8F-5969E256242B}"/>
-              </a:ext>
-            </a:extLst>
-          </p:cNvPr>
-          <p:cNvSpPr/>
-          <p:nvPr/>
-        </p:nvSpPr>
-        <p:spPr>
-          <a:xfrm>
-            <a:off x="7881928" y="2949467"/>
-            <a:ext cx="1857080" cy="1815882"/>
-          </a:xfrm>
-          <a:prstGeom prst="rect">
-            <a:avLst/>
-          </a:prstGeom>
-        </p:spPr>
-        <p:txBody>
-          <a:bodyPr wrap="square">
-            <a:spAutoFit/>
-          </a:bodyPr>
-          <a:lstStyle/>
-          <a:p>
-            <a:endParaRPr lang="it-IT" sz="1400" dirty="0">
-              <a:solidFill>
-                <a:schemeClr val="bg1"/>
-              </a:solidFill>
-            </a:endParaRPr>
-          </a:p>
-          <a:p>
-            <a:r>
-              <a:rPr lang="it-IT" sz="1400" dirty="0" err="1">
-                <a:solidFill>
-                  <a:schemeClr val="bg1"/>
-                </a:solidFill>
-              </a:rPr>
-              <a:t>X</a:t>
-            </a:r>
-            <a:r>
-              <a:rPr lang="it-IT" sz="1400" baseline="-25000" dirty="0" err="1">
-                <a:solidFill>
-                  <a:schemeClr val="bg1"/>
-                </a:solidFill>
-              </a:rPr>
-              <a:t>u</a:t>
-            </a:r>
-            <a:r>
-              <a:rPr lang="it-IT" sz="1400" dirty="0">
-                <a:solidFill>
-                  <a:schemeClr val="bg1"/>
-                </a:solidFill>
-              </a:rPr>
-              <a:t> 0  0  0  0  0</a:t>
-            </a:r>
-          </a:p>
-          <a:p>
-            <a:r>
-              <a:rPr lang="it-IT" sz="1400" dirty="0">
-                <a:solidFill>
-                  <a:schemeClr val="bg1"/>
-                </a:solidFill>
-              </a:rPr>
-              <a:t> 0  </a:t>
-            </a:r>
-            <a:r>
-              <a:rPr lang="it-IT" sz="1400" dirty="0" err="1">
-                <a:solidFill>
-                  <a:schemeClr val="bg1"/>
-                </a:solidFill>
-              </a:rPr>
-              <a:t>Y</a:t>
-            </a:r>
-            <a:r>
-              <a:rPr lang="it-IT" sz="1400" baseline="-25000" dirty="0" err="1">
-                <a:solidFill>
-                  <a:schemeClr val="bg1"/>
-                </a:solidFill>
-              </a:rPr>
-              <a:t>v</a:t>
-            </a:r>
-            <a:r>
-              <a:rPr lang="it-IT" sz="1400" dirty="0">
-                <a:solidFill>
-                  <a:schemeClr val="bg1"/>
-                </a:solidFill>
-              </a:rPr>
-              <a:t> 0  0  0  0 </a:t>
-            </a:r>
-          </a:p>
-          <a:p>
-            <a:r>
-              <a:rPr lang="it-IT" sz="1400" dirty="0">
-                <a:solidFill>
-                  <a:schemeClr val="bg1"/>
-                </a:solidFill>
-              </a:rPr>
-              <a:t> 0  0  Z</a:t>
-            </a:r>
-            <a:r>
-              <a:rPr lang="it-IT" sz="1400" baseline="-25000" dirty="0">
-                <a:solidFill>
-                  <a:schemeClr val="bg1"/>
-                </a:solidFill>
-              </a:rPr>
-              <a:t>w</a:t>
-            </a:r>
-            <a:r>
-              <a:rPr lang="it-IT" sz="1400" dirty="0">
-                <a:solidFill>
-                  <a:schemeClr val="bg1"/>
-                </a:solidFill>
-              </a:rPr>
-              <a:t>0  0  0 </a:t>
-            </a:r>
-          </a:p>
-          <a:p>
-            <a:r>
-              <a:rPr lang="it-IT" sz="1400" dirty="0">
-                <a:solidFill>
-                  <a:schemeClr val="bg1"/>
-                </a:solidFill>
-              </a:rPr>
-              <a:t> 0  0  0  K</a:t>
-            </a:r>
-            <a:r>
-              <a:rPr lang="it-IT" sz="1400" baseline="-25000" dirty="0">
-                <a:solidFill>
-                  <a:schemeClr val="bg1"/>
-                </a:solidFill>
-              </a:rPr>
-              <a:t>p</a:t>
-            </a:r>
-            <a:r>
-              <a:rPr lang="it-IT" sz="1400" dirty="0">
-                <a:solidFill>
-                  <a:schemeClr val="bg1"/>
-                </a:solidFill>
-              </a:rPr>
-              <a:t>0  0</a:t>
-            </a:r>
-          </a:p>
-          <a:p>
-            <a:r>
-              <a:rPr lang="it-IT" sz="1400" dirty="0">
-                <a:solidFill>
-                  <a:schemeClr val="bg1"/>
-                </a:solidFill>
-              </a:rPr>
-              <a:t> 0  0  0  0  M</a:t>
-            </a:r>
-            <a:r>
-              <a:rPr lang="it-IT" sz="1400" baseline="-25000" dirty="0">
-                <a:solidFill>
-                  <a:schemeClr val="bg1"/>
-                </a:solidFill>
-              </a:rPr>
-              <a:t>q</a:t>
-            </a:r>
-            <a:r>
-              <a:rPr lang="it-IT" sz="1400" dirty="0">
-                <a:solidFill>
-                  <a:schemeClr val="bg1"/>
-                </a:solidFill>
-              </a:rPr>
-              <a:t>0 </a:t>
-            </a:r>
-          </a:p>
-          <a:p>
-            <a:r>
-              <a:rPr lang="it-IT" sz="1400" dirty="0">
-                <a:solidFill>
-                  <a:schemeClr val="bg1"/>
-                </a:solidFill>
-              </a:rPr>
-              <a:t> 0  0  0  0  0  N</a:t>
-            </a:r>
-            <a:r>
-              <a:rPr lang="it-IT" sz="1400" baseline="-25000" dirty="0">
-                <a:solidFill>
-                  <a:schemeClr val="bg1"/>
-                </a:solidFill>
-              </a:rPr>
-              <a:t>r</a:t>
-            </a:r>
-          </a:p>
-          <a:p>
-            <a:r>
-              <a:rPr lang="it-IT" sz="1400" dirty="0">
-                <a:solidFill>
-                  <a:schemeClr val="bg1"/>
-                </a:solidFill>
-              </a:rPr>
-              <a:t> </a:t>
-            </a:r>
-          </a:p>
-        </p:txBody>
-      </p:sp>
-      <p:sp>
-        <p:nvSpPr>
-          <p:cNvPr id="58" name="Parentesi quadra aperta 57">
-            <a:extLst>
-              <a:ext uri="{FF2B5EF4-FFF2-40B4-BE49-F238E27FC236}">
-                <a16:creationId xmlns:a16="http://schemas.microsoft.com/office/drawing/2014/main" id="{F790E3C6-0974-44DC-807F-9202A2A994A2}"/>
-              </a:ext>
-            </a:extLst>
-          </p:cNvPr>
-          <p:cNvSpPr/>
-          <p:nvPr/>
-        </p:nvSpPr>
-        <p:spPr>
-          <a:xfrm>
-            <a:off x="5151187" y="3143650"/>
-            <a:ext cx="45719" cy="1271819"/>
-          </a:xfrm>
-          <a:prstGeom prst="leftBracket">
-            <a:avLst/>
-          </a:prstGeom>
-          <a:ln>
-            <a:solidFill>
-              <a:schemeClr val="bg1"/>
-            </a:solidFill>
-          </a:ln>
-        </p:spPr>
-        <p:style>
-          <a:lnRef idx="1">
-            <a:schemeClr val="dk1"/>
-          </a:lnRef>
-          <a:fillRef idx="0">
-            <a:schemeClr val="dk1"/>
-          </a:fillRef>
-          <a:effectRef idx="0">
-            <a:schemeClr val="dk1"/>
-          </a:effectRef>
-          <a:fontRef idx="minor">
-            <a:schemeClr val="tx1"/>
-          </a:fontRef>
-        </p:style>
-        <p:txBody>
-          <a:bodyPr rtlCol="0" anchor="ctr"/>
-          <a:lstStyle/>
-          <a:p>
-            <a:pPr algn="ctr"/>
-            <a:endParaRPr lang="it-IT"/>
-          </a:p>
-        </p:txBody>
-      </p:sp>
-      <p:sp>
-        <p:nvSpPr>
-          <p:cNvPr id="59" name="Parentesi quadra aperta 58">
-            <a:extLst>
-              <a:ext uri="{FF2B5EF4-FFF2-40B4-BE49-F238E27FC236}">
-                <a16:creationId xmlns:a16="http://schemas.microsoft.com/office/drawing/2014/main" id="{E52B66A4-9038-48EB-B680-C95E2D72BBDE}"/>
-              </a:ext>
-            </a:extLst>
-          </p:cNvPr>
-          <p:cNvSpPr/>
-          <p:nvPr/>
-        </p:nvSpPr>
-        <p:spPr>
-          <a:xfrm rot="10800000">
-            <a:off x="6440572" y="3193141"/>
-            <a:ext cx="45719" cy="1271819"/>
-          </a:xfrm>
-          <a:prstGeom prst="leftBracket">
-            <a:avLst/>
-          </a:prstGeom>
-          <a:ln>
-            <a:solidFill>
-              <a:schemeClr val="bg1"/>
-            </a:solidFill>
-          </a:ln>
-        </p:spPr>
-        <p:style>
-          <a:lnRef idx="1">
-            <a:schemeClr val="dk1"/>
-          </a:lnRef>
-          <a:fillRef idx="0">
-            <a:schemeClr val="dk1"/>
-          </a:fillRef>
-          <a:effectRef idx="0">
-            <a:schemeClr val="dk1"/>
-          </a:effectRef>
-          <a:fontRef idx="minor">
-            <a:schemeClr val="tx1"/>
-          </a:fontRef>
-        </p:style>
-        <p:txBody>
-          <a:bodyPr rtlCol="0" anchor="ctr"/>
-          <a:lstStyle/>
-          <a:p>
-            <a:pPr algn="ctr"/>
-            <a:endParaRPr lang="it-IT"/>
-          </a:p>
-        </p:txBody>
-      </p:sp>
-      <p:sp>
-        <p:nvSpPr>
-          <p:cNvPr id="60" name="Parentesi quadra aperta 59">
-            <a:extLst>
-              <a:ext uri="{FF2B5EF4-FFF2-40B4-BE49-F238E27FC236}">
-                <a16:creationId xmlns:a16="http://schemas.microsoft.com/office/drawing/2014/main" id="{0376E70E-0FA4-4F7C-8134-D760EC765076}"/>
-              </a:ext>
-            </a:extLst>
-          </p:cNvPr>
-          <p:cNvSpPr/>
-          <p:nvPr/>
-        </p:nvSpPr>
-        <p:spPr>
-          <a:xfrm rot="10800000">
-            <a:off x="9177099" y="3193141"/>
-            <a:ext cx="45719" cy="1271819"/>
-          </a:xfrm>
-          <a:prstGeom prst="leftBracket">
-            <a:avLst/>
-          </a:prstGeom>
-          <a:ln>
-            <a:solidFill>
-              <a:schemeClr val="bg1"/>
-            </a:solidFill>
-          </a:ln>
-        </p:spPr>
-        <p:style>
-          <a:lnRef idx="1">
-            <a:schemeClr val="dk1"/>
-          </a:lnRef>
-          <a:fillRef idx="0">
-            <a:schemeClr val="dk1"/>
-          </a:fillRef>
-          <a:effectRef idx="0">
-            <a:schemeClr val="dk1"/>
-          </a:effectRef>
-          <a:fontRef idx="minor">
-            <a:schemeClr val="tx1"/>
-          </a:fontRef>
-        </p:style>
-        <p:txBody>
-          <a:bodyPr rtlCol="0" anchor="ctr"/>
-          <a:lstStyle/>
-          <a:p>
-            <a:pPr algn="ctr"/>
-            <a:endParaRPr lang="it-IT"/>
-          </a:p>
-        </p:txBody>
-      </p:sp>
-      <p:sp>
-        <p:nvSpPr>
-          <p:cNvPr id="61" name="Parentesi quadra aperta 60">
-            <a:extLst>
-              <a:ext uri="{FF2B5EF4-FFF2-40B4-BE49-F238E27FC236}">
-                <a16:creationId xmlns:a16="http://schemas.microsoft.com/office/drawing/2014/main" id="{C50F1C89-28CD-4508-AD23-B683674C113F}"/>
-              </a:ext>
-            </a:extLst>
-          </p:cNvPr>
-          <p:cNvSpPr/>
-          <p:nvPr/>
-        </p:nvSpPr>
-        <p:spPr>
-          <a:xfrm>
-            <a:off x="7871679" y="3193141"/>
-            <a:ext cx="45719" cy="1271819"/>
-          </a:xfrm>
-          <a:prstGeom prst="leftBracket">
-            <a:avLst/>
-          </a:prstGeom>
-          <a:ln>
-            <a:solidFill>
-              <a:schemeClr val="bg1"/>
-            </a:solidFill>
-          </a:ln>
-        </p:spPr>
-        <p:style>
-          <a:lnRef idx="1">
-            <a:schemeClr val="dk1"/>
-          </a:lnRef>
-          <a:fillRef idx="0">
-            <a:schemeClr val="dk1"/>
-          </a:fillRef>
-          <a:effectRef idx="0">
-            <a:schemeClr val="dk1"/>
-          </a:effectRef>
-          <a:fontRef idx="minor">
-            <a:schemeClr val="tx1"/>
-          </a:fontRef>
-        </p:style>
-        <p:txBody>
-          <a:bodyPr rtlCol="0" anchor="ctr"/>
-          <a:lstStyle/>
-          <a:p>
-            <a:pPr algn="ctr"/>
-            <a:endParaRPr lang="it-IT"/>
-          </a:p>
-        </p:txBody>
-      </p:sp>
-      <p:sp>
-        <p:nvSpPr>
-          <p:cNvPr id="23" name="CasellaDiTesto 22">
-            <a:extLst>
-              <a:ext uri="{FF2B5EF4-FFF2-40B4-BE49-F238E27FC236}">
-                <a16:creationId xmlns:a16="http://schemas.microsoft.com/office/drawing/2014/main" id="{192FCA38-456B-476E-AAF2-0F86008906BB}"/>
+                <a16:creationId xmlns:a16="http://schemas.microsoft.com/office/drawing/2014/main" id="{80C4E803-D896-413D-8367-E7CE098447AC}"/>
               </a:ext>
             </a:extLst>
           </p:cNvPr>
@@ -10184,8 +10167,8 @@
         </p:nvSpPr>
         <p:spPr>
           <a:xfrm>
-            <a:off x="4276883" y="3678412"/>
-            <a:ext cx="1216058" cy="369332"/>
+            <a:off x="9979493" y="4048829"/>
+            <a:ext cx="1803805" cy="646331"/>
           </a:xfrm>
           <a:prstGeom prst="rect">
             <a:avLst/>
@@ -10199,585 +10182,8 @@
           <a:lstStyle/>
           <a:p>
             <a:r>
-              <a:rPr lang="it-IT" dirty="0">
-                <a:solidFill>
-                  <a:schemeClr val="bg1"/>
-                </a:solidFill>
-              </a:rPr>
-              <a:t>M</a:t>
-            </a:r>
-            <a:r>
-              <a:rPr lang="it-IT" baseline="-25000" dirty="0">
-                <a:solidFill>
-                  <a:schemeClr val="bg1"/>
-                </a:solidFill>
-              </a:rPr>
-              <a:t>RB</a:t>
-            </a:r>
-            <a:r>
-              <a:rPr lang="it-IT" dirty="0">
-                <a:solidFill>
-                  <a:schemeClr val="bg1"/>
-                </a:solidFill>
-              </a:rPr>
-              <a:t> =</a:t>
-            </a:r>
-          </a:p>
-        </p:txBody>
-      </p:sp>
-      <p:sp>
-        <p:nvSpPr>
-          <p:cNvPr id="63" name="CasellaDiTesto 62">
-            <a:extLst>
-              <a:ext uri="{FF2B5EF4-FFF2-40B4-BE49-F238E27FC236}">
-                <a16:creationId xmlns:a16="http://schemas.microsoft.com/office/drawing/2014/main" id="{B8F415F4-B41A-4D3D-97D6-BF3C5C4F7958}"/>
-              </a:ext>
-            </a:extLst>
-          </p:cNvPr>
-          <p:cNvSpPr txBox="1"/>
-          <p:nvPr/>
-        </p:nvSpPr>
-        <p:spPr>
-          <a:xfrm>
-            <a:off x="7074253" y="3678412"/>
-            <a:ext cx="1216058" cy="369332"/>
-          </a:xfrm>
-          <a:prstGeom prst="rect">
-            <a:avLst/>
-          </a:prstGeom>
-          <a:noFill/>
-        </p:spPr>
-        <p:txBody>
-          <a:bodyPr wrap="square" rtlCol="0">
-            <a:spAutoFit/>
-          </a:bodyPr>
-          <a:lstStyle/>
-          <a:p>
-            <a:r>
-              <a:rPr lang="it-IT" dirty="0" err="1">
-                <a:solidFill>
-                  <a:schemeClr val="bg1"/>
-                </a:solidFill>
-              </a:rPr>
-              <a:t>M</a:t>
-            </a:r>
-            <a:r>
-              <a:rPr lang="it-IT" baseline="-25000" dirty="0" err="1">
-                <a:solidFill>
-                  <a:schemeClr val="bg1"/>
-                </a:solidFill>
-              </a:rPr>
-              <a:t>add</a:t>
-            </a:r>
-            <a:r>
-              <a:rPr lang="it-IT" dirty="0">
-                <a:solidFill>
-                  <a:schemeClr val="bg1"/>
-                </a:solidFill>
-              </a:rPr>
-              <a:t> =</a:t>
-            </a:r>
-          </a:p>
-        </p:txBody>
-      </p:sp>
-      <p:sp>
-        <p:nvSpPr>
-          <p:cNvPr id="25" name="Rettangolo 24">
-            <a:extLst>
-              <a:ext uri="{FF2B5EF4-FFF2-40B4-BE49-F238E27FC236}">
-                <a16:creationId xmlns:a16="http://schemas.microsoft.com/office/drawing/2014/main" id="{ACA79E8B-70D5-46A3-A28C-4EED9A11FCC4}"/>
-              </a:ext>
-            </a:extLst>
-          </p:cNvPr>
-          <p:cNvSpPr/>
-          <p:nvPr/>
-        </p:nvSpPr>
-        <p:spPr>
-          <a:xfrm>
-            <a:off x="9979493" y="3143650"/>
-            <a:ext cx="2159465" cy="738664"/>
-          </a:xfrm>
-          <a:prstGeom prst="rect">
-            <a:avLst/>
-          </a:prstGeom>
-        </p:spPr>
-        <p:txBody>
-          <a:bodyPr wrap="square">
-            <a:spAutoFit/>
-          </a:bodyPr>
-          <a:lstStyle/>
-          <a:p>
-            <a:r>
-              <a:rPr lang="it-IT" sz="1400" dirty="0" err="1">
-                <a:solidFill>
-                  <a:schemeClr val="bg1"/>
-                </a:solidFill>
-              </a:rPr>
-              <a:t>Xu</a:t>
-            </a:r>
-            <a:r>
-              <a:rPr lang="it-IT" sz="1400" dirty="0">
-                <a:solidFill>
-                  <a:schemeClr val="bg1"/>
-                </a:solidFill>
-              </a:rPr>
-              <a:t> = −α0/(2−α0)</a:t>
-            </a:r>
-          </a:p>
-          <a:p>
-            <a:r>
-              <a:rPr lang="it-IT" sz="1400" dirty="0" err="1">
-                <a:solidFill>
-                  <a:schemeClr val="bg1"/>
-                </a:solidFill>
-              </a:rPr>
-              <a:t>Yv</a:t>
-            </a:r>
-            <a:r>
-              <a:rPr lang="it-IT" sz="1400" dirty="0">
-                <a:solidFill>
-                  <a:schemeClr val="bg1"/>
-                </a:solidFill>
-              </a:rPr>
-              <a:t> = −β0(2−β0)</a:t>
-            </a:r>
-          </a:p>
-          <a:p>
-            <a:r>
-              <a:rPr lang="it-IT" sz="1400" dirty="0">
-                <a:solidFill>
-                  <a:schemeClr val="bg1"/>
-                </a:solidFill>
-              </a:rPr>
-              <a:t>Z w = −γ0(2−γ0)</a:t>
-            </a:r>
-          </a:p>
-        </p:txBody>
-      </p:sp>
-      <p:sp>
-        <p:nvSpPr>
-          <p:cNvPr id="32" name="Rettangolo 31">
-            <a:extLst>
-              <a:ext uri="{FF2B5EF4-FFF2-40B4-BE49-F238E27FC236}">
-                <a16:creationId xmlns:a16="http://schemas.microsoft.com/office/drawing/2014/main" id="{0A5F923D-44CE-4A21-B644-6E1953641160}"/>
-              </a:ext>
-            </a:extLst>
-          </p:cNvPr>
-          <p:cNvSpPr/>
-          <p:nvPr/>
-        </p:nvSpPr>
-        <p:spPr>
-          <a:xfrm>
-            <a:off x="2354756" y="5589867"/>
-            <a:ext cx="3630776" cy="584775"/>
-          </a:xfrm>
-          <a:prstGeom prst="rect">
-            <a:avLst/>
-          </a:prstGeom>
-        </p:spPr>
-        <p:txBody>
-          <a:bodyPr wrap="square">
-            <a:spAutoFit/>
-          </a:bodyPr>
-          <a:lstStyle/>
-          <a:p>
-            <a:r>
-              <a:rPr lang="it-IT" sz="1600" dirty="0">
-                <a:solidFill>
-                  <a:schemeClr val="bg1"/>
-                </a:solidFill>
-              </a:rPr>
-              <a:t>              0</a:t>
-            </a:r>
-            <a:r>
-              <a:rPr lang="it-IT" sz="1600" baseline="-25000" dirty="0">
-                <a:solidFill>
-                  <a:schemeClr val="bg1"/>
-                </a:solidFill>
-              </a:rPr>
-              <a:t>3x3 </a:t>
-            </a:r>
-            <a:r>
-              <a:rPr lang="it-IT" sz="1600" dirty="0">
-                <a:solidFill>
-                  <a:schemeClr val="bg1"/>
-                </a:solidFill>
-              </a:rPr>
-              <a:t>              −S(M</a:t>
-            </a:r>
-            <a:r>
-              <a:rPr lang="it-IT" sz="1600" baseline="-25000" dirty="0">
-                <a:solidFill>
-                  <a:schemeClr val="bg1"/>
-                </a:solidFill>
-              </a:rPr>
-              <a:t>11</a:t>
-            </a:r>
-            <a:r>
-              <a:rPr lang="it-IT" sz="1600" dirty="0">
-                <a:solidFill>
-                  <a:schemeClr val="bg1"/>
-                </a:solidFill>
-              </a:rPr>
-              <a:t>ν</a:t>
-            </a:r>
-            <a:r>
-              <a:rPr lang="it-IT" sz="1600" baseline="-25000" dirty="0">
-                <a:solidFill>
-                  <a:schemeClr val="bg1"/>
-                </a:solidFill>
-              </a:rPr>
-              <a:t>1 </a:t>
-            </a:r>
-            <a:r>
-              <a:rPr lang="it-IT" sz="1600" dirty="0">
-                <a:solidFill>
-                  <a:schemeClr val="bg1"/>
-                </a:solidFill>
-              </a:rPr>
-              <a:t>+ M</a:t>
-            </a:r>
-            <a:r>
-              <a:rPr lang="it-IT" sz="1600" baseline="-25000" dirty="0">
-                <a:solidFill>
-                  <a:schemeClr val="bg1"/>
-                </a:solidFill>
-              </a:rPr>
-              <a:t>12</a:t>
-            </a:r>
-            <a:r>
-              <a:rPr lang="it-IT" sz="1600" dirty="0">
-                <a:solidFill>
-                  <a:schemeClr val="bg1"/>
-                </a:solidFill>
-              </a:rPr>
-              <a:t>ν</a:t>
-            </a:r>
-            <a:r>
-              <a:rPr lang="it-IT" sz="1600" baseline="-25000" dirty="0">
-                <a:solidFill>
-                  <a:schemeClr val="bg1"/>
-                </a:solidFill>
-              </a:rPr>
-              <a:t>2</a:t>
-            </a:r>
-            <a:r>
-              <a:rPr lang="it-IT" sz="1600" dirty="0">
-                <a:solidFill>
-                  <a:schemeClr val="bg1"/>
-                </a:solidFill>
-              </a:rPr>
-              <a:t>) </a:t>
-            </a:r>
-          </a:p>
-          <a:p>
-            <a:r>
-              <a:rPr lang="it-IT" sz="1600" dirty="0">
-                <a:solidFill>
-                  <a:schemeClr val="bg1"/>
-                </a:solidFill>
-              </a:rPr>
-              <a:t>−S(M</a:t>
-            </a:r>
-            <a:r>
-              <a:rPr lang="it-IT" sz="1600" baseline="-25000" dirty="0">
-                <a:solidFill>
-                  <a:schemeClr val="bg1"/>
-                </a:solidFill>
-              </a:rPr>
-              <a:t>11</a:t>
-            </a:r>
-            <a:r>
-              <a:rPr lang="it-IT" sz="1600" dirty="0">
-                <a:solidFill>
-                  <a:schemeClr val="bg1"/>
-                </a:solidFill>
-              </a:rPr>
-              <a:t>ν</a:t>
-            </a:r>
-            <a:r>
-              <a:rPr lang="it-IT" sz="1600" baseline="-25000" dirty="0">
-                <a:solidFill>
-                  <a:schemeClr val="bg1"/>
-                </a:solidFill>
-              </a:rPr>
-              <a:t>1 </a:t>
-            </a:r>
-            <a:r>
-              <a:rPr lang="it-IT" sz="1600" dirty="0">
-                <a:solidFill>
-                  <a:schemeClr val="bg1"/>
-                </a:solidFill>
-              </a:rPr>
-              <a:t>+ M</a:t>
-            </a:r>
-            <a:r>
-              <a:rPr lang="it-IT" sz="1600" baseline="-25000" dirty="0">
-                <a:solidFill>
-                  <a:schemeClr val="bg1"/>
-                </a:solidFill>
-              </a:rPr>
-              <a:t>12</a:t>
-            </a:r>
-            <a:r>
-              <a:rPr lang="it-IT" sz="1600" dirty="0">
-                <a:solidFill>
-                  <a:schemeClr val="bg1"/>
-                </a:solidFill>
-              </a:rPr>
-              <a:t>ν</a:t>
-            </a:r>
-            <a:r>
-              <a:rPr lang="it-IT" sz="1600" baseline="-25000" dirty="0">
-                <a:solidFill>
-                  <a:schemeClr val="bg1"/>
-                </a:solidFill>
-              </a:rPr>
-              <a:t>2</a:t>
-            </a:r>
-            <a:r>
-              <a:rPr lang="it-IT" sz="1600" dirty="0">
-                <a:solidFill>
-                  <a:schemeClr val="bg1"/>
-                </a:solidFill>
-              </a:rPr>
-              <a:t>)    −S(M</a:t>
-            </a:r>
-            <a:r>
-              <a:rPr lang="it-IT" sz="1600" baseline="-25000" dirty="0">
-                <a:solidFill>
-                  <a:schemeClr val="bg1"/>
-                </a:solidFill>
-              </a:rPr>
-              <a:t>21</a:t>
-            </a:r>
-            <a:r>
-              <a:rPr lang="it-IT" sz="1600" dirty="0">
-                <a:solidFill>
-                  <a:schemeClr val="bg1"/>
-                </a:solidFill>
-              </a:rPr>
-              <a:t>ν</a:t>
-            </a:r>
-            <a:r>
-              <a:rPr lang="it-IT" sz="1600" baseline="-25000" dirty="0">
-                <a:solidFill>
-                  <a:schemeClr val="bg1"/>
-                </a:solidFill>
-              </a:rPr>
-              <a:t>1 </a:t>
-            </a:r>
-            <a:r>
-              <a:rPr lang="it-IT" sz="1600" dirty="0">
-                <a:solidFill>
-                  <a:schemeClr val="bg1"/>
-                </a:solidFill>
-              </a:rPr>
-              <a:t>+ M</a:t>
-            </a:r>
-            <a:r>
-              <a:rPr lang="it-IT" sz="1600" baseline="-25000" dirty="0">
-                <a:solidFill>
-                  <a:schemeClr val="bg1"/>
-                </a:solidFill>
-              </a:rPr>
-              <a:t>22</a:t>
-            </a:r>
-            <a:r>
-              <a:rPr lang="it-IT" sz="1600" dirty="0">
-                <a:solidFill>
-                  <a:schemeClr val="bg1"/>
-                </a:solidFill>
-              </a:rPr>
-              <a:t>ν</a:t>
-            </a:r>
-            <a:r>
-              <a:rPr lang="it-IT" sz="1600" baseline="-25000" dirty="0">
-                <a:solidFill>
-                  <a:schemeClr val="bg1"/>
-                </a:solidFill>
-              </a:rPr>
-              <a:t>2</a:t>
-            </a:r>
-            <a:r>
-              <a:rPr lang="it-IT" sz="1600" dirty="0">
-                <a:solidFill>
-                  <a:schemeClr val="bg1"/>
-                </a:solidFill>
-              </a:rPr>
-              <a:t>) </a:t>
-            </a:r>
-          </a:p>
-        </p:txBody>
-      </p:sp>
-      <p:sp>
-        <p:nvSpPr>
-          <p:cNvPr id="65" name="Parentesi quadra aperta 64">
-            <a:extLst>
-              <a:ext uri="{FF2B5EF4-FFF2-40B4-BE49-F238E27FC236}">
-                <a16:creationId xmlns:a16="http://schemas.microsoft.com/office/drawing/2014/main" id="{74CA3A46-632E-4E27-B4F5-DF2BFF68A919}"/>
-              </a:ext>
-            </a:extLst>
-          </p:cNvPr>
-          <p:cNvSpPr/>
-          <p:nvPr/>
-        </p:nvSpPr>
-        <p:spPr>
-          <a:xfrm rot="10800000">
-            <a:off x="5938407" y="5522909"/>
-            <a:ext cx="47125" cy="718690"/>
-          </a:xfrm>
-          <a:prstGeom prst="leftBracket">
-            <a:avLst/>
-          </a:prstGeom>
-          <a:ln>
-            <a:solidFill>
-              <a:schemeClr val="bg1"/>
-            </a:solidFill>
-          </a:ln>
-        </p:spPr>
-        <p:style>
-          <a:lnRef idx="1">
-            <a:schemeClr val="dk1"/>
-          </a:lnRef>
-          <a:fillRef idx="0">
-            <a:schemeClr val="dk1"/>
-          </a:fillRef>
-          <a:effectRef idx="0">
-            <a:schemeClr val="dk1"/>
-          </a:effectRef>
-          <a:fontRef idx="minor">
-            <a:schemeClr val="tx1"/>
-          </a:fontRef>
-        </p:style>
-        <p:txBody>
-          <a:bodyPr rtlCol="0" anchor="ctr"/>
-          <a:lstStyle/>
-          <a:p>
-            <a:pPr algn="ctr"/>
-            <a:endParaRPr lang="it-IT"/>
-          </a:p>
-        </p:txBody>
-      </p:sp>
-      <p:sp>
-        <p:nvSpPr>
-          <p:cNvPr id="67" name="Parentesi quadra aperta 66">
-            <a:extLst>
-              <a:ext uri="{FF2B5EF4-FFF2-40B4-BE49-F238E27FC236}">
-                <a16:creationId xmlns:a16="http://schemas.microsoft.com/office/drawing/2014/main" id="{9D993ACF-AE71-41FE-AC24-E8A8FDF25B95}"/>
-              </a:ext>
-            </a:extLst>
-          </p:cNvPr>
-          <p:cNvSpPr/>
-          <p:nvPr/>
-        </p:nvSpPr>
-        <p:spPr>
-          <a:xfrm>
-            <a:off x="2296181" y="5492738"/>
-            <a:ext cx="47125" cy="718690"/>
-          </a:xfrm>
-          <a:prstGeom prst="leftBracket">
-            <a:avLst/>
-          </a:prstGeom>
-          <a:ln>
-            <a:solidFill>
-              <a:schemeClr val="bg1"/>
-            </a:solidFill>
-          </a:ln>
-        </p:spPr>
-        <p:style>
-          <a:lnRef idx="1">
-            <a:schemeClr val="dk1"/>
-          </a:lnRef>
-          <a:fillRef idx="0">
-            <a:schemeClr val="dk1"/>
-          </a:fillRef>
-          <a:effectRef idx="0">
-            <a:schemeClr val="dk1"/>
-          </a:effectRef>
-          <a:fontRef idx="minor">
-            <a:schemeClr val="tx1"/>
-          </a:fontRef>
-        </p:style>
-        <p:txBody>
-          <a:bodyPr rtlCol="0" anchor="ctr"/>
-          <a:lstStyle/>
-          <a:p>
-            <a:pPr algn="ctr"/>
-            <a:endParaRPr lang="it-IT"/>
-          </a:p>
-        </p:txBody>
-      </p:sp>
-      <p:sp>
-        <p:nvSpPr>
-          <p:cNvPr id="68" name="CasellaDiTesto 67">
-            <a:extLst>
-              <a:ext uri="{FF2B5EF4-FFF2-40B4-BE49-F238E27FC236}">
-                <a16:creationId xmlns:a16="http://schemas.microsoft.com/office/drawing/2014/main" id="{1091F7AB-A40E-4603-A719-8E6DD398681A}"/>
-              </a:ext>
-            </a:extLst>
-          </p:cNvPr>
-          <p:cNvSpPr txBox="1"/>
-          <p:nvPr/>
-        </p:nvSpPr>
-        <p:spPr>
-          <a:xfrm>
-            <a:off x="1426185" y="5667417"/>
-            <a:ext cx="1216058" cy="369332"/>
-          </a:xfrm>
-          <a:prstGeom prst="rect">
-            <a:avLst/>
-          </a:prstGeom>
-          <a:noFill/>
-        </p:spPr>
-        <p:txBody>
-          <a:bodyPr wrap="square" rtlCol="0">
-            <a:spAutoFit/>
-          </a:bodyPr>
-          <a:lstStyle/>
-          <a:p>
-            <a:r>
-              <a:rPr lang="it-IT" dirty="0">
-                <a:solidFill>
-                  <a:schemeClr val="bg1"/>
-                </a:solidFill>
-              </a:rPr>
-              <a:t>C(ν) =</a:t>
-            </a:r>
-          </a:p>
-        </p:txBody>
-      </p:sp>
-      <p:sp>
-        <p:nvSpPr>
-          <p:cNvPr id="69" name="CasellaDiTesto 68">
-            <a:extLst>
-              <a:ext uri="{FF2B5EF4-FFF2-40B4-BE49-F238E27FC236}">
-                <a16:creationId xmlns:a16="http://schemas.microsoft.com/office/drawing/2014/main" id="{80C4E803-D896-413D-8367-E7CE098447AC}"/>
-              </a:ext>
-            </a:extLst>
-          </p:cNvPr>
-          <p:cNvSpPr txBox="1"/>
-          <p:nvPr/>
-        </p:nvSpPr>
-        <p:spPr>
-          <a:xfrm>
-            <a:off x="9909636" y="3810103"/>
-            <a:ext cx="1803805" cy="923330"/>
-          </a:xfrm>
-          <a:prstGeom prst="rect">
-            <a:avLst/>
-          </a:prstGeom>
-          <a:noFill/>
-        </p:spPr>
-        <p:txBody>
-          <a:bodyPr wrap="square" rtlCol="0">
-            <a:spAutoFit/>
-          </a:bodyPr>
-          <a:lstStyle/>
-          <a:p>
-            <a:r>
               <a:rPr lang="it-IT" dirty="0"/>
-              <a:t>//eventuali termini </a:t>
+              <a:t>// termini </a:t>
             </a:r>
             <a:r>
               <a:rPr lang="it-IT" dirty="0" err="1"/>
@@ -10871,6 +10277,3457 @@
           </a:fontRef>
         </p:style>
       </p:cxnSp>
+      <p:sp>
+        <p:nvSpPr>
+          <p:cNvPr id="8" name="CasellaDiTesto 7">
+            <a:extLst>
+              <a:ext uri="{FF2B5EF4-FFF2-40B4-BE49-F238E27FC236}">
+                <a16:creationId xmlns:a16="http://schemas.microsoft.com/office/drawing/2014/main" id="{C6B70A9A-C651-4F54-A30D-091A581DDAA8}"/>
+              </a:ext>
+            </a:extLst>
+          </p:cNvPr>
+          <p:cNvSpPr txBox="1"/>
+          <p:nvPr/>
+        </p:nvSpPr>
+        <p:spPr>
+          <a:xfrm>
+            <a:off x="5519394" y="2978870"/>
+            <a:ext cx="65" cy="276999"/>
+          </a:xfrm>
+          <a:prstGeom prst="rect">
+            <a:avLst/>
+          </a:prstGeom>
+          <a:noFill/>
+        </p:spPr>
+        <p:txBody>
+          <a:bodyPr wrap="none" lIns="0" tIns="0" rIns="0" bIns="0" rtlCol="0">
+            <a:spAutoFit/>
+          </a:bodyPr>
+          <a:lstStyle/>
+          <a:p>
+            <a:endParaRPr lang="it-IT" dirty="0"/>
+          </a:p>
+        </p:txBody>
+      </p:sp>
+      <p:sp>
+        <p:nvSpPr>
+          <p:cNvPr id="10" name="CasellaDiTesto 9">
+            <a:extLst>
+              <a:ext uri="{FF2B5EF4-FFF2-40B4-BE49-F238E27FC236}">
+                <a16:creationId xmlns:a16="http://schemas.microsoft.com/office/drawing/2014/main" id="{B74420E3-D74C-4DBC-A3BD-FBCC6D1AE207}"/>
+              </a:ext>
+            </a:extLst>
+          </p:cNvPr>
+          <p:cNvSpPr txBox="1"/>
+          <p:nvPr/>
+        </p:nvSpPr>
+        <p:spPr>
+          <a:xfrm>
+            <a:off x="867876" y="4458040"/>
+            <a:ext cx="5140433" cy="1015663"/>
+          </a:xfrm>
+          <a:prstGeom prst="rect">
+            <a:avLst/>
+          </a:prstGeom>
+          <a:noFill/>
+        </p:spPr>
+        <p:txBody>
+          <a:bodyPr wrap="square" rtlCol="0">
+            <a:spAutoFit/>
+          </a:bodyPr>
+          <a:lstStyle/>
+          <a:p>
+            <a:endParaRPr lang="it-IT" dirty="0">
+              <a:solidFill>
+                <a:schemeClr val="bg1"/>
+              </a:solidFill>
+            </a:endParaRPr>
+          </a:p>
+          <a:p>
+            <a:pPr marL="342900" indent="-342900">
+              <a:buFont typeface="+mj-lt"/>
+              <a:buAutoNum type="arabicPeriod" startAt="2"/>
+            </a:pPr>
+            <a:r>
+              <a:rPr lang="it-IT" sz="2400" dirty="0">
+                <a:solidFill>
+                  <a:schemeClr val="bg1"/>
+                </a:solidFill>
+              </a:rPr>
+              <a:t>Termini centripeti e di </a:t>
+            </a:r>
+            <a:r>
+              <a:rPr lang="it-IT" sz="2400" dirty="0" err="1">
+                <a:solidFill>
+                  <a:schemeClr val="bg1"/>
+                </a:solidFill>
+              </a:rPr>
+              <a:t>Coriolis</a:t>
+            </a:r>
+            <a:endParaRPr lang="it-IT" sz="2400" dirty="0">
+              <a:solidFill>
+                <a:schemeClr val="bg1"/>
+              </a:solidFill>
+            </a:endParaRPr>
+          </a:p>
+          <a:p>
+            <a:pPr marL="342900" indent="-342900">
+              <a:buFont typeface="+mj-lt"/>
+              <a:buAutoNum type="arabicPeriod" startAt="2"/>
+            </a:pPr>
+            <a:endParaRPr lang="it-IT" dirty="0"/>
+          </a:p>
+        </p:txBody>
+      </p:sp>
+      <mc:AlternateContent xmlns:mc="http://schemas.openxmlformats.org/markup-compatibility/2006">
+        <mc:Choice xmlns:a14="http://schemas.microsoft.com/office/drawing/2010/main" Requires="a14">
+          <p:sp>
+            <p:nvSpPr>
+              <p:cNvPr id="12" name="CasellaDiTesto 11">
+                <a:extLst>
+                  <a:ext uri="{FF2B5EF4-FFF2-40B4-BE49-F238E27FC236}">
+                    <a16:creationId xmlns:a16="http://schemas.microsoft.com/office/drawing/2014/main" id="{8C87CAA9-21C5-4B1B-940E-411CB2591498}"/>
+                  </a:ext>
+                </a:extLst>
+              </p:cNvPr>
+              <p:cNvSpPr txBox="1"/>
+              <p:nvPr/>
+            </p:nvSpPr>
+            <p:spPr>
+              <a:xfrm>
+                <a:off x="1294144" y="5580294"/>
+                <a:ext cx="5300226" cy="548676"/>
+              </a:xfrm>
+              <a:prstGeom prst="rect">
+                <a:avLst/>
+              </a:prstGeom>
+              <a:noFill/>
+            </p:spPr>
+            <p:txBody>
+              <a:bodyPr wrap="square" lIns="0" tIns="0" rIns="0" bIns="0" rtlCol="0">
+                <a:spAutoFit/>
+              </a:bodyPr>
+              <a:lstStyle/>
+              <a:p>
+                <a14:m>
+                  <m:oMath xmlns:m="http://schemas.openxmlformats.org/officeDocument/2006/math">
+                    <m:r>
+                      <a:rPr lang="it-IT" i="1">
+                        <a:solidFill>
+                          <a:schemeClr val="bg1"/>
+                        </a:solidFill>
+                        <a:latin typeface="Cambria Math" panose="02040503050406030204" pitchFamily="18" charset="0"/>
+                      </a:rPr>
+                      <m:t>𝐶</m:t>
+                    </m:r>
+                    <m:d>
+                      <m:dPr>
+                        <m:ctrlPr>
+                          <a:rPr lang="it-IT" i="1">
+                            <a:solidFill>
+                              <a:schemeClr val="bg1"/>
+                            </a:solidFill>
+                            <a:latin typeface="Cambria Math" panose="02040503050406030204" pitchFamily="18" charset="0"/>
+                          </a:rPr>
+                        </m:ctrlPr>
+                      </m:dPr>
+                      <m:e>
+                        <m:r>
+                          <a:rPr lang="it-IT" i="1" dirty="0">
+                            <a:solidFill>
+                              <a:schemeClr val="bg1"/>
+                            </a:solidFill>
+                            <a:latin typeface="Cambria Math" panose="02040503050406030204" pitchFamily="18" charset="0"/>
+                          </a:rPr>
+                          <m:t>𝜈</m:t>
+                        </m:r>
+                      </m:e>
+                    </m:d>
+                  </m:oMath>
+                </a14:m>
+                <a:r>
+                  <a:rPr lang="it-IT" dirty="0">
+                    <a:solidFill>
+                      <a:schemeClr val="bg1"/>
+                    </a:solidFill>
+                  </a:rPr>
+                  <a:t> = </a:t>
+                </a:r>
+                <a14:m>
+                  <m:oMath xmlns:m="http://schemas.openxmlformats.org/officeDocument/2006/math">
+                    <m:d>
+                      <m:dPr>
+                        <m:begChr m:val="["/>
+                        <m:endChr m:val="]"/>
+                        <m:ctrlPr>
+                          <a:rPr lang="it-IT" i="1" smtClean="0">
+                            <a:solidFill>
+                              <a:schemeClr val="bg1"/>
+                            </a:solidFill>
+                            <a:latin typeface="Cambria Math" panose="02040503050406030204" pitchFamily="18" charset="0"/>
+                          </a:rPr>
+                        </m:ctrlPr>
+                      </m:dPr>
+                      <m:e>
+                        <m:m>
+                          <m:mPr>
+                            <m:mcs>
+                              <m:mc>
+                                <m:mcPr>
+                                  <m:count m:val="2"/>
+                                  <m:mcJc m:val="center"/>
+                                </m:mcPr>
+                              </m:mc>
+                            </m:mcs>
+                            <m:ctrlPr>
+                              <a:rPr lang="it-IT" i="1" smtClean="0">
+                                <a:solidFill>
+                                  <a:schemeClr val="bg1"/>
+                                </a:solidFill>
+                                <a:latin typeface="Cambria Math" panose="02040503050406030204" pitchFamily="18" charset="0"/>
+                              </a:rPr>
+                            </m:ctrlPr>
+                          </m:mPr>
+                          <m:mr>
+                            <m:e>
+                              <m:sSub>
+                                <m:sSubPr>
+                                  <m:ctrlPr>
+                                    <a:rPr lang="it-IT" i="1">
+                                      <a:solidFill>
+                                        <a:schemeClr val="bg1"/>
+                                      </a:solidFill>
+                                      <a:latin typeface="Cambria Math" panose="02040503050406030204" pitchFamily="18" charset="0"/>
+                                    </a:rPr>
+                                  </m:ctrlPr>
+                                </m:sSubPr>
+                                <m:e>
+                                  <m:r>
+                                    <a:rPr lang="it-IT" i="1">
+                                      <a:solidFill>
+                                        <a:schemeClr val="bg1"/>
+                                      </a:solidFill>
+                                      <a:latin typeface="Cambria Math" panose="02040503050406030204" pitchFamily="18" charset="0"/>
+                                    </a:rPr>
+                                    <m:t>0</m:t>
+                                  </m:r>
+                                </m:e>
+                                <m:sub>
+                                  <m:r>
+                                    <a:rPr lang="it-IT" i="1">
+                                      <a:solidFill>
+                                        <a:schemeClr val="bg1"/>
+                                      </a:solidFill>
+                                      <a:latin typeface="Cambria Math" panose="02040503050406030204" pitchFamily="18" charset="0"/>
+                                    </a:rPr>
+                                    <m:t>3</m:t>
+                                  </m:r>
+                                  <m:r>
+                                    <a:rPr lang="it-IT" i="1">
+                                      <a:solidFill>
+                                        <a:schemeClr val="bg1"/>
+                                      </a:solidFill>
+                                      <a:latin typeface="Cambria Math" panose="02040503050406030204" pitchFamily="18" charset="0"/>
+                                      <a:ea typeface="Cambria Math" panose="02040503050406030204" pitchFamily="18" charset="0"/>
+                                    </a:rPr>
+                                    <m:t>×3</m:t>
+                                  </m:r>
+                                </m:sub>
+                              </m:sSub>
+                            </m:e>
+                            <m:e>
+                              <m:r>
+                                <a:rPr lang="it-IT" i="1">
+                                  <a:solidFill>
+                                    <a:schemeClr val="bg1"/>
+                                  </a:solidFill>
+                                  <a:latin typeface="Cambria Math" panose="02040503050406030204" pitchFamily="18" charset="0"/>
+                                </a:rPr>
+                                <m:t>−</m:t>
+                              </m:r>
+                              <m:r>
+                                <a:rPr lang="it-IT" i="1">
+                                  <a:solidFill>
+                                    <a:schemeClr val="bg1"/>
+                                  </a:solidFill>
+                                  <a:latin typeface="Cambria Math" panose="02040503050406030204" pitchFamily="18" charset="0"/>
+                                </a:rPr>
+                                <m:t>𝑆</m:t>
+                              </m:r>
+                              <m:d>
+                                <m:dPr>
+                                  <m:ctrlPr>
+                                    <a:rPr lang="it-IT" i="1">
+                                      <a:solidFill>
+                                        <a:schemeClr val="bg1"/>
+                                      </a:solidFill>
+                                      <a:latin typeface="Cambria Math" panose="02040503050406030204" pitchFamily="18" charset="0"/>
+                                    </a:rPr>
+                                  </m:ctrlPr>
+                                </m:dPr>
+                                <m:e>
+                                  <m:sSub>
+                                    <m:sSubPr>
+                                      <m:ctrlPr>
+                                        <a:rPr lang="it-IT" i="1">
+                                          <a:solidFill>
+                                            <a:schemeClr val="bg1"/>
+                                          </a:solidFill>
+                                          <a:latin typeface="Cambria Math" panose="02040503050406030204" pitchFamily="18" charset="0"/>
+                                        </a:rPr>
+                                      </m:ctrlPr>
+                                    </m:sSubPr>
+                                    <m:e>
+                                      <m:r>
+                                        <a:rPr lang="it-IT" i="1">
+                                          <a:solidFill>
+                                            <a:schemeClr val="bg1"/>
+                                          </a:solidFill>
+                                          <a:latin typeface="Cambria Math" panose="02040503050406030204" pitchFamily="18" charset="0"/>
+                                        </a:rPr>
+                                        <m:t>𝑀</m:t>
+                                      </m:r>
+                                    </m:e>
+                                    <m:sub>
+                                      <m:r>
+                                        <a:rPr lang="it-IT" i="1">
+                                          <a:solidFill>
+                                            <a:schemeClr val="bg1"/>
+                                          </a:solidFill>
+                                          <a:latin typeface="Cambria Math" panose="02040503050406030204" pitchFamily="18" charset="0"/>
+                                        </a:rPr>
+                                        <m:t>11</m:t>
+                                      </m:r>
+                                    </m:sub>
+                                  </m:sSub>
+                                  <m:sSub>
+                                    <m:sSubPr>
+                                      <m:ctrlPr>
+                                        <a:rPr lang="it-IT" i="1" dirty="0">
+                                          <a:solidFill>
+                                            <a:schemeClr val="bg1"/>
+                                          </a:solidFill>
+                                          <a:latin typeface="Cambria Math" panose="02040503050406030204" pitchFamily="18" charset="0"/>
+                                        </a:rPr>
+                                      </m:ctrlPr>
+                                    </m:sSubPr>
+                                    <m:e>
+                                      <m:r>
+                                        <m:rPr>
+                                          <m:nor/>
+                                        </m:rPr>
+                                        <a:rPr lang="it-IT" dirty="0">
+                                          <a:solidFill>
+                                            <a:schemeClr val="bg1"/>
+                                          </a:solidFill>
+                                        </a:rPr>
+                                        <m:t>ν</m:t>
+                                      </m:r>
+                                    </m:e>
+                                    <m:sub>
+                                      <m:r>
+                                        <a:rPr lang="it-IT" i="1" dirty="0">
+                                          <a:solidFill>
+                                            <a:schemeClr val="bg1"/>
+                                          </a:solidFill>
+                                          <a:latin typeface="Cambria Math" panose="02040503050406030204" pitchFamily="18" charset="0"/>
+                                        </a:rPr>
+                                        <m:t>1</m:t>
+                                      </m:r>
+                                    </m:sub>
+                                  </m:sSub>
+                                  <m:r>
+                                    <a:rPr lang="it-IT" i="1" dirty="0">
+                                      <a:solidFill>
+                                        <a:schemeClr val="bg1"/>
+                                      </a:solidFill>
+                                      <a:latin typeface="Cambria Math" panose="02040503050406030204" pitchFamily="18" charset="0"/>
+                                    </a:rPr>
+                                    <m:t>+</m:t>
+                                  </m:r>
+                                  <m:sSub>
+                                    <m:sSubPr>
+                                      <m:ctrlPr>
+                                        <a:rPr lang="it-IT" i="1" dirty="0">
+                                          <a:solidFill>
+                                            <a:schemeClr val="bg1"/>
+                                          </a:solidFill>
+                                          <a:latin typeface="Cambria Math" panose="02040503050406030204" pitchFamily="18" charset="0"/>
+                                        </a:rPr>
+                                      </m:ctrlPr>
+                                    </m:sSubPr>
+                                    <m:e>
+                                      <m:r>
+                                        <a:rPr lang="it-IT" i="1" dirty="0">
+                                          <a:solidFill>
+                                            <a:schemeClr val="bg1"/>
+                                          </a:solidFill>
+                                          <a:latin typeface="Cambria Math" panose="02040503050406030204" pitchFamily="18" charset="0"/>
+                                        </a:rPr>
+                                        <m:t>𝑀</m:t>
+                                      </m:r>
+                                    </m:e>
+                                    <m:sub>
+                                      <m:r>
+                                        <a:rPr lang="it-IT" i="1" dirty="0">
+                                          <a:solidFill>
+                                            <a:schemeClr val="bg1"/>
+                                          </a:solidFill>
+                                          <a:latin typeface="Cambria Math" panose="02040503050406030204" pitchFamily="18" charset="0"/>
+                                        </a:rPr>
+                                        <m:t>12</m:t>
+                                      </m:r>
+                                    </m:sub>
+                                  </m:sSub>
+                                  <m:sSub>
+                                    <m:sSubPr>
+                                      <m:ctrlPr>
+                                        <a:rPr lang="it-IT" i="1" dirty="0">
+                                          <a:solidFill>
+                                            <a:schemeClr val="bg1"/>
+                                          </a:solidFill>
+                                          <a:latin typeface="Cambria Math" panose="02040503050406030204" pitchFamily="18" charset="0"/>
+                                        </a:rPr>
+                                      </m:ctrlPr>
+                                    </m:sSubPr>
+                                    <m:e>
+                                      <m:r>
+                                        <m:rPr>
+                                          <m:nor/>
+                                        </m:rPr>
+                                        <a:rPr lang="it-IT" dirty="0">
+                                          <a:solidFill>
+                                            <a:schemeClr val="bg1"/>
+                                          </a:solidFill>
+                                        </a:rPr>
+                                        <m:t>ν</m:t>
+                                      </m:r>
+                                    </m:e>
+                                    <m:sub>
+                                      <m:r>
+                                        <a:rPr lang="it-IT" i="1" dirty="0">
+                                          <a:solidFill>
+                                            <a:schemeClr val="bg1"/>
+                                          </a:solidFill>
+                                          <a:latin typeface="Cambria Math" panose="02040503050406030204" pitchFamily="18" charset="0"/>
+                                        </a:rPr>
+                                        <m:t>2</m:t>
+                                      </m:r>
+                                    </m:sub>
+                                  </m:sSub>
+                                </m:e>
+                              </m:d>
+                              <m:r>
+                                <m:rPr>
+                                  <m:nor/>
+                                </m:rPr>
+                                <a:rPr lang="it-IT" dirty="0">
+                                  <a:solidFill>
+                                    <a:schemeClr val="bg1"/>
+                                  </a:solidFill>
+                                </a:rPr>
+                                <m:t> </m:t>
+                              </m:r>
+                            </m:e>
+                          </m:mr>
+                          <m:mr>
+                            <m:e>
+                              <m:r>
+                                <a:rPr lang="it-IT" i="1">
+                                  <a:solidFill>
+                                    <a:schemeClr val="bg1"/>
+                                  </a:solidFill>
+                                  <a:latin typeface="Cambria Math" panose="02040503050406030204" pitchFamily="18" charset="0"/>
+                                </a:rPr>
+                                <m:t>−</m:t>
+                              </m:r>
+                              <m:r>
+                                <a:rPr lang="it-IT" i="1">
+                                  <a:solidFill>
+                                    <a:schemeClr val="bg1"/>
+                                  </a:solidFill>
+                                  <a:latin typeface="Cambria Math" panose="02040503050406030204" pitchFamily="18" charset="0"/>
+                                </a:rPr>
+                                <m:t>𝑆</m:t>
+                              </m:r>
+                              <m:d>
+                                <m:dPr>
+                                  <m:ctrlPr>
+                                    <a:rPr lang="it-IT" i="1">
+                                      <a:solidFill>
+                                        <a:schemeClr val="bg1"/>
+                                      </a:solidFill>
+                                      <a:latin typeface="Cambria Math" panose="02040503050406030204" pitchFamily="18" charset="0"/>
+                                    </a:rPr>
+                                  </m:ctrlPr>
+                                </m:dPr>
+                                <m:e>
+                                  <m:sSub>
+                                    <m:sSubPr>
+                                      <m:ctrlPr>
+                                        <a:rPr lang="it-IT" i="1">
+                                          <a:solidFill>
+                                            <a:schemeClr val="bg1"/>
+                                          </a:solidFill>
+                                          <a:latin typeface="Cambria Math" panose="02040503050406030204" pitchFamily="18" charset="0"/>
+                                        </a:rPr>
+                                      </m:ctrlPr>
+                                    </m:sSubPr>
+                                    <m:e>
+                                      <m:r>
+                                        <a:rPr lang="it-IT" i="1">
+                                          <a:solidFill>
+                                            <a:schemeClr val="bg1"/>
+                                          </a:solidFill>
+                                          <a:latin typeface="Cambria Math" panose="02040503050406030204" pitchFamily="18" charset="0"/>
+                                        </a:rPr>
+                                        <m:t>𝑀</m:t>
+                                      </m:r>
+                                    </m:e>
+                                    <m:sub>
+                                      <m:r>
+                                        <a:rPr lang="it-IT" i="1">
+                                          <a:solidFill>
+                                            <a:schemeClr val="bg1"/>
+                                          </a:solidFill>
+                                          <a:latin typeface="Cambria Math" panose="02040503050406030204" pitchFamily="18" charset="0"/>
+                                        </a:rPr>
+                                        <m:t>11</m:t>
+                                      </m:r>
+                                    </m:sub>
+                                  </m:sSub>
+                                  <m:sSub>
+                                    <m:sSubPr>
+                                      <m:ctrlPr>
+                                        <a:rPr lang="it-IT" i="1" dirty="0">
+                                          <a:solidFill>
+                                            <a:schemeClr val="bg1"/>
+                                          </a:solidFill>
+                                          <a:latin typeface="Cambria Math" panose="02040503050406030204" pitchFamily="18" charset="0"/>
+                                        </a:rPr>
+                                      </m:ctrlPr>
+                                    </m:sSubPr>
+                                    <m:e>
+                                      <m:r>
+                                        <m:rPr>
+                                          <m:nor/>
+                                        </m:rPr>
+                                        <a:rPr lang="it-IT" dirty="0">
+                                          <a:solidFill>
+                                            <a:schemeClr val="bg1"/>
+                                          </a:solidFill>
+                                        </a:rPr>
+                                        <m:t>ν</m:t>
+                                      </m:r>
+                                    </m:e>
+                                    <m:sub>
+                                      <m:r>
+                                        <a:rPr lang="it-IT" i="1" dirty="0">
+                                          <a:solidFill>
+                                            <a:schemeClr val="bg1"/>
+                                          </a:solidFill>
+                                          <a:latin typeface="Cambria Math" panose="02040503050406030204" pitchFamily="18" charset="0"/>
+                                        </a:rPr>
+                                        <m:t>1</m:t>
+                                      </m:r>
+                                    </m:sub>
+                                  </m:sSub>
+                                  <m:r>
+                                    <a:rPr lang="it-IT" i="1" dirty="0">
+                                      <a:solidFill>
+                                        <a:schemeClr val="bg1"/>
+                                      </a:solidFill>
+                                      <a:latin typeface="Cambria Math" panose="02040503050406030204" pitchFamily="18" charset="0"/>
+                                    </a:rPr>
+                                    <m:t>+</m:t>
+                                  </m:r>
+                                  <m:sSub>
+                                    <m:sSubPr>
+                                      <m:ctrlPr>
+                                        <a:rPr lang="it-IT" i="1" dirty="0">
+                                          <a:solidFill>
+                                            <a:schemeClr val="bg1"/>
+                                          </a:solidFill>
+                                          <a:latin typeface="Cambria Math" panose="02040503050406030204" pitchFamily="18" charset="0"/>
+                                        </a:rPr>
+                                      </m:ctrlPr>
+                                    </m:sSubPr>
+                                    <m:e>
+                                      <m:r>
+                                        <a:rPr lang="it-IT" i="1" dirty="0">
+                                          <a:solidFill>
+                                            <a:schemeClr val="bg1"/>
+                                          </a:solidFill>
+                                          <a:latin typeface="Cambria Math" panose="02040503050406030204" pitchFamily="18" charset="0"/>
+                                        </a:rPr>
+                                        <m:t>𝑀</m:t>
+                                      </m:r>
+                                    </m:e>
+                                    <m:sub>
+                                      <m:r>
+                                        <a:rPr lang="it-IT" i="1" dirty="0">
+                                          <a:solidFill>
+                                            <a:schemeClr val="bg1"/>
+                                          </a:solidFill>
+                                          <a:latin typeface="Cambria Math" panose="02040503050406030204" pitchFamily="18" charset="0"/>
+                                        </a:rPr>
+                                        <m:t>12</m:t>
+                                      </m:r>
+                                    </m:sub>
+                                  </m:sSub>
+                                  <m:sSub>
+                                    <m:sSubPr>
+                                      <m:ctrlPr>
+                                        <a:rPr lang="it-IT" i="1" dirty="0">
+                                          <a:solidFill>
+                                            <a:schemeClr val="bg1"/>
+                                          </a:solidFill>
+                                          <a:latin typeface="Cambria Math" panose="02040503050406030204" pitchFamily="18" charset="0"/>
+                                        </a:rPr>
+                                      </m:ctrlPr>
+                                    </m:sSubPr>
+                                    <m:e>
+                                      <m:r>
+                                        <m:rPr>
+                                          <m:nor/>
+                                        </m:rPr>
+                                        <a:rPr lang="it-IT" dirty="0">
+                                          <a:solidFill>
+                                            <a:schemeClr val="bg1"/>
+                                          </a:solidFill>
+                                        </a:rPr>
+                                        <m:t>ν</m:t>
+                                      </m:r>
+                                    </m:e>
+                                    <m:sub>
+                                      <m:r>
+                                        <a:rPr lang="it-IT" i="1" dirty="0">
+                                          <a:solidFill>
+                                            <a:schemeClr val="bg1"/>
+                                          </a:solidFill>
+                                          <a:latin typeface="Cambria Math" panose="02040503050406030204" pitchFamily="18" charset="0"/>
+                                        </a:rPr>
+                                        <m:t>2</m:t>
+                                      </m:r>
+                                    </m:sub>
+                                  </m:sSub>
+                                </m:e>
+                              </m:d>
+                              <m:r>
+                                <m:rPr>
+                                  <m:nor/>
+                                </m:rPr>
+                                <a:rPr lang="it-IT" dirty="0">
+                                  <a:solidFill>
+                                    <a:schemeClr val="bg1"/>
+                                  </a:solidFill>
+                                </a:rPr>
+                                <m:t> </m:t>
+                              </m:r>
+                            </m:e>
+                            <m:e>
+                              <m:r>
+                                <a:rPr lang="it-IT" i="1">
+                                  <a:solidFill>
+                                    <a:schemeClr val="bg1"/>
+                                  </a:solidFill>
+                                  <a:latin typeface="Cambria Math" panose="02040503050406030204" pitchFamily="18" charset="0"/>
+                                </a:rPr>
+                                <m:t>−</m:t>
+                              </m:r>
+                              <m:r>
+                                <a:rPr lang="it-IT" i="1">
+                                  <a:solidFill>
+                                    <a:schemeClr val="bg1"/>
+                                  </a:solidFill>
+                                  <a:latin typeface="Cambria Math" panose="02040503050406030204" pitchFamily="18" charset="0"/>
+                                </a:rPr>
+                                <m:t>𝑆</m:t>
+                              </m:r>
+                              <m:d>
+                                <m:dPr>
+                                  <m:ctrlPr>
+                                    <a:rPr lang="it-IT" i="1">
+                                      <a:solidFill>
+                                        <a:schemeClr val="bg1"/>
+                                      </a:solidFill>
+                                      <a:latin typeface="Cambria Math" panose="02040503050406030204" pitchFamily="18" charset="0"/>
+                                    </a:rPr>
+                                  </m:ctrlPr>
+                                </m:dPr>
+                                <m:e>
+                                  <m:sSub>
+                                    <m:sSubPr>
+                                      <m:ctrlPr>
+                                        <a:rPr lang="it-IT" i="1">
+                                          <a:solidFill>
+                                            <a:schemeClr val="bg1"/>
+                                          </a:solidFill>
+                                          <a:latin typeface="Cambria Math" panose="02040503050406030204" pitchFamily="18" charset="0"/>
+                                        </a:rPr>
+                                      </m:ctrlPr>
+                                    </m:sSubPr>
+                                    <m:e>
+                                      <m:r>
+                                        <a:rPr lang="it-IT" i="1">
+                                          <a:solidFill>
+                                            <a:schemeClr val="bg1"/>
+                                          </a:solidFill>
+                                          <a:latin typeface="Cambria Math" panose="02040503050406030204" pitchFamily="18" charset="0"/>
+                                        </a:rPr>
+                                        <m:t>𝑀</m:t>
+                                      </m:r>
+                                    </m:e>
+                                    <m:sub>
+                                      <m:r>
+                                        <a:rPr lang="it-IT" i="1">
+                                          <a:solidFill>
+                                            <a:schemeClr val="bg1"/>
+                                          </a:solidFill>
+                                          <a:latin typeface="Cambria Math" panose="02040503050406030204" pitchFamily="18" charset="0"/>
+                                        </a:rPr>
+                                        <m:t>2</m:t>
+                                      </m:r>
+                                      <m:r>
+                                        <a:rPr lang="it-IT" i="1">
+                                          <a:solidFill>
+                                            <a:schemeClr val="bg1"/>
+                                          </a:solidFill>
+                                          <a:latin typeface="Cambria Math" panose="02040503050406030204" pitchFamily="18" charset="0"/>
+                                        </a:rPr>
+                                        <m:t>1</m:t>
+                                      </m:r>
+                                    </m:sub>
+                                  </m:sSub>
+                                  <m:sSub>
+                                    <m:sSubPr>
+                                      <m:ctrlPr>
+                                        <a:rPr lang="it-IT" i="1" dirty="0">
+                                          <a:solidFill>
+                                            <a:schemeClr val="bg1"/>
+                                          </a:solidFill>
+                                          <a:latin typeface="Cambria Math" panose="02040503050406030204" pitchFamily="18" charset="0"/>
+                                        </a:rPr>
+                                      </m:ctrlPr>
+                                    </m:sSubPr>
+                                    <m:e>
+                                      <m:r>
+                                        <m:rPr>
+                                          <m:nor/>
+                                        </m:rPr>
+                                        <a:rPr lang="it-IT" dirty="0">
+                                          <a:solidFill>
+                                            <a:schemeClr val="bg1"/>
+                                          </a:solidFill>
+                                        </a:rPr>
+                                        <m:t>ν</m:t>
+                                      </m:r>
+                                    </m:e>
+                                    <m:sub>
+                                      <m:r>
+                                        <a:rPr lang="it-IT" i="1" dirty="0">
+                                          <a:solidFill>
+                                            <a:schemeClr val="bg1"/>
+                                          </a:solidFill>
+                                          <a:latin typeface="Cambria Math" panose="02040503050406030204" pitchFamily="18" charset="0"/>
+                                        </a:rPr>
+                                        <m:t>1</m:t>
+                                      </m:r>
+                                    </m:sub>
+                                  </m:sSub>
+                                  <m:r>
+                                    <a:rPr lang="it-IT" i="1" dirty="0">
+                                      <a:solidFill>
+                                        <a:schemeClr val="bg1"/>
+                                      </a:solidFill>
+                                      <a:latin typeface="Cambria Math" panose="02040503050406030204" pitchFamily="18" charset="0"/>
+                                    </a:rPr>
+                                    <m:t>+</m:t>
+                                  </m:r>
+                                  <m:sSub>
+                                    <m:sSubPr>
+                                      <m:ctrlPr>
+                                        <a:rPr lang="it-IT" i="1" dirty="0">
+                                          <a:solidFill>
+                                            <a:schemeClr val="bg1"/>
+                                          </a:solidFill>
+                                          <a:latin typeface="Cambria Math" panose="02040503050406030204" pitchFamily="18" charset="0"/>
+                                        </a:rPr>
+                                      </m:ctrlPr>
+                                    </m:sSubPr>
+                                    <m:e>
+                                      <m:r>
+                                        <a:rPr lang="it-IT" i="1" dirty="0">
+                                          <a:solidFill>
+                                            <a:schemeClr val="bg1"/>
+                                          </a:solidFill>
+                                          <a:latin typeface="Cambria Math" panose="02040503050406030204" pitchFamily="18" charset="0"/>
+                                        </a:rPr>
+                                        <m:t>𝑀</m:t>
+                                      </m:r>
+                                    </m:e>
+                                    <m:sub>
+                                      <m:r>
+                                        <a:rPr lang="it-IT" i="1" dirty="0">
+                                          <a:solidFill>
+                                            <a:schemeClr val="bg1"/>
+                                          </a:solidFill>
+                                          <a:latin typeface="Cambria Math" panose="02040503050406030204" pitchFamily="18" charset="0"/>
+                                        </a:rPr>
+                                        <m:t>2</m:t>
+                                      </m:r>
+                                      <m:r>
+                                        <a:rPr lang="it-IT" i="1" dirty="0">
+                                          <a:solidFill>
+                                            <a:schemeClr val="bg1"/>
+                                          </a:solidFill>
+                                          <a:latin typeface="Cambria Math" panose="02040503050406030204" pitchFamily="18" charset="0"/>
+                                        </a:rPr>
+                                        <m:t>2</m:t>
+                                      </m:r>
+                                    </m:sub>
+                                  </m:sSub>
+                                  <m:sSub>
+                                    <m:sSubPr>
+                                      <m:ctrlPr>
+                                        <a:rPr lang="it-IT" i="1" dirty="0">
+                                          <a:solidFill>
+                                            <a:schemeClr val="bg1"/>
+                                          </a:solidFill>
+                                          <a:latin typeface="Cambria Math" panose="02040503050406030204" pitchFamily="18" charset="0"/>
+                                        </a:rPr>
+                                      </m:ctrlPr>
+                                    </m:sSubPr>
+                                    <m:e>
+                                      <m:r>
+                                        <m:rPr>
+                                          <m:nor/>
+                                        </m:rPr>
+                                        <a:rPr lang="it-IT" dirty="0">
+                                          <a:solidFill>
+                                            <a:schemeClr val="bg1"/>
+                                          </a:solidFill>
+                                        </a:rPr>
+                                        <m:t>ν</m:t>
+                                      </m:r>
+                                    </m:e>
+                                    <m:sub>
+                                      <m:r>
+                                        <a:rPr lang="it-IT" i="1" dirty="0">
+                                          <a:solidFill>
+                                            <a:schemeClr val="bg1"/>
+                                          </a:solidFill>
+                                          <a:latin typeface="Cambria Math" panose="02040503050406030204" pitchFamily="18" charset="0"/>
+                                        </a:rPr>
+                                        <m:t>2</m:t>
+                                      </m:r>
+                                    </m:sub>
+                                  </m:sSub>
+                                </m:e>
+                              </m:d>
+                              <m:r>
+                                <m:rPr>
+                                  <m:nor/>
+                                </m:rPr>
+                                <a:rPr lang="it-IT" dirty="0">
+                                  <a:solidFill>
+                                    <a:schemeClr val="bg1"/>
+                                  </a:solidFill>
+                                </a:rPr>
+                                <m:t> </m:t>
+                              </m:r>
+                            </m:e>
+                          </m:mr>
+                        </m:m>
+                      </m:e>
+                    </m:d>
+                  </m:oMath>
+                </a14:m>
+                <a:endParaRPr lang="it-IT" dirty="0">
+                  <a:solidFill>
+                    <a:schemeClr val="bg1"/>
+                  </a:solidFill>
+                </a:endParaRPr>
+              </a:p>
+            </p:txBody>
+          </p:sp>
+        </mc:Choice>
+        <mc:Fallback>
+          <p:sp>
+            <p:nvSpPr>
+              <p:cNvPr id="12" name="CasellaDiTesto 11">
+                <a:extLst>
+                  <a:ext uri="{FF2B5EF4-FFF2-40B4-BE49-F238E27FC236}">
+                    <a16:creationId xmlns:a16="http://schemas.microsoft.com/office/drawing/2014/main" id="{8C87CAA9-21C5-4B1B-940E-411CB2591498}"/>
+                  </a:ext>
+                </a:extLst>
+              </p:cNvPr>
+              <p:cNvSpPr txBox="1">
+                <a:spLocks noRot="1" noChangeAspect="1" noMove="1" noResize="1" noEditPoints="1" noAdjustHandles="1" noChangeArrowheads="1" noChangeShapeType="1" noTextEdit="1"/>
+              </p:cNvSpPr>
+              <p:nvPr/>
+            </p:nvSpPr>
+            <p:spPr>
+              <a:xfrm>
+                <a:off x="1294144" y="5580294"/>
+                <a:ext cx="5300226" cy="548676"/>
+              </a:xfrm>
+              <a:prstGeom prst="rect">
+                <a:avLst/>
+              </a:prstGeom>
+              <a:blipFill>
+                <a:blip r:embed="rId4"/>
+                <a:stretch>
+                  <a:fillRect b="-2222"/>
+                </a:stretch>
+              </a:blipFill>
+            </p:spPr>
+            <p:txBody>
+              <a:bodyPr/>
+              <a:lstStyle/>
+              <a:p>
+                <a:r>
+                  <a:rPr lang="it-IT">
+                    <a:noFill/>
+                  </a:rPr>
+                  <a:t> </a:t>
+                </a:r>
+              </a:p>
+            </p:txBody>
+          </p:sp>
+        </mc:Fallback>
+      </mc:AlternateContent>
+      <mc:AlternateContent xmlns:mc="http://schemas.openxmlformats.org/markup-compatibility/2006">
+        <mc:Choice xmlns:a14="http://schemas.microsoft.com/office/drawing/2010/main" Requires="a14">
+          <p:sp>
+            <p:nvSpPr>
+              <p:cNvPr id="13" name="CasellaDiTesto 12">
+                <a:extLst>
+                  <a:ext uri="{FF2B5EF4-FFF2-40B4-BE49-F238E27FC236}">
+                    <a16:creationId xmlns:a16="http://schemas.microsoft.com/office/drawing/2014/main" id="{3CA591E7-426E-4651-A858-4A7029714E56}"/>
+                  </a:ext>
+                </a:extLst>
+              </p:cNvPr>
+              <p:cNvSpPr txBox="1"/>
+              <p:nvPr/>
+            </p:nvSpPr>
+            <p:spPr>
+              <a:xfrm>
+                <a:off x="3522933" y="3197723"/>
+                <a:ext cx="3501148" cy="1271695"/>
+              </a:xfrm>
+              <a:prstGeom prst="rect">
+                <a:avLst/>
+              </a:prstGeom>
+              <a:noFill/>
+            </p:spPr>
+            <p:txBody>
+              <a:bodyPr wrap="square" lIns="0" tIns="0" rIns="0" bIns="0" rtlCol="0">
+                <a:spAutoFit/>
+              </a:bodyPr>
+              <a:lstStyle/>
+              <a:p>
+                <a14:m>
+                  <m:oMathPara xmlns:m="http://schemas.openxmlformats.org/officeDocument/2006/math">
+                    <m:oMathParaPr>
+                      <m:jc m:val="centerGroup"/>
+                    </m:oMathParaPr>
+                    <m:oMath xmlns:m="http://schemas.openxmlformats.org/officeDocument/2006/math">
+                      <m:sSub>
+                        <m:sSubPr>
+                          <m:ctrlPr>
+                            <a:rPr lang="it-IT" sz="1400" i="1" smtClean="0">
+                              <a:solidFill>
+                                <a:schemeClr val="bg1"/>
+                              </a:solidFill>
+                              <a:latin typeface="Cambria Math" panose="02040503050406030204" pitchFamily="18" charset="0"/>
+                            </a:rPr>
+                          </m:ctrlPr>
+                        </m:sSubPr>
+                        <m:e>
+                          <m:r>
+                            <a:rPr lang="it-IT" sz="1400" b="0" i="1" smtClean="0">
+                              <a:solidFill>
+                                <a:schemeClr val="bg1"/>
+                              </a:solidFill>
+                              <a:latin typeface="Cambria Math" panose="02040503050406030204" pitchFamily="18" charset="0"/>
+                            </a:rPr>
+                            <m:t>𝑀</m:t>
+                          </m:r>
+                        </m:e>
+                        <m:sub>
+                          <m:r>
+                            <a:rPr lang="it-IT" sz="1400" b="0" i="1" smtClean="0">
+                              <a:solidFill>
+                                <a:schemeClr val="bg1"/>
+                              </a:solidFill>
+                              <a:latin typeface="Cambria Math" panose="02040503050406030204" pitchFamily="18" charset="0"/>
+                            </a:rPr>
+                            <m:t>𝑅𝐵</m:t>
+                          </m:r>
+                        </m:sub>
+                      </m:sSub>
+                      <m:r>
+                        <a:rPr lang="it-IT" sz="1400" b="0" i="1" smtClean="0">
+                          <a:solidFill>
+                            <a:schemeClr val="bg1"/>
+                          </a:solidFill>
+                          <a:latin typeface="Cambria Math" panose="02040503050406030204" pitchFamily="18" charset="0"/>
+                        </a:rPr>
+                        <m:t>= </m:t>
+                      </m:r>
+                      <m:d>
+                        <m:dPr>
+                          <m:begChr m:val="["/>
+                          <m:endChr m:val="]"/>
+                          <m:ctrlPr>
+                            <a:rPr lang="it-IT" sz="1400" i="1" smtClean="0">
+                              <a:solidFill>
+                                <a:schemeClr val="bg1"/>
+                              </a:solidFill>
+                              <a:latin typeface="Cambria Math" panose="02040503050406030204" pitchFamily="18" charset="0"/>
+                            </a:rPr>
+                          </m:ctrlPr>
+                        </m:dPr>
+                        <m:e>
+                          <m:m>
+                            <m:mPr>
+                              <m:mcs>
+                                <m:mc>
+                                  <m:mcPr>
+                                    <m:count m:val="6"/>
+                                    <m:mcJc m:val="center"/>
+                                  </m:mcPr>
+                                </m:mc>
+                              </m:mcs>
+                              <m:ctrlPr>
+                                <a:rPr lang="it-IT" sz="1400" i="1" smtClean="0">
+                                  <a:solidFill>
+                                    <a:schemeClr val="bg1"/>
+                                  </a:solidFill>
+                                  <a:latin typeface="Cambria Math" panose="02040503050406030204" pitchFamily="18" charset="0"/>
+                                </a:rPr>
+                              </m:ctrlPr>
+                            </m:mPr>
+                            <m:mr>
+                              <m:e>
+                                <m:r>
+                                  <m:rPr>
+                                    <m:brk m:alnAt="7"/>
+                                  </m:rPr>
+                                  <a:rPr lang="it-IT" sz="1400" b="0" i="1" smtClean="0">
+                                    <a:solidFill>
+                                      <a:schemeClr val="bg1"/>
+                                    </a:solidFill>
+                                    <a:latin typeface="Cambria Math" panose="02040503050406030204" pitchFamily="18" charset="0"/>
+                                  </a:rPr>
+                                  <m:t>𝑚</m:t>
+                                </m:r>
+                              </m:e>
+                              <m:e>
+                                <m:r>
+                                  <a:rPr lang="it-IT" sz="1400" b="0" i="1" smtClean="0">
+                                    <a:solidFill>
+                                      <a:schemeClr val="bg1"/>
+                                    </a:solidFill>
+                                    <a:latin typeface="Cambria Math" panose="02040503050406030204" pitchFamily="18" charset="0"/>
+                                  </a:rPr>
+                                  <m:t>0</m:t>
+                                </m:r>
+                              </m:e>
+                              <m:e>
+                                <m:r>
+                                  <a:rPr lang="it-IT" sz="1400" b="0" i="1" smtClean="0">
+                                    <a:solidFill>
+                                      <a:schemeClr val="bg1"/>
+                                    </a:solidFill>
+                                    <a:latin typeface="Cambria Math" panose="02040503050406030204" pitchFamily="18" charset="0"/>
+                                  </a:rPr>
+                                  <m:t>0</m:t>
+                                </m:r>
+                              </m:e>
+                              <m:e>
+                                <m:r>
+                                  <a:rPr lang="it-IT" sz="1400" b="0" i="1" smtClean="0">
+                                    <a:solidFill>
+                                      <a:schemeClr val="bg1"/>
+                                    </a:solidFill>
+                                    <a:latin typeface="Cambria Math" panose="02040503050406030204" pitchFamily="18" charset="0"/>
+                                  </a:rPr>
+                                  <m:t>0</m:t>
+                                </m:r>
+                              </m:e>
+                              <m:e>
+                                <m:r>
+                                  <a:rPr lang="it-IT" sz="1400" b="0" i="1" smtClean="0">
+                                    <a:solidFill>
+                                      <a:schemeClr val="bg1"/>
+                                    </a:solidFill>
+                                    <a:latin typeface="Cambria Math" panose="02040503050406030204" pitchFamily="18" charset="0"/>
+                                  </a:rPr>
+                                  <m:t>0</m:t>
+                                </m:r>
+                              </m:e>
+                              <m:e>
+                                <m:r>
+                                  <a:rPr lang="it-IT" sz="1400" b="0" i="1" smtClean="0">
+                                    <a:solidFill>
+                                      <a:schemeClr val="bg1"/>
+                                    </a:solidFill>
+                                    <a:latin typeface="Cambria Math" panose="02040503050406030204" pitchFamily="18" charset="0"/>
+                                  </a:rPr>
+                                  <m:t>0</m:t>
+                                </m:r>
+                              </m:e>
+                            </m:mr>
+                            <m:mr>
+                              <m:e>
+                                <m:r>
+                                  <a:rPr lang="it-IT" sz="1400" b="0" i="1" smtClean="0">
+                                    <a:solidFill>
+                                      <a:schemeClr val="bg1"/>
+                                    </a:solidFill>
+                                    <a:latin typeface="Cambria Math" panose="02040503050406030204" pitchFamily="18" charset="0"/>
+                                  </a:rPr>
+                                  <m:t>0</m:t>
+                                </m:r>
+                              </m:e>
+                              <m:e>
+                                <m:r>
+                                  <a:rPr lang="it-IT" sz="1400" b="0" i="1" smtClean="0">
+                                    <a:solidFill>
+                                      <a:schemeClr val="bg1"/>
+                                    </a:solidFill>
+                                    <a:latin typeface="Cambria Math" panose="02040503050406030204" pitchFamily="18" charset="0"/>
+                                  </a:rPr>
+                                  <m:t>𝑚</m:t>
+                                </m:r>
+                              </m:e>
+                              <m:e>
+                                <m:r>
+                                  <a:rPr lang="it-IT" sz="1400" b="0" i="1" smtClean="0">
+                                    <a:solidFill>
+                                      <a:schemeClr val="bg1"/>
+                                    </a:solidFill>
+                                    <a:latin typeface="Cambria Math" panose="02040503050406030204" pitchFamily="18" charset="0"/>
+                                  </a:rPr>
+                                  <m:t>0</m:t>
+                                </m:r>
+                              </m:e>
+                              <m:e>
+                                <m:r>
+                                  <a:rPr lang="it-IT" sz="1400" b="0" i="1" smtClean="0">
+                                    <a:solidFill>
+                                      <a:schemeClr val="bg1"/>
+                                    </a:solidFill>
+                                    <a:latin typeface="Cambria Math" panose="02040503050406030204" pitchFamily="18" charset="0"/>
+                                  </a:rPr>
+                                  <m:t>0</m:t>
+                                </m:r>
+                              </m:e>
+                              <m:e>
+                                <m:r>
+                                  <a:rPr lang="it-IT" sz="1400" b="0" i="1" smtClean="0">
+                                    <a:solidFill>
+                                      <a:schemeClr val="bg1"/>
+                                    </a:solidFill>
+                                    <a:latin typeface="Cambria Math" panose="02040503050406030204" pitchFamily="18" charset="0"/>
+                                  </a:rPr>
+                                  <m:t>0</m:t>
+                                </m:r>
+                              </m:e>
+                              <m:e>
+                                <m:r>
+                                  <a:rPr lang="it-IT" sz="1400" b="0" i="1" smtClean="0">
+                                    <a:solidFill>
+                                      <a:schemeClr val="bg1"/>
+                                    </a:solidFill>
+                                    <a:latin typeface="Cambria Math" panose="02040503050406030204" pitchFamily="18" charset="0"/>
+                                  </a:rPr>
+                                  <m:t>0</m:t>
+                                </m:r>
+                              </m:e>
+                            </m:mr>
+                            <m:mr>
+                              <m:e>
+                                <m:r>
+                                  <a:rPr lang="it-IT" sz="1400" b="0" i="1" smtClean="0">
+                                    <a:solidFill>
+                                      <a:schemeClr val="bg1"/>
+                                    </a:solidFill>
+                                    <a:latin typeface="Cambria Math" panose="02040503050406030204" pitchFamily="18" charset="0"/>
+                                  </a:rPr>
+                                  <m:t>0</m:t>
+                                </m:r>
+                              </m:e>
+                              <m:e>
+                                <m:r>
+                                  <a:rPr lang="it-IT" sz="1400" b="0" i="1" smtClean="0">
+                                    <a:solidFill>
+                                      <a:schemeClr val="bg1"/>
+                                    </a:solidFill>
+                                    <a:latin typeface="Cambria Math" panose="02040503050406030204" pitchFamily="18" charset="0"/>
+                                  </a:rPr>
+                                  <m:t>0</m:t>
+                                </m:r>
+                              </m:e>
+                              <m:e>
+                                <m:r>
+                                  <a:rPr lang="it-IT" sz="1400" b="0" i="1" smtClean="0">
+                                    <a:solidFill>
+                                      <a:schemeClr val="bg1"/>
+                                    </a:solidFill>
+                                    <a:latin typeface="Cambria Math" panose="02040503050406030204" pitchFamily="18" charset="0"/>
+                                  </a:rPr>
+                                  <m:t>𝑚</m:t>
+                                </m:r>
+                              </m:e>
+                              <m:e>
+                                <m:r>
+                                  <a:rPr lang="it-IT" sz="1400" b="0" i="1" smtClean="0">
+                                    <a:solidFill>
+                                      <a:schemeClr val="bg1"/>
+                                    </a:solidFill>
+                                    <a:latin typeface="Cambria Math" panose="02040503050406030204" pitchFamily="18" charset="0"/>
+                                  </a:rPr>
+                                  <m:t>0</m:t>
+                                </m:r>
+                              </m:e>
+                              <m:e>
+                                <m:r>
+                                  <a:rPr lang="it-IT" sz="1400" b="0" i="1" smtClean="0">
+                                    <a:solidFill>
+                                      <a:schemeClr val="bg1"/>
+                                    </a:solidFill>
+                                    <a:latin typeface="Cambria Math" panose="02040503050406030204" pitchFamily="18" charset="0"/>
+                                  </a:rPr>
+                                  <m:t>0</m:t>
+                                </m:r>
+                              </m:e>
+                              <m:e>
+                                <m:r>
+                                  <a:rPr lang="it-IT" sz="1400" b="0" i="1" smtClean="0">
+                                    <a:solidFill>
+                                      <a:schemeClr val="bg1"/>
+                                    </a:solidFill>
+                                    <a:latin typeface="Cambria Math" panose="02040503050406030204" pitchFamily="18" charset="0"/>
+                                  </a:rPr>
+                                  <m:t>0</m:t>
+                                </m:r>
+                              </m:e>
+                            </m:mr>
+                            <m:mr>
+                              <m:e>
+                                <m:r>
+                                  <a:rPr lang="it-IT" sz="1400" b="0" i="1" smtClean="0">
+                                    <a:solidFill>
+                                      <a:schemeClr val="bg1"/>
+                                    </a:solidFill>
+                                    <a:latin typeface="Cambria Math" panose="02040503050406030204" pitchFamily="18" charset="0"/>
+                                  </a:rPr>
+                                  <m:t>0</m:t>
+                                </m:r>
+                              </m:e>
+                              <m:e>
+                                <m:r>
+                                  <a:rPr lang="it-IT" sz="1400" b="0" i="1" smtClean="0">
+                                    <a:solidFill>
+                                      <a:schemeClr val="bg1"/>
+                                    </a:solidFill>
+                                    <a:latin typeface="Cambria Math" panose="02040503050406030204" pitchFamily="18" charset="0"/>
+                                  </a:rPr>
+                                  <m:t>0</m:t>
+                                </m:r>
+                              </m:e>
+                              <m:e>
+                                <m:r>
+                                  <a:rPr lang="it-IT" sz="1400" b="0" i="1" smtClean="0">
+                                    <a:solidFill>
+                                      <a:schemeClr val="bg1"/>
+                                    </a:solidFill>
+                                    <a:latin typeface="Cambria Math" panose="02040503050406030204" pitchFamily="18" charset="0"/>
+                                  </a:rPr>
+                                  <m:t>0</m:t>
+                                </m:r>
+                              </m:e>
+                              <m:e>
+                                <m:sSub>
+                                  <m:sSubPr>
+                                    <m:ctrlPr>
+                                      <a:rPr lang="it-IT" sz="1400" i="1" smtClean="0">
+                                        <a:solidFill>
+                                          <a:schemeClr val="bg1"/>
+                                        </a:solidFill>
+                                        <a:latin typeface="Cambria Math" panose="02040503050406030204" pitchFamily="18" charset="0"/>
+                                      </a:rPr>
+                                    </m:ctrlPr>
+                                  </m:sSubPr>
+                                  <m:e>
+                                    <m:r>
+                                      <a:rPr lang="it-IT" sz="1400" b="0" i="1" smtClean="0">
+                                        <a:solidFill>
+                                          <a:schemeClr val="bg1"/>
+                                        </a:solidFill>
+                                        <a:latin typeface="Cambria Math" panose="02040503050406030204" pitchFamily="18" charset="0"/>
+                                      </a:rPr>
+                                      <m:t>𝐼</m:t>
+                                    </m:r>
+                                  </m:e>
+                                  <m:sub>
+                                    <m:r>
+                                      <a:rPr lang="it-IT" sz="1400" b="0" i="1" smtClean="0">
+                                        <a:solidFill>
+                                          <a:schemeClr val="bg1"/>
+                                        </a:solidFill>
+                                        <a:latin typeface="Cambria Math" panose="02040503050406030204" pitchFamily="18" charset="0"/>
+                                      </a:rPr>
+                                      <m:t>𝑥</m:t>
+                                    </m:r>
+                                  </m:sub>
+                                </m:sSub>
+                              </m:e>
+                              <m:e>
+                                <m:r>
+                                  <a:rPr lang="it-IT" sz="1400" b="0" i="1" smtClean="0">
+                                    <a:solidFill>
+                                      <a:schemeClr val="bg1"/>
+                                    </a:solidFill>
+                                    <a:latin typeface="Cambria Math" panose="02040503050406030204" pitchFamily="18" charset="0"/>
+                                  </a:rPr>
+                                  <m:t>0</m:t>
+                                </m:r>
+                              </m:e>
+                              <m:e>
+                                <m:r>
+                                  <a:rPr lang="it-IT" sz="1400" b="0" i="1" smtClean="0">
+                                    <a:solidFill>
+                                      <a:schemeClr val="bg1"/>
+                                    </a:solidFill>
+                                    <a:latin typeface="Cambria Math" panose="02040503050406030204" pitchFamily="18" charset="0"/>
+                                  </a:rPr>
+                                  <m:t>0</m:t>
+                                </m:r>
+                              </m:e>
+                            </m:mr>
+                            <m:mr>
+                              <m:e>
+                                <m:r>
+                                  <a:rPr lang="it-IT" sz="1400" b="0" i="1" smtClean="0">
+                                    <a:solidFill>
+                                      <a:schemeClr val="bg1"/>
+                                    </a:solidFill>
+                                    <a:latin typeface="Cambria Math" panose="02040503050406030204" pitchFamily="18" charset="0"/>
+                                  </a:rPr>
+                                  <m:t>0</m:t>
+                                </m:r>
+                              </m:e>
+                              <m:e>
+                                <m:r>
+                                  <a:rPr lang="it-IT" sz="1400" b="0" i="1" smtClean="0">
+                                    <a:solidFill>
+                                      <a:schemeClr val="bg1"/>
+                                    </a:solidFill>
+                                    <a:latin typeface="Cambria Math" panose="02040503050406030204" pitchFamily="18" charset="0"/>
+                                  </a:rPr>
+                                  <m:t>0</m:t>
+                                </m:r>
+                              </m:e>
+                              <m:e>
+                                <m:r>
+                                  <a:rPr lang="it-IT" sz="1400" b="0" i="1" smtClean="0">
+                                    <a:solidFill>
+                                      <a:schemeClr val="bg1"/>
+                                    </a:solidFill>
+                                    <a:latin typeface="Cambria Math" panose="02040503050406030204" pitchFamily="18" charset="0"/>
+                                  </a:rPr>
+                                  <m:t>0</m:t>
+                                </m:r>
+                              </m:e>
+                              <m:e>
+                                <m:r>
+                                  <a:rPr lang="it-IT" sz="1400" b="0" i="1" smtClean="0">
+                                    <a:solidFill>
+                                      <a:schemeClr val="bg1"/>
+                                    </a:solidFill>
+                                    <a:latin typeface="Cambria Math" panose="02040503050406030204" pitchFamily="18" charset="0"/>
+                                  </a:rPr>
+                                  <m:t>0</m:t>
+                                </m:r>
+                              </m:e>
+                              <m:e>
+                                <m:sSub>
+                                  <m:sSubPr>
+                                    <m:ctrlPr>
+                                      <a:rPr lang="it-IT" sz="1400" i="1" smtClean="0">
+                                        <a:solidFill>
+                                          <a:schemeClr val="bg1"/>
+                                        </a:solidFill>
+                                        <a:latin typeface="Cambria Math" panose="02040503050406030204" pitchFamily="18" charset="0"/>
+                                      </a:rPr>
+                                    </m:ctrlPr>
+                                  </m:sSubPr>
+                                  <m:e>
+                                    <m:r>
+                                      <a:rPr lang="it-IT" sz="1400" i="1">
+                                        <a:solidFill>
+                                          <a:schemeClr val="bg1"/>
+                                        </a:solidFill>
+                                        <a:latin typeface="Cambria Math" panose="02040503050406030204" pitchFamily="18" charset="0"/>
+                                      </a:rPr>
+                                      <m:t>𝐼</m:t>
+                                    </m:r>
+                                  </m:e>
+                                  <m:sub>
+                                    <m:r>
+                                      <a:rPr lang="it-IT" sz="1400" b="0" i="1" smtClean="0">
+                                        <a:solidFill>
+                                          <a:schemeClr val="bg1"/>
+                                        </a:solidFill>
+                                        <a:latin typeface="Cambria Math" panose="02040503050406030204" pitchFamily="18" charset="0"/>
+                                      </a:rPr>
+                                      <m:t>𝑦</m:t>
+                                    </m:r>
+                                  </m:sub>
+                                </m:sSub>
+                              </m:e>
+                              <m:e>
+                                <m:r>
+                                  <a:rPr lang="it-IT" sz="1400" b="0" i="1" smtClean="0">
+                                    <a:solidFill>
+                                      <a:schemeClr val="bg1"/>
+                                    </a:solidFill>
+                                    <a:latin typeface="Cambria Math" panose="02040503050406030204" pitchFamily="18" charset="0"/>
+                                  </a:rPr>
+                                  <m:t>0</m:t>
+                                </m:r>
+                              </m:e>
+                            </m:mr>
+                            <m:mr>
+                              <m:e>
+                                <m:r>
+                                  <a:rPr lang="it-IT" sz="1400" b="0" i="1" smtClean="0">
+                                    <a:solidFill>
+                                      <a:schemeClr val="bg1"/>
+                                    </a:solidFill>
+                                    <a:latin typeface="Cambria Math" panose="02040503050406030204" pitchFamily="18" charset="0"/>
+                                  </a:rPr>
+                                  <m:t>0</m:t>
+                                </m:r>
+                              </m:e>
+                              <m:e>
+                                <m:r>
+                                  <a:rPr lang="it-IT" sz="1400" b="0" i="1" smtClean="0">
+                                    <a:solidFill>
+                                      <a:schemeClr val="bg1"/>
+                                    </a:solidFill>
+                                    <a:latin typeface="Cambria Math" panose="02040503050406030204" pitchFamily="18" charset="0"/>
+                                  </a:rPr>
+                                  <m:t>0</m:t>
+                                </m:r>
+                              </m:e>
+                              <m:e>
+                                <m:r>
+                                  <a:rPr lang="it-IT" sz="1400" b="0" i="1" smtClean="0">
+                                    <a:solidFill>
+                                      <a:schemeClr val="bg1"/>
+                                    </a:solidFill>
+                                    <a:latin typeface="Cambria Math" panose="02040503050406030204" pitchFamily="18" charset="0"/>
+                                  </a:rPr>
+                                  <m:t>0</m:t>
+                                </m:r>
+                              </m:e>
+                              <m:e>
+                                <m:r>
+                                  <a:rPr lang="it-IT" sz="1400" b="0" i="1" smtClean="0">
+                                    <a:solidFill>
+                                      <a:schemeClr val="bg1"/>
+                                    </a:solidFill>
+                                    <a:latin typeface="Cambria Math" panose="02040503050406030204" pitchFamily="18" charset="0"/>
+                                  </a:rPr>
+                                  <m:t>0</m:t>
+                                </m:r>
+                              </m:e>
+                              <m:e>
+                                <m:r>
+                                  <a:rPr lang="it-IT" sz="1400" b="0" i="1" smtClean="0">
+                                    <a:solidFill>
+                                      <a:schemeClr val="bg1"/>
+                                    </a:solidFill>
+                                    <a:latin typeface="Cambria Math" panose="02040503050406030204" pitchFamily="18" charset="0"/>
+                                  </a:rPr>
+                                  <m:t>0</m:t>
+                                </m:r>
+                              </m:e>
+                              <m:e>
+                                <m:sSub>
+                                  <m:sSubPr>
+                                    <m:ctrlPr>
+                                      <a:rPr lang="it-IT" sz="1400" i="1">
+                                        <a:solidFill>
+                                          <a:schemeClr val="bg1"/>
+                                        </a:solidFill>
+                                        <a:latin typeface="Cambria Math" panose="02040503050406030204" pitchFamily="18" charset="0"/>
+                                      </a:rPr>
+                                    </m:ctrlPr>
+                                  </m:sSubPr>
+                                  <m:e>
+                                    <m:r>
+                                      <a:rPr lang="it-IT" sz="1400" i="1">
+                                        <a:solidFill>
+                                          <a:schemeClr val="bg1"/>
+                                        </a:solidFill>
+                                        <a:latin typeface="Cambria Math" panose="02040503050406030204" pitchFamily="18" charset="0"/>
+                                      </a:rPr>
+                                      <m:t>𝐼</m:t>
+                                    </m:r>
+                                  </m:e>
+                                  <m:sub>
+                                    <m:r>
+                                      <a:rPr lang="it-IT" sz="1400" b="0" i="1" smtClean="0">
+                                        <a:solidFill>
+                                          <a:schemeClr val="bg1"/>
+                                        </a:solidFill>
+                                        <a:latin typeface="Cambria Math" panose="02040503050406030204" pitchFamily="18" charset="0"/>
+                                      </a:rPr>
+                                      <m:t>𝑧</m:t>
+                                    </m:r>
+                                  </m:sub>
+                                </m:sSub>
+                              </m:e>
+                            </m:mr>
+                          </m:m>
+                        </m:e>
+                      </m:d>
+                    </m:oMath>
+                  </m:oMathPara>
+                </a14:m>
+                <a:endParaRPr lang="it-IT" sz="1400" dirty="0">
+                  <a:solidFill>
+                    <a:schemeClr val="bg1"/>
+                  </a:solidFill>
+                </a:endParaRPr>
+              </a:p>
+            </p:txBody>
+          </p:sp>
+        </mc:Choice>
+        <mc:Fallback>
+          <p:sp>
+            <p:nvSpPr>
+              <p:cNvPr id="13" name="CasellaDiTesto 12">
+                <a:extLst>
+                  <a:ext uri="{FF2B5EF4-FFF2-40B4-BE49-F238E27FC236}">
+                    <a16:creationId xmlns:a16="http://schemas.microsoft.com/office/drawing/2014/main" id="{3CA591E7-426E-4651-A858-4A7029714E56}"/>
+                  </a:ext>
+                </a:extLst>
+              </p:cNvPr>
+              <p:cNvSpPr txBox="1">
+                <a:spLocks noRot="1" noChangeAspect="1" noMove="1" noResize="1" noEditPoints="1" noAdjustHandles="1" noChangeArrowheads="1" noChangeShapeType="1" noTextEdit="1"/>
+              </p:cNvSpPr>
+              <p:nvPr/>
+            </p:nvSpPr>
+            <p:spPr>
+              <a:xfrm>
+                <a:off x="3522933" y="3197723"/>
+                <a:ext cx="3501148" cy="1271695"/>
+              </a:xfrm>
+              <a:prstGeom prst="rect">
+                <a:avLst/>
+              </a:prstGeom>
+              <a:blipFill>
+                <a:blip r:embed="rId5"/>
+                <a:stretch>
+                  <a:fillRect/>
+                </a:stretch>
+              </a:blipFill>
+            </p:spPr>
+            <p:txBody>
+              <a:bodyPr/>
+              <a:lstStyle/>
+              <a:p>
+                <a:r>
+                  <a:rPr lang="it-IT">
+                    <a:noFill/>
+                  </a:rPr>
+                  <a:t> </a:t>
+                </a:r>
+              </a:p>
+            </p:txBody>
+          </p:sp>
+        </mc:Fallback>
+      </mc:AlternateContent>
+      <mc:AlternateContent xmlns:mc="http://schemas.openxmlformats.org/markup-compatibility/2006">
+        <mc:Choice xmlns:a14="http://schemas.microsoft.com/office/drawing/2010/main" Requires="a14">
+          <p:sp>
+            <p:nvSpPr>
+              <p:cNvPr id="38" name="CasellaDiTesto 37">
+                <a:extLst>
+                  <a:ext uri="{FF2B5EF4-FFF2-40B4-BE49-F238E27FC236}">
+                    <a16:creationId xmlns:a16="http://schemas.microsoft.com/office/drawing/2014/main" id="{A59F7389-C844-4C49-90EE-9AC7B3E5C9E3}"/>
+                  </a:ext>
+                </a:extLst>
+              </p:cNvPr>
+              <p:cNvSpPr txBox="1"/>
+              <p:nvPr/>
+            </p:nvSpPr>
+            <p:spPr>
+              <a:xfrm>
+                <a:off x="5871589" y="3154571"/>
+                <a:ext cx="4430129" cy="1311513"/>
+              </a:xfrm>
+              <a:prstGeom prst="rect">
+                <a:avLst/>
+              </a:prstGeom>
+              <a:noFill/>
+            </p:spPr>
+            <p:txBody>
+              <a:bodyPr wrap="square" lIns="0" tIns="0" rIns="0" bIns="0" rtlCol="0">
+                <a:spAutoFit/>
+              </a:bodyPr>
+              <a:lstStyle/>
+              <a:p>
+                <a14:m>
+                  <m:oMathPara xmlns:m="http://schemas.openxmlformats.org/officeDocument/2006/math">
+                    <m:oMathParaPr>
+                      <m:jc m:val="centerGroup"/>
+                    </m:oMathParaPr>
+                    <m:oMath xmlns:m="http://schemas.openxmlformats.org/officeDocument/2006/math">
+                      <m:sSub>
+                        <m:sSubPr>
+                          <m:ctrlPr>
+                            <a:rPr lang="it-IT" sz="1400" i="1" smtClean="0">
+                              <a:solidFill>
+                                <a:schemeClr val="bg1"/>
+                              </a:solidFill>
+                              <a:latin typeface="Cambria Math" panose="02040503050406030204" pitchFamily="18" charset="0"/>
+                            </a:rPr>
+                          </m:ctrlPr>
+                        </m:sSubPr>
+                        <m:e>
+                          <m:r>
+                            <a:rPr lang="it-IT" sz="1400" b="0" i="1" smtClean="0">
+                              <a:solidFill>
+                                <a:schemeClr val="bg1"/>
+                              </a:solidFill>
+                              <a:latin typeface="Cambria Math" panose="02040503050406030204" pitchFamily="18" charset="0"/>
+                            </a:rPr>
+                            <m:t>𝑀</m:t>
+                          </m:r>
+                        </m:e>
+                        <m:sub>
+                          <m:r>
+                            <a:rPr lang="it-IT" sz="1400" b="0" i="1" smtClean="0">
+                              <a:solidFill>
+                                <a:schemeClr val="bg1"/>
+                              </a:solidFill>
+                              <a:latin typeface="Cambria Math" panose="02040503050406030204" pitchFamily="18" charset="0"/>
+                            </a:rPr>
+                            <m:t>𝑎𝑑𝑑</m:t>
+                          </m:r>
+                        </m:sub>
+                      </m:sSub>
+                      <m:r>
+                        <a:rPr lang="it-IT" sz="1400" b="0" i="1" smtClean="0">
+                          <a:solidFill>
+                            <a:schemeClr val="bg1"/>
+                          </a:solidFill>
+                          <a:latin typeface="Cambria Math" panose="02040503050406030204" pitchFamily="18" charset="0"/>
+                        </a:rPr>
+                        <m:t>= </m:t>
+                      </m:r>
+                      <m:d>
+                        <m:dPr>
+                          <m:begChr m:val="["/>
+                          <m:endChr m:val="]"/>
+                          <m:ctrlPr>
+                            <a:rPr lang="it-IT" sz="1400" i="1" smtClean="0">
+                              <a:solidFill>
+                                <a:schemeClr val="bg1"/>
+                              </a:solidFill>
+                              <a:latin typeface="Cambria Math" panose="02040503050406030204" pitchFamily="18" charset="0"/>
+                            </a:rPr>
+                          </m:ctrlPr>
+                        </m:dPr>
+                        <m:e>
+                          <m:m>
+                            <m:mPr>
+                              <m:mcs>
+                                <m:mc>
+                                  <m:mcPr>
+                                    <m:count m:val="6"/>
+                                    <m:mcJc m:val="center"/>
+                                  </m:mcPr>
+                                </m:mc>
+                              </m:mcs>
+                              <m:ctrlPr>
+                                <a:rPr lang="it-IT" sz="1400" i="1" smtClean="0">
+                                  <a:solidFill>
+                                    <a:schemeClr val="bg1"/>
+                                  </a:solidFill>
+                                  <a:latin typeface="Cambria Math" panose="02040503050406030204" pitchFamily="18" charset="0"/>
+                                </a:rPr>
+                              </m:ctrlPr>
+                            </m:mPr>
+                            <m:mr>
+                              <m:e>
+                                <m:sSub>
+                                  <m:sSubPr>
+                                    <m:ctrlPr>
+                                      <a:rPr lang="it-IT" sz="1400" i="1">
+                                        <a:solidFill>
+                                          <a:schemeClr val="bg1"/>
+                                        </a:solidFill>
+                                        <a:latin typeface="Cambria Math" panose="02040503050406030204" pitchFamily="18" charset="0"/>
+                                      </a:rPr>
+                                    </m:ctrlPr>
+                                  </m:sSubPr>
+                                  <m:e>
+                                    <m:r>
+                                      <a:rPr lang="it-IT" sz="1400" b="0" i="1" smtClean="0">
+                                        <a:solidFill>
+                                          <a:schemeClr val="bg1"/>
+                                        </a:solidFill>
+                                        <a:latin typeface="Cambria Math" panose="02040503050406030204" pitchFamily="18" charset="0"/>
+                                      </a:rPr>
+                                      <m:t>𝑋</m:t>
+                                    </m:r>
+                                  </m:e>
+                                  <m:sub>
+                                    <m:acc>
+                                      <m:accPr>
+                                        <m:chr m:val="̇"/>
+                                        <m:ctrlPr>
+                                          <a:rPr lang="it-IT" sz="1400" b="0" i="1" smtClean="0">
+                                            <a:solidFill>
+                                              <a:schemeClr val="bg1"/>
+                                            </a:solidFill>
+                                            <a:latin typeface="Cambria Math" panose="02040503050406030204" pitchFamily="18" charset="0"/>
+                                          </a:rPr>
+                                        </m:ctrlPr>
+                                      </m:accPr>
+                                      <m:e>
+                                        <m:r>
+                                          <a:rPr lang="it-IT" sz="1400" b="0" i="1" smtClean="0">
+                                            <a:solidFill>
+                                              <a:schemeClr val="bg1"/>
+                                            </a:solidFill>
+                                            <a:latin typeface="Cambria Math" panose="02040503050406030204" pitchFamily="18" charset="0"/>
+                                          </a:rPr>
+                                          <m:t>𝑢</m:t>
+                                        </m:r>
+                                      </m:e>
+                                    </m:acc>
+                                  </m:sub>
+                                </m:sSub>
+                              </m:e>
+                              <m:e>
+                                <m:r>
+                                  <a:rPr lang="it-IT" sz="1400" b="0" i="1" smtClean="0">
+                                    <a:solidFill>
+                                      <a:schemeClr val="bg1"/>
+                                    </a:solidFill>
+                                    <a:latin typeface="Cambria Math" panose="02040503050406030204" pitchFamily="18" charset="0"/>
+                                  </a:rPr>
+                                  <m:t>0</m:t>
+                                </m:r>
+                              </m:e>
+                              <m:e>
+                                <m:r>
+                                  <a:rPr lang="it-IT" sz="1400" b="0" i="1" smtClean="0">
+                                    <a:solidFill>
+                                      <a:schemeClr val="bg1"/>
+                                    </a:solidFill>
+                                    <a:latin typeface="Cambria Math" panose="02040503050406030204" pitchFamily="18" charset="0"/>
+                                  </a:rPr>
+                                  <m:t>0</m:t>
+                                </m:r>
+                              </m:e>
+                              <m:e>
+                                <m:r>
+                                  <a:rPr lang="it-IT" sz="1400" b="0" i="1" smtClean="0">
+                                    <a:solidFill>
+                                      <a:schemeClr val="bg1"/>
+                                    </a:solidFill>
+                                    <a:latin typeface="Cambria Math" panose="02040503050406030204" pitchFamily="18" charset="0"/>
+                                  </a:rPr>
+                                  <m:t>0</m:t>
+                                </m:r>
+                              </m:e>
+                              <m:e>
+                                <m:r>
+                                  <a:rPr lang="it-IT" sz="1400" b="0" i="1" smtClean="0">
+                                    <a:solidFill>
+                                      <a:schemeClr val="bg1"/>
+                                    </a:solidFill>
+                                    <a:latin typeface="Cambria Math" panose="02040503050406030204" pitchFamily="18" charset="0"/>
+                                  </a:rPr>
+                                  <m:t>0</m:t>
+                                </m:r>
+                              </m:e>
+                              <m:e>
+                                <m:r>
+                                  <a:rPr lang="it-IT" sz="1400" b="0" i="1" smtClean="0">
+                                    <a:solidFill>
+                                      <a:schemeClr val="bg1"/>
+                                    </a:solidFill>
+                                    <a:latin typeface="Cambria Math" panose="02040503050406030204" pitchFamily="18" charset="0"/>
+                                  </a:rPr>
+                                  <m:t>0</m:t>
+                                </m:r>
+                              </m:e>
+                            </m:mr>
+                            <m:mr>
+                              <m:e>
+                                <m:r>
+                                  <a:rPr lang="it-IT" sz="1400" b="0" i="1" smtClean="0">
+                                    <a:solidFill>
+                                      <a:schemeClr val="bg1"/>
+                                    </a:solidFill>
+                                    <a:latin typeface="Cambria Math" panose="02040503050406030204" pitchFamily="18" charset="0"/>
+                                  </a:rPr>
+                                  <m:t>0</m:t>
+                                </m:r>
+                              </m:e>
+                              <m:e>
+                                <m:sSub>
+                                  <m:sSubPr>
+                                    <m:ctrlPr>
+                                      <a:rPr lang="it-IT" sz="1400" i="1" smtClean="0">
+                                        <a:solidFill>
+                                          <a:schemeClr val="bg1"/>
+                                        </a:solidFill>
+                                        <a:latin typeface="Cambria Math" panose="02040503050406030204" pitchFamily="18" charset="0"/>
+                                      </a:rPr>
+                                    </m:ctrlPr>
+                                  </m:sSubPr>
+                                  <m:e>
+                                    <m:r>
+                                      <a:rPr lang="it-IT" sz="1400" b="0" i="1" smtClean="0">
+                                        <a:solidFill>
+                                          <a:schemeClr val="bg1"/>
+                                        </a:solidFill>
+                                        <a:latin typeface="Cambria Math" panose="02040503050406030204" pitchFamily="18" charset="0"/>
+                                      </a:rPr>
+                                      <m:t>𝑌</m:t>
+                                    </m:r>
+                                  </m:e>
+                                  <m:sub>
+                                    <m:acc>
+                                      <m:accPr>
+                                        <m:chr m:val="̇"/>
+                                        <m:ctrlPr>
+                                          <a:rPr lang="it-IT" sz="1400" b="0" i="1" smtClean="0">
+                                            <a:solidFill>
+                                              <a:schemeClr val="bg1"/>
+                                            </a:solidFill>
+                                            <a:latin typeface="Cambria Math" panose="02040503050406030204" pitchFamily="18" charset="0"/>
+                                          </a:rPr>
+                                        </m:ctrlPr>
+                                      </m:accPr>
+                                      <m:e>
+                                        <m:r>
+                                          <a:rPr lang="it-IT" sz="1400" b="0" i="1" smtClean="0">
+                                            <a:solidFill>
+                                              <a:schemeClr val="bg1"/>
+                                            </a:solidFill>
+                                            <a:latin typeface="Cambria Math" panose="02040503050406030204" pitchFamily="18" charset="0"/>
+                                          </a:rPr>
+                                          <m:t>𝑣</m:t>
+                                        </m:r>
+                                      </m:e>
+                                    </m:acc>
+                                  </m:sub>
+                                </m:sSub>
+                              </m:e>
+                              <m:e>
+                                <m:r>
+                                  <a:rPr lang="it-IT" sz="1400" b="0" i="1" smtClean="0">
+                                    <a:solidFill>
+                                      <a:schemeClr val="bg1"/>
+                                    </a:solidFill>
+                                    <a:latin typeface="Cambria Math" panose="02040503050406030204" pitchFamily="18" charset="0"/>
+                                  </a:rPr>
+                                  <m:t>0</m:t>
+                                </m:r>
+                              </m:e>
+                              <m:e>
+                                <m:r>
+                                  <a:rPr lang="it-IT" sz="1400" b="0" i="1" smtClean="0">
+                                    <a:solidFill>
+                                      <a:schemeClr val="bg1"/>
+                                    </a:solidFill>
+                                    <a:latin typeface="Cambria Math" panose="02040503050406030204" pitchFamily="18" charset="0"/>
+                                  </a:rPr>
+                                  <m:t>0</m:t>
+                                </m:r>
+                              </m:e>
+                              <m:e>
+                                <m:r>
+                                  <a:rPr lang="it-IT" sz="1400" b="0" i="1" smtClean="0">
+                                    <a:solidFill>
+                                      <a:schemeClr val="bg1"/>
+                                    </a:solidFill>
+                                    <a:latin typeface="Cambria Math" panose="02040503050406030204" pitchFamily="18" charset="0"/>
+                                  </a:rPr>
+                                  <m:t>0</m:t>
+                                </m:r>
+                              </m:e>
+                              <m:e>
+                                <m:r>
+                                  <a:rPr lang="it-IT" sz="1400" b="0" i="1" smtClean="0">
+                                    <a:solidFill>
+                                      <a:schemeClr val="bg1"/>
+                                    </a:solidFill>
+                                    <a:latin typeface="Cambria Math" panose="02040503050406030204" pitchFamily="18" charset="0"/>
+                                  </a:rPr>
+                                  <m:t>0</m:t>
+                                </m:r>
+                              </m:e>
+                            </m:mr>
+                            <m:mr>
+                              <m:e>
+                                <m:r>
+                                  <a:rPr lang="it-IT" sz="1400" b="0" i="1" smtClean="0">
+                                    <a:solidFill>
+                                      <a:schemeClr val="bg1"/>
+                                    </a:solidFill>
+                                    <a:latin typeface="Cambria Math" panose="02040503050406030204" pitchFamily="18" charset="0"/>
+                                  </a:rPr>
+                                  <m:t>0</m:t>
+                                </m:r>
+                              </m:e>
+                              <m:e>
+                                <m:r>
+                                  <a:rPr lang="it-IT" sz="1400" b="0" i="1" smtClean="0">
+                                    <a:solidFill>
+                                      <a:schemeClr val="bg1"/>
+                                    </a:solidFill>
+                                    <a:latin typeface="Cambria Math" panose="02040503050406030204" pitchFamily="18" charset="0"/>
+                                  </a:rPr>
+                                  <m:t>0</m:t>
+                                </m:r>
+                              </m:e>
+                              <m:e>
+                                <m:sSub>
+                                  <m:sSubPr>
+                                    <m:ctrlPr>
+                                      <a:rPr lang="it-IT" sz="1400" i="1">
+                                        <a:solidFill>
+                                          <a:schemeClr val="bg1"/>
+                                        </a:solidFill>
+                                        <a:latin typeface="Cambria Math" panose="02040503050406030204" pitchFamily="18" charset="0"/>
+                                      </a:rPr>
+                                    </m:ctrlPr>
+                                  </m:sSubPr>
+                                  <m:e>
+                                    <m:r>
+                                      <a:rPr lang="it-IT" sz="1400" b="0" i="1" smtClean="0">
+                                        <a:solidFill>
+                                          <a:schemeClr val="bg1"/>
+                                        </a:solidFill>
+                                        <a:latin typeface="Cambria Math" panose="02040503050406030204" pitchFamily="18" charset="0"/>
+                                      </a:rPr>
+                                      <m:t>𝑍</m:t>
+                                    </m:r>
+                                  </m:e>
+                                  <m:sub>
+                                    <m:acc>
+                                      <m:accPr>
+                                        <m:chr m:val="̇"/>
+                                        <m:ctrlPr>
+                                          <a:rPr lang="it-IT" sz="1400" b="0" i="1" smtClean="0">
+                                            <a:solidFill>
+                                              <a:schemeClr val="bg1"/>
+                                            </a:solidFill>
+                                            <a:latin typeface="Cambria Math" panose="02040503050406030204" pitchFamily="18" charset="0"/>
+                                          </a:rPr>
+                                        </m:ctrlPr>
+                                      </m:accPr>
+                                      <m:e>
+                                        <m:r>
+                                          <a:rPr lang="it-IT" sz="1400" b="0" i="1" smtClean="0">
+                                            <a:solidFill>
+                                              <a:schemeClr val="bg1"/>
+                                            </a:solidFill>
+                                            <a:latin typeface="Cambria Math" panose="02040503050406030204" pitchFamily="18" charset="0"/>
+                                          </a:rPr>
+                                          <m:t>𝑤</m:t>
+                                        </m:r>
+                                      </m:e>
+                                    </m:acc>
+                                  </m:sub>
+                                </m:sSub>
+                              </m:e>
+                              <m:e>
+                                <m:r>
+                                  <a:rPr lang="it-IT" sz="1400" b="0" i="1" smtClean="0">
+                                    <a:solidFill>
+                                      <a:schemeClr val="bg1"/>
+                                    </a:solidFill>
+                                    <a:latin typeface="Cambria Math" panose="02040503050406030204" pitchFamily="18" charset="0"/>
+                                  </a:rPr>
+                                  <m:t>0</m:t>
+                                </m:r>
+                              </m:e>
+                              <m:e>
+                                <m:r>
+                                  <a:rPr lang="it-IT" sz="1400" b="0" i="1" smtClean="0">
+                                    <a:solidFill>
+                                      <a:schemeClr val="bg1"/>
+                                    </a:solidFill>
+                                    <a:latin typeface="Cambria Math" panose="02040503050406030204" pitchFamily="18" charset="0"/>
+                                  </a:rPr>
+                                  <m:t>0</m:t>
+                                </m:r>
+                              </m:e>
+                              <m:e>
+                                <m:r>
+                                  <a:rPr lang="it-IT" sz="1400" b="0" i="1" smtClean="0">
+                                    <a:solidFill>
+                                      <a:schemeClr val="bg1"/>
+                                    </a:solidFill>
+                                    <a:latin typeface="Cambria Math" panose="02040503050406030204" pitchFamily="18" charset="0"/>
+                                  </a:rPr>
+                                  <m:t>0</m:t>
+                                </m:r>
+                              </m:e>
+                            </m:mr>
+                            <m:mr>
+                              <m:e>
+                                <m:r>
+                                  <a:rPr lang="it-IT" sz="1400" b="0" i="1" smtClean="0">
+                                    <a:solidFill>
+                                      <a:schemeClr val="bg1"/>
+                                    </a:solidFill>
+                                    <a:latin typeface="Cambria Math" panose="02040503050406030204" pitchFamily="18" charset="0"/>
+                                  </a:rPr>
+                                  <m:t>0</m:t>
+                                </m:r>
+                              </m:e>
+                              <m:e>
+                                <m:r>
+                                  <a:rPr lang="it-IT" sz="1400" b="0" i="1" smtClean="0">
+                                    <a:solidFill>
+                                      <a:schemeClr val="bg1"/>
+                                    </a:solidFill>
+                                    <a:latin typeface="Cambria Math" panose="02040503050406030204" pitchFamily="18" charset="0"/>
+                                  </a:rPr>
+                                  <m:t>0</m:t>
+                                </m:r>
+                              </m:e>
+                              <m:e>
+                                <m:r>
+                                  <a:rPr lang="it-IT" sz="1400" b="0" i="1" smtClean="0">
+                                    <a:solidFill>
+                                      <a:schemeClr val="bg1"/>
+                                    </a:solidFill>
+                                    <a:latin typeface="Cambria Math" panose="02040503050406030204" pitchFamily="18" charset="0"/>
+                                  </a:rPr>
+                                  <m:t>0</m:t>
+                                </m:r>
+                              </m:e>
+                              <m:e>
+                                <m:sSub>
+                                  <m:sSubPr>
+                                    <m:ctrlPr>
+                                      <a:rPr lang="it-IT" sz="1400" i="1" smtClean="0">
+                                        <a:solidFill>
+                                          <a:schemeClr val="bg1"/>
+                                        </a:solidFill>
+                                        <a:latin typeface="Cambria Math" panose="02040503050406030204" pitchFamily="18" charset="0"/>
+                                      </a:rPr>
+                                    </m:ctrlPr>
+                                  </m:sSubPr>
+                                  <m:e>
+                                    <m:r>
+                                      <a:rPr lang="it-IT" sz="1400" b="0" i="1" smtClean="0">
+                                        <a:solidFill>
+                                          <a:schemeClr val="bg1"/>
+                                        </a:solidFill>
+                                        <a:latin typeface="Cambria Math" panose="02040503050406030204" pitchFamily="18" charset="0"/>
+                                      </a:rPr>
+                                      <m:t>𝐾</m:t>
+                                    </m:r>
+                                  </m:e>
+                                  <m:sub>
+                                    <m:acc>
+                                      <m:accPr>
+                                        <m:chr m:val="̇"/>
+                                        <m:ctrlPr>
+                                          <a:rPr lang="it-IT" sz="1400" b="0" i="1" smtClean="0">
+                                            <a:solidFill>
+                                              <a:schemeClr val="bg1"/>
+                                            </a:solidFill>
+                                            <a:latin typeface="Cambria Math" panose="02040503050406030204" pitchFamily="18" charset="0"/>
+                                          </a:rPr>
+                                        </m:ctrlPr>
+                                      </m:accPr>
+                                      <m:e>
+                                        <m:r>
+                                          <a:rPr lang="it-IT" sz="1400" b="0" i="1" smtClean="0">
+                                            <a:solidFill>
+                                              <a:schemeClr val="bg1"/>
+                                            </a:solidFill>
+                                            <a:latin typeface="Cambria Math" panose="02040503050406030204" pitchFamily="18" charset="0"/>
+                                          </a:rPr>
+                                          <m:t>𝑝</m:t>
+                                        </m:r>
+                                      </m:e>
+                                    </m:acc>
+                                  </m:sub>
+                                </m:sSub>
+                              </m:e>
+                              <m:e>
+                                <m:r>
+                                  <a:rPr lang="it-IT" sz="1400" b="0" i="1" smtClean="0">
+                                    <a:solidFill>
+                                      <a:schemeClr val="bg1"/>
+                                    </a:solidFill>
+                                    <a:latin typeface="Cambria Math" panose="02040503050406030204" pitchFamily="18" charset="0"/>
+                                  </a:rPr>
+                                  <m:t>0</m:t>
+                                </m:r>
+                              </m:e>
+                              <m:e>
+                                <m:r>
+                                  <a:rPr lang="it-IT" sz="1400" b="0" i="1" smtClean="0">
+                                    <a:solidFill>
+                                      <a:schemeClr val="bg1"/>
+                                    </a:solidFill>
+                                    <a:latin typeface="Cambria Math" panose="02040503050406030204" pitchFamily="18" charset="0"/>
+                                  </a:rPr>
+                                  <m:t>0</m:t>
+                                </m:r>
+                              </m:e>
+                            </m:mr>
+                            <m:mr>
+                              <m:e>
+                                <m:r>
+                                  <a:rPr lang="it-IT" sz="1400" b="0" i="1" smtClean="0">
+                                    <a:solidFill>
+                                      <a:schemeClr val="bg1"/>
+                                    </a:solidFill>
+                                    <a:latin typeface="Cambria Math" panose="02040503050406030204" pitchFamily="18" charset="0"/>
+                                  </a:rPr>
+                                  <m:t>0</m:t>
+                                </m:r>
+                              </m:e>
+                              <m:e>
+                                <m:r>
+                                  <a:rPr lang="it-IT" sz="1400" b="0" i="1" smtClean="0">
+                                    <a:solidFill>
+                                      <a:schemeClr val="bg1"/>
+                                    </a:solidFill>
+                                    <a:latin typeface="Cambria Math" panose="02040503050406030204" pitchFamily="18" charset="0"/>
+                                  </a:rPr>
+                                  <m:t>0</m:t>
+                                </m:r>
+                              </m:e>
+                              <m:e>
+                                <m:r>
+                                  <a:rPr lang="it-IT" sz="1400" b="0" i="1" smtClean="0">
+                                    <a:solidFill>
+                                      <a:schemeClr val="bg1"/>
+                                    </a:solidFill>
+                                    <a:latin typeface="Cambria Math" panose="02040503050406030204" pitchFamily="18" charset="0"/>
+                                  </a:rPr>
+                                  <m:t>0</m:t>
+                                </m:r>
+                              </m:e>
+                              <m:e>
+                                <m:r>
+                                  <a:rPr lang="it-IT" sz="1400" b="0" i="1" smtClean="0">
+                                    <a:solidFill>
+                                      <a:schemeClr val="bg1"/>
+                                    </a:solidFill>
+                                    <a:latin typeface="Cambria Math" panose="02040503050406030204" pitchFamily="18" charset="0"/>
+                                  </a:rPr>
+                                  <m:t>0</m:t>
+                                </m:r>
+                              </m:e>
+                              <m:e>
+                                <m:sSub>
+                                  <m:sSubPr>
+                                    <m:ctrlPr>
+                                      <a:rPr lang="it-IT" sz="1400" i="1" smtClean="0">
+                                        <a:solidFill>
+                                          <a:schemeClr val="bg1"/>
+                                        </a:solidFill>
+                                        <a:latin typeface="Cambria Math" panose="02040503050406030204" pitchFamily="18" charset="0"/>
+                                      </a:rPr>
+                                    </m:ctrlPr>
+                                  </m:sSubPr>
+                                  <m:e>
+                                    <m:r>
+                                      <a:rPr lang="it-IT" sz="1400" b="0" i="1" smtClean="0">
+                                        <a:solidFill>
+                                          <a:schemeClr val="bg1"/>
+                                        </a:solidFill>
+                                        <a:latin typeface="Cambria Math" panose="02040503050406030204" pitchFamily="18" charset="0"/>
+                                      </a:rPr>
+                                      <m:t>𝑀</m:t>
+                                    </m:r>
+                                  </m:e>
+                                  <m:sub>
+                                    <m:acc>
+                                      <m:accPr>
+                                        <m:chr m:val="̇"/>
+                                        <m:ctrlPr>
+                                          <a:rPr lang="it-IT" sz="1400" b="0" i="1" smtClean="0">
+                                            <a:solidFill>
+                                              <a:schemeClr val="bg1"/>
+                                            </a:solidFill>
+                                            <a:latin typeface="Cambria Math" panose="02040503050406030204" pitchFamily="18" charset="0"/>
+                                          </a:rPr>
+                                        </m:ctrlPr>
+                                      </m:accPr>
+                                      <m:e>
+                                        <m:r>
+                                          <a:rPr lang="it-IT" sz="1400" b="0" i="1" smtClean="0">
+                                            <a:solidFill>
+                                              <a:schemeClr val="bg1"/>
+                                            </a:solidFill>
+                                            <a:latin typeface="Cambria Math" panose="02040503050406030204" pitchFamily="18" charset="0"/>
+                                          </a:rPr>
+                                          <m:t>𝑞</m:t>
+                                        </m:r>
+                                      </m:e>
+                                    </m:acc>
+                                  </m:sub>
+                                </m:sSub>
+                              </m:e>
+                              <m:e>
+                                <m:r>
+                                  <a:rPr lang="it-IT" sz="1400" b="0" i="1" smtClean="0">
+                                    <a:solidFill>
+                                      <a:schemeClr val="bg1"/>
+                                    </a:solidFill>
+                                    <a:latin typeface="Cambria Math" panose="02040503050406030204" pitchFamily="18" charset="0"/>
+                                  </a:rPr>
+                                  <m:t>0</m:t>
+                                </m:r>
+                              </m:e>
+                            </m:mr>
+                            <m:mr>
+                              <m:e>
+                                <m:r>
+                                  <a:rPr lang="it-IT" sz="1400" b="0" i="1" smtClean="0">
+                                    <a:solidFill>
+                                      <a:schemeClr val="bg1"/>
+                                    </a:solidFill>
+                                    <a:latin typeface="Cambria Math" panose="02040503050406030204" pitchFamily="18" charset="0"/>
+                                  </a:rPr>
+                                  <m:t>0</m:t>
+                                </m:r>
+                              </m:e>
+                              <m:e>
+                                <m:r>
+                                  <a:rPr lang="it-IT" sz="1400" b="0" i="1" smtClean="0">
+                                    <a:solidFill>
+                                      <a:schemeClr val="bg1"/>
+                                    </a:solidFill>
+                                    <a:latin typeface="Cambria Math" panose="02040503050406030204" pitchFamily="18" charset="0"/>
+                                  </a:rPr>
+                                  <m:t>0</m:t>
+                                </m:r>
+                              </m:e>
+                              <m:e>
+                                <m:r>
+                                  <a:rPr lang="it-IT" sz="1400" b="0" i="1" smtClean="0">
+                                    <a:solidFill>
+                                      <a:schemeClr val="bg1"/>
+                                    </a:solidFill>
+                                    <a:latin typeface="Cambria Math" panose="02040503050406030204" pitchFamily="18" charset="0"/>
+                                  </a:rPr>
+                                  <m:t>0</m:t>
+                                </m:r>
+                              </m:e>
+                              <m:e>
+                                <m:r>
+                                  <a:rPr lang="it-IT" sz="1400" b="0" i="1" smtClean="0">
+                                    <a:solidFill>
+                                      <a:schemeClr val="bg1"/>
+                                    </a:solidFill>
+                                    <a:latin typeface="Cambria Math" panose="02040503050406030204" pitchFamily="18" charset="0"/>
+                                  </a:rPr>
+                                  <m:t>0</m:t>
+                                </m:r>
+                              </m:e>
+                              <m:e>
+                                <m:r>
+                                  <a:rPr lang="it-IT" sz="1400" b="0" i="1" smtClean="0">
+                                    <a:solidFill>
+                                      <a:schemeClr val="bg1"/>
+                                    </a:solidFill>
+                                    <a:latin typeface="Cambria Math" panose="02040503050406030204" pitchFamily="18" charset="0"/>
+                                  </a:rPr>
+                                  <m:t>0</m:t>
+                                </m:r>
+                              </m:e>
+                              <m:e>
+                                <m:sSub>
+                                  <m:sSubPr>
+                                    <m:ctrlPr>
+                                      <a:rPr lang="it-IT" sz="1400" i="1">
+                                        <a:solidFill>
+                                          <a:schemeClr val="bg1"/>
+                                        </a:solidFill>
+                                        <a:latin typeface="Cambria Math" panose="02040503050406030204" pitchFamily="18" charset="0"/>
+                                      </a:rPr>
+                                    </m:ctrlPr>
+                                  </m:sSubPr>
+                                  <m:e>
+                                    <m:r>
+                                      <a:rPr lang="it-IT" sz="1400" b="0" i="1" smtClean="0">
+                                        <a:solidFill>
+                                          <a:schemeClr val="bg1"/>
+                                        </a:solidFill>
+                                        <a:latin typeface="Cambria Math" panose="02040503050406030204" pitchFamily="18" charset="0"/>
+                                      </a:rPr>
+                                      <m:t>𝑁</m:t>
+                                    </m:r>
+                                  </m:e>
+                                  <m:sub>
+                                    <m:acc>
+                                      <m:accPr>
+                                        <m:chr m:val="̇"/>
+                                        <m:ctrlPr>
+                                          <a:rPr lang="it-IT" sz="1400" b="0" i="1" smtClean="0">
+                                            <a:solidFill>
+                                              <a:schemeClr val="bg1"/>
+                                            </a:solidFill>
+                                            <a:latin typeface="Cambria Math" panose="02040503050406030204" pitchFamily="18" charset="0"/>
+                                          </a:rPr>
+                                        </m:ctrlPr>
+                                      </m:accPr>
+                                      <m:e>
+                                        <m:r>
+                                          <a:rPr lang="it-IT" sz="1400" b="0" i="1" smtClean="0">
+                                            <a:solidFill>
+                                              <a:schemeClr val="bg1"/>
+                                            </a:solidFill>
+                                            <a:latin typeface="Cambria Math" panose="02040503050406030204" pitchFamily="18" charset="0"/>
+                                          </a:rPr>
+                                          <m:t>𝑟</m:t>
+                                        </m:r>
+                                      </m:e>
+                                    </m:acc>
+                                  </m:sub>
+                                </m:sSub>
+                              </m:e>
+                            </m:mr>
+                          </m:m>
+                        </m:e>
+                      </m:d>
+                    </m:oMath>
+                  </m:oMathPara>
+                </a14:m>
+                <a:endParaRPr lang="it-IT" sz="1400" dirty="0">
+                  <a:solidFill>
+                    <a:schemeClr val="bg1"/>
+                  </a:solidFill>
+                </a:endParaRPr>
+              </a:p>
+            </p:txBody>
+          </p:sp>
+        </mc:Choice>
+        <mc:Fallback>
+          <p:sp>
+            <p:nvSpPr>
+              <p:cNvPr id="38" name="CasellaDiTesto 37">
+                <a:extLst>
+                  <a:ext uri="{FF2B5EF4-FFF2-40B4-BE49-F238E27FC236}">
+                    <a16:creationId xmlns:a16="http://schemas.microsoft.com/office/drawing/2014/main" id="{A59F7389-C844-4C49-90EE-9AC7B3E5C9E3}"/>
+                  </a:ext>
+                </a:extLst>
+              </p:cNvPr>
+              <p:cNvSpPr txBox="1">
+                <a:spLocks noRot="1" noChangeAspect="1" noMove="1" noResize="1" noEditPoints="1" noAdjustHandles="1" noChangeArrowheads="1" noChangeShapeType="1" noTextEdit="1"/>
+              </p:cNvSpPr>
+              <p:nvPr/>
+            </p:nvSpPr>
+            <p:spPr>
+              <a:xfrm>
+                <a:off x="5871589" y="3154571"/>
+                <a:ext cx="4430129" cy="1311513"/>
+              </a:xfrm>
+              <a:prstGeom prst="rect">
+                <a:avLst/>
+              </a:prstGeom>
+              <a:blipFill>
+                <a:blip r:embed="rId6"/>
+                <a:stretch>
+                  <a:fillRect/>
+                </a:stretch>
+              </a:blipFill>
+            </p:spPr>
+            <p:txBody>
+              <a:bodyPr/>
+              <a:lstStyle/>
+              <a:p>
+                <a:r>
+                  <a:rPr lang="it-IT">
+                    <a:noFill/>
+                  </a:rPr>
+                  <a:t> </a:t>
+                </a:r>
+              </a:p>
+            </p:txBody>
+          </p:sp>
+        </mc:Fallback>
+      </mc:AlternateContent>
+      <mc:AlternateContent xmlns:mc="http://schemas.openxmlformats.org/markup-compatibility/2006">
+        <mc:Choice xmlns:a14="http://schemas.microsoft.com/office/drawing/2010/main" Requires="a14">
+          <p:sp>
+            <p:nvSpPr>
+              <p:cNvPr id="15" name="CasellaDiTesto 14">
+                <a:extLst>
+                  <a:ext uri="{FF2B5EF4-FFF2-40B4-BE49-F238E27FC236}">
+                    <a16:creationId xmlns:a16="http://schemas.microsoft.com/office/drawing/2014/main" id="{D538C270-CB09-433C-BCCB-1121E48BB552}"/>
+                  </a:ext>
+                </a:extLst>
+              </p:cNvPr>
+              <p:cNvSpPr txBox="1"/>
+              <p:nvPr/>
+            </p:nvSpPr>
+            <p:spPr>
+              <a:xfrm>
+                <a:off x="9882217" y="2848302"/>
+                <a:ext cx="942181" cy="264240"/>
+              </a:xfrm>
+              <a:prstGeom prst="rect">
+                <a:avLst/>
+              </a:prstGeom>
+              <a:noFill/>
+            </p:spPr>
+            <p:txBody>
+              <a:bodyPr wrap="none" lIns="0" tIns="0" rIns="0" bIns="0" rtlCol="0">
+                <a:spAutoFit/>
+              </a:bodyPr>
+              <a:lstStyle/>
+              <a:p>
+                <a14:m>
+                  <m:oMathPara xmlns:m="http://schemas.openxmlformats.org/officeDocument/2006/math">
+                    <m:oMathParaPr>
+                      <m:jc m:val="centerGroup"/>
+                    </m:oMathParaPr>
+                    <m:oMath xmlns:m="http://schemas.openxmlformats.org/officeDocument/2006/math">
+                      <m:sSub>
+                        <m:sSubPr>
+                          <m:ctrlPr>
+                            <a:rPr lang="it-IT" sz="1400" i="1" smtClean="0">
+                              <a:solidFill>
+                                <a:schemeClr val="bg1"/>
+                              </a:solidFill>
+                              <a:latin typeface="Cambria Math" panose="02040503050406030204" pitchFamily="18" charset="0"/>
+                            </a:rPr>
+                          </m:ctrlPr>
+                        </m:sSubPr>
+                        <m:e>
+                          <m:r>
+                            <a:rPr lang="it-IT" sz="1400" b="0" i="1" smtClean="0">
+                              <a:solidFill>
+                                <a:schemeClr val="bg1"/>
+                              </a:solidFill>
+                              <a:latin typeface="Cambria Math" panose="02040503050406030204" pitchFamily="18" charset="0"/>
+                            </a:rPr>
+                            <m:t>𝑋</m:t>
+                          </m:r>
+                        </m:e>
+                        <m:sub>
+                          <m:acc>
+                            <m:accPr>
+                              <m:chr m:val="̇"/>
+                              <m:ctrlPr>
+                                <a:rPr lang="it-IT" sz="1400" b="0" i="1" smtClean="0">
+                                  <a:solidFill>
+                                    <a:schemeClr val="bg1"/>
+                                  </a:solidFill>
+                                  <a:latin typeface="Cambria Math" panose="02040503050406030204" pitchFamily="18" charset="0"/>
+                                </a:rPr>
+                              </m:ctrlPr>
+                            </m:accPr>
+                            <m:e>
+                              <m:r>
+                                <a:rPr lang="it-IT" sz="1400" b="0" i="1" smtClean="0">
+                                  <a:solidFill>
+                                    <a:schemeClr val="bg1"/>
+                                  </a:solidFill>
+                                  <a:latin typeface="Cambria Math" panose="02040503050406030204" pitchFamily="18" charset="0"/>
+                                </a:rPr>
+                                <m:t>𝑢</m:t>
+                              </m:r>
+                            </m:e>
+                          </m:acc>
+                        </m:sub>
+                      </m:sSub>
+                      <m:r>
+                        <a:rPr lang="it-IT" sz="1400" b="0" i="1" smtClean="0">
+                          <a:solidFill>
+                            <a:schemeClr val="bg1"/>
+                          </a:solidFill>
+                          <a:latin typeface="Cambria Math" panose="02040503050406030204" pitchFamily="18" charset="0"/>
+                        </a:rPr>
+                        <m:t>=−</m:t>
+                      </m:r>
+                      <m:box>
+                        <m:boxPr>
+                          <m:ctrlPr>
+                            <a:rPr lang="it-IT" sz="1400" b="0" i="1" smtClean="0">
+                              <a:solidFill>
+                                <a:schemeClr val="bg1"/>
+                              </a:solidFill>
+                              <a:latin typeface="Cambria Math" panose="02040503050406030204" pitchFamily="18" charset="0"/>
+                            </a:rPr>
+                          </m:ctrlPr>
+                        </m:boxPr>
+                        <m:e>
+                          <m:argPr>
+                            <m:argSz m:val="-1"/>
+                          </m:argPr>
+                          <m:f>
+                            <m:fPr>
+                              <m:ctrlPr>
+                                <a:rPr lang="it-IT" sz="1400" b="0" i="1" smtClean="0">
+                                  <a:solidFill>
+                                    <a:schemeClr val="bg1"/>
+                                  </a:solidFill>
+                                  <a:latin typeface="Cambria Math" panose="02040503050406030204" pitchFamily="18" charset="0"/>
+                                </a:rPr>
+                              </m:ctrlPr>
+                            </m:fPr>
+                            <m:num>
+                              <m:sSub>
+                                <m:sSubPr>
+                                  <m:ctrlPr>
+                                    <a:rPr lang="it-IT" sz="1400" b="0" i="1" smtClean="0">
+                                      <a:solidFill>
+                                        <a:schemeClr val="bg1"/>
+                                      </a:solidFill>
+                                      <a:latin typeface="Cambria Math" panose="02040503050406030204" pitchFamily="18" charset="0"/>
+                                    </a:rPr>
+                                  </m:ctrlPr>
+                                </m:sSubPr>
+                                <m:e>
+                                  <m:r>
+                                    <a:rPr lang="it-IT" sz="1400" b="0" i="1" smtClean="0">
+                                      <a:solidFill>
+                                        <a:schemeClr val="bg1"/>
+                                      </a:solidFill>
+                                      <a:latin typeface="Cambria Math" panose="02040503050406030204" pitchFamily="18" charset="0"/>
+                                      <a:ea typeface="Cambria Math" panose="02040503050406030204" pitchFamily="18" charset="0"/>
+                                    </a:rPr>
+                                    <m:t>𝛼</m:t>
+                                  </m:r>
+                                </m:e>
+                                <m:sub>
+                                  <m:r>
+                                    <a:rPr lang="it-IT" sz="1400" b="0" i="1" smtClean="0">
+                                      <a:solidFill>
+                                        <a:schemeClr val="bg1"/>
+                                      </a:solidFill>
+                                      <a:latin typeface="Cambria Math" panose="02040503050406030204" pitchFamily="18" charset="0"/>
+                                    </a:rPr>
+                                    <m:t>0</m:t>
+                                  </m:r>
+                                </m:sub>
+                              </m:sSub>
+                            </m:num>
+                            <m:den>
+                              <m:r>
+                                <a:rPr lang="it-IT" sz="1400" b="0" i="1" smtClean="0">
+                                  <a:solidFill>
+                                    <a:schemeClr val="bg1"/>
+                                  </a:solidFill>
+                                  <a:latin typeface="Cambria Math" panose="02040503050406030204" pitchFamily="18" charset="0"/>
+                                </a:rPr>
+                                <m:t>2−</m:t>
+                              </m:r>
+                              <m:sSub>
+                                <m:sSubPr>
+                                  <m:ctrlPr>
+                                    <a:rPr lang="it-IT" sz="1400" b="0" i="1" smtClean="0">
+                                      <a:solidFill>
+                                        <a:schemeClr val="bg1"/>
+                                      </a:solidFill>
+                                      <a:latin typeface="Cambria Math" panose="02040503050406030204" pitchFamily="18" charset="0"/>
+                                    </a:rPr>
+                                  </m:ctrlPr>
+                                </m:sSubPr>
+                                <m:e>
+                                  <m:r>
+                                    <a:rPr lang="it-IT" sz="1400" b="0" i="1" smtClean="0">
+                                      <a:solidFill>
+                                        <a:schemeClr val="bg1"/>
+                                      </a:solidFill>
+                                      <a:latin typeface="Cambria Math" panose="02040503050406030204" pitchFamily="18" charset="0"/>
+                                      <a:ea typeface="Cambria Math" panose="02040503050406030204" pitchFamily="18" charset="0"/>
+                                    </a:rPr>
+                                    <m:t>𝛼</m:t>
+                                  </m:r>
+                                </m:e>
+                                <m:sub>
+                                  <m:r>
+                                    <a:rPr lang="it-IT" sz="1400" b="0" i="1" smtClean="0">
+                                      <a:solidFill>
+                                        <a:schemeClr val="bg1"/>
+                                      </a:solidFill>
+                                      <a:latin typeface="Cambria Math" panose="02040503050406030204" pitchFamily="18" charset="0"/>
+                                    </a:rPr>
+                                    <m:t>0</m:t>
+                                  </m:r>
+                                </m:sub>
+                              </m:sSub>
+                            </m:den>
+                          </m:f>
+                        </m:e>
+                      </m:box>
+                    </m:oMath>
+                  </m:oMathPara>
+                </a14:m>
+                <a:endParaRPr lang="it-IT" sz="1400" dirty="0">
+                  <a:solidFill>
+                    <a:schemeClr val="bg1"/>
+                  </a:solidFill>
+                </a:endParaRPr>
+              </a:p>
+            </p:txBody>
+          </p:sp>
+        </mc:Choice>
+        <mc:Fallback>
+          <p:sp>
+            <p:nvSpPr>
+              <p:cNvPr id="15" name="CasellaDiTesto 14">
+                <a:extLst>
+                  <a:ext uri="{FF2B5EF4-FFF2-40B4-BE49-F238E27FC236}">
+                    <a16:creationId xmlns:a16="http://schemas.microsoft.com/office/drawing/2014/main" id="{D538C270-CB09-433C-BCCB-1121E48BB552}"/>
+                  </a:ext>
+                </a:extLst>
+              </p:cNvPr>
+              <p:cNvSpPr txBox="1">
+                <a:spLocks noRot="1" noChangeAspect="1" noMove="1" noResize="1" noEditPoints="1" noAdjustHandles="1" noChangeArrowheads="1" noChangeShapeType="1" noTextEdit="1"/>
+              </p:cNvSpPr>
+              <p:nvPr/>
+            </p:nvSpPr>
+            <p:spPr>
+              <a:xfrm>
+                <a:off x="9882217" y="2848302"/>
+                <a:ext cx="942181" cy="264240"/>
+              </a:xfrm>
+              <a:prstGeom prst="rect">
+                <a:avLst/>
+              </a:prstGeom>
+              <a:blipFill>
+                <a:blip r:embed="rId7"/>
+                <a:stretch>
+                  <a:fillRect l="-3871" b="-11364"/>
+                </a:stretch>
+              </a:blipFill>
+            </p:spPr>
+            <p:txBody>
+              <a:bodyPr/>
+              <a:lstStyle/>
+              <a:p>
+                <a:r>
+                  <a:rPr lang="it-IT">
+                    <a:noFill/>
+                  </a:rPr>
+                  <a:t> </a:t>
+                </a:r>
+              </a:p>
+            </p:txBody>
+          </p:sp>
+        </mc:Fallback>
+      </mc:AlternateContent>
+      <mc:AlternateContent xmlns:mc="http://schemas.openxmlformats.org/markup-compatibility/2006">
+        <mc:Choice xmlns:a14="http://schemas.microsoft.com/office/drawing/2010/main" Requires="a14">
+          <p:sp>
+            <p:nvSpPr>
+              <p:cNvPr id="16" name="Rettangolo 15">
+                <a:extLst>
+                  <a:ext uri="{FF2B5EF4-FFF2-40B4-BE49-F238E27FC236}">
+                    <a16:creationId xmlns:a16="http://schemas.microsoft.com/office/drawing/2014/main" id="{9D730092-98BF-4B22-91CE-062CC541AC6F}"/>
+                  </a:ext>
+                </a:extLst>
+              </p:cNvPr>
+              <p:cNvSpPr/>
+              <p:nvPr/>
+            </p:nvSpPr>
+            <p:spPr>
+              <a:xfrm>
+                <a:off x="9811203" y="3114273"/>
+                <a:ext cx="1084207" cy="386452"/>
+              </a:xfrm>
+              <a:prstGeom prst="rect">
+                <a:avLst/>
+              </a:prstGeom>
+            </p:spPr>
+            <p:txBody>
+              <a:bodyPr wrap="none">
+                <a:spAutoFit/>
+              </a:bodyPr>
+              <a:lstStyle/>
+              <a:p>
+                <a14:m>
+                  <m:oMathPara xmlns:m="http://schemas.openxmlformats.org/officeDocument/2006/math">
+                    <m:oMathParaPr>
+                      <m:jc m:val="centerGroup"/>
+                    </m:oMathParaPr>
+                    <m:oMath xmlns:m="http://schemas.openxmlformats.org/officeDocument/2006/math">
+                      <m:sSub>
+                        <m:sSubPr>
+                          <m:ctrlPr>
+                            <a:rPr lang="it-IT" sz="1400" i="1" smtClean="0">
+                              <a:solidFill>
+                                <a:schemeClr val="bg1"/>
+                              </a:solidFill>
+                              <a:latin typeface="Cambria Math" panose="02040503050406030204" pitchFamily="18" charset="0"/>
+                            </a:rPr>
+                          </m:ctrlPr>
+                        </m:sSubPr>
+                        <m:e>
+                          <m:r>
+                            <a:rPr lang="it-IT" sz="1400" b="0" i="1" smtClean="0">
+                              <a:solidFill>
+                                <a:schemeClr val="bg1"/>
+                              </a:solidFill>
+                              <a:latin typeface="Cambria Math" panose="02040503050406030204" pitchFamily="18" charset="0"/>
+                            </a:rPr>
+                            <m:t>𝑌</m:t>
+                          </m:r>
+                        </m:e>
+                        <m:sub>
+                          <m:acc>
+                            <m:accPr>
+                              <m:chr m:val="̇"/>
+                              <m:ctrlPr>
+                                <a:rPr lang="it-IT" sz="1400" i="1">
+                                  <a:solidFill>
+                                    <a:schemeClr val="bg1"/>
+                                  </a:solidFill>
+                                  <a:latin typeface="Cambria Math" panose="02040503050406030204" pitchFamily="18" charset="0"/>
+                                </a:rPr>
+                              </m:ctrlPr>
+                            </m:accPr>
+                            <m:e>
+                              <m:r>
+                                <a:rPr lang="it-IT" sz="1400" b="0" i="1" smtClean="0">
+                                  <a:solidFill>
+                                    <a:schemeClr val="bg1"/>
+                                  </a:solidFill>
+                                  <a:latin typeface="Cambria Math" panose="02040503050406030204" pitchFamily="18" charset="0"/>
+                                </a:rPr>
+                                <m:t>𝑣</m:t>
+                              </m:r>
+                            </m:e>
+                          </m:acc>
+                        </m:sub>
+                      </m:sSub>
+                      <m:r>
+                        <a:rPr lang="it-IT" sz="1400" i="1">
+                          <a:solidFill>
+                            <a:schemeClr val="bg1"/>
+                          </a:solidFill>
+                          <a:latin typeface="Cambria Math" panose="02040503050406030204" pitchFamily="18" charset="0"/>
+                        </a:rPr>
+                        <m:t>=−</m:t>
+                      </m:r>
+                      <m:box>
+                        <m:boxPr>
+                          <m:ctrlPr>
+                            <a:rPr lang="it-IT" sz="1400" i="1">
+                              <a:solidFill>
+                                <a:schemeClr val="bg1"/>
+                              </a:solidFill>
+                              <a:latin typeface="Cambria Math" panose="02040503050406030204" pitchFamily="18" charset="0"/>
+                            </a:rPr>
+                          </m:ctrlPr>
+                        </m:boxPr>
+                        <m:e>
+                          <m:argPr>
+                            <m:argSz m:val="-1"/>
+                          </m:argPr>
+                          <m:f>
+                            <m:fPr>
+                              <m:ctrlPr>
+                                <a:rPr lang="it-IT" sz="1400" i="1">
+                                  <a:solidFill>
+                                    <a:schemeClr val="bg1"/>
+                                  </a:solidFill>
+                                  <a:latin typeface="Cambria Math" panose="02040503050406030204" pitchFamily="18" charset="0"/>
+                                </a:rPr>
+                              </m:ctrlPr>
+                            </m:fPr>
+                            <m:num>
+                              <m:r>
+                                <a:rPr lang="it-IT" sz="1400" i="1" smtClean="0">
+                                  <a:solidFill>
+                                    <a:schemeClr val="bg1"/>
+                                  </a:solidFill>
+                                  <a:latin typeface="Cambria Math" panose="02040503050406030204" pitchFamily="18" charset="0"/>
+                                  <a:ea typeface="Cambria Math" panose="02040503050406030204" pitchFamily="18" charset="0"/>
+                                </a:rPr>
+                                <m:t>𝛽</m:t>
+                              </m:r>
+                            </m:num>
+                            <m:den>
+                              <m:r>
+                                <a:rPr lang="it-IT" sz="1400" i="1">
+                                  <a:solidFill>
+                                    <a:schemeClr val="bg1"/>
+                                  </a:solidFill>
+                                  <a:latin typeface="Cambria Math" panose="02040503050406030204" pitchFamily="18" charset="0"/>
+                                </a:rPr>
+                                <m:t>2−</m:t>
+                              </m:r>
+                              <m:sSub>
+                                <m:sSubPr>
+                                  <m:ctrlPr>
+                                    <a:rPr lang="it-IT" sz="1400" i="1">
+                                      <a:solidFill>
+                                        <a:schemeClr val="bg1"/>
+                                      </a:solidFill>
+                                      <a:latin typeface="Cambria Math" panose="02040503050406030204" pitchFamily="18" charset="0"/>
+                                    </a:rPr>
+                                  </m:ctrlPr>
+                                </m:sSubPr>
+                                <m:e>
+                                  <m:r>
+                                    <a:rPr lang="it-IT" sz="1400" i="1" smtClean="0">
+                                      <a:solidFill>
+                                        <a:schemeClr val="bg1"/>
+                                      </a:solidFill>
+                                      <a:latin typeface="Cambria Math" panose="02040503050406030204" pitchFamily="18" charset="0"/>
+                                      <a:ea typeface="Cambria Math" panose="02040503050406030204" pitchFamily="18" charset="0"/>
+                                    </a:rPr>
+                                    <m:t>𝛽</m:t>
+                                  </m:r>
+                                </m:e>
+                                <m:sub>
+                                  <m:r>
+                                    <a:rPr lang="it-IT" sz="1400" i="1">
+                                      <a:solidFill>
+                                        <a:schemeClr val="bg1"/>
+                                      </a:solidFill>
+                                      <a:latin typeface="Cambria Math" panose="02040503050406030204" pitchFamily="18" charset="0"/>
+                                    </a:rPr>
+                                    <m:t>0</m:t>
+                                  </m:r>
+                                </m:sub>
+                              </m:sSub>
+                            </m:den>
+                          </m:f>
+                        </m:e>
+                      </m:box>
+                    </m:oMath>
+                  </m:oMathPara>
+                </a14:m>
+                <a:endParaRPr lang="it-IT" sz="1400" dirty="0">
+                  <a:solidFill>
+                    <a:schemeClr val="bg1"/>
+                  </a:solidFill>
+                </a:endParaRPr>
+              </a:p>
+            </p:txBody>
+          </p:sp>
+        </mc:Choice>
+        <mc:Fallback>
+          <p:sp>
+            <p:nvSpPr>
+              <p:cNvPr id="16" name="Rettangolo 15">
+                <a:extLst>
+                  <a:ext uri="{FF2B5EF4-FFF2-40B4-BE49-F238E27FC236}">
+                    <a16:creationId xmlns:a16="http://schemas.microsoft.com/office/drawing/2014/main" id="{9D730092-98BF-4B22-91CE-062CC541AC6F}"/>
+                  </a:ext>
+                </a:extLst>
+              </p:cNvPr>
+              <p:cNvSpPr>
+                <a:spLocks noRot="1" noChangeAspect="1" noMove="1" noResize="1" noEditPoints="1" noAdjustHandles="1" noChangeArrowheads="1" noChangeShapeType="1" noTextEdit="1"/>
+              </p:cNvSpPr>
+              <p:nvPr/>
+            </p:nvSpPr>
+            <p:spPr>
+              <a:xfrm>
+                <a:off x="9811203" y="3114273"/>
+                <a:ext cx="1084207" cy="386452"/>
+              </a:xfrm>
+              <a:prstGeom prst="rect">
+                <a:avLst/>
+              </a:prstGeom>
+              <a:blipFill>
+                <a:blip r:embed="rId8"/>
+                <a:stretch>
+                  <a:fillRect b="-1587"/>
+                </a:stretch>
+              </a:blipFill>
+            </p:spPr>
+            <p:txBody>
+              <a:bodyPr/>
+              <a:lstStyle/>
+              <a:p>
+                <a:r>
+                  <a:rPr lang="it-IT">
+                    <a:noFill/>
+                  </a:rPr>
+                  <a:t> </a:t>
+                </a:r>
+              </a:p>
+            </p:txBody>
+          </p:sp>
+        </mc:Fallback>
+      </mc:AlternateContent>
+      <mc:AlternateContent xmlns:mc="http://schemas.openxmlformats.org/markup-compatibility/2006">
+        <mc:Choice xmlns:a14="http://schemas.microsoft.com/office/drawing/2010/main" Requires="a14">
+          <p:sp>
+            <p:nvSpPr>
+              <p:cNvPr id="17" name="Rettangolo 16">
+                <a:extLst>
+                  <a:ext uri="{FF2B5EF4-FFF2-40B4-BE49-F238E27FC236}">
+                    <a16:creationId xmlns:a16="http://schemas.microsoft.com/office/drawing/2014/main" id="{1F1CE89E-A314-4090-8F10-C5426A5CF301}"/>
+                  </a:ext>
+                </a:extLst>
+              </p:cNvPr>
+              <p:cNvSpPr/>
+              <p:nvPr/>
+            </p:nvSpPr>
+            <p:spPr>
+              <a:xfrm>
+                <a:off x="9811203" y="3517260"/>
+                <a:ext cx="1123063" cy="356572"/>
+              </a:xfrm>
+              <a:prstGeom prst="rect">
+                <a:avLst/>
+              </a:prstGeom>
+            </p:spPr>
+            <p:txBody>
+              <a:bodyPr wrap="none">
+                <a:spAutoFit/>
+              </a:bodyPr>
+              <a:lstStyle/>
+              <a:p>
+                <a14:m>
+                  <m:oMathPara xmlns:m="http://schemas.openxmlformats.org/officeDocument/2006/math">
+                    <m:oMathParaPr>
+                      <m:jc m:val="centerGroup"/>
+                    </m:oMathParaPr>
+                    <m:oMath xmlns:m="http://schemas.openxmlformats.org/officeDocument/2006/math">
+                      <m:sSub>
+                        <m:sSubPr>
+                          <m:ctrlPr>
+                            <a:rPr lang="it-IT" sz="1400" i="1" smtClean="0">
+                              <a:solidFill>
+                                <a:schemeClr val="bg1"/>
+                              </a:solidFill>
+                              <a:latin typeface="Cambria Math" panose="02040503050406030204" pitchFamily="18" charset="0"/>
+                            </a:rPr>
+                          </m:ctrlPr>
+                        </m:sSubPr>
+                        <m:e>
+                          <m:r>
+                            <a:rPr lang="it-IT" sz="1400" b="0" i="1" smtClean="0">
+                              <a:solidFill>
+                                <a:schemeClr val="bg1"/>
+                              </a:solidFill>
+                              <a:latin typeface="Cambria Math" panose="02040503050406030204" pitchFamily="18" charset="0"/>
+                            </a:rPr>
+                            <m:t>𝑍</m:t>
+                          </m:r>
+                        </m:e>
+                        <m:sub>
+                          <m:r>
+                            <a:rPr lang="it-IT" sz="1400" b="0" i="1" smtClean="0">
+                              <a:solidFill>
+                                <a:schemeClr val="bg1"/>
+                              </a:solidFill>
+                              <a:latin typeface="Cambria Math" panose="02040503050406030204" pitchFamily="18" charset="0"/>
+                            </a:rPr>
+                            <m:t>𝑤</m:t>
+                          </m:r>
+                        </m:sub>
+                      </m:sSub>
+                      <m:r>
+                        <a:rPr lang="it-IT" sz="1400" i="1">
+                          <a:solidFill>
+                            <a:schemeClr val="bg1"/>
+                          </a:solidFill>
+                          <a:latin typeface="Cambria Math" panose="02040503050406030204" pitchFamily="18" charset="0"/>
+                        </a:rPr>
+                        <m:t>=−</m:t>
+                      </m:r>
+                      <m:box>
+                        <m:boxPr>
+                          <m:ctrlPr>
+                            <a:rPr lang="it-IT" sz="1400" i="1">
+                              <a:solidFill>
+                                <a:schemeClr val="bg1"/>
+                              </a:solidFill>
+                              <a:latin typeface="Cambria Math" panose="02040503050406030204" pitchFamily="18" charset="0"/>
+                            </a:rPr>
+                          </m:ctrlPr>
+                        </m:boxPr>
+                        <m:e>
+                          <m:argPr>
+                            <m:argSz m:val="-1"/>
+                          </m:argPr>
+                          <m:f>
+                            <m:fPr>
+                              <m:ctrlPr>
+                                <a:rPr lang="it-IT" sz="1400" i="1">
+                                  <a:solidFill>
+                                    <a:schemeClr val="bg1"/>
+                                  </a:solidFill>
+                                  <a:latin typeface="Cambria Math" panose="02040503050406030204" pitchFamily="18" charset="0"/>
+                                </a:rPr>
+                              </m:ctrlPr>
+                            </m:fPr>
+                            <m:num>
+                              <m:sSub>
+                                <m:sSubPr>
+                                  <m:ctrlPr>
+                                    <a:rPr lang="it-IT" sz="1400" i="1">
+                                      <a:solidFill>
+                                        <a:schemeClr val="bg1"/>
+                                      </a:solidFill>
+                                      <a:latin typeface="Cambria Math" panose="02040503050406030204" pitchFamily="18" charset="0"/>
+                                    </a:rPr>
+                                  </m:ctrlPr>
+                                </m:sSubPr>
+                                <m:e>
+                                  <m:r>
+                                    <a:rPr lang="it-IT" sz="1400" i="1" smtClean="0">
+                                      <a:solidFill>
+                                        <a:schemeClr val="bg1"/>
+                                      </a:solidFill>
+                                      <a:latin typeface="Cambria Math" panose="02040503050406030204" pitchFamily="18" charset="0"/>
+                                      <a:ea typeface="Cambria Math" panose="02040503050406030204" pitchFamily="18" charset="0"/>
+                                    </a:rPr>
+                                    <m:t>𝛾</m:t>
+                                  </m:r>
+                                </m:e>
+                                <m:sub>
+                                  <m:r>
+                                    <a:rPr lang="it-IT" sz="1400" i="1">
+                                      <a:solidFill>
+                                        <a:schemeClr val="bg1"/>
+                                      </a:solidFill>
+                                      <a:latin typeface="Cambria Math" panose="02040503050406030204" pitchFamily="18" charset="0"/>
+                                    </a:rPr>
+                                    <m:t>0</m:t>
+                                  </m:r>
+                                </m:sub>
+                              </m:sSub>
+                            </m:num>
+                            <m:den>
+                              <m:r>
+                                <a:rPr lang="it-IT" sz="1400" i="1">
+                                  <a:solidFill>
+                                    <a:schemeClr val="bg1"/>
+                                  </a:solidFill>
+                                  <a:latin typeface="Cambria Math" panose="02040503050406030204" pitchFamily="18" charset="0"/>
+                                </a:rPr>
+                                <m:t>2−</m:t>
+                              </m:r>
+                              <m:sSub>
+                                <m:sSubPr>
+                                  <m:ctrlPr>
+                                    <a:rPr lang="it-IT" sz="1400" i="1">
+                                      <a:solidFill>
+                                        <a:schemeClr val="bg1"/>
+                                      </a:solidFill>
+                                      <a:latin typeface="Cambria Math" panose="02040503050406030204" pitchFamily="18" charset="0"/>
+                                    </a:rPr>
+                                  </m:ctrlPr>
+                                </m:sSubPr>
+                                <m:e>
+                                  <m:r>
+                                    <a:rPr lang="it-IT" sz="1400" i="1" smtClean="0">
+                                      <a:solidFill>
+                                        <a:schemeClr val="bg1"/>
+                                      </a:solidFill>
+                                      <a:latin typeface="Cambria Math" panose="02040503050406030204" pitchFamily="18" charset="0"/>
+                                      <a:ea typeface="Cambria Math" panose="02040503050406030204" pitchFamily="18" charset="0"/>
+                                    </a:rPr>
+                                    <m:t>𝛾</m:t>
+                                  </m:r>
+                                </m:e>
+                                <m:sub>
+                                  <m:r>
+                                    <a:rPr lang="it-IT" sz="1400" i="1">
+                                      <a:solidFill>
+                                        <a:schemeClr val="bg1"/>
+                                      </a:solidFill>
+                                      <a:latin typeface="Cambria Math" panose="02040503050406030204" pitchFamily="18" charset="0"/>
+                                    </a:rPr>
+                                    <m:t>0</m:t>
+                                  </m:r>
+                                </m:sub>
+                              </m:sSub>
+                            </m:den>
+                          </m:f>
+                        </m:e>
+                      </m:box>
+                    </m:oMath>
+                  </m:oMathPara>
+                </a14:m>
+                <a:endParaRPr lang="it-IT" sz="1400" dirty="0">
+                  <a:solidFill>
+                    <a:schemeClr val="bg1"/>
+                  </a:solidFill>
+                </a:endParaRPr>
+              </a:p>
+            </p:txBody>
+          </p:sp>
+        </mc:Choice>
+        <mc:Fallback>
+          <p:sp>
+            <p:nvSpPr>
+              <p:cNvPr id="17" name="Rettangolo 16">
+                <a:extLst>
+                  <a:ext uri="{FF2B5EF4-FFF2-40B4-BE49-F238E27FC236}">
+                    <a16:creationId xmlns:a16="http://schemas.microsoft.com/office/drawing/2014/main" id="{1F1CE89E-A314-4090-8F10-C5426A5CF301}"/>
+                  </a:ext>
+                </a:extLst>
+              </p:cNvPr>
+              <p:cNvSpPr>
+                <a:spLocks noRot="1" noChangeAspect="1" noMove="1" noResize="1" noEditPoints="1" noAdjustHandles="1" noChangeArrowheads="1" noChangeShapeType="1" noTextEdit="1"/>
+              </p:cNvSpPr>
+              <p:nvPr/>
+            </p:nvSpPr>
+            <p:spPr>
+              <a:xfrm>
+                <a:off x="9811203" y="3517260"/>
+                <a:ext cx="1123063" cy="356572"/>
+              </a:xfrm>
+              <a:prstGeom prst="rect">
+                <a:avLst/>
+              </a:prstGeom>
+              <a:blipFill>
+                <a:blip r:embed="rId9"/>
+                <a:stretch>
+                  <a:fillRect/>
+                </a:stretch>
+              </a:blipFill>
+            </p:spPr>
+            <p:txBody>
+              <a:bodyPr/>
+              <a:lstStyle/>
+              <a:p>
+                <a:r>
+                  <a:rPr lang="it-IT">
+                    <a:noFill/>
+                  </a:rPr>
+                  <a:t> </a:t>
+                </a:r>
+              </a:p>
+            </p:txBody>
+          </p:sp>
+        </mc:Fallback>
+      </mc:AlternateContent>
+      <mc:AlternateContent xmlns:mc="http://schemas.openxmlformats.org/markup-compatibility/2006">
+        <mc:Choice xmlns:a14="http://schemas.microsoft.com/office/drawing/2010/main" Requires="a14">
+          <p:sp>
+            <p:nvSpPr>
+              <p:cNvPr id="19" name="CasellaDiTesto 18">
+                <a:extLst>
+                  <a:ext uri="{FF2B5EF4-FFF2-40B4-BE49-F238E27FC236}">
+                    <a16:creationId xmlns:a16="http://schemas.microsoft.com/office/drawing/2014/main" id="{809467A3-0821-4987-827C-9AE523DEF875}"/>
+                  </a:ext>
+                </a:extLst>
+              </p:cNvPr>
+              <p:cNvSpPr txBox="1"/>
+              <p:nvPr/>
+            </p:nvSpPr>
+            <p:spPr>
+              <a:xfrm>
+                <a:off x="2758354" y="1248491"/>
+                <a:ext cx="5599522" cy="492443"/>
+              </a:xfrm>
+              <a:prstGeom prst="rect">
+                <a:avLst/>
+              </a:prstGeom>
+              <a:noFill/>
+            </p:spPr>
+            <p:txBody>
+              <a:bodyPr wrap="square" lIns="0" tIns="0" rIns="0" bIns="0" rtlCol="0">
+                <a:spAutoFit/>
+              </a:bodyPr>
+              <a:lstStyle/>
+              <a:p>
+                <a14:m>
+                  <m:oMath xmlns:m="http://schemas.openxmlformats.org/officeDocument/2006/math">
+                    <m:r>
+                      <a:rPr lang="it-IT" sz="3200" b="0" i="1" smtClean="0">
+                        <a:solidFill>
+                          <a:schemeClr val="bg1"/>
+                        </a:solidFill>
+                        <a:latin typeface="Cambria Math" panose="02040503050406030204" pitchFamily="18" charset="0"/>
+                      </a:rPr>
+                      <m:t>𝑀</m:t>
+                    </m:r>
+                    <m:acc>
+                      <m:accPr>
+                        <m:chr m:val="̇"/>
+                        <m:ctrlPr>
+                          <a:rPr lang="it-IT" sz="3200" b="0" i="1" smtClean="0">
+                            <a:solidFill>
+                              <a:schemeClr val="bg1"/>
+                            </a:solidFill>
+                            <a:latin typeface="Cambria Math" panose="02040503050406030204" pitchFamily="18" charset="0"/>
+                          </a:rPr>
+                        </m:ctrlPr>
+                      </m:accPr>
+                      <m:e>
+                        <m:r>
+                          <a:rPr lang="it-IT" sz="3200" i="1" dirty="0">
+                            <a:solidFill>
+                              <a:schemeClr val="bg1"/>
+                            </a:solidFill>
+                            <a:latin typeface="Cambria Math" panose="02040503050406030204" pitchFamily="18" charset="0"/>
+                          </a:rPr>
+                          <m:t>𝜈</m:t>
+                        </m:r>
+                      </m:e>
+                    </m:acc>
+                  </m:oMath>
+                </a14:m>
+                <a:r>
+                  <a:rPr lang="it-IT" sz="3200" dirty="0">
+                    <a:solidFill>
+                      <a:schemeClr val="bg1"/>
+                    </a:solidFill>
+                  </a:rPr>
+                  <a:t>+ </a:t>
+                </a:r>
+                <a14:m>
+                  <m:oMath xmlns:m="http://schemas.openxmlformats.org/officeDocument/2006/math">
+                    <m:r>
+                      <a:rPr lang="it-IT" sz="3200" i="1">
+                        <a:solidFill>
+                          <a:schemeClr val="bg1"/>
+                        </a:solidFill>
+                        <a:latin typeface="Cambria Math" panose="02040503050406030204" pitchFamily="18" charset="0"/>
+                      </a:rPr>
+                      <m:t>𝐶</m:t>
+                    </m:r>
+                    <m:d>
+                      <m:dPr>
+                        <m:ctrlPr>
+                          <a:rPr lang="it-IT" sz="3200" i="1" smtClean="0">
+                            <a:solidFill>
+                              <a:schemeClr val="bg1"/>
+                            </a:solidFill>
+                            <a:latin typeface="Cambria Math" panose="02040503050406030204" pitchFamily="18" charset="0"/>
+                          </a:rPr>
+                        </m:ctrlPr>
+                      </m:dPr>
+                      <m:e>
+                        <m:r>
+                          <a:rPr lang="it-IT" sz="3200" i="1" dirty="0">
+                            <a:solidFill>
+                              <a:schemeClr val="bg1"/>
+                            </a:solidFill>
+                            <a:latin typeface="Cambria Math" panose="02040503050406030204" pitchFamily="18" charset="0"/>
+                          </a:rPr>
+                          <m:t>𝜈</m:t>
+                        </m:r>
+                      </m:e>
+                    </m:d>
+                    <m:r>
+                      <a:rPr lang="it-IT" sz="3200" i="1" dirty="0">
+                        <a:solidFill>
+                          <a:schemeClr val="bg1"/>
+                        </a:solidFill>
+                        <a:latin typeface="Cambria Math" panose="02040503050406030204" pitchFamily="18" charset="0"/>
+                      </a:rPr>
+                      <m:t>𝜈</m:t>
+                    </m:r>
+                  </m:oMath>
+                </a14:m>
+                <a:r>
+                  <a:rPr lang="it-IT" sz="3200" dirty="0">
+                    <a:solidFill>
+                      <a:schemeClr val="bg1"/>
+                    </a:solidFill>
+                  </a:rPr>
+                  <a:t>+ </a:t>
+                </a:r>
+                <a14:m>
+                  <m:oMath xmlns:m="http://schemas.openxmlformats.org/officeDocument/2006/math">
+                    <m:r>
+                      <a:rPr lang="it-IT" sz="3200" i="1">
+                        <a:solidFill>
+                          <a:schemeClr val="bg1"/>
+                        </a:solidFill>
+                        <a:latin typeface="Cambria Math" panose="02040503050406030204" pitchFamily="18" charset="0"/>
+                      </a:rPr>
+                      <m:t>𝐷</m:t>
+                    </m:r>
+                    <m:d>
+                      <m:dPr>
+                        <m:ctrlPr>
+                          <a:rPr lang="it-IT" sz="3200" i="1">
+                            <a:solidFill>
+                              <a:schemeClr val="bg1"/>
+                            </a:solidFill>
+                            <a:latin typeface="Cambria Math" panose="02040503050406030204" pitchFamily="18" charset="0"/>
+                          </a:rPr>
+                        </m:ctrlPr>
+                      </m:dPr>
+                      <m:e>
+                        <m:r>
+                          <a:rPr lang="it-IT" sz="3200" i="1" dirty="0">
+                            <a:solidFill>
+                              <a:schemeClr val="bg1"/>
+                            </a:solidFill>
+                            <a:latin typeface="Cambria Math" panose="02040503050406030204" pitchFamily="18" charset="0"/>
+                          </a:rPr>
+                          <m:t>𝜈</m:t>
+                        </m:r>
+                      </m:e>
+                    </m:d>
+                    <m:r>
+                      <a:rPr lang="it-IT" sz="3200" i="1" dirty="0">
+                        <a:solidFill>
+                          <a:schemeClr val="bg1"/>
+                        </a:solidFill>
+                        <a:latin typeface="Cambria Math" panose="02040503050406030204" pitchFamily="18" charset="0"/>
+                      </a:rPr>
+                      <m:t>𝜈</m:t>
+                    </m:r>
+                  </m:oMath>
+                </a14:m>
+                <a:r>
+                  <a:rPr lang="it-IT" sz="3200" dirty="0">
+                    <a:solidFill>
+                      <a:schemeClr val="bg1"/>
+                    </a:solidFill>
+                  </a:rPr>
+                  <a:t>+ </a:t>
+                </a:r>
+                <a14:m>
+                  <m:oMath xmlns:m="http://schemas.openxmlformats.org/officeDocument/2006/math">
+                    <m:r>
+                      <a:rPr lang="it-IT" sz="3200" i="1">
+                        <a:solidFill>
+                          <a:schemeClr val="bg1"/>
+                        </a:solidFill>
+                        <a:latin typeface="Cambria Math" panose="02040503050406030204" pitchFamily="18" charset="0"/>
+                      </a:rPr>
+                      <m:t>𝑔</m:t>
+                    </m:r>
+                    <m:d>
+                      <m:dPr>
+                        <m:ctrlPr>
+                          <a:rPr lang="it-IT" sz="3200" i="1">
+                            <a:solidFill>
+                              <a:schemeClr val="bg1"/>
+                            </a:solidFill>
+                            <a:latin typeface="Cambria Math" panose="02040503050406030204" pitchFamily="18" charset="0"/>
+                          </a:rPr>
+                        </m:ctrlPr>
+                      </m:dPr>
+                      <m:e>
+                        <m:r>
+                          <m:rPr>
+                            <m:nor/>
+                          </m:rPr>
+                          <a:rPr lang="it-IT" sz="3200" dirty="0">
+                            <a:solidFill>
+                              <a:schemeClr val="bg1"/>
+                            </a:solidFill>
+                          </a:rPr>
+                          <m:t>η</m:t>
+                        </m:r>
+                      </m:e>
+                    </m:d>
+                    <m:r>
+                      <m:rPr>
+                        <m:nor/>
+                      </m:rPr>
+                      <a:rPr lang="it-IT" sz="3200" dirty="0">
+                        <a:solidFill>
+                          <a:schemeClr val="bg1"/>
+                        </a:solidFill>
+                      </a:rPr>
+                      <m:t> </m:t>
+                    </m:r>
+                  </m:oMath>
+                </a14:m>
+                <a:r>
+                  <a:rPr lang="it-IT" sz="3200" dirty="0">
+                    <a:solidFill>
+                      <a:schemeClr val="bg1"/>
+                    </a:solidFill>
+                  </a:rPr>
+                  <a:t> = </a:t>
+                </a:r>
+                <a14:m>
+                  <m:oMath xmlns:m="http://schemas.openxmlformats.org/officeDocument/2006/math">
+                    <m:r>
+                      <a:rPr lang="it-IT" sz="3200" i="1">
+                        <a:solidFill>
+                          <a:schemeClr val="bg1"/>
+                        </a:solidFill>
+                        <a:latin typeface="Cambria Math" panose="02040503050406030204" pitchFamily="18" charset="0"/>
+                        <a:ea typeface="Cambria Math" panose="02040503050406030204" pitchFamily="18" charset="0"/>
+                      </a:rPr>
+                      <m:t>𝜏</m:t>
+                    </m:r>
+                  </m:oMath>
+                </a14:m>
+                <a:endParaRPr lang="it-IT" sz="3200" dirty="0">
+                  <a:solidFill>
+                    <a:schemeClr val="bg1"/>
+                  </a:solidFill>
+                </a:endParaRPr>
+              </a:p>
+            </p:txBody>
+          </p:sp>
+        </mc:Choice>
+        <mc:Fallback>
+          <p:sp>
+            <p:nvSpPr>
+              <p:cNvPr id="19" name="CasellaDiTesto 18">
+                <a:extLst>
+                  <a:ext uri="{FF2B5EF4-FFF2-40B4-BE49-F238E27FC236}">
+                    <a16:creationId xmlns:a16="http://schemas.microsoft.com/office/drawing/2014/main" id="{809467A3-0821-4987-827C-9AE523DEF875}"/>
+                  </a:ext>
+                </a:extLst>
+              </p:cNvPr>
+              <p:cNvSpPr txBox="1">
+                <a:spLocks noRot="1" noChangeAspect="1" noMove="1" noResize="1" noEditPoints="1" noAdjustHandles="1" noChangeArrowheads="1" noChangeShapeType="1" noTextEdit="1"/>
+              </p:cNvSpPr>
+              <p:nvPr/>
+            </p:nvSpPr>
+            <p:spPr>
+              <a:xfrm>
+                <a:off x="2758354" y="1248491"/>
+                <a:ext cx="5599522" cy="492443"/>
+              </a:xfrm>
+              <a:prstGeom prst="rect">
+                <a:avLst/>
+              </a:prstGeom>
+              <a:blipFill>
+                <a:blip r:embed="rId10"/>
+                <a:stretch>
+                  <a:fillRect t="-24691" b="-49383"/>
+                </a:stretch>
+              </a:blipFill>
+            </p:spPr>
+            <p:txBody>
+              <a:bodyPr/>
+              <a:lstStyle/>
+              <a:p>
+                <a:r>
+                  <a:rPr lang="it-IT">
+                    <a:noFill/>
+                  </a:rPr>
+                  <a:t> </a:t>
+                </a:r>
+              </a:p>
+            </p:txBody>
+          </p:sp>
+        </mc:Fallback>
+      </mc:AlternateContent>
     </p:spTree>
     <p:extLst>
       <p:ext uri="{BB962C8B-B14F-4D97-AF65-F5344CB8AC3E}">

--- a/presentazione.pptx
+++ b/presentazione.pptx
@@ -5,7 +5,7 @@
     <p:sldMasterId id="2147483716" r:id="rId1"/>
   </p:sldMasterIdLst>
   <p:notesMasterIdLst>
-    <p:notesMasterId r:id="rId15"/>
+    <p:notesMasterId r:id="rId16"/>
   </p:notesMasterIdLst>
   <p:sldIdLst>
     <p:sldId id="256" r:id="rId2"/>
@@ -14,13 +14,14 @@
     <p:sldId id="264" r:id="rId5"/>
     <p:sldId id="272" r:id="rId6"/>
     <p:sldId id="274" r:id="rId7"/>
-    <p:sldId id="275" r:id="rId8"/>
-    <p:sldId id="278" r:id="rId9"/>
-    <p:sldId id="276" r:id="rId10"/>
-    <p:sldId id="281" r:id="rId11"/>
-    <p:sldId id="282" r:id="rId12"/>
-    <p:sldId id="283" r:id="rId13"/>
-    <p:sldId id="284" r:id="rId14"/>
+    <p:sldId id="285" r:id="rId8"/>
+    <p:sldId id="275" r:id="rId9"/>
+    <p:sldId id="278" r:id="rId10"/>
+    <p:sldId id="276" r:id="rId11"/>
+    <p:sldId id="281" r:id="rId12"/>
+    <p:sldId id="282" r:id="rId13"/>
+    <p:sldId id="283" r:id="rId14"/>
+    <p:sldId id="284" r:id="rId15"/>
   </p:sldIdLst>
   <p:sldSz cx="12192000" cy="6858000"/>
   <p:notesSz cx="6858000" cy="9144000"/>
@@ -134,6 +135,7 @@
             <p14:sldId id="264"/>
             <p14:sldId id="272"/>
             <p14:sldId id="274"/>
+            <p14:sldId id="285"/>
             <p14:sldId id="275"/>
             <p14:sldId id="278"/>
             <p14:sldId id="276"/>
@@ -234,7 +236,7 @@
           <a:p>
             <a:fld id="{F3D5F453-40FB-4DD9-B536-90A4813DB008}" type="datetimeFigureOut">
               <a:rPr lang="it-IT" smtClean="0"/>
-              <a:t>06/06/2020</a:t>
+              <a:t>07/06/2020</a:t>
             </a:fld>
             <a:endParaRPr lang="it-IT"/>
           </a:p>
@@ -648,7 +650,7 @@
           <a:p>
             <a:fld id="{7D3160D3-3861-4FF2-AB94-7D20E130CF06}" type="datetime1">
               <a:rPr lang="en-US" smtClean="0"/>
-              <a:t>6/6/2020</a:t>
+              <a:t>6/7/2020</a:t>
             </a:fld>
             <a:endParaRPr lang="en-US" dirty="0"/>
           </a:p>
@@ -1107,7 +1109,7 @@
           <a:p>
             <a:fld id="{30FE4783-CD2E-42C9-93B9-DF5E323382DC}" type="datetime1">
               <a:rPr lang="en-US" smtClean="0"/>
-              <a:t>6/6/2020</a:t>
+              <a:t>6/7/2020</a:t>
             </a:fld>
             <a:endParaRPr lang="en-US" dirty="0"/>
           </a:p>
@@ -1607,8 +1609,8 @@
         </p:blipFill>
         <p:spPr>
           <a:xfrm>
-            <a:off x="0" y="-11"/>
-            <a:ext cx="12217138" cy="6872141"/>
+            <a:off x="0" y="14129"/>
+            <a:ext cx="12192000" cy="6858001"/>
           </a:xfrm>
           <a:prstGeom prst="rect">
             <a:avLst/>
@@ -1862,42 +1864,6 @@
           </a:p>
         </p:txBody>
       </p:sp>
-      <p:pic>
-        <p:nvPicPr>
-          <p:cNvPr id="10" name="Immagine 9">
-            <a:extLst>
-              <a:ext uri="{FF2B5EF4-FFF2-40B4-BE49-F238E27FC236}">
-                <a16:creationId xmlns:a16="http://schemas.microsoft.com/office/drawing/2014/main" id="{70EE7696-D52A-438C-88D6-51EFB842C53B}"/>
-              </a:ext>
-            </a:extLst>
-          </p:cNvPr>
-          <p:cNvPicPr>
-            <a:picLocks noChangeAspect="1"/>
-          </p:cNvPicPr>
-          <p:nvPr/>
-        </p:nvPicPr>
-        <p:blipFill>
-          <a:blip r:embed="rId3">
-            <a:extLst>
-              <a:ext uri="{28A0092B-C50C-407E-A947-70E740481C1C}">
-                <a14:useLocalDpi xmlns:a14="http://schemas.microsoft.com/office/drawing/2010/main" val="0"/>
-              </a:ext>
-            </a:extLst>
-          </a:blip>
-          <a:stretch>
-            <a:fillRect/>
-          </a:stretch>
-        </p:blipFill>
-        <p:spPr>
-          <a:xfrm>
-            <a:off x="6391276" y="321230"/>
-            <a:ext cx="5538054" cy="4174570"/>
-          </a:xfrm>
-          <a:prstGeom prst="rect">
-            <a:avLst/>
-          </a:prstGeom>
-        </p:spPr>
-      </p:pic>
     </p:spTree>
     <p:extLst>
       <p:ext uri="{BB962C8B-B14F-4D97-AF65-F5344CB8AC3E}">
@@ -2004,7 +1970,7 @@
           <a:p>
             <a:r>
               <a:rPr lang="en-US" dirty="0"/>
-              <a:t>10</a:t>
+              <a:t>9</a:t>
             </a:r>
           </a:p>
         </p:txBody>
@@ -2051,6 +2017,78 @@
           </a:p>
         </p:txBody>
       </p:sp>
+      <p:pic>
+        <p:nvPicPr>
+          <p:cNvPr id="5" name="Immagine 4" descr="Immagine che contiene mappa&#10;&#10;Descrizione generata automaticamente">
+            <a:extLst>
+              <a:ext uri="{FF2B5EF4-FFF2-40B4-BE49-F238E27FC236}">
+                <a16:creationId xmlns:a16="http://schemas.microsoft.com/office/drawing/2014/main" id="{8C40B54F-BF43-40BC-8D32-7EFA13098136}"/>
+              </a:ext>
+            </a:extLst>
+          </p:cNvPr>
+          <p:cNvPicPr>
+            <a:picLocks noChangeAspect="1"/>
+          </p:cNvPicPr>
+          <p:nvPr/>
+        </p:nvPicPr>
+        <p:blipFill>
+          <a:blip r:embed="rId3">
+            <a:extLst>
+              <a:ext uri="{28A0092B-C50C-407E-A947-70E740481C1C}">
+                <a14:useLocalDpi xmlns:a14="http://schemas.microsoft.com/office/drawing/2010/main" val="0"/>
+              </a:ext>
+            </a:extLst>
+          </a:blip>
+          <a:stretch>
+            <a:fillRect/>
+          </a:stretch>
+        </p:blipFill>
+        <p:spPr>
+          <a:xfrm>
+            <a:off x="5875340" y="1616812"/>
+            <a:ext cx="4515440" cy="2201277"/>
+          </a:xfrm>
+          <a:prstGeom prst="rect">
+            <a:avLst/>
+          </a:prstGeom>
+        </p:spPr>
+      </p:pic>
+      <p:pic>
+        <p:nvPicPr>
+          <p:cNvPr id="7" name="Immagine 6" descr="Immagine che contiene mappa&#10;&#10;Descrizione generata automaticamente">
+            <a:extLst>
+              <a:ext uri="{FF2B5EF4-FFF2-40B4-BE49-F238E27FC236}">
+                <a16:creationId xmlns:a16="http://schemas.microsoft.com/office/drawing/2014/main" id="{CB75411F-FD37-42AC-855B-955C6083D932}"/>
+              </a:ext>
+            </a:extLst>
+          </p:cNvPr>
+          <p:cNvPicPr>
+            <a:picLocks noChangeAspect="1"/>
+          </p:cNvPicPr>
+          <p:nvPr/>
+        </p:nvPicPr>
+        <p:blipFill>
+          <a:blip r:embed="rId4">
+            <a:extLst>
+              <a:ext uri="{28A0092B-C50C-407E-A947-70E740481C1C}">
+                <a14:useLocalDpi xmlns:a14="http://schemas.microsoft.com/office/drawing/2010/main" val="0"/>
+              </a:ext>
+            </a:extLst>
+          </a:blip>
+          <a:stretch>
+            <a:fillRect/>
+          </a:stretch>
+        </p:blipFill>
+        <p:spPr>
+          <a:xfrm>
+            <a:off x="5875340" y="4144242"/>
+            <a:ext cx="4515441" cy="2201278"/>
+          </a:xfrm>
+          <a:prstGeom prst="rect">
+            <a:avLst/>
+          </a:prstGeom>
+        </p:spPr>
+      </p:pic>
       <p:graphicFrame>
         <p:nvGraphicFramePr>
           <p:cNvPr id="8" name="Tabella 9">
@@ -2066,7 +2104,770 @@
           <p:nvPr>
             <p:extLst>
               <p:ext uri="{D42A27DB-BD31-4B8C-83A1-F6EECF244321}">
-                <p14:modId xmlns:p14="http://schemas.microsoft.com/office/powerpoint/2010/main" val="1598647294"/>
+                <p14:modId xmlns:p14="http://schemas.microsoft.com/office/powerpoint/2010/main" val="308897410"/>
+              </p:ext>
+            </p:extLst>
+          </p:nvPr>
+        </p:nvGraphicFramePr>
+        <p:xfrm>
+          <a:off x="425569" y="1651788"/>
+          <a:ext cx="4395324" cy="4427989"/>
+        </p:xfrm>
+        <a:graphic>
+          <a:graphicData uri="http://schemas.openxmlformats.org/drawingml/2006/table">
+            <a:tbl>
+              <a:tblPr firstRow="1" bandRow="1">
+                <a:tableStyleId>{5C22544A-7EE6-4342-B048-85BDC9FD1C3A}</a:tableStyleId>
+              </a:tblPr>
+              <a:tblGrid>
+                <a:gridCol w="1379570">
+                  <a:extLst>
+                    <a:ext uri="{9D8B030D-6E8A-4147-A177-3AD203B41FA5}">
+                      <a16:colId xmlns:a16="http://schemas.microsoft.com/office/drawing/2014/main" val="1735219898"/>
+                    </a:ext>
+                  </a:extLst>
+                </a:gridCol>
+                <a:gridCol w="1507877">
+                  <a:extLst>
+                    <a:ext uri="{9D8B030D-6E8A-4147-A177-3AD203B41FA5}">
+                      <a16:colId xmlns:a16="http://schemas.microsoft.com/office/drawing/2014/main" val="3330979704"/>
+                    </a:ext>
+                  </a:extLst>
+                </a:gridCol>
+                <a:gridCol w="1507877">
+                  <a:extLst>
+                    <a:ext uri="{9D8B030D-6E8A-4147-A177-3AD203B41FA5}">
+                      <a16:colId xmlns:a16="http://schemas.microsoft.com/office/drawing/2014/main" val="2676101486"/>
+                    </a:ext>
+                  </a:extLst>
+                </a:gridCol>
+              </a:tblGrid>
+              <a:tr h="621647">
+                <a:tc>
+                  <a:txBody>
+                    <a:bodyPr/>
+                    <a:lstStyle/>
+                    <a:p>
+                      <a:pPr algn="ctr"/>
+                      <a:r>
+                        <a:rPr lang="it-IT" dirty="0">
+                          <a:solidFill>
+                            <a:schemeClr val="bg1"/>
+                          </a:solidFill>
+                        </a:rPr>
+                        <a:t>MOTO</a:t>
+                      </a:r>
+                    </a:p>
+                  </a:txBody>
+                  <a:tcPr>
+                    <a:noFill/>
+                  </a:tcPr>
+                </a:tc>
+                <a:tc>
+                  <a:txBody>
+                    <a:bodyPr/>
+                    <a:lstStyle/>
+                    <a:p>
+                      <a:pPr algn="ctr"/>
+                      <a:r>
+                        <a:rPr lang="it-IT" dirty="0">
+                          <a:solidFill>
+                            <a:schemeClr val="bg1"/>
+                          </a:solidFill>
+                        </a:rPr>
+                        <a:t>THRUSTERS</a:t>
+                      </a:r>
+                    </a:p>
+                  </a:txBody>
+                  <a:tcPr>
+                    <a:noFill/>
+                  </a:tcPr>
+                </a:tc>
+                <a:tc>
+                  <a:txBody>
+                    <a:bodyPr/>
+                    <a:lstStyle/>
+                    <a:p>
+                      <a:pPr algn="ctr"/>
+                      <a:r>
+                        <a:rPr lang="it-IT" dirty="0">
+                          <a:solidFill>
+                            <a:schemeClr val="bg1"/>
+                          </a:solidFill>
+                        </a:rPr>
+                        <a:t>VELOCITA’ (</a:t>
+                      </a:r>
+                      <a:r>
+                        <a:rPr lang="it-IT" dirty="0" err="1">
+                          <a:solidFill>
+                            <a:schemeClr val="bg1"/>
+                          </a:solidFill>
+                        </a:rPr>
+                        <a:t>rad</a:t>
+                      </a:r>
+                      <a:r>
+                        <a:rPr lang="it-IT" dirty="0">
+                          <a:solidFill>
+                            <a:schemeClr val="bg1"/>
+                          </a:solidFill>
+                        </a:rPr>
+                        <a:t>/s)</a:t>
+                      </a:r>
+                    </a:p>
+                  </a:txBody>
+                  <a:tcPr>
+                    <a:noFill/>
+                  </a:tcPr>
+                </a:tc>
+                <a:extLst>
+                  <a:ext uri="{0D108BD9-81ED-4DB2-BD59-A6C34878D82A}">
+                    <a16:rowId xmlns:a16="http://schemas.microsoft.com/office/drawing/2014/main" val="3132726987"/>
+                  </a:ext>
+                </a:extLst>
+              </a:tr>
+              <a:tr h="932035">
+                <a:tc rowSpan="2">
+                  <a:txBody>
+                    <a:bodyPr/>
+                    <a:lstStyle/>
+                    <a:p>
+                      <a:pPr algn="ctr"/>
+                      <a:endParaRPr lang="it-IT" dirty="0">
+                        <a:solidFill>
+                          <a:schemeClr val="bg1"/>
+                        </a:solidFill>
+                      </a:endParaRPr>
+                    </a:p>
+                    <a:p>
+                      <a:pPr algn="ctr"/>
+                      <a:endParaRPr lang="it-IT" dirty="0">
+                        <a:solidFill>
+                          <a:schemeClr val="bg1"/>
+                        </a:solidFill>
+                      </a:endParaRPr>
+                    </a:p>
+                    <a:p>
+                      <a:pPr algn="ctr"/>
+                      <a:r>
+                        <a:rPr lang="it-IT" dirty="0" err="1">
+                          <a:solidFill>
+                            <a:schemeClr val="bg1"/>
+                          </a:solidFill>
+                        </a:rPr>
+                        <a:t>Surge</a:t>
+                      </a:r>
+                      <a:endParaRPr lang="it-IT" dirty="0">
+                        <a:solidFill>
+                          <a:schemeClr val="bg1"/>
+                        </a:solidFill>
+                      </a:endParaRPr>
+                    </a:p>
+                  </a:txBody>
+                  <a:tcPr>
+                    <a:noFill/>
+                  </a:tcPr>
+                </a:tc>
+                <a:tc>
+                  <a:txBody>
+                    <a:bodyPr/>
+                    <a:lstStyle/>
+                    <a:p>
+                      <a:pPr algn="ctr"/>
+                      <a:endParaRPr lang="it-IT" dirty="0">
+                        <a:solidFill>
+                          <a:schemeClr val="bg1"/>
+                        </a:solidFill>
+                      </a:endParaRPr>
+                    </a:p>
+                    <a:p>
+                      <a:pPr algn="ctr"/>
+                      <a:r>
+                        <a:rPr lang="it-IT" dirty="0">
+                          <a:solidFill>
+                            <a:schemeClr val="bg1"/>
+                          </a:solidFill>
+                        </a:rPr>
+                        <a:t>1</a:t>
+                      </a:r>
+                    </a:p>
+                    <a:p>
+                      <a:pPr algn="ctr"/>
+                      <a:endParaRPr lang="it-IT" dirty="0">
+                        <a:solidFill>
+                          <a:schemeClr val="bg1"/>
+                        </a:solidFill>
+                      </a:endParaRPr>
+                    </a:p>
+                  </a:txBody>
+                  <a:tcPr>
+                    <a:noFill/>
+                  </a:tcPr>
+                </a:tc>
+                <a:tc>
+                  <a:txBody>
+                    <a:bodyPr/>
+                    <a:lstStyle/>
+                    <a:p>
+                      <a:pPr algn="ctr"/>
+                      <a:endParaRPr lang="it-IT" dirty="0">
+                        <a:solidFill>
+                          <a:schemeClr val="bg1"/>
+                        </a:solidFill>
+                      </a:endParaRPr>
+                    </a:p>
+                    <a:p>
+                      <a:pPr algn="ctr"/>
+                      <a:r>
+                        <a:rPr lang="it-IT" dirty="0">
+                          <a:solidFill>
+                            <a:schemeClr val="bg1"/>
+                          </a:solidFill>
+                        </a:rPr>
+                        <a:t>100</a:t>
+                      </a:r>
+                    </a:p>
+                    <a:p>
+                      <a:pPr algn="ctr"/>
+                      <a:endParaRPr lang="it-IT" dirty="0">
+                        <a:solidFill>
+                          <a:schemeClr val="bg1"/>
+                        </a:solidFill>
+                      </a:endParaRPr>
+                    </a:p>
+                  </a:txBody>
+                  <a:tcPr>
+                    <a:noFill/>
+                  </a:tcPr>
+                </a:tc>
+                <a:extLst>
+                  <a:ext uri="{0D108BD9-81ED-4DB2-BD59-A6C34878D82A}">
+                    <a16:rowId xmlns:a16="http://schemas.microsoft.com/office/drawing/2014/main" val="4013101600"/>
+                  </a:ext>
+                </a:extLst>
+              </a:tr>
+              <a:tr h="737302">
+                <a:tc vMerge="1">
+                  <a:txBody>
+                    <a:bodyPr/>
+                    <a:lstStyle/>
+                    <a:p>
+                      <a:endParaRPr lang="it-IT"/>
+                    </a:p>
+                  </a:txBody>
+                  <a:tcPr/>
+                </a:tc>
+                <a:tc>
+                  <a:txBody>
+                    <a:bodyPr/>
+                    <a:lstStyle/>
+                    <a:p>
+                      <a:pPr algn="ctr"/>
+                      <a:endParaRPr lang="it-IT" dirty="0">
+                        <a:solidFill>
+                          <a:schemeClr val="bg1"/>
+                        </a:solidFill>
+                      </a:endParaRPr>
+                    </a:p>
+                    <a:p>
+                      <a:pPr algn="ctr"/>
+                      <a:r>
+                        <a:rPr lang="it-IT" dirty="0">
+                          <a:solidFill>
+                            <a:schemeClr val="bg1"/>
+                          </a:solidFill>
+                        </a:rPr>
+                        <a:t>2</a:t>
+                      </a:r>
+                    </a:p>
+                    <a:p>
+                      <a:pPr algn="ctr"/>
+                      <a:endParaRPr lang="it-IT" dirty="0"/>
+                    </a:p>
+                  </a:txBody>
+                  <a:tcPr>
+                    <a:noFill/>
+                  </a:tcPr>
+                </a:tc>
+                <a:tc>
+                  <a:txBody>
+                    <a:bodyPr/>
+                    <a:lstStyle/>
+                    <a:p>
+                      <a:pPr algn="ctr"/>
+                      <a:endParaRPr lang="it-IT" dirty="0">
+                        <a:solidFill>
+                          <a:schemeClr val="bg1"/>
+                        </a:solidFill>
+                      </a:endParaRPr>
+                    </a:p>
+                    <a:p>
+                      <a:pPr algn="ctr"/>
+                      <a:r>
+                        <a:rPr lang="it-IT" dirty="0">
+                          <a:solidFill>
+                            <a:schemeClr val="bg1"/>
+                          </a:solidFill>
+                        </a:rPr>
+                        <a:t>100</a:t>
+                      </a:r>
+                    </a:p>
+                  </a:txBody>
+                  <a:tcPr>
+                    <a:noFill/>
+                  </a:tcPr>
+                </a:tc>
+                <a:extLst>
+                  <a:ext uri="{0D108BD9-81ED-4DB2-BD59-A6C34878D82A}">
+                    <a16:rowId xmlns:a16="http://schemas.microsoft.com/office/drawing/2014/main" val="2528507620"/>
+                  </a:ext>
+                </a:extLst>
+              </a:tr>
+              <a:tr h="892004">
+                <a:tc rowSpan="2">
+                  <a:txBody>
+                    <a:bodyPr/>
+                    <a:lstStyle/>
+                    <a:p>
+                      <a:pPr algn="ctr"/>
+                      <a:endParaRPr lang="it-IT" dirty="0">
+                        <a:solidFill>
+                          <a:schemeClr val="bg1"/>
+                        </a:solidFill>
+                      </a:endParaRPr>
+                    </a:p>
+                    <a:p>
+                      <a:pPr algn="ctr"/>
+                      <a:endParaRPr lang="it-IT" dirty="0">
+                        <a:solidFill>
+                          <a:schemeClr val="bg1"/>
+                        </a:solidFill>
+                      </a:endParaRPr>
+                    </a:p>
+                    <a:p>
+                      <a:pPr algn="ctr"/>
+                      <a:r>
+                        <a:rPr lang="it-IT" dirty="0">
+                          <a:solidFill>
+                            <a:schemeClr val="bg1"/>
+                          </a:solidFill>
+                        </a:rPr>
+                        <a:t>Sway</a:t>
+                      </a:r>
+                    </a:p>
+                  </a:txBody>
+                  <a:tcPr>
+                    <a:noFill/>
+                  </a:tcPr>
+                </a:tc>
+                <a:tc>
+                  <a:txBody>
+                    <a:bodyPr/>
+                    <a:lstStyle/>
+                    <a:p>
+                      <a:pPr algn="ctr"/>
+                      <a:endParaRPr lang="it-IT" dirty="0">
+                        <a:solidFill>
+                          <a:schemeClr val="bg1"/>
+                        </a:solidFill>
+                      </a:endParaRPr>
+                    </a:p>
+                    <a:p>
+                      <a:pPr algn="ctr"/>
+                      <a:r>
+                        <a:rPr lang="it-IT" dirty="0">
+                          <a:solidFill>
+                            <a:schemeClr val="bg1"/>
+                          </a:solidFill>
+                        </a:rPr>
+                        <a:t>3</a:t>
+                      </a:r>
+                    </a:p>
+                    <a:p>
+                      <a:pPr algn="ctr"/>
+                      <a:endParaRPr lang="it-IT" dirty="0">
+                        <a:solidFill>
+                          <a:schemeClr val="bg1"/>
+                        </a:solidFill>
+                      </a:endParaRPr>
+                    </a:p>
+                  </a:txBody>
+                  <a:tcPr>
+                    <a:noFill/>
+                  </a:tcPr>
+                </a:tc>
+                <a:tc>
+                  <a:txBody>
+                    <a:bodyPr/>
+                    <a:lstStyle/>
+                    <a:p>
+                      <a:pPr algn="ctr"/>
+                      <a:endParaRPr lang="it-IT" dirty="0">
+                        <a:solidFill>
+                          <a:schemeClr val="bg1"/>
+                        </a:solidFill>
+                      </a:endParaRPr>
+                    </a:p>
+                    <a:p>
+                      <a:pPr algn="ctr"/>
+                      <a:r>
+                        <a:rPr lang="it-IT" dirty="0">
+                          <a:solidFill>
+                            <a:schemeClr val="bg1"/>
+                          </a:solidFill>
+                        </a:rPr>
+                        <a:t>100</a:t>
+                      </a:r>
+                    </a:p>
+                    <a:p>
+                      <a:pPr algn="ctr"/>
+                      <a:endParaRPr lang="it-IT" dirty="0">
+                        <a:solidFill>
+                          <a:schemeClr val="bg1"/>
+                        </a:solidFill>
+                      </a:endParaRPr>
+                    </a:p>
+                  </a:txBody>
+                  <a:tcPr>
+                    <a:noFill/>
+                  </a:tcPr>
+                </a:tc>
+                <a:extLst>
+                  <a:ext uri="{0D108BD9-81ED-4DB2-BD59-A6C34878D82A}">
+                    <a16:rowId xmlns:a16="http://schemas.microsoft.com/office/drawing/2014/main" val="2380368097"/>
+                  </a:ext>
+                </a:extLst>
+              </a:tr>
+              <a:tr h="1027074">
+                <a:tc vMerge="1">
+                  <a:txBody>
+                    <a:bodyPr/>
+                    <a:lstStyle/>
+                    <a:p>
+                      <a:endParaRPr lang="it-IT"/>
+                    </a:p>
+                  </a:txBody>
+                  <a:tcPr/>
+                </a:tc>
+                <a:tc>
+                  <a:txBody>
+                    <a:bodyPr/>
+                    <a:lstStyle/>
+                    <a:p>
+                      <a:pPr algn="ctr"/>
+                      <a:endParaRPr lang="it-IT" dirty="0">
+                        <a:solidFill>
+                          <a:schemeClr val="bg1"/>
+                        </a:solidFill>
+                      </a:endParaRPr>
+                    </a:p>
+                    <a:p>
+                      <a:pPr algn="ctr"/>
+                      <a:r>
+                        <a:rPr lang="it-IT" dirty="0">
+                          <a:solidFill>
+                            <a:schemeClr val="bg1"/>
+                          </a:solidFill>
+                        </a:rPr>
+                        <a:t>4</a:t>
+                      </a:r>
+                      <a:endParaRPr lang="it-IT" dirty="0"/>
+                    </a:p>
+                  </a:txBody>
+                  <a:tcPr>
+                    <a:noFill/>
+                  </a:tcPr>
+                </a:tc>
+                <a:tc>
+                  <a:txBody>
+                    <a:bodyPr/>
+                    <a:lstStyle/>
+                    <a:p>
+                      <a:pPr algn="ctr"/>
+                      <a:endParaRPr lang="it-IT" dirty="0">
+                        <a:solidFill>
+                          <a:schemeClr val="bg1"/>
+                        </a:solidFill>
+                      </a:endParaRPr>
+                    </a:p>
+                    <a:p>
+                      <a:pPr algn="ctr"/>
+                      <a:r>
+                        <a:rPr lang="it-IT" dirty="0">
+                          <a:solidFill>
+                            <a:schemeClr val="bg1"/>
+                          </a:solidFill>
+                        </a:rPr>
+                        <a:t>-100</a:t>
+                      </a:r>
+                    </a:p>
+                  </a:txBody>
+                  <a:tcPr>
+                    <a:noFill/>
+                  </a:tcPr>
+                </a:tc>
+                <a:extLst>
+                  <a:ext uri="{0D108BD9-81ED-4DB2-BD59-A6C34878D82A}">
+                    <a16:rowId xmlns:a16="http://schemas.microsoft.com/office/drawing/2014/main" val="2844665777"/>
+                  </a:ext>
+                </a:extLst>
+              </a:tr>
+            </a:tbl>
+          </a:graphicData>
+        </a:graphic>
+      </p:graphicFrame>
+      <p:sp>
+        <p:nvSpPr>
+          <p:cNvPr id="12" name="CasellaDiTesto 11">
+            <a:extLst>
+              <a:ext uri="{FF2B5EF4-FFF2-40B4-BE49-F238E27FC236}">
+                <a16:creationId xmlns:a16="http://schemas.microsoft.com/office/drawing/2014/main" id="{723C35DD-35AF-45E5-AE2A-C56672584422}"/>
+              </a:ext>
+            </a:extLst>
+          </p:cNvPr>
+          <p:cNvSpPr txBox="1"/>
+          <p:nvPr/>
+        </p:nvSpPr>
+        <p:spPr>
+          <a:xfrm>
+            <a:off x="337221" y="1247480"/>
+            <a:ext cx="1150070" cy="369332"/>
+          </a:xfrm>
+          <a:prstGeom prst="rect">
+            <a:avLst/>
+          </a:prstGeom>
+          <a:noFill/>
+        </p:spPr>
+        <p:txBody>
+          <a:bodyPr wrap="square" rtlCol="0">
+            <a:spAutoFit/>
+          </a:bodyPr>
+          <a:lstStyle/>
+          <a:p>
+            <a:r>
+              <a:rPr lang="it-IT" dirty="0">
+                <a:solidFill>
+                  <a:schemeClr val="accent1">
+                    <a:lumMod val="60000"/>
+                    <a:lumOff val="40000"/>
+                  </a:schemeClr>
+                </a:solidFill>
+              </a:rPr>
+              <a:t>INPUT</a:t>
+            </a:r>
+          </a:p>
+        </p:txBody>
+      </p:sp>
+      <p:sp>
+        <p:nvSpPr>
+          <p:cNvPr id="14" name="CasellaDiTesto 13">
+            <a:extLst>
+              <a:ext uri="{FF2B5EF4-FFF2-40B4-BE49-F238E27FC236}">
+                <a16:creationId xmlns:a16="http://schemas.microsoft.com/office/drawing/2014/main" id="{2A507F04-4159-4DD0-BF1B-FAF567AE61DB}"/>
+              </a:ext>
+            </a:extLst>
+          </p:cNvPr>
+          <p:cNvSpPr txBox="1"/>
+          <p:nvPr/>
+        </p:nvSpPr>
+        <p:spPr>
+          <a:xfrm>
+            <a:off x="5790499" y="1205680"/>
+            <a:ext cx="2099736" cy="369332"/>
+          </a:xfrm>
+          <a:prstGeom prst="rect">
+            <a:avLst/>
+          </a:prstGeom>
+          <a:noFill/>
+        </p:spPr>
+        <p:txBody>
+          <a:bodyPr wrap="square" rtlCol="0">
+            <a:spAutoFit/>
+          </a:bodyPr>
+          <a:lstStyle/>
+          <a:p>
+            <a:r>
+              <a:rPr lang="it-IT" dirty="0">
+                <a:solidFill>
+                  <a:schemeClr val="accent1">
+                    <a:lumMod val="60000"/>
+                    <a:lumOff val="40000"/>
+                  </a:schemeClr>
+                </a:solidFill>
+              </a:rPr>
+              <a:t>OUTPUT (posa)</a:t>
+            </a:r>
+          </a:p>
+        </p:txBody>
+      </p:sp>
+    </p:spTree>
+    <p:extLst>
+      <p:ext uri="{BB962C8B-B14F-4D97-AF65-F5344CB8AC3E}">
+        <p14:creationId xmlns:p14="http://schemas.microsoft.com/office/powerpoint/2010/main" val="414146306"/>
+      </p:ext>
+    </p:extLst>
+  </p:cSld>
+  <p:clrMapOvr>
+    <a:masterClrMapping/>
+  </p:clrMapOvr>
+</p:sld>
+</file>
+
+<file path=ppt/slides/slide11.xml><?xml version="1.0" encoding="utf-8"?>
+<p:sld xmlns:a="http://schemas.openxmlformats.org/drawingml/2006/main" xmlns:r="http://schemas.openxmlformats.org/officeDocument/2006/relationships" xmlns:p="http://schemas.openxmlformats.org/presentationml/2006/main" showMasterSp="0">
+  <p:cSld>
+    <p:bg>
+      <p:bgPr>
+        <a:blipFill dpi="0" rotWithShape="1">
+          <a:blip r:embed="rId2">
+            <a:lum/>
+          </a:blip>
+          <a:srcRect/>
+          <a:stretch>
+            <a:fillRect/>
+          </a:stretch>
+        </a:blipFill>
+        <a:effectLst/>
+      </p:bgPr>
+    </p:bg>
+    <p:spTree>
+      <p:nvGrpSpPr>
+        <p:cNvPr id="1" name=""/>
+        <p:cNvGrpSpPr/>
+        <p:nvPr/>
+      </p:nvGrpSpPr>
+      <p:grpSpPr>
+        <a:xfrm>
+          <a:off x="0" y="0"/>
+          <a:ext cx="0" cy="0"/>
+          <a:chOff x="0" y="0"/>
+          <a:chExt cx="0" cy="0"/>
+        </a:xfrm>
+      </p:grpSpPr>
+      <p:sp>
+        <p:nvSpPr>
+          <p:cNvPr id="4" name="Segnaposto piè di pagina 3">
+            <a:extLst>
+              <a:ext uri="{FF2B5EF4-FFF2-40B4-BE49-F238E27FC236}">
+                <a16:creationId xmlns:a16="http://schemas.microsoft.com/office/drawing/2014/main" id="{4E362125-2F83-4266-AB8C-336E9ADDBB86}"/>
+              </a:ext>
+            </a:extLst>
+          </p:cNvPr>
+          <p:cNvSpPr>
+            <a:spLocks noGrp="1"/>
+          </p:cNvSpPr>
+          <p:nvPr>
+            <p:ph type="ftr" sz="quarter" idx="11"/>
+          </p:nvPr>
+        </p:nvSpPr>
+        <p:spPr>
+          <a:xfrm>
+            <a:off x="-231742" y="6492875"/>
+            <a:ext cx="4114800" cy="365125"/>
+          </a:xfrm>
+        </p:spPr>
+        <p:txBody>
+          <a:bodyPr/>
+          <a:lstStyle/>
+          <a:p>
+            <a:endParaRPr lang="en-US" i="1" dirty="0">
+              <a:solidFill>
+                <a:schemeClr val="bg1"/>
+              </a:solidFill>
+            </a:endParaRPr>
+          </a:p>
+        </p:txBody>
+      </p:sp>
+      <p:sp>
+        <p:nvSpPr>
+          <p:cNvPr id="9" name="Segnaposto numero diapositiva 8">
+            <a:extLst>
+              <a:ext uri="{FF2B5EF4-FFF2-40B4-BE49-F238E27FC236}">
+                <a16:creationId xmlns:a16="http://schemas.microsoft.com/office/drawing/2014/main" id="{A6BFBFA6-BB34-4DD9-A911-2416FC1C5687}"/>
+              </a:ext>
+            </a:extLst>
+          </p:cNvPr>
+          <p:cNvSpPr>
+            <a:spLocks noGrp="1"/>
+          </p:cNvSpPr>
+          <p:nvPr>
+            <p:ph type="sldNum" sz="quarter" idx="12"/>
+          </p:nvPr>
+        </p:nvSpPr>
+        <p:spPr>
+          <a:xfrm>
+            <a:off x="8607893" y="6345520"/>
+            <a:ext cx="2743200" cy="365125"/>
+          </a:xfrm>
+        </p:spPr>
+        <p:txBody>
+          <a:bodyPr/>
+          <a:lstStyle/>
+          <a:p>
+            <a:r>
+              <a:rPr lang="en-US" dirty="0"/>
+              <a:t>10</a:t>
+            </a:r>
+          </a:p>
+        </p:txBody>
+      </p:sp>
+      <p:sp>
+        <p:nvSpPr>
+          <p:cNvPr id="11" name="Rettangolo 10">
+            <a:extLst>
+              <a:ext uri="{FF2B5EF4-FFF2-40B4-BE49-F238E27FC236}">
+                <a16:creationId xmlns:a16="http://schemas.microsoft.com/office/drawing/2014/main" id="{DE43AB90-63F1-413E-8732-29F127F1CF7E}"/>
+              </a:ext>
+            </a:extLst>
+          </p:cNvPr>
+          <p:cNvSpPr/>
+          <p:nvPr/>
+        </p:nvSpPr>
+        <p:spPr>
+          <a:xfrm>
+            <a:off x="337221" y="428665"/>
+            <a:ext cx="2286010" cy="707886"/>
+          </a:xfrm>
+          <a:prstGeom prst="rect">
+            <a:avLst/>
+          </a:prstGeom>
+        </p:spPr>
+        <p:txBody>
+          <a:bodyPr wrap="none">
+            <a:spAutoFit/>
+          </a:bodyPr>
+          <a:lstStyle/>
+          <a:p>
+            <a:pPr marL="285750" indent="-285750">
+              <a:buFont typeface="Arial" panose="020B0604020202020204" pitchFamily="34" charset="0"/>
+              <a:buChar char="•"/>
+            </a:pPr>
+            <a:r>
+              <a:rPr lang="it-IT" sz="4000" dirty="0">
+                <a:solidFill>
+                  <a:schemeClr val="bg1"/>
+                </a:solidFill>
+              </a:rPr>
+              <a:t>Risultati</a:t>
+            </a:r>
+          </a:p>
+        </p:txBody>
+      </p:sp>
+      <p:graphicFrame>
+        <p:nvGraphicFramePr>
+          <p:cNvPr id="8" name="Tabella 9">
+            <a:extLst>
+              <a:ext uri="{FF2B5EF4-FFF2-40B4-BE49-F238E27FC236}">
+                <a16:creationId xmlns:a16="http://schemas.microsoft.com/office/drawing/2014/main" id="{7FE63334-E4B3-473D-89E8-603935686B83}"/>
+              </a:ext>
+            </a:extLst>
+          </p:cNvPr>
+          <p:cNvGraphicFramePr>
+            <a:graphicFrameLocks noGrp="1"/>
+          </p:cNvGraphicFramePr>
+          <p:nvPr>
+            <p:extLst>
+              <p:ext uri="{D42A27DB-BD31-4B8C-83A1-F6EECF244321}">
+                <p14:modId xmlns:p14="http://schemas.microsoft.com/office/powerpoint/2010/main" val="1176602921"/>
               </p:ext>
             </p:extLst>
           </p:nvPr>
@@ -2117,8 +2918,33 @@
                             <a:schemeClr val="bg1"/>
                           </a:solidFill>
                         </a:rPr>
-                        <a:t>ROTAZIONE</a:t>
+                        <a:t>Rotazione</a:t>
                       </a:r>
+                    </a:p>
+                  </a:txBody>
+                  <a:tcPr>
+                    <a:noFill/>
+                  </a:tcPr>
+                </a:tc>
+                <a:tc>
+                  <a:txBody>
+                    <a:bodyPr/>
+                    <a:lstStyle/>
+                    <a:p>
+                      <a:pPr algn="ctr"/>
+                      <a:r>
+                        <a:rPr lang="it-IT" dirty="0" err="1">
+                          <a:solidFill>
+                            <a:schemeClr val="bg1"/>
+                          </a:solidFill>
+                        </a:rPr>
+                        <a:t>Thrusters</a:t>
+                      </a:r>
+                      <a:endParaRPr lang="it-IT" dirty="0">
+                        <a:solidFill>
+                          <a:schemeClr val="bg1"/>
+                        </a:solidFill>
+                      </a:endParaRPr>
                     </a:p>
                   </a:txBody>
                   <a:tcPr>
@@ -2137,18 +2963,9 @@
                             <a:schemeClr val="bg1"/>
                           </a:solidFill>
                         </a:rPr>
-                        <a:t>THRUSTERS</a:t>
+                        <a:t>Velocità</a:t>
                       </a:r>
                     </a:p>
-                  </a:txBody>
-                  <a:tcPr>
-                    <a:noFill/>
-                  </a:tcPr>
-                </a:tc>
-                <a:tc>
-                  <a:txBody>
-                    <a:bodyPr/>
-                    <a:lstStyle/>
                     <a:p>
                       <a:pPr algn="ctr"/>
                       <a:r>
@@ -2157,7 +2974,7 @@
                             <a:schemeClr val="bg1"/>
                           </a:solidFill>
                         </a:rPr>
-                        <a:t>VELOCITA’ (</a:t>
+                        <a:t>(</a:t>
                       </a:r>
                       <a:r>
                         <a:rPr lang="it-IT" dirty="0" err="1">
@@ -2521,7 +3338,7 @@
 </p:sld>
 </file>
 
-<file path=ppt/slides/slide11.xml><?xml version="1.0" encoding="utf-8"?>
+<file path=ppt/slides/slide12.xml><?xml version="1.0" encoding="utf-8"?>
 <p:sld xmlns:a="http://schemas.openxmlformats.org/drawingml/2006/main" xmlns:r="http://schemas.openxmlformats.org/officeDocument/2006/relationships" xmlns:p="http://schemas.openxmlformats.org/presentationml/2006/main" showMasterSp="0">
   <p:cSld>
     <p:bg>
@@ -3248,50 +4065,6 @@
           </a:prstGeom>
         </p:spPr>
       </p:pic>
-      <p:sp>
-        <p:nvSpPr>
-          <p:cNvPr id="13" name="Parentesi graffa chiusa 12">
-            <a:extLst>
-              <a:ext uri="{FF2B5EF4-FFF2-40B4-BE49-F238E27FC236}">
-                <a16:creationId xmlns:a16="http://schemas.microsoft.com/office/drawing/2014/main" id="{7B65E42C-FB9C-4EBA-A1A4-87F4E755CCDC}"/>
-              </a:ext>
-            </a:extLst>
-          </p:cNvPr>
-          <p:cNvSpPr/>
-          <p:nvPr/>
-        </p:nvSpPr>
-        <p:spPr>
-          <a:xfrm rot="5400000">
-            <a:off x="2517126" y="3794346"/>
-            <a:ext cx="212208" cy="1333893"/>
-          </a:xfrm>
-          <a:prstGeom prst="rightBrace">
-            <a:avLst/>
-          </a:prstGeom>
-        </p:spPr>
-        <p:style>
-          <a:lnRef idx="1">
-            <a:schemeClr val="accent1"/>
-          </a:lnRef>
-          <a:fillRef idx="0">
-            <a:schemeClr val="accent1"/>
-          </a:fillRef>
-          <a:effectRef idx="0">
-            <a:schemeClr val="accent1"/>
-          </a:effectRef>
-          <a:fontRef idx="minor">
-            <a:schemeClr val="tx1"/>
-          </a:fontRef>
-        </p:style>
-        <p:txBody>
-          <a:bodyPr rtlCol="0" anchor="ctr"/>
-          <a:lstStyle/>
-          <a:p>
-            <a:pPr algn="ctr"/>
-            <a:endParaRPr lang="it-IT"/>
-          </a:p>
-        </p:txBody>
-      </p:sp>
     </p:spTree>
     <p:extLst>
       <p:ext uri="{BB962C8B-B14F-4D97-AF65-F5344CB8AC3E}">
@@ -3305,7 +4078,7 @@
 </p:sld>
 </file>
 
-<file path=ppt/slides/slide12.xml><?xml version="1.0" encoding="utf-8"?>
+<file path=ppt/slides/slide13.xml><?xml version="1.0" encoding="utf-8"?>
 <p:sld xmlns:a="http://schemas.openxmlformats.org/drawingml/2006/main" xmlns:r="http://schemas.openxmlformats.org/officeDocument/2006/relationships" xmlns:p="http://schemas.openxmlformats.org/presentationml/2006/main" showMasterSp="0">
   <p:cSld>
     <p:bg>
@@ -3991,7 +4764,7 @@
 </p:sld>
 </file>
 
-<file path=ppt/slides/slide13.xml><?xml version="1.0" encoding="utf-8"?>
+<file path=ppt/slides/slide14.xml><?xml version="1.0" encoding="utf-8"?>
 <p:sld xmlns:a="http://schemas.openxmlformats.org/drawingml/2006/main" xmlns:r="http://schemas.openxmlformats.org/officeDocument/2006/relationships" xmlns:p="http://schemas.openxmlformats.org/presentationml/2006/main" showMasterSp="0">
   <p:cSld>
     <p:bg>
@@ -4874,7 +5647,7 @@
           </a:blip>
           <a:srcRect/>
           <a:stretch>
-            <a:fillRect/>
+            <a:fillRect t="-39000" b="-39000"/>
           </a:stretch>
         </a:blipFill>
         <a:effectLst/>
@@ -4909,7 +5682,7 @@
         <p:spPr>
           <a:xfrm>
             <a:off x="287000" y="631856"/>
-            <a:ext cx="11407806" cy="1692771"/>
+            <a:ext cx="11407806" cy="2308324"/>
           </a:xfrm>
           <a:prstGeom prst="rect">
             <a:avLst/>
@@ -4936,6 +5709,17 @@
             </a:r>
           </a:p>
           <a:p>
+            <a:pPr marL="285750" indent="-285750">
+              <a:buFont typeface="Arial" panose="020B0604020202020204" pitchFamily="34" charset="0"/>
+              <a:buChar char="•"/>
+            </a:pPr>
+            <a:endParaRPr lang="it-IT" sz="4000" u="sng" dirty="0">
+              <a:solidFill>
+                <a:schemeClr val="bg1"/>
+              </a:solidFill>
+            </a:endParaRPr>
+          </a:p>
+          <a:p>
             <a:endParaRPr lang="it-IT" sz="4000" u="sng" dirty="0">
               <a:solidFill>
                 <a:schemeClr val="bg1"/>
@@ -4966,7 +5750,7 @@
         <p:spPr>
           <a:xfrm>
             <a:off x="497194" y="1604958"/>
-            <a:ext cx="6178858" cy="4031873"/>
+            <a:ext cx="6178858" cy="3416320"/>
           </a:xfrm>
           <a:prstGeom prst="rect">
             <a:avLst/>
@@ -4984,7 +5768,28 @@
               <a:buChar char="•"/>
             </a:pPr>
             <a:r>
-              <a:rPr lang="it-IT" sz="3200" dirty="0">
+              <a:rPr lang="it-IT" sz="2400" dirty="0">
+                <a:solidFill>
+                  <a:schemeClr val="bg1"/>
+                </a:solidFill>
+              </a:rPr>
+              <a:t>Segnali</a:t>
+            </a:r>
+          </a:p>
+          <a:p>
+            <a:endParaRPr lang="it-IT" sz="2400" dirty="0">
+              <a:solidFill>
+                <a:schemeClr val="bg1"/>
+              </a:solidFill>
+            </a:endParaRPr>
+          </a:p>
+          <a:p>
+            <a:pPr marL="285750" indent="-285750">
+              <a:buFont typeface="Arial" panose="020B0604020202020204" pitchFamily="34" charset="0"/>
+              <a:buChar char="•"/>
+            </a:pPr>
+            <a:r>
+              <a:rPr lang="it-IT" sz="2400" dirty="0">
                 <a:solidFill>
                   <a:schemeClr val="bg1"/>
                 </a:solidFill>
@@ -4997,7 +5802,7 @@
               <a:buFont typeface="Arial" panose="020B0604020202020204" pitchFamily="34" charset="0"/>
               <a:buChar char="•"/>
             </a:pPr>
-            <a:endParaRPr lang="it-IT" sz="3200" dirty="0">
+            <a:endParaRPr lang="it-IT" sz="2400" dirty="0">
               <a:solidFill>
                 <a:schemeClr val="bg1"/>
               </a:solidFill>
@@ -5009,7 +5814,7 @@
               <a:buChar char="•"/>
             </a:pPr>
             <a:r>
-              <a:rPr lang="it-IT" sz="3200" dirty="0">
+              <a:rPr lang="it-IT" sz="2400" dirty="0">
                 <a:solidFill>
                   <a:schemeClr val="bg1"/>
                 </a:solidFill>
@@ -5017,14 +5822,14 @@
               <a:t>Modellazione dei </a:t>
             </a:r>
             <a:r>
-              <a:rPr lang="it-IT" sz="3200" dirty="0" err="1">
+              <a:rPr lang="it-IT" sz="2400" dirty="0" err="1">
                 <a:solidFill>
                   <a:schemeClr val="bg1"/>
                 </a:solidFill>
               </a:rPr>
               <a:t>thrusters</a:t>
             </a:r>
-            <a:endParaRPr lang="it-IT" sz="3200" dirty="0">
+            <a:endParaRPr lang="it-IT" sz="2400" dirty="0">
               <a:solidFill>
                 <a:schemeClr val="bg1"/>
               </a:solidFill>
@@ -5035,7 +5840,7 @@
               <a:buFont typeface="Arial" panose="020B0604020202020204" pitchFamily="34" charset="0"/>
               <a:buChar char="•"/>
             </a:pPr>
-            <a:endParaRPr lang="it-IT" sz="3200" dirty="0">
+            <a:endParaRPr lang="it-IT" sz="2400" dirty="0">
               <a:solidFill>
                 <a:schemeClr val="bg1"/>
               </a:solidFill>
@@ -5047,7 +5852,7 @@
               <a:buChar char="•"/>
             </a:pPr>
             <a:r>
-              <a:rPr lang="it-IT" sz="3200" dirty="0">
+              <a:rPr lang="it-IT" sz="2400" dirty="0">
                 <a:solidFill>
                   <a:schemeClr val="bg1"/>
                 </a:solidFill>
@@ -5060,14 +5865,14 @@
               <a:buFont typeface="Arial" panose="020B0604020202020204" pitchFamily="34" charset="0"/>
               <a:buChar char="•"/>
             </a:pPr>
-            <a:endParaRPr lang="it-IT" sz="3200" dirty="0">
+            <a:endParaRPr lang="it-IT" sz="2400" dirty="0">
               <a:solidFill>
                 <a:schemeClr val="bg1"/>
               </a:solidFill>
             </a:endParaRPr>
           </a:p>
           <a:p>
-            <a:endParaRPr lang="it-IT" sz="3200" dirty="0"/>
+            <a:endParaRPr lang="it-IT" sz="2400" dirty="0"/>
           </a:p>
         </p:txBody>
       </p:sp>
@@ -5184,10 +5989,10 @@
       </p:sp>
       <p:pic>
         <p:nvPicPr>
-          <p:cNvPr id="3" name="Immagine 2" descr="Immagine che contiene abbigliamento, guardando, donna, specchio&#10;&#10;Descrizione generata automaticamente">
+          <p:cNvPr id="4" name="Immagine 3">
             <a:extLst>
               <a:ext uri="{FF2B5EF4-FFF2-40B4-BE49-F238E27FC236}">
-                <a16:creationId xmlns:a16="http://schemas.microsoft.com/office/drawing/2014/main" id="{E7B3A04C-E610-4218-8222-C50CAE4DE156}"/>
+                <a16:creationId xmlns:a16="http://schemas.microsoft.com/office/drawing/2014/main" id="{B9B8A7BD-CB2C-4F46-8190-48823D2063C0}"/>
               </a:ext>
             </a:extLst>
           </p:cNvPr>
@@ -5210,8 +6015,8 @@
         </p:blipFill>
         <p:spPr>
           <a:xfrm>
-            <a:off x="6980460" y="1814690"/>
-            <a:ext cx="3484765" cy="1995309"/>
+            <a:off x="6886246" y="1232872"/>
+            <a:ext cx="3936528" cy="4993272"/>
           </a:xfrm>
           <a:prstGeom prst="rect">
             <a:avLst/>
@@ -5417,8 +6222,8 @@
         </p:nvSpPr>
         <p:spPr>
           <a:xfrm>
-            <a:off x="233548" y="3215437"/>
-            <a:ext cx="5898038" cy="1631216"/>
+            <a:off x="242718" y="2582128"/>
+            <a:ext cx="6951621" cy="2246769"/>
           </a:xfrm>
           <a:prstGeom prst="rect">
             <a:avLst/>
@@ -5437,7 +6242,7 @@
                   <a:schemeClr val="bg1"/>
                 </a:solidFill>
               </a:rPr>
-              <a:t>Obiettivo</a:t>
+              <a:t>Obiettivi</a:t>
             </a:r>
             <a:r>
               <a:rPr lang="it-IT" sz="2000" dirty="0">
@@ -5449,6 +6254,10 @@
             </a:r>
           </a:p>
           <a:p>
+            <a:pPr marL="342900" indent="-342900">
+              <a:buFont typeface="Arial" panose="020B0604020202020204" pitchFamily="34" charset="0"/>
+              <a:buChar char="•"/>
+            </a:pPr>
             <a:r>
               <a:rPr lang="it-IT" sz="2000" dirty="0">
                 <a:solidFill>
@@ -5456,6 +6265,50 @@
                 </a:solidFill>
               </a:rPr>
               <a:t>Veicolo a galleggiabilità leggermente positiva</a:t>
+            </a:r>
+          </a:p>
+          <a:p>
+            <a:pPr marL="342900" indent="-342900">
+              <a:buFont typeface="Arial" panose="020B0604020202020204" pitchFamily="34" charset="0"/>
+              <a:buChar char="•"/>
+            </a:pPr>
+            <a:r>
+              <a:rPr lang="it-IT" sz="2000" dirty="0">
+                <a:solidFill>
+                  <a:schemeClr val="bg1"/>
+                </a:solidFill>
+              </a:rPr>
+              <a:t>Stabilità di forma =&gt; </a:t>
+            </a:r>
+            <a:r>
+              <a:rPr lang="it-IT" sz="2000" dirty="0" err="1">
+                <a:solidFill>
+                  <a:schemeClr val="bg1"/>
+                </a:solidFill>
+              </a:rPr>
+              <a:t>roll</a:t>
+            </a:r>
+            <a:r>
+              <a:rPr lang="it-IT" sz="2000" dirty="0">
+                <a:solidFill>
+                  <a:schemeClr val="bg1"/>
+                </a:solidFill>
+              </a:rPr>
+              <a:t> e pitch stabili staticamente</a:t>
+            </a:r>
+          </a:p>
+          <a:p>
+            <a:pPr marL="342900" indent="-342900">
+              <a:buFont typeface="Arial" panose="020B0604020202020204" pitchFamily="34" charset="0"/>
+              <a:buChar char="•"/>
+            </a:pPr>
+            <a:r>
+              <a:rPr lang="it-IT" sz="2000" dirty="0">
+                <a:solidFill>
+                  <a:schemeClr val="bg1"/>
+                </a:solidFill>
+              </a:rPr>
+              <a:t>Resistenza idrodinamica simile su tutti gli assi</a:t>
             </a:r>
           </a:p>
           <a:p>
@@ -5830,83 +6683,6 @@
           </a:p>
         </p:txBody>
       </p:sp>
-      <p:pic>
-        <p:nvPicPr>
-          <p:cNvPr id="13" name="Immagine 12" descr="Immagine che contiene uomo, abbigliamento, guardando, nero&#10;&#10;Descrizione generata automaticamente">
-            <a:extLst>
-              <a:ext uri="{FF2B5EF4-FFF2-40B4-BE49-F238E27FC236}">
-                <a16:creationId xmlns:a16="http://schemas.microsoft.com/office/drawing/2014/main" id="{D27DC1B3-7368-4EE6-B949-DE998229F2E1}"/>
-              </a:ext>
-            </a:extLst>
-          </p:cNvPr>
-          <p:cNvPicPr>
-            <a:picLocks noChangeAspect="1"/>
-          </p:cNvPicPr>
-          <p:nvPr/>
-        </p:nvPicPr>
-        <p:blipFill>
-          <a:blip r:embed="rId4">
-            <a:extLst>
-              <a:ext uri="{28A0092B-C50C-407E-A947-70E740481C1C}">
-                <a14:useLocalDpi xmlns:a14="http://schemas.microsoft.com/office/drawing/2010/main" val="0"/>
-              </a:ext>
-            </a:extLst>
-          </a:blip>
-          <a:stretch>
-            <a:fillRect/>
-          </a:stretch>
-        </p:blipFill>
-        <p:spPr>
-          <a:xfrm>
-            <a:off x="6158381" y="3264193"/>
-            <a:ext cx="1035958" cy="766852"/>
-          </a:xfrm>
-          <a:prstGeom prst="rect">
-            <a:avLst/>
-          </a:prstGeom>
-        </p:spPr>
-      </p:pic>
-      <p:cxnSp>
-        <p:nvCxnSpPr>
-          <p:cNvPr id="16" name="Connettore 2 15">
-            <a:extLst>
-              <a:ext uri="{FF2B5EF4-FFF2-40B4-BE49-F238E27FC236}">
-                <a16:creationId xmlns:a16="http://schemas.microsoft.com/office/drawing/2014/main" id="{8B9176CF-0CB9-4006-A364-8F354776DBB9}"/>
-              </a:ext>
-            </a:extLst>
-          </p:cNvPr>
-          <p:cNvCxnSpPr>
-            <a:cxnSpLocks/>
-          </p:cNvCxnSpPr>
-          <p:nvPr/>
-        </p:nvCxnSpPr>
-        <p:spPr>
-          <a:xfrm>
-            <a:off x="5687041" y="3758208"/>
-            <a:ext cx="324653" cy="0"/>
-          </a:xfrm>
-          <a:prstGeom prst="straightConnector1">
-            <a:avLst/>
-          </a:prstGeom>
-          <a:ln>
-            <a:tailEnd type="triangle"/>
-          </a:ln>
-        </p:spPr>
-        <p:style>
-          <a:lnRef idx="1">
-            <a:schemeClr val="accent1"/>
-          </a:lnRef>
-          <a:fillRef idx="0">
-            <a:schemeClr val="accent1"/>
-          </a:fillRef>
-          <a:effectRef idx="0">
-            <a:schemeClr val="accent1"/>
-          </a:effectRef>
-          <a:fontRef idx="minor">
-            <a:schemeClr val="tx1"/>
-          </a:fontRef>
-        </p:style>
-      </p:cxnSp>
     </p:spTree>
     <p:extLst>
       <p:ext uri="{BB962C8B-B14F-4D97-AF65-F5344CB8AC3E}">
@@ -6055,42 +6831,6 @@
           </a:p>
         </p:txBody>
       </p:sp>
-      <p:pic>
-        <p:nvPicPr>
-          <p:cNvPr id="20" name="Immagine 19" descr="Immagine che contiene sedendo, tavolo, acqua, verde&#10;&#10;Descrizione generata automaticamente">
-            <a:extLst>
-              <a:ext uri="{FF2B5EF4-FFF2-40B4-BE49-F238E27FC236}">
-                <a16:creationId xmlns:a16="http://schemas.microsoft.com/office/drawing/2014/main" id="{8B4A4CD9-112F-4A68-93E2-F46038A046AD}"/>
-              </a:ext>
-            </a:extLst>
-          </p:cNvPr>
-          <p:cNvPicPr>
-            <a:picLocks noChangeAspect="1"/>
-          </p:cNvPicPr>
-          <p:nvPr/>
-        </p:nvPicPr>
-        <p:blipFill>
-          <a:blip r:embed="rId3">
-            <a:extLst>
-              <a:ext uri="{28A0092B-C50C-407E-A947-70E740481C1C}">
-                <a14:useLocalDpi xmlns:a14="http://schemas.microsoft.com/office/drawing/2010/main" val="0"/>
-              </a:ext>
-            </a:extLst>
-          </a:blip>
-          <a:stretch>
-            <a:fillRect/>
-          </a:stretch>
-        </p:blipFill>
-        <p:spPr>
-          <a:xfrm>
-            <a:off x="371216" y="3771125"/>
-            <a:ext cx="3594643" cy="2387600"/>
-          </a:xfrm>
-          <a:prstGeom prst="rect">
-            <a:avLst/>
-          </a:prstGeom>
-        </p:spPr>
-      </p:pic>
       <p:sp>
         <p:nvSpPr>
           <p:cNvPr id="23" name="CasellaDiTesto 22">
@@ -6105,7 +6845,7 @@
         </p:nvSpPr>
         <p:spPr>
           <a:xfrm>
-            <a:off x="4610452" y="3696976"/>
+            <a:off x="1020946" y="3615634"/>
             <a:ext cx="4273524" cy="2585323"/>
           </a:xfrm>
           <a:prstGeom prst="rect">
@@ -6251,42 +6991,6 @@
           </a:p>
         </p:txBody>
       </p:sp>
-      <p:pic>
-        <p:nvPicPr>
-          <p:cNvPr id="25" name="Immagine 24" descr="Immagine che contiene orologio&#10;&#10;Descrizione generata automaticamente">
-            <a:extLst>
-              <a:ext uri="{FF2B5EF4-FFF2-40B4-BE49-F238E27FC236}">
-                <a16:creationId xmlns:a16="http://schemas.microsoft.com/office/drawing/2014/main" id="{763C589D-2564-43C0-BF21-7DD28C775952}"/>
-              </a:ext>
-            </a:extLst>
-          </p:cNvPr>
-          <p:cNvPicPr>
-            <a:picLocks noChangeAspect="1"/>
-          </p:cNvPicPr>
-          <p:nvPr/>
-        </p:nvPicPr>
-        <p:blipFill>
-          <a:blip r:embed="rId4">
-            <a:extLst>
-              <a:ext uri="{28A0092B-C50C-407E-A947-70E740481C1C}">
-                <a14:useLocalDpi xmlns:a14="http://schemas.microsoft.com/office/drawing/2010/main" val="0"/>
-              </a:ext>
-            </a:extLst>
-          </a:blip>
-          <a:stretch>
-            <a:fillRect/>
-          </a:stretch>
-        </p:blipFill>
-        <p:spPr>
-          <a:xfrm>
-            <a:off x="7595828" y="1313986"/>
-            <a:ext cx="4596174" cy="4576103"/>
-          </a:xfrm>
-          <a:prstGeom prst="rect">
-            <a:avLst/>
-          </a:prstGeom>
-        </p:spPr>
-      </p:pic>
       <p:sp>
         <p:nvSpPr>
           <p:cNvPr id="26" name="CasellaDiTesto 25">
@@ -6433,7 +7137,7 @@
                   <a:schemeClr val="bg1"/>
                 </a:solidFill>
               </a:rPr>
-              <a:t>Stabilizzare staticamente pitch e </a:t>
+              <a:t>Stabilizzare dinamicamente pitch e </a:t>
             </a:r>
             <a:r>
               <a:rPr lang="it-IT" dirty="0" err="1">
@@ -6454,6 +7158,42 @@
           </a:p>
         </p:txBody>
       </p:sp>
+      <p:pic>
+        <p:nvPicPr>
+          <p:cNvPr id="3" name="Immagine 2" descr="Immagine che contiene orologio&#10;&#10;Descrizione generata automaticamente">
+            <a:extLst>
+              <a:ext uri="{FF2B5EF4-FFF2-40B4-BE49-F238E27FC236}">
+                <a16:creationId xmlns:a16="http://schemas.microsoft.com/office/drawing/2014/main" id="{C0F8735A-74B0-49D4-9D90-4B0334C0F7BF}"/>
+              </a:ext>
+            </a:extLst>
+          </p:cNvPr>
+          <p:cNvPicPr>
+            <a:picLocks noChangeAspect="1"/>
+          </p:cNvPicPr>
+          <p:nvPr/>
+        </p:nvPicPr>
+        <p:blipFill>
+          <a:blip r:embed="rId3">
+            <a:extLst>
+              <a:ext uri="{28A0092B-C50C-407E-A947-70E740481C1C}">
+                <a14:useLocalDpi xmlns:a14="http://schemas.microsoft.com/office/drawing/2010/main" val="0"/>
+              </a:ext>
+            </a:extLst>
+          </a:blip>
+          <a:stretch>
+            <a:fillRect/>
+          </a:stretch>
+        </p:blipFill>
+        <p:spPr>
+          <a:xfrm>
+            <a:off x="5697984" y="1379878"/>
+            <a:ext cx="5790382" cy="4471512"/>
+          </a:xfrm>
+          <a:prstGeom prst="rect">
+            <a:avLst/>
+          </a:prstGeom>
+        </p:spPr>
+      </p:pic>
     </p:spTree>
     <p:extLst>
       <p:ext uri="{BB962C8B-B14F-4D97-AF65-F5344CB8AC3E}">
@@ -6636,8 +7376,8 @@
             </p:nvSpPr>
             <p:spPr>
               <a:xfrm>
-                <a:off x="7137737" y="2550991"/>
-                <a:ext cx="4913654" cy="461665"/>
+                <a:off x="7713182" y="3061866"/>
+                <a:ext cx="1762285" cy="497700"/>
               </a:xfrm>
               <a:prstGeom prst="rect">
                 <a:avLst/>
@@ -6652,16 +7392,16 @@
                 <a14:m>
                   <m:oMath xmlns:m="http://schemas.openxmlformats.org/officeDocument/2006/math">
                     <m:r>
-                      <a:rPr lang="it-IT" sz="2400" i="1" dirty="0" smtClean="0">
+                      <a:rPr lang="it-IT" sz="2400" b="1" i="1" dirty="0" smtClean="0">
                         <a:solidFill>
                           <a:schemeClr val="bg1"/>
                         </a:solidFill>
                         <a:latin typeface="Cambria Math" panose="02040503050406030204" pitchFamily="18" charset="0"/>
                       </a:rPr>
-                      <m:t>𝜈</m:t>
+                      <m:t>𝝂</m:t>
                     </m:r>
                     <m:r>
-                      <a:rPr lang="it-IT" sz="2400" i="1" baseline="-25000" dirty="0" err="1" smtClean="0">
+                      <a:rPr lang="it-IT" sz="2400" b="0" i="1" baseline="-25000" dirty="0" err="1" smtClean="0">
                         <a:solidFill>
                           <a:schemeClr val="bg1"/>
                         </a:solidFill>
@@ -6681,137 +7421,29 @@
                 </a:r>
                 <a14:m>
                   <m:oMath xmlns:m="http://schemas.openxmlformats.org/officeDocument/2006/math">
-                    <m:d>
-                      <m:dPr>
+                    <m:sSub>
+                      <m:sSubPr>
                         <m:ctrlPr>
-                          <a:rPr lang="it-IT" sz="2400" i="1" smtClean="0">
+                          <a:rPr lang="it-IT" sz="2400" i="1">
                             <a:solidFill>
                               <a:schemeClr val="bg1"/>
                             </a:solidFill>
                             <a:latin typeface="Cambria Math" panose="02040503050406030204" pitchFamily="18" charset="0"/>
                           </a:rPr>
                         </m:ctrlPr>
-                      </m:dPr>
+                      </m:sSubPr>
                       <m:e>
-                        <m:sSub>
-                          <m:sSubPr>
-                            <m:ctrlPr>
-                              <a:rPr lang="it-IT" sz="2400" i="1">
-                                <a:solidFill>
-                                  <a:schemeClr val="bg1"/>
-                                </a:solidFill>
-                                <a:latin typeface="Cambria Math" panose="02040503050406030204" pitchFamily="18" charset="0"/>
-                              </a:rPr>
-                            </m:ctrlPr>
-                          </m:sSubPr>
-                          <m:e>
-                            <m:r>
-                              <a:rPr lang="it-IT" sz="2400" i="1" dirty="0">
-                                <a:solidFill>
-                                  <a:schemeClr val="bg1"/>
-                                </a:solidFill>
-                                <a:latin typeface="Cambria Math" panose="02040503050406030204" pitchFamily="18" charset="0"/>
-                              </a:rPr>
-                              <m:t>𝜈</m:t>
-                            </m:r>
-                          </m:e>
-                          <m:sub>
-                            <m:r>
-                              <a:rPr lang="it-IT" sz="2400" i="1">
-                                <a:solidFill>
-                                  <a:schemeClr val="bg1"/>
-                                </a:solidFill>
-                                <a:latin typeface="Cambria Math" panose="02040503050406030204" pitchFamily="18" charset="0"/>
-                              </a:rPr>
-                              <m:t>𝑟</m:t>
-                            </m:r>
-                            <m:r>
-                              <a:rPr lang="it-IT" sz="2400" b="0" i="1" smtClean="0">
-                                <a:solidFill>
-                                  <a:schemeClr val="bg1"/>
-                                </a:solidFill>
-                                <a:latin typeface="Cambria Math" panose="02040503050406030204" pitchFamily="18" charset="0"/>
-                              </a:rPr>
-                              <m:t>1</m:t>
-                            </m:r>
-                          </m:sub>
-                        </m:sSub>
                         <m:r>
-                          <m:rPr>
-                            <m:nor/>
-                          </m:rPr>
-                          <a:rPr lang="it-IT" sz="2400" baseline="-25000" dirty="0">
+                          <a:rPr lang="it-IT" sz="2400" b="1" i="1" dirty="0">
                             <a:solidFill>
                               <a:schemeClr val="bg1"/>
                             </a:solidFill>
+                            <a:latin typeface="Cambria Math" panose="02040503050406030204" pitchFamily="18" charset="0"/>
                           </a:rPr>
-                          <m:t> </m:t>
+                          <m:t>𝝂</m:t>
                         </m:r>
-                        <m:r>
-                          <m:rPr>
-                            <m:nor/>
-                          </m:rPr>
-                          <a:rPr lang="it-IT" sz="2400" dirty="0">
-                            <a:solidFill>
-                              <a:schemeClr val="bg1"/>
-                            </a:solidFill>
-                          </a:rPr>
-                          <m:t>+</m:t>
-                        </m:r>
-                        <m:sSub>
-                          <m:sSubPr>
-                            <m:ctrlPr>
-                              <a:rPr lang="it-IT" sz="2400" i="1">
-                                <a:solidFill>
-                                  <a:schemeClr val="bg1"/>
-                                </a:solidFill>
-                                <a:latin typeface="Cambria Math" panose="02040503050406030204" pitchFamily="18" charset="0"/>
-                              </a:rPr>
-                            </m:ctrlPr>
-                          </m:sSubPr>
-                          <m:e>
-                            <m:r>
-                              <a:rPr lang="it-IT" sz="2400" i="1" dirty="0">
-                                <a:solidFill>
-                                  <a:schemeClr val="bg1"/>
-                                </a:solidFill>
-                                <a:latin typeface="Cambria Math" panose="02040503050406030204" pitchFamily="18" charset="0"/>
-                              </a:rPr>
-                              <m:t>𝜈</m:t>
-                            </m:r>
-                          </m:e>
-                          <m:sub>
-                            <m:r>
-                              <a:rPr lang="it-IT" sz="2400" i="1">
-                                <a:solidFill>
-                                  <a:schemeClr val="bg1"/>
-                                </a:solidFill>
-                                <a:latin typeface="Cambria Math" panose="02040503050406030204" pitchFamily="18" charset="0"/>
-                              </a:rPr>
-                              <m:t>𝑟</m:t>
-                            </m:r>
-                            <m:r>
-                              <a:rPr lang="it-IT" sz="2400" b="0" i="1" smtClean="0">
-                                <a:solidFill>
-                                  <a:schemeClr val="bg1"/>
-                                </a:solidFill>
-                                <a:latin typeface="Cambria Math" panose="02040503050406030204" pitchFamily="18" charset="0"/>
-                              </a:rPr>
-                              <m:t>2</m:t>
-                            </m:r>
-                          </m:sub>
-                        </m:sSub>
-                        <m:r>
-                          <m:rPr>
-                            <m:nor/>
-                          </m:rPr>
-                          <a:rPr lang="it-IT" sz="2400" dirty="0">
-                            <a:solidFill>
-                              <a:schemeClr val="bg1"/>
-                            </a:solidFill>
-                          </a:rPr>
-                          <m:t>×</m:t>
-                        </m:r>
+                      </m:e>
+                      <m:sub>
                         <m:sSub>
                           <m:sSubPr>
                             <m:ctrlPr>
@@ -6846,8 +7478,8 @@
                             </m:r>
                           </m:sub>
                         </m:sSub>
-                      </m:e>
-                    </m:d>
+                      </m:sub>
+                    </m:sSub>
                   </m:oMath>
                 </a14:m>
                 <a:r>
@@ -6873,13 +7505,13 @@
                       </m:sSubPr>
                       <m:e>
                         <m:r>
-                          <a:rPr lang="it-IT" sz="2400" i="1">
+                          <a:rPr lang="it-IT" sz="2400" b="1" i="1">
                             <a:solidFill>
                               <a:schemeClr val="bg1"/>
                             </a:solidFill>
                             <a:latin typeface="Cambria Math" panose="02040503050406030204" pitchFamily="18" charset="0"/>
                           </a:rPr>
-                          <m:t>𝑡</m:t>
+                          <m:t>𝒕</m:t>
                         </m:r>
                       </m:e>
                       <m:sub>
@@ -6925,8 +7557,8 @@
             </p:nvSpPr>
             <p:spPr>
               <a:xfrm>
-                <a:off x="7137737" y="2550991"/>
-                <a:ext cx="4913654" cy="461665"/>
+                <a:off x="7713182" y="3061866"/>
+                <a:ext cx="1762285" cy="497700"/>
               </a:xfrm>
               <a:prstGeom prst="rect">
                 <a:avLst/>
@@ -6934,7 +7566,7 @@
               <a:blipFill>
                 <a:blip r:embed="rId3"/>
                 <a:stretch>
-                  <a:fillRect t="-9211" b="-30263"/>
+                  <a:fillRect t="-8537" b="-20732"/>
                 </a:stretch>
               </a:blipFill>
             </p:spPr>
@@ -7007,7 +7639,7 @@
         <p:spPr>
           <a:xfrm>
             <a:off x="1023173" y="2772175"/>
-            <a:ext cx="5452133" cy="1200329"/>
+            <a:ext cx="5452133" cy="1477328"/>
           </a:xfrm>
           <a:prstGeom prst="rect">
             <a:avLst/>
@@ -7077,7 +7709,7 @@
                   <a:schemeClr val="bg1"/>
                 </a:solidFill>
               </a:rPr>
-              <a:t>Componente v</a:t>
+              <a:t>V</a:t>
             </a:r>
             <a:r>
               <a:rPr lang="it-IT" baseline="-25000" dirty="0">
@@ -7085,7 +7717,7 @@
                   <a:schemeClr val="bg1"/>
                 </a:solidFill>
               </a:rPr>
-              <a:t>i</a:t>
+              <a:t>i   </a:t>
             </a:r>
             <a:r>
               <a:rPr lang="it-IT" dirty="0">
@@ -7093,7 +7725,7 @@
                   <a:schemeClr val="bg1"/>
                 </a:solidFill>
               </a:rPr>
-              <a:t> di </a:t>
+              <a:t>componente di </a:t>
             </a:r>
             <a:r>
               <a:rPr lang="it-IT" dirty="0" err="1">
@@ -7109,7 +7741,7 @@
                   <a:schemeClr val="bg1"/>
                 </a:solidFill>
               </a:rPr>
-              <a:t>r</a:t>
+              <a:t>pi</a:t>
             </a:r>
             <a:r>
               <a:rPr lang="it-IT" dirty="0">
@@ -7117,7 +7749,7 @@
                   <a:schemeClr val="bg1"/>
                 </a:solidFill>
               </a:rPr>
-              <a:t> relativa al singolo </a:t>
+              <a:t> lungo la direzione dell’asse del </a:t>
             </a:r>
             <a:r>
               <a:rPr lang="it-IT" dirty="0" err="1">
@@ -7127,11 +7759,14 @@
               </a:rPr>
               <a:t>thruster</a:t>
             </a:r>
-            <a:endParaRPr lang="it-IT" dirty="0">
-              <a:solidFill>
-                <a:schemeClr val="bg1"/>
-              </a:solidFill>
-            </a:endParaRPr>
+            <a:r>
+              <a:rPr lang="it-IT" dirty="0">
+                <a:solidFill>
+                  <a:schemeClr val="bg1"/>
+                </a:solidFill>
+              </a:rPr>
+              <a:t> i</a:t>
+            </a:r>
           </a:p>
         </p:txBody>
       </p:sp>
@@ -7205,7 +7840,7 @@
         </p:nvCxnSpPr>
         <p:spPr>
           <a:xfrm>
-            <a:off x="5559976" y="5339537"/>
+            <a:off x="5445946" y="5274430"/>
             <a:ext cx="471340" cy="0"/>
           </a:xfrm>
           <a:prstGeom prst="straightConnector1">
@@ -7276,13 +7911,13 @@
                       </m:sSubPr>
                       <m:e>
                         <m:r>
-                          <a:rPr lang="it-IT" i="1">
+                          <a:rPr lang="it-IT" b="1" i="1">
                             <a:solidFill>
                               <a:schemeClr val="bg1"/>
                             </a:solidFill>
                             <a:latin typeface="Cambria Math" panose="02040503050406030204" pitchFamily="18" charset="0"/>
                           </a:rPr>
-                          <m:t>𝐵</m:t>
+                          <m:t>𝑩</m:t>
                         </m:r>
                       </m:e>
                       <m:sub>
@@ -7366,13 +8001,13 @@
                                 </m:sSubPr>
                                 <m:e>
                                   <m:r>
-                                    <a:rPr lang="it-IT" i="1">
+                                    <a:rPr lang="it-IT" b="1" i="1">
                                       <a:solidFill>
                                         <a:schemeClr val="bg1"/>
                                       </a:solidFill>
                                       <a:latin typeface="Cambria Math" panose="02040503050406030204" pitchFamily="18" charset="0"/>
                                     </a:rPr>
-                                    <m:t>𝑡</m:t>
+                                    <m:t>𝒕</m:t>
                                   </m:r>
                                 </m:e>
                                 <m:sub>
@@ -7404,13 +8039,13 @@
                                 </m:sSubPr>
                                 <m:e>
                                   <m:r>
-                                    <a:rPr lang="it-IT" i="1">
+                                    <a:rPr lang="it-IT" b="1" i="1">
                                       <a:solidFill>
                                         <a:schemeClr val="bg1"/>
                                       </a:solidFill>
                                       <a:latin typeface="Cambria Math" panose="02040503050406030204" pitchFamily="18" charset="0"/>
                                     </a:rPr>
-                                    <m:t>𝑝</m:t>
+                                    <m:t>𝒑</m:t>
                                   </m:r>
                                 </m:e>
                                 <m:sub>
@@ -7449,13 +8084,13 @@
                                 </m:sSubPr>
                                 <m:e>
                                   <m:r>
-                                    <a:rPr lang="it-IT" i="1">
+                                    <a:rPr lang="it-IT" b="1" i="1">
                                       <a:solidFill>
                                         <a:schemeClr val="bg1"/>
                                       </a:solidFill>
                                       <a:latin typeface="Cambria Math" panose="02040503050406030204" pitchFamily="18" charset="0"/>
                                     </a:rPr>
-                                    <m:t>𝑡</m:t>
+                                    <m:t>𝒕</m:t>
                                   </m:r>
                                 </m:e>
                                 <m:sub>
@@ -7640,8 +8275,8 @@
         </p:nvCxnSpPr>
         <p:spPr>
           <a:xfrm>
-            <a:off x="9984010" y="2879693"/>
-            <a:ext cx="289453" cy="0"/>
+            <a:off x="9066775" y="3559566"/>
+            <a:ext cx="0" cy="257165"/>
           </a:xfrm>
           <a:prstGeom prst="straightConnector1">
             <a:avLst/>
@@ -7676,13 +8311,14 @@
           </p:cNvPr>
           <p:cNvCxnSpPr>
             <a:cxnSpLocks/>
+            <a:endCxn id="39" idx="3"/>
           </p:cNvCxnSpPr>
           <p:nvPr/>
         </p:nvCxnSpPr>
         <p:spPr>
           <a:xfrm>
-            <a:off x="8792878" y="3012656"/>
-            <a:ext cx="0" cy="694149"/>
+            <a:off x="9066776" y="1877739"/>
+            <a:ext cx="0" cy="531315"/>
           </a:xfrm>
           <a:prstGeom prst="straightConnector1">
             <a:avLst/>
@@ -7722,7 +8358,7 @@
         </p:nvCxnSpPr>
         <p:spPr>
           <a:xfrm>
-            <a:off x="9364897" y="3000321"/>
+            <a:off x="9675981" y="1911825"/>
             <a:ext cx="0" cy="272352"/>
           </a:xfrm>
           <a:prstGeom prst="straightConnector1">
@@ -7763,7 +8399,7 @@
         </p:nvCxnSpPr>
         <p:spPr>
           <a:xfrm>
-            <a:off x="8052350" y="3018480"/>
+            <a:off x="8457703" y="1896478"/>
             <a:ext cx="0" cy="272352"/>
           </a:xfrm>
           <a:prstGeom prst="straightConnector1">
@@ -7880,7 +8516,7 @@
         </p:nvSpPr>
         <p:spPr>
           <a:xfrm>
-            <a:off x="7427897" y="3287960"/>
+            <a:off x="7848630" y="2201305"/>
             <a:ext cx="1218146" cy="415498"/>
           </a:xfrm>
           <a:prstGeom prst="rect">
@@ -7944,7 +8580,7 @@
         </p:nvSpPr>
         <p:spPr>
           <a:xfrm>
-            <a:off x="8285080" y="3745178"/>
+            <a:off x="8541254" y="2571604"/>
             <a:ext cx="1079817" cy="415498"/>
           </a:xfrm>
           <a:prstGeom prst="rect">
@@ -8008,7 +8644,7 @@
         </p:nvSpPr>
         <p:spPr>
           <a:xfrm>
-            <a:off x="10273463" y="2671944"/>
+            <a:off x="8541254" y="3851148"/>
             <a:ext cx="1218146" cy="415498"/>
           </a:xfrm>
           <a:prstGeom prst="rect">
@@ -8064,7 +8700,7 @@
         </p:nvSpPr>
         <p:spPr>
           <a:xfrm>
-            <a:off x="8807587" y="3287960"/>
+            <a:off x="9201987" y="2190183"/>
             <a:ext cx="1218146" cy="415498"/>
           </a:xfrm>
           <a:prstGeom prst="rect">
@@ -8155,10 +8791,10 @@
       </p:sp>
       <p:sp>
         <p:nvSpPr>
-          <p:cNvPr id="44" name="Rettangolo 43">
+          <p:cNvPr id="46" name="Rettangolo 45">
             <a:extLst>
               <a:ext uri="{FF2B5EF4-FFF2-40B4-BE49-F238E27FC236}">
-                <a16:creationId xmlns:a16="http://schemas.microsoft.com/office/drawing/2014/main" id="{92137EE0-A9B2-4BB7-9BA3-EED5779F98C1}"/>
+                <a16:creationId xmlns:a16="http://schemas.microsoft.com/office/drawing/2014/main" id="{4CFED5E7-4B4A-428E-81F1-234E8928203F}"/>
               </a:ext>
             </a:extLst>
           </p:cNvPr>
@@ -8167,55 +8803,8 @@
         </p:nvSpPr>
         <p:spPr>
           <a:xfrm>
-            <a:off x="7137736" y="2550991"/>
-            <a:ext cx="2911645" cy="536451"/>
-          </a:xfrm>
-          <a:prstGeom prst="rect">
-            <a:avLst/>
-          </a:prstGeom>
-          <a:noFill/>
-        </p:spPr>
-        <p:style>
-          <a:lnRef idx="2">
-            <a:schemeClr val="accent1">
-              <a:shade val="50000"/>
-            </a:schemeClr>
-          </a:lnRef>
-          <a:fillRef idx="1">
-            <a:schemeClr val="accent1"/>
-          </a:fillRef>
-          <a:effectRef idx="0">
-            <a:schemeClr val="accent1"/>
-          </a:effectRef>
-          <a:fontRef idx="minor">
-            <a:schemeClr val="lt1"/>
-          </a:fontRef>
-        </p:style>
-        <p:txBody>
-          <a:bodyPr rtlCol="0" anchor="ctr"/>
-          <a:lstStyle/>
-          <a:p>
-            <a:pPr algn="ctr"/>
-            <a:endParaRPr lang="it-IT"/>
-          </a:p>
-        </p:txBody>
-      </p:sp>
-      <p:sp>
-        <p:nvSpPr>
-          <p:cNvPr id="46" name="Rettangolo 45">
-            <a:extLst>
-              <a:ext uri="{FF2B5EF4-FFF2-40B4-BE49-F238E27FC236}">
-                <a16:creationId xmlns:a16="http://schemas.microsoft.com/office/drawing/2014/main" id="{4CFED5E7-4B4A-428E-81F1-234E8928203F}"/>
-              </a:ext>
-            </a:extLst>
-          </p:cNvPr>
-          <p:cNvSpPr/>
-          <p:nvPr/>
-        </p:nvSpPr>
-        <p:spPr>
-          <a:xfrm>
-            <a:off x="6160687" y="4348848"/>
-            <a:ext cx="4303066" cy="2179234"/>
+            <a:off x="6031316" y="4348848"/>
+            <a:ext cx="4432437" cy="2179234"/>
           </a:xfrm>
           <a:prstGeom prst="rect">
             <a:avLst/>
@@ -8358,7 +8947,7 @@
             <p:spPr>
               <a:xfrm>
                 <a:off x="9926478" y="4458080"/>
-                <a:ext cx="439672" cy="1887440"/>
+                <a:ext cx="470898" cy="1887440"/>
               </a:xfrm>
               <a:prstGeom prst="rect">
                 <a:avLst/>
@@ -8438,13 +9027,13 @@
                                       </m:sSubPr>
                                       <m:e>
                                         <m:r>
-                                          <a:rPr lang="it-IT" b="0" i="1" smtClean="0">
+                                          <a:rPr lang="it-IT" b="1" i="1" smtClean="0">
                                             <a:solidFill>
                                               <a:schemeClr val="bg1"/>
                                             </a:solidFill>
                                             <a:latin typeface="Cambria Math" panose="02040503050406030204" pitchFamily="18" charset="0"/>
                                           </a:rPr>
-                                          <m:t>𝑇</m:t>
+                                          <m:t>𝑻</m:t>
                                         </m:r>
                                       </m:e>
                                       <m:sub>
@@ -8474,13 +9063,13 @@
                                       </m:sSubPr>
                                       <m:e>
                                         <m:r>
-                                          <a:rPr lang="it-IT" i="1">
+                                          <a:rPr lang="it-IT" b="1" i="1">
                                             <a:solidFill>
                                               <a:schemeClr val="bg1"/>
                                             </a:solidFill>
                                             <a:latin typeface="Cambria Math" panose="02040503050406030204" pitchFamily="18" charset="0"/>
                                           </a:rPr>
-                                          <m:t>𝑇</m:t>
+                                          <m:t>𝑻</m:t>
                                         </m:r>
                                       </m:e>
                                       <m:sub>
@@ -8526,13 +9115,13 @@
                                       </m:sSubPr>
                                       <m:e>
                                         <m:r>
-                                          <a:rPr lang="it-IT" i="1">
+                                          <a:rPr lang="it-IT" b="1" i="1">
                                             <a:solidFill>
                                               <a:schemeClr val="bg1"/>
                                             </a:solidFill>
                                             <a:latin typeface="Cambria Math" panose="02040503050406030204" pitchFamily="18" charset="0"/>
                                           </a:rPr>
-                                          <m:t>𝑇</m:t>
+                                          <m:t>𝑻</m:t>
                                         </m:r>
                                       </m:e>
                                       <m:sub>
@@ -8562,13 +9151,13 @@
                                       </m:sSubPr>
                                       <m:e>
                                         <m:r>
-                                          <a:rPr lang="it-IT" i="1">
+                                          <a:rPr lang="it-IT" b="1" i="1">
                                             <a:solidFill>
                                               <a:schemeClr val="bg1"/>
                                             </a:solidFill>
                                             <a:latin typeface="Cambria Math" panose="02040503050406030204" pitchFamily="18" charset="0"/>
                                           </a:rPr>
-                                          <m:t>𝑇</m:t>
+                                          <m:t>𝑻</m:t>
                                         </m:r>
                                       </m:e>
                                       <m:sub>
@@ -8598,13 +9187,13 @@
                                       </m:sSubPr>
                                       <m:e>
                                         <m:r>
-                                          <a:rPr lang="it-IT" i="1">
+                                          <a:rPr lang="it-IT" b="1" i="1">
                                             <a:solidFill>
                                               <a:schemeClr val="bg1"/>
                                             </a:solidFill>
                                             <a:latin typeface="Cambria Math" panose="02040503050406030204" pitchFamily="18" charset="0"/>
                                           </a:rPr>
-                                          <m:t>𝑇</m:t>
+                                          <m:t>𝑻</m:t>
                                         </m:r>
                                       </m:e>
                                       <m:sub>
@@ -8634,13 +9223,13 @@
                                       </m:sSubPr>
                                       <m:e>
                                         <m:r>
-                                          <a:rPr lang="it-IT" i="1">
+                                          <a:rPr lang="it-IT" b="1" i="1">
                                             <a:solidFill>
                                               <a:schemeClr val="bg1"/>
                                             </a:solidFill>
                                             <a:latin typeface="Cambria Math" panose="02040503050406030204" pitchFamily="18" charset="0"/>
                                           </a:rPr>
-                                          <m:t>𝑇</m:t>
+                                          <m:t>𝑻</m:t>
                                         </m:r>
                                       </m:e>
                                       <m:sub>
@@ -8670,13 +9259,13 @@
                                       </m:sSubPr>
                                       <m:e>
                                         <m:r>
-                                          <a:rPr lang="it-IT" i="1">
+                                          <a:rPr lang="it-IT" b="1" i="1">
                                             <a:solidFill>
                                               <a:schemeClr val="bg1"/>
                                             </a:solidFill>
                                             <a:latin typeface="Cambria Math" panose="02040503050406030204" pitchFamily="18" charset="0"/>
                                           </a:rPr>
-                                          <m:t>𝑇</m:t>
+                                          <m:t>𝑻</m:t>
                                         </m:r>
                                       </m:e>
                                       <m:sub>
@@ -8728,7 +9317,7 @@
             <p:spPr>
               <a:xfrm>
                 <a:off x="9926478" y="4458080"/>
-                <a:ext cx="439672" cy="1887440"/>
+                <a:ext cx="470898" cy="1887440"/>
               </a:xfrm>
               <a:prstGeom prst="rect">
                 <a:avLst/>
@@ -8771,8 +9360,8 @@
             </p:nvSpPr>
             <p:spPr>
               <a:xfrm>
-                <a:off x="6243079" y="5095411"/>
-                <a:ext cx="3806306" cy="276999"/>
+                <a:off x="6113267" y="5104998"/>
+                <a:ext cx="4049405" cy="276999"/>
               </a:xfrm>
               <a:prstGeom prst="rect">
                 <a:avLst/>
@@ -8867,13 +9456,13 @@
                                 </m:sSubPr>
                                 <m:e>
                                   <m:r>
-                                    <a:rPr lang="it-IT" i="1">
+                                    <a:rPr lang="it-IT" b="1" i="1">
                                       <a:solidFill>
                                         <a:schemeClr val="bg1"/>
                                       </a:solidFill>
                                       <a:latin typeface="Cambria Math" panose="02040503050406030204" pitchFamily="18" charset="0"/>
                                     </a:rPr>
-                                    <m:t>𝐵</m:t>
+                                    <m:t>𝑩</m:t>
                                   </m:r>
                                 </m:e>
                                 <m:sub>
@@ -8903,13 +9492,13 @@
                                 </m:sSubPr>
                                 <m:e>
                                   <m:r>
-                                    <a:rPr lang="it-IT" i="1">
+                                    <a:rPr lang="it-IT" b="1" i="1">
                                       <a:solidFill>
                                         <a:schemeClr val="bg1"/>
                                       </a:solidFill>
                                       <a:latin typeface="Cambria Math" panose="02040503050406030204" pitchFamily="18" charset="0"/>
                                     </a:rPr>
-                                    <m:t>𝐵</m:t>
+                                    <m:t>𝑩</m:t>
                                   </m:r>
                                 </m:e>
                                 <m:sub>
@@ -8939,13 +9528,13 @@
                                 </m:sSubPr>
                                 <m:e>
                                   <m:r>
-                                    <a:rPr lang="it-IT" i="1">
+                                    <a:rPr lang="it-IT" b="1" i="1">
                                       <a:solidFill>
                                         <a:schemeClr val="bg1"/>
                                       </a:solidFill>
                                       <a:latin typeface="Cambria Math" panose="02040503050406030204" pitchFamily="18" charset="0"/>
                                     </a:rPr>
-                                    <m:t>𝐵</m:t>
+                                    <m:t>𝑩</m:t>
                                   </m:r>
                                 </m:e>
                                 <m:sub>
@@ -8975,13 +9564,13 @@
                                 </m:sSubPr>
                                 <m:e>
                                   <m:r>
-                                    <a:rPr lang="it-IT" i="1">
+                                    <a:rPr lang="it-IT" b="1" i="1">
                                       <a:solidFill>
                                         <a:schemeClr val="bg1"/>
                                       </a:solidFill>
                                       <a:latin typeface="Cambria Math" panose="02040503050406030204" pitchFamily="18" charset="0"/>
                                     </a:rPr>
-                                    <m:t>𝐵</m:t>
+                                    <m:t>𝑩</m:t>
                                   </m:r>
                                 </m:e>
                                 <m:sub>
@@ -9011,13 +9600,13 @@
                                 </m:sSubPr>
                                 <m:e>
                                   <m:r>
-                                    <a:rPr lang="it-IT" i="1">
+                                    <a:rPr lang="it-IT" b="1" i="1">
                                       <a:solidFill>
                                         <a:schemeClr val="bg1"/>
                                       </a:solidFill>
                                       <a:latin typeface="Cambria Math" panose="02040503050406030204" pitchFamily="18" charset="0"/>
                                     </a:rPr>
-                                    <m:t>𝐵</m:t>
+                                    <m:t>𝑩</m:t>
                                   </m:r>
                                 </m:e>
                                 <m:sub>
@@ -9047,13 +9636,13 @@
                                 </m:sSubPr>
                                 <m:e>
                                   <m:r>
-                                    <a:rPr lang="it-IT" i="1">
+                                    <a:rPr lang="it-IT" b="1" i="1">
                                       <a:solidFill>
                                         <a:schemeClr val="bg1"/>
                                       </a:solidFill>
                                       <a:latin typeface="Cambria Math" panose="02040503050406030204" pitchFamily="18" charset="0"/>
                                     </a:rPr>
-                                    <m:t>𝐵</m:t>
+                                    <m:t>𝑩</m:t>
                                   </m:r>
                                 </m:e>
                                 <m:sub>
@@ -9083,13 +9672,13 @@
                                 </m:sSubPr>
                                 <m:e>
                                   <m:r>
-                                    <a:rPr lang="it-IT" i="1">
+                                    <a:rPr lang="it-IT" b="1" i="1">
                                       <a:solidFill>
                                         <a:schemeClr val="bg1"/>
                                       </a:solidFill>
                                       <a:latin typeface="Cambria Math" panose="02040503050406030204" pitchFamily="18" charset="0"/>
                                     </a:rPr>
-                                    <m:t>𝐵</m:t>
+                                    <m:t>𝑩</m:t>
                                   </m:r>
                                 </m:e>
                                 <m:sub>
@@ -9140,8 +9729,8 @@
             </p:nvSpPr>
             <p:spPr>
               <a:xfrm>
-                <a:off x="6243079" y="5095411"/>
-                <a:ext cx="3806306" cy="276999"/>
+                <a:off x="6113267" y="5104998"/>
+                <a:ext cx="4049405" cy="276999"/>
               </a:xfrm>
               <a:prstGeom prst="rect">
                 <a:avLst/>
@@ -9149,7 +9738,7 @@
               <a:blipFill>
                 <a:blip r:embed="rId6"/>
                 <a:stretch>
-                  <a:fillRect l="-1600" b="-15556"/>
+                  <a:fillRect l="-1506" b="-13043"/>
                 </a:stretch>
               </a:blipFill>
             </p:spPr>
@@ -9213,13 +9802,13 @@
                       </m:sSubPr>
                       <m:e>
                         <m:r>
-                          <a:rPr lang="it-IT" sz="2400" i="1" dirty="0">
+                          <a:rPr lang="it-IT" sz="2400" b="1" i="1" dirty="0">
                             <a:solidFill>
                               <a:schemeClr val="bg1"/>
                             </a:solidFill>
                             <a:latin typeface="Cambria Math" panose="02040503050406030204" pitchFamily="18" charset="0"/>
                           </a:rPr>
-                          <m:t>𝜈</m:t>
+                          <m:t>𝝂</m:t>
                         </m:r>
                       </m:e>
                       <m:sub>
@@ -9247,13 +9836,13 @@
                 <a14:m>
                   <m:oMath xmlns:m="http://schemas.openxmlformats.org/officeDocument/2006/math">
                     <m:r>
-                      <a:rPr lang="it-IT" sz="2400" i="1" dirty="0">
+                      <a:rPr lang="it-IT" sz="2400" b="1" i="1" dirty="0">
                         <a:solidFill>
                           <a:schemeClr val="bg1"/>
                         </a:solidFill>
                         <a:latin typeface="Cambria Math" panose="02040503050406030204" pitchFamily="18" charset="0"/>
                       </a:rPr>
-                      <m:t>𝜈</m:t>
+                      <m:t>𝝂</m:t>
                     </m:r>
                   </m:oMath>
                 </a14:m>
@@ -9280,13 +9869,13 @@
                       </m:sSubPr>
                       <m:e>
                         <m:r>
-                          <a:rPr lang="it-IT" sz="2400" i="1" dirty="0">
+                          <a:rPr lang="it-IT" sz="2400" b="1" i="1" dirty="0">
                             <a:solidFill>
                               <a:schemeClr val="bg1"/>
                             </a:solidFill>
                             <a:latin typeface="Cambria Math" panose="02040503050406030204" pitchFamily="18" charset="0"/>
                           </a:rPr>
-                          <m:t>𝜈</m:t>
+                          <m:t>𝝂</m:t>
                         </m:r>
                       </m:e>
                       <m:sub>
@@ -9338,7 +9927,310 @@
               <a:blipFill>
                 <a:blip r:embed="rId7"/>
                 <a:stretch>
-                  <a:fillRect l="-4688" t="-25000" b="-51667"/>
+                  <a:fillRect l="-5078" t="-25000" b="-51667"/>
+                </a:stretch>
+              </a:blipFill>
+            </p:spPr>
+            <p:txBody>
+              <a:bodyPr/>
+              <a:lstStyle/>
+              <a:p>
+                <a:r>
+                  <a:rPr lang="it-IT">
+                    <a:noFill/>
+                  </a:rPr>
+                  <a:t> </a:t>
+                </a:r>
+              </a:p>
+            </p:txBody>
+          </p:sp>
+        </mc:Fallback>
+      </mc:AlternateContent>
+      <mc:AlternateContent xmlns:mc="http://schemas.openxmlformats.org/markup-compatibility/2006">
+        <mc:Choice xmlns:a14="http://schemas.microsoft.com/office/drawing/2010/main" Requires="a14">
+          <p:sp>
+            <p:nvSpPr>
+              <p:cNvPr id="6" name="CasellaDiTesto 5">
+                <a:extLst>
+                  <a:ext uri="{FF2B5EF4-FFF2-40B4-BE49-F238E27FC236}">
+                    <a16:creationId xmlns:a16="http://schemas.microsoft.com/office/drawing/2014/main" id="{FE0DBDA5-DAFD-4FC2-9B72-059123ACD38D}"/>
+                  </a:ext>
+                </a:extLst>
+              </p:cNvPr>
+              <p:cNvSpPr txBox="1"/>
+              <p:nvPr/>
+            </p:nvSpPr>
+            <p:spPr>
+              <a:xfrm>
+                <a:off x="7634330" y="1478136"/>
+                <a:ext cx="2133276" cy="304186"/>
+              </a:xfrm>
+              <a:prstGeom prst="rect">
+                <a:avLst/>
+              </a:prstGeom>
+              <a:noFill/>
+            </p:spPr>
+            <p:txBody>
+              <a:bodyPr wrap="none" lIns="0" tIns="0" rIns="0" bIns="0" rtlCol="0">
+                <a:spAutoFit/>
+              </a:bodyPr>
+              <a:lstStyle/>
+              <a:p>
+                <a14:m>
+                  <m:oMathPara xmlns:m="http://schemas.openxmlformats.org/officeDocument/2006/math">
+                    <m:oMathParaPr>
+                      <m:jc m:val="centerGroup"/>
+                    </m:oMathParaPr>
+                    <m:oMath xmlns:m="http://schemas.openxmlformats.org/officeDocument/2006/math">
+                      <m:sSub>
+                        <m:sSubPr>
+                          <m:ctrlPr>
+                            <a:rPr lang="it-IT" i="1" smtClean="0">
+                              <a:solidFill>
+                                <a:schemeClr val="bg1"/>
+                              </a:solidFill>
+                              <a:latin typeface="Cambria Math" panose="02040503050406030204" pitchFamily="18" charset="0"/>
+                            </a:rPr>
+                          </m:ctrlPr>
+                        </m:sSubPr>
+                        <m:e>
+                          <m:r>
+                            <a:rPr lang="it-IT" b="1" i="1" dirty="0">
+                              <a:solidFill>
+                                <a:schemeClr val="bg1"/>
+                              </a:solidFill>
+                              <a:latin typeface="Cambria Math" panose="02040503050406030204" pitchFamily="18" charset="0"/>
+                            </a:rPr>
+                            <m:t>𝝂</m:t>
+                          </m:r>
+                        </m:e>
+                        <m:sub>
+                          <m:sSub>
+                            <m:sSubPr>
+                              <m:ctrlPr>
+                                <a:rPr lang="it-IT" i="1" smtClean="0">
+                                  <a:solidFill>
+                                    <a:schemeClr val="bg1"/>
+                                  </a:solidFill>
+                                  <a:latin typeface="Cambria Math" panose="02040503050406030204" pitchFamily="18" charset="0"/>
+                                </a:rPr>
+                              </m:ctrlPr>
+                            </m:sSubPr>
+                            <m:e>
+                              <m:r>
+                                <a:rPr lang="it-IT" b="0" i="1" smtClean="0">
+                                  <a:solidFill>
+                                    <a:schemeClr val="bg1"/>
+                                  </a:solidFill>
+                                  <a:latin typeface="Cambria Math" panose="02040503050406030204" pitchFamily="18" charset="0"/>
+                                </a:rPr>
+                                <m:t>𝑝</m:t>
+                              </m:r>
+                            </m:e>
+                            <m:sub>
+                              <m:r>
+                                <a:rPr lang="it-IT" b="0" i="1" smtClean="0">
+                                  <a:solidFill>
+                                    <a:schemeClr val="bg1"/>
+                                  </a:solidFill>
+                                  <a:latin typeface="Cambria Math" panose="02040503050406030204" pitchFamily="18" charset="0"/>
+                                </a:rPr>
+                                <m:t>𝑖</m:t>
+                              </m:r>
+                            </m:sub>
+                          </m:sSub>
+                        </m:sub>
+                      </m:sSub>
+                      <m:r>
+                        <a:rPr lang="it-IT" b="0" i="1" smtClean="0">
+                          <a:solidFill>
+                            <a:schemeClr val="bg1"/>
+                          </a:solidFill>
+                          <a:latin typeface="Cambria Math" panose="02040503050406030204" pitchFamily="18" charset="0"/>
+                        </a:rPr>
+                        <m:t>=</m:t>
+                      </m:r>
+                      <m:sSub>
+                        <m:sSubPr>
+                          <m:ctrlPr>
+                            <a:rPr lang="it-IT" b="0" i="1" smtClean="0">
+                              <a:solidFill>
+                                <a:schemeClr val="bg1"/>
+                              </a:solidFill>
+                              <a:latin typeface="Cambria Math" panose="02040503050406030204" pitchFamily="18" charset="0"/>
+                            </a:rPr>
+                          </m:ctrlPr>
+                        </m:sSubPr>
+                        <m:e>
+                          <m:r>
+                            <a:rPr lang="it-IT" b="1" i="1" dirty="0">
+                              <a:solidFill>
+                                <a:schemeClr val="bg1"/>
+                              </a:solidFill>
+                              <a:latin typeface="Cambria Math" panose="02040503050406030204" pitchFamily="18" charset="0"/>
+                            </a:rPr>
+                            <m:t>𝝂</m:t>
+                          </m:r>
+                        </m:e>
+                        <m:sub>
+                          <m:r>
+                            <a:rPr lang="it-IT" b="0" i="1" smtClean="0">
+                              <a:solidFill>
+                                <a:schemeClr val="bg1"/>
+                              </a:solidFill>
+                              <a:latin typeface="Cambria Math" panose="02040503050406030204" pitchFamily="18" charset="0"/>
+                            </a:rPr>
+                            <m:t>𝑟</m:t>
+                          </m:r>
+                          <m:r>
+                            <a:rPr lang="it-IT" b="0" i="1" smtClean="0">
+                              <a:solidFill>
+                                <a:schemeClr val="bg1"/>
+                              </a:solidFill>
+                              <a:latin typeface="Cambria Math" panose="02040503050406030204" pitchFamily="18" charset="0"/>
+                            </a:rPr>
+                            <m:t>1</m:t>
+                          </m:r>
+                        </m:sub>
+                      </m:sSub>
+                      <m:r>
+                        <a:rPr lang="it-IT" b="0" i="1" smtClean="0">
+                          <a:solidFill>
+                            <a:schemeClr val="bg1"/>
+                          </a:solidFill>
+                          <a:latin typeface="Cambria Math" panose="02040503050406030204" pitchFamily="18" charset="0"/>
+                        </a:rPr>
+                        <m:t>+ </m:t>
+                      </m:r>
+                      <m:sSub>
+                        <m:sSubPr>
+                          <m:ctrlPr>
+                            <a:rPr lang="it-IT" b="0" i="1" smtClean="0">
+                              <a:solidFill>
+                                <a:schemeClr val="bg1"/>
+                              </a:solidFill>
+                              <a:latin typeface="Cambria Math" panose="02040503050406030204" pitchFamily="18" charset="0"/>
+                            </a:rPr>
+                          </m:ctrlPr>
+                        </m:sSubPr>
+                        <m:e>
+                          <m:r>
+                            <a:rPr lang="it-IT" b="1" i="1" dirty="0">
+                              <a:solidFill>
+                                <a:schemeClr val="bg1"/>
+                              </a:solidFill>
+                              <a:latin typeface="Cambria Math" panose="02040503050406030204" pitchFamily="18" charset="0"/>
+                            </a:rPr>
+                            <m:t>𝝂</m:t>
+                          </m:r>
+                        </m:e>
+                        <m:sub>
+                          <m:r>
+                            <a:rPr lang="it-IT" b="0" i="1" smtClean="0">
+                              <a:solidFill>
+                                <a:schemeClr val="bg1"/>
+                              </a:solidFill>
+                              <a:latin typeface="Cambria Math" panose="02040503050406030204" pitchFamily="18" charset="0"/>
+                            </a:rPr>
+                            <m:t>𝑟</m:t>
+                          </m:r>
+                          <m:r>
+                            <a:rPr lang="it-IT" b="0" i="1" smtClean="0">
+                              <a:solidFill>
+                                <a:schemeClr val="bg1"/>
+                              </a:solidFill>
+                              <a:latin typeface="Cambria Math" panose="02040503050406030204" pitchFamily="18" charset="0"/>
+                            </a:rPr>
+                            <m:t>2</m:t>
+                          </m:r>
+                        </m:sub>
+                      </m:sSub>
+                      <m:r>
+                        <a:rPr lang="it-IT" i="1">
+                          <a:solidFill>
+                            <a:schemeClr val="bg1"/>
+                          </a:solidFill>
+                          <a:latin typeface="Cambria Math" panose="02040503050406030204" pitchFamily="18" charset="0"/>
+                          <a:ea typeface="Cambria Math" panose="02040503050406030204" pitchFamily="18" charset="0"/>
+                        </a:rPr>
+                        <m:t>×</m:t>
+                      </m:r>
+                      <m:sSub>
+                        <m:sSubPr>
+                          <m:ctrlPr>
+                            <a:rPr lang="it-IT" i="1" smtClean="0">
+                              <a:solidFill>
+                                <a:schemeClr val="bg1"/>
+                              </a:solidFill>
+                              <a:latin typeface="Cambria Math" panose="02040503050406030204" pitchFamily="18" charset="0"/>
+                              <a:ea typeface="Cambria Math" panose="02040503050406030204" pitchFamily="18" charset="0"/>
+                            </a:rPr>
+                          </m:ctrlPr>
+                        </m:sSubPr>
+                        <m:e>
+                          <m:r>
+                            <a:rPr lang="it-IT" b="1" i="1" smtClean="0">
+                              <a:solidFill>
+                                <a:schemeClr val="bg1"/>
+                              </a:solidFill>
+                              <a:latin typeface="Cambria Math" panose="02040503050406030204" pitchFamily="18" charset="0"/>
+                              <a:ea typeface="Cambria Math" panose="02040503050406030204" pitchFamily="18" charset="0"/>
+                            </a:rPr>
+                            <m:t>𝒑</m:t>
+                          </m:r>
+                        </m:e>
+                        <m:sub>
+                          <m:r>
+                            <a:rPr lang="it-IT" b="0" i="1" smtClean="0">
+                              <a:solidFill>
+                                <a:schemeClr val="bg1"/>
+                              </a:solidFill>
+                              <a:latin typeface="Cambria Math" panose="02040503050406030204" pitchFamily="18" charset="0"/>
+                              <a:ea typeface="Cambria Math" panose="02040503050406030204" pitchFamily="18" charset="0"/>
+                            </a:rPr>
+                            <m:t>𝑖</m:t>
+                          </m:r>
+                        </m:sub>
+                      </m:sSub>
+                    </m:oMath>
+                  </m:oMathPara>
+                </a14:m>
+                <a:endParaRPr lang="it-IT" dirty="0">
+                  <a:solidFill>
+                    <a:schemeClr val="bg1"/>
+                  </a:solidFill>
+                </a:endParaRPr>
+              </a:p>
+            </p:txBody>
+          </p:sp>
+        </mc:Choice>
+        <mc:Fallback>
+          <p:sp>
+            <p:nvSpPr>
+              <p:cNvPr id="6" name="CasellaDiTesto 5">
+                <a:extLst>
+                  <a:ext uri="{FF2B5EF4-FFF2-40B4-BE49-F238E27FC236}">
+                    <a16:creationId xmlns:a16="http://schemas.microsoft.com/office/drawing/2014/main" id="{FE0DBDA5-DAFD-4FC2-9B72-059123ACD38D}"/>
+                  </a:ext>
+                </a:extLst>
+              </p:cNvPr>
+              <p:cNvSpPr txBox="1">
+                <a:spLocks noRot="1" noChangeAspect="1" noMove="1" noResize="1" noEditPoints="1" noAdjustHandles="1" noChangeArrowheads="1" noChangeShapeType="1" noTextEdit="1"/>
+              </p:cNvSpPr>
+              <p:nvPr/>
+            </p:nvSpPr>
+            <p:spPr>
+              <a:xfrm>
+                <a:off x="7634330" y="1478136"/>
+                <a:ext cx="2133276" cy="304186"/>
+              </a:xfrm>
+              <a:prstGeom prst="rect">
+                <a:avLst/>
+              </a:prstGeom>
+              <a:blipFill>
+                <a:blip r:embed="rId8"/>
+                <a:stretch>
+                  <a:fillRect l="-1143" r="-857" b="-18000"/>
                 </a:stretch>
               </a:blipFill>
             </p:spPr>
@@ -9483,7 +10375,7 @@
         <p:spPr>
           <a:xfrm>
             <a:off x="337221" y="428665"/>
-            <a:ext cx="6371424" cy="584775"/>
+            <a:ext cx="4189737" cy="584775"/>
           </a:xfrm>
           <a:prstGeom prst="rect">
             <a:avLst/>
@@ -9505,7 +10397,1136 @@
                   <a:schemeClr val="bg1"/>
                 </a:solidFill>
               </a:rPr>
-              <a:t>Modello cinematico e dinamico</a:t>
+              <a:t>Modello cinematico</a:t>
+            </a:r>
+          </a:p>
+        </p:txBody>
+      </p:sp>
+      <mc:AlternateContent xmlns:mc="http://schemas.openxmlformats.org/markup-compatibility/2006">
+        <mc:Choice xmlns:a14="http://schemas.microsoft.com/office/drawing/2010/main" Requires="a14">
+          <p:sp>
+            <p:nvSpPr>
+              <p:cNvPr id="2" name="CasellaDiTesto 1">
+                <a:extLst>
+                  <a:ext uri="{FF2B5EF4-FFF2-40B4-BE49-F238E27FC236}">
+                    <a16:creationId xmlns:a16="http://schemas.microsoft.com/office/drawing/2014/main" id="{6145C858-D35A-47D6-9C7C-623F8F566455}"/>
+                  </a:ext>
+                </a:extLst>
+              </p:cNvPr>
+              <p:cNvSpPr txBox="1"/>
+              <p:nvPr/>
+            </p:nvSpPr>
+            <p:spPr>
+              <a:xfrm>
+                <a:off x="1637122" y="1506938"/>
+                <a:ext cx="1115505" cy="369332"/>
+              </a:xfrm>
+              <a:prstGeom prst="rect">
+                <a:avLst/>
+              </a:prstGeom>
+              <a:noFill/>
+            </p:spPr>
+            <p:txBody>
+              <a:bodyPr wrap="square" lIns="0" tIns="0" rIns="0" bIns="0" rtlCol="0">
+                <a:spAutoFit/>
+              </a:bodyPr>
+              <a:lstStyle/>
+              <a:p>
+                <a14:m>
+                  <m:oMathPara xmlns:m="http://schemas.openxmlformats.org/officeDocument/2006/math">
+                    <m:oMathParaPr>
+                      <m:jc m:val="centerGroup"/>
+                    </m:oMathParaPr>
+                    <m:oMath xmlns:m="http://schemas.openxmlformats.org/officeDocument/2006/math">
+                      <m:acc>
+                        <m:accPr>
+                          <m:chr m:val="̇"/>
+                          <m:ctrlPr>
+                            <a:rPr lang="it-IT" sz="2400" i="1" smtClean="0">
+                              <a:solidFill>
+                                <a:schemeClr val="bg1"/>
+                              </a:solidFill>
+                              <a:latin typeface="Cambria Math" panose="02040503050406030204" pitchFamily="18" charset="0"/>
+                            </a:rPr>
+                          </m:ctrlPr>
+                        </m:accPr>
+                        <m:e>
+                          <m:r>
+                            <m:rPr>
+                              <m:sty m:val="p"/>
+                            </m:rPr>
+                            <a:rPr lang="el-GR" sz="2400" i="1" smtClean="0">
+                              <a:solidFill>
+                                <a:schemeClr val="bg1"/>
+                              </a:solidFill>
+                              <a:latin typeface="Cambria Math" panose="02040503050406030204" pitchFamily="18" charset="0"/>
+                              <a:ea typeface="Cambria Math" panose="02040503050406030204" pitchFamily="18" charset="0"/>
+                            </a:rPr>
+                            <m:t>η</m:t>
+                          </m:r>
+                        </m:e>
+                      </m:acc>
+                      <m:r>
+                        <a:rPr lang="it-IT" sz="2400" b="0" i="0" smtClean="0">
+                          <a:solidFill>
+                            <a:schemeClr val="bg1"/>
+                          </a:solidFill>
+                          <a:latin typeface="Cambria Math" panose="02040503050406030204" pitchFamily="18" charset="0"/>
+                        </a:rPr>
+                        <m:t>=</m:t>
+                      </m:r>
+                      <m:r>
+                        <m:rPr>
+                          <m:sty m:val="p"/>
+                        </m:rPr>
+                        <a:rPr lang="it-IT" sz="2400" b="0" i="0" smtClean="0">
+                          <a:solidFill>
+                            <a:schemeClr val="bg1"/>
+                          </a:solidFill>
+                          <a:latin typeface="Cambria Math" panose="02040503050406030204" pitchFamily="18" charset="0"/>
+                        </a:rPr>
+                        <m:t>J</m:t>
+                      </m:r>
+                      <m:r>
+                        <m:rPr>
+                          <m:sty m:val="p"/>
+                        </m:rPr>
+                        <a:rPr lang="el-GR" sz="2400" b="0" i="1" smtClean="0">
+                          <a:solidFill>
+                            <a:schemeClr val="bg1"/>
+                          </a:solidFill>
+                          <a:latin typeface="Cambria Math" panose="02040503050406030204" pitchFamily="18" charset="0"/>
+                          <a:ea typeface="Cambria Math" panose="02040503050406030204" pitchFamily="18" charset="0"/>
+                        </a:rPr>
+                        <m:t>ν</m:t>
+                      </m:r>
+                    </m:oMath>
+                  </m:oMathPara>
+                </a14:m>
+                <a:endParaRPr lang="it-IT" sz="2400" dirty="0">
+                  <a:solidFill>
+                    <a:schemeClr val="bg1"/>
+                  </a:solidFill>
+                </a:endParaRPr>
+              </a:p>
+            </p:txBody>
+          </p:sp>
+        </mc:Choice>
+        <mc:Fallback>
+          <p:sp>
+            <p:nvSpPr>
+              <p:cNvPr id="2" name="CasellaDiTesto 1">
+                <a:extLst>
+                  <a:ext uri="{FF2B5EF4-FFF2-40B4-BE49-F238E27FC236}">
+                    <a16:creationId xmlns:a16="http://schemas.microsoft.com/office/drawing/2014/main" id="{6145C858-D35A-47D6-9C7C-623F8F566455}"/>
+                  </a:ext>
+                </a:extLst>
+              </p:cNvPr>
+              <p:cNvSpPr txBox="1">
+                <a:spLocks noRot="1" noChangeAspect="1" noMove="1" noResize="1" noEditPoints="1" noAdjustHandles="1" noChangeArrowheads="1" noChangeShapeType="1" noTextEdit="1"/>
+              </p:cNvSpPr>
+              <p:nvPr/>
+            </p:nvSpPr>
+            <p:spPr>
+              <a:xfrm>
+                <a:off x="1637122" y="1506938"/>
+                <a:ext cx="1115505" cy="369332"/>
+              </a:xfrm>
+              <a:prstGeom prst="rect">
+                <a:avLst/>
+              </a:prstGeom>
+              <a:blipFill>
+                <a:blip r:embed="rId3"/>
+                <a:stretch>
+                  <a:fillRect t="-1639" b="-32787"/>
+                </a:stretch>
+              </a:blipFill>
+            </p:spPr>
+            <p:txBody>
+              <a:bodyPr/>
+              <a:lstStyle/>
+              <a:p>
+                <a:r>
+                  <a:rPr lang="it-IT">
+                    <a:noFill/>
+                  </a:rPr>
+                  <a:t> </a:t>
+                </a:r>
+              </a:p>
+            </p:txBody>
+          </p:sp>
+        </mc:Fallback>
+      </mc:AlternateContent>
+      <mc:AlternateContent xmlns:mc="http://schemas.openxmlformats.org/markup-compatibility/2006">
+        <mc:Choice xmlns:a14="http://schemas.microsoft.com/office/drawing/2010/main" Requires="a14">
+          <p:sp>
+            <p:nvSpPr>
+              <p:cNvPr id="7" name="CasellaDiTesto 6">
+                <a:extLst>
+                  <a:ext uri="{FF2B5EF4-FFF2-40B4-BE49-F238E27FC236}">
+                    <a16:creationId xmlns:a16="http://schemas.microsoft.com/office/drawing/2014/main" id="{E79C20DF-5214-428E-A8A3-E5AE527F4299}"/>
+                  </a:ext>
+                </a:extLst>
+              </p:cNvPr>
+              <p:cNvSpPr txBox="1"/>
+              <p:nvPr/>
+            </p:nvSpPr>
+            <p:spPr>
+              <a:xfrm>
+                <a:off x="1896687" y="2283272"/>
+                <a:ext cx="2239972" cy="386324"/>
+              </a:xfrm>
+              <a:prstGeom prst="rect">
+                <a:avLst/>
+              </a:prstGeom>
+              <a:noFill/>
+            </p:spPr>
+            <p:txBody>
+              <a:bodyPr wrap="none" lIns="0" tIns="0" rIns="0" bIns="0" rtlCol="0">
+                <a:spAutoFit/>
+              </a:bodyPr>
+              <a:lstStyle/>
+              <a:p>
+                <a14:m>
+                  <m:oMath xmlns:m="http://schemas.openxmlformats.org/officeDocument/2006/math">
+                    <m:acc>
+                      <m:accPr>
+                        <m:chr m:val="̇"/>
+                        <m:ctrlPr>
+                          <a:rPr lang="it-IT" sz="2400" i="1" smtClean="0">
+                            <a:solidFill>
+                              <a:schemeClr val="bg1"/>
+                            </a:solidFill>
+                            <a:latin typeface="Cambria Math" panose="02040503050406030204" pitchFamily="18" charset="0"/>
+                          </a:rPr>
+                        </m:ctrlPr>
+                      </m:accPr>
+                      <m:e>
+                        <m:r>
+                          <m:rPr>
+                            <m:sty m:val="p"/>
+                          </m:rPr>
+                          <a:rPr lang="el-GR" sz="2400" i="1">
+                            <a:solidFill>
+                              <a:schemeClr val="bg1"/>
+                            </a:solidFill>
+                            <a:latin typeface="Cambria Math" panose="02040503050406030204" pitchFamily="18" charset="0"/>
+                            <a:ea typeface="Cambria Math" panose="02040503050406030204" pitchFamily="18" charset="0"/>
+                          </a:rPr>
+                          <m:t>η</m:t>
+                        </m:r>
+                      </m:e>
+                    </m:acc>
+                  </m:oMath>
+                </a14:m>
+                <a:r>
+                  <a:rPr lang="it-IT" sz="2400" dirty="0">
+                    <a:solidFill>
+                      <a:schemeClr val="bg1"/>
+                    </a:solidFill>
+                  </a:rPr>
+                  <a:t> = [</a:t>
+                </a:r>
+                <a14:m>
+                  <m:oMath xmlns:m="http://schemas.openxmlformats.org/officeDocument/2006/math">
+                    <m:acc>
+                      <m:accPr>
+                        <m:chr m:val="̇"/>
+                        <m:ctrlPr>
+                          <a:rPr lang="it-IT" sz="2400" i="1">
+                            <a:solidFill>
+                              <a:schemeClr val="bg1"/>
+                            </a:solidFill>
+                            <a:latin typeface="Cambria Math" panose="02040503050406030204" pitchFamily="18" charset="0"/>
+                          </a:rPr>
+                        </m:ctrlPr>
+                      </m:accPr>
+                      <m:e>
+                        <m:r>
+                          <a:rPr lang="it-IT" sz="2400" b="0" i="1" smtClean="0">
+                            <a:solidFill>
+                              <a:schemeClr val="bg1"/>
+                            </a:solidFill>
+                            <a:latin typeface="Cambria Math" panose="02040503050406030204" pitchFamily="18" charset="0"/>
+                          </a:rPr>
+                          <m:t>𝑥</m:t>
+                        </m:r>
+                      </m:e>
+                    </m:acc>
+                  </m:oMath>
+                </a14:m>
+                <a:r>
+                  <a:rPr lang="it-IT" sz="2400" dirty="0">
+                    <a:solidFill>
+                      <a:schemeClr val="bg1"/>
+                    </a:solidFill>
+                  </a:rPr>
+                  <a:t> </a:t>
+                </a:r>
+                <a14:m>
+                  <m:oMath xmlns:m="http://schemas.openxmlformats.org/officeDocument/2006/math">
+                    <m:acc>
+                      <m:accPr>
+                        <m:chr m:val="̇"/>
+                        <m:ctrlPr>
+                          <a:rPr lang="it-IT" sz="2400" i="1">
+                            <a:solidFill>
+                              <a:schemeClr val="bg1"/>
+                            </a:solidFill>
+                            <a:latin typeface="Cambria Math" panose="02040503050406030204" pitchFamily="18" charset="0"/>
+                          </a:rPr>
+                        </m:ctrlPr>
+                      </m:accPr>
+                      <m:e>
+                        <m:r>
+                          <a:rPr lang="it-IT" sz="2400" b="0" i="1" smtClean="0">
+                            <a:solidFill>
+                              <a:schemeClr val="bg1"/>
+                            </a:solidFill>
+                            <a:latin typeface="Cambria Math" panose="02040503050406030204" pitchFamily="18" charset="0"/>
+                          </a:rPr>
+                          <m:t>𝑦</m:t>
+                        </m:r>
+                      </m:e>
+                    </m:acc>
+                  </m:oMath>
+                </a14:m>
+                <a:r>
+                  <a:rPr lang="it-IT" sz="2400" dirty="0">
+                    <a:solidFill>
+                      <a:schemeClr val="bg1"/>
+                    </a:solidFill>
+                  </a:rPr>
+                  <a:t> </a:t>
+                </a:r>
+                <a14:m>
+                  <m:oMath xmlns:m="http://schemas.openxmlformats.org/officeDocument/2006/math">
+                    <m:acc>
+                      <m:accPr>
+                        <m:chr m:val="̇"/>
+                        <m:ctrlPr>
+                          <a:rPr lang="it-IT" sz="2400" i="1">
+                            <a:solidFill>
+                              <a:schemeClr val="bg1"/>
+                            </a:solidFill>
+                            <a:latin typeface="Cambria Math" panose="02040503050406030204" pitchFamily="18" charset="0"/>
+                          </a:rPr>
+                        </m:ctrlPr>
+                      </m:accPr>
+                      <m:e>
+                        <m:r>
+                          <a:rPr lang="it-IT" sz="2400" b="0" i="1" smtClean="0">
+                            <a:solidFill>
+                              <a:schemeClr val="bg1"/>
+                            </a:solidFill>
+                            <a:latin typeface="Cambria Math" panose="02040503050406030204" pitchFamily="18" charset="0"/>
+                          </a:rPr>
+                          <m:t>𝑧</m:t>
+                        </m:r>
+                      </m:e>
+                    </m:acc>
+                  </m:oMath>
+                </a14:m>
+                <a:r>
+                  <a:rPr lang="it-IT" sz="2400" dirty="0">
+                    <a:solidFill>
+                      <a:schemeClr val="bg1"/>
+                    </a:solidFill>
+                  </a:rPr>
+                  <a:t> </a:t>
+                </a:r>
+                <a14:m>
+                  <m:oMath xmlns:m="http://schemas.openxmlformats.org/officeDocument/2006/math">
+                    <m:acc>
+                      <m:accPr>
+                        <m:chr m:val="̇"/>
+                        <m:ctrlPr>
+                          <a:rPr lang="it-IT" sz="2400" i="1">
+                            <a:solidFill>
+                              <a:schemeClr val="bg1"/>
+                            </a:solidFill>
+                            <a:latin typeface="Cambria Math" panose="02040503050406030204" pitchFamily="18" charset="0"/>
+                          </a:rPr>
+                        </m:ctrlPr>
+                      </m:accPr>
+                      <m:e>
+                        <m:r>
+                          <m:rPr>
+                            <m:sty m:val="p"/>
+                          </m:rPr>
+                          <a:rPr lang="el-GR" sz="2400" i="1" smtClean="0">
+                            <a:solidFill>
+                              <a:schemeClr val="bg1"/>
+                            </a:solidFill>
+                            <a:latin typeface="Cambria Math" panose="02040503050406030204" pitchFamily="18" charset="0"/>
+                            <a:ea typeface="Cambria Math" panose="02040503050406030204" pitchFamily="18" charset="0"/>
+                          </a:rPr>
+                          <m:t>ϕ</m:t>
+                        </m:r>
+                      </m:e>
+                    </m:acc>
+                  </m:oMath>
+                </a14:m>
+                <a:r>
+                  <a:rPr lang="it-IT" sz="2400" dirty="0">
+                    <a:solidFill>
+                      <a:schemeClr val="bg1"/>
+                    </a:solidFill>
+                  </a:rPr>
+                  <a:t> </a:t>
+                </a:r>
+                <a14:m>
+                  <m:oMath xmlns:m="http://schemas.openxmlformats.org/officeDocument/2006/math">
+                    <m:acc>
+                      <m:accPr>
+                        <m:chr m:val="̇"/>
+                        <m:ctrlPr>
+                          <a:rPr lang="it-IT" sz="2400" i="1">
+                            <a:solidFill>
+                              <a:schemeClr val="bg1"/>
+                            </a:solidFill>
+                            <a:latin typeface="Cambria Math" panose="02040503050406030204" pitchFamily="18" charset="0"/>
+                          </a:rPr>
+                        </m:ctrlPr>
+                      </m:accPr>
+                      <m:e>
+                        <m:r>
+                          <m:rPr>
+                            <m:sty m:val="p"/>
+                          </m:rPr>
+                          <a:rPr lang="el-GR" sz="2400" i="1" smtClean="0">
+                            <a:solidFill>
+                              <a:schemeClr val="bg1"/>
+                            </a:solidFill>
+                            <a:latin typeface="Cambria Math" panose="02040503050406030204" pitchFamily="18" charset="0"/>
+                            <a:ea typeface="Cambria Math" panose="02040503050406030204" pitchFamily="18" charset="0"/>
+                          </a:rPr>
+                          <m:t>ϴ</m:t>
+                        </m:r>
+                      </m:e>
+                    </m:acc>
+                  </m:oMath>
+                </a14:m>
+                <a:r>
+                  <a:rPr lang="it-IT" sz="2400" dirty="0">
+                    <a:solidFill>
+                      <a:schemeClr val="bg1"/>
+                    </a:solidFill>
+                  </a:rPr>
+                  <a:t> </a:t>
+                </a:r>
+                <a14:m>
+                  <m:oMath xmlns:m="http://schemas.openxmlformats.org/officeDocument/2006/math">
+                    <m:acc>
+                      <m:accPr>
+                        <m:chr m:val="̇"/>
+                        <m:ctrlPr>
+                          <a:rPr lang="it-IT" sz="2400" i="1">
+                            <a:solidFill>
+                              <a:schemeClr val="bg1"/>
+                            </a:solidFill>
+                            <a:latin typeface="Cambria Math" panose="02040503050406030204" pitchFamily="18" charset="0"/>
+                          </a:rPr>
+                        </m:ctrlPr>
+                      </m:accPr>
+                      <m:e>
+                        <m:r>
+                          <m:rPr>
+                            <m:sty m:val="p"/>
+                          </m:rPr>
+                          <a:rPr lang="el-GR" sz="2400" i="1" smtClean="0">
+                            <a:solidFill>
+                              <a:schemeClr val="bg1"/>
+                            </a:solidFill>
+                            <a:latin typeface="Cambria Math" panose="02040503050406030204" pitchFamily="18" charset="0"/>
+                            <a:ea typeface="Cambria Math" panose="02040503050406030204" pitchFamily="18" charset="0"/>
+                          </a:rPr>
+                          <m:t>ψ</m:t>
+                        </m:r>
+                      </m:e>
+                    </m:acc>
+                  </m:oMath>
+                </a14:m>
+                <a:r>
+                  <a:rPr lang="it-IT" sz="2400" dirty="0">
+                    <a:solidFill>
+                      <a:schemeClr val="bg1"/>
+                    </a:solidFill>
+                  </a:rPr>
+                  <a:t>]</a:t>
+                </a:r>
+              </a:p>
+            </p:txBody>
+          </p:sp>
+        </mc:Choice>
+        <mc:Fallback>
+          <p:sp>
+            <p:nvSpPr>
+              <p:cNvPr id="7" name="CasellaDiTesto 6">
+                <a:extLst>
+                  <a:ext uri="{FF2B5EF4-FFF2-40B4-BE49-F238E27FC236}">
+                    <a16:creationId xmlns:a16="http://schemas.microsoft.com/office/drawing/2014/main" id="{E79C20DF-5214-428E-A8A3-E5AE527F4299}"/>
+                  </a:ext>
+                </a:extLst>
+              </p:cNvPr>
+              <p:cNvSpPr txBox="1">
+                <a:spLocks noRot="1" noChangeAspect="1" noMove="1" noResize="1" noEditPoints="1" noAdjustHandles="1" noChangeArrowheads="1" noChangeShapeType="1" noTextEdit="1"/>
+              </p:cNvSpPr>
+              <p:nvPr/>
+            </p:nvSpPr>
+            <p:spPr>
+              <a:xfrm>
+                <a:off x="1896687" y="2283272"/>
+                <a:ext cx="2239972" cy="386324"/>
+              </a:xfrm>
+              <a:prstGeom prst="rect">
+                <a:avLst/>
+              </a:prstGeom>
+              <a:blipFill>
+                <a:blip r:embed="rId4"/>
+                <a:stretch>
+                  <a:fillRect l="-4891" t="-19048" r="-7337" b="-49206"/>
+                </a:stretch>
+              </a:blipFill>
+            </p:spPr>
+            <p:txBody>
+              <a:bodyPr/>
+              <a:lstStyle/>
+              <a:p>
+                <a:r>
+                  <a:rPr lang="it-IT">
+                    <a:noFill/>
+                  </a:rPr>
+                  <a:t> </a:t>
+                </a:r>
+              </a:p>
+            </p:txBody>
+          </p:sp>
+        </mc:Fallback>
+      </mc:AlternateContent>
+      <mc:AlternateContent xmlns:mc="http://schemas.openxmlformats.org/markup-compatibility/2006">
+        <mc:Choice xmlns:a14="http://schemas.microsoft.com/office/drawing/2010/main" Requires="a14">
+          <p:sp>
+            <p:nvSpPr>
+              <p:cNvPr id="14" name="CasellaDiTesto 13">
+                <a:extLst>
+                  <a:ext uri="{FF2B5EF4-FFF2-40B4-BE49-F238E27FC236}">
+                    <a16:creationId xmlns:a16="http://schemas.microsoft.com/office/drawing/2014/main" id="{63693E86-94C3-4CBD-994F-2197ED28A4C9}"/>
+                  </a:ext>
+                </a:extLst>
+              </p:cNvPr>
+              <p:cNvSpPr txBox="1"/>
+              <p:nvPr/>
+            </p:nvSpPr>
+            <p:spPr>
+              <a:xfrm>
+                <a:off x="1876936" y="2952410"/>
+                <a:ext cx="2118080" cy="738664"/>
+              </a:xfrm>
+              <a:prstGeom prst="rect">
+                <a:avLst/>
+              </a:prstGeom>
+              <a:noFill/>
+            </p:spPr>
+            <p:txBody>
+              <a:bodyPr wrap="none" lIns="0" tIns="0" rIns="0" bIns="0" rtlCol="0">
+                <a:spAutoFit/>
+              </a:bodyPr>
+              <a:lstStyle/>
+              <a:p>
+                <a14:m>
+                  <m:oMath xmlns:m="http://schemas.openxmlformats.org/officeDocument/2006/math">
+                    <m:r>
+                      <m:rPr>
+                        <m:sty m:val="p"/>
+                      </m:rPr>
+                      <a:rPr lang="el-GR" sz="2400" i="1" smtClean="0">
+                        <a:solidFill>
+                          <a:schemeClr val="bg1"/>
+                        </a:solidFill>
+                        <a:latin typeface="Cambria Math" panose="02040503050406030204" pitchFamily="18" charset="0"/>
+                        <a:ea typeface="Cambria Math" panose="02040503050406030204" pitchFamily="18" charset="0"/>
+                      </a:rPr>
+                      <m:t>ν</m:t>
+                    </m:r>
+                  </m:oMath>
+                </a14:m>
+                <a:r>
+                  <a:rPr lang="it-IT" sz="2400" dirty="0">
+                    <a:solidFill>
+                      <a:schemeClr val="bg1"/>
+                    </a:solidFill>
+                  </a:rPr>
+                  <a:t> = [</a:t>
+                </a:r>
+                <a14:m>
+                  <m:oMath xmlns:m="http://schemas.openxmlformats.org/officeDocument/2006/math">
+                    <m:r>
+                      <a:rPr lang="it-IT" sz="2400" i="1">
+                        <a:solidFill>
+                          <a:schemeClr val="bg1"/>
+                        </a:solidFill>
+                        <a:latin typeface="Cambria Math" panose="02040503050406030204" pitchFamily="18" charset="0"/>
+                      </a:rPr>
+                      <m:t>𝑢</m:t>
+                    </m:r>
+                    <m:r>
+                      <a:rPr lang="it-IT" sz="2400" i="1">
+                        <a:solidFill>
+                          <a:schemeClr val="bg1"/>
+                        </a:solidFill>
+                        <a:latin typeface="Cambria Math" panose="02040503050406030204" pitchFamily="18" charset="0"/>
+                      </a:rPr>
+                      <m:t> </m:t>
+                    </m:r>
+                    <m:r>
+                      <a:rPr lang="it-IT" sz="2400" i="1">
+                        <a:solidFill>
+                          <a:schemeClr val="bg1"/>
+                        </a:solidFill>
+                        <a:latin typeface="Cambria Math" panose="02040503050406030204" pitchFamily="18" charset="0"/>
+                      </a:rPr>
+                      <m:t>𝑣</m:t>
+                    </m:r>
+                    <m:r>
+                      <a:rPr lang="it-IT" sz="2400" i="1">
+                        <a:solidFill>
+                          <a:schemeClr val="bg1"/>
+                        </a:solidFill>
+                        <a:latin typeface="Cambria Math" panose="02040503050406030204" pitchFamily="18" charset="0"/>
+                      </a:rPr>
+                      <m:t> </m:t>
+                    </m:r>
+                    <m:r>
+                      <a:rPr lang="it-IT" sz="2400" i="1">
+                        <a:solidFill>
+                          <a:schemeClr val="bg1"/>
+                        </a:solidFill>
+                        <a:latin typeface="Cambria Math" panose="02040503050406030204" pitchFamily="18" charset="0"/>
+                      </a:rPr>
+                      <m:t>𝑤</m:t>
+                    </m:r>
+                    <m:r>
+                      <a:rPr lang="it-IT" sz="2400" i="1">
+                        <a:solidFill>
+                          <a:schemeClr val="bg1"/>
+                        </a:solidFill>
+                        <a:latin typeface="Cambria Math" panose="02040503050406030204" pitchFamily="18" charset="0"/>
+                      </a:rPr>
+                      <m:t> </m:t>
+                    </m:r>
+                    <m:r>
+                      <a:rPr lang="it-IT" sz="2400" i="1">
+                        <a:solidFill>
+                          <a:schemeClr val="bg1"/>
+                        </a:solidFill>
+                        <a:latin typeface="Cambria Math" panose="02040503050406030204" pitchFamily="18" charset="0"/>
+                      </a:rPr>
+                      <m:t>𝑝</m:t>
+                    </m:r>
+                    <m:r>
+                      <a:rPr lang="it-IT" sz="2400" i="1">
+                        <a:solidFill>
+                          <a:schemeClr val="bg1"/>
+                        </a:solidFill>
+                        <a:latin typeface="Cambria Math" panose="02040503050406030204" pitchFamily="18" charset="0"/>
+                      </a:rPr>
+                      <m:t> </m:t>
+                    </m:r>
+                    <m:r>
+                      <a:rPr lang="it-IT" sz="2400" i="1">
+                        <a:solidFill>
+                          <a:schemeClr val="bg1"/>
+                        </a:solidFill>
+                        <a:latin typeface="Cambria Math" panose="02040503050406030204" pitchFamily="18" charset="0"/>
+                      </a:rPr>
+                      <m:t>𝑞</m:t>
+                    </m:r>
+                    <m:r>
+                      <a:rPr lang="it-IT" sz="2400">
+                        <a:solidFill>
+                          <a:schemeClr val="bg1"/>
+                        </a:solidFill>
+                        <a:latin typeface="Cambria Math" panose="02040503050406030204" pitchFamily="18" charset="0"/>
+                      </a:rPr>
+                      <m:t> </m:t>
+                    </m:r>
+                    <m:r>
+                      <m:rPr>
+                        <m:sty m:val="p"/>
+                      </m:rPr>
+                      <a:rPr lang="it-IT" sz="2400">
+                        <a:solidFill>
+                          <a:schemeClr val="bg1"/>
+                        </a:solidFill>
+                        <a:latin typeface="Cambria Math" panose="02040503050406030204" pitchFamily="18" charset="0"/>
+                      </a:rPr>
+                      <m:t>r</m:t>
+                    </m:r>
+                    <m:r>
+                      <a:rPr lang="it-IT" sz="2400" b="0" i="1" smtClean="0">
+                        <a:solidFill>
+                          <a:schemeClr val="bg1"/>
+                        </a:solidFill>
+                        <a:latin typeface="Cambria Math" panose="02040503050406030204" pitchFamily="18" charset="0"/>
+                      </a:rPr>
+                      <m:t>]</m:t>
+                    </m:r>
+                  </m:oMath>
+                </a14:m>
+                <a:endParaRPr lang="it-IT" sz="2400" dirty="0">
+                  <a:solidFill>
+                    <a:schemeClr val="bg1"/>
+                  </a:solidFill>
+                </a:endParaRPr>
+              </a:p>
+              <a:p>
+                <a:endParaRPr lang="it-IT" sz="2400" dirty="0">
+                  <a:solidFill>
+                    <a:schemeClr val="bg1"/>
+                  </a:solidFill>
+                </a:endParaRPr>
+              </a:p>
+            </p:txBody>
+          </p:sp>
+        </mc:Choice>
+        <mc:Fallback>
+          <p:sp>
+            <p:nvSpPr>
+              <p:cNvPr id="14" name="CasellaDiTesto 13">
+                <a:extLst>
+                  <a:ext uri="{FF2B5EF4-FFF2-40B4-BE49-F238E27FC236}">
+                    <a16:creationId xmlns:a16="http://schemas.microsoft.com/office/drawing/2014/main" id="{63693E86-94C3-4CBD-994F-2197ED28A4C9}"/>
+                  </a:ext>
+                </a:extLst>
+              </p:cNvPr>
+              <p:cNvSpPr txBox="1">
+                <a:spLocks noRot="1" noChangeAspect="1" noMove="1" noResize="1" noEditPoints="1" noAdjustHandles="1" noChangeArrowheads="1" noChangeShapeType="1" noTextEdit="1"/>
+              </p:cNvSpPr>
+              <p:nvPr/>
+            </p:nvSpPr>
+            <p:spPr>
+              <a:xfrm>
+                <a:off x="1876936" y="2952410"/>
+                <a:ext cx="2118080" cy="738664"/>
+              </a:xfrm>
+              <a:prstGeom prst="rect">
+                <a:avLst/>
+              </a:prstGeom>
+              <a:blipFill>
+                <a:blip r:embed="rId5"/>
+                <a:stretch>
+                  <a:fillRect l="-3746" t="-11570" r="-5764"/>
+                </a:stretch>
+              </a:blipFill>
+            </p:spPr>
+            <p:txBody>
+              <a:bodyPr/>
+              <a:lstStyle/>
+              <a:p>
+                <a:r>
+                  <a:rPr lang="it-IT">
+                    <a:noFill/>
+                  </a:rPr>
+                  <a:t> </a:t>
+                </a:r>
+              </a:p>
+            </p:txBody>
+          </p:sp>
+        </mc:Fallback>
+      </mc:AlternateContent>
+      <p:sp>
+        <p:nvSpPr>
+          <p:cNvPr id="20" name="CasellaDiTesto 19">
+            <a:extLst>
+              <a:ext uri="{FF2B5EF4-FFF2-40B4-BE49-F238E27FC236}">
+                <a16:creationId xmlns:a16="http://schemas.microsoft.com/office/drawing/2014/main" id="{EE7E2FE6-D40D-4675-BFC1-B449E1F655FE}"/>
+              </a:ext>
+            </a:extLst>
+          </p:cNvPr>
+          <p:cNvSpPr txBox="1"/>
+          <p:nvPr/>
+        </p:nvSpPr>
+        <p:spPr>
+          <a:xfrm>
+            <a:off x="4575467" y="2338316"/>
+            <a:ext cx="3296239" cy="1200329"/>
+          </a:xfrm>
+          <a:prstGeom prst="rect">
+            <a:avLst/>
+          </a:prstGeom>
+          <a:noFill/>
+        </p:spPr>
+        <p:txBody>
+          <a:bodyPr wrap="square" rtlCol="0">
+            <a:spAutoFit/>
+          </a:bodyPr>
+          <a:lstStyle/>
+          <a:p>
+            <a:r>
+              <a:rPr lang="it-IT" dirty="0">
+                <a:solidFill>
+                  <a:schemeClr val="bg1"/>
+                </a:solidFill>
+              </a:rPr>
+              <a:t>Velocità in terna NED</a:t>
+            </a:r>
+          </a:p>
+          <a:p>
+            <a:endParaRPr lang="it-IT" dirty="0">
+              <a:solidFill>
+                <a:schemeClr val="bg1"/>
+              </a:solidFill>
+            </a:endParaRPr>
+          </a:p>
+          <a:p>
+            <a:r>
+              <a:rPr lang="it-IT" dirty="0">
+                <a:solidFill>
+                  <a:schemeClr val="bg1"/>
+                </a:solidFill>
+              </a:rPr>
+              <a:t>Velocità in terna body</a:t>
+            </a:r>
+          </a:p>
+          <a:p>
+            <a:endParaRPr lang="it-IT" dirty="0">
+              <a:solidFill>
+                <a:schemeClr val="bg1"/>
+              </a:solidFill>
+            </a:endParaRPr>
+          </a:p>
+        </p:txBody>
+      </p:sp>
+      <p:pic>
+        <p:nvPicPr>
+          <p:cNvPr id="22" name="Immagine 21" descr="Immagine che contiene mappa, testo&#10;&#10;Descrizione generata automaticamente">
+            <a:extLst>
+              <a:ext uri="{FF2B5EF4-FFF2-40B4-BE49-F238E27FC236}">
+                <a16:creationId xmlns:a16="http://schemas.microsoft.com/office/drawing/2014/main" id="{FAA0A2AB-B9AE-4EA3-9445-62D2EBE5BD5B}"/>
+              </a:ext>
+            </a:extLst>
+          </p:cNvPr>
+          <p:cNvPicPr>
+            <a:picLocks noChangeAspect="1"/>
+          </p:cNvPicPr>
+          <p:nvPr/>
+        </p:nvPicPr>
+        <p:blipFill>
+          <a:blip r:embed="rId6">
+            <a:extLst>
+              <a:ext uri="{28A0092B-C50C-407E-A947-70E740481C1C}">
+                <a14:useLocalDpi xmlns:a14="http://schemas.microsoft.com/office/drawing/2010/main" val="0"/>
+              </a:ext>
+            </a:extLst>
+          </a:blip>
+          <a:stretch>
+            <a:fillRect/>
+          </a:stretch>
+        </p:blipFill>
+        <p:spPr>
+          <a:xfrm>
+            <a:off x="8948396" y="1456739"/>
+            <a:ext cx="2600223" cy="2039390"/>
+          </a:xfrm>
+          <a:prstGeom prst="rect">
+            <a:avLst/>
+          </a:prstGeom>
+        </p:spPr>
+      </p:pic>
+      <p:pic>
+        <p:nvPicPr>
+          <p:cNvPr id="24" name="Immagine 23" descr="Immagine che contiene disegnando&#10;&#10;Descrizione generata automaticamente">
+            <a:extLst>
+              <a:ext uri="{FF2B5EF4-FFF2-40B4-BE49-F238E27FC236}">
+                <a16:creationId xmlns:a16="http://schemas.microsoft.com/office/drawing/2014/main" id="{DB0DFC37-A141-4751-9417-F448568DFDC7}"/>
+              </a:ext>
+            </a:extLst>
+          </p:cNvPr>
+          <p:cNvPicPr>
+            <a:picLocks noChangeAspect="1"/>
+          </p:cNvPicPr>
+          <p:nvPr/>
+        </p:nvPicPr>
+        <p:blipFill>
+          <a:blip r:embed="rId7">
+            <a:extLst>
+              <a:ext uri="{28A0092B-C50C-407E-A947-70E740481C1C}">
+                <a14:useLocalDpi xmlns:a14="http://schemas.microsoft.com/office/drawing/2010/main" val="0"/>
+              </a:ext>
+            </a:extLst>
+          </a:blip>
+          <a:stretch>
+            <a:fillRect/>
+          </a:stretch>
+        </p:blipFill>
+        <p:spPr>
+          <a:xfrm>
+            <a:off x="7416528" y="3867564"/>
+            <a:ext cx="4197293" cy="2039391"/>
+          </a:xfrm>
+          <a:prstGeom prst="rect">
+            <a:avLst/>
+          </a:prstGeom>
+        </p:spPr>
+      </p:pic>
+      <p:pic>
+        <p:nvPicPr>
+          <p:cNvPr id="26" name="Immagine 25">
+            <a:extLst>
+              <a:ext uri="{FF2B5EF4-FFF2-40B4-BE49-F238E27FC236}">
+                <a16:creationId xmlns:a16="http://schemas.microsoft.com/office/drawing/2014/main" id="{470A0DFB-3589-4AF6-8C22-4D1F6A6647C7}"/>
+              </a:ext>
+            </a:extLst>
+          </p:cNvPr>
+          <p:cNvPicPr>
+            <a:picLocks noChangeAspect="1"/>
+          </p:cNvPicPr>
+          <p:nvPr/>
+        </p:nvPicPr>
+        <p:blipFill>
+          <a:blip r:embed="rId8">
+            <a:extLst>
+              <a:ext uri="{28A0092B-C50C-407E-A947-70E740481C1C}">
+                <a14:useLocalDpi xmlns:a14="http://schemas.microsoft.com/office/drawing/2010/main" val="0"/>
+              </a:ext>
+            </a:extLst>
+          </a:blip>
+          <a:stretch>
+            <a:fillRect/>
+          </a:stretch>
+        </p:blipFill>
+        <p:spPr>
+          <a:xfrm>
+            <a:off x="4575467" y="4079663"/>
+            <a:ext cx="2228571" cy="628571"/>
+          </a:xfrm>
+          <a:prstGeom prst="rect">
+            <a:avLst/>
+          </a:prstGeom>
+        </p:spPr>
+      </p:pic>
+      <p:pic>
+        <p:nvPicPr>
+          <p:cNvPr id="34" name="Immagine 33">
+            <a:extLst>
+              <a:ext uri="{FF2B5EF4-FFF2-40B4-BE49-F238E27FC236}">
+                <a16:creationId xmlns:a16="http://schemas.microsoft.com/office/drawing/2014/main" id="{268227B2-7FBF-4EEB-8AC9-CE283E126A4A}"/>
+              </a:ext>
+            </a:extLst>
+          </p:cNvPr>
+          <p:cNvPicPr>
+            <a:picLocks noChangeAspect="1"/>
+          </p:cNvPicPr>
+          <p:nvPr/>
+        </p:nvPicPr>
+        <p:blipFill>
+          <a:blip r:embed="rId9">
+            <a:extLst>
+              <a:ext uri="{28A0092B-C50C-407E-A947-70E740481C1C}">
+                <a14:useLocalDpi xmlns:a14="http://schemas.microsoft.com/office/drawing/2010/main" val="0"/>
+              </a:ext>
+            </a:extLst>
+          </a:blip>
+          <a:stretch>
+            <a:fillRect/>
+          </a:stretch>
+        </p:blipFill>
+        <p:spPr>
+          <a:xfrm>
+            <a:off x="4575467" y="5124603"/>
+            <a:ext cx="2146414" cy="276956"/>
+          </a:xfrm>
+          <a:prstGeom prst="rect">
+            <a:avLst/>
+          </a:prstGeom>
+        </p:spPr>
+      </p:pic>
+      <p:pic>
+        <p:nvPicPr>
+          <p:cNvPr id="36" name="Immagine 35">
+            <a:extLst>
+              <a:ext uri="{FF2B5EF4-FFF2-40B4-BE49-F238E27FC236}">
+                <a16:creationId xmlns:a16="http://schemas.microsoft.com/office/drawing/2014/main" id="{DDEE8E4B-2B35-4172-AA68-9579BA000ABD}"/>
+              </a:ext>
+            </a:extLst>
+          </p:cNvPr>
+          <p:cNvPicPr>
+            <a:picLocks noChangeAspect="1"/>
+          </p:cNvPicPr>
+          <p:nvPr/>
+        </p:nvPicPr>
+        <p:blipFill>
+          <a:blip r:embed="rId10">
+            <a:extLst>
+              <a:ext uri="{28A0092B-C50C-407E-A947-70E740481C1C}">
+                <a14:useLocalDpi xmlns:a14="http://schemas.microsoft.com/office/drawing/2010/main" val="0"/>
+              </a:ext>
+            </a:extLst>
+          </a:blip>
+          <a:stretch>
+            <a:fillRect/>
+          </a:stretch>
+        </p:blipFill>
+        <p:spPr>
+          <a:xfrm>
+            <a:off x="1490268" y="4171182"/>
+            <a:ext cx="2757134" cy="628570"/>
+          </a:xfrm>
+          <a:prstGeom prst="rect">
+            <a:avLst/>
+          </a:prstGeom>
+        </p:spPr>
+      </p:pic>
+    </p:spTree>
+    <p:extLst>
+      <p:ext uri="{BB962C8B-B14F-4D97-AF65-F5344CB8AC3E}">
+        <p14:creationId xmlns:p14="http://schemas.microsoft.com/office/powerpoint/2010/main" val="2724310025"/>
+      </p:ext>
+    </p:extLst>
+  </p:cSld>
+  <p:clrMapOvr>
+    <a:masterClrMapping/>
+  </p:clrMapOvr>
+</p:sld>
+</file>
+
+<file path=ppt/slides/slide7.xml><?xml version="1.0" encoding="utf-8"?>
+<p:sld xmlns:a="http://schemas.openxmlformats.org/drawingml/2006/main" xmlns:r="http://schemas.openxmlformats.org/officeDocument/2006/relationships" xmlns:p="http://schemas.openxmlformats.org/presentationml/2006/main" showMasterSp="0">
+  <p:cSld>
+    <p:bg>
+      <p:bgPr>
+        <a:blipFill dpi="0" rotWithShape="1">
+          <a:blip r:embed="rId2">
+            <a:lum/>
+          </a:blip>
+          <a:srcRect/>
+          <a:stretch>
+            <a:fillRect/>
+          </a:stretch>
+        </a:blipFill>
+        <a:effectLst/>
+      </p:bgPr>
+    </p:bg>
+    <p:spTree>
+      <p:nvGrpSpPr>
+        <p:cNvPr id="1" name=""/>
+        <p:cNvGrpSpPr/>
+        <p:nvPr/>
+      </p:nvGrpSpPr>
+      <p:grpSpPr>
+        <a:xfrm>
+          <a:off x="0" y="0"/>
+          <a:ext cx="0" cy="0"/>
+          <a:chOff x="0" y="0"/>
+          <a:chExt cx="0" cy="0"/>
+        </a:xfrm>
+      </p:grpSpPr>
+      <p:sp>
+        <p:nvSpPr>
+          <p:cNvPr id="4" name="Segnaposto piè di pagina 3">
+            <a:extLst>
+              <a:ext uri="{FF2B5EF4-FFF2-40B4-BE49-F238E27FC236}">
+                <a16:creationId xmlns:a16="http://schemas.microsoft.com/office/drawing/2014/main" id="{4E362125-2F83-4266-AB8C-336E9ADDBB86}"/>
+              </a:ext>
+            </a:extLst>
+          </p:cNvPr>
+          <p:cNvSpPr>
+            <a:spLocks noGrp="1"/>
+          </p:cNvSpPr>
+          <p:nvPr>
+            <p:ph type="ftr" sz="quarter" idx="11"/>
+          </p:nvPr>
+        </p:nvSpPr>
+        <p:spPr>
+          <a:xfrm>
+            <a:off x="-231742" y="6492875"/>
+            <a:ext cx="4114800" cy="365125"/>
+          </a:xfrm>
+        </p:spPr>
+        <p:txBody>
+          <a:bodyPr/>
+          <a:lstStyle/>
+          <a:p>
+            <a:endParaRPr lang="en-US" i="1" dirty="0">
+              <a:solidFill>
+                <a:schemeClr val="bg1"/>
+              </a:solidFill>
+            </a:endParaRPr>
+          </a:p>
+        </p:txBody>
+      </p:sp>
+      <p:sp>
+        <p:nvSpPr>
+          <p:cNvPr id="9" name="Segnaposto numero diapositiva 8">
+            <a:extLst>
+              <a:ext uri="{FF2B5EF4-FFF2-40B4-BE49-F238E27FC236}">
+                <a16:creationId xmlns:a16="http://schemas.microsoft.com/office/drawing/2014/main" id="{A6BFBFA6-BB34-4DD9-A911-2416FC1C5687}"/>
+              </a:ext>
+            </a:extLst>
+          </p:cNvPr>
+          <p:cNvSpPr>
+            <a:spLocks noGrp="1"/>
+          </p:cNvSpPr>
+          <p:nvPr>
+            <p:ph type="sldNum" sz="quarter" idx="12"/>
+          </p:nvPr>
+        </p:nvSpPr>
+        <p:spPr>
+          <a:xfrm>
+            <a:off x="8607893" y="6345520"/>
+            <a:ext cx="2743200" cy="365125"/>
+          </a:xfrm>
+        </p:spPr>
+        <p:txBody>
+          <a:bodyPr/>
+          <a:lstStyle/>
+          <a:p>
+            <a:r>
+              <a:rPr lang="en-US" dirty="0"/>
+              <a:t>6</a:t>
+            </a:r>
+          </a:p>
+        </p:txBody>
+      </p:sp>
+      <p:sp>
+        <p:nvSpPr>
+          <p:cNvPr id="11" name="Rettangolo 10">
+            <a:extLst>
+              <a:ext uri="{FF2B5EF4-FFF2-40B4-BE49-F238E27FC236}">
+                <a16:creationId xmlns:a16="http://schemas.microsoft.com/office/drawing/2014/main" id="{DE43AB90-63F1-413E-8732-29F127F1CF7E}"/>
+              </a:ext>
+            </a:extLst>
+          </p:cNvPr>
+          <p:cNvSpPr/>
+          <p:nvPr/>
+        </p:nvSpPr>
+        <p:spPr>
+          <a:xfrm>
+            <a:off x="337221" y="428665"/>
+            <a:ext cx="3886000" cy="584775"/>
+          </a:xfrm>
+          <a:prstGeom prst="rect">
+            <a:avLst/>
+          </a:prstGeom>
+        </p:spPr>
+        <p:txBody>
+          <a:bodyPr wrap="none">
+            <a:spAutoFit/>
+          </a:bodyPr>
+          <a:lstStyle/>
+          <a:p>
+            <a:pPr marL="285750" indent="-285750">
+              <a:buFont typeface="Arial" panose="020B0604020202020204" pitchFamily="34" charset="0"/>
+              <a:buChar char="•"/>
+            </a:pPr>
+            <a:r>
+              <a:rPr lang="it-IT" sz="3200" dirty="0">
+                <a:solidFill>
+                  <a:schemeClr val="bg1"/>
+                </a:solidFill>
+              </a:rPr>
+              <a:t>Modello dinamico</a:t>
             </a:r>
           </a:p>
         </p:txBody>
@@ -9996,8 +12017,8 @@
             </p:nvSpPr>
             <p:spPr>
               <a:xfrm>
-                <a:off x="1294144" y="3589457"/>
-                <a:ext cx="2348656" cy="369332"/>
+                <a:off x="1174277" y="3504500"/>
+                <a:ext cx="2331023" cy="369332"/>
               </a:xfrm>
               <a:prstGeom prst="rect">
                 <a:avLst/>
@@ -10009,6 +12030,7 @@
               </a:bodyPr>
               <a:lstStyle/>
               <a:p>
+                <a:pPr/>
                 <a14:m>
                   <m:oMathPara xmlns:m="http://schemas.openxmlformats.org/officeDocument/2006/math">
                     <m:oMathParaPr>
@@ -10061,22 +12083,22 @@
                         <m:t>𝑀𝑅𝐵</m:t>
                       </m:r>
                       <m:r>
-                        <a:rPr lang="it-IT" i="1" baseline="-25000" dirty="0" smtClean="0">
+                        <a:rPr lang="it-IT" b="0" i="1" dirty="0" smtClean="0">
                           <a:solidFill>
                             <a:schemeClr val="bg1"/>
                           </a:solidFill>
                           <a:latin typeface="Cambria Math" panose="02040503050406030204" pitchFamily="18" charset="0"/>
                         </a:rPr>
-                        <m:t> + </m:t>
+                        <m:t>+</m:t>
                       </m:r>
                       <m:r>
-                        <a:rPr lang="it-IT" i="1" dirty="0" err="1">
+                        <a:rPr lang="it-IT" b="0" i="1" dirty="0" smtClean="0">
                           <a:solidFill>
                             <a:schemeClr val="bg1"/>
                           </a:solidFill>
                           <a:latin typeface="Cambria Math" panose="02040503050406030204" pitchFamily="18" charset="0"/>
                         </a:rPr>
-                        <m:t>𝑀</m:t>
+                        <m:t>𝑀𝐴</m:t>
                       </m:r>
                       <m:r>
                         <a:rPr lang="it-IT" i="1" baseline="-25000" dirty="0" err="1">
@@ -10085,7 +12107,7 @@
                           </a:solidFill>
                           <a:latin typeface="Cambria Math" panose="02040503050406030204" pitchFamily="18" charset="0"/>
                         </a:rPr>
-                        <m:t>𝐴𝑑𝑑</m:t>
+                        <m:t>𝑑𝑑</m:t>
                       </m:r>
                       <m:r>
                         <a:rPr lang="it-IT" i="1" dirty="0">
@@ -10125,8 +12147,8 @@
             </p:nvSpPr>
             <p:spPr>
               <a:xfrm>
-                <a:off x="1294144" y="3589457"/>
-                <a:ext cx="2348656" cy="369332"/>
+                <a:off x="1174277" y="3504500"/>
+                <a:ext cx="2331023" cy="369332"/>
               </a:xfrm>
               <a:prstGeom prst="rect">
                 <a:avLst/>
@@ -10379,8 +12401,8 @@
           </a:p>
         </p:txBody>
       </p:sp>
-      <mc:AlternateContent xmlns:mc="http://schemas.openxmlformats.org/markup-compatibility/2006">
-        <mc:Choice xmlns:a14="http://schemas.microsoft.com/office/drawing/2010/main" Requires="a14">
+      <mc:AlternateContent xmlns:mc="http://schemas.openxmlformats.org/markup-compatibility/2006" xmlns:a14="http://schemas.microsoft.com/office/drawing/2010/main">
+        <mc:Choice Requires="a14">
           <p:sp>
             <p:nvSpPr>
               <p:cNvPr id="12" name="CasellaDiTesto 11">
@@ -10986,16 +13008,7 @@
                                           </a:solidFill>
                                           <a:latin typeface="Cambria Math" panose="02040503050406030204" pitchFamily="18" charset="0"/>
                                         </a:rPr>
-                                        <m:t>2</m:t>
-                                      </m:r>
-                                      <m:r>
-                                        <a:rPr lang="it-IT" i="1">
-                                          <a:solidFill>
-                                            <a:schemeClr val="bg1"/>
-                                          </a:solidFill>
-                                          <a:latin typeface="Cambria Math" panose="02040503050406030204" pitchFamily="18" charset="0"/>
-                                        </a:rPr>
-                                        <m:t>1</m:t>
+                                        <m:t>21</m:t>
                                       </m:r>
                                     </m:sub>
                                   </m:sSub>
@@ -11074,16 +13087,7 @@
                                           </a:solidFill>
                                           <a:latin typeface="Cambria Math" panose="02040503050406030204" pitchFamily="18" charset="0"/>
                                         </a:rPr>
-                                        <m:t>2</m:t>
-                                      </m:r>
-                                      <m:r>
-                                        <a:rPr lang="it-IT" i="1" dirty="0">
-                                          <a:solidFill>
-                                            <a:schemeClr val="bg1"/>
-                                          </a:solidFill>
-                                          <a:latin typeface="Cambria Math" panose="02040503050406030204" pitchFamily="18" charset="0"/>
-                                        </a:rPr>
-                                        <m:t>2</m:t>
+                                        <m:t>22</m:t>
                                       </m:r>
                                     </m:sub>
                                   </m:sSub>
@@ -11152,7 +13156,7 @@
             </p:txBody>
           </p:sp>
         </mc:Choice>
-        <mc:Fallback>
+        <mc:Fallback xmlns="">
           <p:sp>
             <p:nvSpPr>
               <p:cNvPr id="12" name="CasellaDiTesto 11">
@@ -11197,8 +13201,8 @@
           </p:sp>
         </mc:Fallback>
       </mc:AlternateContent>
-      <mc:AlternateContent xmlns:mc="http://schemas.openxmlformats.org/markup-compatibility/2006">
-        <mc:Choice xmlns:a14="http://schemas.microsoft.com/office/drawing/2010/main" Requires="a14">
+      <mc:AlternateContent xmlns:mc="http://schemas.openxmlformats.org/markup-compatibility/2006" xmlns:a14="http://schemas.microsoft.com/office/drawing/2010/main">
+        <mc:Choice Requires="a14">
           <p:sp>
             <p:nvSpPr>
               <p:cNvPr id="13" name="CasellaDiTesto 12">
@@ -11227,6 +13231,7 @@
               </a:bodyPr>
               <a:lstStyle/>
               <a:p>
+                <a:pPr/>
                 <a14:m>
                   <m:oMathPara xmlns:m="http://schemas.openxmlformats.org/officeDocument/2006/math">
                     <m:oMathParaPr>
@@ -11810,7 +13815,7 @@
             </p:txBody>
           </p:sp>
         </mc:Choice>
-        <mc:Fallback>
+        <mc:Fallback xmlns="">
           <p:sp>
             <p:nvSpPr>
               <p:cNvPr id="13" name="CasellaDiTesto 12">
@@ -11855,8 +13860,8 @@
           </p:sp>
         </mc:Fallback>
       </mc:AlternateContent>
-      <mc:AlternateContent xmlns:mc="http://schemas.openxmlformats.org/markup-compatibility/2006">
-        <mc:Choice xmlns:a14="http://schemas.microsoft.com/office/drawing/2010/main" Requires="a14">
+      <mc:AlternateContent xmlns:mc="http://schemas.openxmlformats.org/markup-compatibility/2006" xmlns:a14="http://schemas.microsoft.com/office/drawing/2010/main">
+        <mc:Choice Requires="a14">
           <p:sp>
             <p:nvSpPr>
               <p:cNvPr id="38" name="CasellaDiTesto 37">
@@ -11885,6 +13890,7 @@
               </a:bodyPr>
               <a:lstStyle/>
               <a:p>
+                <a:pPr/>
                 <a14:m>
                   <m:oMathPara xmlns:m="http://schemas.openxmlformats.org/officeDocument/2006/math">
                     <m:oMathParaPr>
@@ -12630,7 +14636,7 @@
             </p:txBody>
           </p:sp>
         </mc:Choice>
-        <mc:Fallback>
+        <mc:Fallback xmlns="">
           <p:sp>
             <p:nvSpPr>
               <p:cNvPr id="38" name="CasellaDiTesto 37">
@@ -12675,8 +14681,8 @@
           </p:sp>
         </mc:Fallback>
       </mc:AlternateContent>
-      <mc:AlternateContent xmlns:mc="http://schemas.openxmlformats.org/markup-compatibility/2006">
-        <mc:Choice xmlns:a14="http://schemas.microsoft.com/office/drawing/2010/main" Requires="a14">
+      <mc:AlternateContent xmlns:mc="http://schemas.openxmlformats.org/markup-compatibility/2006" xmlns:a14="http://schemas.microsoft.com/office/drawing/2010/main">
+        <mc:Choice Requires="a14">
           <p:sp>
             <p:nvSpPr>
               <p:cNvPr id="15" name="CasellaDiTesto 14">
@@ -12705,6 +14711,7 @@
               </a:bodyPr>
               <a:lstStyle/>
               <a:p>
+                <a:pPr/>
                 <a14:m>
                   <m:oMathPara xmlns:m="http://schemas.openxmlformats.org/officeDocument/2006/math">
                     <m:oMathParaPr>
@@ -12893,7 +14900,7 @@
             </p:txBody>
           </p:sp>
         </mc:Choice>
-        <mc:Fallback>
+        <mc:Fallback xmlns="">
           <p:sp>
             <p:nvSpPr>
               <p:cNvPr id="15" name="CasellaDiTesto 14">
@@ -12938,8 +14945,8 @@
           </p:sp>
         </mc:Fallback>
       </mc:AlternateContent>
-      <mc:AlternateContent xmlns:mc="http://schemas.openxmlformats.org/markup-compatibility/2006">
-        <mc:Choice xmlns:a14="http://schemas.microsoft.com/office/drawing/2010/main" Requires="a14">
+      <mc:AlternateContent xmlns:mc="http://schemas.openxmlformats.org/markup-compatibility/2006" xmlns:a14="http://schemas.microsoft.com/office/drawing/2010/main">
+        <mc:Choice Requires="a14">
           <p:sp>
             <p:nvSpPr>
               <p:cNvPr id="16" name="Rettangolo 15">
@@ -12967,6 +14974,7 @@
               </a:bodyPr>
               <a:lstStyle/>
               <a:p>
+                <a:pPr/>
                 <a14:m>
                   <m:oMathPara xmlns:m="http://schemas.openxmlformats.org/officeDocument/2006/math">
                     <m:oMathParaPr>
@@ -13130,7 +15138,7 @@
             </p:txBody>
           </p:sp>
         </mc:Choice>
-        <mc:Fallback>
+        <mc:Fallback xmlns="">
           <p:sp>
             <p:nvSpPr>
               <p:cNvPr id="16" name="Rettangolo 15">
@@ -13175,8 +15183,8 @@
           </p:sp>
         </mc:Fallback>
       </mc:AlternateContent>
-      <mc:AlternateContent xmlns:mc="http://schemas.openxmlformats.org/markup-compatibility/2006">
-        <mc:Choice xmlns:a14="http://schemas.microsoft.com/office/drawing/2010/main" Requires="a14">
+      <mc:AlternateContent xmlns:mc="http://schemas.openxmlformats.org/markup-compatibility/2006" xmlns:a14="http://schemas.microsoft.com/office/drawing/2010/main">
+        <mc:Choice Requires="a14">
           <p:sp>
             <p:nvSpPr>
               <p:cNvPr id="17" name="Rettangolo 16">
@@ -13204,6 +15212,7 @@
               </a:bodyPr>
               <a:lstStyle/>
               <a:p>
+                <a:pPr/>
                 <a14:m>
                   <m:oMathPara xmlns:m="http://schemas.openxmlformats.org/officeDocument/2006/math">
                     <m:oMathParaPr>
@@ -13377,7 +15386,7 @@
             </p:txBody>
           </p:sp>
         </mc:Choice>
-        <mc:Fallback>
+        <mc:Fallback xmlns="">
           <p:sp>
             <p:nvSpPr>
               <p:cNvPr id="17" name="Rettangolo 16">
@@ -13422,8 +15431,8 @@
           </p:sp>
         </mc:Fallback>
       </mc:AlternateContent>
-      <mc:AlternateContent xmlns:mc="http://schemas.openxmlformats.org/markup-compatibility/2006">
-        <mc:Choice xmlns:a14="http://schemas.microsoft.com/office/drawing/2010/main" Requires="a14">
+      <mc:AlternateContent xmlns:mc="http://schemas.openxmlformats.org/markup-compatibility/2006" xmlns:a14="http://schemas.microsoft.com/office/drawing/2010/main">
+        <mc:Choice Requires="a14">
           <p:sp>
             <p:nvSpPr>
               <p:cNvPr id="19" name="CasellaDiTesto 18">
@@ -13683,7 +15692,7 @@
             </p:txBody>
           </p:sp>
         </mc:Choice>
-        <mc:Fallback>
+        <mc:Fallback xmlns="">
           <p:sp>
             <p:nvSpPr>
               <p:cNvPr id="19" name="CasellaDiTesto 18">
@@ -13728,206 +15737,46 @@
           </p:sp>
         </mc:Fallback>
       </mc:AlternateContent>
-    </p:spTree>
-    <p:extLst>
-      <p:ext uri="{BB962C8B-B14F-4D97-AF65-F5344CB8AC3E}">
-        <p14:creationId xmlns:p14="http://schemas.microsoft.com/office/powerpoint/2010/main" val="2724310025"/>
-      </p:ext>
-    </p:extLst>
-  </p:cSld>
-  <p:clrMapOvr>
-    <a:masterClrMapping/>
-  </p:clrMapOvr>
-</p:sld>
-</file>
-
-<file path=ppt/slides/slide7.xml><?xml version="1.0" encoding="utf-8"?>
-<p:sld xmlns:a="http://schemas.openxmlformats.org/drawingml/2006/main" xmlns:r="http://schemas.openxmlformats.org/officeDocument/2006/relationships" xmlns:p="http://schemas.openxmlformats.org/presentationml/2006/main" showMasterSp="0">
-  <p:cSld>
-    <p:bg>
-      <p:bgPr>
-        <a:blipFill dpi="0" rotWithShape="1">
-          <a:blip r:embed="rId2">
-            <a:lum/>
+      <p:pic>
+        <p:nvPicPr>
+          <p:cNvPr id="28" name="Immagine 27">
+            <a:extLst>
+              <a:ext uri="{FF2B5EF4-FFF2-40B4-BE49-F238E27FC236}">
+                <a16:creationId xmlns:a16="http://schemas.microsoft.com/office/drawing/2014/main" id="{8C44B244-4A44-409E-9006-9004786C295C}"/>
+              </a:ext>
+            </a:extLst>
+          </p:cNvPr>
+          <p:cNvPicPr>
+            <a:picLocks noChangeAspect="1"/>
+          </p:cNvPicPr>
+          <p:nvPr/>
+        </p:nvPicPr>
+        <p:blipFill>
+          <a:blip r:embed="rId11">
+            <a:extLst>
+              <a:ext uri="{28A0092B-C50C-407E-A947-70E740481C1C}">
+                <a14:useLocalDpi xmlns:a14="http://schemas.microsoft.com/office/drawing/2010/main" val="0"/>
+              </a:ext>
+            </a:extLst>
           </a:blip>
-          <a:srcRect/>
           <a:stretch>
             <a:fillRect/>
           </a:stretch>
-        </a:blipFill>
-        <a:effectLst/>
-      </p:bgPr>
-    </p:bg>
-    <p:spTree>
-      <p:nvGrpSpPr>
-        <p:cNvPr id="1" name=""/>
-        <p:cNvGrpSpPr/>
-        <p:nvPr/>
-      </p:nvGrpSpPr>
-      <p:grpSpPr>
-        <a:xfrm>
-          <a:off x="0" y="0"/>
-          <a:ext cx="0" cy="0"/>
-          <a:chOff x="0" y="0"/>
-          <a:chExt cx="0" cy="0"/>
-        </a:xfrm>
-      </p:grpSpPr>
-      <p:sp>
-        <p:nvSpPr>
-          <p:cNvPr id="4" name="Segnaposto piè di pagina 3">
-            <a:extLst>
-              <a:ext uri="{FF2B5EF4-FFF2-40B4-BE49-F238E27FC236}">
-                <a16:creationId xmlns:a16="http://schemas.microsoft.com/office/drawing/2014/main" id="{4E362125-2F83-4266-AB8C-336E9ADDBB86}"/>
-              </a:ext>
-            </a:extLst>
-          </p:cNvPr>
-          <p:cNvSpPr>
-            <a:spLocks noGrp="1"/>
-          </p:cNvSpPr>
-          <p:nvPr>
-            <p:ph type="ftr" sz="quarter" idx="11"/>
-          </p:nvPr>
-        </p:nvSpPr>
+        </p:blipFill>
         <p:spPr>
           <a:xfrm>
-            <a:off x="-231742" y="6492875"/>
-            <a:ext cx="4114800" cy="365125"/>
-          </a:xfrm>
-        </p:spPr>
-        <p:txBody>
-          <a:bodyPr/>
-          <a:lstStyle/>
-          <a:p>
-            <a:endParaRPr lang="en-US" i="1" dirty="0">
-              <a:solidFill>
-                <a:schemeClr val="bg1"/>
-              </a:solidFill>
-            </a:endParaRPr>
-          </a:p>
-        </p:txBody>
-      </p:sp>
-      <p:sp>
-        <p:nvSpPr>
-          <p:cNvPr id="9" name="Segnaposto numero diapositiva 8">
-            <a:extLst>
-              <a:ext uri="{FF2B5EF4-FFF2-40B4-BE49-F238E27FC236}">
-                <a16:creationId xmlns:a16="http://schemas.microsoft.com/office/drawing/2014/main" id="{A6BFBFA6-BB34-4DD9-A911-2416FC1C5687}"/>
-              </a:ext>
-            </a:extLst>
-          </p:cNvPr>
-          <p:cNvSpPr>
-            <a:spLocks noGrp="1"/>
-          </p:cNvSpPr>
-          <p:nvPr>
-            <p:ph type="sldNum" sz="quarter" idx="12"/>
-          </p:nvPr>
-        </p:nvSpPr>
-        <p:spPr>
-          <a:xfrm>
-            <a:off x="8607893" y="6345520"/>
-            <a:ext cx="2743200" cy="365125"/>
-          </a:xfrm>
-        </p:spPr>
-        <p:txBody>
-          <a:bodyPr/>
-          <a:lstStyle/>
-          <a:p>
-            <a:r>
-              <a:rPr lang="en-US" dirty="0"/>
-              <a:t>7</a:t>
-            </a:r>
-          </a:p>
-        </p:txBody>
-      </p:sp>
-      <p:sp>
-        <p:nvSpPr>
-          <p:cNvPr id="11" name="Rettangolo 10">
-            <a:extLst>
-              <a:ext uri="{FF2B5EF4-FFF2-40B4-BE49-F238E27FC236}">
-                <a16:creationId xmlns:a16="http://schemas.microsoft.com/office/drawing/2014/main" id="{DE43AB90-63F1-413E-8732-29F127F1CF7E}"/>
-              </a:ext>
-            </a:extLst>
-          </p:cNvPr>
-          <p:cNvSpPr/>
-          <p:nvPr/>
-        </p:nvSpPr>
-        <p:spPr>
-          <a:xfrm>
-            <a:off x="337221" y="428665"/>
-            <a:ext cx="6371424" cy="584775"/>
+            <a:off x="7045347" y="5695771"/>
+            <a:ext cx="4104567" cy="894064"/>
           </a:xfrm>
           <a:prstGeom prst="rect">
             <a:avLst/>
           </a:prstGeom>
         </p:spPr>
-        <p:txBody>
-          <a:bodyPr wrap="none">
-            <a:spAutoFit/>
-          </a:bodyPr>
-          <a:lstStyle/>
-          <a:p>
-            <a:pPr marL="285750" indent="-285750">
-              <a:buFont typeface="Arial" panose="020B0604020202020204" pitchFamily="34" charset="0"/>
-              <a:buChar char="•"/>
-            </a:pPr>
-            <a:r>
-              <a:rPr lang="it-IT" sz="3200" dirty="0">
-                <a:solidFill>
-                  <a:schemeClr val="bg1"/>
-                </a:solidFill>
-              </a:rPr>
-              <a:t>Modello cinematico e dinamico</a:t>
-            </a:r>
-          </a:p>
-        </p:txBody>
-      </p:sp>
-      <p:sp>
-        <p:nvSpPr>
-          <p:cNvPr id="10" name="CasellaDiTesto 9">
-            <a:extLst>
-              <a:ext uri="{FF2B5EF4-FFF2-40B4-BE49-F238E27FC236}">
-                <a16:creationId xmlns:a16="http://schemas.microsoft.com/office/drawing/2014/main" id="{284DA0C7-08CF-4A93-BE8C-537C3926BCEE}"/>
-              </a:ext>
-            </a:extLst>
-          </p:cNvPr>
-          <p:cNvSpPr txBox="1"/>
-          <p:nvPr/>
-        </p:nvSpPr>
-        <p:spPr>
-          <a:xfrm>
-            <a:off x="952107" y="1423447"/>
-            <a:ext cx="4609707" cy="461665"/>
-          </a:xfrm>
-          <a:prstGeom prst="rect">
-            <a:avLst/>
-          </a:prstGeom>
-          <a:noFill/>
-        </p:spPr>
-        <p:txBody>
-          <a:bodyPr wrap="square" rtlCol="0">
-            <a:spAutoFit/>
-          </a:bodyPr>
-          <a:lstStyle/>
-          <a:p>
-            <a:pPr marL="342900" indent="-342900">
-              <a:buFont typeface="+mj-lt"/>
-              <a:buAutoNum type="arabicPeriod" startAt="3"/>
-            </a:pPr>
-            <a:r>
-              <a:rPr lang="it-IT" sz="2400" dirty="0">
-                <a:solidFill>
-                  <a:schemeClr val="bg1"/>
-                </a:solidFill>
-              </a:rPr>
-              <a:t>Matrice di drag</a:t>
-            </a:r>
-          </a:p>
-        </p:txBody>
-      </p:sp>
+      </p:pic>
     </p:spTree>
     <p:extLst>
       <p:ext uri="{BB962C8B-B14F-4D97-AF65-F5344CB8AC3E}">
-        <p14:creationId xmlns:p14="http://schemas.microsoft.com/office/powerpoint/2010/main" val="2654764145"/>
+        <p14:creationId xmlns:p14="http://schemas.microsoft.com/office/powerpoint/2010/main" val="1717534747"/>
       </p:ext>
     </p:extLst>
   </p:cSld>
@@ -14030,7 +15879,7 @@
           <a:p>
             <a:r>
               <a:rPr lang="en-US" dirty="0"/>
-              <a:t>8</a:t>
+              <a:t>7</a:t>
             </a:r>
           </a:p>
         </p:txBody>
@@ -14050,7 +15899,7 @@
         <p:spPr>
           <a:xfrm>
             <a:off x="337221" y="428665"/>
-            <a:ext cx="6371424" cy="584775"/>
+            <a:ext cx="3988592" cy="584775"/>
           </a:xfrm>
           <a:prstGeom prst="rect">
             <a:avLst/>
@@ -14072,7 +15921,7 @@
                   <a:schemeClr val="bg1"/>
                 </a:solidFill>
               </a:rPr>
-              <a:t>Modello cinematico e dinamico</a:t>
+              <a:t>Modello dinamico</a:t>
             </a:r>
           </a:p>
         </p:txBody>
@@ -14091,7 +15940,7 @@
         </p:nvSpPr>
         <p:spPr>
           <a:xfrm>
-            <a:off x="952107" y="1423447"/>
+            <a:off x="952107" y="1260858"/>
             <a:ext cx="4609707" cy="461665"/>
           </a:xfrm>
           <a:prstGeom prst="rect">
@@ -14105,9 +15954,9 @@
           </a:bodyPr>
           <a:lstStyle/>
           <a:p>
-            <a:pPr marL="457200" indent="-457200">
+            <a:pPr marL="342900" indent="-342900">
               <a:buFont typeface="+mj-lt"/>
-              <a:buAutoNum type="arabicPeriod" startAt="4"/>
+              <a:buAutoNum type="arabicPeriod" startAt="3"/>
             </a:pPr>
             <a:r>
               <a:rPr lang="it-IT" sz="2400" dirty="0">
@@ -14115,15 +15964,182 @@
                   <a:schemeClr val="bg1"/>
                 </a:solidFill>
               </a:rPr>
-              <a:t>Termini gravitazionali</a:t>
+              <a:t>Matrice di drag</a:t>
             </a:r>
           </a:p>
         </p:txBody>
       </p:sp>
+      <p:pic>
+        <p:nvPicPr>
+          <p:cNvPr id="6" name="Immagine 5" descr="Immagine che contiene testo, mappa&#10;&#10;Descrizione generata automaticamente">
+            <a:extLst>
+              <a:ext uri="{FF2B5EF4-FFF2-40B4-BE49-F238E27FC236}">
+                <a16:creationId xmlns:a16="http://schemas.microsoft.com/office/drawing/2014/main" id="{20E5AFBF-7CBB-4EB8-9957-9BD92D7E575C}"/>
+              </a:ext>
+            </a:extLst>
+          </p:cNvPr>
+          <p:cNvPicPr>
+            <a:picLocks noChangeAspect="1"/>
+          </p:cNvPicPr>
+          <p:nvPr/>
+        </p:nvPicPr>
+        <p:blipFill>
+          <a:blip r:embed="rId3">
+            <a:extLst>
+              <a:ext uri="{28A0092B-C50C-407E-A947-70E740481C1C}">
+                <a14:useLocalDpi xmlns:a14="http://schemas.microsoft.com/office/drawing/2010/main" val="0"/>
+              </a:ext>
+            </a:extLst>
+          </a:blip>
+          <a:stretch>
+            <a:fillRect/>
+          </a:stretch>
+        </p:blipFill>
+        <p:spPr>
+          <a:xfrm>
+            <a:off x="8196708" y="1013440"/>
+            <a:ext cx="3565570" cy="2549507"/>
+          </a:xfrm>
+          <a:prstGeom prst="rect">
+            <a:avLst/>
+          </a:prstGeom>
+        </p:spPr>
+      </p:pic>
+      <p:sp>
+        <p:nvSpPr>
+          <p:cNvPr id="7" name="CasellaDiTesto 6">
+            <a:extLst>
+              <a:ext uri="{FF2B5EF4-FFF2-40B4-BE49-F238E27FC236}">
+                <a16:creationId xmlns:a16="http://schemas.microsoft.com/office/drawing/2014/main" id="{59384F72-7613-415E-A318-69FE35851FC9}"/>
+              </a:ext>
+            </a:extLst>
+          </p:cNvPr>
+          <p:cNvSpPr txBox="1"/>
+          <p:nvPr/>
+        </p:nvSpPr>
+        <p:spPr>
+          <a:xfrm>
+            <a:off x="1196502" y="1916307"/>
+            <a:ext cx="6157609" cy="2031325"/>
+          </a:xfrm>
+          <a:prstGeom prst="rect">
+            <a:avLst/>
+          </a:prstGeom>
+          <a:noFill/>
+        </p:spPr>
+        <p:txBody>
+          <a:bodyPr wrap="square" rtlCol="0">
+            <a:spAutoFit/>
+          </a:bodyPr>
+          <a:lstStyle/>
+          <a:p>
+            <a:r>
+              <a:rPr lang="it-IT" dirty="0">
+                <a:solidFill>
+                  <a:schemeClr val="bg1"/>
+                </a:solidFill>
+              </a:rPr>
+              <a:t>Ipotesi Semplificative:</a:t>
+            </a:r>
+          </a:p>
+          <a:p>
+            <a:pPr marL="342900" indent="-342900">
+              <a:buFont typeface="+mj-lt"/>
+              <a:buAutoNum type="arabicPeriod"/>
+            </a:pPr>
+            <a:r>
+              <a:rPr lang="it-IT" dirty="0">
+                <a:solidFill>
+                  <a:schemeClr val="bg1"/>
+                </a:solidFill>
+              </a:rPr>
+              <a:t>Approssimazione ellissoide oblato a sfera</a:t>
+            </a:r>
+          </a:p>
+          <a:p>
+            <a:pPr marL="342900" indent="-342900">
+              <a:buFont typeface="+mj-lt"/>
+              <a:buAutoNum type="arabicPeriod"/>
+            </a:pPr>
+            <a:r>
+              <a:rPr lang="it-IT" dirty="0">
+                <a:solidFill>
+                  <a:schemeClr val="bg1"/>
+                </a:solidFill>
+              </a:rPr>
+              <a:t>Si trascurano i termini lineari di D(v)</a:t>
+            </a:r>
+          </a:p>
+          <a:p>
+            <a:pPr marL="342900" indent="-342900">
+              <a:buFont typeface="+mj-lt"/>
+              <a:buAutoNum type="arabicPeriod"/>
+            </a:pPr>
+            <a:r>
+              <a:rPr lang="it-IT" dirty="0">
+                <a:solidFill>
+                  <a:schemeClr val="bg1"/>
+                </a:solidFill>
+              </a:rPr>
+              <a:t>Calcolo di Re a 20 °C, con rho acqua a 1030 kg/m^3 e per una velocità di 0.3 m/s</a:t>
+            </a:r>
+          </a:p>
+          <a:p>
+            <a:pPr marL="342900" indent="-342900">
+              <a:buFont typeface="+mj-lt"/>
+              <a:buAutoNum type="arabicPeriod"/>
+            </a:pPr>
+            <a:r>
+              <a:rPr lang="it-IT" dirty="0">
+                <a:solidFill>
+                  <a:schemeClr val="bg1"/>
+                </a:solidFill>
+              </a:rPr>
+              <a:t>Braccio dei momenti di drag calcolato su un raggio medio</a:t>
+            </a:r>
+          </a:p>
+        </p:txBody>
+      </p:sp>
+      <p:pic>
+        <p:nvPicPr>
+          <p:cNvPr id="16" name="Immagine 15">
+            <a:extLst>
+              <a:ext uri="{FF2B5EF4-FFF2-40B4-BE49-F238E27FC236}">
+                <a16:creationId xmlns:a16="http://schemas.microsoft.com/office/drawing/2014/main" id="{8C44DABD-745D-4DFE-A6AA-10EBBC013769}"/>
+              </a:ext>
+            </a:extLst>
+          </p:cNvPr>
+          <p:cNvPicPr>
+            <a:picLocks noChangeAspect="1"/>
+          </p:cNvPicPr>
+          <p:nvPr/>
+        </p:nvPicPr>
+        <p:blipFill>
+          <a:blip r:embed="rId4">
+            <a:extLst>
+              <a:ext uri="{28A0092B-C50C-407E-A947-70E740481C1C}">
+                <a14:useLocalDpi xmlns:a14="http://schemas.microsoft.com/office/drawing/2010/main" val="0"/>
+              </a:ext>
+            </a:extLst>
+          </a:blip>
+          <a:stretch>
+            <a:fillRect/>
+          </a:stretch>
+        </p:blipFill>
+        <p:spPr>
+          <a:xfrm>
+            <a:off x="717992" y="4288925"/>
+            <a:ext cx="11044286" cy="1123148"/>
+          </a:xfrm>
+          <a:prstGeom prst="rect">
+            <a:avLst/>
+          </a:prstGeom>
+        </p:spPr>
+      </p:pic>
     </p:spTree>
     <p:extLst>
       <p:ext uri="{BB962C8B-B14F-4D97-AF65-F5344CB8AC3E}">
-        <p14:creationId xmlns:p14="http://schemas.microsoft.com/office/powerpoint/2010/main" val="142232722"/>
+        <p14:creationId xmlns:p14="http://schemas.microsoft.com/office/powerpoint/2010/main" val="2654764145"/>
       </p:ext>
     </p:extLst>
   </p:cSld>
@@ -14226,7 +16242,7 @@
           <a:p>
             <a:r>
               <a:rPr lang="en-US" dirty="0"/>
-              <a:t>9</a:t>
+              <a:t>8</a:t>
             </a:r>
           </a:p>
         </p:txBody>
@@ -14246,7 +16262,7 @@
         <p:spPr>
           <a:xfrm>
             <a:off x="337221" y="428665"/>
-            <a:ext cx="2286010" cy="707886"/>
+            <a:ext cx="3886000" cy="584775"/>
           </a:xfrm>
           <a:prstGeom prst="rect">
             <a:avLst/>
@@ -14263,620 +16279,22 @@
               <a:buChar char="•"/>
             </a:pPr>
             <a:r>
-              <a:rPr lang="it-IT" sz="4000" dirty="0">
+              <a:rPr lang="it-IT" sz="3200" dirty="0">
                 <a:solidFill>
                   <a:schemeClr val="bg1"/>
                 </a:solidFill>
               </a:rPr>
-              <a:t>Risultati</a:t>
+              <a:t>Modello dinamico</a:t>
             </a:r>
           </a:p>
         </p:txBody>
       </p:sp>
-      <p:pic>
-        <p:nvPicPr>
-          <p:cNvPr id="5" name="Immagine 4" descr="Immagine che contiene mappa&#10;&#10;Descrizione generata automaticamente">
-            <a:extLst>
-              <a:ext uri="{FF2B5EF4-FFF2-40B4-BE49-F238E27FC236}">
-                <a16:creationId xmlns:a16="http://schemas.microsoft.com/office/drawing/2014/main" id="{8C40B54F-BF43-40BC-8D32-7EFA13098136}"/>
-              </a:ext>
-            </a:extLst>
-          </p:cNvPr>
-          <p:cNvPicPr>
-            <a:picLocks noChangeAspect="1"/>
-          </p:cNvPicPr>
-          <p:nvPr/>
-        </p:nvPicPr>
-        <p:blipFill>
-          <a:blip r:embed="rId3">
-            <a:extLst>
-              <a:ext uri="{28A0092B-C50C-407E-A947-70E740481C1C}">
-                <a14:useLocalDpi xmlns:a14="http://schemas.microsoft.com/office/drawing/2010/main" val="0"/>
-              </a:ext>
-            </a:extLst>
-          </a:blip>
-          <a:stretch>
-            <a:fillRect/>
-          </a:stretch>
-        </p:blipFill>
-        <p:spPr>
-          <a:xfrm>
-            <a:off x="5875340" y="1616812"/>
-            <a:ext cx="4515440" cy="2201277"/>
-          </a:xfrm>
-          <a:prstGeom prst="rect">
-            <a:avLst/>
-          </a:prstGeom>
-        </p:spPr>
-      </p:pic>
-      <p:pic>
-        <p:nvPicPr>
-          <p:cNvPr id="7" name="Immagine 6" descr="Immagine che contiene mappa&#10;&#10;Descrizione generata automaticamente">
-            <a:extLst>
-              <a:ext uri="{FF2B5EF4-FFF2-40B4-BE49-F238E27FC236}">
-                <a16:creationId xmlns:a16="http://schemas.microsoft.com/office/drawing/2014/main" id="{CB75411F-FD37-42AC-855B-955C6083D932}"/>
-              </a:ext>
-            </a:extLst>
-          </p:cNvPr>
-          <p:cNvPicPr>
-            <a:picLocks noChangeAspect="1"/>
-          </p:cNvPicPr>
-          <p:nvPr/>
-        </p:nvPicPr>
-        <p:blipFill>
-          <a:blip r:embed="rId4">
-            <a:extLst>
-              <a:ext uri="{28A0092B-C50C-407E-A947-70E740481C1C}">
-                <a14:useLocalDpi xmlns:a14="http://schemas.microsoft.com/office/drawing/2010/main" val="0"/>
-              </a:ext>
-            </a:extLst>
-          </a:blip>
-          <a:stretch>
-            <a:fillRect/>
-          </a:stretch>
-        </p:blipFill>
-        <p:spPr>
-          <a:xfrm>
-            <a:off x="5875340" y="4144242"/>
-            <a:ext cx="4515441" cy="2201278"/>
-          </a:xfrm>
-          <a:prstGeom prst="rect">
-            <a:avLst/>
-          </a:prstGeom>
-        </p:spPr>
-      </p:pic>
-      <p:graphicFrame>
-        <p:nvGraphicFramePr>
-          <p:cNvPr id="8" name="Tabella 9">
-            <a:extLst>
-              <a:ext uri="{FF2B5EF4-FFF2-40B4-BE49-F238E27FC236}">
-                <a16:creationId xmlns:a16="http://schemas.microsoft.com/office/drawing/2014/main" id="{7FE63334-E4B3-473D-89E8-603935686B83}"/>
-              </a:ext>
-            </a:extLst>
-          </p:cNvPr>
-          <p:cNvGraphicFramePr>
-            <a:graphicFrameLocks noGrp="1"/>
-          </p:cNvGraphicFramePr>
-          <p:nvPr>
-            <p:extLst>
-              <p:ext uri="{D42A27DB-BD31-4B8C-83A1-F6EECF244321}">
-                <p14:modId xmlns:p14="http://schemas.microsoft.com/office/powerpoint/2010/main" val="308897410"/>
-              </p:ext>
-            </p:extLst>
-          </p:nvPr>
-        </p:nvGraphicFramePr>
-        <p:xfrm>
-          <a:off x="425569" y="1651788"/>
-          <a:ext cx="4395324" cy="4427989"/>
-        </p:xfrm>
-        <a:graphic>
-          <a:graphicData uri="http://schemas.openxmlformats.org/drawingml/2006/table">
-            <a:tbl>
-              <a:tblPr firstRow="1" bandRow="1">
-                <a:tableStyleId>{5C22544A-7EE6-4342-B048-85BDC9FD1C3A}</a:tableStyleId>
-              </a:tblPr>
-              <a:tblGrid>
-                <a:gridCol w="1379570">
-                  <a:extLst>
-                    <a:ext uri="{9D8B030D-6E8A-4147-A177-3AD203B41FA5}">
-                      <a16:colId xmlns:a16="http://schemas.microsoft.com/office/drawing/2014/main" val="1735219898"/>
-                    </a:ext>
-                  </a:extLst>
-                </a:gridCol>
-                <a:gridCol w="1507877">
-                  <a:extLst>
-                    <a:ext uri="{9D8B030D-6E8A-4147-A177-3AD203B41FA5}">
-                      <a16:colId xmlns:a16="http://schemas.microsoft.com/office/drawing/2014/main" val="3330979704"/>
-                    </a:ext>
-                  </a:extLst>
-                </a:gridCol>
-                <a:gridCol w="1507877">
-                  <a:extLst>
-                    <a:ext uri="{9D8B030D-6E8A-4147-A177-3AD203B41FA5}">
-                      <a16:colId xmlns:a16="http://schemas.microsoft.com/office/drawing/2014/main" val="2676101486"/>
-                    </a:ext>
-                  </a:extLst>
-                </a:gridCol>
-              </a:tblGrid>
-              <a:tr h="621647">
-                <a:tc>
-                  <a:txBody>
-                    <a:bodyPr/>
-                    <a:lstStyle/>
-                    <a:p>
-                      <a:pPr algn="ctr"/>
-                      <a:r>
-                        <a:rPr lang="it-IT" dirty="0">
-                          <a:solidFill>
-                            <a:schemeClr val="bg1"/>
-                          </a:solidFill>
-                        </a:rPr>
-                        <a:t>MOTO</a:t>
-                      </a:r>
-                    </a:p>
-                  </a:txBody>
-                  <a:tcPr>
-                    <a:noFill/>
-                  </a:tcPr>
-                </a:tc>
-                <a:tc>
-                  <a:txBody>
-                    <a:bodyPr/>
-                    <a:lstStyle/>
-                    <a:p>
-                      <a:pPr algn="ctr"/>
-                      <a:r>
-                        <a:rPr lang="it-IT" dirty="0">
-                          <a:solidFill>
-                            <a:schemeClr val="bg1"/>
-                          </a:solidFill>
-                        </a:rPr>
-                        <a:t>THRUSTERS</a:t>
-                      </a:r>
-                    </a:p>
-                  </a:txBody>
-                  <a:tcPr>
-                    <a:noFill/>
-                  </a:tcPr>
-                </a:tc>
-                <a:tc>
-                  <a:txBody>
-                    <a:bodyPr/>
-                    <a:lstStyle/>
-                    <a:p>
-                      <a:pPr algn="ctr"/>
-                      <a:r>
-                        <a:rPr lang="it-IT" dirty="0">
-                          <a:solidFill>
-                            <a:schemeClr val="bg1"/>
-                          </a:solidFill>
-                        </a:rPr>
-                        <a:t>VELOCITA’ (</a:t>
-                      </a:r>
-                      <a:r>
-                        <a:rPr lang="it-IT" dirty="0" err="1">
-                          <a:solidFill>
-                            <a:schemeClr val="bg1"/>
-                          </a:solidFill>
-                        </a:rPr>
-                        <a:t>rad</a:t>
-                      </a:r>
-                      <a:r>
-                        <a:rPr lang="it-IT" dirty="0">
-                          <a:solidFill>
-                            <a:schemeClr val="bg1"/>
-                          </a:solidFill>
-                        </a:rPr>
-                        <a:t>/s)</a:t>
-                      </a:r>
-                    </a:p>
-                  </a:txBody>
-                  <a:tcPr>
-                    <a:noFill/>
-                  </a:tcPr>
-                </a:tc>
-                <a:extLst>
-                  <a:ext uri="{0D108BD9-81ED-4DB2-BD59-A6C34878D82A}">
-                    <a16:rowId xmlns:a16="http://schemas.microsoft.com/office/drawing/2014/main" val="3132726987"/>
-                  </a:ext>
-                </a:extLst>
-              </a:tr>
-              <a:tr h="932035">
-                <a:tc rowSpan="2">
-                  <a:txBody>
-                    <a:bodyPr/>
-                    <a:lstStyle/>
-                    <a:p>
-                      <a:pPr algn="ctr"/>
-                      <a:endParaRPr lang="it-IT" dirty="0">
-                        <a:solidFill>
-                          <a:schemeClr val="bg1"/>
-                        </a:solidFill>
-                      </a:endParaRPr>
-                    </a:p>
-                    <a:p>
-                      <a:pPr algn="ctr"/>
-                      <a:endParaRPr lang="it-IT" dirty="0">
-                        <a:solidFill>
-                          <a:schemeClr val="bg1"/>
-                        </a:solidFill>
-                      </a:endParaRPr>
-                    </a:p>
-                    <a:p>
-                      <a:pPr algn="ctr"/>
-                      <a:r>
-                        <a:rPr lang="it-IT" dirty="0" err="1">
-                          <a:solidFill>
-                            <a:schemeClr val="bg1"/>
-                          </a:solidFill>
-                        </a:rPr>
-                        <a:t>Surge</a:t>
-                      </a:r>
-                      <a:endParaRPr lang="it-IT" dirty="0">
-                        <a:solidFill>
-                          <a:schemeClr val="bg1"/>
-                        </a:solidFill>
-                      </a:endParaRPr>
-                    </a:p>
-                  </a:txBody>
-                  <a:tcPr>
-                    <a:noFill/>
-                  </a:tcPr>
-                </a:tc>
-                <a:tc>
-                  <a:txBody>
-                    <a:bodyPr/>
-                    <a:lstStyle/>
-                    <a:p>
-                      <a:pPr algn="ctr"/>
-                      <a:endParaRPr lang="it-IT" dirty="0">
-                        <a:solidFill>
-                          <a:schemeClr val="bg1"/>
-                        </a:solidFill>
-                      </a:endParaRPr>
-                    </a:p>
-                    <a:p>
-                      <a:pPr algn="ctr"/>
-                      <a:r>
-                        <a:rPr lang="it-IT" dirty="0">
-                          <a:solidFill>
-                            <a:schemeClr val="bg1"/>
-                          </a:solidFill>
-                        </a:rPr>
-                        <a:t>1</a:t>
-                      </a:r>
-                    </a:p>
-                    <a:p>
-                      <a:pPr algn="ctr"/>
-                      <a:endParaRPr lang="it-IT" dirty="0">
-                        <a:solidFill>
-                          <a:schemeClr val="bg1"/>
-                        </a:solidFill>
-                      </a:endParaRPr>
-                    </a:p>
-                  </a:txBody>
-                  <a:tcPr>
-                    <a:noFill/>
-                  </a:tcPr>
-                </a:tc>
-                <a:tc>
-                  <a:txBody>
-                    <a:bodyPr/>
-                    <a:lstStyle/>
-                    <a:p>
-                      <a:pPr algn="ctr"/>
-                      <a:endParaRPr lang="it-IT" dirty="0">
-                        <a:solidFill>
-                          <a:schemeClr val="bg1"/>
-                        </a:solidFill>
-                      </a:endParaRPr>
-                    </a:p>
-                    <a:p>
-                      <a:pPr algn="ctr"/>
-                      <a:r>
-                        <a:rPr lang="it-IT" dirty="0">
-                          <a:solidFill>
-                            <a:schemeClr val="bg1"/>
-                          </a:solidFill>
-                        </a:rPr>
-                        <a:t>100</a:t>
-                      </a:r>
-                    </a:p>
-                    <a:p>
-                      <a:pPr algn="ctr"/>
-                      <a:endParaRPr lang="it-IT" dirty="0">
-                        <a:solidFill>
-                          <a:schemeClr val="bg1"/>
-                        </a:solidFill>
-                      </a:endParaRPr>
-                    </a:p>
-                  </a:txBody>
-                  <a:tcPr>
-                    <a:noFill/>
-                  </a:tcPr>
-                </a:tc>
-                <a:extLst>
-                  <a:ext uri="{0D108BD9-81ED-4DB2-BD59-A6C34878D82A}">
-                    <a16:rowId xmlns:a16="http://schemas.microsoft.com/office/drawing/2014/main" val="4013101600"/>
-                  </a:ext>
-                </a:extLst>
-              </a:tr>
-              <a:tr h="737302">
-                <a:tc vMerge="1">
-                  <a:txBody>
-                    <a:bodyPr/>
-                    <a:lstStyle/>
-                    <a:p>
-                      <a:endParaRPr lang="it-IT"/>
-                    </a:p>
-                  </a:txBody>
-                  <a:tcPr/>
-                </a:tc>
-                <a:tc>
-                  <a:txBody>
-                    <a:bodyPr/>
-                    <a:lstStyle/>
-                    <a:p>
-                      <a:pPr algn="ctr"/>
-                      <a:endParaRPr lang="it-IT" dirty="0">
-                        <a:solidFill>
-                          <a:schemeClr val="bg1"/>
-                        </a:solidFill>
-                      </a:endParaRPr>
-                    </a:p>
-                    <a:p>
-                      <a:pPr algn="ctr"/>
-                      <a:r>
-                        <a:rPr lang="it-IT" dirty="0">
-                          <a:solidFill>
-                            <a:schemeClr val="bg1"/>
-                          </a:solidFill>
-                        </a:rPr>
-                        <a:t>2</a:t>
-                      </a:r>
-                    </a:p>
-                    <a:p>
-                      <a:pPr algn="ctr"/>
-                      <a:endParaRPr lang="it-IT" dirty="0"/>
-                    </a:p>
-                  </a:txBody>
-                  <a:tcPr>
-                    <a:noFill/>
-                  </a:tcPr>
-                </a:tc>
-                <a:tc>
-                  <a:txBody>
-                    <a:bodyPr/>
-                    <a:lstStyle/>
-                    <a:p>
-                      <a:pPr algn="ctr"/>
-                      <a:endParaRPr lang="it-IT" dirty="0">
-                        <a:solidFill>
-                          <a:schemeClr val="bg1"/>
-                        </a:solidFill>
-                      </a:endParaRPr>
-                    </a:p>
-                    <a:p>
-                      <a:pPr algn="ctr"/>
-                      <a:r>
-                        <a:rPr lang="it-IT" dirty="0">
-                          <a:solidFill>
-                            <a:schemeClr val="bg1"/>
-                          </a:solidFill>
-                        </a:rPr>
-                        <a:t>100</a:t>
-                      </a:r>
-                    </a:p>
-                  </a:txBody>
-                  <a:tcPr>
-                    <a:noFill/>
-                  </a:tcPr>
-                </a:tc>
-                <a:extLst>
-                  <a:ext uri="{0D108BD9-81ED-4DB2-BD59-A6C34878D82A}">
-                    <a16:rowId xmlns:a16="http://schemas.microsoft.com/office/drawing/2014/main" val="2528507620"/>
-                  </a:ext>
-                </a:extLst>
-              </a:tr>
-              <a:tr h="892004">
-                <a:tc rowSpan="2">
-                  <a:txBody>
-                    <a:bodyPr/>
-                    <a:lstStyle/>
-                    <a:p>
-                      <a:pPr algn="ctr"/>
-                      <a:endParaRPr lang="it-IT" dirty="0">
-                        <a:solidFill>
-                          <a:schemeClr val="bg1"/>
-                        </a:solidFill>
-                      </a:endParaRPr>
-                    </a:p>
-                    <a:p>
-                      <a:pPr algn="ctr"/>
-                      <a:endParaRPr lang="it-IT" dirty="0">
-                        <a:solidFill>
-                          <a:schemeClr val="bg1"/>
-                        </a:solidFill>
-                      </a:endParaRPr>
-                    </a:p>
-                    <a:p>
-                      <a:pPr algn="ctr"/>
-                      <a:r>
-                        <a:rPr lang="it-IT" dirty="0">
-                          <a:solidFill>
-                            <a:schemeClr val="bg1"/>
-                          </a:solidFill>
-                        </a:rPr>
-                        <a:t>Sway</a:t>
-                      </a:r>
-                    </a:p>
-                  </a:txBody>
-                  <a:tcPr>
-                    <a:noFill/>
-                  </a:tcPr>
-                </a:tc>
-                <a:tc>
-                  <a:txBody>
-                    <a:bodyPr/>
-                    <a:lstStyle/>
-                    <a:p>
-                      <a:pPr algn="ctr"/>
-                      <a:endParaRPr lang="it-IT" dirty="0">
-                        <a:solidFill>
-                          <a:schemeClr val="bg1"/>
-                        </a:solidFill>
-                      </a:endParaRPr>
-                    </a:p>
-                    <a:p>
-                      <a:pPr algn="ctr"/>
-                      <a:r>
-                        <a:rPr lang="it-IT" dirty="0">
-                          <a:solidFill>
-                            <a:schemeClr val="bg1"/>
-                          </a:solidFill>
-                        </a:rPr>
-                        <a:t>3</a:t>
-                      </a:r>
-                    </a:p>
-                    <a:p>
-                      <a:pPr algn="ctr"/>
-                      <a:endParaRPr lang="it-IT" dirty="0">
-                        <a:solidFill>
-                          <a:schemeClr val="bg1"/>
-                        </a:solidFill>
-                      </a:endParaRPr>
-                    </a:p>
-                  </a:txBody>
-                  <a:tcPr>
-                    <a:noFill/>
-                  </a:tcPr>
-                </a:tc>
-                <a:tc>
-                  <a:txBody>
-                    <a:bodyPr/>
-                    <a:lstStyle/>
-                    <a:p>
-                      <a:pPr algn="ctr"/>
-                      <a:endParaRPr lang="it-IT" dirty="0">
-                        <a:solidFill>
-                          <a:schemeClr val="bg1"/>
-                        </a:solidFill>
-                      </a:endParaRPr>
-                    </a:p>
-                    <a:p>
-                      <a:pPr algn="ctr"/>
-                      <a:r>
-                        <a:rPr lang="it-IT" dirty="0">
-                          <a:solidFill>
-                            <a:schemeClr val="bg1"/>
-                          </a:solidFill>
-                        </a:rPr>
-                        <a:t>100</a:t>
-                      </a:r>
-                    </a:p>
-                    <a:p>
-                      <a:pPr algn="ctr"/>
-                      <a:endParaRPr lang="it-IT" dirty="0">
-                        <a:solidFill>
-                          <a:schemeClr val="bg1"/>
-                        </a:solidFill>
-                      </a:endParaRPr>
-                    </a:p>
-                  </a:txBody>
-                  <a:tcPr>
-                    <a:noFill/>
-                  </a:tcPr>
-                </a:tc>
-                <a:extLst>
-                  <a:ext uri="{0D108BD9-81ED-4DB2-BD59-A6C34878D82A}">
-                    <a16:rowId xmlns:a16="http://schemas.microsoft.com/office/drawing/2014/main" val="2380368097"/>
-                  </a:ext>
-                </a:extLst>
-              </a:tr>
-              <a:tr h="1027074">
-                <a:tc vMerge="1">
-                  <a:txBody>
-                    <a:bodyPr/>
-                    <a:lstStyle/>
-                    <a:p>
-                      <a:endParaRPr lang="it-IT"/>
-                    </a:p>
-                  </a:txBody>
-                  <a:tcPr/>
-                </a:tc>
-                <a:tc>
-                  <a:txBody>
-                    <a:bodyPr/>
-                    <a:lstStyle/>
-                    <a:p>
-                      <a:pPr algn="ctr"/>
-                      <a:endParaRPr lang="it-IT" dirty="0">
-                        <a:solidFill>
-                          <a:schemeClr val="bg1"/>
-                        </a:solidFill>
-                      </a:endParaRPr>
-                    </a:p>
-                    <a:p>
-                      <a:pPr algn="ctr"/>
-                      <a:r>
-                        <a:rPr lang="it-IT" dirty="0">
-                          <a:solidFill>
-                            <a:schemeClr val="bg1"/>
-                          </a:solidFill>
-                        </a:rPr>
-                        <a:t>4</a:t>
-                      </a:r>
-                      <a:endParaRPr lang="it-IT" dirty="0"/>
-                    </a:p>
-                  </a:txBody>
-                  <a:tcPr>
-                    <a:noFill/>
-                  </a:tcPr>
-                </a:tc>
-                <a:tc>
-                  <a:txBody>
-                    <a:bodyPr/>
-                    <a:lstStyle/>
-                    <a:p>
-                      <a:pPr algn="ctr"/>
-                      <a:endParaRPr lang="it-IT" dirty="0">
-                        <a:solidFill>
-                          <a:schemeClr val="bg1"/>
-                        </a:solidFill>
-                      </a:endParaRPr>
-                    </a:p>
-                    <a:p>
-                      <a:pPr algn="ctr"/>
-                      <a:r>
-                        <a:rPr lang="it-IT" dirty="0">
-                          <a:solidFill>
-                            <a:schemeClr val="bg1"/>
-                          </a:solidFill>
-                        </a:rPr>
-                        <a:t>-100</a:t>
-                      </a:r>
-                    </a:p>
-                  </a:txBody>
-                  <a:tcPr>
-                    <a:noFill/>
-                  </a:tcPr>
-                </a:tc>
-                <a:extLst>
-                  <a:ext uri="{0D108BD9-81ED-4DB2-BD59-A6C34878D82A}">
-                    <a16:rowId xmlns:a16="http://schemas.microsoft.com/office/drawing/2014/main" val="2844665777"/>
-                  </a:ext>
-                </a:extLst>
-              </a:tr>
-            </a:tbl>
-          </a:graphicData>
-        </a:graphic>
-      </p:graphicFrame>
       <p:sp>
         <p:nvSpPr>
-          <p:cNvPr id="12" name="CasellaDiTesto 11">
+          <p:cNvPr id="10" name="CasellaDiTesto 9">
             <a:extLst>
               <a:ext uri="{FF2B5EF4-FFF2-40B4-BE49-F238E27FC236}">
-                <a16:creationId xmlns:a16="http://schemas.microsoft.com/office/drawing/2014/main" id="{723C35DD-35AF-45E5-AE2A-C56672584422}"/>
+                <a16:creationId xmlns:a16="http://schemas.microsoft.com/office/drawing/2014/main" id="{284DA0C7-08CF-4A93-BE8C-537C3926BCEE}"/>
               </a:ext>
             </a:extLst>
           </p:cNvPr>
@@ -14885,8 +16303,8 @@
         </p:nvSpPr>
         <p:spPr>
           <a:xfrm>
-            <a:off x="337221" y="1247480"/>
-            <a:ext cx="1150070" cy="369332"/>
+            <a:off x="952107" y="1423447"/>
+            <a:ext cx="4609707" cy="461665"/>
           </a:xfrm>
           <a:prstGeom prst="rect">
             <a:avLst/>
@@ -14899,26 +16317,27 @@
           </a:bodyPr>
           <a:lstStyle/>
           <a:p>
+            <a:pPr marL="457200" indent="-457200">
+              <a:buFont typeface="+mj-lt"/>
+              <a:buAutoNum type="arabicPeriod" startAt="4"/>
+            </a:pPr>
             <a:r>
-              <a:rPr lang="it-IT" dirty="0">
+              <a:rPr lang="it-IT" sz="2400" dirty="0">
                 <a:solidFill>
-                  <a:schemeClr val="accent1">
-                    <a:lumMod val="60000"/>
-                    <a:lumOff val="40000"/>
-                  </a:schemeClr>
+                  <a:schemeClr val="bg1"/>
                 </a:solidFill>
               </a:rPr>
-              <a:t>INPUT</a:t>
+              <a:t>Termini gravitazionali</a:t>
             </a:r>
           </a:p>
         </p:txBody>
       </p:sp>
       <p:sp>
         <p:nvSpPr>
-          <p:cNvPr id="14" name="CasellaDiTesto 13">
+          <p:cNvPr id="2" name="CasellaDiTesto 1">
             <a:extLst>
               <a:ext uri="{FF2B5EF4-FFF2-40B4-BE49-F238E27FC236}">
-                <a16:creationId xmlns:a16="http://schemas.microsoft.com/office/drawing/2014/main" id="{2A507F04-4159-4DD0-BF1B-FAF567AE61DB}"/>
+                <a16:creationId xmlns:a16="http://schemas.microsoft.com/office/drawing/2014/main" id="{90F1333D-9F5D-4DA3-A3F3-E2FDC3872044}"/>
               </a:ext>
             </a:extLst>
           </p:cNvPr>
@@ -14927,8 +16346,47 @@
         </p:nvSpPr>
         <p:spPr>
           <a:xfrm>
-            <a:off x="5790499" y="1205680"/>
-            <a:ext cx="2099736" cy="369332"/>
+            <a:off x="1310325" y="2110453"/>
+            <a:ext cx="6912085" cy="369332"/>
+          </a:xfrm>
+          <a:prstGeom prst="rect">
+            <a:avLst/>
+          </a:prstGeom>
+          <a:noFill/>
+        </p:spPr>
+        <p:txBody>
+          <a:bodyPr wrap="none" rtlCol="0">
+            <a:spAutoFit/>
+          </a:bodyPr>
+          <a:lstStyle/>
+          <a:p>
+            <a:r>
+              <a:rPr lang="it-IT" dirty="0">
+                <a:solidFill>
+                  <a:schemeClr val="bg1"/>
+                </a:solidFill>
+              </a:rPr>
+              <a:t>Obiettivo: AUV  in grado di risalire in superficie senza attuazione</a:t>
+            </a:r>
+          </a:p>
+        </p:txBody>
+      </p:sp>
+      <p:sp>
+        <p:nvSpPr>
+          <p:cNvPr id="3" name="CasellaDiTesto 2">
+            <a:extLst>
+              <a:ext uri="{FF2B5EF4-FFF2-40B4-BE49-F238E27FC236}">
+                <a16:creationId xmlns:a16="http://schemas.microsoft.com/office/drawing/2014/main" id="{243005BB-029B-4C4A-894B-4E9E5149F4F3}"/>
+              </a:ext>
+            </a:extLst>
+          </p:cNvPr>
+          <p:cNvSpPr txBox="1"/>
+          <p:nvPr/>
+        </p:nvSpPr>
+        <p:spPr>
+          <a:xfrm>
+            <a:off x="1214591" y="4055050"/>
+            <a:ext cx="3120273" cy="646331"/>
           </a:xfrm>
           <a:prstGeom prst="rect">
             <a:avLst/>
@@ -14944,21 +16402,234 @@
             <a:r>
               <a:rPr lang="it-IT" dirty="0">
                 <a:solidFill>
-                  <a:schemeClr val="accent1">
-                    <a:lumMod val="60000"/>
-                    <a:lumOff val="40000"/>
-                  </a:schemeClr>
+                  <a:schemeClr val="bg1"/>
                 </a:solidFill>
               </a:rPr>
-              <a:t>OUTPUT (posa)</a:t>
+              <a:t>Si considera il volume del veicolo immerso</a:t>
             </a:r>
           </a:p>
         </p:txBody>
       </p:sp>
+      <p:pic>
+        <p:nvPicPr>
+          <p:cNvPr id="17" name="Immagine 16">
+            <a:extLst>
+              <a:ext uri="{FF2B5EF4-FFF2-40B4-BE49-F238E27FC236}">
+                <a16:creationId xmlns:a16="http://schemas.microsoft.com/office/drawing/2014/main" id="{A0389353-D7D8-4A1C-B64B-F09C458B3C42}"/>
+              </a:ext>
+            </a:extLst>
+          </p:cNvPr>
+          <p:cNvPicPr>
+            <a:picLocks noChangeAspect="1"/>
+          </p:cNvPicPr>
+          <p:nvPr/>
+        </p:nvPicPr>
+        <p:blipFill>
+          <a:blip r:embed="rId3">
+            <a:extLst>
+              <a:ext uri="{28A0092B-C50C-407E-A947-70E740481C1C}">
+                <a14:useLocalDpi xmlns:a14="http://schemas.microsoft.com/office/drawing/2010/main" val="0"/>
+              </a:ext>
+            </a:extLst>
+          </a:blip>
+          <a:stretch>
+            <a:fillRect/>
+          </a:stretch>
+        </p:blipFill>
+        <p:spPr>
+          <a:xfrm>
+            <a:off x="9169687" y="2788355"/>
+            <a:ext cx="2466133" cy="502153"/>
+          </a:xfrm>
+          <a:prstGeom prst="rect">
+            <a:avLst/>
+          </a:prstGeom>
+        </p:spPr>
+      </p:pic>
+      <p:pic>
+        <p:nvPicPr>
+          <p:cNvPr id="19" name="Immagine 18" descr="Immagine che contiene orologio&#10;&#10;Descrizione generata automaticamente">
+            <a:extLst>
+              <a:ext uri="{FF2B5EF4-FFF2-40B4-BE49-F238E27FC236}">
+                <a16:creationId xmlns:a16="http://schemas.microsoft.com/office/drawing/2014/main" id="{384FCB39-0EBC-48D9-8A79-15770CB6DAF2}"/>
+              </a:ext>
+            </a:extLst>
+          </p:cNvPr>
+          <p:cNvPicPr>
+            <a:picLocks noChangeAspect="1"/>
+          </p:cNvPicPr>
+          <p:nvPr/>
+        </p:nvPicPr>
+        <p:blipFill>
+          <a:blip r:embed="rId4">
+            <a:extLst>
+              <a:ext uri="{28A0092B-C50C-407E-A947-70E740481C1C}">
+                <a14:useLocalDpi xmlns:a14="http://schemas.microsoft.com/office/drawing/2010/main" val="0"/>
+              </a:ext>
+            </a:extLst>
+          </a:blip>
+          <a:stretch>
+            <a:fillRect/>
+          </a:stretch>
+        </p:blipFill>
+        <p:spPr>
+          <a:xfrm>
+            <a:off x="7682888" y="3678289"/>
+            <a:ext cx="4160881" cy="2667231"/>
+          </a:xfrm>
+          <a:prstGeom prst="rect">
+            <a:avLst/>
+          </a:prstGeom>
+        </p:spPr>
+      </p:pic>
+      <p:pic>
+        <p:nvPicPr>
+          <p:cNvPr id="23" name="Immagine 22">
+            <a:extLst>
+              <a:ext uri="{FF2B5EF4-FFF2-40B4-BE49-F238E27FC236}">
+                <a16:creationId xmlns:a16="http://schemas.microsoft.com/office/drawing/2014/main" id="{D44FEF5B-8ECE-4257-8A87-54DB8D23FE7F}"/>
+              </a:ext>
+            </a:extLst>
+          </p:cNvPr>
+          <p:cNvPicPr>
+            <a:picLocks noChangeAspect="1"/>
+          </p:cNvPicPr>
+          <p:nvPr/>
+        </p:nvPicPr>
+        <p:blipFill>
+          <a:blip r:embed="rId5">
+            <a:extLst>
+              <a:ext uri="{28A0092B-C50C-407E-A947-70E740481C1C}">
+                <a14:useLocalDpi xmlns:a14="http://schemas.microsoft.com/office/drawing/2010/main" val="0"/>
+              </a:ext>
+            </a:extLst>
+          </a:blip>
+          <a:stretch>
+            <a:fillRect/>
+          </a:stretch>
+        </p:blipFill>
+        <p:spPr>
+          <a:xfrm>
+            <a:off x="4886176" y="4224621"/>
+            <a:ext cx="1998264" cy="1299485"/>
+          </a:xfrm>
+          <a:prstGeom prst="rect">
+            <a:avLst/>
+          </a:prstGeom>
+        </p:spPr>
+      </p:pic>
+      <p:pic>
+        <p:nvPicPr>
+          <p:cNvPr id="25" name="Immagine 24">
+            <a:extLst>
+              <a:ext uri="{FF2B5EF4-FFF2-40B4-BE49-F238E27FC236}">
+                <a16:creationId xmlns:a16="http://schemas.microsoft.com/office/drawing/2014/main" id="{08656E91-10C2-4D13-893A-1BFCC015B46F}"/>
+              </a:ext>
+            </a:extLst>
+          </p:cNvPr>
+          <p:cNvPicPr>
+            <a:picLocks noChangeAspect="1"/>
+          </p:cNvPicPr>
+          <p:nvPr/>
+        </p:nvPicPr>
+        <p:blipFill>
+          <a:blip r:embed="rId6">
+            <a:extLst>
+              <a:ext uri="{28A0092B-C50C-407E-A947-70E740481C1C}">
+                <a14:useLocalDpi xmlns:a14="http://schemas.microsoft.com/office/drawing/2010/main" val="0"/>
+              </a:ext>
+            </a:extLst>
+          </a:blip>
+          <a:stretch>
+            <a:fillRect/>
+          </a:stretch>
+        </p:blipFill>
+        <p:spPr>
+          <a:xfrm>
+            <a:off x="4688272" y="2821474"/>
+            <a:ext cx="1407728" cy="624044"/>
+          </a:xfrm>
+          <a:prstGeom prst="rect">
+            <a:avLst/>
+          </a:prstGeom>
+        </p:spPr>
+      </p:pic>
+      <p:pic>
+        <p:nvPicPr>
+          <p:cNvPr id="27" name="Immagine 26">
+            <a:extLst>
+              <a:ext uri="{FF2B5EF4-FFF2-40B4-BE49-F238E27FC236}">
+                <a16:creationId xmlns:a16="http://schemas.microsoft.com/office/drawing/2014/main" id="{8D8ED8B0-1976-4829-8EB5-29F804191963}"/>
+              </a:ext>
+            </a:extLst>
+          </p:cNvPr>
+          <p:cNvPicPr>
+            <a:picLocks noChangeAspect="1"/>
+          </p:cNvPicPr>
+          <p:nvPr/>
+        </p:nvPicPr>
+        <p:blipFill>
+          <a:blip r:embed="rId7">
+            <a:extLst>
+              <a:ext uri="{28A0092B-C50C-407E-A947-70E740481C1C}">
+                <a14:useLocalDpi xmlns:a14="http://schemas.microsoft.com/office/drawing/2010/main" val="0"/>
+              </a:ext>
+            </a:extLst>
+          </a:blip>
+          <a:stretch>
+            <a:fillRect/>
+          </a:stretch>
+        </p:blipFill>
+        <p:spPr>
+          <a:xfrm>
+            <a:off x="6708645" y="2794463"/>
+            <a:ext cx="1723311" cy="606799"/>
+          </a:xfrm>
+          <a:prstGeom prst="rect">
+            <a:avLst/>
+          </a:prstGeom>
+        </p:spPr>
+      </p:pic>
+      <p:pic>
+        <p:nvPicPr>
+          <p:cNvPr id="29" name="Immagine 28">
+            <a:extLst>
+              <a:ext uri="{FF2B5EF4-FFF2-40B4-BE49-F238E27FC236}">
+                <a16:creationId xmlns:a16="http://schemas.microsoft.com/office/drawing/2014/main" id="{09D01829-A7B5-4F69-A907-360EB756BC70}"/>
+              </a:ext>
+            </a:extLst>
+          </p:cNvPr>
+          <p:cNvPicPr>
+            <a:picLocks noChangeAspect="1"/>
+          </p:cNvPicPr>
+          <p:nvPr/>
+        </p:nvPicPr>
+        <p:blipFill>
+          <a:blip r:embed="rId8">
+            <a:extLst>
+              <a:ext uri="{28A0092B-C50C-407E-A947-70E740481C1C}">
+                <a14:useLocalDpi xmlns:a14="http://schemas.microsoft.com/office/drawing/2010/main" val="0"/>
+              </a:ext>
+            </a:extLst>
+          </a:blip>
+          <a:stretch>
+            <a:fillRect/>
+          </a:stretch>
+        </p:blipFill>
+        <p:spPr>
+          <a:xfrm>
+            <a:off x="1265489" y="2729568"/>
+            <a:ext cx="2617569" cy="699431"/>
+          </a:xfrm>
+          <a:prstGeom prst="rect">
+            <a:avLst/>
+          </a:prstGeom>
+        </p:spPr>
+      </p:pic>
     </p:spTree>
     <p:extLst>
       <p:ext uri="{BB962C8B-B14F-4D97-AF65-F5344CB8AC3E}">
-        <p14:creationId xmlns:p14="http://schemas.microsoft.com/office/powerpoint/2010/main" val="414146306"/>
+        <p14:creationId xmlns:p14="http://schemas.microsoft.com/office/powerpoint/2010/main" val="142232722"/>
       </p:ext>
     </p:extLst>
   </p:cSld>

--- a/presentazione.pptx
+++ b/presentazione.pptx
@@ -5,10 +5,10 @@
     <p:sldMasterId id="2147483716" r:id="rId1"/>
   </p:sldMasterIdLst>
   <p:notesMasterIdLst>
-    <p:notesMasterId r:id="rId22"/>
+    <p:notesMasterId r:id="rId24"/>
   </p:notesMasterIdLst>
   <p:handoutMasterIdLst>
-    <p:handoutMasterId r:id="rId23"/>
+    <p:handoutMasterId r:id="rId25"/>
   </p:handoutMasterIdLst>
   <p:sldIdLst>
     <p:sldId id="256" r:id="rId2"/>
@@ -17,20 +17,22 @@
     <p:sldId id="259" r:id="rId5"/>
     <p:sldId id="264" r:id="rId6"/>
     <p:sldId id="272" r:id="rId7"/>
-    <p:sldId id="274" r:id="rId8"/>
-    <p:sldId id="285" r:id="rId9"/>
-    <p:sldId id="288" r:id="rId10"/>
-    <p:sldId id="287" r:id="rId11"/>
-    <p:sldId id="275" r:id="rId12"/>
-    <p:sldId id="278" r:id="rId13"/>
-    <p:sldId id="276" r:id="rId14"/>
-    <p:sldId id="290" r:id="rId15"/>
-    <p:sldId id="291" r:id="rId16"/>
-    <p:sldId id="292" r:id="rId17"/>
-    <p:sldId id="293" r:id="rId18"/>
-    <p:sldId id="294" r:id="rId19"/>
-    <p:sldId id="283" r:id="rId20"/>
-    <p:sldId id="284" r:id="rId21"/>
+    <p:sldId id="295" r:id="rId8"/>
+    <p:sldId id="274" r:id="rId9"/>
+    <p:sldId id="285" r:id="rId10"/>
+    <p:sldId id="288" r:id="rId11"/>
+    <p:sldId id="287" r:id="rId12"/>
+    <p:sldId id="275" r:id="rId13"/>
+    <p:sldId id="278" r:id="rId14"/>
+    <p:sldId id="276" r:id="rId15"/>
+    <p:sldId id="296" r:id="rId16"/>
+    <p:sldId id="290" r:id="rId17"/>
+    <p:sldId id="291" r:id="rId18"/>
+    <p:sldId id="292" r:id="rId19"/>
+    <p:sldId id="293" r:id="rId20"/>
+    <p:sldId id="294" r:id="rId21"/>
+    <p:sldId id="283" r:id="rId22"/>
+    <p:sldId id="284" r:id="rId23"/>
   </p:sldIdLst>
   <p:sldSz cx="12192000" cy="6858000"/>
   <p:notesSz cx="6858000" cy="9144000"/>
@@ -140,6 +142,7 @@
             <p14:sldId id="259"/>
             <p14:sldId id="264"/>
             <p14:sldId id="272"/>
+            <p14:sldId id="295"/>
             <p14:sldId id="274"/>
             <p14:sldId id="285"/>
             <p14:sldId id="288"/>
@@ -147,6 +150,7 @@
             <p14:sldId id="275"/>
             <p14:sldId id="278"/>
             <p14:sldId id="276"/>
+            <p14:sldId id="296"/>
             <p14:sldId id="290"/>
             <p14:sldId id="291"/>
             <p14:sldId id="292"/>
@@ -259,7 +263,7 @@
           <a:p>
             <a:fld id="{CC770569-2EDB-4B82-806E-B779E2125378}" type="datetimeFigureOut">
               <a:rPr lang="it-IT" smtClean="0"/>
-              <a:t>07/06/2020</a:t>
+              <a:t>08/06/2020</a:t>
             </a:fld>
             <a:endParaRPr lang="it-IT"/>
           </a:p>
@@ -437,7 +441,7 @@
           <a:p>
             <a:fld id="{F3D5F453-40FB-4DD9-B536-90A4813DB008}" type="datetimeFigureOut">
               <a:rPr lang="it-IT" smtClean="0"/>
-              <a:t>07/06/2020</a:t>
+              <a:t>08/06/2020</a:t>
             </a:fld>
             <a:endParaRPr lang="it-IT"/>
           </a:p>
@@ -852,7 +856,7 @@
           <a:p>
             <a:fld id="{BA6DBF51-8FDF-4D75-BD0A-762F996B99B3}" type="datetime1">
               <a:rPr lang="en-US" smtClean="0"/>
-              <a:t>6/7/2020</a:t>
+              <a:t>6/8/2020</a:t>
             </a:fld>
             <a:endParaRPr lang="en-US" dirty="0"/>
           </a:p>
@@ -1311,7 +1315,7 @@
           <a:p>
             <a:fld id="{3E97FDA1-5B8D-4B8F-A022-5B6AFC3934EF}" type="datetime1">
               <a:rPr lang="en-US" smtClean="0"/>
-              <a:t>6/7/2020</a:t>
+              <a:t>6/8/2020</a:t>
             </a:fld>
             <a:endParaRPr lang="en-US" dirty="0"/>
           </a:p>
@@ -2179,6 +2183,1116 @@
       </p:sp>
       <p:sp>
         <p:nvSpPr>
+          <p:cNvPr id="3" name="CasellaDiTesto 2">
+            <a:extLst>
+              <a:ext uri="{FF2B5EF4-FFF2-40B4-BE49-F238E27FC236}">
+                <a16:creationId xmlns:a16="http://schemas.microsoft.com/office/drawing/2014/main" id="{18C97D66-F13F-4250-8D77-25FFC6058FA7}"/>
+              </a:ext>
+            </a:extLst>
+          </p:cNvPr>
+          <p:cNvSpPr txBox="1"/>
+          <p:nvPr/>
+        </p:nvSpPr>
+        <p:spPr>
+          <a:xfrm>
+            <a:off x="780934" y="1248541"/>
+            <a:ext cx="3266909" cy="1569660"/>
+          </a:xfrm>
+          <a:prstGeom prst="rect">
+            <a:avLst/>
+          </a:prstGeom>
+          <a:noFill/>
+        </p:spPr>
+        <p:txBody>
+          <a:bodyPr wrap="square" rtlCol="0">
+            <a:spAutoFit/>
+          </a:bodyPr>
+          <a:lstStyle/>
+          <a:p>
+            <a:r>
+              <a:rPr lang="it-IT" sz="2400" dirty="0">
+                <a:solidFill>
+                  <a:schemeClr val="bg1"/>
+                </a:solidFill>
+              </a:rPr>
+              <a:t>Masse aggiunte</a:t>
+            </a:r>
+          </a:p>
+          <a:p>
+            <a:pPr marL="342900" indent="-342900">
+              <a:buFont typeface="+mj-lt"/>
+              <a:buAutoNum type="arabicPeriod"/>
+            </a:pPr>
+            <a:endParaRPr lang="it-IT" sz="2400" dirty="0">
+              <a:solidFill>
+                <a:schemeClr val="bg1"/>
+              </a:solidFill>
+            </a:endParaRPr>
+          </a:p>
+          <a:p>
+            <a:pPr marL="342900" indent="-342900">
+              <a:buFont typeface="+mj-lt"/>
+              <a:buAutoNum type="arabicPeriod"/>
+            </a:pPr>
+            <a:endParaRPr lang="it-IT" sz="2400" dirty="0">
+              <a:solidFill>
+                <a:schemeClr val="bg1"/>
+              </a:solidFill>
+            </a:endParaRPr>
+          </a:p>
+          <a:p>
+            <a:pPr marL="342900" indent="-342900">
+              <a:buFont typeface="+mj-lt"/>
+              <a:buAutoNum type="arabicPeriod"/>
+            </a:pPr>
+            <a:endParaRPr lang="it-IT" sz="2400" dirty="0">
+              <a:solidFill>
+                <a:schemeClr val="bg1"/>
+              </a:solidFill>
+            </a:endParaRPr>
+          </a:p>
+        </p:txBody>
+      </p:sp>
+      <mc:AlternateContent xmlns:mc="http://schemas.openxmlformats.org/markup-compatibility/2006" xmlns:a14="http://schemas.microsoft.com/office/drawing/2010/main">
+        <mc:Choice Requires="a14">
+          <p:sp>
+            <p:nvSpPr>
+              <p:cNvPr id="38" name="CasellaDiTesto 37">
+                <a:extLst>
+                  <a:ext uri="{FF2B5EF4-FFF2-40B4-BE49-F238E27FC236}">
+                    <a16:creationId xmlns:a16="http://schemas.microsoft.com/office/drawing/2014/main" id="{A59F7389-C844-4C49-90EE-9AC7B3E5C9E3}"/>
+                  </a:ext>
+                </a:extLst>
+              </p:cNvPr>
+              <p:cNvSpPr txBox="1"/>
+              <p:nvPr/>
+            </p:nvSpPr>
+            <p:spPr>
+              <a:xfrm>
+                <a:off x="522355" y="2098257"/>
+                <a:ext cx="4430129" cy="1311513"/>
+              </a:xfrm>
+              <a:prstGeom prst="rect">
+                <a:avLst/>
+              </a:prstGeom>
+              <a:noFill/>
+            </p:spPr>
+            <p:txBody>
+              <a:bodyPr wrap="square" lIns="0" tIns="0" rIns="0" bIns="0" rtlCol="0">
+                <a:spAutoFit/>
+              </a:bodyPr>
+              <a:lstStyle/>
+              <a:p>
+                <a:pPr/>
+                <a14:m>
+                  <m:oMathPara xmlns:m="http://schemas.openxmlformats.org/officeDocument/2006/math">
+                    <m:oMathParaPr>
+                      <m:jc m:val="centerGroup"/>
+                    </m:oMathParaPr>
+                    <m:oMath xmlns:m="http://schemas.openxmlformats.org/officeDocument/2006/math">
+                      <m:sSub>
+                        <m:sSubPr>
+                          <m:ctrlPr>
+                            <a:rPr lang="it-IT" sz="1400" i="1" smtClean="0">
+                              <a:solidFill>
+                                <a:schemeClr val="bg1"/>
+                              </a:solidFill>
+                              <a:latin typeface="Cambria Math" panose="02040503050406030204" pitchFamily="18" charset="0"/>
+                            </a:rPr>
+                          </m:ctrlPr>
+                        </m:sSubPr>
+                        <m:e>
+                          <m:r>
+                            <a:rPr lang="it-IT" sz="1400" b="0" i="1" smtClean="0">
+                              <a:solidFill>
+                                <a:schemeClr val="bg1"/>
+                              </a:solidFill>
+                              <a:latin typeface="Cambria Math" panose="02040503050406030204" pitchFamily="18" charset="0"/>
+                            </a:rPr>
+                            <m:t>𝑀</m:t>
+                          </m:r>
+                        </m:e>
+                        <m:sub>
+                          <m:r>
+                            <a:rPr lang="it-IT" sz="1400" b="0" i="1" smtClean="0">
+                              <a:solidFill>
+                                <a:schemeClr val="bg1"/>
+                              </a:solidFill>
+                              <a:latin typeface="Cambria Math" panose="02040503050406030204" pitchFamily="18" charset="0"/>
+                            </a:rPr>
+                            <m:t>𝑎𝑑𝑑</m:t>
+                          </m:r>
+                        </m:sub>
+                      </m:sSub>
+                      <m:r>
+                        <a:rPr lang="it-IT" sz="1400" b="0" i="1" smtClean="0">
+                          <a:solidFill>
+                            <a:schemeClr val="bg1"/>
+                          </a:solidFill>
+                          <a:latin typeface="Cambria Math" panose="02040503050406030204" pitchFamily="18" charset="0"/>
+                        </a:rPr>
+                        <m:t>= </m:t>
+                      </m:r>
+                      <m:d>
+                        <m:dPr>
+                          <m:begChr m:val="["/>
+                          <m:endChr m:val="]"/>
+                          <m:ctrlPr>
+                            <a:rPr lang="it-IT" sz="1400" i="1" smtClean="0">
+                              <a:solidFill>
+                                <a:schemeClr val="bg1"/>
+                              </a:solidFill>
+                              <a:latin typeface="Cambria Math" panose="02040503050406030204" pitchFamily="18" charset="0"/>
+                            </a:rPr>
+                          </m:ctrlPr>
+                        </m:dPr>
+                        <m:e>
+                          <m:m>
+                            <m:mPr>
+                              <m:mcs>
+                                <m:mc>
+                                  <m:mcPr>
+                                    <m:count m:val="6"/>
+                                    <m:mcJc m:val="center"/>
+                                  </m:mcPr>
+                                </m:mc>
+                              </m:mcs>
+                              <m:ctrlPr>
+                                <a:rPr lang="it-IT" sz="1400" i="1" smtClean="0">
+                                  <a:solidFill>
+                                    <a:schemeClr val="bg1"/>
+                                  </a:solidFill>
+                                  <a:latin typeface="Cambria Math" panose="02040503050406030204" pitchFamily="18" charset="0"/>
+                                </a:rPr>
+                              </m:ctrlPr>
+                            </m:mPr>
+                            <m:mr>
+                              <m:e>
+                                <m:sSub>
+                                  <m:sSubPr>
+                                    <m:ctrlPr>
+                                      <a:rPr lang="it-IT" sz="1400" i="1">
+                                        <a:solidFill>
+                                          <a:schemeClr val="bg1"/>
+                                        </a:solidFill>
+                                        <a:latin typeface="Cambria Math" panose="02040503050406030204" pitchFamily="18" charset="0"/>
+                                      </a:rPr>
+                                    </m:ctrlPr>
+                                  </m:sSubPr>
+                                  <m:e>
+                                    <m:r>
+                                      <a:rPr lang="it-IT" sz="1400" b="0" i="1" smtClean="0">
+                                        <a:solidFill>
+                                          <a:schemeClr val="bg1"/>
+                                        </a:solidFill>
+                                        <a:latin typeface="Cambria Math" panose="02040503050406030204" pitchFamily="18" charset="0"/>
+                                      </a:rPr>
+                                      <m:t>𝑋</m:t>
+                                    </m:r>
+                                  </m:e>
+                                  <m:sub>
+                                    <m:acc>
+                                      <m:accPr>
+                                        <m:chr m:val="̇"/>
+                                        <m:ctrlPr>
+                                          <a:rPr lang="it-IT" sz="1400" b="0" i="1" smtClean="0">
+                                            <a:solidFill>
+                                              <a:schemeClr val="bg1"/>
+                                            </a:solidFill>
+                                            <a:latin typeface="Cambria Math" panose="02040503050406030204" pitchFamily="18" charset="0"/>
+                                          </a:rPr>
+                                        </m:ctrlPr>
+                                      </m:accPr>
+                                      <m:e>
+                                        <m:r>
+                                          <a:rPr lang="it-IT" sz="1400" b="0" i="1" smtClean="0">
+                                            <a:solidFill>
+                                              <a:schemeClr val="bg1"/>
+                                            </a:solidFill>
+                                            <a:latin typeface="Cambria Math" panose="02040503050406030204" pitchFamily="18" charset="0"/>
+                                          </a:rPr>
+                                          <m:t>𝑢</m:t>
+                                        </m:r>
+                                      </m:e>
+                                    </m:acc>
+                                  </m:sub>
+                                </m:sSub>
+                              </m:e>
+                              <m:e>
+                                <m:r>
+                                  <a:rPr lang="it-IT" sz="1400" b="0" i="1" smtClean="0">
+                                    <a:solidFill>
+                                      <a:schemeClr val="bg1"/>
+                                    </a:solidFill>
+                                    <a:latin typeface="Cambria Math" panose="02040503050406030204" pitchFamily="18" charset="0"/>
+                                  </a:rPr>
+                                  <m:t>0</m:t>
+                                </m:r>
+                              </m:e>
+                              <m:e>
+                                <m:r>
+                                  <a:rPr lang="it-IT" sz="1400" b="0" i="1" smtClean="0">
+                                    <a:solidFill>
+                                      <a:schemeClr val="bg1"/>
+                                    </a:solidFill>
+                                    <a:latin typeface="Cambria Math" panose="02040503050406030204" pitchFamily="18" charset="0"/>
+                                  </a:rPr>
+                                  <m:t>0</m:t>
+                                </m:r>
+                              </m:e>
+                              <m:e>
+                                <m:r>
+                                  <a:rPr lang="it-IT" sz="1400" b="0" i="1" smtClean="0">
+                                    <a:solidFill>
+                                      <a:schemeClr val="bg1"/>
+                                    </a:solidFill>
+                                    <a:latin typeface="Cambria Math" panose="02040503050406030204" pitchFamily="18" charset="0"/>
+                                  </a:rPr>
+                                  <m:t>0</m:t>
+                                </m:r>
+                              </m:e>
+                              <m:e>
+                                <m:r>
+                                  <a:rPr lang="it-IT" sz="1400" b="0" i="1" smtClean="0">
+                                    <a:solidFill>
+                                      <a:schemeClr val="bg1"/>
+                                    </a:solidFill>
+                                    <a:latin typeface="Cambria Math" panose="02040503050406030204" pitchFamily="18" charset="0"/>
+                                  </a:rPr>
+                                  <m:t>0</m:t>
+                                </m:r>
+                              </m:e>
+                              <m:e>
+                                <m:r>
+                                  <a:rPr lang="it-IT" sz="1400" b="0" i="1" smtClean="0">
+                                    <a:solidFill>
+                                      <a:schemeClr val="bg1"/>
+                                    </a:solidFill>
+                                    <a:latin typeface="Cambria Math" panose="02040503050406030204" pitchFamily="18" charset="0"/>
+                                  </a:rPr>
+                                  <m:t>0</m:t>
+                                </m:r>
+                              </m:e>
+                            </m:mr>
+                            <m:mr>
+                              <m:e>
+                                <m:r>
+                                  <a:rPr lang="it-IT" sz="1400" b="0" i="1" smtClean="0">
+                                    <a:solidFill>
+                                      <a:schemeClr val="bg1"/>
+                                    </a:solidFill>
+                                    <a:latin typeface="Cambria Math" panose="02040503050406030204" pitchFamily="18" charset="0"/>
+                                  </a:rPr>
+                                  <m:t>0</m:t>
+                                </m:r>
+                              </m:e>
+                              <m:e>
+                                <m:sSub>
+                                  <m:sSubPr>
+                                    <m:ctrlPr>
+                                      <a:rPr lang="it-IT" sz="1400" i="1" smtClean="0">
+                                        <a:solidFill>
+                                          <a:schemeClr val="bg1"/>
+                                        </a:solidFill>
+                                        <a:latin typeface="Cambria Math" panose="02040503050406030204" pitchFamily="18" charset="0"/>
+                                      </a:rPr>
+                                    </m:ctrlPr>
+                                  </m:sSubPr>
+                                  <m:e>
+                                    <m:r>
+                                      <a:rPr lang="it-IT" sz="1400" b="0" i="1" smtClean="0">
+                                        <a:solidFill>
+                                          <a:schemeClr val="bg1"/>
+                                        </a:solidFill>
+                                        <a:latin typeface="Cambria Math" panose="02040503050406030204" pitchFamily="18" charset="0"/>
+                                      </a:rPr>
+                                      <m:t>𝑌</m:t>
+                                    </m:r>
+                                  </m:e>
+                                  <m:sub>
+                                    <m:acc>
+                                      <m:accPr>
+                                        <m:chr m:val="̇"/>
+                                        <m:ctrlPr>
+                                          <a:rPr lang="it-IT" sz="1400" b="0" i="1" smtClean="0">
+                                            <a:solidFill>
+                                              <a:schemeClr val="bg1"/>
+                                            </a:solidFill>
+                                            <a:latin typeface="Cambria Math" panose="02040503050406030204" pitchFamily="18" charset="0"/>
+                                          </a:rPr>
+                                        </m:ctrlPr>
+                                      </m:accPr>
+                                      <m:e>
+                                        <m:r>
+                                          <a:rPr lang="it-IT" sz="1400" b="0" i="1" smtClean="0">
+                                            <a:solidFill>
+                                              <a:schemeClr val="bg1"/>
+                                            </a:solidFill>
+                                            <a:latin typeface="Cambria Math" panose="02040503050406030204" pitchFamily="18" charset="0"/>
+                                          </a:rPr>
+                                          <m:t>𝑣</m:t>
+                                        </m:r>
+                                      </m:e>
+                                    </m:acc>
+                                  </m:sub>
+                                </m:sSub>
+                              </m:e>
+                              <m:e>
+                                <m:r>
+                                  <a:rPr lang="it-IT" sz="1400" b="0" i="1" smtClean="0">
+                                    <a:solidFill>
+                                      <a:schemeClr val="bg1"/>
+                                    </a:solidFill>
+                                    <a:latin typeface="Cambria Math" panose="02040503050406030204" pitchFamily="18" charset="0"/>
+                                  </a:rPr>
+                                  <m:t>0</m:t>
+                                </m:r>
+                              </m:e>
+                              <m:e>
+                                <m:r>
+                                  <a:rPr lang="it-IT" sz="1400" b="0" i="1" smtClean="0">
+                                    <a:solidFill>
+                                      <a:schemeClr val="bg1"/>
+                                    </a:solidFill>
+                                    <a:latin typeface="Cambria Math" panose="02040503050406030204" pitchFamily="18" charset="0"/>
+                                  </a:rPr>
+                                  <m:t>0</m:t>
+                                </m:r>
+                              </m:e>
+                              <m:e>
+                                <m:r>
+                                  <a:rPr lang="it-IT" sz="1400" b="0" i="1" smtClean="0">
+                                    <a:solidFill>
+                                      <a:schemeClr val="bg1"/>
+                                    </a:solidFill>
+                                    <a:latin typeface="Cambria Math" panose="02040503050406030204" pitchFamily="18" charset="0"/>
+                                  </a:rPr>
+                                  <m:t>0</m:t>
+                                </m:r>
+                              </m:e>
+                              <m:e>
+                                <m:r>
+                                  <a:rPr lang="it-IT" sz="1400" b="0" i="1" smtClean="0">
+                                    <a:solidFill>
+                                      <a:schemeClr val="bg1"/>
+                                    </a:solidFill>
+                                    <a:latin typeface="Cambria Math" panose="02040503050406030204" pitchFamily="18" charset="0"/>
+                                  </a:rPr>
+                                  <m:t>0</m:t>
+                                </m:r>
+                              </m:e>
+                            </m:mr>
+                            <m:mr>
+                              <m:e>
+                                <m:r>
+                                  <a:rPr lang="it-IT" sz="1400" b="0" i="1" smtClean="0">
+                                    <a:solidFill>
+                                      <a:schemeClr val="bg1"/>
+                                    </a:solidFill>
+                                    <a:latin typeface="Cambria Math" panose="02040503050406030204" pitchFamily="18" charset="0"/>
+                                  </a:rPr>
+                                  <m:t>0</m:t>
+                                </m:r>
+                              </m:e>
+                              <m:e>
+                                <m:r>
+                                  <a:rPr lang="it-IT" sz="1400" b="0" i="1" smtClean="0">
+                                    <a:solidFill>
+                                      <a:schemeClr val="bg1"/>
+                                    </a:solidFill>
+                                    <a:latin typeface="Cambria Math" panose="02040503050406030204" pitchFamily="18" charset="0"/>
+                                  </a:rPr>
+                                  <m:t>0</m:t>
+                                </m:r>
+                              </m:e>
+                              <m:e>
+                                <m:sSub>
+                                  <m:sSubPr>
+                                    <m:ctrlPr>
+                                      <a:rPr lang="it-IT" sz="1400" i="1">
+                                        <a:solidFill>
+                                          <a:schemeClr val="bg1"/>
+                                        </a:solidFill>
+                                        <a:latin typeface="Cambria Math" panose="02040503050406030204" pitchFamily="18" charset="0"/>
+                                      </a:rPr>
+                                    </m:ctrlPr>
+                                  </m:sSubPr>
+                                  <m:e>
+                                    <m:r>
+                                      <a:rPr lang="it-IT" sz="1400" b="0" i="1" smtClean="0">
+                                        <a:solidFill>
+                                          <a:schemeClr val="bg1"/>
+                                        </a:solidFill>
+                                        <a:latin typeface="Cambria Math" panose="02040503050406030204" pitchFamily="18" charset="0"/>
+                                      </a:rPr>
+                                      <m:t>𝑍</m:t>
+                                    </m:r>
+                                  </m:e>
+                                  <m:sub>
+                                    <m:acc>
+                                      <m:accPr>
+                                        <m:chr m:val="̇"/>
+                                        <m:ctrlPr>
+                                          <a:rPr lang="it-IT" sz="1400" b="0" i="1" smtClean="0">
+                                            <a:solidFill>
+                                              <a:schemeClr val="bg1"/>
+                                            </a:solidFill>
+                                            <a:latin typeface="Cambria Math" panose="02040503050406030204" pitchFamily="18" charset="0"/>
+                                          </a:rPr>
+                                        </m:ctrlPr>
+                                      </m:accPr>
+                                      <m:e>
+                                        <m:r>
+                                          <a:rPr lang="it-IT" sz="1400" b="0" i="1" smtClean="0">
+                                            <a:solidFill>
+                                              <a:schemeClr val="bg1"/>
+                                            </a:solidFill>
+                                            <a:latin typeface="Cambria Math" panose="02040503050406030204" pitchFamily="18" charset="0"/>
+                                          </a:rPr>
+                                          <m:t>𝑤</m:t>
+                                        </m:r>
+                                      </m:e>
+                                    </m:acc>
+                                  </m:sub>
+                                </m:sSub>
+                              </m:e>
+                              <m:e>
+                                <m:r>
+                                  <a:rPr lang="it-IT" sz="1400" b="0" i="1" smtClean="0">
+                                    <a:solidFill>
+                                      <a:schemeClr val="bg1"/>
+                                    </a:solidFill>
+                                    <a:latin typeface="Cambria Math" panose="02040503050406030204" pitchFamily="18" charset="0"/>
+                                  </a:rPr>
+                                  <m:t>0</m:t>
+                                </m:r>
+                              </m:e>
+                              <m:e>
+                                <m:r>
+                                  <a:rPr lang="it-IT" sz="1400" b="0" i="1" smtClean="0">
+                                    <a:solidFill>
+                                      <a:schemeClr val="bg1"/>
+                                    </a:solidFill>
+                                    <a:latin typeface="Cambria Math" panose="02040503050406030204" pitchFamily="18" charset="0"/>
+                                  </a:rPr>
+                                  <m:t>0</m:t>
+                                </m:r>
+                              </m:e>
+                              <m:e>
+                                <m:r>
+                                  <a:rPr lang="it-IT" sz="1400" b="0" i="1" smtClean="0">
+                                    <a:solidFill>
+                                      <a:schemeClr val="bg1"/>
+                                    </a:solidFill>
+                                    <a:latin typeface="Cambria Math" panose="02040503050406030204" pitchFamily="18" charset="0"/>
+                                  </a:rPr>
+                                  <m:t>0</m:t>
+                                </m:r>
+                              </m:e>
+                            </m:mr>
+                            <m:mr>
+                              <m:e>
+                                <m:r>
+                                  <a:rPr lang="it-IT" sz="1400" b="0" i="1" smtClean="0">
+                                    <a:solidFill>
+                                      <a:schemeClr val="bg1"/>
+                                    </a:solidFill>
+                                    <a:latin typeface="Cambria Math" panose="02040503050406030204" pitchFamily="18" charset="0"/>
+                                  </a:rPr>
+                                  <m:t>0</m:t>
+                                </m:r>
+                              </m:e>
+                              <m:e>
+                                <m:r>
+                                  <a:rPr lang="it-IT" sz="1400" b="0" i="1" smtClean="0">
+                                    <a:solidFill>
+                                      <a:schemeClr val="bg1"/>
+                                    </a:solidFill>
+                                    <a:latin typeface="Cambria Math" panose="02040503050406030204" pitchFamily="18" charset="0"/>
+                                  </a:rPr>
+                                  <m:t>0</m:t>
+                                </m:r>
+                              </m:e>
+                              <m:e>
+                                <m:r>
+                                  <a:rPr lang="it-IT" sz="1400" b="0" i="1" smtClean="0">
+                                    <a:solidFill>
+                                      <a:schemeClr val="bg1"/>
+                                    </a:solidFill>
+                                    <a:latin typeface="Cambria Math" panose="02040503050406030204" pitchFamily="18" charset="0"/>
+                                  </a:rPr>
+                                  <m:t>0</m:t>
+                                </m:r>
+                              </m:e>
+                              <m:e>
+                                <m:sSub>
+                                  <m:sSubPr>
+                                    <m:ctrlPr>
+                                      <a:rPr lang="it-IT" sz="1400" i="1" smtClean="0">
+                                        <a:solidFill>
+                                          <a:schemeClr val="bg1"/>
+                                        </a:solidFill>
+                                        <a:latin typeface="Cambria Math" panose="02040503050406030204" pitchFamily="18" charset="0"/>
+                                      </a:rPr>
+                                    </m:ctrlPr>
+                                  </m:sSubPr>
+                                  <m:e>
+                                    <m:r>
+                                      <a:rPr lang="it-IT" sz="1400" b="0" i="1" smtClean="0">
+                                        <a:solidFill>
+                                          <a:schemeClr val="bg1"/>
+                                        </a:solidFill>
+                                        <a:latin typeface="Cambria Math" panose="02040503050406030204" pitchFamily="18" charset="0"/>
+                                      </a:rPr>
+                                      <m:t>𝐾</m:t>
+                                    </m:r>
+                                  </m:e>
+                                  <m:sub>
+                                    <m:acc>
+                                      <m:accPr>
+                                        <m:chr m:val="̇"/>
+                                        <m:ctrlPr>
+                                          <a:rPr lang="it-IT" sz="1400" b="0" i="1" smtClean="0">
+                                            <a:solidFill>
+                                              <a:schemeClr val="bg1"/>
+                                            </a:solidFill>
+                                            <a:latin typeface="Cambria Math" panose="02040503050406030204" pitchFamily="18" charset="0"/>
+                                          </a:rPr>
+                                        </m:ctrlPr>
+                                      </m:accPr>
+                                      <m:e>
+                                        <m:r>
+                                          <a:rPr lang="it-IT" sz="1400" b="0" i="1" smtClean="0">
+                                            <a:solidFill>
+                                              <a:schemeClr val="bg1"/>
+                                            </a:solidFill>
+                                            <a:latin typeface="Cambria Math" panose="02040503050406030204" pitchFamily="18" charset="0"/>
+                                          </a:rPr>
+                                          <m:t>𝑝</m:t>
+                                        </m:r>
+                                      </m:e>
+                                    </m:acc>
+                                  </m:sub>
+                                </m:sSub>
+                              </m:e>
+                              <m:e>
+                                <m:r>
+                                  <a:rPr lang="it-IT" sz="1400" b="0" i="1" smtClean="0">
+                                    <a:solidFill>
+                                      <a:schemeClr val="bg1"/>
+                                    </a:solidFill>
+                                    <a:latin typeface="Cambria Math" panose="02040503050406030204" pitchFamily="18" charset="0"/>
+                                  </a:rPr>
+                                  <m:t>0</m:t>
+                                </m:r>
+                              </m:e>
+                              <m:e>
+                                <m:r>
+                                  <a:rPr lang="it-IT" sz="1400" b="0" i="1" smtClean="0">
+                                    <a:solidFill>
+                                      <a:schemeClr val="bg1"/>
+                                    </a:solidFill>
+                                    <a:latin typeface="Cambria Math" panose="02040503050406030204" pitchFamily="18" charset="0"/>
+                                  </a:rPr>
+                                  <m:t>0</m:t>
+                                </m:r>
+                              </m:e>
+                            </m:mr>
+                            <m:mr>
+                              <m:e>
+                                <m:r>
+                                  <a:rPr lang="it-IT" sz="1400" b="0" i="1" smtClean="0">
+                                    <a:solidFill>
+                                      <a:schemeClr val="bg1"/>
+                                    </a:solidFill>
+                                    <a:latin typeface="Cambria Math" panose="02040503050406030204" pitchFamily="18" charset="0"/>
+                                  </a:rPr>
+                                  <m:t>0</m:t>
+                                </m:r>
+                              </m:e>
+                              <m:e>
+                                <m:r>
+                                  <a:rPr lang="it-IT" sz="1400" b="0" i="1" smtClean="0">
+                                    <a:solidFill>
+                                      <a:schemeClr val="bg1"/>
+                                    </a:solidFill>
+                                    <a:latin typeface="Cambria Math" panose="02040503050406030204" pitchFamily="18" charset="0"/>
+                                  </a:rPr>
+                                  <m:t>0</m:t>
+                                </m:r>
+                              </m:e>
+                              <m:e>
+                                <m:r>
+                                  <a:rPr lang="it-IT" sz="1400" b="0" i="1" smtClean="0">
+                                    <a:solidFill>
+                                      <a:schemeClr val="bg1"/>
+                                    </a:solidFill>
+                                    <a:latin typeface="Cambria Math" panose="02040503050406030204" pitchFamily="18" charset="0"/>
+                                  </a:rPr>
+                                  <m:t>0</m:t>
+                                </m:r>
+                              </m:e>
+                              <m:e>
+                                <m:r>
+                                  <a:rPr lang="it-IT" sz="1400" b="0" i="1" smtClean="0">
+                                    <a:solidFill>
+                                      <a:schemeClr val="bg1"/>
+                                    </a:solidFill>
+                                    <a:latin typeface="Cambria Math" panose="02040503050406030204" pitchFamily="18" charset="0"/>
+                                  </a:rPr>
+                                  <m:t>0</m:t>
+                                </m:r>
+                              </m:e>
+                              <m:e>
+                                <m:sSub>
+                                  <m:sSubPr>
+                                    <m:ctrlPr>
+                                      <a:rPr lang="it-IT" sz="1400" i="1" smtClean="0">
+                                        <a:solidFill>
+                                          <a:schemeClr val="bg1"/>
+                                        </a:solidFill>
+                                        <a:latin typeface="Cambria Math" panose="02040503050406030204" pitchFamily="18" charset="0"/>
+                                      </a:rPr>
+                                    </m:ctrlPr>
+                                  </m:sSubPr>
+                                  <m:e>
+                                    <m:r>
+                                      <a:rPr lang="it-IT" sz="1400" b="0" i="1" smtClean="0">
+                                        <a:solidFill>
+                                          <a:schemeClr val="bg1"/>
+                                        </a:solidFill>
+                                        <a:latin typeface="Cambria Math" panose="02040503050406030204" pitchFamily="18" charset="0"/>
+                                      </a:rPr>
+                                      <m:t>𝑀</m:t>
+                                    </m:r>
+                                  </m:e>
+                                  <m:sub>
+                                    <m:acc>
+                                      <m:accPr>
+                                        <m:chr m:val="̇"/>
+                                        <m:ctrlPr>
+                                          <a:rPr lang="it-IT" sz="1400" b="0" i="1" smtClean="0">
+                                            <a:solidFill>
+                                              <a:schemeClr val="bg1"/>
+                                            </a:solidFill>
+                                            <a:latin typeface="Cambria Math" panose="02040503050406030204" pitchFamily="18" charset="0"/>
+                                          </a:rPr>
+                                        </m:ctrlPr>
+                                      </m:accPr>
+                                      <m:e>
+                                        <m:r>
+                                          <a:rPr lang="it-IT" sz="1400" b="0" i="1" smtClean="0">
+                                            <a:solidFill>
+                                              <a:schemeClr val="bg1"/>
+                                            </a:solidFill>
+                                            <a:latin typeface="Cambria Math" panose="02040503050406030204" pitchFamily="18" charset="0"/>
+                                          </a:rPr>
+                                          <m:t>𝑞</m:t>
+                                        </m:r>
+                                      </m:e>
+                                    </m:acc>
+                                  </m:sub>
+                                </m:sSub>
+                              </m:e>
+                              <m:e>
+                                <m:r>
+                                  <a:rPr lang="it-IT" sz="1400" b="0" i="1" smtClean="0">
+                                    <a:solidFill>
+                                      <a:schemeClr val="bg1"/>
+                                    </a:solidFill>
+                                    <a:latin typeface="Cambria Math" panose="02040503050406030204" pitchFamily="18" charset="0"/>
+                                  </a:rPr>
+                                  <m:t>0</m:t>
+                                </m:r>
+                              </m:e>
+                            </m:mr>
+                            <m:mr>
+                              <m:e>
+                                <m:r>
+                                  <a:rPr lang="it-IT" sz="1400" b="0" i="1" smtClean="0">
+                                    <a:solidFill>
+                                      <a:schemeClr val="bg1"/>
+                                    </a:solidFill>
+                                    <a:latin typeface="Cambria Math" panose="02040503050406030204" pitchFamily="18" charset="0"/>
+                                  </a:rPr>
+                                  <m:t>0</m:t>
+                                </m:r>
+                              </m:e>
+                              <m:e>
+                                <m:r>
+                                  <a:rPr lang="it-IT" sz="1400" b="0" i="1" smtClean="0">
+                                    <a:solidFill>
+                                      <a:schemeClr val="bg1"/>
+                                    </a:solidFill>
+                                    <a:latin typeface="Cambria Math" panose="02040503050406030204" pitchFamily="18" charset="0"/>
+                                  </a:rPr>
+                                  <m:t>0</m:t>
+                                </m:r>
+                              </m:e>
+                              <m:e>
+                                <m:r>
+                                  <a:rPr lang="it-IT" sz="1400" b="0" i="1" smtClean="0">
+                                    <a:solidFill>
+                                      <a:schemeClr val="bg1"/>
+                                    </a:solidFill>
+                                    <a:latin typeface="Cambria Math" panose="02040503050406030204" pitchFamily="18" charset="0"/>
+                                  </a:rPr>
+                                  <m:t>0</m:t>
+                                </m:r>
+                              </m:e>
+                              <m:e>
+                                <m:r>
+                                  <a:rPr lang="it-IT" sz="1400" b="0" i="1" smtClean="0">
+                                    <a:solidFill>
+                                      <a:schemeClr val="bg1"/>
+                                    </a:solidFill>
+                                    <a:latin typeface="Cambria Math" panose="02040503050406030204" pitchFamily="18" charset="0"/>
+                                  </a:rPr>
+                                  <m:t>0</m:t>
+                                </m:r>
+                              </m:e>
+                              <m:e>
+                                <m:r>
+                                  <a:rPr lang="it-IT" sz="1400" b="0" i="1" smtClean="0">
+                                    <a:solidFill>
+                                      <a:schemeClr val="bg1"/>
+                                    </a:solidFill>
+                                    <a:latin typeface="Cambria Math" panose="02040503050406030204" pitchFamily="18" charset="0"/>
+                                  </a:rPr>
+                                  <m:t>0</m:t>
+                                </m:r>
+                              </m:e>
+                              <m:e>
+                                <m:sSub>
+                                  <m:sSubPr>
+                                    <m:ctrlPr>
+                                      <a:rPr lang="it-IT" sz="1400" i="1">
+                                        <a:solidFill>
+                                          <a:schemeClr val="bg1"/>
+                                        </a:solidFill>
+                                        <a:latin typeface="Cambria Math" panose="02040503050406030204" pitchFamily="18" charset="0"/>
+                                      </a:rPr>
+                                    </m:ctrlPr>
+                                  </m:sSubPr>
+                                  <m:e>
+                                    <m:r>
+                                      <a:rPr lang="it-IT" sz="1400" b="0" i="1" smtClean="0">
+                                        <a:solidFill>
+                                          <a:schemeClr val="bg1"/>
+                                        </a:solidFill>
+                                        <a:latin typeface="Cambria Math" panose="02040503050406030204" pitchFamily="18" charset="0"/>
+                                      </a:rPr>
+                                      <m:t>𝑁</m:t>
+                                    </m:r>
+                                  </m:e>
+                                  <m:sub>
+                                    <m:acc>
+                                      <m:accPr>
+                                        <m:chr m:val="̇"/>
+                                        <m:ctrlPr>
+                                          <a:rPr lang="it-IT" sz="1400" b="0" i="1" smtClean="0">
+                                            <a:solidFill>
+                                              <a:schemeClr val="bg1"/>
+                                            </a:solidFill>
+                                            <a:latin typeface="Cambria Math" panose="02040503050406030204" pitchFamily="18" charset="0"/>
+                                          </a:rPr>
+                                        </m:ctrlPr>
+                                      </m:accPr>
+                                      <m:e>
+                                        <m:r>
+                                          <a:rPr lang="it-IT" sz="1400" b="0" i="1" smtClean="0">
+                                            <a:solidFill>
+                                              <a:schemeClr val="bg1"/>
+                                            </a:solidFill>
+                                            <a:latin typeface="Cambria Math" panose="02040503050406030204" pitchFamily="18" charset="0"/>
+                                          </a:rPr>
+                                          <m:t>𝑟</m:t>
+                                        </m:r>
+                                      </m:e>
+                                    </m:acc>
+                                  </m:sub>
+                                </m:sSub>
+                              </m:e>
+                            </m:mr>
+                          </m:m>
+                        </m:e>
+                      </m:d>
+                    </m:oMath>
+                  </m:oMathPara>
+                </a14:m>
+                <a:endParaRPr lang="it-IT" sz="1400" dirty="0">
+                  <a:solidFill>
+                    <a:schemeClr val="bg1"/>
+                  </a:solidFill>
+                </a:endParaRPr>
+              </a:p>
+            </p:txBody>
+          </p:sp>
+        </mc:Choice>
+        <mc:Fallback xmlns="">
+          <p:sp>
+            <p:nvSpPr>
+              <p:cNvPr id="38" name="CasellaDiTesto 37">
+                <a:extLst>
+                  <a:ext uri="{FF2B5EF4-FFF2-40B4-BE49-F238E27FC236}">
+                    <a16:creationId xmlns:a16="http://schemas.microsoft.com/office/drawing/2014/main" id="{A59F7389-C844-4C49-90EE-9AC7B3E5C9E3}"/>
+                  </a:ext>
+                </a:extLst>
+              </p:cNvPr>
+              <p:cNvSpPr txBox="1">
+                <a:spLocks noRot="1" noChangeAspect="1" noMove="1" noResize="1" noEditPoints="1" noAdjustHandles="1" noChangeArrowheads="1" noChangeShapeType="1" noTextEdit="1"/>
+              </p:cNvSpPr>
+              <p:nvPr/>
+            </p:nvSpPr>
+            <p:spPr>
+              <a:xfrm>
+                <a:off x="522355" y="2098257"/>
+                <a:ext cx="4430129" cy="1311513"/>
+              </a:xfrm>
+              <a:prstGeom prst="rect">
+                <a:avLst/>
+              </a:prstGeom>
+              <a:blipFill>
+                <a:blip r:embed="rId3"/>
+                <a:stretch>
+                  <a:fillRect/>
+                </a:stretch>
+              </a:blipFill>
+            </p:spPr>
+            <p:txBody>
+              <a:bodyPr/>
+              <a:lstStyle/>
+              <a:p>
+                <a:r>
+                  <a:rPr lang="it-IT">
+                    <a:noFill/>
+                  </a:rPr>
+                  <a:t> </a:t>
+                </a:r>
+              </a:p>
+            </p:txBody>
+          </p:sp>
+        </mc:Fallback>
+      </mc:AlternateContent>
+      <p:pic>
+        <p:nvPicPr>
+          <p:cNvPr id="7" name="Immagine 6" descr="Immagine che contiene testo&#10;&#10;Descrizione generata automaticamente">
+            <a:extLst>
+              <a:ext uri="{FF2B5EF4-FFF2-40B4-BE49-F238E27FC236}">
+                <a16:creationId xmlns:a16="http://schemas.microsoft.com/office/drawing/2014/main" id="{10114F51-BD45-4E7A-A8ED-7A0C07D5F5D7}"/>
+              </a:ext>
+            </a:extLst>
+          </p:cNvPr>
+          <p:cNvPicPr>
+            <a:picLocks noChangeAspect="1"/>
+          </p:cNvPicPr>
+          <p:nvPr/>
+        </p:nvPicPr>
+        <p:blipFill>
+          <a:blip r:embed="rId4">
+            <a:extLst>
+              <a:ext uri="{28A0092B-C50C-407E-A947-70E740481C1C}">
+                <a14:useLocalDpi xmlns:a14="http://schemas.microsoft.com/office/drawing/2010/main" val="0"/>
+              </a:ext>
+            </a:extLst>
+          </a:blip>
+          <a:stretch>
+            <a:fillRect/>
+          </a:stretch>
+        </p:blipFill>
+        <p:spPr>
+          <a:xfrm>
+            <a:off x="5970907" y="632217"/>
+            <a:ext cx="5380186" cy="5593565"/>
+          </a:xfrm>
+          <a:prstGeom prst="rect">
+            <a:avLst/>
+          </a:prstGeom>
+        </p:spPr>
+      </p:pic>
+      <p:pic>
+        <p:nvPicPr>
+          <p:cNvPr id="12" name="Immagine 11" descr="Immagine che contiene testo&#10;&#10;Descrizione generata automaticamente">
+            <a:extLst>
+              <a:ext uri="{FF2B5EF4-FFF2-40B4-BE49-F238E27FC236}">
+                <a16:creationId xmlns:a16="http://schemas.microsoft.com/office/drawing/2014/main" id="{1DA8B46A-6D17-4599-B596-3306CEE8E5DF}"/>
+              </a:ext>
+            </a:extLst>
+          </p:cNvPr>
+          <p:cNvPicPr>
+            <a:picLocks noChangeAspect="1"/>
+          </p:cNvPicPr>
+          <p:nvPr/>
+        </p:nvPicPr>
+        <p:blipFill>
+          <a:blip r:embed="rId5">
+            <a:extLst>
+              <a:ext uri="{28A0092B-C50C-407E-A947-70E740481C1C}">
+                <a14:useLocalDpi xmlns:a14="http://schemas.microsoft.com/office/drawing/2010/main" val="0"/>
+              </a:ext>
+            </a:extLst>
+          </a:blip>
+          <a:stretch>
+            <a:fillRect/>
+          </a:stretch>
+        </p:blipFill>
+        <p:spPr>
+          <a:xfrm>
+            <a:off x="840907" y="3961217"/>
+            <a:ext cx="4099915" cy="1714649"/>
+          </a:xfrm>
+          <a:prstGeom prst="rect">
+            <a:avLst/>
+          </a:prstGeom>
+        </p:spPr>
+      </p:pic>
+      <p:sp>
+        <p:nvSpPr>
+          <p:cNvPr id="14" name="Segnaposto numero diapositiva 13">
+            <a:extLst>
+              <a:ext uri="{FF2B5EF4-FFF2-40B4-BE49-F238E27FC236}">
+                <a16:creationId xmlns:a16="http://schemas.microsoft.com/office/drawing/2014/main" id="{D01CC6BD-198F-4C84-AE83-7C743021ACA8}"/>
+              </a:ext>
+            </a:extLst>
+          </p:cNvPr>
+          <p:cNvSpPr>
+            <a:spLocks noGrp="1"/>
+          </p:cNvSpPr>
+          <p:nvPr>
+            <p:ph type="sldNum" sz="quarter" idx="12"/>
+          </p:nvPr>
+        </p:nvSpPr>
+        <p:spPr/>
+        <p:txBody>
+          <a:bodyPr/>
+          <a:lstStyle/>
+          <a:p>
+            <a:fld id="{4854181D-6920-4594-9A5D-6CE56DC9F8B2}" type="slidenum">
+              <a:rPr lang="en-US" smtClean="0"/>
+              <a:t>10</a:t>
+            </a:fld>
+            <a:endParaRPr lang="en-US"/>
+          </a:p>
+        </p:txBody>
+      </p:sp>
+    </p:spTree>
+    <p:extLst>
+      <p:ext uri="{BB962C8B-B14F-4D97-AF65-F5344CB8AC3E}">
+        <p14:creationId xmlns:p14="http://schemas.microsoft.com/office/powerpoint/2010/main" val="2641918586"/>
+      </p:ext>
+    </p:extLst>
+  </p:cSld>
+  <p:clrMapOvr>
+    <a:masterClrMapping/>
+  </p:clrMapOvr>
+</p:sld>
+</file>
+
+<file path=ppt/slides/slide11.xml><?xml version="1.0" encoding="utf-8"?>
+<p:sld xmlns:a="http://schemas.openxmlformats.org/drawingml/2006/main" xmlns:r="http://schemas.openxmlformats.org/officeDocument/2006/relationships" xmlns:p="http://schemas.openxmlformats.org/presentationml/2006/main" showMasterSp="0">
+  <p:cSld>
+    <p:bg>
+      <p:bgPr>
+        <a:blipFill dpi="0" rotWithShape="1">
+          <a:blip r:embed="rId2">
+            <a:lum/>
+          </a:blip>
+          <a:srcRect/>
+          <a:stretch>
+            <a:fillRect/>
+          </a:stretch>
+        </a:blipFill>
+        <a:effectLst/>
+      </p:bgPr>
+    </p:bg>
+    <p:spTree>
+      <p:nvGrpSpPr>
+        <p:cNvPr id="1" name=""/>
+        <p:cNvGrpSpPr/>
+        <p:nvPr/>
+      </p:nvGrpSpPr>
+      <p:grpSpPr>
+        <a:xfrm>
+          <a:off x="0" y="0"/>
+          <a:ext cx="0" cy="0"/>
+          <a:chOff x="0" y="0"/>
+          <a:chExt cx="0" cy="0"/>
+        </a:xfrm>
+      </p:grpSpPr>
+      <p:sp>
+        <p:nvSpPr>
+          <p:cNvPr id="4" name="Segnaposto piè di pagina 3">
+            <a:extLst>
+              <a:ext uri="{FF2B5EF4-FFF2-40B4-BE49-F238E27FC236}">
+                <a16:creationId xmlns:a16="http://schemas.microsoft.com/office/drawing/2014/main" id="{4E362125-2F83-4266-AB8C-336E9ADDBB86}"/>
+              </a:ext>
+            </a:extLst>
+          </p:cNvPr>
+          <p:cNvSpPr>
+            <a:spLocks noGrp="1"/>
+          </p:cNvSpPr>
+          <p:nvPr>
+            <p:ph type="ftr" sz="quarter" idx="11"/>
+          </p:nvPr>
+        </p:nvSpPr>
+        <p:spPr>
+          <a:xfrm>
+            <a:off x="-231742" y="6492875"/>
+            <a:ext cx="4114800" cy="365125"/>
+          </a:xfrm>
+        </p:spPr>
+        <p:txBody>
+          <a:bodyPr/>
+          <a:lstStyle/>
+          <a:p>
+            <a:endParaRPr lang="en-US" i="1" dirty="0">
+              <a:solidFill>
+                <a:schemeClr val="bg1"/>
+              </a:solidFill>
+            </a:endParaRPr>
+          </a:p>
+        </p:txBody>
+      </p:sp>
+      <p:sp>
+        <p:nvSpPr>
+          <p:cNvPr id="11" name="Rettangolo 10">
+            <a:extLst>
+              <a:ext uri="{FF2B5EF4-FFF2-40B4-BE49-F238E27FC236}">
+                <a16:creationId xmlns:a16="http://schemas.microsoft.com/office/drawing/2014/main" id="{DE43AB90-63F1-413E-8732-29F127F1CF7E}"/>
+              </a:ext>
+            </a:extLst>
+          </p:cNvPr>
+          <p:cNvSpPr/>
+          <p:nvPr/>
+        </p:nvSpPr>
+        <p:spPr>
+          <a:xfrm>
+            <a:off x="337221" y="428665"/>
+            <a:ext cx="3805850" cy="584775"/>
+          </a:xfrm>
+          <a:prstGeom prst="rect">
+            <a:avLst/>
+          </a:prstGeom>
+        </p:spPr>
+        <p:txBody>
+          <a:bodyPr wrap="none">
+            <a:spAutoFit/>
+          </a:bodyPr>
+          <a:lstStyle/>
+          <a:p>
+            <a:r>
+              <a:rPr lang="it-IT" sz="3200" b="1" dirty="0">
+                <a:solidFill>
+                  <a:schemeClr val="bg1"/>
+                </a:solidFill>
+              </a:rPr>
+              <a:t>Modello dinamico</a:t>
+            </a:r>
+          </a:p>
+        </p:txBody>
+      </p:sp>
+      <p:sp>
+        <p:nvSpPr>
           <p:cNvPr id="10" name="CasellaDiTesto 9">
             <a:extLst>
               <a:ext uri="{FF2B5EF4-FFF2-40B4-BE49-F238E27FC236}">
@@ -2342,7 +3456,7 @@
           <a:p>
             <a:fld id="{4854181D-6920-4594-9A5D-6CE56DC9F8B2}" type="slidenum">
               <a:rPr lang="en-US" smtClean="0"/>
-              <a:t>10</a:t>
+              <a:t>11</a:t>
             </a:fld>
             <a:endParaRPr lang="en-US"/>
           </a:p>
@@ -2361,7 +3475,7 @@
 </p:sld>
 </file>
 
-<file path=ppt/slides/slide11.xml><?xml version="1.0" encoding="utf-8"?>
+<file path=ppt/slides/slide12.xml><?xml version="1.0" encoding="utf-8"?>
 <p:sld xmlns:a="http://schemas.openxmlformats.org/drawingml/2006/main" xmlns:r="http://schemas.openxmlformats.org/officeDocument/2006/relationships" xmlns:p="http://schemas.openxmlformats.org/presentationml/2006/main" showMasterSp="0">
   <p:cSld>
     <p:bg>
@@ -2737,7 +3851,7 @@
           <a:p>
             <a:fld id="{4854181D-6920-4594-9A5D-6CE56DC9F8B2}" type="slidenum">
               <a:rPr lang="en-US" smtClean="0"/>
-              <a:t>11</a:t>
+              <a:t>12</a:t>
             </a:fld>
             <a:endParaRPr lang="en-US"/>
           </a:p>
@@ -2747,488 +3861,6 @@
     <p:extLst>
       <p:ext uri="{BB962C8B-B14F-4D97-AF65-F5344CB8AC3E}">
         <p14:creationId xmlns:p14="http://schemas.microsoft.com/office/powerpoint/2010/main" val="2654764145"/>
-      </p:ext>
-    </p:extLst>
-  </p:cSld>
-  <p:clrMapOvr>
-    <a:masterClrMapping/>
-  </p:clrMapOvr>
-</p:sld>
-</file>
-
-<file path=ppt/slides/slide12.xml><?xml version="1.0" encoding="utf-8"?>
-<p:sld xmlns:a="http://schemas.openxmlformats.org/drawingml/2006/main" xmlns:r="http://schemas.openxmlformats.org/officeDocument/2006/relationships" xmlns:p="http://schemas.openxmlformats.org/presentationml/2006/main" showMasterSp="0">
-  <p:cSld>
-    <p:bg>
-      <p:bgPr>
-        <a:blipFill dpi="0" rotWithShape="1">
-          <a:blip r:embed="rId2">
-            <a:lum/>
-          </a:blip>
-          <a:srcRect/>
-          <a:stretch>
-            <a:fillRect/>
-          </a:stretch>
-        </a:blipFill>
-        <a:effectLst/>
-      </p:bgPr>
-    </p:bg>
-    <p:spTree>
-      <p:nvGrpSpPr>
-        <p:cNvPr id="1" name=""/>
-        <p:cNvGrpSpPr/>
-        <p:nvPr/>
-      </p:nvGrpSpPr>
-      <p:grpSpPr>
-        <a:xfrm>
-          <a:off x="0" y="0"/>
-          <a:ext cx="0" cy="0"/>
-          <a:chOff x="0" y="0"/>
-          <a:chExt cx="0" cy="0"/>
-        </a:xfrm>
-      </p:grpSpPr>
-      <p:sp>
-        <p:nvSpPr>
-          <p:cNvPr id="4" name="Segnaposto piè di pagina 3">
-            <a:extLst>
-              <a:ext uri="{FF2B5EF4-FFF2-40B4-BE49-F238E27FC236}">
-                <a16:creationId xmlns:a16="http://schemas.microsoft.com/office/drawing/2014/main" id="{4E362125-2F83-4266-AB8C-336E9ADDBB86}"/>
-              </a:ext>
-            </a:extLst>
-          </p:cNvPr>
-          <p:cNvSpPr>
-            <a:spLocks noGrp="1"/>
-          </p:cNvSpPr>
-          <p:nvPr>
-            <p:ph type="ftr" sz="quarter" idx="11"/>
-          </p:nvPr>
-        </p:nvSpPr>
-        <p:spPr>
-          <a:xfrm>
-            <a:off x="-231742" y="6492875"/>
-            <a:ext cx="4114800" cy="365125"/>
-          </a:xfrm>
-        </p:spPr>
-        <p:txBody>
-          <a:bodyPr/>
-          <a:lstStyle/>
-          <a:p>
-            <a:endParaRPr lang="en-US" i="1" dirty="0">
-              <a:solidFill>
-                <a:schemeClr val="bg1"/>
-              </a:solidFill>
-            </a:endParaRPr>
-          </a:p>
-        </p:txBody>
-      </p:sp>
-      <p:sp>
-        <p:nvSpPr>
-          <p:cNvPr id="11" name="Rettangolo 10">
-            <a:extLst>
-              <a:ext uri="{FF2B5EF4-FFF2-40B4-BE49-F238E27FC236}">
-                <a16:creationId xmlns:a16="http://schemas.microsoft.com/office/drawing/2014/main" id="{DE43AB90-63F1-413E-8732-29F127F1CF7E}"/>
-              </a:ext>
-            </a:extLst>
-          </p:cNvPr>
-          <p:cNvSpPr/>
-          <p:nvPr/>
-        </p:nvSpPr>
-        <p:spPr>
-          <a:xfrm>
-            <a:off x="337221" y="428665"/>
-            <a:ext cx="3805850" cy="584775"/>
-          </a:xfrm>
-          <a:prstGeom prst="rect">
-            <a:avLst/>
-          </a:prstGeom>
-        </p:spPr>
-        <p:txBody>
-          <a:bodyPr wrap="none">
-            <a:spAutoFit/>
-          </a:bodyPr>
-          <a:lstStyle/>
-          <a:p>
-            <a:r>
-              <a:rPr lang="it-IT" sz="3200" b="1" dirty="0">
-                <a:solidFill>
-                  <a:schemeClr val="bg1"/>
-                </a:solidFill>
-              </a:rPr>
-              <a:t>Modello dinamico</a:t>
-            </a:r>
-          </a:p>
-        </p:txBody>
-      </p:sp>
-      <p:sp>
-        <p:nvSpPr>
-          <p:cNvPr id="10" name="CasellaDiTesto 9">
-            <a:extLst>
-              <a:ext uri="{FF2B5EF4-FFF2-40B4-BE49-F238E27FC236}">
-                <a16:creationId xmlns:a16="http://schemas.microsoft.com/office/drawing/2014/main" id="{284DA0C7-08CF-4A93-BE8C-537C3926BCEE}"/>
-              </a:ext>
-            </a:extLst>
-          </p:cNvPr>
-          <p:cNvSpPr txBox="1"/>
-          <p:nvPr/>
-        </p:nvSpPr>
-        <p:spPr>
-          <a:xfrm>
-            <a:off x="952107" y="1316443"/>
-            <a:ext cx="4609707" cy="461665"/>
-          </a:xfrm>
-          <a:prstGeom prst="rect">
-            <a:avLst/>
-          </a:prstGeom>
-          <a:noFill/>
-        </p:spPr>
-        <p:txBody>
-          <a:bodyPr wrap="square" rtlCol="0">
-            <a:spAutoFit/>
-          </a:bodyPr>
-          <a:lstStyle/>
-          <a:p>
-            <a:pPr marL="457200" indent="-457200">
-              <a:buFont typeface="+mj-lt"/>
-              <a:buAutoNum type="arabicPeriod" startAt="4"/>
-            </a:pPr>
-            <a:r>
-              <a:rPr lang="it-IT" sz="2400" dirty="0">
-                <a:solidFill>
-                  <a:schemeClr val="bg1"/>
-                </a:solidFill>
-              </a:rPr>
-              <a:t>Termini gravitazionali</a:t>
-            </a:r>
-          </a:p>
-        </p:txBody>
-      </p:sp>
-      <p:sp>
-        <p:nvSpPr>
-          <p:cNvPr id="2" name="CasellaDiTesto 1">
-            <a:extLst>
-              <a:ext uri="{FF2B5EF4-FFF2-40B4-BE49-F238E27FC236}">
-                <a16:creationId xmlns:a16="http://schemas.microsoft.com/office/drawing/2014/main" id="{90F1333D-9F5D-4DA3-A3F3-E2FDC3872044}"/>
-              </a:ext>
-            </a:extLst>
-          </p:cNvPr>
-          <p:cNvSpPr txBox="1"/>
-          <p:nvPr/>
-        </p:nvSpPr>
-        <p:spPr>
-          <a:xfrm>
-            <a:off x="1310325" y="2003449"/>
-            <a:ext cx="6912085" cy="369332"/>
-          </a:xfrm>
-          <a:prstGeom prst="rect">
-            <a:avLst/>
-          </a:prstGeom>
-          <a:noFill/>
-        </p:spPr>
-        <p:txBody>
-          <a:bodyPr wrap="none" rtlCol="0">
-            <a:spAutoFit/>
-          </a:bodyPr>
-          <a:lstStyle/>
-          <a:p>
-            <a:r>
-              <a:rPr lang="it-IT" dirty="0">
-                <a:solidFill>
-                  <a:schemeClr val="bg1"/>
-                </a:solidFill>
-              </a:rPr>
-              <a:t>Obiettivo: AUV  in grado di risalire in superficie senza attuazione</a:t>
-            </a:r>
-          </a:p>
-        </p:txBody>
-      </p:sp>
-      <p:sp>
-        <p:nvSpPr>
-          <p:cNvPr id="3" name="CasellaDiTesto 2">
-            <a:extLst>
-              <a:ext uri="{FF2B5EF4-FFF2-40B4-BE49-F238E27FC236}">
-                <a16:creationId xmlns:a16="http://schemas.microsoft.com/office/drawing/2014/main" id="{243005BB-029B-4C4A-894B-4E9E5149F4F3}"/>
-              </a:ext>
-            </a:extLst>
-          </p:cNvPr>
-          <p:cNvSpPr txBox="1"/>
-          <p:nvPr/>
-        </p:nvSpPr>
-        <p:spPr>
-          <a:xfrm>
-            <a:off x="1214591" y="3948046"/>
-            <a:ext cx="3120273" cy="646331"/>
-          </a:xfrm>
-          <a:prstGeom prst="rect">
-            <a:avLst/>
-          </a:prstGeom>
-          <a:noFill/>
-        </p:spPr>
-        <p:txBody>
-          <a:bodyPr wrap="square" rtlCol="0">
-            <a:spAutoFit/>
-          </a:bodyPr>
-          <a:lstStyle/>
-          <a:p>
-            <a:r>
-              <a:rPr lang="it-IT" dirty="0">
-                <a:solidFill>
-                  <a:schemeClr val="bg1"/>
-                </a:solidFill>
-              </a:rPr>
-              <a:t>Si considera il volume del veicolo immerso</a:t>
-            </a:r>
-          </a:p>
-        </p:txBody>
-      </p:sp>
-      <p:pic>
-        <p:nvPicPr>
-          <p:cNvPr id="17" name="Immagine 16">
-            <a:extLst>
-              <a:ext uri="{FF2B5EF4-FFF2-40B4-BE49-F238E27FC236}">
-                <a16:creationId xmlns:a16="http://schemas.microsoft.com/office/drawing/2014/main" id="{A0389353-D7D8-4A1C-B64B-F09C458B3C42}"/>
-              </a:ext>
-            </a:extLst>
-          </p:cNvPr>
-          <p:cNvPicPr>
-            <a:picLocks noChangeAspect="1"/>
-          </p:cNvPicPr>
-          <p:nvPr/>
-        </p:nvPicPr>
-        <p:blipFill>
-          <a:blip r:embed="rId3">
-            <a:extLst>
-              <a:ext uri="{28A0092B-C50C-407E-A947-70E740481C1C}">
-                <a14:useLocalDpi xmlns:a14="http://schemas.microsoft.com/office/drawing/2010/main" val="0"/>
-              </a:ext>
-            </a:extLst>
-          </a:blip>
-          <a:stretch>
-            <a:fillRect/>
-          </a:stretch>
-        </p:blipFill>
-        <p:spPr>
-          <a:xfrm>
-            <a:off x="9169687" y="2681351"/>
-            <a:ext cx="2466133" cy="502153"/>
-          </a:xfrm>
-          <a:prstGeom prst="rect">
-            <a:avLst/>
-          </a:prstGeom>
-        </p:spPr>
-      </p:pic>
-      <p:pic>
-        <p:nvPicPr>
-          <p:cNvPr id="19" name="Immagine 18" descr="Immagine che contiene orologio&#10;&#10;Descrizione generata automaticamente">
-            <a:extLst>
-              <a:ext uri="{FF2B5EF4-FFF2-40B4-BE49-F238E27FC236}">
-                <a16:creationId xmlns:a16="http://schemas.microsoft.com/office/drawing/2014/main" id="{384FCB39-0EBC-48D9-8A79-15770CB6DAF2}"/>
-              </a:ext>
-            </a:extLst>
-          </p:cNvPr>
-          <p:cNvPicPr>
-            <a:picLocks noChangeAspect="1"/>
-          </p:cNvPicPr>
-          <p:nvPr/>
-        </p:nvPicPr>
-        <p:blipFill>
-          <a:blip r:embed="rId4">
-            <a:extLst>
-              <a:ext uri="{28A0092B-C50C-407E-A947-70E740481C1C}">
-                <a14:useLocalDpi xmlns:a14="http://schemas.microsoft.com/office/drawing/2010/main" val="0"/>
-              </a:ext>
-            </a:extLst>
-          </a:blip>
-          <a:stretch>
-            <a:fillRect/>
-          </a:stretch>
-        </p:blipFill>
-        <p:spPr>
-          <a:xfrm>
-            <a:off x="7605064" y="3639377"/>
-            <a:ext cx="4160881" cy="2667231"/>
-          </a:xfrm>
-          <a:prstGeom prst="rect">
-            <a:avLst/>
-          </a:prstGeom>
-        </p:spPr>
-      </p:pic>
-      <p:pic>
-        <p:nvPicPr>
-          <p:cNvPr id="23" name="Immagine 22">
-            <a:extLst>
-              <a:ext uri="{FF2B5EF4-FFF2-40B4-BE49-F238E27FC236}">
-                <a16:creationId xmlns:a16="http://schemas.microsoft.com/office/drawing/2014/main" id="{D44FEF5B-8ECE-4257-8A87-54DB8D23FE7F}"/>
-              </a:ext>
-            </a:extLst>
-          </p:cNvPr>
-          <p:cNvPicPr>
-            <a:picLocks noChangeAspect="1"/>
-          </p:cNvPicPr>
-          <p:nvPr/>
-        </p:nvPicPr>
-        <p:blipFill>
-          <a:blip r:embed="rId5">
-            <a:extLst>
-              <a:ext uri="{28A0092B-C50C-407E-A947-70E740481C1C}">
-                <a14:useLocalDpi xmlns:a14="http://schemas.microsoft.com/office/drawing/2010/main" val="0"/>
-              </a:ext>
-            </a:extLst>
-          </a:blip>
-          <a:stretch>
-            <a:fillRect/>
-          </a:stretch>
-        </p:blipFill>
-        <p:spPr>
-          <a:xfrm>
-            <a:off x="4572492" y="4030065"/>
-            <a:ext cx="2418956" cy="1573064"/>
-          </a:xfrm>
-          <a:prstGeom prst="rect">
-            <a:avLst/>
-          </a:prstGeom>
-        </p:spPr>
-      </p:pic>
-      <p:pic>
-        <p:nvPicPr>
-          <p:cNvPr id="25" name="Immagine 24">
-            <a:extLst>
-              <a:ext uri="{FF2B5EF4-FFF2-40B4-BE49-F238E27FC236}">
-                <a16:creationId xmlns:a16="http://schemas.microsoft.com/office/drawing/2014/main" id="{08656E91-10C2-4D13-893A-1BFCC015B46F}"/>
-              </a:ext>
-            </a:extLst>
-          </p:cNvPr>
-          <p:cNvPicPr>
-            <a:picLocks noChangeAspect="1"/>
-          </p:cNvPicPr>
-          <p:nvPr/>
-        </p:nvPicPr>
-        <p:blipFill>
-          <a:blip r:embed="rId6">
-            <a:extLst>
-              <a:ext uri="{28A0092B-C50C-407E-A947-70E740481C1C}">
-                <a14:useLocalDpi xmlns:a14="http://schemas.microsoft.com/office/drawing/2010/main" val="0"/>
-              </a:ext>
-            </a:extLst>
-          </a:blip>
-          <a:stretch>
-            <a:fillRect/>
-          </a:stretch>
-        </p:blipFill>
-        <p:spPr>
-          <a:xfrm>
-            <a:off x="4688272" y="2714470"/>
-            <a:ext cx="1407728" cy="624044"/>
-          </a:xfrm>
-          <a:prstGeom prst="rect">
-            <a:avLst/>
-          </a:prstGeom>
-        </p:spPr>
-      </p:pic>
-      <p:pic>
-        <p:nvPicPr>
-          <p:cNvPr id="27" name="Immagine 26">
-            <a:extLst>
-              <a:ext uri="{FF2B5EF4-FFF2-40B4-BE49-F238E27FC236}">
-                <a16:creationId xmlns:a16="http://schemas.microsoft.com/office/drawing/2014/main" id="{8D8ED8B0-1976-4829-8EB5-29F804191963}"/>
-              </a:ext>
-            </a:extLst>
-          </p:cNvPr>
-          <p:cNvPicPr>
-            <a:picLocks noChangeAspect="1"/>
-          </p:cNvPicPr>
-          <p:nvPr/>
-        </p:nvPicPr>
-        <p:blipFill>
-          <a:blip r:embed="rId7">
-            <a:extLst>
-              <a:ext uri="{28A0092B-C50C-407E-A947-70E740481C1C}">
-                <a14:useLocalDpi xmlns:a14="http://schemas.microsoft.com/office/drawing/2010/main" val="0"/>
-              </a:ext>
-            </a:extLst>
-          </a:blip>
-          <a:stretch>
-            <a:fillRect/>
-          </a:stretch>
-        </p:blipFill>
-        <p:spPr>
-          <a:xfrm>
-            <a:off x="6708645" y="2687459"/>
-            <a:ext cx="1723311" cy="606799"/>
-          </a:xfrm>
-          <a:prstGeom prst="rect">
-            <a:avLst/>
-          </a:prstGeom>
-        </p:spPr>
-      </p:pic>
-      <p:pic>
-        <p:nvPicPr>
-          <p:cNvPr id="29" name="Immagine 28">
-            <a:extLst>
-              <a:ext uri="{FF2B5EF4-FFF2-40B4-BE49-F238E27FC236}">
-                <a16:creationId xmlns:a16="http://schemas.microsoft.com/office/drawing/2014/main" id="{09D01829-A7B5-4F69-A907-360EB756BC70}"/>
-              </a:ext>
-            </a:extLst>
-          </p:cNvPr>
-          <p:cNvPicPr>
-            <a:picLocks noChangeAspect="1"/>
-          </p:cNvPicPr>
-          <p:nvPr/>
-        </p:nvPicPr>
-        <p:blipFill>
-          <a:blip r:embed="rId8">
-            <a:extLst>
-              <a:ext uri="{28A0092B-C50C-407E-A947-70E740481C1C}">
-                <a14:useLocalDpi xmlns:a14="http://schemas.microsoft.com/office/drawing/2010/main" val="0"/>
-              </a:ext>
-            </a:extLst>
-          </a:blip>
-          <a:stretch>
-            <a:fillRect/>
-          </a:stretch>
-        </p:blipFill>
-        <p:spPr>
-          <a:xfrm>
-            <a:off x="1265489" y="2622564"/>
-            <a:ext cx="2617569" cy="699431"/>
-          </a:xfrm>
-          <a:prstGeom prst="rect">
-            <a:avLst/>
-          </a:prstGeom>
-        </p:spPr>
-      </p:pic>
-      <p:sp>
-        <p:nvSpPr>
-          <p:cNvPr id="5" name="Segnaposto numero diapositiva 4">
-            <a:extLst>
-              <a:ext uri="{FF2B5EF4-FFF2-40B4-BE49-F238E27FC236}">
-                <a16:creationId xmlns:a16="http://schemas.microsoft.com/office/drawing/2014/main" id="{94E81924-7413-47D3-AF98-9023CDA280E7}"/>
-              </a:ext>
-            </a:extLst>
-          </p:cNvPr>
-          <p:cNvSpPr>
-            <a:spLocks noGrp="1"/>
-          </p:cNvSpPr>
-          <p:nvPr>
-            <p:ph type="sldNum" sz="quarter" idx="12"/>
-          </p:nvPr>
-        </p:nvSpPr>
-        <p:spPr/>
-        <p:txBody>
-          <a:bodyPr/>
-          <a:lstStyle/>
-          <a:p>
-            <a:fld id="{4854181D-6920-4594-9A5D-6CE56DC9F8B2}" type="slidenum">
-              <a:rPr lang="en-US" smtClean="0"/>
-              <a:t>12</a:t>
-            </a:fld>
-            <a:endParaRPr lang="en-US"/>
-          </a:p>
-        </p:txBody>
-      </p:sp>
-    </p:spTree>
-    <p:extLst>
-      <p:ext uri="{BB962C8B-B14F-4D97-AF65-F5344CB8AC3E}">
-        <p14:creationId xmlns:p14="http://schemas.microsoft.com/office/powerpoint/2010/main" val="142232722"/>
       </p:ext>
     </p:extLst>
   </p:cSld>
@@ -3318,6 +3950,633 @@
         <p:spPr>
           <a:xfrm>
             <a:off x="337221" y="428665"/>
+            <a:ext cx="3805850" cy="584775"/>
+          </a:xfrm>
+          <a:prstGeom prst="rect">
+            <a:avLst/>
+          </a:prstGeom>
+        </p:spPr>
+        <p:txBody>
+          <a:bodyPr wrap="none">
+            <a:spAutoFit/>
+          </a:bodyPr>
+          <a:lstStyle/>
+          <a:p>
+            <a:r>
+              <a:rPr lang="it-IT" sz="3200" b="1" dirty="0">
+                <a:solidFill>
+                  <a:schemeClr val="bg1"/>
+                </a:solidFill>
+              </a:rPr>
+              <a:t>Modello dinamico</a:t>
+            </a:r>
+          </a:p>
+        </p:txBody>
+      </p:sp>
+      <p:sp>
+        <p:nvSpPr>
+          <p:cNvPr id="10" name="CasellaDiTesto 9">
+            <a:extLst>
+              <a:ext uri="{FF2B5EF4-FFF2-40B4-BE49-F238E27FC236}">
+                <a16:creationId xmlns:a16="http://schemas.microsoft.com/office/drawing/2014/main" id="{284DA0C7-08CF-4A93-BE8C-537C3926BCEE}"/>
+              </a:ext>
+            </a:extLst>
+          </p:cNvPr>
+          <p:cNvSpPr txBox="1"/>
+          <p:nvPr/>
+        </p:nvSpPr>
+        <p:spPr>
+          <a:xfrm>
+            <a:off x="952107" y="1316443"/>
+            <a:ext cx="4609707" cy="461665"/>
+          </a:xfrm>
+          <a:prstGeom prst="rect">
+            <a:avLst/>
+          </a:prstGeom>
+          <a:noFill/>
+        </p:spPr>
+        <p:txBody>
+          <a:bodyPr wrap="square" rtlCol="0">
+            <a:spAutoFit/>
+          </a:bodyPr>
+          <a:lstStyle/>
+          <a:p>
+            <a:pPr marL="457200" indent="-457200">
+              <a:buFont typeface="+mj-lt"/>
+              <a:buAutoNum type="arabicPeriod" startAt="4"/>
+            </a:pPr>
+            <a:r>
+              <a:rPr lang="it-IT" sz="2400" dirty="0">
+                <a:solidFill>
+                  <a:schemeClr val="bg1"/>
+                </a:solidFill>
+              </a:rPr>
+              <a:t>Termini gravitazionali</a:t>
+            </a:r>
+          </a:p>
+        </p:txBody>
+      </p:sp>
+      <p:sp>
+        <p:nvSpPr>
+          <p:cNvPr id="2" name="CasellaDiTesto 1">
+            <a:extLst>
+              <a:ext uri="{FF2B5EF4-FFF2-40B4-BE49-F238E27FC236}">
+                <a16:creationId xmlns:a16="http://schemas.microsoft.com/office/drawing/2014/main" id="{90F1333D-9F5D-4DA3-A3F3-E2FDC3872044}"/>
+              </a:ext>
+            </a:extLst>
+          </p:cNvPr>
+          <p:cNvSpPr txBox="1"/>
+          <p:nvPr/>
+        </p:nvSpPr>
+        <p:spPr>
+          <a:xfrm>
+            <a:off x="1310325" y="2003449"/>
+            <a:ext cx="6912085" cy="369332"/>
+          </a:xfrm>
+          <a:prstGeom prst="rect">
+            <a:avLst/>
+          </a:prstGeom>
+          <a:noFill/>
+        </p:spPr>
+        <p:txBody>
+          <a:bodyPr wrap="none" rtlCol="0">
+            <a:spAutoFit/>
+          </a:bodyPr>
+          <a:lstStyle/>
+          <a:p>
+            <a:r>
+              <a:rPr lang="it-IT" dirty="0">
+                <a:solidFill>
+                  <a:schemeClr val="bg1"/>
+                </a:solidFill>
+              </a:rPr>
+              <a:t>Obiettivo: AUV  in grado di risalire in superficie senza attuazione</a:t>
+            </a:r>
+          </a:p>
+        </p:txBody>
+      </p:sp>
+      <p:sp>
+        <p:nvSpPr>
+          <p:cNvPr id="3" name="CasellaDiTesto 2">
+            <a:extLst>
+              <a:ext uri="{FF2B5EF4-FFF2-40B4-BE49-F238E27FC236}">
+                <a16:creationId xmlns:a16="http://schemas.microsoft.com/office/drawing/2014/main" id="{243005BB-029B-4C4A-894B-4E9E5149F4F3}"/>
+              </a:ext>
+            </a:extLst>
+          </p:cNvPr>
+          <p:cNvSpPr txBox="1"/>
+          <p:nvPr/>
+        </p:nvSpPr>
+        <p:spPr>
+          <a:xfrm>
+            <a:off x="1214591" y="3948046"/>
+            <a:ext cx="3120273" cy="646331"/>
+          </a:xfrm>
+          <a:prstGeom prst="rect">
+            <a:avLst/>
+          </a:prstGeom>
+          <a:noFill/>
+        </p:spPr>
+        <p:txBody>
+          <a:bodyPr wrap="square" rtlCol="0">
+            <a:spAutoFit/>
+          </a:bodyPr>
+          <a:lstStyle/>
+          <a:p>
+            <a:r>
+              <a:rPr lang="it-IT" dirty="0">
+                <a:solidFill>
+                  <a:schemeClr val="bg1"/>
+                </a:solidFill>
+              </a:rPr>
+              <a:t>Si considera il volume del veicolo immerso</a:t>
+            </a:r>
+          </a:p>
+        </p:txBody>
+      </p:sp>
+      <p:pic>
+        <p:nvPicPr>
+          <p:cNvPr id="17" name="Immagine 16">
+            <a:extLst>
+              <a:ext uri="{FF2B5EF4-FFF2-40B4-BE49-F238E27FC236}">
+                <a16:creationId xmlns:a16="http://schemas.microsoft.com/office/drawing/2014/main" id="{A0389353-D7D8-4A1C-B64B-F09C458B3C42}"/>
+              </a:ext>
+            </a:extLst>
+          </p:cNvPr>
+          <p:cNvPicPr>
+            <a:picLocks noChangeAspect="1"/>
+          </p:cNvPicPr>
+          <p:nvPr/>
+        </p:nvPicPr>
+        <p:blipFill>
+          <a:blip r:embed="rId3">
+            <a:extLst>
+              <a:ext uri="{28A0092B-C50C-407E-A947-70E740481C1C}">
+                <a14:useLocalDpi xmlns:a14="http://schemas.microsoft.com/office/drawing/2010/main" val="0"/>
+              </a:ext>
+            </a:extLst>
+          </a:blip>
+          <a:stretch>
+            <a:fillRect/>
+          </a:stretch>
+        </p:blipFill>
+        <p:spPr>
+          <a:xfrm>
+            <a:off x="9169687" y="2681351"/>
+            <a:ext cx="2466133" cy="502153"/>
+          </a:xfrm>
+          <a:prstGeom prst="rect">
+            <a:avLst/>
+          </a:prstGeom>
+        </p:spPr>
+      </p:pic>
+      <p:pic>
+        <p:nvPicPr>
+          <p:cNvPr id="19" name="Immagine 18" descr="Immagine che contiene orologio&#10;&#10;Descrizione generata automaticamente">
+            <a:extLst>
+              <a:ext uri="{FF2B5EF4-FFF2-40B4-BE49-F238E27FC236}">
+                <a16:creationId xmlns:a16="http://schemas.microsoft.com/office/drawing/2014/main" id="{384FCB39-0EBC-48D9-8A79-15770CB6DAF2}"/>
+              </a:ext>
+            </a:extLst>
+          </p:cNvPr>
+          <p:cNvPicPr>
+            <a:picLocks noChangeAspect="1"/>
+          </p:cNvPicPr>
+          <p:nvPr/>
+        </p:nvPicPr>
+        <p:blipFill>
+          <a:blip r:embed="rId4">
+            <a:extLst>
+              <a:ext uri="{28A0092B-C50C-407E-A947-70E740481C1C}">
+                <a14:useLocalDpi xmlns:a14="http://schemas.microsoft.com/office/drawing/2010/main" val="0"/>
+              </a:ext>
+            </a:extLst>
+          </a:blip>
+          <a:stretch>
+            <a:fillRect/>
+          </a:stretch>
+        </p:blipFill>
+        <p:spPr>
+          <a:xfrm>
+            <a:off x="7605064" y="3639377"/>
+            <a:ext cx="4160881" cy="2667231"/>
+          </a:xfrm>
+          <a:prstGeom prst="rect">
+            <a:avLst/>
+          </a:prstGeom>
+        </p:spPr>
+      </p:pic>
+      <p:pic>
+        <p:nvPicPr>
+          <p:cNvPr id="23" name="Immagine 22">
+            <a:extLst>
+              <a:ext uri="{FF2B5EF4-FFF2-40B4-BE49-F238E27FC236}">
+                <a16:creationId xmlns:a16="http://schemas.microsoft.com/office/drawing/2014/main" id="{D44FEF5B-8ECE-4257-8A87-54DB8D23FE7F}"/>
+              </a:ext>
+            </a:extLst>
+          </p:cNvPr>
+          <p:cNvPicPr>
+            <a:picLocks noChangeAspect="1"/>
+          </p:cNvPicPr>
+          <p:nvPr/>
+        </p:nvPicPr>
+        <p:blipFill>
+          <a:blip r:embed="rId5">
+            <a:extLst>
+              <a:ext uri="{28A0092B-C50C-407E-A947-70E740481C1C}">
+                <a14:useLocalDpi xmlns:a14="http://schemas.microsoft.com/office/drawing/2010/main" val="0"/>
+              </a:ext>
+            </a:extLst>
+          </a:blip>
+          <a:stretch>
+            <a:fillRect/>
+          </a:stretch>
+        </p:blipFill>
+        <p:spPr>
+          <a:xfrm>
+            <a:off x="4572492" y="4030065"/>
+            <a:ext cx="2418956" cy="1573064"/>
+          </a:xfrm>
+          <a:prstGeom prst="rect">
+            <a:avLst/>
+          </a:prstGeom>
+        </p:spPr>
+      </p:pic>
+      <p:pic>
+        <p:nvPicPr>
+          <p:cNvPr id="25" name="Immagine 24">
+            <a:extLst>
+              <a:ext uri="{FF2B5EF4-FFF2-40B4-BE49-F238E27FC236}">
+                <a16:creationId xmlns:a16="http://schemas.microsoft.com/office/drawing/2014/main" id="{08656E91-10C2-4D13-893A-1BFCC015B46F}"/>
+              </a:ext>
+            </a:extLst>
+          </p:cNvPr>
+          <p:cNvPicPr>
+            <a:picLocks noChangeAspect="1"/>
+          </p:cNvPicPr>
+          <p:nvPr/>
+        </p:nvPicPr>
+        <p:blipFill>
+          <a:blip r:embed="rId6">
+            <a:extLst>
+              <a:ext uri="{28A0092B-C50C-407E-A947-70E740481C1C}">
+                <a14:useLocalDpi xmlns:a14="http://schemas.microsoft.com/office/drawing/2010/main" val="0"/>
+              </a:ext>
+            </a:extLst>
+          </a:blip>
+          <a:stretch>
+            <a:fillRect/>
+          </a:stretch>
+        </p:blipFill>
+        <p:spPr>
+          <a:xfrm>
+            <a:off x="4688272" y="2714470"/>
+            <a:ext cx="1407728" cy="624044"/>
+          </a:xfrm>
+          <a:prstGeom prst="rect">
+            <a:avLst/>
+          </a:prstGeom>
+        </p:spPr>
+      </p:pic>
+      <p:pic>
+        <p:nvPicPr>
+          <p:cNvPr id="27" name="Immagine 26">
+            <a:extLst>
+              <a:ext uri="{FF2B5EF4-FFF2-40B4-BE49-F238E27FC236}">
+                <a16:creationId xmlns:a16="http://schemas.microsoft.com/office/drawing/2014/main" id="{8D8ED8B0-1976-4829-8EB5-29F804191963}"/>
+              </a:ext>
+            </a:extLst>
+          </p:cNvPr>
+          <p:cNvPicPr>
+            <a:picLocks noChangeAspect="1"/>
+          </p:cNvPicPr>
+          <p:nvPr/>
+        </p:nvPicPr>
+        <p:blipFill>
+          <a:blip r:embed="rId7">
+            <a:extLst>
+              <a:ext uri="{28A0092B-C50C-407E-A947-70E740481C1C}">
+                <a14:useLocalDpi xmlns:a14="http://schemas.microsoft.com/office/drawing/2010/main" val="0"/>
+              </a:ext>
+            </a:extLst>
+          </a:blip>
+          <a:stretch>
+            <a:fillRect/>
+          </a:stretch>
+        </p:blipFill>
+        <p:spPr>
+          <a:xfrm>
+            <a:off x="6708645" y="2687459"/>
+            <a:ext cx="1723311" cy="606799"/>
+          </a:xfrm>
+          <a:prstGeom prst="rect">
+            <a:avLst/>
+          </a:prstGeom>
+        </p:spPr>
+      </p:pic>
+      <p:pic>
+        <p:nvPicPr>
+          <p:cNvPr id="29" name="Immagine 28">
+            <a:extLst>
+              <a:ext uri="{FF2B5EF4-FFF2-40B4-BE49-F238E27FC236}">
+                <a16:creationId xmlns:a16="http://schemas.microsoft.com/office/drawing/2014/main" id="{09D01829-A7B5-4F69-A907-360EB756BC70}"/>
+              </a:ext>
+            </a:extLst>
+          </p:cNvPr>
+          <p:cNvPicPr>
+            <a:picLocks noChangeAspect="1"/>
+          </p:cNvPicPr>
+          <p:nvPr/>
+        </p:nvPicPr>
+        <p:blipFill>
+          <a:blip r:embed="rId8">
+            <a:extLst>
+              <a:ext uri="{28A0092B-C50C-407E-A947-70E740481C1C}">
+                <a14:useLocalDpi xmlns:a14="http://schemas.microsoft.com/office/drawing/2010/main" val="0"/>
+              </a:ext>
+            </a:extLst>
+          </a:blip>
+          <a:stretch>
+            <a:fillRect/>
+          </a:stretch>
+        </p:blipFill>
+        <p:spPr>
+          <a:xfrm>
+            <a:off x="1265489" y="2622564"/>
+            <a:ext cx="2617569" cy="699431"/>
+          </a:xfrm>
+          <a:prstGeom prst="rect">
+            <a:avLst/>
+          </a:prstGeom>
+        </p:spPr>
+      </p:pic>
+      <p:sp>
+        <p:nvSpPr>
+          <p:cNvPr id="5" name="Segnaposto numero diapositiva 4">
+            <a:extLst>
+              <a:ext uri="{FF2B5EF4-FFF2-40B4-BE49-F238E27FC236}">
+                <a16:creationId xmlns:a16="http://schemas.microsoft.com/office/drawing/2014/main" id="{94E81924-7413-47D3-AF98-9023CDA280E7}"/>
+              </a:ext>
+            </a:extLst>
+          </p:cNvPr>
+          <p:cNvSpPr>
+            <a:spLocks noGrp="1"/>
+          </p:cNvSpPr>
+          <p:nvPr>
+            <p:ph type="sldNum" sz="quarter" idx="12"/>
+          </p:nvPr>
+        </p:nvSpPr>
+        <p:spPr/>
+        <p:txBody>
+          <a:bodyPr/>
+          <a:lstStyle/>
+          <a:p>
+            <a:fld id="{4854181D-6920-4594-9A5D-6CE56DC9F8B2}" type="slidenum">
+              <a:rPr lang="en-US" smtClean="0"/>
+              <a:t>13</a:t>
+            </a:fld>
+            <a:endParaRPr lang="en-US"/>
+          </a:p>
+        </p:txBody>
+      </p:sp>
+    </p:spTree>
+    <p:extLst>
+      <p:ext uri="{BB962C8B-B14F-4D97-AF65-F5344CB8AC3E}">
+        <p14:creationId xmlns:p14="http://schemas.microsoft.com/office/powerpoint/2010/main" val="142232722"/>
+      </p:ext>
+    </p:extLst>
+  </p:cSld>
+  <p:clrMapOvr>
+    <a:masterClrMapping/>
+  </p:clrMapOvr>
+</p:sld>
+</file>
+
+<file path=ppt/slides/slide14.xml><?xml version="1.0" encoding="utf-8"?>
+<p:sld xmlns:a="http://schemas.openxmlformats.org/drawingml/2006/main" xmlns:r="http://schemas.openxmlformats.org/officeDocument/2006/relationships" xmlns:p="http://schemas.openxmlformats.org/presentationml/2006/main" showMasterSp="0">
+  <p:cSld>
+    <p:bg>
+      <p:bgPr>
+        <a:blipFill dpi="0" rotWithShape="1">
+          <a:blip r:embed="rId2">
+            <a:lum/>
+          </a:blip>
+          <a:srcRect/>
+          <a:stretch>
+            <a:fillRect/>
+          </a:stretch>
+        </a:blipFill>
+        <a:effectLst/>
+      </p:bgPr>
+    </p:bg>
+    <p:spTree>
+      <p:nvGrpSpPr>
+        <p:cNvPr id="1" name=""/>
+        <p:cNvGrpSpPr/>
+        <p:nvPr/>
+      </p:nvGrpSpPr>
+      <p:grpSpPr>
+        <a:xfrm>
+          <a:off x="0" y="0"/>
+          <a:ext cx="0" cy="0"/>
+          <a:chOff x="0" y="0"/>
+          <a:chExt cx="0" cy="0"/>
+        </a:xfrm>
+      </p:grpSpPr>
+      <p:sp>
+        <p:nvSpPr>
+          <p:cNvPr id="4" name="Segnaposto piè di pagina 3">
+            <a:extLst>
+              <a:ext uri="{FF2B5EF4-FFF2-40B4-BE49-F238E27FC236}">
+                <a16:creationId xmlns:a16="http://schemas.microsoft.com/office/drawing/2014/main" id="{4E362125-2F83-4266-AB8C-336E9ADDBB86}"/>
+              </a:ext>
+            </a:extLst>
+          </p:cNvPr>
+          <p:cNvSpPr>
+            <a:spLocks noGrp="1"/>
+          </p:cNvSpPr>
+          <p:nvPr>
+            <p:ph type="ftr" sz="quarter" idx="11"/>
+          </p:nvPr>
+        </p:nvSpPr>
+        <p:spPr>
+          <a:xfrm>
+            <a:off x="-231742" y="6492875"/>
+            <a:ext cx="4114800" cy="365125"/>
+          </a:xfrm>
+        </p:spPr>
+        <p:txBody>
+          <a:bodyPr/>
+          <a:lstStyle/>
+          <a:p>
+            <a:endParaRPr lang="en-US" i="1" dirty="0">
+              <a:solidFill>
+                <a:schemeClr val="bg1"/>
+              </a:solidFill>
+            </a:endParaRPr>
+          </a:p>
+        </p:txBody>
+      </p:sp>
+      <p:sp>
+        <p:nvSpPr>
+          <p:cNvPr id="11" name="Rettangolo 10">
+            <a:extLst>
+              <a:ext uri="{FF2B5EF4-FFF2-40B4-BE49-F238E27FC236}">
+                <a16:creationId xmlns:a16="http://schemas.microsoft.com/office/drawing/2014/main" id="{DE43AB90-63F1-413E-8732-29F127F1CF7E}"/>
+              </a:ext>
+            </a:extLst>
+          </p:cNvPr>
+          <p:cNvSpPr/>
+          <p:nvPr/>
+        </p:nvSpPr>
+        <p:spPr>
+          <a:xfrm>
+            <a:off x="337221" y="428665"/>
+            <a:ext cx="2204258" cy="707886"/>
+          </a:xfrm>
+          <a:prstGeom prst="rect">
+            <a:avLst/>
+          </a:prstGeom>
+        </p:spPr>
+        <p:txBody>
+          <a:bodyPr wrap="none">
+            <a:spAutoFit/>
+          </a:bodyPr>
+          <a:lstStyle/>
+          <a:p>
+            <a:r>
+              <a:rPr lang="it-IT" sz="4000" b="1" dirty="0">
+                <a:solidFill>
+                  <a:schemeClr val="bg1"/>
+                </a:solidFill>
+              </a:rPr>
+              <a:t>Risultati</a:t>
+            </a:r>
+          </a:p>
+        </p:txBody>
+      </p:sp>
+      <p:sp>
+        <p:nvSpPr>
+          <p:cNvPr id="2" name="Segnaposto numero diapositiva 1">
+            <a:extLst>
+              <a:ext uri="{FF2B5EF4-FFF2-40B4-BE49-F238E27FC236}">
+                <a16:creationId xmlns:a16="http://schemas.microsoft.com/office/drawing/2014/main" id="{F0CE49EA-36D5-4BB5-9630-2FB58CEBC55A}"/>
+              </a:ext>
+            </a:extLst>
+          </p:cNvPr>
+          <p:cNvSpPr>
+            <a:spLocks noGrp="1"/>
+          </p:cNvSpPr>
+          <p:nvPr>
+            <p:ph type="sldNum" sz="quarter" idx="12"/>
+          </p:nvPr>
+        </p:nvSpPr>
+        <p:spPr/>
+        <p:txBody>
+          <a:bodyPr/>
+          <a:lstStyle/>
+          <a:p>
+            <a:fld id="{4854181D-6920-4594-9A5D-6CE56DC9F8B2}" type="slidenum">
+              <a:rPr lang="en-US" smtClean="0"/>
+              <a:t>14</a:t>
+            </a:fld>
+            <a:endParaRPr lang="en-US"/>
+          </a:p>
+        </p:txBody>
+      </p:sp>
+    </p:spTree>
+    <p:extLst>
+      <p:ext uri="{BB962C8B-B14F-4D97-AF65-F5344CB8AC3E}">
+        <p14:creationId xmlns:p14="http://schemas.microsoft.com/office/powerpoint/2010/main" val="414146306"/>
+      </p:ext>
+    </p:extLst>
+  </p:cSld>
+  <p:clrMapOvr>
+    <a:masterClrMapping/>
+  </p:clrMapOvr>
+</p:sld>
+</file>
+
+<file path=ppt/slides/slide15.xml><?xml version="1.0" encoding="utf-8"?>
+<p:sld xmlns:a="http://schemas.openxmlformats.org/drawingml/2006/main" xmlns:r="http://schemas.openxmlformats.org/officeDocument/2006/relationships" xmlns:p="http://schemas.openxmlformats.org/presentationml/2006/main" showMasterSp="0">
+  <p:cSld>
+    <p:bg>
+      <p:bgPr>
+        <a:blipFill dpi="0" rotWithShape="1">
+          <a:blip r:embed="rId2">
+            <a:lum/>
+          </a:blip>
+          <a:srcRect/>
+          <a:stretch>
+            <a:fillRect/>
+          </a:stretch>
+        </a:blipFill>
+        <a:effectLst/>
+      </p:bgPr>
+    </p:bg>
+    <p:spTree>
+      <p:nvGrpSpPr>
+        <p:cNvPr id="1" name=""/>
+        <p:cNvGrpSpPr/>
+        <p:nvPr/>
+      </p:nvGrpSpPr>
+      <p:grpSpPr>
+        <a:xfrm>
+          <a:off x="0" y="0"/>
+          <a:ext cx="0" cy="0"/>
+          <a:chOff x="0" y="0"/>
+          <a:chExt cx="0" cy="0"/>
+        </a:xfrm>
+      </p:grpSpPr>
+      <p:sp>
+        <p:nvSpPr>
+          <p:cNvPr id="4" name="Segnaposto piè di pagina 3">
+            <a:extLst>
+              <a:ext uri="{FF2B5EF4-FFF2-40B4-BE49-F238E27FC236}">
+                <a16:creationId xmlns:a16="http://schemas.microsoft.com/office/drawing/2014/main" id="{4E362125-2F83-4266-AB8C-336E9ADDBB86}"/>
+              </a:ext>
+            </a:extLst>
+          </p:cNvPr>
+          <p:cNvSpPr>
+            <a:spLocks noGrp="1"/>
+          </p:cNvSpPr>
+          <p:nvPr>
+            <p:ph type="ftr" sz="quarter" idx="11"/>
+          </p:nvPr>
+        </p:nvSpPr>
+        <p:spPr>
+          <a:xfrm>
+            <a:off x="-231742" y="6492875"/>
+            <a:ext cx="4114800" cy="365125"/>
+          </a:xfrm>
+        </p:spPr>
+        <p:txBody>
+          <a:bodyPr/>
+          <a:lstStyle/>
+          <a:p>
+            <a:endParaRPr lang="en-US" i="1" dirty="0">
+              <a:solidFill>
+                <a:schemeClr val="bg1"/>
+              </a:solidFill>
+            </a:endParaRPr>
+          </a:p>
+        </p:txBody>
+      </p:sp>
+      <p:sp>
+        <p:nvSpPr>
+          <p:cNvPr id="11" name="Rettangolo 10">
+            <a:extLst>
+              <a:ext uri="{FF2B5EF4-FFF2-40B4-BE49-F238E27FC236}">
+                <a16:creationId xmlns:a16="http://schemas.microsoft.com/office/drawing/2014/main" id="{DE43AB90-63F1-413E-8732-29F127F1CF7E}"/>
+              </a:ext>
+            </a:extLst>
+          </p:cNvPr>
+          <p:cNvSpPr/>
+          <p:nvPr/>
+        </p:nvSpPr>
+        <p:spPr>
+          <a:xfrm>
+            <a:off x="337221" y="428665"/>
             <a:ext cx="2204258" cy="707886"/>
           </a:xfrm>
           <a:prstGeom prst="rect">
@@ -3388,13 +4647,7 @@
           <p:cNvGraphicFramePr>
             <a:graphicFrameLocks noGrp="1"/>
           </p:cNvGraphicFramePr>
-          <p:nvPr>
-            <p:extLst>
-              <p:ext uri="{D42A27DB-BD31-4B8C-83A1-F6EECF244321}">
-                <p14:modId xmlns:p14="http://schemas.microsoft.com/office/powerpoint/2010/main" val="1928038294"/>
-              </p:ext>
-            </p:extLst>
-          </p:nvPr>
+          <p:nvPr/>
         </p:nvGraphicFramePr>
         <p:xfrm>
           <a:off x="453953" y="2316480"/>
@@ -3820,7 +5073,7 @@
           <a:p>
             <a:fld id="{4854181D-6920-4594-9A5D-6CE56DC9F8B2}" type="slidenum">
               <a:rPr lang="en-US" smtClean="0"/>
-              <a:t>13</a:t>
+              <a:t>15</a:t>
             </a:fld>
             <a:endParaRPr lang="en-US"/>
           </a:p>
@@ -3829,7 +5082,7 @@
     </p:spTree>
     <p:extLst>
       <p:ext uri="{BB962C8B-B14F-4D97-AF65-F5344CB8AC3E}">
-        <p14:creationId xmlns:p14="http://schemas.microsoft.com/office/powerpoint/2010/main" val="414146306"/>
+        <p14:creationId xmlns:p14="http://schemas.microsoft.com/office/powerpoint/2010/main" val="1636678499"/>
       </p:ext>
     </p:extLst>
   </p:cSld>
@@ -3839,7 +5092,7 @@
 </p:sld>
 </file>
 
-<file path=ppt/slides/slide14.xml><?xml version="1.0" encoding="utf-8"?>
+<file path=ppt/slides/slide16.xml><?xml version="1.0" encoding="utf-8"?>
 <p:sld xmlns:a="http://schemas.openxmlformats.org/drawingml/2006/main" xmlns:r="http://schemas.openxmlformats.org/officeDocument/2006/relationships" xmlns:p="http://schemas.openxmlformats.org/presentationml/2006/main" showMasterSp="0">
   <p:cSld>
     <p:bg>
@@ -4416,7 +5669,7 @@
           <a:p>
             <a:fld id="{4854181D-6920-4594-9A5D-6CE56DC9F8B2}" type="slidenum">
               <a:rPr lang="en-US" smtClean="0"/>
-              <a:t>14</a:t>
+              <a:t>16</a:t>
             </a:fld>
             <a:endParaRPr lang="en-US"/>
           </a:p>
@@ -4435,7 +5688,7 @@
 </p:sld>
 </file>
 
-<file path=ppt/slides/slide15.xml><?xml version="1.0" encoding="utf-8"?>
+<file path=ppt/slides/slide17.xml><?xml version="1.0" encoding="utf-8"?>
 <p:sld xmlns:a="http://schemas.openxmlformats.org/drawingml/2006/main" xmlns:r="http://schemas.openxmlformats.org/officeDocument/2006/relationships" xmlns:p="http://schemas.openxmlformats.org/presentationml/2006/main" showMasterSp="0">
   <p:cSld>
     <p:bg>
@@ -5017,7 +6270,7 @@
           <a:p>
             <a:fld id="{4854181D-6920-4594-9A5D-6CE56DC9F8B2}" type="slidenum">
               <a:rPr lang="en-US" smtClean="0"/>
-              <a:t>15</a:t>
+              <a:t>17</a:t>
             </a:fld>
             <a:endParaRPr lang="en-US"/>
           </a:p>
@@ -5036,7 +6289,7 @@
 </p:sld>
 </file>
 
-<file path=ppt/slides/slide16.xml><?xml version="1.0" encoding="utf-8"?>
+<file path=ppt/slides/slide18.xml><?xml version="1.0" encoding="utf-8"?>
 <p:sld xmlns:a="http://schemas.openxmlformats.org/drawingml/2006/main" xmlns:r="http://schemas.openxmlformats.org/officeDocument/2006/relationships" xmlns:p="http://schemas.openxmlformats.org/presentationml/2006/main" showMasterSp="0">
   <p:cSld>
     <p:bg>
@@ -5548,7 +6801,7 @@
           <a:p>
             <a:fld id="{4854181D-6920-4594-9A5D-6CE56DC9F8B2}" type="slidenum">
               <a:rPr lang="en-US" smtClean="0"/>
-              <a:t>16</a:t>
+              <a:t>18</a:t>
             </a:fld>
             <a:endParaRPr lang="en-US"/>
           </a:p>
@@ -5567,7 +6820,7 @@
 </p:sld>
 </file>
 
-<file path=ppt/slides/slide17.xml><?xml version="1.0" encoding="utf-8"?>
+<file path=ppt/slides/slide19.xml><?xml version="1.0" encoding="utf-8"?>
 <p:sld xmlns:a="http://schemas.openxmlformats.org/drawingml/2006/main" xmlns:r="http://schemas.openxmlformats.org/officeDocument/2006/relationships" xmlns:p="http://schemas.openxmlformats.org/presentationml/2006/main" showMasterSp="0">
   <p:cSld>
     <p:bg>
@@ -6063,7 +7316,7 @@
           <a:p>
             <a:fld id="{4854181D-6920-4594-9A5D-6CE56DC9F8B2}" type="slidenum">
               <a:rPr lang="en-US" smtClean="0"/>
-              <a:t>17</a:t>
+              <a:t>19</a:t>
             </a:fld>
             <a:endParaRPr lang="en-US"/>
           </a:p>
@@ -6082,7 +7335,396 @@
 </p:sld>
 </file>
 
-<file path=ppt/slides/slide18.xml><?xml version="1.0" encoding="utf-8"?>
+<file path=ppt/slides/slide2.xml><?xml version="1.0" encoding="utf-8"?>
+<p:sld xmlns:a="http://schemas.openxmlformats.org/drawingml/2006/main" xmlns:r="http://schemas.openxmlformats.org/officeDocument/2006/relationships" xmlns:p="http://schemas.openxmlformats.org/presentationml/2006/main" showMasterSp="0">
+  <p:cSld>
+    <p:bg>
+      <p:bgPr>
+        <a:blipFill dpi="0" rotWithShape="1">
+          <a:blip r:embed="rId2">
+            <a:lum/>
+          </a:blip>
+          <a:srcRect/>
+          <a:stretch>
+            <a:fillRect/>
+          </a:stretch>
+        </a:blipFill>
+        <a:effectLst/>
+      </p:bgPr>
+    </p:bg>
+    <p:spTree>
+      <p:nvGrpSpPr>
+        <p:cNvPr id="1" name=""/>
+        <p:cNvGrpSpPr/>
+        <p:nvPr/>
+      </p:nvGrpSpPr>
+      <p:grpSpPr>
+        <a:xfrm>
+          <a:off x="0" y="0"/>
+          <a:ext cx="0" cy="0"/>
+          <a:chOff x="0" y="0"/>
+          <a:chExt cx="0" cy="0"/>
+        </a:xfrm>
+      </p:grpSpPr>
+      <p:sp>
+        <p:nvSpPr>
+          <p:cNvPr id="6" name="CasellaDiTesto 5">
+            <a:extLst>
+              <a:ext uri="{FF2B5EF4-FFF2-40B4-BE49-F238E27FC236}">
+                <a16:creationId xmlns:a16="http://schemas.microsoft.com/office/drawing/2014/main" id="{58B43D4A-9B9F-46E7-A1FA-56BB4438E194}"/>
+              </a:ext>
+            </a:extLst>
+          </p:cNvPr>
+          <p:cNvSpPr txBox="1"/>
+          <p:nvPr/>
+        </p:nvSpPr>
+        <p:spPr>
+          <a:xfrm>
+            <a:off x="287000" y="631856"/>
+            <a:ext cx="11407806" cy="2308324"/>
+          </a:xfrm>
+          <a:prstGeom prst="rect">
+            <a:avLst/>
+          </a:prstGeom>
+          <a:noFill/>
+        </p:spPr>
+        <p:txBody>
+          <a:bodyPr wrap="square" rtlCol="0">
+            <a:spAutoFit/>
+          </a:bodyPr>
+          <a:lstStyle/>
+          <a:p>
+            <a:pPr marL="285750" indent="-285750">
+              <a:buFont typeface="Arial" panose="020B0604020202020204" pitchFamily="34" charset="0"/>
+              <a:buChar char="•"/>
+            </a:pPr>
+            <a:r>
+              <a:rPr lang="it-IT" sz="4000" u="sng" dirty="0">
+                <a:solidFill>
+                  <a:schemeClr val="bg1"/>
+                </a:solidFill>
+              </a:rPr>
+              <a:t>Modello del veicolo</a:t>
+            </a:r>
+          </a:p>
+          <a:p>
+            <a:pPr marL="285750" indent="-285750">
+              <a:buFont typeface="Arial" panose="020B0604020202020204" pitchFamily="34" charset="0"/>
+              <a:buChar char="•"/>
+            </a:pPr>
+            <a:endParaRPr lang="it-IT" sz="4000" u="sng" dirty="0">
+              <a:solidFill>
+                <a:schemeClr val="bg1"/>
+              </a:solidFill>
+            </a:endParaRPr>
+          </a:p>
+          <a:p>
+            <a:endParaRPr lang="it-IT" sz="4000" u="sng" dirty="0">
+              <a:solidFill>
+                <a:schemeClr val="bg1"/>
+              </a:solidFill>
+            </a:endParaRPr>
+          </a:p>
+          <a:p>
+            <a:endParaRPr lang="it-IT" sz="2400" u="sng" dirty="0">
+              <a:solidFill>
+                <a:schemeClr val="bg1"/>
+              </a:solidFill>
+            </a:endParaRPr>
+          </a:p>
+        </p:txBody>
+      </p:sp>
+      <p:sp>
+        <p:nvSpPr>
+          <p:cNvPr id="7" name="CasellaDiTesto 6">
+            <a:extLst>
+              <a:ext uri="{FF2B5EF4-FFF2-40B4-BE49-F238E27FC236}">
+                <a16:creationId xmlns:a16="http://schemas.microsoft.com/office/drawing/2014/main" id="{E5D5F86F-0B83-4229-95AB-44E269B753B9}"/>
+              </a:ext>
+            </a:extLst>
+          </p:cNvPr>
+          <p:cNvSpPr txBox="1"/>
+          <p:nvPr/>
+        </p:nvSpPr>
+        <p:spPr>
+          <a:xfrm>
+            <a:off x="497194" y="1604958"/>
+            <a:ext cx="6178858" cy="4154984"/>
+          </a:xfrm>
+          <a:prstGeom prst="rect">
+            <a:avLst/>
+          </a:prstGeom>
+          <a:noFill/>
+        </p:spPr>
+        <p:txBody>
+          <a:bodyPr wrap="square" rtlCol="0">
+            <a:spAutoFit/>
+          </a:bodyPr>
+          <a:lstStyle/>
+          <a:p>
+            <a:pPr marL="285750" indent="-285750">
+              <a:buFont typeface="Arial" panose="020B0604020202020204" pitchFamily="34" charset="0"/>
+              <a:buChar char="•"/>
+            </a:pPr>
+            <a:r>
+              <a:rPr lang="it-IT" sz="2400" dirty="0">
+                <a:solidFill>
+                  <a:schemeClr val="bg1"/>
+                </a:solidFill>
+              </a:rPr>
+              <a:t>Segnali</a:t>
+            </a:r>
+          </a:p>
+          <a:p>
+            <a:endParaRPr lang="it-IT" sz="2400" dirty="0">
+              <a:solidFill>
+                <a:schemeClr val="bg1"/>
+              </a:solidFill>
+            </a:endParaRPr>
+          </a:p>
+          <a:p>
+            <a:pPr marL="285750" indent="-285750">
+              <a:buFont typeface="Arial" panose="020B0604020202020204" pitchFamily="34" charset="0"/>
+              <a:buChar char="•"/>
+            </a:pPr>
+            <a:r>
+              <a:rPr lang="it-IT" sz="2400" dirty="0">
+                <a:solidFill>
+                  <a:schemeClr val="bg1"/>
+                </a:solidFill>
+              </a:rPr>
+              <a:t>Forma e scelte progettuali</a:t>
+            </a:r>
+          </a:p>
+          <a:p>
+            <a:pPr marL="285750" indent="-285750">
+              <a:buFont typeface="Arial" panose="020B0604020202020204" pitchFamily="34" charset="0"/>
+              <a:buChar char="•"/>
+            </a:pPr>
+            <a:endParaRPr lang="it-IT" sz="2400" dirty="0">
+              <a:solidFill>
+                <a:schemeClr val="bg1"/>
+              </a:solidFill>
+            </a:endParaRPr>
+          </a:p>
+          <a:p>
+            <a:pPr marL="285750" indent="-285750">
+              <a:buFont typeface="Arial" panose="020B0604020202020204" pitchFamily="34" charset="0"/>
+              <a:buChar char="•"/>
+            </a:pPr>
+            <a:r>
+              <a:rPr lang="it-IT" sz="2400" dirty="0">
+                <a:solidFill>
+                  <a:schemeClr val="bg1"/>
+                </a:solidFill>
+              </a:rPr>
+              <a:t>Modellazione dei </a:t>
+            </a:r>
+            <a:r>
+              <a:rPr lang="it-IT" sz="2400" dirty="0" err="1">
+                <a:solidFill>
+                  <a:schemeClr val="bg1"/>
+                </a:solidFill>
+              </a:rPr>
+              <a:t>thrusters</a:t>
+            </a:r>
+            <a:endParaRPr lang="it-IT" sz="2400" dirty="0">
+              <a:solidFill>
+                <a:schemeClr val="bg1"/>
+              </a:solidFill>
+            </a:endParaRPr>
+          </a:p>
+          <a:p>
+            <a:pPr marL="285750" indent="-285750">
+              <a:buFont typeface="Arial" panose="020B0604020202020204" pitchFamily="34" charset="0"/>
+              <a:buChar char="•"/>
+            </a:pPr>
+            <a:endParaRPr lang="it-IT" sz="2400" dirty="0">
+              <a:solidFill>
+                <a:schemeClr val="bg1"/>
+              </a:solidFill>
+            </a:endParaRPr>
+          </a:p>
+          <a:p>
+            <a:pPr marL="285750" indent="-285750">
+              <a:buFont typeface="Arial" panose="020B0604020202020204" pitchFamily="34" charset="0"/>
+              <a:buChar char="•"/>
+            </a:pPr>
+            <a:r>
+              <a:rPr lang="it-IT" sz="2400" dirty="0">
+                <a:solidFill>
+                  <a:schemeClr val="bg1"/>
+                </a:solidFill>
+              </a:rPr>
+              <a:t>Modello cinematico </a:t>
+            </a:r>
+          </a:p>
+          <a:p>
+            <a:pPr marL="285750" indent="-285750">
+              <a:buFont typeface="Arial" panose="020B0604020202020204" pitchFamily="34" charset="0"/>
+              <a:buChar char="•"/>
+            </a:pPr>
+            <a:endParaRPr lang="it-IT" sz="2400" dirty="0">
+              <a:solidFill>
+                <a:schemeClr val="bg1"/>
+              </a:solidFill>
+            </a:endParaRPr>
+          </a:p>
+          <a:p>
+            <a:pPr marL="285750" indent="-285750">
+              <a:buFont typeface="Arial" panose="020B0604020202020204" pitchFamily="34" charset="0"/>
+              <a:buChar char="•"/>
+            </a:pPr>
+            <a:r>
+              <a:rPr lang="it-IT" sz="2400" dirty="0">
+                <a:solidFill>
+                  <a:schemeClr val="bg1"/>
+                </a:solidFill>
+              </a:rPr>
+              <a:t>Modello dinamico</a:t>
+            </a:r>
+          </a:p>
+          <a:p>
+            <a:pPr marL="285750" indent="-285750">
+              <a:buFont typeface="Arial" panose="020B0604020202020204" pitchFamily="34" charset="0"/>
+              <a:buChar char="•"/>
+            </a:pPr>
+            <a:endParaRPr lang="it-IT" sz="2400" dirty="0">
+              <a:solidFill>
+                <a:schemeClr val="bg1"/>
+              </a:solidFill>
+            </a:endParaRPr>
+          </a:p>
+          <a:p>
+            <a:endParaRPr lang="it-IT" sz="2400" dirty="0"/>
+          </a:p>
+        </p:txBody>
+      </p:sp>
+      <p:sp>
+        <p:nvSpPr>
+          <p:cNvPr id="8" name="CasellaDiTesto 7">
+            <a:extLst>
+              <a:ext uri="{FF2B5EF4-FFF2-40B4-BE49-F238E27FC236}">
+                <a16:creationId xmlns:a16="http://schemas.microsoft.com/office/drawing/2014/main" id="{A6725EAA-2C87-4E20-9E81-094E47FF29DC}"/>
+              </a:ext>
+            </a:extLst>
+          </p:cNvPr>
+          <p:cNvSpPr txBox="1"/>
+          <p:nvPr/>
+        </p:nvSpPr>
+        <p:spPr>
+          <a:xfrm>
+            <a:off x="305853" y="5225062"/>
+            <a:ext cx="5123986" cy="1938992"/>
+          </a:xfrm>
+          <a:prstGeom prst="rect">
+            <a:avLst/>
+          </a:prstGeom>
+          <a:noFill/>
+        </p:spPr>
+        <p:txBody>
+          <a:bodyPr wrap="square" rtlCol="0">
+            <a:spAutoFit/>
+          </a:bodyPr>
+          <a:lstStyle/>
+          <a:p>
+            <a:pPr marL="285750" indent="-285750">
+              <a:buFont typeface="Arial" panose="020B0604020202020204" pitchFamily="34" charset="0"/>
+              <a:buChar char="•"/>
+            </a:pPr>
+            <a:r>
+              <a:rPr lang="it-IT" sz="4000" u="sng" dirty="0">
+                <a:solidFill>
+                  <a:schemeClr val="bg1"/>
+                </a:solidFill>
+              </a:rPr>
+              <a:t>Risultati</a:t>
+            </a:r>
+          </a:p>
+          <a:p>
+            <a:endParaRPr lang="it-IT" sz="4000" u="sng" dirty="0">
+              <a:solidFill>
+                <a:schemeClr val="bg1"/>
+              </a:solidFill>
+            </a:endParaRPr>
+          </a:p>
+          <a:p>
+            <a:endParaRPr lang="it-IT" sz="4000" u="sng" dirty="0">
+              <a:solidFill>
+                <a:schemeClr val="bg1"/>
+              </a:solidFill>
+            </a:endParaRPr>
+          </a:p>
+        </p:txBody>
+      </p:sp>
+      <p:sp>
+        <p:nvSpPr>
+          <p:cNvPr id="11" name="Segnaposto piè di pagina 10">
+            <a:extLst>
+              <a:ext uri="{FF2B5EF4-FFF2-40B4-BE49-F238E27FC236}">
+                <a16:creationId xmlns:a16="http://schemas.microsoft.com/office/drawing/2014/main" id="{3FD763FD-E869-4130-980F-C0AF91880DF7}"/>
+              </a:ext>
+            </a:extLst>
+          </p:cNvPr>
+          <p:cNvSpPr>
+            <a:spLocks noGrp="1"/>
+          </p:cNvSpPr>
+          <p:nvPr>
+            <p:ph type="ftr" sz="quarter" idx="11"/>
+          </p:nvPr>
+        </p:nvSpPr>
+        <p:spPr/>
+        <p:txBody>
+          <a:bodyPr/>
+          <a:lstStyle/>
+          <a:p>
+            <a:endParaRPr lang="en-US"/>
+          </a:p>
+        </p:txBody>
+      </p:sp>
+      <p:sp>
+        <p:nvSpPr>
+          <p:cNvPr id="2" name="Segnaposto numero diapositiva 1">
+            <a:extLst>
+              <a:ext uri="{FF2B5EF4-FFF2-40B4-BE49-F238E27FC236}">
+                <a16:creationId xmlns:a16="http://schemas.microsoft.com/office/drawing/2014/main" id="{ACB3AA30-5386-4CBD-944F-F8E886027A4D}"/>
+              </a:ext>
+            </a:extLst>
+          </p:cNvPr>
+          <p:cNvSpPr>
+            <a:spLocks noGrp="1"/>
+          </p:cNvSpPr>
+          <p:nvPr>
+            <p:ph type="sldNum" sz="quarter" idx="12"/>
+          </p:nvPr>
+        </p:nvSpPr>
+        <p:spPr/>
+        <p:txBody>
+          <a:bodyPr/>
+          <a:lstStyle/>
+          <a:p>
+            <a:fld id="{4854181D-6920-4594-9A5D-6CE56DC9F8B2}" type="slidenum">
+              <a:rPr lang="en-US" smtClean="0"/>
+              <a:t>2</a:t>
+            </a:fld>
+            <a:endParaRPr lang="en-US"/>
+          </a:p>
+        </p:txBody>
+      </p:sp>
+    </p:spTree>
+    <p:extLst>
+      <p:ext uri="{BB962C8B-B14F-4D97-AF65-F5344CB8AC3E}">
+        <p14:creationId xmlns:p14="http://schemas.microsoft.com/office/powerpoint/2010/main" val="2613357646"/>
+      </p:ext>
+    </p:extLst>
+  </p:cSld>
+  <p:clrMapOvr>
+    <a:masterClrMapping/>
+  </p:clrMapOvr>
+</p:sld>
+</file>
+
+<file path=ppt/slides/slide20.xml><?xml version="1.0" encoding="utf-8"?>
 <p:sld xmlns:a="http://schemas.openxmlformats.org/drawingml/2006/main" xmlns:r="http://schemas.openxmlformats.org/officeDocument/2006/relationships" xmlns:p="http://schemas.openxmlformats.org/presentationml/2006/main" showMasterSp="0">
   <p:cSld>
     <p:bg>
@@ -6235,7 +7877,7 @@
           <p:nvPr>
             <p:extLst>
               <p:ext uri="{D42A27DB-BD31-4B8C-83A1-F6EECF244321}">
-                <p14:modId xmlns:p14="http://schemas.microsoft.com/office/powerpoint/2010/main" val="982663259"/>
+                <p14:modId xmlns:p14="http://schemas.microsoft.com/office/powerpoint/2010/main" val="8619383"/>
               </p:ext>
             </p:extLst>
           </p:nvPr>
@@ -6405,7 +8047,7 @@
                             <a:schemeClr val="bg1"/>
                           </a:solidFill>
                         </a:rPr>
-                        <a:t>10</a:t>
+                        <a:t>0</a:t>
                       </a:r>
                     </a:p>
                   </a:txBody>
@@ -6642,7 +8284,7 @@
           <a:p>
             <a:fld id="{4854181D-6920-4594-9A5D-6CE56DC9F8B2}" type="slidenum">
               <a:rPr lang="en-US" smtClean="0"/>
-              <a:t>18</a:t>
+              <a:t>20</a:t>
             </a:fld>
             <a:endParaRPr lang="en-US"/>
           </a:p>
@@ -6661,7 +8303,7 @@
 </p:sld>
 </file>
 
-<file path=ppt/slides/slide19.xml><?xml version="1.0" encoding="utf-8"?>
+<file path=ppt/slides/slide21.xml><?xml version="1.0" encoding="utf-8"?>
 <p:sld xmlns:a="http://schemas.openxmlformats.org/drawingml/2006/main" xmlns:r="http://schemas.openxmlformats.org/officeDocument/2006/relationships" xmlns:p="http://schemas.openxmlformats.org/presentationml/2006/main" showMasterSp="0">
   <p:cSld>
     <p:bg>
@@ -6864,7 +8506,7 @@
           <a:p>
             <a:fld id="{4854181D-6920-4594-9A5D-6CE56DC9F8B2}" type="slidenum">
               <a:rPr lang="en-US" smtClean="0"/>
-              <a:t>19</a:t>
+              <a:t>21</a:t>
             </a:fld>
             <a:endParaRPr lang="en-US"/>
           </a:p>
@@ -6883,396 +8525,7 @@
 </p:sld>
 </file>
 
-<file path=ppt/slides/slide2.xml><?xml version="1.0" encoding="utf-8"?>
-<p:sld xmlns:a="http://schemas.openxmlformats.org/drawingml/2006/main" xmlns:r="http://schemas.openxmlformats.org/officeDocument/2006/relationships" xmlns:p="http://schemas.openxmlformats.org/presentationml/2006/main" showMasterSp="0">
-  <p:cSld>
-    <p:bg>
-      <p:bgPr>
-        <a:blipFill dpi="0" rotWithShape="1">
-          <a:blip r:embed="rId2">
-            <a:lum/>
-          </a:blip>
-          <a:srcRect/>
-          <a:stretch>
-            <a:fillRect/>
-          </a:stretch>
-        </a:blipFill>
-        <a:effectLst/>
-      </p:bgPr>
-    </p:bg>
-    <p:spTree>
-      <p:nvGrpSpPr>
-        <p:cNvPr id="1" name=""/>
-        <p:cNvGrpSpPr/>
-        <p:nvPr/>
-      </p:nvGrpSpPr>
-      <p:grpSpPr>
-        <a:xfrm>
-          <a:off x="0" y="0"/>
-          <a:ext cx="0" cy="0"/>
-          <a:chOff x="0" y="0"/>
-          <a:chExt cx="0" cy="0"/>
-        </a:xfrm>
-      </p:grpSpPr>
-      <p:sp>
-        <p:nvSpPr>
-          <p:cNvPr id="6" name="CasellaDiTesto 5">
-            <a:extLst>
-              <a:ext uri="{FF2B5EF4-FFF2-40B4-BE49-F238E27FC236}">
-                <a16:creationId xmlns:a16="http://schemas.microsoft.com/office/drawing/2014/main" id="{58B43D4A-9B9F-46E7-A1FA-56BB4438E194}"/>
-              </a:ext>
-            </a:extLst>
-          </p:cNvPr>
-          <p:cNvSpPr txBox="1"/>
-          <p:nvPr/>
-        </p:nvSpPr>
-        <p:spPr>
-          <a:xfrm>
-            <a:off x="287000" y="631856"/>
-            <a:ext cx="11407806" cy="2308324"/>
-          </a:xfrm>
-          <a:prstGeom prst="rect">
-            <a:avLst/>
-          </a:prstGeom>
-          <a:noFill/>
-        </p:spPr>
-        <p:txBody>
-          <a:bodyPr wrap="square" rtlCol="0">
-            <a:spAutoFit/>
-          </a:bodyPr>
-          <a:lstStyle/>
-          <a:p>
-            <a:pPr marL="285750" indent="-285750">
-              <a:buFont typeface="Arial" panose="020B0604020202020204" pitchFamily="34" charset="0"/>
-              <a:buChar char="•"/>
-            </a:pPr>
-            <a:r>
-              <a:rPr lang="it-IT" sz="4000" u="sng" dirty="0">
-                <a:solidFill>
-                  <a:schemeClr val="bg1"/>
-                </a:solidFill>
-              </a:rPr>
-              <a:t>Modello del veicolo</a:t>
-            </a:r>
-          </a:p>
-          <a:p>
-            <a:pPr marL="285750" indent="-285750">
-              <a:buFont typeface="Arial" panose="020B0604020202020204" pitchFamily="34" charset="0"/>
-              <a:buChar char="•"/>
-            </a:pPr>
-            <a:endParaRPr lang="it-IT" sz="4000" u="sng" dirty="0">
-              <a:solidFill>
-                <a:schemeClr val="bg1"/>
-              </a:solidFill>
-            </a:endParaRPr>
-          </a:p>
-          <a:p>
-            <a:endParaRPr lang="it-IT" sz="4000" u="sng" dirty="0">
-              <a:solidFill>
-                <a:schemeClr val="bg1"/>
-              </a:solidFill>
-            </a:endParaRPr>
-          </a:p>
-          <a:p>
-            <a:endParaRPr lang="it-IT" sz="2400" u="sng" dirty="0">
-              <a:solidFill>
-                <a:schemeClr val="bg1"/>
-              </a:solidFill>
-            </a:endParaRPr>
-          </a:p>
-        </p:txBody>
-      </p:sp>
-      <p:sp>
-        <p:nvSpPr>
-          <p:cNvPr id="7" name="CasellaDiTesto 6">
-            <a:extLst>
-              <a:ext uri="{FF2B5EF4-FFF2-40B4-BE49-F238E27FC236}">
-                <a16:creationId xmlns:a16="http://schemas.microsoft.com/office/drawing/2014/main" id="{E5D5F86F-0B83-4229-95AB-44E269B753B9}"/>
-              </a:ext>
-            </a:extLst>
-          </p:cNvPr>
-          <p:cNvSpPr txBox="1"/>
-          <p:nvPr/>
-        </p:nvSpPr>
-        <p:spPr>
-          <a:xfrm>
-            <a:off x="497194" y="1604958"/>
-            <a:ext cx="6178858" cy="4154984"/>
-          </a:xfrm>
-          <a:prstGeom prst="rect">
-            <a:avLst/>
-          </a:prstGeom>
-          <a:noFill/>
-        </p:spPr>
-        <p:txBody>
-          <a:bodyPr wrap="square" rtlCol="0">
-            <a:spAutoFit/>
-          </a:bodyPr>
-          <a:lstStyle/>
-          <a:p>
-            <a:pPr marL="285750" indent="-285750">
-              <a:buFont typeface="Arial" panose="020B0604020202020204" pitchFamily="34" charset="0"/>
-              <a:buChar char="•"/>
-            </a:pPr>
-            <a:r>
-              <a:rPr lang="it-IT" sz="2400" dirty="0">
-                <a:solidFill>
-                  <a:schemeClr val="bg1"/>
-                </a:solidFill>
-              </a:rPr>
-              <a:t>Segnali</a:t>
-            </a:r>
-          </a:p>
-          <a:p>
-            <a:endParaRPr lang="it-IT" sz="2400" dirty="0">
-              <a:solidFill>
-                <a:schemeClr val="bg1"/>
-              </a:solidFill>
-            </a:endParaRPr>
-          </a:p>
-          <a:p>
-            <a:pPr marL="285750" indent="-285750">
-              <a:buFont typeface="Arial" panose="020B0604020202020204" pitchFamily="34" charset="0"/>
-              <a:buChar char="•"/>
-            </a:pPr>
-            <a:r>
-              <a:rPr lang="it-IT" sz="2400" dirty="0">
-                <a:solidFill>
-                  <a:schemeClr val="bg1"/>
-                </a:solidFill>
-              </a:rPr>
-              <a:t>Forma e scelte progettuali</a:t>
-            </a:r>
-          </a:p>
-          <a:p>
-            <a:pPr marL="285750" indent="-285750">
-              <a:buFont typeface="Arial" panose="020B0604020202020204" pitchFamily="34" charset="0"/>
-              <a:buChar char="•"/>
-            </a:pPr>
-            <a:endParaRPr lang="it-IT" sz="2400" dirty="0">
-              <a:solidFill>
-                <a:schemeClr val="bg1"/>
-              </a:solidFill>
-            </a:endParaRPr>
-          </a:p>
-          <a:p>
-            <a:pPr marL="285750" indent="-285750">
-              <a:buFont typeface="Arial" panose="020B0604020202020204" pitchFamily="34" charset="0"/>
-              <a:buChar char="•"/>
-            </a:pPr>
-            <a:r>
-              <a:rPr lang="it-IT" sz="2400" dirty="0">
-                <a:solidFill>
-                  <a:schemeClr val="bg1"/>
-                </a:solidFill>
-              </a:rPr>
-              <a:t>Modellazione dei </a:t>
-            </a:r>
-            <a:r>
-              <a:rPr lang="it-IT" sz="2400" dirty="0" err="1">
-                <a:solidFill>
-                  <a:schemeClr val="bg1"/>
-                </a:solidFill>
-              </a:rPr>
-              <a:t>thrusters</a:t>
-            </a:r>
-            <a:endParaRPr lang="it-IT" sz="2400" dirty="0">
-              <a:solidFill>
-                <a:schemeClr val="bg1"/>
-              </a:solidFill>
-            </a:endParaRPr>
-          </a:p>
-          <a:p>
-            <a:pPr marL="285750" indent="-285750">
-              <a:buFont typeface="Arial" panose="020B0604020202020204" pitchFamily="34" charset="0"/>
-              <a:buChar char="•"/>
-            </a:pPr>
-            <a:endParaRPr lang="it-IT" sz="2400" dirty="0">
-              <a:solidFill>
-                <a:schemeClr val="bg1"/>
-              </a:solidFill>
-            </a:endParaRPr>
-          </a:p>
-          <a:p>
-            <a:pPr marL="285750" indent="-285750">
-              <a:buFont typeface="Arial" panose="020B0604020202020204" pitchFamily="34" charset="0"/>
-              <a:buChar char="•"/>
-            </a:pPr>
-            <a:r>
-              <a:rPr lang="it-IT" sz="2400" dirty="0">
-                <a:solidFill>
-                  <a:schemeClr val="bg1"/>
-                </a:solidFill>
-              </a:rPr>
-              <a:t>Modello cinematico </a:t>
-            </a:r>
-          </a:p>
-          <a:p>
-            <a:pPr marL="285750" indent="-285750">
-              <a:buFont typeface="Arial" panose="020B0604020202020204" pitchFamily="34" charset="0"/>
-              <a:buChar char="•"/>
-            </a:pPr>
-            <a:endParaRPr lang="it-IT" sz="2400" dirty="0">
-              <a:solidFill>
-                <a:schemeClr val="bg1"/>
-              </a:solidFill>
-            </a:endParaRPr>
-          </a:p>
-          <a:p>
-            <a:pPr marL="285750" indent="-285750">
-              <a:buFont typeface="Arial" panose="020B0604020202020204" pitchFamily="34" charset="0"/>
-              <a:buChar char="•"/>
-            </a:pPr>
-            <a:r>
-              <a:rPr lang="it-IT" sz="2400" dirty="0">
-                <a:solidFill>
-                  <a:schemeClr val="bg1"/>
-                </a:solidFill>
-              </a:rPr>
-              <a:t>Modello dinamico</a:t>
-            </a:r>
-          </a:p>
-          <a:p>
-            <a:pPr marL="285750" indent="-285750">
-              <a:buFont typeface="Arial" panose="020B0604020202020204" pitchFamily="34" charset="0"/>
-              <a:buChar char="•"/>
-            </a:pPr>
-            <a:endParaRPr lang="it-IT" sz="2400" dirty="0">
-              <a:solidFill>
-                <a:schemeClr val="bg1"/>
-              </a:solidFill>
-            </a:endParaRPr>
-          </a:p>
-          <a:p>
-            <a:endParaRPr lang="it-IT" sz="2400" dirty="0"/>
-          </a:p>
-        </p:txBody>
-      </p:sp>
-      <p:sp>
-        <p:nvSpPr>
-          <p:cNvPr id="8" name="CasellaDiTesto 7">
-            <a:extLst>
-              <a:ext uri="{FF2B5EF4-FFF2-40B4-BE49-F238E27FC236}">
-                <a16:creationId xmlns:a16="http://schemas.microsoft.com/office/drawing/2014/main" id="{A6725EAA-2C87-4E20-9E81-094E47FF29DC}"/>
-              </a:ext>
-            </a:extLst>
-          </p:cNvPr>
-          <p:cNvSpPr txBox="1"/>
-          <p:nvPr/>
-        </p:nvSpPr>
-        <p:spPr>
-          <a:xfrm>
-            <a:off x="305853" y="5225062"/>
-            <a:ext cx="5123986" cy="1938992"/>
-          </a:xfrm>
-          <a:prstGeom prst="rect">
-            <a:avLst/>
-          </a:prstGeom>
-          <a:noFill/>
-        </p:spPr>
-        <p:txBody>
-          <a:bodyPr wrap="square" rtlCol="0">
-            <a:spAutoFit/>
-          </a:bodyPr>
-          <a:lstStyle/>
-          <a:p>
-            <a:pPr marL="285750" indent="-285750">
-              <a:buFont typeface="Arial" panose="020B0604020202020204" pitchFamily="34" charset="0"/>
-              <a:buChar char="•"/>
-            </a:pPr>
-            <a:r>
-              <a:rPr lang="it-IT" sz="4000" u="sng" dirty="0">
-                <a:solidFill>
-                  <a:schemeClr val="bg1"/>
-                </a:solidFill>
-              </a:rPr>
-              <a:t>Risultati</a:t>
-            </a:r>
-          </a:p>
-          <a:p>
-            <a:endParaRPr lang="it-IT" sz="4000" u="sng" dirty="0">
-              <a:solidFill>
-                <a:schemeClr val="bg1"/>
-              </a:solidFill>
-            </a:endParaRPr>
-          </a:p>
-          <a:p>
-            <a:endParaRPr lang="it-IT" sz="4000" u="sng" dirty="0">
-              <a:solidFill>
-                <a:schemeClr val="bg1"/>
-              </a:solidFill>
-            </a:endParaRPr>
-          </a:p>
-        </p:txBody>
-      </p:sp>
-      <p:sp>
-        <p:nvSpPr>
-          <p:cNvPr id="11" name="Segnaposto piè di pagina 10">
-            <a:extLst>
-              <a:ext uri="{FF2B5EF4-FFF2-40B4-BE49-F238E27FC236}">
-                <a16:creationId xmlns:a16="http://schemas.microsoft.com/office/drawing/2014/main" id="{3FD763FD-E869-4130-980F-C0AF91880DF7}"/>
-              </a:ext>
-            </a:extLst>
-          </p:cNvPr>
-          <p:cNvSpPr>
-            <a:spLocks noGrp="1"/>
-          </p:cNvSpPr>
-          <p:nvPr>
-            <p:ph type="ftr" sz="quarter" idx="11"/>
-          </p:nvPr>
-        </p:nvSpPr>
-        <p:spPr/>
-        <p:txBody>
-          <a:bodyPr/>
-          <a:lstStyle/>
-          <a:p>
-            <a:endParaRPr lang="en-US"/>
-          </a:p>
-        </p:txBody>
-      </p:sp>
-      <p:sp>
-        <p:nvSpPr>
-          <p:cNvPr id="2" name="Segnaposto numero diapositiva 1">
-            <a:extLst>
-              <a:ext uri="{FF2B5EF4-FFF2-40B4-BE49-F238E27FC236}">
-                <a16:creationId xmlns:a16="http://schemas.microsoft.com/office/drawing/2014/main" id="{ACB3AA30-5386-4CBD-944F-F8E886027A4D}"/>
-              </a:ext>
-            </a:extLst>
-          </p:cNvPr>
-          <p:cNvSpPr>
-            <a:spLocks noGrp="1"/>
-          </p:cNvSpPr>
-          <p:nvPr>
-            <p:ph type="sldNum" sz="quarter" idx="12"/>
-          </p:nvPr>
-        </p:nvSpPr>
-        <p:spPr/>
-        <p:txBody>
-          <a:bodyPr/>
-          <a:lstStyle/>
-          <a:p>
-            <a:fld id="{4854181D-6920-4594-9A5D-6CE56DC9F8B2}" type="slidenum">
-              <a:rPr lang="en-US" smtClean="0"/>
-              <a:t>2</a:t>
-            </a:fld>
-            <a:endParaRPr lang="en-US"/>
-          </a:p>
-        </p:txBody>
-      </p:sp>
-    </p:spTree>
-    <p:extLst>
-      <p:ext uri="{BB962C8B-B14F-4D97-AF65-F5344CB8AC3E}">
-        <p14:creationId xmlns:p14="http://schemas.microsoft.com/office/powerpoint/2010/main" val="2613357646"/>
-      </p:ext>
-    </p:extLst>
-  </p:cSld>
-  <p:clrMapOvr>
-    <a:masterClrMapping/>
-  </p:clrMapOvr>
-</p:sld>
-</file>
-
-<file path=ppt/slides/slide20.xml><?xml version="1.0" encoding="utf-8"?>
+<file path=ppt/slides/slide22.xml><?xml version="1.0" encoding="utf-8"?>
 <p:sld xmlns:a="http://schemas.openxmlformats.org/drawingml/2006/main" xmlns:r="http://schemas.openxmlformats.org/officeDocument/2006/relationships" xmlns:p="http://schemas.openxmlformats.org/presentationml/2006/main" showMasterSp="0">
   <p:cSld>
     <p:bg>
@@ -7392,7 +8645,7 @@
               <p:nvPr>
                 <p:extLst>
                   <p:ext uri="{D42A27DB-BD31-4B8C-83A1-F6EECF244321}">
-                    <p14:modId xmlns:p14="http://schemas.microsoft.com/office/powerpoint/2010/main" val="2778885806"/>
+                    <p14:modId xmlns:p14="http://schemas.microsoft.com/office/powerpoint/2010/main" val="696071051"/>
                   </p:ext>
                 </p:extLst>
               </p:nvPr>
@@ -7651,16 +8904,7 @@
                                               </a:solidFill>
                                               <a:latin typeface="Cambria Math" panose="02040503050406030204" pitchFamily="18" charset="0"/>
                                             </a:rPr>
-                                            <m:t>.</m:t>
-                                          </m:r>
-                                          <m:r>
-                                            <a:rPr lang="it-IT" b="0" i="1" smtClean="0">
-                                              <a:solidFill>
-                                                <a:schemeClr val="bg1"/>
-                                              </a:solidFill>
-                                              <a:latin typeface="Cambria Math" panose="02040503050406030204" pitchFamily="18" charset="0"/>
-                                            </a:rPr>
-                                            <m:t>1</m:t>
+                                            <m:t>.1</m:t>
                                           </m:r>
                                         </m:e>
                                       </m:mr>
@@ -7685,36 +8929,7 @@
                                                   </a:solidFill>
                                                   <a:latin typeface="Cambria Math" panose="02040503050406030204" pitchFamily="18" charset="0"/>
                                                 </a:rPr>
-                                                <m:t>0</m:t>
-                                              </m:r>
-                                              <m:r>
-                                                <a:rPr lang="it-IT" b="0" i="1" smtClean="0">
-                                                  <a:solidFill>
-                                                    <a:schemeClr val="bg1"/>
-                                                  </a:solidFill>
-                                                  <a:latin typeface="Cambria Math" panose="02040503050406030204" pitchFamily="18" charset="0"/>
-                                                </a:rPr>
-                                                <m:t>.</m:t>
-                                              </m:r>
-                                              <m:r>
-                                                <a:rPr lang="it-IT" b="0" i="1" smtClean="0">
-                                                  <a:solidFill>
-                                                    <a:schemeClr val="bg1"/>
-                                                  </a:solidFill>
-                                                  <a:latin typeface="Cambria Math" panose="02040503050406030204" pitchFamily="18" charset="0"/>
-                                                </a:rPr>
-                                                <m:t>05</m:t>
-                                              </m:r>
-                                            </m:e>
-                                            <m:e>
-                                              <m:r>
-                                                <a:rPr lang="it-IT" b="0" i="1" smtClean="0">
-                                                  <a:solidFill>
-                                                    <a:schemeClr val="bg1"/>
-                                                  </a:solidFill>
-                                                  <a:latin typeface="Cambria Math" panose="02040503050406030204" pitchFamily="18" charset="0"/>
-                                                </a:rPr>
-                                                <m:t>0</m:t>
+                                                <m:t>0.05</m:t>
                                               </m:r>
                                             </m:e>
                                             <m:e>
@@ -7808,7 +9023,7 @@
               <p:nvPr>
                 <p:extLst>
                   <p:ext uri="{D42A27DB-BD31-4B8C-83A1-F6EECF244321}">
-                    <p14:modId xmlns:p14="http://schemas.microsoft.com/office/powerpoint/2010/main" val="2778885806"/>
+                    <p14:modId xmlns:p14="http://schemas.microsoft.com/office/powerpoint/2010/main" val="696071051"/>
                   </p:ext>
                 </p:extLst>
               </p:nvPr>
@@ -8330,7 +9545,7 @@
           <a:p>
             <a:fld id="{4854181D-6920-4594-9A5D-6CE56DC9F8B2}" type="slidenum">
               <a:rPr lang="en-US" smtClean="0"/>
-              <a:t>20</a:t>
+              <a:t>22</a:t>
             </a:fld>
             <a:endParaRPr lang="en-US"/>
           </a:p>
@@ -8849,15 +10064,17 @@
                   <a:schemeClr val="bg1"/>
                 </a:solidFill>
               </a:rPr>
-              <a:t>Stabilità di forma =&gt; </a:t>
+              <a:t>Stabilità di forma </a:t>
             </a:r>
             <a:r>
-              <a:rPr lang="it-IT" sz="2000" dirty="0" err="1">
+              <a:rPr lang="it-IT" sz="2000" b="0" i="0" dirty="0">
                 <a:solidFill>
                   <a:schemeClr val="bg1"/>
                 </a:solidFill>
+                <a:effectLst/>
+                <a:latin typeface="Arial" panose="020B0604020202020204" pitchFamily="34" charset="0"/>
               </a:rPr>
-              <a:t>roll</a:t>
+              <a:t>→</a:t>
             </a:r>
             <a:r>
               <a:rPr lang="it-IT" sz="2000" dirty="0">
@@ -8865,7 +10082,7 @@
                   <a:schemeClr val="bg1"/>
                 </a:solidFill>
               </a:rPr>
-              <a:t> e pitch stabili staticamente</a:t>
+              <a:t> roll e pitch stabili staticamente</a:t>
             </a:r>
           </a:p>
           <a:p>
@@ -9920,8 +11137,137 @@
           </a:p>
         </p:txBody>
       </p:sp>
-      <mc:AlternateContent xmlns:mc="http://schemas.openxmlformats.org/markup-compatibility/2006" xmlns:a14="http://schemas.microsoft.com/office/drawing/2010/main">
-        <mc:Choice Requires="a14">
+    </p:spTree>
+    <p:extLst>
+      <p:ext uri="{BB962C8B-B14F-4D97-AF65-F5344CB8AC3E}">
+        <p14:creationId xmlns:p14="http://schemas.microsoft.com/office/powerpoint/2010/main" val="1861387652"/>
+      </p:ext>
+    </p:extLst>
+  </p:cSld>
+  <p:clrMapOvr>
+    <a:masterClrMapping/>
+  </p:clrMapOvr>
+</p:sld>
+</file>
+
+<file path=ppt/slides/slide7.xml><?xml version="1.0" encoding="utf-8"?>
+<p:sld xmlns:a="http://schemas.openxmlformats.org/drawingml/2006/main" xmlns:r="http://schemas.openxmlformats.org/officeDocument/2006/relationships" xmlns:p="http://schemas.openxmlformats.org/presentationml/2006/main" showMasterSp="0">
+  <p:cSld>
+    <p:bg>
+      <p:bgPr>
+        <a:blipFill dpi="0" rotWithShape="1">
+          <a:blip r:embed="rId2">
+            <a:lum/>
+          </a:blip>
+          <a:srcRect/>
+          <a:stretch>
+            <a:fillRect/>
+          </a:stretch>
+        </a:blipFill>
+        <a:effectLst/>
+      </p:bgPr>
+    </p:bg>
+    <p:spTree>
+      <p:nvGrpSpPr>
+        <p:cNvPr id="1" name=""/>
+        <p:cNvGrpSpPr/>
+        <p:nvPr/>
+      </p:nvGrpSpPr>
+      <p:grpSpPr>
+        <a:xfrm>
+          <a:off x="0" y="0"/>
+          <a:ext cx="0" cy="0"/>
+          <a:chOff x="0" y="0"/>
+          <a:chExt cx="0" cy="0"/>
+        </a:xfrm>
+      </p:grpSpPr>
+      <p:sp>
+        <p:nvSpPr>
+          <p:cNvPr id="4" name="Segnaposto piè di pagina 3">
+            <a:extLst>
+              <a:ext uri="{FF2B5EF4-FFF2-40B4-BE49-F238E27FC236}">
+                <a16:creationId xmlns:a16="http://schemas.microsoft.com/office/drawing/2014/main" id="{4E362125-2F83-4266-AB8C-336E9ADDBB86}"/>
+              </a:ext>
+            </a:extLst>
+          </p:cNvPr>
+          <p:cNvSpPr>
+            <a:spLocks noGrp="1"/>
+          </p:cNvSpPr>
+          <p:nvPr>
+            <p:ph type="ftr" sz="quarter" idx="11"/>
+          </p:nvPr>
+        </p:nvSpPr>
+        <p:spPr>
+          <a:xfrm>
+            <a:off x="-231742" y="6492875"/>
+            <a:ext cx="4114800" cy="365125"/>
+          </a:xfrm>
+        </p:spPr>
+        <p:txBody>
+          <a:bodyPr/>
+          <a:lstStyle/>
+          <a:p>
+            <a:endParaRPr lang="en-US" i="1" dirty="0">
+              <a:solidFill>
+                <a:schemeClr val="bg1"/>
+              </a:solidFill>
+            </a:endParaRPr>
+          </a:p>
+        </p:txBody>
+      </p:sp>
+      <p:sp>
+        <p:nvSpPr>
+          <p:cNvPr id="11" name="Rettangolo 10">
+            <a:extLst>
+              <a:ext uri="{FF2B5EF4-FFF2-40B4-BE49-F238E27FC236}">
+                <a16:creationId xmlns:a16="http://schemas.microsoft.com/office/drawing/2014/main" id="{DE43AB90-63F1-413E-8732-29F127F1CF7E}"/>
+              </a:ext>
+            </a:extLst>
+          </p:cNvPr>
+          <p:cNvSpPr/>
+          <p:nvPr/>
+        </p:nvSpPr>
+        <p:spPr>
+          <a:xfrm>
+            <a:off x="337221" y="428665"/>
+            <a:ext cx="5529078" cy="584775"/>
+          </a:xfrm>
+          <a:prstGeom prst="rect">
+            <a:avLst/>
+          </a:prstGeom>
+        </p:spPr>
+        <p:txBody>
+          <a:bodyPr wrap="none">
+            <a:spAutoFit/>
+          </a:bodyPr>
+          <a:lstStyle/>
+          <a:p>
+            <a:r>
+              <a:rPr lang="it-IT" sz="3200" b="1" dirty="0">
+                <a:solidFill>
+                  <a:schemeClr val="bg1"/>
+                </a:solidFill>
+              </a:rPr>
+              <a:t>Modellazione dei </a:t>
+            </a:r>
+            <a:r>
+              <a:rPr lang="it-IT" sz="3200" b="1" dirty="0" err="1">
+                <a:solidFill>
+                  <a:schemeClr val="bg1"/>
+                </a:solidFill>
+              </a:rPr>
+              <a:t>thrusters</a:t>
+            </a:r>
+            <a:endParaRPr lang="it-IT" sz="3200" b="1" dirty="0">
+              <a:solidFill>
+                <a:schemeClr val="bg1"/>
+              </a:solidFill>
+            </a:endParaRPr>
+          </a:p>
+        </p:txBody>
+      </p:sp>
+      <mc:AlternateContent xmlns:mc="http://schemas.openxmlformats.org/markup-compatibility/2006">
+        <mc:Choice xmlns:a14="http://schemas.microsoft.com/office/drawing/2010/main" Requires="a14">
           <p:sp>
             <p:nvSpPr>
               <p:cNvPr id="12" name="Rettangolo 11">
@@ -9936,7 +11282,7 @@
             </p:nvSpPr>
             <p:spPr>
               <a:xfrm>
-                <a:off x="7713182" y="3061866"/>
+                <a:off x="7958277" y="3061866"/>
                 <a:ext cx="1762285" cy="497700"/>
               </a:xfrm>
               <a:prstGeom prst="rect">
@@ -10100,7 +11446,7 @@
             </p:txBody>
           </p:sp>
         </mc:Choice>
-        <mc:Fallback xmlns="">
+        <mc:Fallback>
           <p:sp>
             <p:nvSpPr>
               <p:cNvPr id="12" name="Rettangolo 11">
@@ -10117,7 +11463,7 @@
             </p:nvSpPr>
             <p:spPr>
               <a:xfrm>
-                <a:off x="7713182" y="3061866"/>
+                <a:off x="7958277" y="3061866"/>
                 <a:ext cx="1762285" cy="497700"/>
               </a:xfrm>
               <a:prstGeom prst="rect">
@@ -10159,8 +11505,8 @@
         </p:nvSpPr>
         <p:spPr>
           <a:xfrm>
-            <a:off x="1027886" y="1358520"/>
-            <a:ext cx="2383276" cy="646331"/>
+            <a:off x="1027885" y="1358520"/>
+            <a:ext cx="3827186" cy="923330"/>
           </a:xfrm>
           <a:prstGeom prst="rect">
             <a:avLst/>
@@ -10179,7 +11525,17 @@
                   <a:schemeClr val="bg1"/>
                 </a:solidFill>
               </a:rPr>
-              <a:t>Modello a corrente costante</a:t>
+              <a:t>Modello a corrente costante o lentamente variabile</a:t>
+            </a:r>
+          </a:p>
+          <a:p>
+            <a:r>
+              <a:rPr lang="it-IT" dirty="0">
+                <a:solidFill>
+                  <a:schemeClr val="bg1"/>
+                </a:solidFill>
+              </a:rPr>
+              <a:t>(velocità operativa AUV di 0.3 m/s)</a:t>
             </a:r>
           </a:p>
         </p:txBody>
@@ -10199,7 +11555,7 @@
         <p:spPr>
           <a:xfrm>
             <a:off x="1023173" y="2772175"/>
-            <a:ext cx="5452133" cy="1477328"/>
+            <a:ext cx="5452133" cy="1508105"/>
           </a:xfrm>
           <a:prstGeom prst="rect">
             <a:avLst/>
@@ -10264,12 +11620,12 @@
               <a:buAutoNum type="arabicPeriod"/>
             </a:pPr>
             <a:r>
-              <a:rPr lang="it-IT" dirty="0">
+              <a:rPr lang="el-GR" sz="2000" dirty="0">
                 <a:solidFill>
                   <a:schemeClr val="bg1"/>
                 </a:solidFill>
               </a:rPr>
-              <a:t>V</a:t>
+              <a:t>ν</a:t>
             </a:r>
             <a:r>
               <a:rPr lang="it-IT" baseline="-25000" dirty="0">
@@ -10288,12 +11644,12 @@
               <a:t>componente di </a:t>
             </a:r>
             <a:r>
-              <a:rPr lang="it-IT" dirty="0" err="1">
+              <a:rPr lang="el-GR" sz="2000" dirty="0">
                 <a:solidFill>
                   <a:schemeClr val="bg1"/>
                 </a:solidFill>
               </a:rPr>
-              <a:t>v</a:t>
+              <a:t>ν</a:t>
             </a:r>
             <a:r>
               <a:rPr lang="it-IT" baseline="-25000" dirty="0" err="1">
@@ -10425,8 +11781,8 @@
           </a:fontRef>
         </p:style>
       </p:cxnSp>
-      <mc:AlternateContent xmlns:mc="http://schemas.openxmlformats.org/markup-compatibility/2006" xmlns:a14="http://schemas.microsoft.com/office/drawing/2010/main">
-        <mc:Choice Requires="a14">
+      <mc:AlternateContent xmlns:mc="http://schemas.openxmlformats.org/markup-compatibility/2006">
+        <mc:Choice xmlns:a14="http://schemas.microsoft.com/office/drawing/2010/main" Requires="a14">
           <p:sp>
             <p:nvSpPr>
               <p:cNvPr id="28" name="CasellaDiTesto 27">
@@ -10692,7 +12048,7 @@
             </p:txBody>
           </p:sp>
         </mc:Choice>
-        <mc:Fallback xmlns="">
+        <mc:Fallback>
           <p:sp>
             <p:nvSpPr>
               <p:cNvPr id="28" name="CasellaDiTesto 27">
@@ -10753,7 +12109,7 @@
         </p:nvCxnSpPr>
         <p:spPr>
           <a:xfrm>
-            <a:off x="5055625" y="1820186"/>
+            <a:off x="5772068" y="1820186"/>
             <a:ext cx="0" cy="272352"/>
           </a:xfrm>
           <a:prstGeom prst="straightConnector1">
@@ -10794,7 +12150,7 @@
         </p:nvCxnSpPr>
         <p:spPr>
           <a:xfrm>
-            <a:off x="6096000" y="1820186"/>
+            <a:off x="6812443" y="1820186"/>
             <a:ext cx="0" cy="272352"/>
           </a:xfrm>
           <a:prstGeom prst="straightConnector1">
@@ -10835,7 +12191,7 @@
         </p:nvCxnSpPr>
         <p:spPr>
           <a:xfrm>
-            <a:off x="9066775" y="3559566"/>
+            <a:off x="9311870" y="3559566"/>
             <a:ext cx="0" cy="257165"/>
           </a:xfrm>
           <a:prstGeom prst="straightConnector1">
@@ -10871,14 +12227,13 @@
           </p:cNvPr>
           <p:cNvCxnSpPr>
             <a:cxnSpLocks/>
-            <a:endCxn id="39" idx="3"/>
           </p:cNvCxnSpPr>
           <p:nvPr/>
         </p:nvCxnSpPr>
         <p:spPr>
           <a:xfrm>
-            <a:off x="9066776" y="1877739"/>
-            <a:ext cx="0" cy="531315"/>
+            <a:off x="9877484" y="1877739"/>
+            <a:ext cx="0" cy="681110"/>
           </a:xfrm>
           <a:prstGeom prst="straightConnector1">
             <a:avLst/>
@@ -10918,7 +12273,7 @@
         </p:nvCxnSpPr>
         <p:spPr>
           <a:xfrm>
-            <a:off x="9675981" y="1911825"/>
+            <a:off x="10571531" y="1892971"/>
             <a:ext cx="0" cy="272352"/>
           </a:xfrm>
           <a:prstGeom prst="straightConnector1">
@@ -10959,7 +12314,7 @@
         </p:nvCxnSpPr>
         <p:spPr>
           <a:xfrm>
-            <a:off x="8457703" y="1896478"/>
+            <a:off x="9136434" y="1896478"/>
             <a:ext cx="0" cy="272352"/>
           </a:xfrm>
           <a:prstGeom prst="straightConnector1">
@@ -10998,7 +12353,7 @@
         </p:nvSpPr>
         <p:spPr>
           <a:xfrm>
-            <a:off x="4719832" y="2156390"/>
+            <a:off x="5436275" y="2156390"/>
             <a:ext cx="882709" cy="415498"/>
           </a:xfrm>
           <a:prstGeom prst="rect">
@@ -11037,7 +12392,7 @@
         </p:nvSpPr>
         <p:spPr>
           <a:xfrm>
-            <a:off x="5681616" y="2178441"/>
+            <a:off x="6398059" y="2178441"/>
             <a:ext cx="791851" cy="415498"/>
           </a:xfrm>
           <a:prstGeom prst="rect">
@@ -11076,7 +12431,7 @@
         </p:nvSpPr>
         <p:spPr>
           <a:xfrm>
-            <a:off x="7848630" y="2201305"/>
+            <a:off x="8527361" y="2201305"/>
             <a:ext cx="1218146" cy="415498"/>
           </a:xfrm>
           <a:prstGeom prst="rect">
@@ -11140,7 +12495,7 @@
         </p:nvSpPr>
         <p:spPr>
           <a:xfrm>
-            <a:off x="8541254" y="2571604"/>
+            <a:off x="9408521" y="2609312"/>
             <a:ext cx="1079817" cy="415498"/>
           </a:xfrm>
           <a:prstGeom prst="rect">
@@ -11204,7 +12559,7 @@
         </p:nvSpPr>
         <p:spPr>
           <a:xfrm>
-            <a:off x="8541254" y="3851148"/>
+            <a:off x="8786349" y="3851148"/>
             <a:ext cx="1218146" cy="415498"/>
           </a:xfrm>
           <a:prstGeom prst="rect">
@@ -11260,7 +12615,7 @@
         </p:nvSpPr>
         <p:spPr>
           <a:xfrm>
-            <a:off x="9201987" y="2190183"/>
+            <a:off x="10097537" y="2171329"/>
             <a:ext cx="1218146" cy="415498"/>
           </a:xfrm>
           <a:prstGeom prst="rect">
@@ -11316,7 +12671,7 @@
         </p:nvSpPr>
         <p:spPr>
           <a:xfrm>
-            <a:off x="4716904" y="1367745"/>
+            <a:off x="5433347" y="1367745"/>
             <a:ext cx="1691695" cy="497129"/>
           </a:xfrm>
           <a:prstGeom prst="rect">
@@ -11490,8 +12845,8 @@
           </a:p>
         </p:txBody>
       </p:sp>
-      <mc:AlternateContent xmlns:mc="http://schemas.openxmlformats.org/markup-compatibility/2006" xmlns:a14="http://schemas.microsoft.com/office/drawing/2010/main">
-        <mc:Choice Requires="a14">
+      <mc:AlternateContent xmlns:mc="http://schemas.openxmlformats.org/markup-compatibility/2006">
+        <mc:Choice xmlns:a14="http://schemas.microsoft.com/office/drawing/2010/main" Requires="a14">
           <p:sp>
             <p:nvSpPr>
               <p:cNvPr id="2" name="CasellaDiTesto 1">
@@ -11859,7 +13214,7 @@
             </p:txBody>
           </p:sp>
         </mc:Choice>
-        <mc:Fallback xmlns="">
+        <mc:Fallback>
           <p:sp>
             <p:nvSpPr>
               <p:cNvPr id="2" name="CasellaDiTesto 1">
@@ -11904,8 +13259,8 @@
           </p:sp>
         </mc:Fallback>
       </mc:AlternateContent>
-      <mc:AlternateContent xmlns:mc="http://schemas.openxmlformats.org/markup-compatibility/2006" xmlns:a14="http://schemas.microsoft.com/office/drawing/2010/main">
-        <mc:Choice Requires="a14">
+      <mc:AlternateContent xmlns:mc="http://schemas.openxmlformats.org/markup-compatibility/2006">
+        <mc:Choice xmlns:a14="http://schemas.microsoft.com/office/drawing/2010/main" Requires="a14">
           <p:sp>
             <p:nvSpPr>
               <p:cNvPr id="13" name="CasellaDiTesto 12">
@@ -12272,7 +13627,7 @@
             </p:txBody>
           </p:sp>
         </mc:Choice>
-        <mc:Fallback xmlns="">
+        <mc:Fallback>
           <p:sp>
             <p:nvSpPr>
               <p:cNvPr id="13" name="CasellaDiTesto 12">
@@ -12317,8 +13672,8 @@
           </p:sp>
         </mc:Fallback>
       </mc:AlternateContent>
-      <mc:AlternateContent xmlns:mc="http://schemas.openxmlformats.org/markup-compatibility/2006" xmlns:a14="http://schemas.microsoft.com/office/drawing/2010/main">
-        <mc:Choice Requires="a14">
+      <mc:AlternateContent xmlns:mc="http://schemas.openxmlformats.org/markup-compatibility/2006">
+        <mc:Choice xmlns:a14="http://schemas.microsoft.com/office/drawing/2010/main" Requires="a14">
           <p:sp>
             <p:nvSpPr>
               <p:cNvPr id="19" name="CasellaDiTesto 18">
@@ -12333,7 +13688,7 @@
             </p:nvSpPr>
             <p:spPr>
               <a:xfrm>
-                <a:off x="4901711" y="1399994"/>
+                <a:off x="5618154" y="1399994"/>
                 <a:ext cx="1559810" cy="369332"/>
               </a:xfrm>
               <a:prstGeom prst="rect">
@@ -12461,7 +13816,7 @@
             </p:txBody>
           </p:sp>
         </mc:Choice>
-        <mc:Fallback xmlns="">
+        <mc:Fallback>
           <p:sp>
             <p:nvSpPr>
               <p:cNvPr id="19" name="CasellaDiTesto 18">
@@ -12478,7 +13833,7 @@
             </p:nvSpPr>
             <p:spPr>
               <a:xfrm>
-                <a:off x="4901711" y="1399994"/>
+                <a:off x="5618154" y="1399994"/>
                 <a:ext cx="1559810" cy="369332"/>
               </a:xfrm>
               <a:prstGeom prst="rect">
@@ -12487,7 +13842,7 @@
               <a:blipFill>
                 <a:blip r:embed="rId7"/>
                 <a:stretch>
-                  <a:fillRect l="-5078" t="-25000" b="-51667"/>
+                  <a:fillRect l="-5098" t="-25000" b="-51667"/>
                 </a:stretch>
               </a:blipFill>
             </p:spPr>
@@ -12506,8 +13861,8 @@
           </p:sp>
         </mc:Fallback>
       </mc:AlternateContent>
-      <mc:AlternateContent xmlns:mc="http://schemas.openxmlformats.org/markup-compatibility/2006" xmlns:a14="http://schemas.microsoft.com/office/drawing/2010/main">
-        <mc:Choice Requires="a14">
+      <mc:AlternateContent xmlns:mc="http://schemas.openxmlformats.org/markup-compatibility/2006">
+        <mc:Choice xmlns:a14="http://schemas.microsoft.com/office/drawing/2010/main" Requires="a14">
           <p:sp>
             <p:nvSpPr>
               <p:cNvPr id="6" name="CasellaDiTesto 5">
@@ -12522,8 +13877,8 @@
             </p:nvSpPr>
             <p:spPr>
               <a:xfrm>
-                <a:off x="7634330" y="1478136"/>
-                <a:ext cx="2133276" cy="304186"/>
+                <a:off x="7973695" y="1421574"/>
+                <a:ext cx="2835392" cy="405367"/>
               </a:xfrm>
               <a:prstGeom prst="rect">
                 <a:avLst/>
@@ -12546,7 +13901,7 @@
                       <m:sSub>
                         <m:sSubPr>
                           <m:ctrlPr>
-                            <a:rPr lang="it-IT" i="1" smtClean="0">
+                            <a:rPr lang="it-IT" sz="2400" i="1" smtClean="0">
                               <a:solidFill>
                                 <a:schemeClr val="bg1"/>
                               </a:solidFill>
@@ -12556,7 +13911,7 @@
                         </m:sSubPr>
                         <m:e>
                           <m:r>
-                            <a:rPr lang="it-IT" b="1" i="1" dirty="0">
+                            <a:rPr lang="it-IT" sz="2400" b="1" i="1" dirty="0">
                               <a:solidFill>
                                 <a:schemeClr val="bg1"/>
                               </a:solidFill>
@@ -12569,7 +13924,7 @@
                           <m:sSub>
                             <m:sSubPr>
                               <m:ctrlPr>
-                                <a:rPr lang="it-IT" i="1" smtClean="0">
+                                <a:rPr lang="it-IT" sz="2400" i="1" smtClean="0">
                                   <a:solidFill>
                                     <a:schemeClr val="bg1"/>
                                   </a:solidFill>
@@ -12579,7 +13934,7 @@
                             </m:sSubPr>
                             <m:e>
                               <m:r>
-                                <a:rPr lang="it-IT" b="0" i="1" smtClean="0">
+                                <a:rPr lang="it-IT" sz="2400" b="0" i="1" smtClean="0">
                                   <a:solidFill>
                                     <a:schemeClr val="bg1"/>
                                   </a:solidFill>
@@ -12590,7 +13945,7 @@
                             </m:e>
                             <m:sub>
                               <m:r>
-                                <a:rPr lang="it-IT" b="0" i="1" smtClean="0">
+                                <a:rPr lang="it-IT" sz="2400" b="0" i="1" smtClean="0">
                                   <a:solidFill>
                                     <a:schemeClr val="bg1"/>
                                   </a:solidFill>
@@ -12603,7 +13958,7 @@
                         </m:sub>
                       </m:sSub>
                       <m:r>
-                        <a:rPr lang="it-IT" b="0" i="1" smtClean="0">
+                        <a:rPr lang="it-IT" sz="2400" b="0" i="1" smtClean="0">
                           <a:solidFill>
                             <a:schemeClr val="bg1"/>
                           </a:solidFill>
@@ -12614,7 +13969,7 @@
                       <m:sSub>
                         <m:sSubPr>
                           <m:ctrlPr>
-                            <a:rPr lang="it-IT" b="0" i="1" smtClean="0">
+                            <a:rPr lang="it-IT" sz="2400" b="0" i="1" smtClean="0">
                               <a:solidFill>
                                 <a:schemeClr val="bg1"/>
                               </a:solidFill>
@@ -12624,7 +13979,7 @@
                         </m:sSubPr>
                         <m:e>
                           <m:r>
-                            <a:rPr lang="it-IT" b="1" i="1" dirty="0">
+                            <a:rPr lang="it-IT" sz="2400" b="1" i="1" dirty="0">
                               <a:solidFill>
                                 <a:schemeClr val="bg1"/>
                               </a:solidFill>
@@ -12635,7 +13990,7 @@
                         </m:e>
                         <m:sub>
                           <m:r>
-                            <a:rPr lang="it-IT" b="0" i="1" smtClean="0">
+                            <a:rPr lang="it-IT" sz="2400" b="0" i="1" smtClean="0">
                               <a:solidFill>
                                 <a:schemeClr val="bg1"/>
                               </a:solidFill>
@@ -12644,7 +13999,7 @@
                             <m:t>𝑟</m:t>
                           </m:r>
                           <m:r>
-                            <a:rPr lang="it-IT" b="0" i="1" smtClean="0">
+                            <a:rPr lang="it-IT" sz="2400" b="0" i="1" smtClean="0">
                               <a:solidFill>
                                 <a:schemeClr val="bg1"/>
                               </a:solidFill>
@@ -12655,7 +14010,7 @@
                         </m:sub>
                       </m:sSub>
                       <m:r>
-                        <a:rPr lang="it-IT" b="0" i="1" smtClean="0">
+                        <a:rPr lang="it-IT" sz="2400" b="0" i="1" smtClean="0">
                           <a:solidFill>
                             <a:schemeClr val="bg1"/>
                           </a:solidFill>
@@ -12666,7 +14021,7 @@
                       <m:sSub>
                         <m:sSubPr>
                           <m:ctrlPr>
-                            <a:rPr lang="it-IT" b="0" i="1" smtClean="0">
+                            <a:rPr lang="it-IT" sz="2400" b="0" i="1" smtClean="0">
                               <a:solidFill>
                                 <a:schemeClr val="bg1"/>
                               </a:solidFill>
@@ -12676,7 +14031,7 @@
                         </m:sSubPr>
                         <m:e>
                           <m:r>
-                            <a:rPr lang="it-IT" b="1" i="1" dirty="0">
+                            <a:rPr lang="it-IT" sz="2400" b="1" i="1" dirty="0">
                               <a:solidFill>
                                 <a:schemeClr val="bg1"/>
                               </a:solidFill>
@@ -12687,7 +14042,7 @@
                         </m:e>
                         <m:sub>
                           <m:r>
-                            <a:rPr lang="it-IT" b="0" i="1" smtClean="0">
+                            <a:rPr lang="it-IT" sz="2400" b="0" i="1" smtClean="0">
                               <a:solidFill>
                                 <a:schemeClr val="bg1"/>
                               </a:solidFill>
@@ -12696,7 +14051,7 @@
                             <m:t>𝑟</m:t>
                           </m:r>
                           <m:r>
-                            <a:rPr lang="it-IT" b="0" i="1" smtClean="0">
+                            <a:rPr lang="it-IT" sz="2400" b="0" i="1" smtClean="0">
                               <a:solidFill>
                                 <a:schemeClr val="bg1"/>
                               </a:solidFill>
@@ -12707,7 +14062,7 @@
                         </m:sub>
                       </m:sSub>
                       <m:r>
-                        <a:rPr lang="it-IT" i="1">
+                        <a:rPr lang="it-IT" sz="2400" i="1">
                           <a:solidFill>
                             <a:schemeClr val="bg1"/>
                           </a:solidFill>
@@ -12719,7 +14074,7 @@
                       <m:sSub>
                         <m:sSubPr>
                           <m:ctrlPr>
-                            <a:rPr lang="it-IT" i="1" smtClean="0">
+                            <a:rPr lang="it-IT" sz="2400" i="1" smtClean="0">
                               <a:solidFill>
                                 <a:schemeClr val="bg1"/>
                               </a:solidFill>
@@ -12730,7 +14085,7 @@
                         </m:sSubPr>
                         <m:e>
                           <m:r>
-                            <a:rPr lang="it-IT" b="1" i="1" smtClean="0">
+                            <a:rPr lang="it-IT" sz="2400" b="1" i="1" smtClean="0">
                               <a:solidFill>
                                 <a:schemeClr val="bg1"/>
                               </a:solidFill>
@@ -12742,7 +14097,7 @@
                         </m:e>
                         <m:sub>
                           <m:r>
-                            <a:rPr lang="it-IT" b="0" i="1" smtClean="0">
+                            <a:rPr lang="it-IT" sz="2400" b="0" i="1" smtClean="0">
                               <a:solidFill>
                                 <a:schemeClr val="bg1"/>
                               </a:solidFill>
@@ -12756,7 +14111,7 @@
                     </m:oMath>
                   </m:oMathPara>
                 </a14:m>
-                <a:endParaRPr lang="it-IT" dirty="0">
+                <a:endParaRPr lang="it-IT" sz="2400" dirty="0">
                   <a:solidFill>
                     <a:schemeClr val="bg1"/>
                   </a:solidFill>
@@ -12765,7 +14120,7 @@
             </p:txBody>
           </p:sp>
         </mc:Choice>
-        <mc:Fallback xmlns="">
+        <mc:Fallback>
           <p:sp>
             <p:nvSpPr>
               <p:cNvPr id="6" name="CasellaDiTesto 5">
@@ -12782,8 +14137,8 @@
             </p:nvSpPr>
             <p:spPr>
               <a:xfrm>
-                <a:off x="7634330" y="1478136"/>
-                <a:ext cx="2133276" cy="304186"/>
+                <a:off x="7973695" y="1421574"/>
+                <a:ext cx="2835392" cy="405367"/>
               </a:xfrm>
               <a:prstGeom prst="rect">
                 <a:avLst/>
@@ -12791,7 +14146,7 @@
               <a:blipFill>
                 <a:blip r:embed="rId8"/>
                 <a:stretch>
-                  <a:fillRect l="-1143" r="-857" b="-18000"/>
+                  <a:fillRect l="-1075" r="-430" b="-16418"/>
                 </a:stretch>
               </a:blipFill>
             </p:spPr>
@@ -12833,16 +14188,137 @@
           <a:p>
             <a:fld id="{4854181D-6920-4594-9A5D-6CE56DC9F8B2}" type="slidenum">
               <a:rPr lang="en-US" smtClean="0"/>
-              <a:t>6</a:t>
+              <a:t>7</a:t>
             </a:fld>
             <a:endParaRPr lang="en-US"/>
+          </a:p>
+        </p:txBody>
+      </p:sp>
+      <p:cxnSp>
+        <p:nvCxnSpPr>
+          <p:cNvPr id="32" name="Connettore 2 31">
+            <a:extLst>
+              <a:ext uri="{FF2B5EF4-FFF2-40B4-BE49-F238E27FC236}">
+                <a16:creationId xmlns:a16="http://schemas.microsoft.com/office/drawing/2014/main" id="{AC37EE99-52CA-4143-BEF9-9ED10879A3FC}"/>
+              </a:ext>
+            </a:extLst>
+          </p:cNvPr>
+          <p:cNvCxnSpPr>
+            <a:cxnSpLocks/>
+          </p:cNvCxnSpPr>
+          <p:nvPr/>
+        </p:nvCxnSpPr>
+        <p:spPr>
+          <a:xfrm flipV="1">
+            <a:off x="8187995" y="1272619"/>
+            <a:ext cx="0" cy="205517"/>
+          </a:xfrm>
+          <a:prstGeom prst="straightConnector1">
+            <a:avLst/>
+          </a:prstGeom>
+          <a:ln>
+            <a:tailEnd type="triangle"/>
+          </a:ln>
+        </p:spPr>
+        <p:style>
+          <a:lnRef idx="1">
+            <a:schemeClr val="accent1"/>
+          </a:lnRef>
+          <a:fillRef idx="0">
+            <a:schemeClr val="accent1"/>
+          </a:fillRef>
+          <a:effectRef idx="0">
+            <a:schemeClr val="accent1"/>
+          </a:effectRef>
+          <a:fontRef idx="minor">
+            <a:schemeClr val="tx1"/>
+          </a:fontRef>
+        </p:style>
+      </p:cxnSp>
+      <p:sp>
+        <p:nvSpPr>
+          <p:cNvPr id="41" name="CasellaDiTesto 40">
+            <a:extLst>
+              <a:ext uri="{FF2B5EF4-FFF2-40B4-BE49-F238E27FC236}">
+                <a16:creationId xmlns:a16="http://schemas.microsoft.com/office/drawing/2014/main" id="{9D1DE7ED-1FB3-48C5-8099-F44A9197B253}"/>
+              </a:ext>
+            </a:extLst>
+          </p:cNvPr>
+          <p:cNvSpPr txBox="1"/>
+          <p:nvPr/>
+        </p:nvSpPr>
+        <p:spPr>
+          <a:xfrm>
+            <a:off x="7353988" y="677546"/>
+            <a:ext cx="1762284" cy="577081"/>
+          </a:xfrm>
+          <a:prstGeom prst="rect">
+            <a:avLst/>
+          </a:prstGeom>
+          <a:noFill/>
+        </p:spPr>
+        <p:txBody>
+          <a:bodyPr wrap="square" rtlCol="0">
+            <a:spAutoFit/>
+          </a:bodyPr>
+          <a:lstStyle/>
+          <a:p>
+            <a:pPr algn="ctr"/>
+            <a:r>
+              <a:rPr lang="it-IT" sz="1050" dirty="0">
+                <a:solidFill>
+                  <a:schemeClr val="bg1"/>
+                </a:solidFill>
+              </a:rPr>
+              <a:t>Velocità del punto </a:t>
+            </a:r>
+            <a:r>
+              <a:rPr lang="it-IT" sz="1050" dirty="0" err="1">
+                <a:solidFill>
+                  <a:schemeClr val="bg1"/>
+                </a:solidFill>
+              </a:rPr>
+              <a:t>p</a:t>
+            </a:r>
+            <a:r>
+              <a:rPr lang="it-IT" sz="1050" baseline="-25000" dirty="0" err="1">
+                <a:solidFill>
+                  <a:schemeClr val="bg1"/>
+                </a:solidFill>
+              </a:rPr>
+              <a:t>i</a:t>
+            </a:r>
+            <a:r>
+              <a:rPr lang="it-IT" sz="1050" dirty="0">
+                <a:solidFill>
+                  <a:schemeClr val="bg1"/>
+                </a:solidFill>
+              </a:rPr>
+              <a:t> (posizione del </a:t>
+            </a:r>
+            <a:r>
+              <a:rPr lang="it-IT" sz="1050" dirty="0" err="1">
+                <a:solidFill>
+                  <a:schemeClr val="bg1"/>
+                </a:solidFill>
+              </a:rPr>
+              <a:t>thruster</a:t>
+            </a:r>
+            <a:r>
+              <a:rPr lang="it-IT" sz="1050" dirty="0">
+                <a:solidFill>
+                  <a:schemeClr val="bg1"/>
+                </a:solidFill>
+              </a:rPr>
+              <a:t> i in terna body)</a:t>
+            </a:r>
           </a:p>
         </p:txBody>
       </p:sp>
     </p:spTree>
     <p:extLst>
       <p:ext uri="{BB962C8B-B14F-4D97-AF65-F5344CB8AC3E}">
-        <p14:creationId xmlns:p14="http://schemas.microsoft.com/office/powerpoint/2010/main" val="1861387652"/>
+        <p14:creationId xmlns:p14="http://schemas.microsoft.com/office/powerpoint/2010/main" val="4083437747"/>
       </p:ext>
     </p:extLst>
   </p:cSld>
@@ -12852,7 +14328,7 @@
 </p:sld>
 </file>
 
-<file path=ppt/slides/slide7.xml><?xml version="1.0" encoding="utf-8"?>
+<file path=ppt/slides/slide8.xml><?xml version="1.0" encoding="utf-8"?>
 <p:sld xmlns:a="http://schemas.openxmlformats.org/drawingml/2006/main" xmlns:r="http://schemas.openxmlformats.org/officeDocument/2006/relationships" xmlns:p="http://schemas.openxmlformats.org/presentationml/2006/main" showMasterSp="0">
   <p:cSld>
     <p:bg>
@@ -12955,8 +14431,8 @@
           </a:p>
         </p:txBody>
       </p:sp>
-      <mc:AlternateContent xmlns:mc="http://schemas.openxmlformats.org/markup-compatibility/2006">
-        <mc:Choice xmlns:a14="http://schemas.microsoft.com/office/drawing/2010/main" Requires="a14">
+      <mc:AlternateContent xmlns:mc="http://schemas.openxmlformats.org/markup-compatibility/2006" xmlns:a14="http://schemas.microsoft.com/office/drawing/2010/main">
+        <mc:Choice Requires="a14">
           <p:sp>
             <p:nvSpPr>
               <p:cNvPr id="2" name="CasellaDiTesto 1">
@@ -13075,7 +14551,7 @@
             </p:txBody>
           </p:sp>
         </mc:Choice>
-        <mc:Fallback>
+        <mc:Fallback xmlns="">
           <p:sp>
             <p:nvSpPr>
               <p:cNvPr id="2" name="CasellaDiTesto 1">
@@ -13120,8 +14596,8 @@
           </p:sp>
         </mc:Fallback>
       </mc:AlternateContent>
-      <mc:AlternateContent xmlns:mc="http://schemas.openxmlformats.org/markup-compatibility/2006">
-        <mc:Choice xmlns:a14="http://schemas.microsoft.com/office/drawing/2010/main" Requires="a14">
+      <mc:AlternateContent xmlns:mc="http://schemas.openxmlformats.org/markup-compatibility/2006" xmlns:a14="http://schemas.microsoft.com/office/drawing/2010/main">
+        <mc:Choice Requires="a14">
           <p:sp>
             <p:nvSpPr>
               <p:cNvPr id="7" name="CasellaDiTesto 6">
@@ -13422,7 +14898,7 @@
             </p:txBody>
           </p:sp>
         </mc:Choice>
-        <mc:Fallback>
+        <mc:Fallback xmlns="">
           <p:sp>
             <p:nvSpPr>
               <p:cNvPr id="7" name="CasellaDiTesto 6">
@@ -13467,8 +14943,8 @@
           </p:sp>
         </mc:Fallback>
       </mc:AlternateContent>
-      <mc:AlternateContent xmlns:mc="http://schemas.openxmlformats.org/markup-compatibility/2006">
-        <mc:Choice xmlns:a14="http://schemas.microsoft.com/office/drawing/2010/main" Requires="a14">
+      <mc:AlternateContent xmlns:mc="http://schemas.openxmlformats.org/markup-compatibility/2006" xmlns:a14="http://schemas.microsoft.com/office/drawing/2010/main">
+        <mc:Choice Requires="a14">
           <p:sp>
             <p:nvSpPr>
               <p:cNvPr id="14" name="CasellaDiTesto 13">
@@ -13646,7 +15122,7 @@
             </p:txBody>
           </p:sp>
         </mc:Choice>
-        <mc:Fallback>
+        <mc:Fallback xmlns="">
           <p:sp>
             <p:nvSpPr>
               <p:cNvPr id="14" name="CasellaDiTesto 13">
@@ -13957,7 +15433,7 @@
           <a:p>
             <a:fld id="{4854181D-6920-4594-9A5D-6CE56DC9F8B2}" type="slidenum">
               <a:rPr lang="en-US" smtClean="0"/>
-              <a:t>7</a:t>
+              <a:t>8</a:t>
             </a:fld>
             <a:endParaRPr lang="en-US"/>
           </a:p>
@@ -13976,7 +15452,7 @@
 </p:sld>
 </file>
 
-<file path=ppt/slides/slide8.xml><?xml version="1.0" encoding="utf-8"?>
+<file path=ppt/slides/slide9.xml><?xml version="1.0" encoding="utf-8"?>
 <p:sld xmlns:a="http://schemas.openxmlformats.org/drawingml/2006/main" xmlns:r="http://schemas.openxmlformats.org/officeDocument/2006/relationships" xmlns:p="http://schemas.openxmlformats.org/presentationml/2006/main" showMasterSp="0">
   <p:cSld>
     <p:bg>
@@ -14567,7 +16043,7 @@
             <p:spPr>
               <a:xfrm>
                 <a:off x="1174277" y="4623189"/>
-                <a:ext cx="2360583" cy="369332"/>
+                <a:ext cx="2270814" cy="369332"/>
               </a:xfrm>
               <a:prstGeom prst="rect">
                 <a:avLst/>
@@ -14722,7 +16198,7 @@
             <p:spPr>
               <a:xfrm>
                 <a:off x="1174277" y="4623189"/>
-                <a:ext cx="2360583" cy="369332"/>
+                <a:ext cx="2270814" cy="369332"/>
               </a:xfrm>
               <a:prstGeom prst="rect">
                 <a:avLst/>
@@ -14781,8 +16257,8 @@
           </a:p>
         </p:txBody>
       </p:sp>
-      <mc:AlternateContent xmlns:mc="http://schemas.openxmlformats.org/markup-compatibility/2006">
-        <mc:Choice xmlns:a14="http://schemas.microsoft.com/office/drawing/2010/main" Requires="a14">
+      <mc:AlternateContent xmlns:mc="http://schemas.openxmlformats.org/markup-compatibility/2006" xmlns:a14="http://schemas.microsoft.com/office/drawing/2010/main">
+        <mc:Choice Requires="a14">
           <p:sp>
             <p:nvSpPr>
               <p:cNvPr id="13" name="CasellaDiTesto 12">
@@ -15395,7 +16871,7 @@
             </p:txBody>
           </p:sp>
         </mc:Choice>
-        <mc:Fallback>
+        <mc:Fallback xmlns="">
           <p:sp>
             <p:nvSpPr>
               <p:cNvPr id="13" name="CasellaDiTesto 12">
@@ -15440,8 +16916,8 @@
           </p:sp>
         </mc:Fallback>
       </mc:AlternateContent>
-      <mc:AlternateContent xmlns:mc="http://schemas.openxmlformats.org/markup-compatibility/2006">
-        <mc:Choice xmlns:a14="http://schemas.microsoft.com/office/drawing/2010/main" Requires="a14">
+      <mc:AlternateContent xmlns:mc="http://schemas.openxmlformats.org/markup-compatibility/2006" xmlns:a14="http://schemas.microsoft.com/office/drawing/2010/main">
+        <mc:Choice Requires="a14">
           <p:sp>
             <p:nvSpPr>
               <p:cNvPr id="38" name="CasellaDiTesto 37">
@@ -16216,7 +17692,7 @@
             </p:txBody>
           </p:sp>
         </mc:Choice>
-        <mc:Fallback>
+        <mc:Fallback xmlns="">
           <p:sp>
             <p:nvSpPr>
               <p:cNvPr id="38" name="CasellaDiTesto 37">
@@ -16261,8 +17737,8 @@
           </p:sp>
         </mc:Fallback>
       </mc:AlternateContent>
-      <mc:AlternateContent xmlns:mc="http://schemas.openxmlformats.org/markup-compatibility/2006">
-        <mc:Choice xmlns:a14="http://schemas.microsoft.com/office/drawing/2010/main" Requires="a14">
+      <mc:AlternateContent xmlns:mc="http://schemas.openxmlformats.org/markup-compatibility/2006" xmlns:a14="http://schemas.microsoft.com/office/drawing/2010/main">
+        <mc:Choice Requires="a14">
           <p:sp>
             <p:nvSpPr>
               <p:cNvPr id="19" name="CasellaDiTesto 18">
@@ -16631,7 +18107,7 @@
             </p:txBody>
           </p:sp>
         </mc:Choice>
-        <mc:Fallback>
+        <mc:Fallback xmlns="">
           <p:sp>
             <p:nvSpPr>
               <p:cNvPr id="19" name="CasellaDiTesto 18">
@@ -16776,7 +18252,7 @@
           <a:p>
             <a:fld id="{4854181D-6920-4594-9A5D-6CE56DC9F8B2}" type="slidenum">
               <a:rPr lang="en-US" smtClean="0"/>
-              <a:t>8</a:t>
+              <a:t>9</a:t>
             </a:fld>
             <a:endParaRPr lang="en-US"/>
           </a:p>
@@ -16786,1116 +18262,6 @@
     <p:extLst>
       <p:ext uri="{BB962C8B-B14F-4D97-AF65-F5344CB8AC3E}">
         <p14:creationId xmlns:p14="http://schemas.microsoft.com/office/powerpoint/2010/main" val="1717534747"/>
-      </p:ext>
-    </p:extLst>
-  </p:cSld>
-  <p:clrMapOvr>
-    <a:masterClrMapping/>
-  </p:clrMapOvr>
-</p:sld>
-</file>
-
-<file path=ppt/slides/slide9.xml><?xml version="1.0" encoding="utf-8"?>
-<p:sld xmlns:a="http://schemas.openxmlformats.org/drawingml/2006/main" xmlns:r="http://schemas.openxmlformats.org/officeDocument/2006/relationships" xmlns:p="http://schemas.openxmlformats.org/presentationml/2006/main" showMasterSp="0">
-  <p:cSld>
-    <p:bg>
-      <p:bgPr>
-        <a:blipFill dpi="0" rotWithShape="1">
-          <a:blip r:embed="rId2">
-            <a:lum/>
-          </a:blip>
-          <a:srcRect/>
-          <a:stretch>
-            <a:fillRect/>
-          </a:stretch>
-        </a:blipFill>
-        <a:effectLst/>
-      </p:bgPr>
-    </p:bg>
-    <p:spTree>
-      <p:nvGrpSpPr>
-        <p:cNvPr id="1" name=""/>
-        <p:cNvGrpSpPr/>
-        <p:nvPr/>
-      </p:nvGrpSpPr>
-      <p:grpSpPr>
-        <a:xfrm>
-          <a:off x="0" y="0"/>
-          <a:ext cx="0" cy="0"/>
-          <a:chOff x="0" y="0"/>
-          <a:chExt cx="0" cy="0"/>
-        </a:xfrm>
-      </p:grpSpPr>
-      <p:sp>
-        <p:nvSpPr>
-          <p:cNvPr id="4" name="Segnaposto piè di pagina 3">
-            <a:extLst>
-              <a:ext uri="{FF2B5EF4-FFF2-40B4-BE49-F238E27FC236}">
-                <a16:creationId xmlns:a16="http://schemas.microsoft.com/office/drawing/2014/main" id="{4E362125-2F83-4266-AB8C-336E9ADDBB86}"/>
-              </a:ext>
-            </a:extLst>
-          </p:cNvPr>
-          <p:cNvSpPr>
-            <a:spLocks noGrp="1"/>
-          </p:cNvSpPr>
-          <p:nvPr>
-            <p:ph type="ftr" sz="quarter" idx="11"/>
-          </p:nvPr>
-        </p:nvSpPr>
-        <p:spPr>
-          <a:xfrm>
-            <a:off x="-231742" y="6492875"/>
-            <a:ext cx="4114800" cy="365125"/>
-          </a:xfrm>
-        </p:spPr>
-        <p:txBody>
-          <a:bodyPr/>
-          <a:lstStyle/>
-          <a:p>
-            <a:endParaRPr lang="en-US" i="1" dirty="0">
-              <a:solidFill>
-                <a:schemeClr val="bg1"/>
-              </a:solidFill>
-            </a:endParaRPr>
-          </a:p>
-        </p:txBody>
-      </p:sp>
-      <p:sp>
-        <p:nvSpPr>
-          <p:cNvPr id="11" name="Rettangolo 10">
-            <a:extLst>
-              <a:ext uri="{FF2B5EF4-FFF2-40B4-BE49-F238E27FC236}">
-                <a16:creationId xmlns:a16="http://schemas.microsoft.com/office/drawing/2014/main" id="{DE43AB90-63F1-413E-8732-29F127F1CF7E}"/>
-              </a:ext>
-            </a:extLst>
-          </p:cNvPr>
-          <p:cNvSpPr/>
-          <p:nvPr/>
-        </p:nvSpPr>
-        <p:spPr>
-          <a:xfrm>
-            <a:off x="337221" y="428665"/>
-            <a:ext cx="3805850" cy="584775"/>
-          </a:xfrm>
-          <a:prstGeom prst="rect">
-            <a:avLst/>
-          </a:prstGeom>
-        </p:spPr>
-        <p:txBody>
-          <a:bodyPr wrap="none">
-            <a:spAutoFit/>
-          </a:bodyPr>
-          <a:lstStyle/>
-          <a:p>
-            <a:r>
-              <a:rPr lang="it-IT" sz="3200" b="1" dirty="0">
-                <a:solidFill>
-                  <a:schemeClr val="bg1"/>
-                </a:solidFill>
-              </a:rPr>
-              <a:t>Modello dinamico</a:t>
-            </a:r>
-          </a:p>
-        </p:txBody>
-      </p:sp>
-      <p:sp>
-        <p:nvSpPr>
-          <p:cNvPr id="3" name="CasellaDiTesto 2">
-            <a:extLst>
-              <a:ext uri="{FF2B5EF4-FFF2-40B4-BE49-F238E27FC236}">
-                <a16:creationId xmlns:a16="http://schemas.microsoft.com/office/drawing/2014/main" id="{18C97D66-F13F-4250-8D77-25FFC6058FA7}"/>
-              </a:ext>
-            </a:extLst>
-          </p:cNvPr>
-          <p:cNvSpPr txBox="1"/>
-          <p:nvPr/>
-        </p:nvSpPr>
-        <p:spPr>
-          <a:xfrm>
-            <a:off x="780934" y="1248541"/>
-            <a:ext cx="3266909" cy="1569660"/>
-          </a:xfrm>
-          <a:prstGeom prst="rect">
-            <a:avLst/>
-          </a:prstGeom>
-          <a:noFill/>
-        </p:spPr>
-        <p:txBody>
-          <a:bodyPr wrap="square" rtlCol="0">
-            <a:spAutoFit/>
-          </a:bodyPr>
-          <a:lstStyle/>
-          <a:p>
-            <a:r>
-              <a:rPr lang="it-IT" sz="2400" dirty="0">
-                <a:solidFill>
-                  <a:schemeClr val="bg1"/>
-                </a:solidFill>
-              </a:rPr>
-              <a:t>Masse aggiunte</a:t>
-            </a:r>
-          </a:p>
-          <a:p>
-            <a:pPr marL="342900" indent="-342900">
-              <a:buFont typeface="+mj-lt"/>
-              <a:buAutoNum type="arabicPeriod"/>
-            </a:pPr>
-            <a:endParaRPr lang="it-IT" sz="2400" dirty="0">
-              <a:solidFill>
-                <a:schemeClr val="bg1"/>
-              </a:solidFill>
-            </a:endParaRPr>
-          </a:p>
-          <a:p>
-            <a:pPr marL="342900" indent="-342900">
-              <a:buFont typeface="+mj-lt"/>
-              <a:buAutoNum type="arabicPeriod"/>
-            </a:pPr>
-            <a:endParaRPr lang="it-IT" sz="2400" dirty="0">
-              <a:solidFill>
-                <a:schemeClr val="bg1"/>
-              </a:solidFill>
-            </a:endParaRPr>
-          </a:p>
-          <a:p>
-            <a:pPr marL="342900" indent="-342900">
-              <a:buFont typeface="+mj-lt"/>
-              <a:buAutoNum type="arabicPeriod"/>
-            </a:pPr>
-            <a:endParaRPr lang="it-IT" sz="2400" dirty="0">
-              <a:solidFill>
-                <a:schemeClr val="bg1"/>
-              </a:solidFill>
-            </a:endParaRPr>
-          </a:p>
-        </p:txBody>
-      </p:sp>
-      <mc:AlternateContent xmlns:mc="http://schemas.openxmlformats.org/markup-compatibility/2006">
-        <mc:Choice xmlns:a14="http://schemas.microsoft.com/office/drawing/2010/main" Requires="a14">
-          <p:sp>
-            <p:nvSpPr>
-              <p:cNvPr id="38" name="CasellaDiTesto 37">
-                <a:extLst>
-                  <a:ext uri="{FF2B5EF4-FFF2-40B4-BE49-F238E27FC236}">
-                    <a16:creationId xmlns:a16="http://schemas.microsoft.com/office/drawing/2014/main" id="{A59F7389-C844-4C49-90EE-9AC7B3E5C9E3}"/>
-                  </a:ext>
-                </a:extLst>
-              </p:cNvPr>
-              <p:cNvSpPr txBox="1"/>
-              <p:nvPr/>
-            </p:nvSpPr>
-            <p:spPr>
-              <a:xfrm>
-                <a:off x="522355" y="2098257"/>
-                <a:ext cx="4430129" cy="1311513"/>
-              </a:xfrm>
-              <a:prstGeom prst="rect">
-                <a:avLst/>
-              </a:prstGeom>
-              <a:noFill/>
-            </p:spPr>
-            <p:txBody>
-              <a:bodyPr wrap="square" lIns="0" tIns="0" rIns="0" bIns="0" rtlCol="0">
-                <a:spAutoFit/>
-              </a:bodyPr>
-              <a:lstStyle/>
-              <a:p>
-                <a:pPr/>
-                <a14:m>
-                  <m:oMathPara xmlns:m="http://schemas.openxmlformats.org/officeDocument/2006/math">
-                    <m:oMathParaPr>
-                      <m:jc m:val="centerGroup"/>
-                    </m:oMathParaPr>
-                    <m:oMath xmlns:m="http://schemas.openxmlformats.org/officeDocument/2006/math">
-                      <m:sSub>
-                        <m:sSubPr>
-                          <m:ctrlPr>
-                            <a:rPr lang="it-IT" sz="1400" i="1" smtClean="0">
-                              <a:solidFill>
-                                <a:schemeClr val="bg1"/>
-                              </a:solidFill>
-                              <a:latin typeface="Cambria Math" panose="02040503050406030204" pitchFamily="18" charset="0"/>
-                            </a:rPr>
-                          </m:ctrlPr>
-                        </m:sSubPr>
-                        <m:e>
-                          <m:r>
-                            <a:rPr lang="it-IT" sz="1400" b="0" i="1" smtClean="0">
-                              <a:solidFill>
-                                <a:schemeClr val="bg1"/>
-                              </a:solidFill>
-                              <a:latin typeface="Cambria Math" panose="02040503050406030204" pitchFamily="18" charset="0"/>
-                            </a:rPr>
-                            <m:t>𝑀</m:t>
-                          </m:r>
-                        </m:e>
-                        <m:sub>
-                          <m:r>
-                            <a:rPr lang="it-IT" sz="1400" b="0" i="1" smtClean="0">
-                              <a:solidFill>
-                                <a:schemeClr val="bg1"/>
-                              </a:solidFill>
-                              <a:latin typeface="Cambria Math" panose="02040503050406030204" pitchFamily="18" charset="0"/>
-                            </a:rPr>
-                            <m:t>𝑎𝑑𝑑</m:t>
-                          </m:r>
-                        </m:sub>
-                      </m:sSub>
-                      <m:r>
-                        <a:rPr lang="it-IT" sz="1400" b="0" i="1" smtClean="0">
-                          <a:solidFill>
-                            <a:schemeClr val="bg1"/>
-                          </a:solidFill>
-                          <a:latin typeface="Cambria Math" panose="02040503050406030204" pitchFamily="18" charset="0"/>
-                        </a:rPr>
-                        <m:t>= </m:t>
-                      </m:r>
-                      <m:d>
-                        <m:dPr>
-                          <m:begChr m:val="["/>
-                          <m:endChr m:val="]"/>
-                          <m:ctrlPr>
-                            <a:rPr lang="it-IT" sz="1400" i="1" smtClean="0">
-                              <a:solidFill>
-                                <a:schemeClr val="bg1"/>
-                              </a:solidFill>
-                              <a:latin typeface="Cambria Math" panose="02040503050406030204" pitchFamily="18" charset="0"/>
-                            </a:rPr>
-                          </m:ctrlPr>
-                        </m:dPr>
-                        <m:e>
-                          <m:m>
-                            <m:mPr>
-                              <m:mcs>
-                                <m:mc>
-                                  <m:mcPr>
-                                    <m:count m:val="6"/>
-                                    <m:mcJc m:val="center"/>
-                                  </m:mcPr>
-                                </m:mc>
-                              </m:mcs>
-                              <m:ctrlPr>
-                                <a:rPr lang="it-IT" sz="1400" i="1" smtClean="0">
-                                  <a:solidFill>
-                                    <a:schemeClr val="bg1"/>
-                                  </a:solidFill>
-                                  <a:latin typeface="Cambria Math" panose="02040503050406030204" pitchFamily="18" charset="0"/>
-                                </a:rPr>
-                              </m:ctrlPr>
-                            </m:mPr>
-                            <m:mr>
-                              <m:e>
-                                <m:sSub>
-                                  <m:sSubPr>
-                                    <m:ctrlPr>
-                                      <a:rPr lang="it-IT" sz="1400" i="1">
-                                        <a:solidFill>
-                                          <a:schemeClr val="bg1"/>
-                                        </a:solidFill>
-                                        <a:latin typeface="Cambria Math" panose="02040503050406030204" pitchFamily="18" charset="0"/>
-                                      </a:rPr>
-                                    </m:ctrlPr>
-                                  </m:sSubPr>
-                                  <m:e>
-                                    <m:r>
-                                      <a:rPr lang="it-IT" sz="1400" b="0" i="1" smtClean="0">
-                                        <a:solidFill>
-                                          <a:schemeClr val="bg1"/>
-                                        </a:solidFill>
-                                        <a:latin typeface="Cambria Math" panose="02040503050406030204" pitchFamily="18" charset="0"/>
-                                      </a:rPr>
-                                      <m:t>𝑋</m:t>
-                                    </m:r>
-                                  </m:e>
-                                  <m:sub>
-                                    <m:acc>
-                                      <m:accPr>
-                                        <m:chr m:val="̇"/>
-                                        <m:ctrlPr>
-                                          <a:rPr lang="it-IT" sz="1400" b="0" i="1" smtClean="0">
-                                            <a:solidFill>
-                                              <a:schemeClr val="bg1"/>
-                                            </a:solidFill>
-                                            <a:latin typeface="Cambria Math" panose="02040503050406030204" pitchFamily="18" charset="0"/>
-                                          </a:rPr>
-                                        </m:ctrlPr>
-                                      </m:accPr>
-                                      <m:e>
-                                        <m:r>
-                                          <a:rPr lang="it-IT" sz="1400" b="0" i="1" smtClean="0">
-                                            <a:solidFill>
-                                              <a:schemeClr val="bg1"/>
-                                            </a:solidFill>
-                                            <a:latin typeface="Cambria Math" panose="02040503050406030204" pitchFamily="18" charset="0"/>
-                                          </a:rPr>
-                                          <m:t>𝑢</m:t>
-                                        </m:r>
-                                      </m:e>
-                                    </m:acc>
-                                  </m:sub>
-                                </m:sSub>
-                              </m:e>
-                              <m:e>
-                                <m:r>
-                                  <a:rPr lang="it-IT" sz="1400" b="0" i="1" smtClean="0">
-                                    <a:solidFill>
-                                      <a:schemeClr val="bg1"/>
-                                    </a:solidFill>
-                                    <a:latin typeface="Cambria Math" panose="02040503050406030204" pitchFamily="18" charset="0"/>
-                                  </a:rPr>
-                                  <m:t>0</m:t>
-                                </m:r>
-                              </m:e>
-                              <m:e>
-                                <m:r>
-                                  <a:rPr lang="it-IT" sz="1400" b="0" i="1" smtClean="0">
-                                    <a:solidFill>
-                                      <a:schemeClr val="bg1"/>
-                                    </a:solidFill>
-                                    <a:latin typeface="Cambria Math" panose="02040503050406030204" pitchFamily="18" charset="0"/>
-                                  </a:rPr>
-                                  <m:t>0</m:t>
-                                </m:r>
-                              </m:e>
-                              <m:e>
-                                <m:r>
-                                  <a:rPr lang="it-IT" sz="1400" b="0" i="1" smtClean="0">
-                                    <a:solidFill>
-                                      <a:schemeClr val="bg1"/>
-                                    </a:solidFill>
-                                    <a:latin typeface="Cambria Math" panose="02040503050406030204" pitchFamily="18" charset="0"/>
-                                  </a:rPr>
-                                  <m:t>0</m:t>
-                                </m:r>
-                              </m:e>
-                              <m:e>
-                                <m:r>
-                                  <a:rPr lang="it-IT" sz="1400" b="0" i="1" smtClean="0">
-                                    <a:solidFill>
-                                      <a:schemeClr val="bg1"/>
-                                    </a:solidFill>
-                                    <a:latin typeface="Cambria Math" panose="02040503050406030204" pitchFamily="18" charset="0"/>
-                                  </a:rPr>
-                                  <m:t>0</m:t>
-                                </m:r>
-                              </m:e>
-                              <m:e>
-                                <m:r>
-                                  <a:rPr lang="it-IT" sz="1400" b="0" i="1" smtClean="0">
-                                    <a:solidFill>
-                                      <a:schemeClr val="bg1"/>
-                                    </a:solidFill>
-                                    <a:latin typeface="Cambria Math" panose="02040503050406030204" pitchFamily="18" charset="0"/>
-                                  </a:rPr>
-                                  <m:t>0</m:t>
-                                </m:r>
-                              </m:e>
-                            </m:mr>
-                            <m:mr>
-                              <m:e>
-                                <m:r>
-                                  <a:rPr lang="it-IT" sz="1400" b="0" i="1" smtClean="0">
-                                    <a:solidFill>
-                                      <a:schemeClr val="bg1"/>
-                                    </a:solidFill>
-                                    <a:latin typeface="Cambria Math" panose="02040503050406030204" pitchFamily="18" charset="0"/>
-                                  </a:rPr>
-                                  <m:t>0</m:t>
-                                </m:r>
-                              </m:e>
-                              <m:e>
-                                <m:sSub>
-                                  <m:sSubPr>
-                                    <m:ctrlPr>
-                                      <a:rPr lang="it-IT" sz="1400" i="1" smtClean="0">
-                                        <a:solidFill>
-                                          <a:schemeClr val="bg1"/>
-                                        </a:solidFill>
-                                        <a:latin typeface="Cambria Math" panose="02040503050406030204" pitchFamily="18" charset="0"/>
-                                      </a:rPr>
-                                    </m:ctrlPr>
-                                  </m:sSubPr>
-                                  <m:e>
-                                    <m:r>
-                                      <a:rPr lang="it-IT" sz="1400" b="0" i="1" smtClean="0">
-                                        <a:solidFill>
-                                          <a:schemeClr val="bg1"/>
-                                        </a:solidFill>
-                                        <a:latin typeface="Cambria Math" panose="02040503050406030204" pitchFamily="18" charset="0"/>
-                                      </a:rPr>
-                                      <m:t>𝑌</m:t>
-                                    </m:r>
-                                  </m:e>
-                                  <m:sub>
-                                    <m:acc>
-                                      <m:accPr>
-                                        <m:chr m:val="̇"/>
-                                        <m:ctrlPr>
-                                          <a:rPr lang="it-IT" sz="1400" b="0" i="1" smtClean="0">
-                                            <a:solidFill>
-                                              <a:schemeClr val="bg1"/>
-                                            </a:solidFill>
-                                            <a:latin typeface="Cambria Math" panose="02040503050406030204" pitchFamily="18" charset="0"/>
-                                          </a:rPr>
-                                        </m:ctrlPr>
-                                      </m:accPr>
-                                      <m:e>
-                                        <m:r>
-                                          <a:rPr lang="it-IT" sz="1400" b="0" i="1" smtClean="0">
-                                            <a:solidFill>
-                                              <a:schemeClr val="bg1"/>
-                                            </a:solidFill>
-                                            <a:latin typeface="Cambria Math" panose="02040503050406030204" pitchFamily="18" charset="0"/>
-                                          </a:rPr>
-                                          <m:t>𝑣</m:t>
-                                        </m:r>
-                                      </m:e>
-                                    </m:acc>
-                                  </m:sub>
-                                </m:sSub>
-                              </m:e>
-                              <m:e>
-                                <m:r>
-                                  <a:rPr lang="it-IT" sz="1400" b="0" i="1" smtClean="0">
-                                    <a:solidFill>
-                                      <a:schemeClr val="bg1"/>
-                                    </a:solidFill>
-                                    <a:latin typeface="Cambria Math" panose="02040503050406030204" pitchFamily="18" charset="0"/>
-                                  </a:rPr>
-                                  <m:t>0</m:t>
-                                </m:r>
-                              </m:e>
-                              <m:e>
-                                <m:r>
-                                  <a:rPr lang="it-IT" sz="1400" b="0" i="1" smtClean="0">
-                                    <a:solidFill>
-                                      <a:schemeClr val="bg1"/>
-                                    </a:solidFill>
-                                    <a:latin typeface="Cambria Math" panose="02040503050406030204" pitchFamily="18" charset="0"/>
-                                  </a:rPr>
-                                  <m:t>0</m:t>
-                                </m:r>
-                              </m:e>
-                              <m:e>
-                                <m:r>
-                                  <a:rPr lang="it-IT" sz="1400" b="0" i="1" smtClean="0">
-                                    <a:solidFill>
-                                      <a:schemeClr val="bg1"/>
-                                    </a:solidFill>
-                                    <a:latin typeface="Cambria Math" panose="02040503050406030204" pitchFamily="18" charset="0"/>
-                                  </a:rPr>
-                                  <m:t>0</m:t>
-                                </m:r>
-                              </m:e>
-                              <m:e>
-                                <m:r>
-                                  <a:rPr lang="it-IT" sz="1400" b="0" i="1" smtClean="0">
-                                    <a:solidFill>
-                                      <a:schemeClr val="bg1"/>
-                                    </a:solidFill>
-                                    <a:latin typeface="Cambria Math" panose="02040503050406030204" pitchFamily="18" charset="0"/>
-                                  </a:rPr>
-                                  <m:t>0</m:t>
-                                </m:r>
-                              </m:e>
-                            </m:mr>
-                            <m:mr>
-                              <m:e>
-                                <m:r>
-                                  <a:rPr lang="it-IT" sz="1400" b="0" i="1" smtClean="0">
-                                    <a:solidFill>
-                                      <a:schemeClr val="bg1"/>
-                                    </a:solidFill>
-                                    <a:latin typeface="Cambria Math" panose="02040503050406030204" pitchFamily="18" charset="0"/>
-                                  </a:rPr>
-                                  <m:t>0</m:t>
-                                </m:r>
-                              </m:e>
-                              <m:e>
-                                <m:r>
-                                  <a:rPr lang="it-IT" sz="1400" b="0" i="1" smtClean="0">
-                                    <a:solidFill>
-                                      <a:schemeClr val="bg1"/>
-                                    </a:solidFill>
-                                    <a:latin typeface="Cambria Math" panose="02040503050406030204" pitchFamily="18" charset="0"/>
-                                  </a:rPr>
-                                  <m:t>0</m:t>
-                                </m:r>
-                              </m:e>
-                              <m:e>
-                                <m:sSub>
-                                  <m:sSubPr>
-                                    <m:ctrlPr>
-                                      <a:rPr lang="it-IT" sz="1400" i="1">
-                                        <a:solidFill>
-                                          <a:schemeClr val="bg1"/>
-                                        </a:solidFill>
-                                        <a:latin typeface="Cambria Math" panose="02040503050406030204" pitchFamily="18" charset="0"/>
-                                      </a:rPr>
-                                    </m:ctrlPr>
-                                  </m:sSubPr>
-                                  <m:e>
-                                    <m:r>
-                                      <a:rPr lang="it-IT" sz="1400" b="0" i="1" smtClean="0">
-                                        <a:solidFill>
-                                          <a:schemeClr val="bg1"/>
-                                        </a:solidFill>
-                                        <a:latin typeface="Cambria Math" panose="02040503050406030204" pitchFamily="18" charset="0"/>
-                                      </a:rPr>
-                                      <m:t>𝑍</m:t>
-                                    </m:r>
-                                  </m:e>
-                                  <m:sub>
-                                    <m:acc>
-                                      <m:accPr>
-                                        <m:chr m:val="̇"/>
-                                        <m:ctrlPr>
-                                          <a:rPr lang="it-IT" sz="1400" b="0" i="1" smtClean="0">
-                                            <a:solidFill>
-                                              <a:schemeClr val="bg1"/>
-                                            </a:solidFill>
-                                            <a:latin typeface="Cambria Math" panose="02040503050406030204" pitchFamily="18" charset="0"/>
-                                          </a:rPr>
-                                        </m:ctrlPr>
-                                      </m:accPr>
-                                      <m:e>
-                                        <m:r>
-                                          <a:rPr lang="it-IT" sz="1400" b="0" i="1" smtClean="0">
-                                            <a:solidFill>
-                                              <a:schemeClr val="bg1"/>
-                                            </a:solidFill>
-                                            <a:latin typeface="Cambria Math" panose="02040503050406030204" pitchFamily="18" charset="0"/>
-                                          </a:rPr>
-                                          <m:t>𝑤</m:t>
-                                        </m:r>
-                                      </m:e>
-                                    </m:acc>
-                                  </m:sub>
-                                </m:sSub>
-                              </m:e>
-                              <m:e>
-                                <m:r>
-                                  <a:rPr lang="it-IT" sz="1400" b="0" i="1" smtClean="0">
-                                    <a:solidFill>
-                                      <a:schemeClr val="bg1"/>
-                                    </a:solidFill>
-                                    <a:latin typeface="Cambria Math" panose="02040503050406030204" pitchFamily="18" charset="0"/>
-                                  </a:rPr>
-                                  <m:t>0</m:t>
-                                </m:r>
-                              </m:e>
-                              <m:e>
-                                <m:r>
-                                  <a:rPr lang="it-IT" sz="1400" b="0" i="1" smtClean="0">
-                                    <a:solidFill>
-                                      <a:schemeClr val="bg1"/>
-                                    </a:solidFill>
-                                    <a:latin typeface="Cambria Math" panose="02040503050406030204" pitchFamily="18" charset="0"/>
-                                  </a:rPr>
-                                  <m:t>0</m:t>
-                                </m:r>
-                              </m:e>
-                              <m:e>
-                                <m:r>
-                                  <a:rPr lang="it-IT" sz="1400" b="0" i="1" smtClean="0">
-                                    <a:solidFill>
-                                      <a:schemeClr val="bg1"/>
-                                    </a:solidFill>
-                                    <a:latin typeface="Cambria Math" panose="02040503050406030204" pitchFamily="18" charset="0"/>
-                                  </a:rPr>
-                                  <m:t>0</m:t>
-                                </m:r>
-                              </m:e>
-                            </m:mr>
-                            <m:mr>
-                              <m:e>
-                                <m:r>
-                                  <a:rPr lang="it-IT" sz="1400" b="0" i="1" smtClean="0">
-                                    <a:solidFill>
-                                      <a:schemeClr val="bg1"/>
-                                    </a:solidFill>
-                                    <a:latin typeface="Cambria Math" panose="02040503050406030204" pitchFamily="18" charset="0"/>
-                                  </a:rPr>
-                                  <m:t>0</m:t>
-                                </m:r>
-                              </m:e>
-                              <m:e>
-                                <m:r>
-                                  <a:rPr lang="it-IT" sz="1400" b="0" i="1" smtClean="0">
-                                    <a:solidFill>
-                                      <a:schemeClr val="bg1"/>
-                                    </a:solidFill>
-                                    <a:latin typeface="Cambria Math" panose="02040503050406030204" pitchFamily="18" charset="0"/>
-                                  </a:rPr>
-                                  <m:t>0</m:t>
-                                </m:r>
-                              </m:e>
-                              <m:e>
-                                <m:r>
-                                  <a:rPr lang="it-IT" sz="1400" b="0" i="1" smtClean="0">
-                                    <a:solidFill>
-                                      <a:schemeClr val="bg1"/>
-                                    </a:solidFill>
-                                    <a:latin typeface="Cambria Math" panose="02040503050406030204" pitchFamily="18" charset="0"/>
-                                  </a:rPr>
-                                  <m:t>0</m:t>
-                                </m:r>
-                              </m:e>
-                              <m:e>
-                                <m:sSub>
-                                  <m:sSubPr>
-                                    <m:ctrlPr>
-                                      <a:rPr lang="it-IT" sz="1400" i="1" smtClean="0">
-                                        <a:solidFill>
-                                          <a:schemeClr val="bg1"/>
-                                        </a:solidFill>
-                                        <a:latin typeface="Cambria Math" panose="02040503050406030204" pitchFamily="18" charset="0"/>
-                                      </a:rPr>
-                                    </m:ctrlPr>
-                                  </m:sSubPr>
-                                  <m:e>
-                                    <m:r>
-                                      <a:rPr lang="it-IT" sz="1400" b="0" i="1" smtClean="0">
-                                        <a:solidFill>
-                                          <a:schemeClr val="bg1"/>
-                                        </a:solidFill>
-                                        <a:latin typeface="Cambria Math" panose="02040503050406030204" pitchFamily="18" charset="0"/>
-                                      </a:rPr>
-                                      <m:t>𝐾</m:t>
-                                    </m:r>
-                                  </m:e>
-                                  <m:sub>
-                                    <m:acc>
-                                      <m:accPr>
-                                        <m:chr m:val="̇"/>
-                                        <m:ctrlPr>
-                                          <a:rPr lang="it-IT" sz="1400" b="0" i="1" smtClean="0">
-                                            <a:solidFill>
-                                              <a:schemeClr val="bg1"/>
-                                            </a:solidFill>
-                                            <a:latin typeface="Cambria Math" panose="02040503050406030204" pitchFamily="18" charset="0"/>
-                                          </a:rPr>
-                                        </m:ctrlPr>
-                                      </m:accPr>
-                                      <m:e>
-                                        <m:r>
-                                          <a:rPr lang="it-IT" sz="1400" b="0" i="1" smtClean="0">
-                                            <a:solidFill>
-                                              <a:schemeClr val="bg1"/>
-                                            </a:solidFill>
-                                            <a:latin typeface="Cambria Math" panose="02040503050406030204" pitchFamily="18" charset="0"/>
-                                          </a:rPr>
-                                          <m:t>𝑝</m:t>
-                                        </m:r>
-                                      </m:e>
-                                    </m:acc>
-                                  </m:sub>
-                                </m:sSub>
-                              </m:e>
-                              <m:e>
-                                <m:r>
-                                  <a:rPr lang="it-IT" sz="1400" b="0" i="1" smtClean="0">
-                                    <a:solidFill>
-                                      <a:schemeClr val="bg1"/>
-                                    </a:solidFill>
-                                    <a:latin typeface="Cambria Math" panose="02040503050406030204" pitchFamily="18" charset="0"/>
-                                  </a:rPr>
-                                  <m:t>0</m:t>
-                                </m:r>
-                              </m:e>
-                              <m:e>
-                                <m:r>
-                                  <a:rPr lang="it-IT" sz="1400" b="0" i="1" smtClean="0">
-                                    <a:solidFill>
-                                      <a:schemeClr val="bg1"/>
-                                    </a:solidFill>
-                                    <a:latin typeface="Cambria Math" panose="02040503050406030204" pitchFamily="18" charset="0"/>
-                                  </a:rPr>
-                                  <m:t>0</m:t>
-                                </m:r>
-                              </m:e>
-                            </m:mr>
-                            <m:mr>
-                              <m:e>
-                                <m:r>
-                                  <a:rPr lang="it-IT" sz="1400" b="0" i="1" smtClean="0">
-                                    <a:solidFill>
-                                      <a:schemeClr val="bg1"/>
-                                    </a:solidFill>
-                                    <a:latin typeface="Cambria Math" panose="02040503050406030204" pitchFamily="18" charset="0"/>
-                                  </a:rPr>
-                                  <m:t>0</m:t>
-                                </m:r>
-                              </m:e>
-                              <m:e>
-                                <m:r>
-                                  <a:rPr lang="it-IT" sz="1400" b="0" i="1" smtClean="0">
-                                    <a:solidFill>
-                                      <a:schemeClr val="bg1"/>
-                                    </a:solidFill>
-                                    <a:latin typeface="Cambria Math" panose="02040503050406030204" pitchFamily="18" charset="0"/>
-                                  </a:rPr>
-                                  <m:t>0</m:t>
-                                </m:r>
-                              </m:e>
-                              <m:e>
-                                <m:r>
-                                  <a:rPr lang="it-IT" sz="1400" b="0" i="1" smtClean="0">
-                                    <a:solidFill>
-                                      <a:schemeClr val="bg1"/>
-                                    </a:solidFill>
-                                    <a:latin typeface="Cambria Math" panose="02040503050406030204" pitchFamily="18" charset="0"/>
-                                  </a:rPr>
-                                  <m:t>0</m:t>
-                                </m:r>
-                              </m:e>
-                              <m:e>
-                                <m:r>
-                                  <a:rPr lang="it-IT" sz="1400" b="0" i="1" smtClean="0">
-                                    <a:solidFill>
-                                      <a:schemeClr val="bg1"/>
-                                    </a:solidFill>
-                                    <a:latin typeface="Cambria Math" panose="02040503050406030204" pitchFamily="18" charset="0"/>
-                                  </a:rPr>
-                                  <m:t>0</m:t>
-                                </m:r>
-                              </m:e>
-                              <m:e>
-                                <m:sSub>
-                                  <m:sSubPr>
-                                    <m:ctrlPr>
-                                      <a:rPr lang="it-IT" sz="1400" i="1" smtClean="0">
-                                        <a:solidFill>
-                                          <a:schemeClr val="bg1"/>
-                                        </a:solidFill>
-                                        <a:latin typeface="Cambria Math" panose="02040503050406030204" pitchFamily="18" charset="0"/>
-                                      </a:rPr>
-                                    </m:ctrlPr>
-                                  </m:sSubPr>
-                                  <m:e>
-                                    <m:r>
-                                      <a:rPr lang="it-IT" sz="1400" b="0" i="1" smtClean="0">
-                                        <a:solidFill>
-                                          <a:schemeClr val="bg1"/>
-                                        </a:solidFill>
-                                        <a:latin typeface="Cambria Math" panose="02040503050406030204" pitchFamily="18" charset="0"/>
-                                      </a:rPr>
-                                      <m:t>𝑀</m:t>
-                                    </m:r>
-                                  </m:e>
-                                  <m:sub>
-                                    <m:acc>
-                                      <m:accPr>
-                                        <m:chr m:val="̇"/>
-                                        <m:ctrlPr>
-                                          <a:rPr lang="it-IT" sz="1400" b="0" i="1" smtClean="0">
-                                            <a:solidFill>
-                                              <a:schemeClr val="bg1"/>
-                                            </a:solidFill>
-                                            <a:latin typeface="Cambria Math" panose="02040503050406030204" pitchFamily="18" charset="0"/>
-                                          </a:rPr>
-                                        </m:ctrlPr>
-                                      </m:accPr>
-                                      <m:e>
-                                        <m:r>
-                                          <a:rPr lang="it-IT" sz="1400" b="0" i="1" smtClean="0">
-                                            <a:solidFill>
-                                              <a:schemeClr val="bg1"/>
-                                            </a:solidFill>
-                                            <a:latin typeface="Cambria Math" panose="02040503050406030204" pitchFamily="18" charset="0"/>
-                                          </a:rPr>
-                                          <m:t>𝑞</m:t>
-                                        </m:r>
-                                      </m:e>
-                                    </m:acc>
-                                  </m:sub>
-                                </m:sSub>
-                              </m:e>
-                              <m:e>
-                                <m:r>
-                                  <a:rPr lang="it-IT" sz="1400" b="0" i="1" smtClean="0">
-                                    <a:solidFill>
-                                      <a:schemeClr val="bg1"/>
-                                    </a:solidFill>
-                                    <a:latin typeface="Cambria Math" panose="02040503050406030204" pitchFamily="18" charset="0"/>
-                                  </a:rPr>
-                                  <m:t>0</m:t>
-                                </m:r>
-                              </m:e>
-                            </m:mr>
-                            <m:mr>
-                              <m:e>
-                                <m:r>
-                                  <a:rPr lang="it-IT" sz="1400" b="0" i="1" smtClean="0">
-                                    <a:solidFill>
-                                      <a:schemeClr val="bg1"/>
-                                    </a:solidFill>
-                                    <a:latin typeface="Cambria Math" panose="02040503050406030204" pitchFamily="18" charset="0"/>
-                                  </a:rPr>
-                                  <m:t>0</m:t>
-                                </m:r>
-                              </m:e>
-                              <m:e>
-                                <m:r>
-                                  <a:rPr lang="it-IT" sz="1400" b="0" i="1" smtClean="0">
-                                    <a:solidFill>
-                                      <a:schemeClr val="bg1"/>
-                                    </a:solidFill>
-                                    <a:latin typeface="Cambria Math" panose="02040503050406030204" pitchFamily="18" charset="0"/>
-                                  </a:rPr>
-                                  <m:t>0</m:t>
-                                </m:r>
-                              </m:e>
-                              <m:e>
-                                <m:r>
-                                  <a:rPr lang="it-IT" sz="1400" b="0" i="1" smtClean="0">
-                                    <a:solidFill>
-                                      <a:schemeClr val="bg1"/>
-                                    </a:solidFill>
-                                    <a:latin typeface="Cambria Math" panose="02040503050406030204" pitchFamily="18" charset="0"/>
-                                  </a:rPr>
-                                  <m:t>0</m:t>
-                                </m:r>
-                              </m:e>
-                              <m:e>
-                                <m:r>
-                                  <a:rPr lang="it-IT" sz="1400" b="0" i="1" smtClean="0">
-                                    <a:solidFill>
-                                      <a:schemeClr val="bg1"/>
-                                    </a:solidFill>
-                                    <a:latin typeface="Cambria Math" panose="02040503050406030204" pitchFamily="18" charset="0"/>
-                                  </a:rPr>
-                                  <m:t>0</m:t>
-                                </m:r>
-                              </m:e>
-                              <m:e>
-                                <m:r>
-                                  <a:rPr lang="it-IT" sz="1400" b="0" i="1" smtClean="0">
-                                    <a:solidFill>
-                                      <a:schemeClr val="bg1"/>
-                                    </a:solidFill>
-                                    <a:latin typeface="Cambria Math" panose="02040503050406030204" pitchFamily="18" charset="0"/>
-                                  </a:rPr>
-                                  <m:t>0</m:t>
-                                </m:r>
-                              </m:e>
-                              <m:e>
-                                <m:sSub>
-                                  <m:sSubPr>
-                                    <m:ctrlPr>
-                                      <a:rPr lang="it-IT" sz="1400" i="1">
-                                        <a:solidFill>
-                                          <a:schemeClr val="bg1"/>
-                                        </a:solidFill>
-                                        <a:latin typeface="Cambria Math" panose="02040503050406030204" pitchFamily="18" charset="0"/>
-                                      </a:rPr>
-                                    </m:ctrlPr>
-                                  </m:sSubPr>
-                                  <m:e>
-                                    <m:r>
-                                      <a:rPr lang="it-IT" sz="1400" b="0" i="1" smtClean="0">
-                                        <a:solidFill>
-                                          <a:schemeClr val="bg1"/>
-                                        </a:solidFill>
-                                        <a:latin typeface="Cambria Math" panose="02040503050406030204" pitchFamily="18" charset="0"/>
-                                      </a:rPr>
-                                      <m:t>𝑁</m:t>
-                                    </m:r>
-                                  </m:e>
-                                  <m:sub>
-                                    <m:acc>
-                                      <m:accPr>
-                                        <m:chr m:val="̇"/>
-                                        <m:ctrlPr>
-                                          <a:rPr lang="it-IT" sz="1400" b="0" i="1" smtClean="0">
-                                            <a:solidFill>
-                                              <a:schemeClr val="bg1"/>
-                                            </a:solidFill>
-                                            <a:latin typeface="Cambria Math" panose="02040503050406030204" pitchFamily="18" charset="0"/>
-                                          </a:rPr>
-                                        </m:ctrlPr>
-                                      </m:accPr>
-                                      <m:e>
-                                        <m:r>
-                                          <a:rPr lang="it-IT" sz="1400" b="0" i="1" smtClean="0">
-                                            <a:solidFill>
-                                              <a:schemeClr val="bg1"/>
-                                            </a:solidFill>
-                                            <a:latin typeface="Cambria Math" panose="02040503050406030204" pitchFamily="18" charset="0"/>
-                                          </a:rPr>
-                                          <m:t>𝑟</m:t>
-                                        </m:r>
-                                      </m:e>
-                                    </m:acc>
-                                  </m:sub>
-                                </m:sSub>
-                              </m:e>
-                            </m:mr>
-                          </m:m>
-                        </m:e>
-                      </m:d>
-                    </m:oMath>
-                  </m:oMathPara>
-                </a14:m>
-                <a:endParaRPr lang="it-IT" sz="1400" dirty="0">
-                  <a:solidFill>
-                    <a:schemeClr val="bg1"/>
-                  </a:solidFill>
-                </a:endParaRPr>
-              </a:p>
-            </p:txBody>
-          </p:sp>
-        </mc:Choice>
-        <mc:Fallback>
-          <p:sp>
-            <p:nvSpPr>
-              <p:cNvPr id="38" name="CasellaDiTesto 37">
-                <a:extLst>
-                  <a:ext uri="{FF2B5EF4-FFF2-40B4-BE49-F238E27FC236}">
-                    <a16:creationId xmlns:a16="http://schemas.microsoft.com/office/drawing/2014/main" id="{A59F7389-C844-4C49-90EE-9AC7B3E5C9E3}"/>
-                  </a:ext>
-                </a:extLst>
-              </p:cNvPr>
-              <p:cNvSpPr txBox="1">
-                <a:spLocks noRot="1" noChangeAspect="1" noMove="1" noResize="1" noEditPoints="1" noAdjustHandles="1" noChangeArrowheads="1" noChangeShapeType="1" noTextEdit="1"/>
-              </p:cNvSpPr>
-              <p:nvPr/>
-            </p:nvSpPr>
-            <p:spPr>
-              <a:xfrm>
-                <a:off x="522355" y="2098257"/>
-                <a:ext cx="4430129" cy="1311513"/>
-              </a:xfrm>
-              <a:prstGeom prst="rect">
-                <a:avLst/>
-              </a:prstGeom>
-              <a:blipFill>
-                <a:blip r:embed="rId3"/>
-                <a:stretch>
-                  <a:fillRect/>
-                </a:stretch>
-              </a:blipFill>
-            </p:spPr>
-            <p:txBody>
-              <a:bodyPr/>
-              <a:lstStyle/>
-              <a:p>
-                <a:r>
-                  <a:rPr lang="it-IT">
-                    <a:noFill/>
-                  </a:rPr>
-                  <a:t> </a:t>
-                </a:r>
-              </a:p>
-            </p:txBody>
-          </p:sp>
-        </mc:Fallback>
-      </mc:AlternateContent>
-      <p:pic>
-        <p:nvPicPr>
-          <p:cNvPr id="7" name="Immagine 6" descr="Immagine che contiene testo&#10;&#10;Descrizione generata automaticamente">
-            <a:extLst>
-              <a:ext uri="{FF2B5EF4-FFF2-40B4-BE49-F238E27FC236}">
-                <a16:creationId xmlns:a16="http://schemas.microsoft.com/office/drawing/2014/main" id="{10114F51-BD45-4E7A-A8ED-7A0C07D5F5D7}"/>
-              </a:ext>
-            </a:extLst>
-          </p:cNvPr>
-          <p:cNvPicPr>
-            <a:picLocks noChangeAspect="1"/>
-          </p:cNvPicPr>
-          <p:nvPr/>
-        </p:nvPicPr>
-        <p:blipFill>
-          <a:blip r:embed="rId4">
-            <a:extLst>
-              <a:ext uri="{28A0092B-C50C-407E-A947-70E740481C1C}">
-                <a14:useLocalDpi xmlns:a14="http://schemas.microsoft.com/office/drawing/2010/main" val="0"/>
-              </a:ext>
-            </a:extLst>
-          </a:blip>
-          <a:stretch>
-            <a:fillRect/>
-          </a:stretch>
-        </p:blipFill>
-        <p:spPr>
-          <a:xfrm>
-            <a:off x="5970907" y="632217"/>
-            <a:ext cx="5380186" cy="5593565"/>
-          </a:xfrm>
-          <a:prstGeom prst="rect">
-            <a:avLst/>
-          </a:prstGeom>
-        </p:spPr>
-      </p:pic>
-      <p:pic>
-        <p:nvPicPr>
-          <p:cNvPr id="12" name="Immagine 11" descr="Immagine che contiene testo&#10;&#10;Descrizione generata automaticamente">
-            <a:extLst>
-              <a:ext uri="{FF2B5EF4-FFF2-40B4-BE49-F238E27FC236}">
-                <a16:creationId xmlns:a16="http://schemas.microsoft.com/office/drawing/2014/main" id="{1DA8B46A-6D17-4599-B596-3306CEE8E5DF}"/>
-              </a:ext>
-            </a:extLst>
-          </p:cNvPr>
-          <p:cNvPicPr>
-            <a:picLocks noChangeAspect="1"/>
-          </p:cNvPicPr>
-          <p:nvPr/>
-        </p:nvPicPr>
-        <p:blipFill>
-          <a:blip r:embed="rId5">
-            <a:extLst>
-              <a:ext uri="{28A0092B-C50C-407E-A947-70E740481C1C}">
-                <a14:useLocalDpi xmlns:a14="http://schemas.microsoft.com/office/drawing/2010/main" val="0"/>
-              </a:ext>
-            </a:extLst>
-          </a:blip>
-          <a:stretch>
-            <a:fillRect/>
-          </a:stretch>
-        </p:blipFill>
-        <p:spPr>
-          <a:xfrm>
-            <a:off x="840907" y="3961217"/>
-            <a:ext cx="4099915" cy="1714649"/>
-          </a:xfrm>
-          <a:prstGeom prst="rect">
-            <a:avLst/>
-          </a:prstGeom>
-        </p:spPr>
-      </p:pic>
-      <p:sp>
-        <p:nvSpPr>
-          <p:cNvPr id="14" name="Segnaposto numero diapositiva 13">
-            <a:extLst>
-              <a:ext uri="{FF2B5EF4-FFF2-40B4-BE49-F238E27FC236}">
-                <a16:creationId xmlns:a16="http://schemas.microsoft.com/office/drawing/2014/main" id="{D01CC6BD-198F-4C84-AE83-7C743021ACA8}"/>
-              </a:ext>
-            </a:extLst>
-          </p:cNvPr>
-          <p:cNvSpPr>
-            <a:spLocks noGrp="1"/>
-          </p:cNvSpPr>
-          <p:nvPr>
-            <p:ph type="sldNum" sz="quarter" idx="12"/>
-          </p:nvPr>
-        </p:nvSpPr>
-        <p:spPr/>
-        <p:txBody>
-          <a:bodyPr/>
-          <a:lstStyle/>
-          <a:p>
-            <a:fld id="{4854181D-6920-4594-9A5D-6CE56DC9F8B2}" type="slidenum">
-              <a:rPr lang="en-US" smtClean="0"/>
-              <a:t>9</a:t>
-            </a:fld>
-            <a:endParaRPr lang="en-US"/>
-          </a:p>
-        </p:txBody>
-      </p:sp>
-    </p:spTree>
-    <p:extLst>
-      <p:ext uri="{BB962C8B-B14F-4D97-AF65-F5344CB8AC3E}">
-        <p14:creationId xmlns:p14="http://schemas.microsoft.com/office/powerpoint/2010/main" val="2641918586"/>
       </p:ext>
     </p:extLst>
   </p:cSld>

--- a/presentazione.pptx
+++ b/presentazione.pptx
@@ -709,6 +709,90 @@
 </p:notesMaster>
 </file>
 
+<file path=ppt/notesSlides/notesSlide1.xml><?xml version="1.0" encoding="utf-8"?>
+<p:notes xmlns:a="http://schemas.openxmlformats.org/drawingml/2006/main" xmlns:r="http://schemas.openxmlformats.org/officeDocument/2006/relationships" xmlns:p="http://schemas.openxmlformats.org/presentationml/2006/main">
+  <p:cSld>
+    <p:spTree>
+      <p:nvGrpSpPr>
+        <p:cNvPr id="1" name=""/>
+        <p:cNvGrpSpPr/>
+        <p:nvPr/>
+      </p:nvGrpSpPr>
+      <p:grpSpPr>
+        <a:xfrm>
+          <a:off x="0" y="0"/>
+          <a:ext cx="0" cy="0"/>
+          <a:chOff x="0" y="0"/>
+          <a:chExt cx="0" cy="0"/>
+        </a:xfrm>
+      </p:grpSpPr>
+      <p:sp>
+        <p:nvSpPr>
+          <p:cNvPr id="2" name="Segnaposto immagine diapositiva 1"/>
+          <p:cNvSpPr>
+            <a:spLocks noGrp="1" noRot="1" noChangeAspect="1"/>
+          </p:cNvSpPr>
+          <p:nvPr>
+            <p:ph type="sldImg"/>
+          </p:nvPr>
+        </p:nvSpPr>
+        <p:spPr/>
+      </p:sp>
+      <p:sp>
+        <p:nvSpPr>
+          <p:cNvPr id="3" name="Segnaposto note 2"/>
+          <p:cNvSpPr>
+            <a:spLocks noGrp="1"/>
+          </p:cNvSpPr>
+          <p:nvPr>
+            <p:ph type="body" idx="1"/>
+          </p:nvPr>
+        </p:nvSpPr>
+        <p:spPr/>
+        <p:txBody>
+          <a:bodyPr/>
+          <a:lstStyle/>
+          <a:p>
+            <a:endParaRPr lang="it-IT" dirty="0"/>
+          </a:p>
+        </p:txBody>
+      </p:sp>
+      <p:sp>
+        <p:nvSpPr>
+          <p:cNvPr id="4" name="Segnaposto numero diapositiva 3"/>
+          <p:cNvSpPr>
+            <a:spLocks noGrp="1"/>
+          </p:cNvSpPr>
+          <p:nvPr>
+            <p:ph type="sldNum" sz="quarter" idx="5"/>
+          </p:nvPr>
+        </p:nvSpPr>
+        <p:spPr/>
+        <p:txBody>
+          <a:bodyPr/>
+          <a:lstStyle/>
+          <a:p>
+            <a:fld id="{2386A015-34DC-4C1E-872A-26AD2B36AD0D}" type="slidenum">
+              <a:rPr lang="it-IT" smtClean="0"/>
+              <a:t>6</a:t>
+            </a:fld>
+            <a:endParaRPr lang="it-IT"/>
+          </a:p>
+        </p:txBody>
+      </p:sp>
+    </p:spTree>
+    <p:extLst>
+      <p:ext uri="{BB962C8B-B14F-4D97-AF65-F5344CB8AC3E}">
+        <p14:creationId xmlns:p14="http://schemas.microsoft.com/office/powerpoint/2010/main" val="3217888182"/>
+      </p:ext>
+    </p:extLst>
+  </p:cSld>
+  <p:clrMapOvr>
+    <a:masterClrMapping/>
+  </p:clrMapOvr>
+</p:notes>
+</file>
+
 <file path=ppt/slideLayouts/slideLayout1.xml><?xml version="1.0" encoding="utf-8"?>
 <p:sldLayout xmlns:a="http://schemas.openxmlformats.org/drawingml/2006/main" xmlns:r="http://schemas.openxmlformats.org/officeDocument/2006/relationships" xmlns:p="http://schemas.openxmlformats.org/presentationml/2006/main" type="title" preserve="1">
   <p:cSld name="Title Slide">
@@ -854,7 +938,7 @@
           <a:bodyPr/>
           <a:lstStyle/>
           <a:p>
-            <a:fld id="{BA6DBF51-8FDF-4D75-BD0A-762F996B99B3}" type="datetime1">
+            <a:fld id="{84239772-C33B-4D72-8734-B8D1303541B2}" type="datetime1">
               <a:rPr lang="en-US" smtClean="0"/>
               <a:t>6/8/2020</a:t>
             </a:fld>
@@ -1313,7 +1397,7 @@
             </a:lvl1pPr>
           </a:lstStyle>
           <a:p>
-            <a:fld id="{3E97FDA1-5B8D-4B8F-A022-5B6AFC3934EF}" type="datetime1">
+            <a:fld id="{4C4D76AC-BD49-48A7-8314-2C6390BCB40F}" type="datetime1">
               <a:rPr lang="en-US" smtClean="0"/>
               <a:t>6/8/2020</a:t>
             </a:fld>
@@ -2065,6 +2149,35 @@
           </a:prstGeom>
         </p:spPr>
       </p:pic>
+      <p:sp>
+        <p:nvSpPr>
+          <p:cNvPr id="4" name="Segnaposto numero diapositiva 3">
+            <a:extLst>
+              <a:ext uri="{FF2B5EF4-FFF2-40B4-BE49-F238E27FC236}">
+                <a16:creationId xmlns:a16="http://schemas.microsoft.com/office/drawing/2014/main" id="{FC2961BE-480D-43F3-BE0F-BB990EBA96E6}"/>
+              </a:ext>
+            </a:extLst>
+          </p:cNvPr>
+          <p:cNvSpPr>
+            <a:spLocks noGrp="1"/>
+          </p:cNvSpPr>
+          <p:nvPr>
+            <p:ph type="sldNum" sz="quarter" idx="12"/>
+          </p:nvPr>
+        </p:nvSpPr>
+        <p:spPr/>
+        <p:txBody>
+          <a:bodyPr/>
+          <a:lstStyle/>
+          <a:p>
+            <a:fld id="{4854181D-6920-4594-9A5D-6CE56DC9F8B2}" type="slidenum">
+              <a:rPr lang="en-US" smtClean="0"/>
+              <a:t>1</a:t>
+            </a:fld>
+            <a:endParaRPr lang="en-US"/>
+          </a:p>
+        </p:txBody>
+      </p:sp>
     </p:spTree>
     <p:extLst>
       <p:ext uri="{BB962C8B-B14F-4D97-AF65-F5344CB8AC3E}">
@@ -3148,10 +3261,10 @@
       </p:pic>
       <p:sp>
         <p:nvSpPr>
-          <p:cNvPr id="14" name="Segnaposto numero diapositiva 13">
+          <p:cNvPr id="2" name="Segnaposto numero diapositiva 1">
             <a:extLst>
               <a:ext uri="{FF2B5EF4-FFF2-40B4-BE49-F238E27FC236}">
-                <a16:creationId xmlns:a16="http://schemas.microsoft.com/office/drawing/2014/main" id="{D01CC6BD-198F-4C84-AE83-7C743021ACA8}"/>
+                <a16:creationId xmlns:a16="http://schemas.microsoft.com/office/drawing/2014/main" id="{4837F35C-5785-4D6E-8BA2-80AFF8B6D6F8}"/>
               </a:ext>
             </a:extLst>
           </p:cNvPr>
@@ -3435,10 +3548,10 @@
       </p:pic>
       <p:sp>
         <p:nvSpPr>
-          <p:cNvPr id="22" name="Segnaposto numero diapositiva 21">
+          <p:cNvPr id="2" name="Segnaposto numero diapositiva 1">
             <a:extLst>
               <a:ext uri="{FF2B5EF4-FFF2-40B4-BE49-F238E27FC236}">
-                <a16:creationId xmlns:a16="http://schemas.microsoft.com/office/drawing/2014/main" id="{C078FE51-CD4F-46CB-85F0-7BE1D51E0EC9}"/>
+                <a16:creationId xmlns:a16="http://schemas.microsoft.com/office/drawing/2014/main" id="{32E2FB2F-8F7C-4915-8F14-182849432571}"/>
               </a:ext>
             </a:extLst>
           </p:cNvPr>
@@ -3830,10 +3943,10 @@
       </p:pic>
       <p:sp>
         <p:nvSpPr>
-          <p:cNvPr id="2" name="Segnaposto numero diapositiva 1">
+          <p:cNvPr id="3" name="Segnaposto numero diapositiva 2">
             <a:extLst>
               <a:ext uri="{FF2B5EF4-FFF2-40B4-BE49-F238E27FC236}">
-                <a16:creationId xmlns:a16="http://schemas.microsoft.com/office/drawing/2014/main" id="{C7E1D5A3-C649-422F-82B9-96DC80CB2E41}"/>
+                <a16:creationId xmlns:a16="http://schemas.microsoft.com/office/drawing/2014/main" id="{C9C30014-545C-4A40-85DD-EEF2478DFD9F}"/>
               </a:ext>
             </a:extLst>
           </p:cNvPr>
@@ -4312,10 +4425,10 @@
       </p:pic>
       <p:sp>
         <p:nvSpPr>
-          <p:cNvPr id="5" name="Segnaposto numero diapositiva 4">
+          <p:cNvPr id="6" name="Segnaposto numero diapositiva 5">
             <a:extLst>
               <a:ext uri="{FF2B5EF4-FFF2-40B4-BE49-F238E27FC236}">
-                <a16:creationId xmlns:a16="http://schemas.microsoft.com/office/drawing/2014/main" id="{94E81924-7413-47D3-AF98-9023CDA280E7}"/>
+                <a16:creationId xmlns:a16="http://schemas.microsoft.com/office/drawing/2014/main" id="{74C45054-7913-4C13-B7DB-69CBC3E69928}"/>
               </a:ext>
             </a:extLst>
           </p:cNvPr>
@@ -4457,10 +4570,417 @@
       </p:sp>
       <p:sp>
         <p:nvSpPr>
-          <p:cNvPr id="2" name="Segnaposto numero diapositiva 1">
+          <p:cNvPr id="5" name="CasellaDiTesto 4">
             <a:extLst>
               <a:ext uri="{FF2B5EF4-FFF2-40B4-BE49-F238E27FC236}">
-                <a16:creationId xmlns:a16="http://schemas.microsoft.com/office/drawing/2014/main" id="{F0CE49EA-36D5-4BB5-9630-2FB58CEBC55A}"/>
+                <a16:creationId xmlns:a16="http://schemas.microsoft.com/office/drawing/2014/main" id="{0217977D-6FF7-4021-B646-8B111007C271}"/>
+              </a:ext>
+            </a:extLst>
+          </p:cNvPr>
+          <p:cNvSpPr txBox="1"/>
+          <p:nvPr/>
+        </p:nvSpPr>
+        <p:spPr>
+          <a:xfrm>
+            <a:off x="829557" y="1837832"/>
+            <a:ext cx="10765412" cy="4154984"/>
+          </a:xfrm>
+          <a:prstGeom prst="rect">
+            <a:avLst/>
+          </a:prstGeom>
+          <a:noFill/>
+        </p:spPr>
+        <p:txBody>
+          <a:bodyPr wrap="square" rtlCol="0">
+            <a:spAutoFit/>
+          </a:bodyPr>
+          <a:lstStyle/>
+          <a:p>
+            <a:pPr marL="342900" indent="-342900">
+              <a:buFont typeface="Arial" panose="020B0604020202020204" pitchFamily="34" charset="0"/>
+              <a:buChar char="•"/>
+            </a:pPr>
+            <a:r>
+              <a:rPr lang="it-IT" sz="2400" dirty="0">
+                <a:solidFill>
+                  <a:schemeClr val="bg1"/>
+                </a:solidFill>
+              </a:rPr>
+              <a:t>Simulazioni su ciascun grado di libertà (con corrente nulla)</a:t>
+            </a:r>
+          </a:p>
+          <a:p>
+            <a:endParaRPr lang="it-IT" sz="2400" dirty="0">
+              <a:solidFill>
+                <a:schemeClr val="bg1"/>
+              </a:solidFill>
+            </a:endParaRPr>
+          </a:p>
+          <a:p>
+            <a:pPr marL="914400" lvl="1" indent="-457200">
+              <a:buFont typeface="+mj-lt"/>
+              <a:buAutoNum type="arabicPeriod"/>
+            </a:pPr>
+            <a:r>
+              <a:rPr lang="it-IT" sz="2400" dirty="0">
+                <a:solidFill>
+                  <a:schemeClr val="bg1"/>
+                </a:solidFill>
+              </a:rPr>
+              <a:t>Moto di </a:t>
+            </a:r>
+            <a:r>
+              <a:rPr lang="it-IT" sz="2400" b="1" dirty="0">
+                <a:solidFill>
+                  <a:schemeClr val="bg1"/>
+                </a:solidFill>
+              </a:rPr>
+              <a:t>surge</a:t>
+            </a:r>
+            <a:r>
+              <a:rPr lang="it-IT" sz="2400" dirty="0">
+                <a:solidFill>
+                  <a:schemeClr val="bg1"/>
+                </a:solidFill>
+              </a:rPr>
+              <a:t> 		→ velocità rotazione eliche dei </a:t>
+            </a:r>
+            <a:r>
+              <a:rPr lang="it-IT" sz="2400" dirty="0" err="1">
+                <a:solidFill>
+                  <a:schemeClr val="bg1"/>
+                </a:solidFill>
+              </a:rPr>
+              <a:t>thruster</a:t>
+            </a:r>
+            <a:r>
+              <a:rPr lang="it-IT" sz="2400" dirty="0">
+                <a:solidFill>
+                  <a:schemeClr val="bg1"/>
+                </a:solidFill>
+              </a:rPr>
+              <a:t> 1 e 2</a:t>
+            </a:r>
+          </a:p>
+          <a:p>
+            <a:pPr marL="914400" lvl="1" indent="-457200">
+              <a:buFont typeface="+mj-lt"/>
+              <a:buAutoNum type="arabicPeriod"/>
+            </a:pPr>
+            <a:r>
+              <a:rPr lang="it-IT" sz="2400" dirty="0">
+                <a:solidFill>
+                  <a:schemeClr val="bg1"/>
+                </a:solidFill>
+              </a:rPr>
+              <a:t>Moto di </a:t>
+            </a:r>
+            <a:r>
+              <a:rPr lang="it-IT" sz="2400" b="1" dirty="0" err="1">
+                <a:solidFill>
+                  <a:schemeClr val="bg1"/>
+                </a:solidFill>
+              </a:rPr>
+              <a:t>sway</a:t>
+            </a:r>
+            <a:r>
+              <a:rPr lang="it-IT" sz="2400" dirty="0">
+                <a:solidFill>
+                  <a:schemeClr val="bg1"/>
+                </a:solidFill>
+              </a:rPr>
+              <a:t> 		→ velocità rotazione eliche dei </a:t>
+            </a:r>
+            <a:r>
+              <a:rPr lang="it-IT" sz="2400" dirty="0" err="1">
+                <a:solidFill>
+                  <a:schemeClr val="bg1"/>
+                </a:solidFill>
+              </a:rPr>
+              <a:t>thruster</a:t>
+            </a:r>
+            <a:r>
+              <a:rPr lang="it-IT" sz="2400" dirty="0">
+                <a:solidFill>
+                  <a:schemeClr val="bg1"/>
+                </a:solidFill>
+              </a:rPr>
+              <a:t> 3 e 4</a:t>
+            </a:r>
+          </a:p>
+          <a:p>
+            <a:pPr marL="914400" lvl="1" indent="-457200">
+              <a:buFont typeface="+mj-lt"/>
+              <a:buAutoNum type="arabicPeriod"/>
+            </a:pPr>
+            <a:r>
+              <a:rPr lang="it-IT" sz="2400" dirty="0">
+                <a:solidFill>
+                  <a:schemeClr val="bg1"/>
+                </a:solidFill>
+              </a:rPr>
+              <a:t>Rotazione di </a:t>
+            </a:r>
+            <a:r>
+              <a:rPr lang="it-IT" sz="2400" b="1" dirty="0" err="1">
+                <a:solidFill>
+                  <a:schemeClr val="bg1"/>
+                </a:solidFill>
+              </a:rPr>
+              <a:t>yaw</a:t>
+            </a:r>
+            <a:r>
+              <a:rPr lang="it-IT" sz="2400" dirty="0">
+                <a:solidFill>
+                  <a:schemeClr val="bg1"/>
+                </a:solidFill>
+              </a:rPr>
+              <a:t> 	→ velocità rotazione eliche dei </a:t>
+            </a:r>
+            <a:r>
+              <a:rPr lang="it-IT" sz="2400" dirty="0" err="1">
+                <a:solidFill>
+                  <a:schemeClr val="bg1"/>
+                </a:solidFill>
+              </a:rPr>
+              <a:t>thruster</a:t>
+            </a:r>
+            <a:r>
+              <a:rPr lang="it-IT" sz="2400" dirty="0">
+                <a:solidFill>
+                  <a:schemeClr val="bg1"/>
+                </a:solidFill>
+              </a:rPr>
+              <a:t> 3 e 4</a:t>
+            </a:r>
+          </a:p>
+          <a:p>
+            <a:pPr marL="914400" lvl="1" indent="-457200">
+              <a:buFont typeface="+mj-lt"/>
+              <a:buAutoNum type="arabicPeriod"/>
+            </a:pPr>
+            <a:r>
+              <a:rPr lang="it-IT" sz="2400" dirty="0">
+                <a:solidFill>
+                  <a:schemeClr val="bg1"/>
+                </a:solidFill>
+              </a:rPr>
+              <a:t>Rotazione di </a:t>
+            </a:r>
+            <a:r>
+              <a:rPr lang="it-IT" sz="2400" b="1" dirty="0">
+                <a:solidFill>
+                  <a:schemeClr val="bg1"/>
+                </a:solidFill>
+              </a:rPr>
+              <a:t>roll</a:t>
+            </a:r>
+            <a:r>
+              <a:rPr lang="it-IT" sz="2400" dirty="0">
+                <a:solidFill>
+                  <a:schemeClr val="bg1"/>
+                </a:solidFill>
+              </a:rPr>
+              <a:t> 	→ momento </a:t>
+            </a:r>
+            <a:r>
+              <a:rPr lang="el-GR" sz="2400" dirty="0">
+                <a:solidFill>
+                  <a:schemeClr val="bg1"/>
+                </a:solidFill>
+              </a:rPr>
+              <a:t>τ</a:t>
+            </a:r>
+            <a:r>
+              <a:rPr lang="it-IT" sz="2400" dirty="0">
+                <a:solidFill>
+                  <a:schemeClr val="bg1"/>
+                </a:solidFill>
+              </a:rPr>
+              <a:t> non nullo sulla 4</a:t>
+            </a:r>
+            <a:r>
+              <a:rPr lang="it-IT" sz="2400" baseline="30000" dirty="0">
+                <a:solidFill>
+                  <a:schemeClr val="bg1"/>
+                </a:solidFill>
+              </a:rPr>
+              <a:t>a</a:t>
+            </a:r>
+            <a:r>
+              <a:rPr lang="it-IT" sz="2400" dirty="0">
+                <a:solidFill>
+                  <a:schemeClr val="bg1"/>
+                </a:solidFill>
+              </a:rPr>
+              <a:t> componente</a:t>
+            </a:r>
+          </a:p>
+          <a:p>
+            <a:pPr marL="914400" lvl="1" indent="-457200">
+              <a:buFont typeface="+mj-lt"/>
+              <a:buAutoNum type="arabicPeriod"/>
+            </a:pPr>
+            <a:r>
+              <a:rPr lang="it-IT" sz="2400" dirty="0">
+                <a:solidFill>
+                  <a:schemeClr val="bg1"/>
+                </a:solidFill>
+              </a:rPr>
+              <a:t>Rotazione di </a:t>
+            </a:r>
+            <a:r>
+              <a:rPr lang="it-IT" sz="2400" b="1" dirty="0">
+                <a:solidFill>
+                  <a:schemeClr val="bg1"/>
+                </a:solidFill>
+              </a:rPr>
+              <a:t>pitch</a:t>
+            </a:r>
+            <a:r>
+              <a:rPr lang="it-IT" sz="2400" dirty="0">
+                <a:solidFill>
+                  <a:schemeClr val="bg1"/>
+                </a:solidFill>
+              </a:rPr>
+              <a:t> 	→ momento </a:t>
+            </a:r>
+            <a:r>
+              <a:rPr lang="el-GR" sz="2400" dirty="0">
+                <a:solidFill>
+                  <a:schemeClr val="bg1"/>
+                </a:solidFill>
+              </a:rPr>
+              <a:t>τ</a:t>
+            </a:r>
+            <a:r>
+              <a:rPr lang="it-IT" sz="2400" dirty="0">
+                <a:solidFill>
+                  <a:schemeClr val="bg1"/>
+                </a:solidFill>
+              </a:rPr>
+              <a:t> non nullo sulla 5</a:t>
+            </a:r>
+            <a:r>
+              <a:rPr lang="it-IT" sz="2400" baseline="30000" dirty="0">
+                <a:solidFill>
+                  <a:schemeClr val="bg1"/>
+                </a:solidFill>
+              </a:rPr>
+              <a:t>a</a:t>
+            </a:r>
+            <a:r>
+              <a:rPr lang="it-IT" sz="2400" dirty="0">
+                <a:solidFill>
+                  <a:schemeClr val="bg1"/>
+                </a:solidFill>
+              </a:rPr>
+              <a:t> componente</a:t>
+            </a:r>
+          </a:p>
+          <a:p>
+            <a:pPr marL="914400" lvl="1" indent="-457200">
+              <a:buFont typeface="+mj-lt"/>
+              <a:buAutoNum type="arabicPeriod"/>
+            </a:pPr>
+            <a:r>
+              <a:rPr lang="it-IT" sz="2400" dirty="0">
+                <a:solidFill>
+                  <a:schemeClr val="bg1"/>
+                </a:solidFill>
+              </a:rPr>
+              <a:t>Moto di </a:t>
+            </a:r>
+            <a:r>
+              <a:rPr lang="it-IT" sz="2400" b="1" dirty="0" err="1">
+                <a:solidFill>
+                  <a:schemeClr val="bg1"/>
+                </a:solidFill>
+              </a:rPr>
+              <a:t>heave</a:t>
+            </a:r>
+            <a:r>
+              <a:rPr lang="it-IT" sz="2400" dirty="0">
+                <a:solidFill>
+                  <a:schemeClr val="bg1"/>
+                </a:solidFill>
+              </a:rPr>
+              <a:t> 		→ momento </a:t>
+            </a:r>
+            <a:r>
+              <a:rPr lang="el-GR" sz="2400" dirty="0">
+                <a:solidFill>
+                  <a:schemeClr val="bg1"/>
+                </a:solidFill>
+              </a:rPr>
+              <a:t>τ</a:t>
+            </a:r>
+            <a:r>
+              <a:rPr lang="it-IT" sz="2400" dirty="0">
+                <a:solidFill>
+                  <a:schemeClr val="bg1"/>
+                </a:solidFill>
+              </a:rPr>
+              <a:t> non nullo sulla 6</a:t>
+            </a:r>
+            <a:r>
+              <a:rPr lang="it-IT" sz="2400" baseline="30000" dirty="0">
+                <a:solidFill>
+                  <a:schemeClr val="bg1"/>
+                </a:solidFill>
+              </a:rPr>
+              <a:t>a</a:t>
+            </a:r>
+            <a:r>
+              <a:rPr lang="it-IT" sz="2400" dirty="0">
+                <a:solidFill>
+                  <a:schemeClr val="bg1"/>
+                </a:solidFill>
+              </a:rPr>
+              <a:t> componente</a:t>
+            </a:r>
+          </a:p>
+          <a:p>
+            <a:pPr lvl="1"/>
+            <a:endParaRPr lang="it-IT" sz="2400" dirty="0">
+              <a:solidFill>
+                <a:schemeClr val="bg1"/>
+              </a:solidFill>
+            </a:endParaRPr>
+          </a:p>
+          <a:p>
+            <a:pPr marL="342900" indent="-342900">
+              <a:buFont typeface="Arial" panose="020B0604020202020204" pitchFamily="34" charset="0"/>
+              <a:buChar char="•"/>
+            </a:pPr>
+            <a:r>
+              <a:rPr lang="it-IT" sz="2400" dirty="0">
+                <a:solidFill>
+                  <a:schemeClr val="bg1"/>
+                </a:solidFill>
+              </a:rPr>
+              <a:t>Simulazione con corrente non nulla</a:t>
+            </a:r>
+          </a:p>
+          <a:p>
+            <a:pPr marL="457200" indent="-457200">
+              <a:buFont typeface="+mj-lt"/>
+              <a:buAutoNum type="arabicPeriod"/>
+            </a:pPr>
+            <a:endParaRPr lang="it-IT" sz="2400" dirty="0">
+              <a:solidFill>
+                <a:schemeClr val="bg1"/>
+              </a:solidFill>
+            </a:endParaRPr>
+          </a:p>
+        </p:txBody>
+      </p:sp>
+      <p:sp>
+        <p:nvSpPr>
+          <p:cNvPr id="3" name="Segnaposto numero diapositiva 2">
+            <a:extLst>
+              <a:ext uri="{FF2B5EF4-FFF2-40B4-BE49-F238E27FC236}">
+                <a16:creationId xmlns:a16="http://schemas.microsoft.com/office/drawing/2014/main" id="{9D4E6BFE-F9D6-4BAF-80BD-1D493B0A098A}"/>
               </a:ext>
             </a:extLst>
           </p:cNvPr>
@@ -5052,10 +5572,66 @@
       </p:sp>
       <p:sp>
         <p:nvSpPr>
-          <p:cNvPr id="2" name="Segnaposto numero diapositiva 1">
+          <p:cNvPr id="9" name="CasellaDiTesto 8">
             <a:extLst>
               <a:ext uri="{FF2B5EF4-FFF2-40B4-BE49-F238E27FC236}">
-                <a16:creationId xmlns:a16="http://schemas.microsoft.com/office/drawing/2014/main" id="{F0CE49EA-36D5-4BB5-9630-2FB58CEBC55A}"/>
+                <a16:creationId xmlns:a16="http://schemas.microsoft.com/office/drawing/2014/main" id="{27DCBC45-09F0-43D5-ABF6-D70EBED34A5F}"/>
+              </a:ext>
+            </a:extLst>
+          </p:cNvPr>
+          <p:cNvSpPr txBox="1"/>
+          <p:nvPr/>
+        </p:nvSpPr>
+        <p:spPr>
+          <a:xfrm>
+            <a:off x="356292" y="4840089"/>
+            <a:ext cx="3101451" cy="984885"/>
+          </a:xfrm>
+          <a:prstGeom prst="rect">
+            <a:avLst/>
+          </a:prstGeom>
+          <a:noFill/>
+        </p:spPr>
+        <p:txBody>
+          <a:bodyPr wrap="square" rtlCol="0">
+            <a:spAutoFit/>
+          </a:bodyPr>
+          <a:lstStyle/>
+          <a:p>
+            <a:r>
+              <a:rPr lang="it-IT" sz="2000" dirty="0">
+                <a:solidFill>
+                  <a:schemeClr val="bg1"/>
+                </a:solidFill>
+              </a:rPr>
+              <a:t>Profondità iniziale: 0 m</a:t>
+            </a:r>
+          </a:p>
+          <a:p>
+            <a:r>
+              <a:rPr lang="it-IT" sz="2000" dirty="0">
+                <a:solidFill>
+                  <a:schemeClr val="bg1"/>
+                </a:solidFill>
+              </a:rPr>
+              <a:t>Corrente nulla</a:t>
+            </a:r>
+          </a:p>
+          <a:p>
+            <a:endParaRPr lang="it-IT" dirty="0">
+              <a:solidFill>
+                <a:schemeClr val="bg1"/>
+              </a:solidFill>
+            </a:endParaRPr>
+          </a:p>
+        </p:txBody>
+      </p:sp>
+      <p:sp>
+        <p:nvSpPr>
+          <p:cNvPr id="3" name="Segnaposto numero diapositiva 2">
+            <a:extLst>
+              <a:ext uri="{FF2B5EF4-FFF2-40B4-BE49-F238E27FC236}">
+                <a16:creationId xmlns:a16="http://schemas.microsoft.com/office/drawing/2014/main" id="{B7F1A0EE-8767-4CCF-B592-307DB0643630}"/>
               </a:ext>
             </a:extLst>
           </p:cNvPr>
@@ -5648,10 +6224,66 @@
       </p:sp>
       <p:sp>
         <p:nvSpPr>
-          <p:cNvPr id="2" name="Segnaposto numero diapositiva 1">
+          <p:cNvPr id="9" name="CasellaDiTesto 8">
             <a:extLst>
               <a:ext uri="{FF2B5EF4-FFF2-40B4-BE49-F238E27FC236}">
-                <a16:creationId xmlns:a16="http://schemas.microsoft.com/office/drawing/2014/main" id="{9C0054DF-090E-4F9A-A1F9-8391F1F2332D}"/>
+                <a16:creationId xmlns:a16="http://schemas.microsoft.com/office/drawing/2014/main" id="{1B625F63-38C5-44DE-8C0D-1E9E13DADF37}"/>
+              </a:ext>
+            </a:extLst>
+          </p:cNvPr>
+          <p:cNvSpPr txBox="1"/>
+          <p:nvPr/>
+        </p:nvSpPr>
+        <p:spPr>
+          <a:xfrm>
+            <a:off x="356292" y="4840089"/>
+            <a:ext cx="3101451" cy="954107"/>
+          </a:xfrm>
+          <a:prstGeom prst="rect">
+            <a:avLst/>
+          </a:prstGeom>
+          <a:noFill/>
+        </p:spPr>
+        <p:txBody>
+          <a:bodyPr wrap="square" rtlCol="0">
+            <a:spAutoFit/>
+          </a:bodyPr>
+          <a:lstStyle/>
+          <a:p>
+            <a:r>
+              <a:rPr lang="it-IT" sz="2000" dirty="0">
+                <a:solidFill>
+                  <a:schemeClr val="bg1"/>
+                </a:solidFill>
+              </a:rPr>
+              <a:t>Profondità iniziale: 0 m</a:t>
+            </a:r>
+          </a:p>
+          <a:p>
+            <a:r>
+              <a:rPr lang="it-IT" sz="1800" dirty="0">
+                <a:solidFill>
+                  <a:schemeClr val="bg1"/>
+                </a:solidFill>
+              </a:rPr>
+              <a:t>Corrente nulla</a:t>
+            </a:r>
+          </a:p>
+          <a:p>
+            <a:endParaRPr lang="it-IT" dirty="0">
+              <a:solidFill>
+                <a:schemeClr val="bg1"/>
+              </a:solidFill>
+            </a:endParaRPr>
+          </a:p>
+        </p:txBody>
+      </p:sp>
+      <p:sp>
+        <p:nvSpPr>
+          <p:cNvPr id="3" name="Segnaposto numero diapositiva 2">
+            <a:extLst>
+              <a:ext uri="{FF2B5EF4-FFF2-40B4-BE49-F238E27FC236}">
+                <a16:creationId xmlns:a16="http://schemas.microsoft.com/office/drawing/2014/main" id="{74471CCF-DD1C-42CD-9EA8-55DE505722AA}"/>
               </a:ext>
             </a:extLst>
           </p:cNvPr>
@@ -6249,10 +6881,66 @@
       </p:sp>
       <p:sp>
         <p:nvSpPr>
-          <p:cNvPr id="2" name="Segnaposto numero diapositiva 1">
+          <p:cNvPr id="9" name="CasellaDiTesto 8">
             <a:extLst>
               <a:ext uri="{FF2B5EF4-FFF2-40B4-BE49-F238E27FC236}">
-                <a16:creationId xmlns:a16="http://schemas.microsoft.com/office/drawing/2014/main" id="{D5849B81-165A-41F4-B9FC-A325F2FC3D26}"/>
+                <a16:creationId xmlns:a16="http://schemas.microsoft.com/office/drawing/2014/main" id="{DEFD50E4-595F-40C6-AA0C-9D355F40D367}"/>
+              </a:ext>
+            </a:extLst>
+          </p:cNvPr>
+          <p:cNvSpPr txBox="1"/>
+          <p:nvPr/>
+        </p:nvSpPr>
+        <p:spPr>
+          <a:xfrm>
+            <a:off x="356292" y="4840089"/>
+            <a:ext cx="3101451" cy="954107"/>
+          </a:xfrm>
+          <a:prstGeom prst="rect">
+            <a:avLst/>
+          </a:prstGeom>
+          <a:noFill/>
+        </p:spPr>
+        <p:txBody>
+          <a:bodyPr wrap="square" rtlCol="0">
+            <a:spAutoFit/>
+          </a:bodyPr>
+          <a:lstStyle/>
+          <a:p>
+            <a:r>
+              <a:rPr lang="it-IT" sz="2000" dirty="0">
+                <a:solidFill>
+                  <a:schemeClr val="bg1"/>
+                </a:solidFill>
+              </a:rPr>
+              <a:t>Profondità iniziale: 0 m</a:t>
+            </a:r>
+          </a:p>
+          <a:p>
+            <a:r>
+              <a:rPr lang="it-IT" sz="1800" dirty="0">
+                <a:solidFill>
+                  <a:schemeClr val="bg1"/>
+                </a:solidFill>
+              </a:rPr>
+              <a:t>Corrente nulla</a:t>
+            </a:r>
+          </a:p>
+          <a:p>
+            <a:endParaRPr lang="it-IT" dirty="0">
+              <a:solidFill>
+                <a:schemeClr val="bg1"/>
+              </a:solidFill>
+            </a:endParaRPr>
+          </a:p>
+        </p:txBody>
+      </p:sp>
+      <p:sp>
+        <p:nvSpPr>
+          <p:cNvPr id="3" name="Segnaposto numero diapositiva 2">
+            <a:extLst>
+              <a:ext uri="{FF2B5EF4-FFF2-40B4-BE49-F238E27FC236}">
+                <a16:creationId xmlns:a16="http://schemas.microsoft.com/office/drawing/2014/main" id="{24B62806-4A7F-468D-9C6E-FA653B6FE253}"/>
               </a:ext>
             </a:extLst>
           </p:cNvPr>
@@ -6407,7 +7095,7 @@
           <p:nvPr>
             <p:extLst>
               <p:ext uri="{D42A27DB-BD31-4B8C-83A1-F6EECF244321}">
-                <p14:modId xmlns:p14="http://schemas.microsoft.com/office/powerpoint/2010/main" val="830803215"/>
+                <p14:modId xmlns:p14="http://schemas.microsoft.com/office/powerpoint/2010/main" val="2584944569"/>
               </p:ext>
             </p:extLst>
           </p:nvPr>
@@ -6780,10 +7468,49 @@
       </p:pic>
       <p:sp>
         <p:nvSpPr>
-          <p:cNvPr id="2" name="Segnaposto numero diapositiva 1">
+          <p:cNvPr id="13" name="CasellaDiTesto 12">
             <a:extLst>
               <a:ext uri="{FF2B5EF4-FFF2-40B4-BE49-F238E27FC236}">
-                <a16:creationId xmlns:a16="http://schemas.microsoft.com/office/drawing/2014/main" id="{8F1DAC45-3B84-4F56-B4B9-2226FC73DC1B}"/>
+                <a16:creationId xmlns:a16="http://schemas.microsoft.com/office/drawing/2014/main" id="{18289107-0B02-46E0-B12C-EA491690AD90}"/>
+              </a:ext>
+            </a:extLst>
+          </p:cNvPr>
+          <p:cNvSpPr txBox="1"/>
+          <p:nvPr/>
+        </p:nvSpPr>
+        <p:spPr>
+          <a:xfrm>
+            <a:off x="337221" y="4884302"/>
+            <a:ext cx="6212264" cy="369332"/>
+          </a:xfrm>
+          <a:prstGeom prst="rect">
+            <a:avLst/>
+          </a:prstGeom>
+          <a:noFill/>
+        </p:spPr>
+        <p:txBody>
+          <a:bodyPr wrap="square">
+            <a:spAutoFit/>
+          </a:bodyPr>
+          <a:lstStyle/>
+          <a:p>
+            <a:r>
+              <a:rPr lang="it-IT" sz="1800" dirty="0">
+                <a:solidFill>
+                  <a:schemeClr val="bg1"/>
+                </a:solidFill>
+              </a:rPr>
+              <a:t>Corrente nulla</a:t>
+            </a:r>
+          </a:p>
+        </p:txBody>
+      </p:sp>
+      <p:sp>
+        <p:nvSpPr>
+          <p:cNvPr id="6" name="Segnaposto numero diapositiva 5">
+            <a:extLst>
+              <a:ext uri="{FF2B5EF4-FFF2-40B4-BE49-F238E27FC236}">
+                <a16:creationId xmlns:a16="http://schemas.microsoft.com/office/drawing/2014/main" id="{DCEEC4A1-07BB-49D0-9B46-E27BE2238F83}"/>
               </a:ext>
             </a:extLst>
           </p:cNvPr>
@@ -7295,10 +8022,49 @@
       </p:sp>
       <p:sp>
         <p:nvSpPr>
-          <p:cNvPr id="2" name="Segnaposto numero diapositiva 1">
+          <p:cNvPr id="13" name="CasellaDiTesto 12">
             <a:extLst>
               <a:ext uri="{FF2B5EF4-FFF2-40B4-BE49-F238E27FC236}">
-                <a16:creationId xmlns:a16="http://schemas.microsoft.com/office/drawing/2014/main" id="{58EDA97E-CA0A-4A9A-BA8D-15D349E8442D}"/>
+                <a16:creationId xmlns:a16="http://schemas.microsoft.com/office/drawing/2014/main" id="{649E4F54-AAAF-4B85-9735-951841A12472}"/>
+              </a:ext>
+            </a:extLst>
+          </p:cNvPr>
+          <p:cNvSpPr txBox="1"/>
+          <p:nvPr/>
+        </p:nvSpPr>
+        <p:spPr>
+          <a:xfrm>
+            <a:off x="337221" y="4884302"/>
+            <a:ext cx="6212264" cy="369332"/>
+          </a:xfrm>
+          <a:prstGeom prst="rect">
+            <a:avLst/>
+          </a:prstGeom>
+          <a:noFill/>
+        </p:spPr>
+        <p:txBody>
+          <a:bodyPr wrap="square">
+            <a:spAutoFit/>
+          </a:bodyPr>
+          <a:lstStyle/>
+          <a:p>
+            <a:r>
+              <a:rPr lang="it-IT" sz="1800" dirty="0">
+                <a:solidFill>
+                  <a:schemeClr val="bg1"/>
+                </a:solidFill>
+              </a:rPr>
+              <a:t>Corrente nulla</a:t>
+            </a:r>
+          </a:p>
+        </p:txBody>
+      </p:sp>
+      <p:sp>
+        <p:nvSpPr>
+          <p:cNvPr id="5" name="Segnaposto numero diapositiva 4">
+            <a:extLst>
+              <a:ext uri="{FF2B5EF4-FFF2-40B4-BE49-F238E27FC236}">
+                <a16:creationId xmlns:a16="http://schemas.microsoft.com/office/drawing/2014/main" id="{4F4507F0-A999-48B2-A69B-33ECA7540C34}"/>
               </a:ext>
             </a:extLst>
           </p:cNvPr>
@@ -7684,10 +8450,10 @@
       </p:sp>
       <p:sp>
         <p:nvSpPr>
-          <p:cNvPr id="2" name="Segnaposto numero diapositiva 1">
+          <p:cNvPr id="3" name="Segnaposto numero diapositiva 2">
             <a:extLst>
               <a:ext uri="{FF2B5EF4-FFF2-40B4-BE49-F238E27FC236}">
-                <a16:creationId xmlns:a16="http://schemas.microsoft.com/office/drawing/2014/main" id="{ACB3AA30-5386-4CBD-944F-F8E886027A4D}"/>
+                <a16:creationId xmlns:a16="http://schemas.microsoft.com/office/drawing/2014/main" id="{075B4F5A-2BB5-4E0E-9F24-054AA98CED71}"/>
               </a:ext>
             </a:extLst>
           </p:cNvPr>
@@ -8263,10 +9029,49 @@
       </p:sp>
       <p:sp>
         <p:nvSpPr>
-          <p:cNvPr id="2" name="Segnaposto numero diapositiva 1">
+          <p:cNvPr id="15" name="CasellaDiTesto 14">
             <a:extLst>
               <a:ext uri="{FF2B5EF4-FFF2-40B4-BE49-F238E27FC236}">
-                <a16:creationId xmlns:a16="http://schemas.microsoft.com/office/drawing/2014/main" id="{BEE9A888-0C83-4EB2-8771-BA45DF9C0434}"/>
+                <a16:creationId xmlns:a16="http://schemas.microsoft.com/office/drawing/2014/main" id="{28E11579-4A8C-408A-9048-EAAE59140F7D}"/>
+              </a:ext>
+            </a:extLst>
+          </p:cNvPr>
+          <p:cNvSpPr txBox="1"/>
+          <p:nvPr/>
+        </p:nvSpPr>
+        <p:spPr>
+          <a:xfrm>
+            <a:off x="337221" y="4956322"/>
+            <a:ext cx="6212264" cy="369332"/>
+          </a:xfrm>
+          <a:prstGeom prst="rect">
+            <a:avLst/>
+          </a:prstGeom>
+          <a:noFill/>
+        </p:spPr>
+        <p:txBody>
+          <a:bodyPr wrap="square">
+            <a:spAutoFit/>
+          </a:bodyPr>
+          <a:lstStyle/>
+          <a:p>
+            <a:r>
+              <a:rPr lang="it-IT" sz="1800" dirty="0">
+                <a:solidFill>
+                  <a:schemeClr val="bg1"/>
+                </a:solidFill>
+              </a:rPr>
+              <a:t>Corrente nulla</a:t>
+            </a:r>
+          </a:p>
+        </p:txBody>
+      </p:sp>
+      <p:sp>
+        <p:nvSpPr>
+          <p:cNvPr id="5" name="Segnaposto numero diapositiva 4">
+            <a:extLst>
+              <a:ext uri="{FF2B5EF4-FFF2-40B4-BE49-F238E27FC236}">
+                <a16:creationId xmlns:a16="http://schemas.microsoft.com/office/drawing/2014/main" id="{271F0076-91B2-4C67-9522-EDA2CF5A7883}"/>
               </a:ext>
             </a:extLst>
           </p:cNvPr>
@@ -8485,10 +9290,10 @@
       </p:sp>
       <p:sp>
         <p:nvSpPr>
-          <p:cNvPr id="2" name="Segnaposto numero diapositiva 1">
+          <p:cNvPr id="3" name="Segnaposto numero diapositiva 2">
             <a:extLst>
               <a:ext uri="{FF2B5EF4-FFF2-40B4-BE49-F238E27FC236}">
-                <a16:creationId xmlns:a16="http://schemas.microsoft.com/office/drawing/2014/main" id="{50E71077-8B9C-41FA-BCD2-264C9A0614BD}"/>
+                <a16:creationId xmlns:a16="http://schemas.microsoft.com/office/drawing/2014/main" id="{0BB7D503-E762-4ABB-BA57-6F1AF4EA7B15}"/>
               </a:ext>
             </a:extLst>
           </p:cNvPr>
@@ -8628,8 +9433,8 @@
           </a:p>
         </p:txBody>
       </p:sp>
-      <mc:AlternateContent xmlns:mc="http://schemas.openxmlformats.org/markup-compatibility/2006">
-        <mc:Choice xmlns:a14="http://schemas.microsoft.com/office/drawing/2010/main" Requires="a14">
+      <mc:AlternateContent xmlns:mc="http://schemas.openxmlformats.org/markup-compatibility/2006" xmlns:a14="http://schemas.microsoft.com/office/drawing/2010/main">
+        <mc:Choice Requires="a14">
           <p:graphicFrame>
             <p:nvGraphicFramePr>
               <p:cNvPr id="8" name="Tabella 9">
@@ -9007,7 +9812,7 @@
             </a:graphic>
           </p:graphicFrame>
         </mc:Choice>
-        <mc:Fallback>
+        <mc:Fallback xmlns="">
           <p:graphicFrame>
             <p:nvGraphicFramePr>
               <p:cNvPr id="8" name="Tabella 9">
@@ -9496,7 +10301,7 @@
         </p:nvSpPr>
         <p:spPr>
           <a:xfrm>
-            <a:off x="3151133" y="5390078"/>
+            <a:off x="3592189" y="5439266"/>
             <a:ext cx="2222146" cy="1200329"/>
           </a:xfrm>
           <a:prstGeom prst="rect">
@@ -9524,10 +10329,10 @@
       </p:sp>
       <p:sp>
         <p:nvSpPr>
-          <p:cNvPr id="21" name="Segnaposto numero diapositiva 20">
+          <p:cNvPr id="2" name="Segnaposto numero diapositiva 1">
             <a:extLst>
               <a:ext uri="{FF2B5EF4-FFF2-40B4-BE49-F238E27FC236}">
-                <a16:creationId xmlns:a16="http://schemas.microsoft.com/office/drawing/2014/main" id="{1E34DD8C-C22E-401C-850D-87FF016CBF96}"/>
+                <a16:creationId xmlns:a16="http://schemas.microsoft.com/office/drawing/2014/main" id="{C1895AC1-923F-461B-A013-48A3D35F6685}"/>
               </a:ext>
             </a:extLst>
           </p:cNvPr>
@@ -9815,10 +10620,10 @@
       </p:sp>
       <p:sp>
         <p:nvSpPr>
-          <p:cNvPr id="2" name="Segnaposto numero diapositiva 1">
+          <p:cNvPr id="3" name="Segnaposto numero diapositiva 2">
             <a:extLst>
               <a:ext uri="{FF2B5EF4-FFF2-40B4-BE49-F238E27FC236}">
-                <a16:creationId xmlns:a16="http://schemas.microsoft.com/office/drawing/2014/main" id="{C895D233-410D-4655-95F3-6905E581BEE1}"/>
+                <a16:creationId xmlns:a16="http://schemas.microsoft.com/office/drawing/2014/main" id="{E90B0F11-69C7-434D-897F-49F172DD8589}"/>
               </a:ext>
             </a:extLst>
           </p:cNvPr>
@@ -9948,7 +10753,7 @@
         </p:blipFill>
         <p:spPr>
           <a:xfrm>
-            <a:off x="7561984" y="1178892"/>
+            <a:off x="7269292" y="1178892"/>
             <a:ext cx="3890296" cy="2820039"/>
           </a:xfrm>
           <a:prstGeom prst="rect">
@@ -10008,7 +10813,7 @@
         </p:nvSpPr>
         <p:spPr>
           <a:xfrm>
-            <a:off x="308707" y="2582128"/>
+            <a:off x="435167" y="2582128"/>
             <a:ext cx="6951621" cy="2246769"/>
           </a:xfrm>
           <a:prstGeom prst="rect">
@@ -10154,7 +10959,7 @@
         </p:nvCxnSpPr>
         <p:spPr>
           <a:xfrm>
-            <a:off x="3845901" y="4656162"/>
+            <a:off x="3972361" y="4656162"/>
             <a:ext cx="471340" cy="0"/>
           </a:xfrm>
           <a:prstGeom prst="straightConnector1">
@@ -10193,7 +10998,7 @@
         </p:nvSpPr>
         <p:spPr>
           <a:xfrm>
-            <a:off x="4657546" y="4461550"/>
+            <a:off x="4784006" y="4461550"/>
             <a:ext cx="4690857" cy="2031325"/>
           </a:xfrm>
           <a:prstGeom prst="rect">
@@ -10305,7 +11110,7 @@
         </p:nvSpPr>
         <p:spPr>
           <a:xfrm>
-            <a:off x="300064" y="1492379"/>
+            <a:off x="426524" y="1492379"/>
             <a:ext cx="3545837" cy="707886"/>
           </a:xfrm>
           <a:prstGeom prst="rect">
@@ -10407,7 +11212,7 @@
         </p:nvCxnSpPr>
         <p:spPr>
           <a:xfrm>
-            <a:off x="3892485" y="1848710"/>
+            <a:off x="4018945" y="1848710"/>
             <a:ext cx="471340" cy="0"/>
           </a:xfrm>
           <a:prstGeom prst="straightConnector1">
@@ -10446,7 +11251,7 @@
         </p:nvSpPr>
         <p:spPr>
           <a:xfrm>
-            <a:off x="4963997" y="1653760"/>
+            <a:off x="4747786" y="1676950"/>
             <a:ext cx="2264005" cy="400110"/>
           </a:xfrm>
           <a:prstGeom prst="rect">
@@ -10473,10 +11278,10 @@
       </p:sp>
       <p:sp>
         <p:nvSpPr>
-          <p:cNvPr id="2" name="Segnaposto numero diapositiva 1">
+          <p:cNvPr id="3" name="Segnaposto numero diapositiva 2">
             <a:extLst>
               <a:ext uri="{FF2B5EF4-FFF2-40B4-BE49-F238E27FC236}">
-                <a16:creationId xmlns:a16="http://schemas.microsoft.com/office/drawing/2014/main" id="{CD96DC93-51B7-46C6-BF20-CF64080091F7}"/>
+                <a16:creationId xmlns:a16="http://schemas.microsoft.com/office/drawing/2014/main" id="{B6CFE4A3-20B8-4B02-B01E-127C2499CDCF}"/>
               </a:ext>
             </a:extLst>
           </p:cNvPr>
@@ -10981,10 +11786,10 @@
       </p:pic>
       <p:sp>
         <p:nvSpPr>
-          <p:cNvPr id="2" name="Segnaposto numero diapositiva 1">
+          <p:cNvPr id="5" name="Segnaposto numero diapositiva 4">
             <a:extLst>
               <a:ext uri="{FF2B5EF4-FFF2-40B4-BE49-F238E27FC236}">
-                <a16:creationId xmlns:a16="http://schemas.microsoft.com/office/drawing/2014/main" id="{E2D02D7A-10E4-4F0A-979C-2D3B42EDB887}"/>
+                <a16:creationId xmlns:a16="http://schemas.microsoft.com/office/drawing/2014/main" id="{E23E9305-97DD-4758-B45C-AEDCFD519473}"/>
               </a:ext>
             </a:extLst>
           </p:cNvPr>
@@ -11027,7 +11832,7 @@
     <p:bg>
       <p:bgPr>
         <a:blipFill dpi="0" rotWithShape="1">
-          <a:blip r:embed="rId2">
+          <a:blip r:embed="rId3">
             <a:lum/>
           </a:blip>
           <a:srcRect/>
@@ -11070,7 +11875,7 @@
         </p:nvSpPr>
         <p:spPr>
           <a:xfrm>
-            <a:off x="-231742" y="6492875"/>
+            <a:off x="271741" y="6461954"/>
             <a:ext cx="4114800" cy="365125"/>
           </a:xfrm>
         </p:spPr>
@@ -11134,6 +11939,2130 @@
                 <a:schemeClr val="bg1"/>
               </a:solidFill>
             </a:endParaRPr>
+          </a:p>
+        </p:txBody>
+      </p:sp>
+      <p:sp>
+        <p:nvSpPr>
+          <p:cNvPr id="5" name="CasellaDiTesto 4">
+            <a:extLst>
+              <a:ext uri="{FF2B5EF4-FFF2-40B4-BE49-F238E27FC236}">
+                <a16:creationId xmlns:a16="http://schemas.microsoft.com/office/drawing/2014/main" id="{7ECF0951-EBE1-42FB-A41C-3DD11A3DDB81}"/>
+              </a:ext>
+            </a:extLst>
+          </p:cNvPr>
+          <p:cNvSpPr txBox="1"/>
+          <p:nvPr/>
+        </p:nvSpPr>
+        <p:spPr>
+          <a:xfrm>
+            <a:off x="417994" y="1416600"/>
+            <a:ext cx="9938278" cy="2308324"/>
+          </a:xfrm>
+          <a:prstGeom prst="rect">
+            <a:avLst/>
+          </a:prstGeom>
+          <a:noFill/>
+        </p:spPr>
+        <p:txBody>
+          <a:bodyPr wrap="square" rtlCol="0">
+            <a:spAutoFit/>
+          </a:bodyPr>
+          <a:lstStyle/>
+          <a:p>
+            <a:r>
+              <a:rPr lang="it-IT" dirty="0">
+                <a:solidFill>
+                  <a:schemeClr val="bg1"/>
+                </a:solidFill>
+              </a:rPr>
+              <a:t>Modello del singolo </a:t>
+            </a:r>
+            <a:r>
+              <a:rPr lang="it-IT" dirty="0" err="1">
+                <a:solidFill>
+                  <a:schemeClr val="bg1"/>
+                </a:solidFill>
+              </a:rPr>
+              <a:t>thruster</a:t>
+            </a:r>
+            <a:r>
+              <a:rPr lang="it-IT" dirty="0">
+                <a:solidFill>
+                  <a:schemeClr val="bg1"/>
+                </a:solidFill>
+              </a:rPr>
+              <a:t> ispirato ai T200 della </a:t>
+            </a:r>
+            <a:r>
+              <a:rPr lang="it-IT" dirty="0" err="1">
+                <a:solidFill>
+                  <a:schemeClr val="bg1"/>
+                </a:solidFill>
+              </a:rPr>
+              <a:t>Bluerobotics</a:t>
+            </a:r>
+            <a:endParaRPr lang="it-IT" dirty="0">
+              <a:solidFill>
+                <a:schemeClr val="bg1"/>
+              </a:solidFill>
+            </a:endParaRPr>
+          </a:p>
+          <a:p>
+            <a:endParaRPr lang="it-IT" dirty="0">
+              <a:solidFill>
+                <a:schemeClr val="bg1"/>
+              </a:solidFill>
+            </a:endParaRPr>
+          </a:p>
+          <a:p>
+            <a:pPr marL="342900" indent="-342900">
+              <a:buFont typeface="Arial" panose="020B0604020202020204" pitchFamily="34" charset="0"/>
+              <a:buChar char="•"/>
+            </a:pPr>
+            <a:r>
+              <a:rPr lang="it-IT" dirty="0">
+                <a:solidFill>
+                  <a:schemeClr val="bg1"/>
+                </a:solidFill>
+              </a:rPr>
+              <a:t>Ciascun </a:t>
+            </a:r>
+            <a:r>
+              <a:rPr lang="it-IT" dirty="0" err="1">
+                <a:solidFill>
+                  <a:schemeClr val="bg1"/>
+                </a:solidFill>
+              </a:rPr>
+              <a:t>thruster</a:t>
+            </a:r>
+            <a:r>
+              <a:rPr lang="it-IT" dirty="0">
+                <a:solidFill>
+                  <a:schemeClr val="bg1"/>
+                </a:solidFill>
+              </a:rPr>
+              <a:t> perfettamente bidirezionale</a:t>
+            </a:r>
+          </a:p>
+          <a:p>
+            <a:pPr marL="342900" indent="-342900">
+              <a:buFont typeface="Arial" panose="020B0604020202020204" pitchFamily="34" charset="0"/>
+              <a:buChar char="•"/>
+            </a:pPr>
+            <a:r>
+              <a:rPr lang="it-IT" dirty="0">
+                <a:solidFill>
+                  <a:schemeClr val="bg1"/>
+                </a:solidFill>
+              </a:rPr>
+              <a:t>Massima velocità di rotazione dei propulsori: 	</a:t>
+            </a:r>
+            <a:r>
+              <a:rPr lang="it-IT" dirty="0" err="1">
+                <a:solidFill>
+                  <a:schemeClr val="bg1"/>
+                </a:solidFill>
+              </a:rPr>
+              <a:t>n</a:t>
+            </a:r>
+            <a:r>
+              <a:rPr lang="it-IT" baseline="-25000" dirty="0" err="1">
+                <a:solidFill>
+                  <a:schemeClr val="bg1"/>
+                </a:solidFill>
+              </a:rPr>
+              <a:t>max</a:t>
+            </a:r>
+            <a:r>
+              <a:rPr lang="it-IT" dirty="0">
+                <a:solidFill>
+                  <a:schemeClr val="bg1"/>
+                </a:solidFill>
+              </a:rPr>
+              <a:t> = 340 </a:t>
+            </a:r>
+            <a:r>
+              <a:rPr lang="it-IT" dirty="0" err="1">
+                <a:solidFill>
+                  <a:schemeClr val="bg1"/>
+                </a:solidFill>
+              </a:rPr>
+              <a:t>rad</a:t>
+            </a:r>
+            <a:r>
+              <a:rPr lang="it-IT" dirty="0">
+                <a:solidFill>
+                  <a:schemeClr val="bg1"/>
+                </a:solidFill>
+              </a:rPr>
+              <a:t>/s</a:t>
+            </a:r>
+          </a:p>
+          <a:p>
+            <a:pPr marL="342900" indent="-342900">
+              <a:buFont typeface="Arial" panose="020B0604020202020204" pitchFamily="34" charset="0"/>
+              <a:buChar char="•"/>
+            </a:pPr>
+            <a:r>
+              <a:rPr lang="it-IT" dirty="0">
+                <a:solidFill>
+                  <a:schemeClr val="bg1"/>
+                </a:solidFill>
+              </a:rPr>
+              <a:t>Limite della zona morta:	</a:t>
+            </a:r>
+            <a:r>
+              <a:rPr lang="it-IT" dirty="0" err="1">
+                <a:solidFill>
+                  <a:schemeClr val="bg1"/>
+                </a:solidFill>
+              </a:rPr>
+              <a:t>dz</a:t>
+            </a:r>
+            <a:r>
+              <a:rPr lang="it-IT" baseline="-25000" dirty="0" err="1">
+                <a:solidFill>
+                  <a:schemeClr val="bg1"/>
+                </a:solidFill>
+              </a:rPr>
+              <a:t>lim</a:t>
+            </a:r>
+            <a:r>
+              <a:rPr lang="it-IT" dirty="0">
+                <a:solidFill>
+                  <a:schemeClr val="bg1"/>
+                </a:solidFill>
+              </a:rPr>
+              <a:t> = 31,5 </a:t>
+            </a:r>
+            <a:r>
+              <a:rPr lang="it-IT" dirty="0" err="1">
+                <a:solidFill>
+                  <a:schemeClr val="bg1"/>
+                </a:solidFill>
+              </a:rPr>
+              <a:t>rad</a:t>
+            </a:r>
+            <a:r>
+              <a:rPr lang="it-IT" dirty="0">
+                <a:solidFill>
+                  <a:schemeClr val="bg1"/>
+                </a:solidFill>
+              </a:rPr>
+              <a:t>/s ≃ 350 RPM</a:t>
+            </a:r>
+          </a:p>
+          <a:p>
+            <a:pPr marL="342900" indent="-342900">
+              <a:buFont typeface="Arial" panose="020B0604020202020204" pitchFamily="34" charset="0"/>
+              <a:buChar char="•"/>
+            </a:pPr>
+            <a:r>
+              <a:rPr lang="it-IT" dirty="0">
+                <a:solidFill>
+                  <a:schemeClr val="bg1"/>
+                </a:solidFill>
+              </a:rPr>
+              <a:t>Wake </a:t>
+            </a:r>
+            <a:r>
+              <a:rPr lang="it-IT" dirty="0" err="1">
+                <a:solidFill>
+                  <a:schemeClr val="bg1"/>
+                </a:solidFill>
+              </a:rPr>
+              <a:t>fraction</a:t>
+            </a:r>
+            <a:r>
+              <a:rPr lang="it-IT" dirty="0">
+                <a:solidFill>
+                  <a:schemeClr val="bg1"/>
+                </a:solidFill>
+              </a:rPr>
+              <a:t> </a:t>
+            </a:r>
+            <a:r>
+              <a:rPr lang="it-IT" dirty="0" err="1">
+                <a:solidFill>
+                  <a:schemeClr val="bg1"/>
+                </a:solidFill>
+              </a:rPr>
+              <a:t>number</a:t>
+            </a:r>
+            <a:r>
+              <a:rPr lang="it-IT" dirty="0">
+                <a:solidFill>
+                  <a:schemeClr val="bg1"/>
+                </a:solidFill>
+              </a:rPr>
+              <a:t>:		w = 0.1</a:t>
+            </a:r>
+          </a:p>
+          <a:p>
+            <a:pPr marL="342900" indent="-342900">
+              <a:buFont typeface="Arial" panose="020B0604020202020204" pitchFamily="34" charset="0"/>
+              <a:buChar char="•"/>
+            </a:pPr>
+            <a:r>
+              <a:rPr lang="it-IT" dirty="0">
+                <a:solidFill>
+                  <a:schemeClr val="bg1"/>
+                </a:solidFill>
+              </a:rPr>
+              <a:t>Dinamica del primo ordine con </a:t>
+            </a:r>
+            <a:r>
+              <a:rPr lang="el-GR" dirty="0">
+                <a:solidFill>
+                  <a:schemeClr val="bg1"/>
+                </a:solidFill>
+              </a:rPr>
+              <a:t>τ</a:t>
+            </a:r>
+            <a:r>
+              <a:rPr lang="it-IT" baseline="-25000" dirty="0">
+                <a:solidFill>
+                  <a:schemeClr val="bg1"/>
+                </a:solidFill>
+              </a:rPr>
+              <a:t>dyn</a:t>
+            </a:r>
+            <a:r>
+              <a:rPr lang="el-GR" dirty="0">
+                <a:solidFill>
+                  <a:schemeClr val="bg1"/>
+                </a:solidFill>
+              </a:rPr>
+              <a:t> </a:t>
+            </a:r>
+            <a:r>
+              <a:rPr lang="it-IT" dirty="0">
+                <a:solidFill>
+                  <a:schemeClr val="bg1"/>
+                </a:solidFill>
+              </a:rPr>
+              <a:t>= 0,2 s</a:t>
+            </a:r>
+          </a:p>
+          <a:p>
+            <a:pPr marL="342900" indent="-342900">
+              <a:buFont typeface="Arial" panose="020B0604020202020204" pitchFamily="34" charset="0"/>
+              <a:buChar char="•"/>
+            </a:pPr>
+            <a:r>
+              <a:rPr lang="it-IT" dirty="0">
+                <a:solidFill>
+                  <a:schemeClr val="bg1"/>
+                </a:solidFill>
+              </a:rPr>
+              <a:t>Diametro: 		d = 0,076m</a:t>
+            </a:r>
+            <a:endParaRPr lang="it-IT" i="0" dirty="0">
+              <a:solidFill>
+                <a:schemeClr val="bg1"/>
+              </a:solidFill>
+              <a:effectLst/>
+              <a:latin typeface="Arial" panose="020B0604020202020204" pitchFamily="34" charset="0"/>
+            </a:endParaRPr>
+          </a:p>
+        </p:txBody>
+      </p:sp>
+      <p:pic>
+        <p:nvPicPr>
+          <p:cNvPr id="3" name="Immagine 2" descr="Immagine che contiene nero, sedendo, bicicletta, facciata&#10;&#10;Descrizione generata automaticamente">
+            <a:extLst>
+              <a:ext uri="{FF2B5EF4-FFF2-40B4-BE49-F238E27FC236}">
+                <a16:creationId xmlns:a16="http://schemas.microsoft.com/office/drawing/2014/main" id="{F89F81CC-B010-4853-92A0-EDAE43026613}"/>
+              </a:ext>
+            </a:extLst>
+          </p:cNvPr>
+          <p:cNvPicPr>
+            <a:picLocks noChangeAspect="1"/>
+          </p:cNvPicPr>
+          <p:nvPr/>
+        </p:nvPicPr>
+        <p:blipFill rotWithShape="1">
+          <a:blip r:embed="rId4">
+            <a:extLst>
+              <a:ext uri="{28A0092B-C50C-407E-A947-70E740481C1C}">
+                <a14:useLocalDpi xmlns:a14="http://schemas.microsoft.com/office/drawing/2010/main" val="0"/>
+              </a:ext>
+            </a:extLst>
+          </a:blip>
+          <a:srcRect l="24078" t="13759" r="24432" b="13618"/>
+          <a:stretch/>
+        </p:blipFill>
+        <p:spPr>
+          <a:xfrm>
+            <a:off x="8870090" y="3555393"/>
+            <a:ext cx="2731116" cy="2889115"/>
+          </a:xfrm>
+          <a:prstGeom prst="rect">
+            <a:avLst/>
+          </a:prstGeom>
+        </p:spPr>
+      </p:pic>
+      <p:pic>
+        <p:nvPicPr>
+          <p:cNvPr id="6" name="Immagine 5">
+            <a:extLst>
+              <a:ext uri="{FF2B5EF4-FFF2-40B4-BE49-F238E27FC236}">
+                <a16:creationId xmlns:a16="http://schemas.microsoft.com/office/drawing/2014/main" id="{3B55DD6C-6938-433F-958B-6B8C9DE18838}"/>
+              </a:ext>
+            </a:extLst>
+          </p:cNvPr>
+          <p:cNvPicPr>
+            <a:picLocks noChangeAspect="1"/>
+          </p:cNvPicPr>
+          <p:nvPr/>
+        </p:nvPicPr>
+        <p:blipFill rotWithShape="1">
+          <a:blip r:embed="rId5"/>
+          <a:srcRect l="9166" t="41616" r="9318" b="32339"/>
+          <a:stretch/>
+        </p:blipFill>
+        <p:spPr>
+          <a:xfrm>
+            <a:off x="6403524" y="367449"/>
+            <a:ext cx="5269666" cy="929046"/>
+          </a:xfrm>
+          <a:prstGeom prst="rect">
+            <a:avLst/>
+          </a:prstGeom>
+        </p:spPr>
+      </p:pic>
+      <mc:AlternateContent xmlns:mc="http://schemas.openxmlformats.org/markup-compatibility/2006">
+        <mc:Choice xmlns:a14="http://schemas.microsoft.com/office/drawing/2010/main" Requires="a14">
+          <p:sp>
+            <p:nvSpPr>
+              <p:cNvPr id="15" name="CasellaDiTesto 14">
+                <a:extLst>
+                  <a:ext uri="{FF2B5EF4-FFF2-40B4-BE49-F238E27FC236}">
+                    <a16:creationId xmlns:a16="http://schemas.microsoft.com/office/drawing/2014/main" id="{7EE5740E-0725-4D89-B330-5291317EB6EE}"/>
+                  </a:ext>
+                </a:extLst>
+              </p:cNvPr>
+              <p:cNvSpPr txBox="1"/>
+              <p:nvPr/>
+            </p:nvSpPr>
+            <p:spPr>
+              <a:xfrm>
+                <a:off x="582852" y="4060635"/>
+                <a:ext cx="2126930" cy="369332"/>
+              </a:xfrm>
+              <a:prstGeom prst="rect">
+                <a:avLst/>
+              </a:prstGeom>
+              <a:noFill/>
+            </p:spPr>
+            <p:txBody>
+              <a:bodyPr wrap="square" lIns="0" tIns="0" rIns="0" bIns="0" rtlCol="0">
+                <a:spAutoFit/>
+              </a:bodyPr>
+              <a:lstStyle/>
+              <a:p>
+                <a14:m>
+                  <m:oMathPara xmlns:m="http://schemas.openxmlformats.org/officeDocument/2006/math">
+                    <m:oMathParaPr>
+                      <m:jc m:val="centerGroup"/>
+                    </m:oMathParaPr>
+                    <m:oMath xmlns:m="http://schemas.openxmlformats.org/officeDocument/2006/math">
+                      <m:sSub>
+                        <m:sSubPr>
+                          <m:ctrlPr>
+                            <a:rPr lang="el-GR" sz="2400" b="0" i="1" smtClean="0">
+                              <a:solidFill>
+                                <a:schemeClr val="bg1"/>
+                              </a:solidFill>
+                              <a:latin typeface="Cambria Math" panose="02040503050406030204" pitchFamily="18" charset="0"/>
+                            </a:rPr>
+                          </m:ctrlPr>
+                        </m:sSubPr>
+                        <m:e>
+                          <m:r>
+                            <a:rPr lang="el-GR" sz="2400" i="1">
+                              <a:solidFill>
+                                <a:schemeClr val="bg1"/>
+                              </a:solidFill>
+                              <a:latin typeface="Cambria Math" panose="02040503050406030204" pitchFamily="18" charset="0"/>
+                            </a:rPr>
+                            <m:t>𝜈</m:t>
+                          </m:r>
+                        </m:e>
+                        <m:sub>
+                          <m:r>
+                            <a:rPr lang="it-IT" sz="2400" b="0" i="1" smtClean="0">
+                              <a:solidFill>
+                                <a:schemeClr val="bg1"/>
+                              </a:solidFill>
+                              <a:latin typeface="Cambria Math" panose="02040503050406030204" pitchFamily="18" charset="0"/>
+                            </a:rPr>
+                            <m:t>𝑎</m:t>
+                          </m:r>
+                        </m:sub>
+                      </m:sSub>
+                      <m:r>
+                        <a:rPr lang="it-IT" sz="2400" b="0" i="1" smtClean="0">
+                          <a:solidFill>
+                            <a:schemeClr val="bg1"/>
+                          </a:solidFill>
+                          <a:latin typeface="Cambria Math" panose="02040503050406030204" pitchFamily="18" charset="0"/>
+                        </a:rPr>
+                        <m:t>=</m:t>
+                      </m:r>
+                      <m:d>
+                        <m:dPr>
+                          <m:ctrlPr>
+                            <a:rPr lang="it-IT" sz="2400" b="0" i="1" smtClean="0">
+                              <a:solidFill>
+                                <a:schemeClr val="bg1"/>
+                              </a:solidFill>
+                              <a:latin typeface="Cambria Math" panose="02040503050406030204" pitchFamily="18" charset="0"/>
+                            </a:rPr>
+                          </m:ctrlPr>
+                        </m:dPr>
+                        <m:e>
+                          <m:r>
+                            <a:rPr lang="it-IT" sz="2400" b="0" i="1" smtClean="0">
+                              <a:solidFill>
+                                <a:schemeClr val="bg1"/>
+                              </a:solidFill>
+                              <a:latin typeface="Cambria Math" panose="02040503050406030204" pitchFamily="18" charset="0"/>
+                            </a:rPr>
+                            <m:t>1−</m:t>
+                          </m:r>
+                          <m:r>
+                            <a:rPr lang="it-IT" sz="2400" b="0" i="1" smtClean="0">
+                              <a:solidFill>
+                                <a:schemeClr val="bg1"/>
+                              </a:solidFill>
+                              <a:latin typeface="Cambria Math" panose="02040503050406030204" pitchFamily="18" charset="0"/>
+                            </a:rPr>
+                            <m:t>𝑤</m:t>
+                          </m:r>
+                        </m:e>
+                      </m:d>
+                      <m:sSub>
+                        <m:sSubPr>
+                          <m:ctrlPr>
+                            <a:rPr lang="el-GR" sz="2400" i="1" smtClean="0">
+                              <a:solidFill>
+                                <a:schemeClr val="bg1"/>
+                              </a:solidFill>
+                              <a:latin typeface="Cambria Math" panose="02040503050406030204" pitchFamily="18" charset="0"/>
+                            </a:rPr>
+                          </m:ctrlPr>
+                        </m:sSubPr>
+                        <m:e>
+                          <m:r>
+                            <a:rPr lang="el-GR" sz="2400" i="1">
+                              <a:solidFill>
+                                <a:schemeClr val="bg1"/>
+                              </a:solidFill>
+                              <a:latin typeface="Cambria Math" panose="02040503050406030204" pitchFamily="18" charset="0"/>
+                            </a:rPr>
+                            <m:t>𝜈</m:t>
+                          </m:r>
+                        </m:e>
+                        <m:sub>
+                          <m:r>
+                            <a:rPr lang="it-IT" sz="2400" b="0" i="1" smtClean="0">
+                              <a:solidFill>
+                                <a:schemeClr val="bg1"/>
+                              </a:solidFill>
+                              <a:latin typeface="Cambria Math" panose="02040503050406030204" pitchFamily="18" charset="0"/>
+                            </a:rPr>
+                            <m:t>𝑖</m:t>
+                          </m:r>
+                        </m:sub>
+                      </m:sSub>
+                    </m:oMath>
+                  </m:oMathPara>
+                </a14:m>
+                <a:endParaRPr lang="it-IT" sz="2400" dirty="0">
+                  <a:solidFill>
+                    <a:schemeClr val="bg1"/>
+                  </a:solidFill>
+                </a:endParaRPr>
+              </a:p>
+            </p:txBody>
+          </p:sp>
+        </mc:Choice>
+        <mc:Fallback>
+          <p:sp>
+            <p:nvSpPr>
+              <p:cNvPr id="15" name="CasellaDiTesto 14">
+                <a:extLst>
+                  <a:ext uri="{FF2B5EF4-FFF2-40B4-BE49-F238E27FC236}">
+                    <a16:creationId xmlns:a16="http://schemas.microsoft.com/office/drawing/2014/main" id="{7EE5740E-0725-4D89-B330-5291317EB6EE}"/>
+                  </a:ext>
+                </a:extLst>
+              </p:cNvPr>
+              <p:cNvSpPr txBox="1">
+                <a:spLocks noRot="1" noChangeAspect="1" noMove="1" noResize="1" noEditPoints="1" noAdjustHandles="1" noChangeArrowheads="1" noChangeShapeType="1" noTextEdit="1"/>
+              </p:cNvSpPr>
+              <p:nvPr/>
+            </p:nvSpPr>
+            <p:spPr>
+              <a:xfrm>
+                <a:off x="582852" y="4060635"/>
+                <a:ext cx="2126930" cy="369332"/>
+              </a:xfrm>
+              <a:prstGeom prst="rect">
+                <a:avLst/>
+              </a:prstGeom>
+              <a:blipFill>
+                <a:blip r:embed="rId6"/>
+                <a:stretch>
+                  <a:fillRect b="-16393"/>
+                </a:stretch>
+              </a:blipFill>
+            </p:spPr>
+            <p:txBody>
+              <a:bodyPr/>
+              <a:lstStyle/>
+              <a:p>
+                <a:r>
+                  <a:rPr lang="it-IT">
+                    <a:noFill/>
+                  </a:rPr>
+                  <a:t> </a:t>
+                </a:r>
+              </a:p>
+            </p:txBody>
+          </p:sp>
+        </mc:Fallback>
+      </mc:AlternateContent>
+      <mc:AlternateContent xmlns:mc="http://schemas.openxmlformats.org/markup-compatibility/2006">
+        <mc:Choice xmlns:a14="http://schemas.microsoft.com/office/drawing/2010/main" Requires="a14">
+          <p:sp>
+            <p:nvSpPr>
+              <p:cNvPr id="16" name="CasellaDiTesto 15">
+                <a:extLst>
+                  <a:ext uri="{FF2B5EF4-FFF2-40B4-BE49-F238E27FC236}">
+                    <a16:creationId xmlns:a16="http://schemas.microsoft.com/office/drawing/2014/main" id="{6F326B97-472B-4C94-A444-FD773AA4B683}"/>
+                  </a:ext>
+                </a:extLst>
+              </p:cNvPr>
+              <p:cNvSpPr txBox="1"/>
+              <p:nvPr/>
+            </p:nvSpPr>
+            <p:spPr>
+              <a:xfrm>
+                <a:off x="582852" y="4701356"/>
+                <a:ext cx="2622706" cy="369332"/>
+              </a:xfrm>
+              <a:prstGeom prst="rect">
+                <a:avLst/>
+              </a:prstGeom>
+              <a:noFill/>
+            </p:spPr>
+            <p:txBody>
+              <a:bodyPr wrap="none" lIns="0" tIns="0" rIns="0" bIns="0" rtlCol="0">
+                <a:spAutoFit/>
+              </a:bodyPr>
+              <a:lstStyle/>
+              <a:p>
+                <a14:m>
+                  <m:oMathPara xmlns:m="http://schemas.openxmlformats.org/officeDocument/2006/math">
+                    <m:oMathParaPr>
+                      <m:jc m:val="centerGroup"/>
+                    </m:oMathParaPr>
+                    <m:oMath xmlns:m="http://schemas.openxmlformats.org/officeDocument/2006/math">
+                      <m:r>
+                        <a:rPr lang="it-IT" sz="2400" b="0" i="1" smtClean="0">
+                          <a:solidFill>
+                            <a:schemeClr val="bg1"/>
+                          </a:solidFill>
+                          <a:latin typeface="Cambria Math" panose="02040503050406030204" pitchFamily="18" charset="0"/>
+                        </a:rPr>
+                        <m:t>𝑇</m:t>
+                      </m:r>
+                      <m:r>
+                        <a:rPr lang="it-IT" sz="2400" b="0" i="1" smtClean="0">
+                          <a:solidFill>
+                            <a:schemeClr val="bg1"/>
+                          </a:solidFill>
+                          <a:latin typeface="Cambria Math" panose="02040503050406030204" pitchFamily="18" charset="0"/>
+                        </a:rPr>
+                        <m:t>=</m:t>
+                      </m:r>
+                      <m:r>
+                        <a:rPr lang="el-GR" sz="2400" b="0" i="1" smtClean="0">
+                          <a:solidFill>
+                            <a:schemeClr val="bg1"/>
+                          </a:solidFill>
+                          <a:latin typeface="Cambria Math" panose="02040503050406030204" pitchFamily="18" charset="0"/>
+                        </a:rPr>
+                        <m:t>𝜌</m:t>
+                      </m:r>
+                      <m:sSup>
+                        <m:sSupPr>
+                          <m:ctrlPr>
+                            <a:rPr lang="el-GR" sz="2400" b="0" i="1" smtClean="0">
+                              <a:solidFill>
+                                <a:schemeClr val="bg1"/>
+                              </a:solidFill>
+                              <a:latin typeface="Cambria Math" panose="02040503050406030204" pitchFamily="18" charset="0"/>
+                            </a:rPr>
+                          </m:ctrlPr>
+                        </m:sSupPr>
+                        <m:e>
+                          <m:r>
+                            <a:rPr lang="it-IT" sz="2400" b="0" i="1" smtClean="0">
+                              <a:solidFill>
+                                <a:schemeClr val="bg1"/>
+                              </a:solidFill>
+                              <a:latin typeface="Cambria Math" panose="02040503050406030204" pitchFamily="18" charset="0"/>
+                            </a:rPr>
+                            <m:t>𝐷</m:t>
+                          </m:r>
+                        </m:e>
+                        <m:sup>
+                          <m:r>
+                            <a:rPr lang="it-IT" sz="2400" b="0" i="1" smtClean="0">
+                              <a:solidFill>
+                                <a:schemeClr val="bg1"/>
+                              </a:solidFill>
+                              <a:latin typeface="Cambria Math" panose="02040503050406030204" pitchFamily="18" charset="0"/>
+                            </a:rPr>
+                            <m:t>4</m:t>
+                          </m:r>
+                        </m:sup>
+                      </m:sSup>
+                      <m:sSub>
+                        <m:sSubPr>
+                          <m:ctrlPr>
+                            <a:rPr lang="el-GR" sz="2400" b="0" i="1" smtClean="0">
+                              <a:solidFill>
+                                <a:schemeClr val="bg1"/>
+                              </a:solidFill>
+                              <a:latin typeface="Cambria Math" panose="02040503050406030204" pitchFamily="18" charset="0"/>
+                            </a:rPr>
+                          </m:ctrlPr>
+                        </m:sSubPr>
+                        <m:e>
+                          <m:r>
+                            <a:rPr lang="it-IT" sz="2400" b="0" i="1" smtClean="0">
+                              <a:solidFill>
+                                <a:schemeClr val="bg1"/>
+                              </a:solidFill>
+                              <a:latin typeface="Cambria Math" panose="02040503050406030204" pitchFamily="18" charset="0"/>
+                            </a:rPr>
+                            <m:t>𝐾</m:t>
+                          </m:r>
+                        </m:e>
+                        <m:sub>
+                          <m:r>
+                            <a:rPr lang="it-IT" sz="2400" b="0" i="1" smtClean="0">
+                              <a:solidFill>
+                                <a:schemeClr val="bg1"/>
+                              </a:solidFill>
+                              <a:latin typeface="Cambria Math" panose="02040503050406030204" pitchFamily="18" charset="0"/>
+                            </a:rPr>
+                            <m:t>𝑇</m:t>
+                          </m:r>
+                        </m:sub>
+                      </m:sSub>
+                      <m:d>
+                        <m:dPr>
+                          <m:ctrlPr>
+                            <a:rPr lang="it-IT" sz="2400" b="0" i="1" smtClean="0">
+                              <a:solidFill>
+                                <a:schemeClr val="bg1"/>
+                              </a:solidFill>
+                              <a:latin typeface="Cambria Math" panose="02040503050406030204" pitchFamily="18" charset="0"/>
+                            </a:rPr>
+                          </m:ctrlPr>
+                        </m:dPr>
+                        <m:e>
+                          <m:sSub>
+                            <m:sSubPr>
+                              <m:ctrlPr>
+                                <a:rPr lang="it-IT" sz="2400" b="0" i="1" smtClean="0">
+                                  <a:solidFill>
+                                    <a:schemeClr val="bg1"/>
+                                  </a:solidFill>
+                                  <a:latin typeface="Cambria Math" panose="02040503050406030204" pitchFamily="18" charset="0"/>
+                                </a:rPr>
+                              </m:ctrlPr>
+                            </m:sSubPr>
+                            <m:e>
+                              <m:r>
+                                <a:rPr lang="it-IT" sz="2400" b="0" i="1" smtClean="0">
+                                  <a:solidFill>
+                                    <a:schemeClr val="bg1"/>
+                                  </a:solidFill>
+                                  <a:latin typeface="Cambria Math" panose="02040503050406030204" pitchFamily="18" charset="0"/>
+                                </a:rPr>
+                                <m:t>𝐽</m:t>
+                              </m:r>
+                            </m:e>
+                            <m:sub>
+                              <m:r>
+                                <a:rPr lang="it-IT" sz="2400" b="0" i="1" smtClean="0">
+                                  <a:solidFill>
+                                    <a:schemeClr val="bg1"/>
+                                  </a:solidFill>
+                                  <a:latin typeface="Cambria Math" panose="02040503050406030204" pitchFamily="18" charset="0"/>
+                                </a:rPr>
+                                <m:t>0</m:t>
+                              </m:r>
+                            </m:sub>
+                          </m:sSub>
+                        </m:e>
+                      </m:d>
+                      <m:r>
+                        <a:rPr lang="it-IT" sz="2400" b="0" i="1" smtClean="0">
+                          <a:solidFill>
+                            <a:schemeClr val="bg1"/>
+                          </a:solidFill>
+                          <a:latin typeface="Cambria Math" panose="02040503050406030204" pitchFamily="18" charset="0"/>
+                        </a:rPr>
+                        <m:t>|</m:t>
+                      </m:r>
+                      <m:r>
+                        <a:rPr lang="it-IT" sz="2400" b="0" i="1" smtClean="0">
+                          <a:solidFill>
+                            <a:schemeClr val="bg1"/>
+                          </a:solidFill>
+                          <a:latin typeface="Cambria Math" panose="02040503050406030204" pitchFamily="18" charset="0"/>
+                        </a:rPr>
+                        <m:t>𝑛</m:t>
+                      </m:r>
+                      <m:r>
+                        <a:rPr lang="it-IT" sz="2400" b="0" i="1" smtClean="0">
+                          <a:solidFill>
+                            <a:schemeClr val="bg1"/>
+                          </a:solidFill>
+                          <a:latin typeface="Cambria Math" panose="02040503050406030204" pitchFamily="18" charset="0"/>
+                        </a:rPr>
+                        <m:t>|</m:t>
+                      </m:r>
+                      <m:r>
+                        <a:rPr lang="it-IT" sz="2400" b="0" i="1" smtClean="0">
+                          <a:solidFill>
+                            <a:schemeClr val="bg1"/>
+                          </a:solidFill>
+                          <a:latin typeface="Cambria Math" panose="02040503050406030204" pitchFamily="18" charset="0"/>
+                        </a:rPr>
+                        <m:t>𝑛</m:t>
+                      </m:r>
+                    </m:oMath>
+                  </m:oMathPara>
+                </a14:m>
+                <a:endParaRPr lang="it-IT" sz="2400" dirty="0">
+                  <a:solidFill>
+                    <a:schemeClr val="bg1"/>
+                  </a:solidFill>
+                </a:endParaRPr>
+              </a:p>
+            </p:txBody>
+          </p:sp>
+        </mc:Choice>
+        <mc:Fallback>
+          <p:sp>
+            <p:nvSpPr>
+              <p:cNvPr id="16" name="CasellaDiTesto 15">
+                <a:extLst>
+                  <a:ext uri="{FF2B5EF4-FFF2-40B4-BE49-F238E27FC236}">
+                    <a16:creationId xmlns:a16="http://schemas.microsoft.com/office/drawing/2014/main" id="{6F326B97-472B-4C94-A444-FD773AA4B683}"/>
+                  </a:ext>
+                </a:extLst>
+              </p:cNvPr>
+              <p:cNvSpPr txBox="1">
+                <a:spLocks noRot="1" noChangeAspect="1" noMove="1" noResize="1" noEditPoints="1" noAdjustHandles="1" noChangeArrowheads="1" noChangeShapeType="1" noTextEdit="1"/>
+              </p:cNvSpPr>
+              <p:nvPr/>
+            </p:nvSpPr>
+            <p:spPr>
+              <a:xfrm>
+                <a:off x="582852" y="4701356"/>
+                <a:ext cx="2622706" cy="369332"/>
+              </a:xfrm>
+              <a:prstGeom prst="rect">
+                <a:avLst/>
+              </a:prstGeom>
+              <a:blipFill>
+                <a:blip r:embed="rId7"/>
+                <a:stretch>
+                  <a:fillRect l="-2326" r="-930" b="-36066"/>
+                </a:stretch>
+              </a:blipFill>
+            </p:spPr>
+            <p:txBody>
+              <a:bodyPr/>
+              <a:lstStyle/>
+              <a:p>
+                <a:r>
+                  <a:rPr lang="it-IT">
+                    <a:noFill/>
+                  </a:rPr>
+                  <a:t> </a:t>
+                </a:r>
+              </a:p>
+            </p:txBody>
+          </p:sp>
+        </mc:Fallback>
+      </mc:AlternateContent>
+      <mc:AlternateContent xmlns:mc="http://schemas.openxmlformats.org/markup-compatibility/2006">
+        <mc:Choice xmlns:a14="http://schemas.microsoft.com/office/drawing/2010/main" Requires="a14">
+          <p:sp>
+            <p:nvSpPr>
+              <p:cNvPr id="17" name="CasellaDiTesto 16">
+                <a:extLst>
+                  <a:ext uri="{FF2B5EF4-FFF2-40B4-BE49-F238E27FC236}">
+                    <a16:creationId xmlns:a16="http://schemas.microsoft.com/office/drawing/2014/main" id="{90F37753-85BF-45CD-9D26-4AF9A39476D5}"/>
+                  </a:ext>
+                </a:extLst>
+              </p:cNvPr>
+              <p:cNvSpPr txBox="1"/>
+              <p:nvPr/>
+            </p:nvSpPr>
+            <p:spPr>
+              <a:xfrm>
+                <a:off x="582852" y="5221359"/>
+                <a:ext cx="1117294" cy="632417"/>
+              </a:xfrm>
+              <a:prstGeom prst="rect">
+                <a:avLst/>
+              </a:prstGeom>
+              <a:noFill/>
+            </p:spPr>
+            <p:txBody>
+              <a:bodyPr wrap="none" lIns="0" tIns="0" rIns="0" bIns="0" rtlCol="0">
+                <a:spAutoFit/>
+              </a:bodyPr>
+              <a:lstStyle/>
+              <a:p>
+                <a14:m>
+                  <m:oMathPara xmlns:m="http://schemas.openxmlformats.org/officeDocument/2006/math">
+                    <m:oMathParaPr>
+                      <m:jc m:val="centerGroup"/>
+                    </m:oMathParaPr>
+                    <m:oMath xmlns:m="http://schemas.openxmlformats.org/officeDocument/2006/math">
+                      <m:sSub>
+                        <m:sSubPr>
+                          <m:ctrlPr>
+                            <a:rPr lang="it-IT" sz="2400" i="1" smtClean="0">
+                              <a:solidFill>
+                                <a:schemeClr val="bg1"/>
+                              </a:solidFill>
+                              <a:latin typeface="Cambria Math" panose="02040503050406030204" pitchFamily="18" charset="0"/>
+                            </a:rPr>
+                          </m:ctrlPr>
+                        </m:sSubPr>
+                        <m:e>
+                          <m:r>
+                            <a:rPr lang="it-IT" sz="2400" b="0" i="1" smtClean="0">
+                              <a:solidFill>
+                                <a:schemeClr val="bg1"/>
+                              </a:solidFill>
+                              <a:latin typeface="Cambria Math" panose="02040503050406030204" pitchFamily="18" charset="0"/>
+                            </a:rPr>
+                            <m:t>𝐽</m:t>
+                          </m:r>
+                        </m:e>
+                        <m:sub>
+                          <m:r>
+                            <a:rPr lang="it-IT" sz="2400" b="0" i="1" smtClean="0">
+                              <a:solidFill>
+                                <a:schemeClr val="bg1"/>
+                              </a:solidFill>
+                              <a:latin typeface="Cambria Math" panose="02040503050406030204" pitchFamily="18" charset="0"/>
+                            </a:rPr>
+                            <m:t>0</m:t>
+                          </m:r>
+                        </m:sub>
+                      </m:sSub>
+                      <m:r>
+                        <a:rPr lang="it-IT" sz="2400" b="0" i="1" smtClean="0">
+                          <a:solidFill>
+                            <a:schemeClr val="bg1"/>
+                          </a:solidFill>
+                          <a:latin typeface="Cambria Math" panose="02040503050406030204" pitchFamily="18" charset="0"/>
+                        </a:rPr>
+                        <m:t>=</m:t>
+                      </m:r>
+                      <m:f>
+                        <m:fPr>
+                          <m:ctrlPr>
+                            <a:rPr lang="it-IT" sz="2400" b="0" i="1" smtClean="0">
+                              <a:solidFill>
+                                <a:schemeClr val="bg1"/>
+                              </a:solidFill>
+                              <a:latin typeface="Cambria Math" panose="02040503050406030204" pitchFamily="18" charset="0"/>
+                            </a:rPr>
+                          </m:ctrlPr>
+                        </m:fPr>
+                        <m:num>
+                          <m:sSub>
+                            <m:sSubPr>
+                              <m:ctrlPr>
+                                <a:rPr lang="it-IT" sz="2400" b="0" i="1" smtClean="0">
+                                  <a:solidFill>
+                                    <a:schemeClr val="bg1"/>
+                                  </a:solidFill>
+                                  <a:latin typeface="Cambria Math" panose="02040503050406030204" pitchFamily="18" charset="0"/>
+                                </a:rPr>
+                              </m:ctrlPr>
+                            </m:sSubPr>
+                            <m:e>
+                              <m:r>
+                                <a:rPr lang="el-GR" sz="2400" b="0" i="1" smtClean="0">
+                                  <a:solidFill>
+                                    <a:schemeClr val="bg1"/>
+                                  </a:solidFill>
+                                  <a:latin typeface="Cambria Math" panose="02040503050406030204" pitchFamily="18" charset="0"/>
+                                </a:rPr>
+                                <m:t>𝜈</m:t>
+                              </m:r>
+                            </m:e>
+                            <m:sub>
+                              <m:r>
+                                <a:rPr lang="it-IT" sz="2400" b="0" i="1" smtClean="0">
+                                  <a:solidFill>
+                                    <a:schemeClr val="bg1"/>
+                                  </a:solidFill>
+                                  <a:latin typeface="Cambria Math" panose="02040503050406030204" pitchFamily="18" charset="0"/>
+                                </a:rPr>
+                                <m:t>𝑎</m:t>
+                              </m:r>
+                            </m:sub>
+                          </m:sSub>
+                        </m:num>
+                        <m:den>
+                          <m:r>
+                            <a:rPr lang="it-IT" sz="2400" b="0" i="1" smtClean="0">
+                              <a:solidFill>
+                                <a:schemeClr val="bg1"/>
+                              </a:solidFill>
+                              <a:latin typeface="Cambria Math" panose="02040503050406030204" pitchFamily="18" charset="0"/>
+                            </a:rPr>
+                            <m:t>𝑛𝐷</m:t>
+                          </m:r>
+                        </m:den>
+                      </m:f>
+                    </m:oMath>
+                  </m:oMathPara>
+                </a14:m>
+                <a:endParaRPr lang="it-IT" sz="2400" dirty="0">
+                  <a:solidFill>
+                    <a:schemeClr val="bg1"/>
+                  </a:solidFill>
+                </a:endParaRPr>
+              </a:p>
+            </p:txBody>
+          </p:sp>
+        </mc:Choice>
+        <mc:Fallback>
+          <p:sp>
+            <p:nvSpPr>
+              <p:cNvPr id="17" name="CasellaDiTesto 16">
+                <a:extLst>
+                  <a:ext uri="{FF2B5EF4-FFF2-40B4-BE49-F238E27FC236}">
+                    <a16:creationId xmlns:a16="http://schemas.microsoft.com/office/drawing/2014/main" id="{90F37753-85BF-45CD-9D26-4AF9A39476D5}"/>
+                  </a:ext>
+                </a:extLst>
+              </p:cNvPr>
+              <p:cNvSpPr txBox="1">
+                <a:spLocks noRot="1" noChangeAspect="1" noMove="1" noResize="1" noEditPoints="1" noAdjustHandles="1" noChangeArrowheads="1" noChangeShapeType="1" noTextEdit="1"/>
+              </p:cNvSpPr>
+              <p:nvPr/>
+            </p:nvSpPr>
+            <p:spPr>
+              <a:xfrm>
+                <a:off x="582852" y="5221359"/>
+                <a:ext cx="1117294" cy="632417"/>
+              </a:xfrm>
+              <a:prstGeom prst="rect">
+                <a:avLst/>
+              </a:prstGeom>
+              <a:blipFill>
+                <a:blip r:embed="rId8"/>
+                <a:stretch>
+                  <a:fillRect/>
+                </a:stretch>
+              </a:blipFill>
+            </p:spPr>
+            <p:txBody>
+              <a:bodyPr/>
+              <a:lstStyle/>
+              <a:p>
+                <a:r>
+                  <a:rPr lang="it-IT">
+                    <a:noFill/>
+                  </a:rPr>
+                  <a:t> </a:t>
+                </a:r>
+              </a:p>
+            </p:txBody>
+          </p:sp>
+        </mc:Fallback>
+      </mc:AlternateContent>
+      <p:sp>
+        <p:nvSpPr>
+          <p:cNvPr id="18" name="CasellaDiTesto 17">
+            <a:extLst>
+              <a:ext uri="{FF2B5EF4-FFF2-40B4-BE49-F238E27FC236}">
+                <a16:creationId xmlns:a16="http://schemas.microsoft.com/office/drawing/2014/main" id="{15E6D9AE-58B9-486D-8E01-D13F03FC5FB3}"/>
+              </a:ext>
+            </a:extLst>
+          </p:cNvPr>
+          <p:cNvSpPr txBox="1"/>
+          <p:nvPr/>
+        </p:nvSpPr>
+        <p:spPr>
+          <a:xfrm>
+            <a:off x="3827944" y="3829802"/>
+            <a:ext cx="4705798" cy="369332"/>
+          </a:xfrm>
+          <a:prstGeom prst="rect">
+            <a:avLst/>
+          </a:prstGeom>
+          <a:noFill/>
+        </p:spPr>
+        <p:txBody>
+          <a:bodyPr wrap="square" rtlCol="0">
+            <a:spAutoFit/>
+          </a:bodyPr>
+          <a:lstStyle/>
+          <a:p>
+            <a:pPr algn="ctr"/>
+            <a:r>
+              <a:rPr lang="it-IT" dirty="0">
+                <a:solidFill>
+                  <a:schemeClr val="bg1"/>
+                </a:solidFill>
+              </a:rPr>
+              <a:t>nella zona operativa lineare vale </a:t>
+            </a:r>
+          </a:p>
+        </p:txBody>
+      </p:sp>
+      <mc:AlternateContent xmlns:mc="http://schemas.openxmlformats.org/markup-compatibility/2006">
+        <mc:Choice xmlns:a14="http://schemas.microsoft.com/office/drawing/2010/main" Requires="a14">
+          <p:sp>
+            <p:nvSpPr>
+              <p:cNvPr id="19" name="CasellaDiTesto 18">
+                <a:extLst>
+                  <a:ext uri="{FF2B5EF4-FFF2-40B4-BE49-F238E27FC236}">
+                    <a16:creationId xmlns:a16="http://schemas.microsoft.com/office/drawing/2014/main" id="{E157F996-E685-4703-B168-1F5ACC74E5E9}"/>
+                  </a:ext>
+                </a:extLst>
+              </p:cNvPr>
+              <p:cNvSpPr txBox="1"/>
+              <p:nvPr/>
+            </p:nvSpPr>
+            <p:spPr>
+              <a:xfrm>
+                <a:off x="3981767" y="4279081"/>
+                <a:ext cx="2090123" cy="369332"/>
+              </a:xfrm>
+              <a:prstGeom prst="rect">
+                <a:avLst/>
+              </a:prstGeom>
+              <a:noFill/>
+            </p:spPr>
+            <p:txBody>
+              <a:bodyPr wrap="none" lIns="0" tIns="0" rIns="0" bIns="0" rtlCol="0">
+                <a:spAutoFit/>
+              </a:bodyPr>
+              <a:lstStyle/>
+              <a:p>
+                <a14:m>
+                  <m:oMathPara xmlns:m="http://schemas.openxmlformats.org/officeDocument/2006/math">
+                    <m:oMathParaPr>
+                      <m:jc m:val="centerGroup"/>
+                    </m:oMathParaPr>
+                    <m:oMath xmlns:m="http://schemas.openxmlformats.org/officeDocument/2006/math">
+                      <m:sSub>
+                        <m:sSubPr>
+                          <m:ctrlPr>
+                            <a:rPr lang="it-IT" sz="2400" i="1" smtClean="0">
+                              <a:solidFill>
+                                <a:schemeClr val="bg1"/>
+                              </a:solidFill>
+                              <a:latin typeface="Cambria Math" panose="02040503050406030204" pitchFamily="18" charset="0"/>
+                            </a:rPr>
+                          </m:ctrlPr>
+                        </m:sSubPr>
+                        <m:e>
+                          <m:r>
+                            <a:rPr lang="it-IT" sz="2400" b="0" i="1" smtClean="0">
+                              <a:solidFill>
+                                <a:schemeClr val="bg1"/>
+                              </a:solidFill>
+                              <a:latin typeface="Cambria Math" panose="02040503050406030204" pitchFamily="18" charset="0"/>
+                            </a:rPr>
+                            <m:t>𝐾</m:t>
+                          </m:r>
+                        </m:e>
+                        <m:sub>
+                          <m:r>
+                            <a:rPr lang="it-IT" sz="2400" b="0" i="1" smtClean="0">
+                              <a:solidFill>
+                                <a:schemeClr val="bg1"/>
+                              </a:solidFill>
+                              <a:latin typeface="Cambria Math" panose="02040503050406030204" pitchFamily="18" charset="0"/>
+                            </a:rPr>
+                            <m:t>𝑇</m:t>
+                          </m:r>
+                        </m:sub>
+                      </m:sSub>
+                      <m:r>
+                        <a:rPr lang="it-IT" sz="2400" b="0" i="1" smtClean="0">
+                          <a:solidFill>
+                            <a:schemeClr val="bg1"/>
+                          </a:solidFill>
+                          <a:latin typeface="Cambria Math" panose="02040503050406030204" pitchFamily="18" charset="0"/>
+                        </a:rPr>
+                        <m:t>=</m:t>
+                      </m:r>
+                      <m:sSub>
+                        <m:sSubPr>
+                          <m:ctrlPr>
+                            <a:rPr lang="it-IT" sz="2400" b="0" i="1" smtClean="0">
+                              <a:solidFill>
+                                <a:schemeClr val="bg1"/>
+                              </a:solidFill>
+                              <a:latin typeface="Cambria Math" panose="02040503050406030204" pitchFamily="18" charset="0"/>
+                            </a:rPr>
+                          </m:ctrlPr>
+                        </m:sSubPr>
+                        <m:e>
+                          <m:r>
+                            <a:rPr lang="el-GR" sz="2400" b="0" i="1" smtClean="0">
+                              <a:solidFill>
+                                <a:schemeClr val="bg1"/>
+                              </a:solidFill>
+                              <a:latin typeface="Cambria Math" panose="02040503050406030204" pitchFamily="18" charset="0"/>
+                            </a:rPr>
+                            <m:t>𝛼</m:t>
+                          </m:r>
+                        </m:e>
+                        <m:sub>
+                          <m:r>
+                            <a:rPr lang="el-GR" sz="2400" b="0" i="1" smtClean="0">
+                              <a:solidFill>
+                                <a:schemeClr val="bg1"/>
+                              </a:solidFill>
+                              <a:latin typeface="Cambria Math" panose="02040503050406030204" pitchFamily="18" charset="0"/>
+                            </a:rPr>
+                            <m:t>1</m:t>
+                          </m:r>
+                        </m:sub>
+                      </m:sSub>
+                      <m:r>
+                        <a:rPr lang="el-GR" sz="2400" b="0" i="1" smtClean="0">
+                          <a:solidFill>
+                            <a:schemeClr val="bg1"/>
+                          </a:solidFill>
+                          <a:latin typeface="Cambria Math" panose="02040503050406030204" pitchFamily="18" charset="0"/>
+                        </a:rPr>
+                        <m:t>+</m:t>
+                      </m:r>
+                      <m:sSub>
+                        <m:sSubPr>
+                          <m:ctrlPr>
+                            <a:rPr lang="el-GR" sz="2400" b="0" i="1" smtClean="0">
+                              <a:solidFill>
+                                <a:schemeClr val="bg1"/>
+                              </a:solidFill>
+                              <a:latin typeface="Cambria Math" panose="02040503050406030204" pitchFamily="18" charset="0"/>
+                            </a:rPr>
+                          </m:ctrlPr>
+                        </m:sSubPr>
+                        <m:e>
+                          <m:r>
+                            <a:rPr lang="el-GR" sz="2400" b="0" i="1" smtClean="0">
+                              <a:solidFill>
+                                <a:schemeClr val="bg1"/>
+                              </a:solidFill>
+                              <a:latin typeface="Cambria Math" panose="02040503050406030204" pitchFamily="18" charset="0"/>
+                            </a:rPr>
+                            <m:t>𝛼</m:t>
+                          </m:r>
+                        </m:e>
+                        <m:sub>
+                          <m:r>
+                            <a:rPr lang="el-GR" sz="2400" b="0" i="1" smtClean="0">
+                              <a:solidFill>
+                                <a:schemeClr val="bg1"/>
+                              </a:solidFill>
+                              <a:latin typeface="Cambria Math" panose="02040503050406030204" pitchFamily="18" charset="0"/>
+                            </a:rPr>
+                            <m:t>2</m:t>
+                          </m:r>
+                        </m:sub>
+                      </m:sSub>
+                      <m:sSub>
+                        <m:sSubPr>
+                          <m:ctrlPr>
+                            <a:rPr lang="el-GR" sz="2400" b="0" i="1" smtClean="0">
+                              <a:solidFill>
+                                <a:schemeClr val="bg1"/>
+                              </a:solidFill>
+                              <a:latin typeface="Cambria Math" panose="02040503050406030204" pitchFamily="18" charset="0"/>
+                            </a:rPr>
+                          </m:ctrlPr>
+                        </m:sSubPr>
+                        <m:e>
+                          <m:r>
+                            <a:rPr lang="it-IT" sz="2400" b="0" i="1" smtClean="0">
+                              <a:solidFill>
+                                <a:schemeClr val="bg1"/>
+                              </a:solidFill>
+                              <a:latin typeface="Cambria Math" panose="02040503050406030204" pitchFamily="18" charset="0"/>
+                            </a:rPr>
+                            <m:t>𝐽</m:t>
+                          </m:r>
+                        </m:e>
+                        <m:sub>
+                          <m:r>
+                            <a:rPr lang="it-IT" sz="2400" b="0" i="1" smtClean="0">
+                              <a:solidFill>
+                                <a:schemeClr val="bg1"/>
+                              </a:solidFill>
+                              <a:latin typeface="Cambria Math" panose="02040503050406030204" pitchFamily="18" charset="0"/>
+                            </a:rPr>
+                            <m:t>0</m:t>
+                          </m:r>
+                        </m:sub>
+                      </m:sSub>
+                    </m:oMath>
+                  </m:oMathPara>
+                </a14:m>
+                <a:endParaRPr lang="it-IT" sz="2400" dirty="0">
+                  <a:solidFill>
+                    <a:schemeClr val="bg1"/>
+                  </a:solidFill>
+                </a:endParaRPr>
+              </a:p>
+            </p:txBody>
+          </p:sp>
+        </mc:Choice>
+        <mc:Fallback>
+          <p:sp>
+            <p:nvSpPr>
+              <p:cNvPr id="19" name="CasellaDiTesto 18">
+                <a:extLst>
+                  <a:ext uri="{FF2B5EF4-FFF2-40B4-BE49-F238E27FC236}">
+                    <a16:creationId xmlns:a16="http://schemas.microsoft.com/office/drawing/2014/main" id="{E157F996-E685-4703-B168-1F5ACC74E5E9}"/>
+                  </a:ext>
+                </a:extLst>
+              </p:cNvPr>
+              <p:cNvSpPr txBox="1">
+                <a:spLocks noRot="1" noChangeAspect="1" noMove="1" noResize="1" noEditPoints="1" noAdjustHandles="1" noChangeArrowheads="1" noChangeShapeType="1" noTextEdit="1"/>
+              </p:cNvSpPr>
+              <p:nvPr/>
+            </p:nvSpPr>
+            <p:spPr>
+              <a:xfrm>
+                <a:off x="3981767" y="4279081"/>
+                <a:ext cx="2090123" cy="369332"/>
+              </a:xfrm>
+              <a:prstGeom prst="rect">
+                <a:avLst/>
+              </a:prstGeom>
+              <a:blipFill>
+                <a:blip r:embed="rId9"/>
+                <a:stretch>
+                  <a:fillRect l="-2624" r="-583" b="-29508"/>
+                </a:stretch>
+              </a:blipFill>
+            </p:spPr>
+            <p:txBody>
+              <a:bodyPr/>
+              <a:lstStyle/>
+              <a:p>
+                <a:r>
+                  <a:rPr lang="it-IT">
+                    <a:noFill/>
+                  </a:rPr>
+                  <a:t> </a:t>
+                </a:r>
+              </a:p>
+            </p:txBody>
+          </p:sp>
+        </mc:Fallback>
+      </mc:AlternateContent>
+      <mc:AlternateContent xmlns:mc="http://schemas.openxmlformats.org/markup-compatibility/2006">
+        <mc:Choice xmlns:a14="http://schemas.microsoft.com/office/drawing/2010/main" Requires="a14">
+          <p:sp>
+            <p:nvSpPr>
+              <p:cNvPr id="20" name="CasellaDiTesto 19">
+                <a:extLst>
+                  <a:ext uri="{FF2B5EF4-FFF2-40B4-BE49-F238E27FC236}">
+                    <a16:creationId xmlns:a16="http://schemas.microsoft.com/office/drawing/2014/main" id="{2964BA3D-34EB-4304-8796-754501B9079F}"/>
+                  </a:ext>
+                </a:extLst>
+              </p:cNvPr>
+              <p:cNvSpPr txBox="1"/>
+              <p:nvPr/>
+            </p:nvSpPr>
+            <p:spPr>
+              <a:xfrm>
+                <a:off x="6348410" y="4279081"/>
+                <a:ext cx="1980927" cy="369332"/>
+              </a:xfrm>
+              <a:prstGeom prst="rect">
+                <a:avLst/>
+              </a:prstGeom>
+              <a:noFill/>
+            </p:spPr>
+            <p:txBody>
+              <a:bodyPr wrap="none" lIns="0" tIns="0" rIns="0" bIns="0" rtlCol="0">
+                <a:spAutoFit/>
+              </a:bodyPr>
+              <a:lstStyle/>
+              <a:p>
+                <a14:m>
+                  <m:oMathPara xmlns:m="http://schemas.openxmlformats.org/officeDocument/2006/math">
+                    <m:oMathParaPr>
+                      <m:jc m:val="centerGroup"/>
+                    </m:oMathParaPr>
+                    <m:oMath xmlns:m="http://schemas.openxmlformats.org/officeDocument/2006/math">
+                      <m:sSub>
+                        <m:sSubPr>
+                          <m:ctrlPr>
+                            <a:rPr lang="it-IT" sz="2400" b="0" i="1" smtClean="0">
+                              <a:solidFill>
+                                <a:schemeClr val="bg1"/>
+                              </a:solidFill>
+                              <a:latin typeface="Cambria Math" panose="02040503050406030204" pitchFamily="18" charset="0"/>
+                            </a:rPr>
+                          </m:ctrlPr>
+                        </m:sSubPr>
+                        <m:e>
+                          <m:r>
+                            <a:rPr lang="el-GR" sz="2400" b="0" i="1" smtClean="0">
+                              <a:solidFill>
+                                <a:schemeClr val="bg1"/>
+                              </a:solidFill>
+                              <a:latin typeface="Cambria Math" panose="02040503050406030204" pitchFamily="18" charset="0"/>
+                            </a:rPr>
+                            <m:t>𝛼</m:t>
+                          </m:r>
+                        </m:e>
+                        <m:sub>
+                          <m:r>
+                            <a:rPr lang="el-GR" sz="2400" b="0" i="1" smtClean="0">
+                              <a:solidFill>
+                                <a:schemeClr val="bg1"/>
+                              </a:solidFill>
+                              <a:latin typeface="Cambria Math" panose="02040503050406030204" pitchFamily="18" charset="0"/>
+                            </a:rPr>
+                            <m:t>1</m:t>
+                          </m:r>
+                        </m:sub>
+                      </m:sSub>
+                      <m:r>
+                        <a:rPr lang="el-GR" sz="2400" b="0" i="1" smtClean="0">
+                          <a:solidFill>
+                            <a:schemeClr val="bg1"/>
+                          </a:solidFill>
+                          <a:latin typeface="Cambria Math" panose="02040503050406030204" pitchFamily="18" charset="0"/>
+                        </a:rPr>
+                        <m:t>&gt;0, </m:t>
+                      </m:r>
+                      <m:sSub>
+                        <m:sSubPr>
+                          <m:ctrlPr>
+                            <a:rPr lang="el-GR" sz="2400" b="0" i="1" smtClean="0">
+                              <a:solidFill>
+                                <a:schemeClr val="bg1"/>
+                              </a:solidFill>
+                              <a:latin typeface="Cambria Math" panose="02040503050406030204" pitchFamily="18" charset="0"/>
+                            </a:rPr>
+                          </m:ctrlPr>
+                        </m:sSubPr>
+                        <m:e>
+                          <m:r>
+                            <a:rPr lang="el-GR" sz="2400" b="0" i="1" smtClean="0">
+                              <a:solidFill>
+                                <a:schemeClr val="bg1"/>
+                              </a:solidFill>
+                              <a:latin typeface="Cambria Math" panose="02040503050406030204" pitchFamily="18" charset="0"/>
+                            </a:rPr>
+                            <m:t>𝛼</m:t>
+                          </m:r>
+                        </m:e>
+                        <m:sub>
+                          <m:r>
+                            <a:rPr lang="it-IT" sz="2400" b="0" i="1" smtClean="0">
+                              <a:solidFill>
+                                <a:schemeClr val="bg1"/>
+                              </a:solidFill>
+                              <a:latin typeface="Cambria Math" panose="02040503050406030204" pitchFamily="18" charset="0"/>
+                            </a:rPr>
+                            <m:t>2</m:t>
+                          </m:r>
+                        </m:sub>
+                      </m:sSub>
+                      <m:r>
+                        <a:rPr lang="it-IT" sz="2400" b="0" i="1" smtClean="0">
+                          <a:solidFill>
+                            <a:schemeClr val="bg1"/>
+                          </a:solidFill>
+                          <a:latin typeface="Cambria Math" panose="02040503050406030204" pitchFamily="18" charset="0"/>
+                        </a:rPr>
+                        <m:t>&lt;0</m:t>
+                      </m:r>
+                    </m:oMath>
+                  </m:oMathPara>
+                </a14:m>
+                <a:endParaRPr lang="it-IT" sz="2400" dirty="0">
+                  <a:solidFill>
+                    <a:schemeClr val="bg1"/>
+                  </a:solidFill>
+                </a:endParaRPr>
+              </a:p>
+            </p:txBody>
+          </p:sp>
+        </mc:Choice>
+        <mc:Fallback>
+          <p:sp>
+            <p:nvSpPr>
+              <p:cNvPr id="20" name="CasellaDiTesto 19">
+                <a:extLst>
+                  <a:ext uri="{FF2B5EF4-FFF2-40B4-BE49-F238E27FC236}">
+                    <a16:creationId xmlns:a16="http://schemas.microsoft.com/office/drawing/2014/main" id="{2964BA3D-34EB-4304-8796-754501B9079F}"/>
+                  </a:ext>
+                </a:extLst>
+              </p:cNvPr>
+              <p:cNvSpPr txBox="1">
+                <a:spLocks noRot="1" noChangeAspect="1" noMove="1" noResize="1" noEditPoints="1" noAdjustHandles="1" noChangeArrowheads="1" noChangeShapeType="1" noTextEdit="1"/>
+              </p:cNvSpPr>
+              <p:nvPr/>
+            </p:nvSpPr>
+            <p:spPr>
+              <a:xfrm>
+                <a:off x="6348410" y="4279081"/>
+                <a:ext cx="1980927" cy="369332"/>
+              </a:xfrm>
+              <a:prstGeom prst="rect">
+                <a:avLst/>
+              </a:prstGeom>
+              <a:blipFill>
+                <a:blip r:embed="rId10"/>
+                <a:stretch>
+                  <a:fillRect l="-1231" r="-3077" b="-14754"/>
+                </a:stretch>
+              </a:blipFill>
+            </p:spPr>
+            <p:txBody>
+              <a:bodyPr/>
+              <a:lstStyle/>
+              <a:p>
+                <a:r>
+                  <a:rPr lang="it-IT">
+                    <a:noFill/>
+                  </a:rPr>
+                  <a:t> </a:t>
+                </a:r>
+              </a:p>
+            </p:txBody>
+          </p:sp>
+        </mc:Fallback>
+      </mc:AlternateContent>
+      <mc:AlternateContent xmlns:mc="http://schemas.openxmlformats.org/markup-compatibility/2006">
+        <mc:Choice xmlns:a14="http://schemas.microsoft.com/office/drawing/2010/main" Requires="a14">
+          <p:sp>
+            <p:nvSpPr>
+              <p:cNvPr id="21" name="CasellaDiTesto 20">
+                <a:extLst>
+                  <a:ext uri="{FF2B5EF4-FFF2-40B4-BE49-F238E27FC236}">
+                    <a16:creationId xmlns:a16="http://schemas.microsoft.com/office/drawing/2014/main" id="{49DD4CC1-9EF9-40F4-BC40-01273BC7D68D}"/>
+                  </a:ext>
+                </a:extLst>
+              </p:cNvPr>
+              <p:cNvSpPr txBox="1"/>
+              <p:nvPr/>
+            </p:nvSpPr>
+            <p:spPr>
+              <a:xfrm>
+                <a:off x="4739532" y="4954697"/>
+                <a:ext cx="2838982" cy="369332"/>
+              </a:xfrm>
+              <a:prstGeom prst="rect">
+                <a:avLst/>
+              </a:prstGeom>
+              <a:noFill/>
+            </p:spPr>
+            <p:txBody>
+              <a:bodyPr wrap="none" lIns="0" tIns="0" rIns="0" bIns="0" rtlCol="0">
+                <a:spAutoFit/>
+              </a:bodyPr>
+              <a:lstStyle/>
+              <a:p>
+                <a14:m>
+                  <m:oMathPara xmlns:m="http://schemas.openxmlformats.org/officeDocument/2006/math">
+                    <m:oMathParaPr>
+                      <m:jc m:val="centerGroup"/>
+                    </m:oMathParaPr>
+                    <m:oMath xmlns:m="http://schemas.openxmlformats.org/officeDocument/2006/math">
+                      <m:r>
+                        <a:rPr lang="it-IT" sz="2400" b="0" i="1" smtClean="0">
+                          <a:solidFill>
+                            <a:schemeClr val="bg1"/>
+                          </a:solidFill>
+                          <a:latin typeface="Cambria Math" panose="02040503050406030204" pitchFamily="18" charset="0"/>
+                        </a:rPr>
+                        <m:t>𝑇</m:t>
+                      </m:r>
+                      <m:r>
+                        <a:rPr lang="it-IT" sz="2400" b="0" i="1" smtClean="0">
+                          <a:solidFill>
+                            <a:schemeClr val="bg1"/>
+                          </a:solidFill>
+                          <a:latin typeface="Cambria Math" panose="02040503050406030204" pitchFamily="18" charset="0"/>
+                        </a:rPr>
+                        <m:t>=</m:t>
+                      </m:r>
+                      <m:sSub>
+                        <m:sSubPr>
+                          <m:ctrlPr>
+                            <a:rPr lang="it-IT" sz="2400" b="0" i="1" smtClean="0">
+                              <a:solidFill>
+                                <a:schemeClr val="bg1"/>
+                              </a:solidFill>
+                              <a:latin typeface="Cambria Math" panose="02040503050406030204" pitchFamily="18" charset="0"/>
+                            </a:rPr>
+                          </m:ctrlPr>
+                        </m:sSubPr>
+                        <m:e>
+                          <m:r>
+                            <a:rPr lang="it-IT" sz="2400" b="0" i="1" smtClean="0">
+                              <a:solidFill>
+                                <a:schemeClr val="bg1"/>
+                              </a:solidFill>
+                              <a:latin typeface="Cambria Math" panose="02040503050406030204" pitchFamily="18" charset="0"/>
+                            </a:rPr>
+                            <m:t>𝑎</m:t>
+                          </m:r>
+                        </m:e>
+                        <m:sub>
+                          <m:r>
+                            <a:rPr lang="it-IT" sz="2400" b="0" i="1" smtClean="0">
+                              <a:solidFill>
+                                <a:schemeClr val="bg1"/>
+                              </a:solidFill>
+                              <a:latin typeface="Cambria Math" panose="02040503050406030204" pitchFamily="18" charset="0"/>
+                            </a:rPr>
+                            <m:t>1</m:t>
+                          </m:r>
+                        </m:sub>
+                      </m:sSub>
+                      <m:d>
+                        <m:dPr>
+                          <m:begChr m:val="|"/>
+                          <m:endChr m:val="|"/>
+                          <m:ctrlPr>
+                            <a:rPr lang="it-IT" sz="2400" b="0" i="1" smtClean="0">
+                              <a:solidFill>
+                                <a:schemeClr val="bg1"/>
+                              </a:solidFill>
+                              <a:latin typeface="Cambria Math" panose="02040503050406030204" pitchFamily="18" charset="0"/>
+                            </a:rPr>
+                          </m:ctrlPr>
+                        </m:dPr>
+                        <m:e>
+                          <m:r>
+                            <a:rPr lang="it-IT" sz="2400" b="0" i="1" smtClean="0">
+                              <a:solidFill>
+                                <a:schemeClr val="bg1"/>
+                              </a:solidFill>
+                              <a:latin typeface="Cambria Math" panose="02040503050406030204" pitchFamily="18" charset="0"/>
+                            </a:rPr>
+                            <m:t>𝑛</m:t>
+                          </m:r>
+                        </m:e>
+                      </m:d>
+                      <m:r>
+                        <a:rPr lang="it-IT" sz="2400" b="0" i="1" smtClean="0">
+                          <a:solidFill>
+                            <a:schemeClr val="bg1"/>
+                          </a:solidFill>
+                          <a:latin typeface="Cambria Math" panose="02040503050406030204" pitchFamily="18" charset="0"/>
+                        </a:rPr>
+                        <m:t>𝑛</m:t>
+                      </m:r>
+                      <m:r>
+                        <a:rPr lang="it-IT" sz="2400" b="0" i="1" smtClean="0">
+                          <a:solidFill>
+                            <a:schemeClr val="bg1"/>
+                          </a:solidFill>
+                          <a:latin typeface="Cambria Math" panose="02040503050406030204" pitchFamily="18" charset="0"/>
+                        </a:rPr>
+                        <m:t>+</m:t>
+                      </m:r>
+                      <m:sSub>
+                        <m:sSubPr>
+                          <m:ctrlPr>
+                            <a:rPr lang="it-IT" sz="2400" b="0" i="1" smtClean="0">
+                              <a:solidFill>
+                                <a:schemeClr val="bg1"/>
+                              </a:solidFill>
+                              <a:latin typeface="Cambria Math" panose="02040503050406030204" pitchFamily="18" charset="0"/>
+                            </a:rPr>
+                          </m:ctrlPr>
+                        </m:sSubPr>
+                        <m:e>
+                          <m:r>
+                            <a:rPr lang="it-IT" sz="2400" b="0" i="1" smtClean="0">
+                              <a:solidFill>
+                                <a:schemeClr val="bg1"/>
+                              </a:solidFill>
+                              <a:latin typeface="Cambria Math" panose="02040503050406030204" pitchFamily="18" charset="0"/>
+                            </a:rPr>
+                            <m:t>𝑎</m:t>
+                          </m:r>
+                        </m:e>
+                        <m:sub>
+                          <m:r>
+                            <a:rPr lang="it-IT" sz="2400" b="0" i="1" smtClean="0">
+                              <a:solidFill>
+                                <a:schemeClr val="bg1"/>
+                              </a:solidFill>
+                              <a:latin typeface="Cambria Math" panose="02040503050406030204" pitchFamily="18" charset="0"/>
+                            </a:rPr>
+                            <m:t>2</m:t>
+                          </m:r>
+                        </m:sub>
+                      </m:sSub>
+                      <m:r>
+                        <a:rPr lang="it-IT" sz="2400" b="0" i="1" smtClean="0">
+                          <a:solidFill>
+                            <a:schemeClr val="bg1"/>
+                          </a:solidFill>
+                          <a:latin typeface="Cambria Math" panose="02040503050406030204" pitchFamily="18" charset="0"/>
+                        </a:rPr>
+                        <m:t>|</m:t>
+                      </m:r>
+                      <m:r>
+                        <a:rPr lang="it-IT" sz="2400" b="0" i="1" smtClean="0">
+                          <a:solidFill>
+                            <a:schemeClr val="bg1"/>
+                          </a:solidFill>
+                          <a:latin typeface="Cambria Math" panose="02040503050406030204" pitchFamily="18" charset="0"/>
+                        </a:rPr>
+                        <m:t>𝑛</m:t>
+                      </m:r>
+                      <m:r>
+                        <a:rPr lang="it-IT" sz="2400" b="0" i="1" smtClean="0">
+                          <a:solidFill>
+                            <a:schemeClr val="bg1"/>
+                          </a:solidFill>
+                          <a:latin typeface="Cambria Math" panose="02040503050406030204" pitchFamily="18" charset="0"/>
+                        </a:rPr>
+                        <m:t>|</m:t>
+                      </m:r>
+                      <m:sSub>
+                        <m:sSubPr>
+                          <m:ctrlPr>
+                            <a:rPr lang="it-IT" sz="2400" b="0" i="1" smtClean="0">
+                              <a:solidFill>
+                                <a:schemeClr val="bg1"/>
+                              </a:solidFill>
+                              <a:latin typeface="Cambria Math" panose="02040503050406030204" pitchFamily="18" charset="0"/>
+                            </a:rPr>
+                          </m:ctrlPr>
+                        </m:sSubPr>
+                        <m:e>
+                          <m:r>
+                            <a:rPr lang="el-GR" sz="2400" i="1">
+                              <a:solidFill>
+                                <a:schemeClr val="bg1"/>
+                              </a:solidFill>
+                              <a:latin typeface="Cambria Math" panose="02040503050406030204" pitchFamily="18" charset="0"/>
+                            </a:rPr>
+                            <m:t>𝜈</m:t>
+                          </m:r>
+                        </m:e>
+                        <m:sub>
+                          <m:r>
+                            <a:rPr lang="it-IT" sz="2400" b="0" i="1" smtClean="0">
+                              <a:solidFill>
+                                <a:schemeClr val="bg1"/>
+                              </a:solidFill>
+                              <a:latin typeface="Cambria Math" panose="02040503050406030204" pitchFamily="18" charset="0"/>
+                            </a:rPr>
+                            <m:t>𝑖</m:t>
+                          </m:r>
+                        </m:sub>
+                      </m:sSub>
+                    </m:oMath>
+                  </m:oMathPara>
+                </a14:m>
+                <a:endParaRPr lang="it-IT" sz="2400" dirty="0">
+                  <a:solidFill>
+                    <a:schemeClr val="bg1"/>
+                  </a:solidFill>
+                </a:endParaRPr>
+              </a:p>
+            </p:txBody>
+          </p:sp>
+        </mc:Choice>
+        <mc:Fallback>
+          <p:sp>
+            <p:nvSpPr>
+              <p:cNvPr id="21" name="CasellaDiTesto 20">
+                <a:extLst>
+                  <a:ext uri="{FF2B5EF4-FFF2-40B4-BE49-F238E27FC236}">
+                    <a16:creationId xmlns:a16="http://schemas.microsoft.com/office/drawing/2014/main" id="{49DD4CC1-9EF9-40F4-BC40-01273BC7D68D}"/>
+                  </a:ext>
+                </a:extLst>
+              </p:cNvPr>
+              <p:cNvSpPr txBox="1">
+                <a:spLocks noRot="1" noChangeAspect="1" noMove="1" noResize="1" noEditPoints="1" noAdjustHandles="1" noChangeArrowheads="1" noChangeShapeType="1" noTextEdit="1"/>
+              </p:cNvSpPr>
+              <p:nvPr/>
+            </p:nvSpPr>
+            <p:spPr>
+              <a:xfrm>
+                <a:off x="4739532" y="4954697"/>
+                <a:ext cx="2838982" cy="369332"/>
+              </a:xfrm>
+              <a:prstGeom prst="rect">
+                <a:avLst/>
+              </a:prstGeom>
+              <a:blipFill>
+                <a:blip r:embed="rId11"/>
+                <a:stretch>
+                  <a:fillRect l="-1931" r="-215" b="-36667"/>
+                </a:stretch>
+              </a:blipFill>
+            </p:spPr>
+            <p:txBody>
+              <a:bodyPr/>
+              <a:lstStyle/>
+              <a:p>
+                <a:r>
+                  <a:rPr lang="it-IT">
+                    <a:noFill/>
+                  </a:rPr>
+                  <a:t> </a:t>
+                </a:r>
+              </a:p>
+            </p:txBody>
+          </p:sp>
+        </mc:Fallback>
+      </mc:AlternateContent>
+      <mc:AlternateContent xmlns:mc="http://schemas.openxmlformats.org/markup-compatibility/2006">
+        <mc:Choice xmlns:a14="http://schemas.microsoft.com/office/drawing/2010/main" Requires="a14">
+          <p:sp>
+            <p:nvSpPr>
+              <p:cNvPr id="24" name="CasellaDiTesto 23">
+                <a:extLst>
+                  <a:ext uri="{FF2B5EF4-FFF2-40B4-BE49-F238E27FC236}">
+                    <a16:creationId xmlns:a16="http://schemas.microsoft.com/office/drawing/2014/main" id="{9829B040-A1FF-45C1-9753-5FC68E8C872C}"/>
+                  </a:ext>
+                </a:extLst>
+              </p:cNvPr>
+              <p:cNvSpPr txBox="1"/>
+              <p:nvPr/>
+            </p:nvSpPr>
+            <p:spPr>
+              <a:xfrm>
+                <a:off x="4175991" y="5525829"/>
+                <a:ext cx="4066947" cy="369332"/>
+              </a:xfrm>
+              <a:prstGeom prst="rect">
+                <a:avLst/>
+              </a:prstGeom>
+              <a:noFill/>
+            </p:spPr>
+            <p:txBody>
+              <a:bodyPr wrap="none" lIns="0" tIns="0" rIns="0" bIns="0" rtlCol="0">
+                <a:spAutoFit/>
+              </a:bodyPr>
+              <a:lstStyle/>
+              <a:p>
+                <a14:m>
+                  <m:oMath xmlns:m="http://schemas.openxmlformats.org/officeDocument/2006/math">
+                    <m:sSub>
+                      <m:sSubPr>
+                        <m:ctrlPr>
+                          <a:rPr lang="it-IT" sz="2400" i="1" smtClean="0">
+                            <a:solidFill>
+                              <a:schemeClr val="bg1"/>
+                            </a:solidFill>
+                            <a:latin typeface="Cambria Math" panose="02040503050406030204" pitchFamily="18" charset="0"/>
+                          </a:rPr>
+                        </m:ctrlPr>
+                      </m:sSubPr>
+                      <m:e>
+                        <m:r>
+                          <a:rPr lang="it-IT" sz="2400" b="0" i="1" smtClean="0">
+                            <a:solidFill>
+                              <a:schemeClr val="bg1"/>
+                            </a:solidFill>
+                            <a:latin typeface="Cambria Math" panose="02040503050406030204" pitchFamily="18" charset="0"/>
+                          </a:rPr>
+                          <m:t>𝑎</m:t>
+                        </m:r>
+                      </m:e>
+                      <m:sub>
+                        <m:r>
+                          <a:rPr lang="it-IT" sz="2400" b="0" i="1" smtClean="0">
+                            <a:solidFill>
+                              <a:schemeClr val="bg1"/>
+                            </a:solidFill>
+                            <a:latin typeface="Cambria Math" panose="02040503050406030204" pitchFamily="18" charset="0"/>
+                          </a:rPr>
+                          <m:t>1</m:t>
+                        </m:r>
+                      </m:sub>
+                    </m:sSub>
+                    <m:r>
+                      <a:rPr lang="it-IT" sz="2400" b="0" i="1" smtClean="0">
+                        <a:solidFill>
+                          <a:schemeClr val="bg1"/>
+                        </a:solidFill>
+                        <a:latin typeface="Cambria Math" panose="02040503050406030204" pitchFamily="18" charset="0"/>
+                      </a:rPr>
+                      <m:t>=3,883</m:t>
+                    </m:r>
+                    <m:r>
+                      <a:rPr lang="it-IT" sz="2400" b="0" i="1" smtClean="0">
+                        <a:solidFill>
+                          <a:schemeClr val="bg1"/>
+                        </a:solidFill>
+                        <a:latin typeface="Cambria Math" panose="02040503050406030204" pitchFamily="18" charset="0"/>
+                        <a:ea typeface="Cambria Math" panose="02040503050406030204" pitchFamily="18" charset="0"/>
+                      </a:rPr>
+                      <m:t>∙</m:t>
+                    </m:r>
+                    <m:sSup>
+                      <m:sSupPr>
+                        <m:ctrlPr>
+                          <a:rPr lang="it-IT" sz="2400" b="0" i="1" smtClean="0">
+                            <a:solidFill>
+                              <a:schemeClr val="bg1"/>
+                            </a:solidFill>
+                            <a:latin typeface="Cambria Math" panose="02040503050406030204" pitchFamily="18" charset="0"/>
+                            <a:ea typeface="Cambria Math" panose="02040503050406030204" pitchFamily="18" charset="0"/>
+                          </a:rPr>
+                        </m:ctrlPr>
+                      </m:sSupPr>
+                      <m:e>
+                        <m:r>
+                          <a:rPr lang="it-IT" sz="2400" b="0" i="1" smtClean="0">
+                            <a:solidFill>
+                              <a:schemeClr val="bg1"/>
+                            </a:solidFill>
+                            <a:latin typeface="Cambria Math" panose="02040503050406030204" pitchFamily="18" charset="0"/>
+                            <a:ea typeface="Cambria Math" panose="02040503050406030204" pitchFamily="18" charset="0"/>
+                          </a:rPr>
+                          <m:t>10</m:t>
+                        </m:r>
+                      </m:e>
+                      <m:sup>
+                        <m:r>
+                          <a:rPr lang="it-IT" sz="2400" b="0" i="1" smtClean="0">
+                            <a:solidFill>
+                              <a:schemeClr val="bg1"/>
+                            </a:solidFill>
+                            <a:latin typeface="Cambria Math" panose="02040503050406030204" pitchFamily="18" charset="0"/>
+                            <a:ea typeface="Cambria Math" panose="02040503050406030204" pitchFamily="18" charset="0"/>
+                          </a:rPr>
+                          <m:t>−4</m:t>
+                        </m:r>
+                      </m:sup>
+                    </m:sSup>
+                    <m:r>
+                      <a:rPr lang="it-IT" sz="2400" b="0" i="1" smtClean="0">
+                        <a:solidFill>
+                          <a:schemeClr val="bg1"/>
+                        </a:solidFill>
+                        <a:latin typeface="Cambria Math" panose="02040503050406030204" pitchFamily="18" charset="0"/>
+                        <a:ea typeface="Cambria Math" panose="02040503050406030204" pitchFamily="18" charset="0"/>
+                      </a:rPr>
+                      <m:t>, </m:t>
+                    </m:r>
+                    <m:sSub>
+                      <m:sSubPr>
+                        <m:ctrlPr>
+                          <a:rPr lang="it-IT" sz="2400" b="0" i="1" smtClean="0">
+                            <a:solidFill>
+                              <a:schemeClr val="bg1"/>
+                            </a:solidFill>
+                            <a:latin typeface="Cambria Math" panose="02040503050406030204" pitchFamily="18" charset="0"/>
+                            <a:ea typeface="Cambria Math" panose="02040503050406030204" pitchFamily="18" charset="0"/>
+                          </a:rPr>
+                        </m:ctrlPr>
+                      </m:sSubPr>
+                      <m:e>
+                        <m:r>
+                          <a:rPr lang="it-IT" sz="2400" b="0" i="1" smtClean="0">
+                            <a:solidFill>
+                              <a:schemeClr val="bg1"/>
+                            </a:solidFill>
+                            <a:latin typeface="Cambria Math" panose="02040503050406030204" pitchFamily="18" charset="0"/>
+                            <a:ea typeface="Cambria Math" panose="02040503050406030204" pitchFamily="18" charset="0"/>
+                          </a:rPr>
+                          <m:t>𝑎</m:t>
+                        </m:r>
+                      </m:e>
+                      <m:sub>
+                        <m:r>
+                          <a:rPr lang="it-IT" sz="2400" b="0" i="1" smtClean="0">
+                            <a:solidFill>
+                              <a:schemeClr val="bg1"/>
+                            </a:solidFill>
+                            <a:latin typeface="Cambria Math" panose="02040503050406030204" pitchFamily="18" charset="0"/>
+                            <a:ea typeface="Cambria Math" panose="02040503050406030204" pitchFamily="18" charset="0"/>
+                          </a:rPr>
+                          <m:t>2</m:t>
+                        </m:r>
+                      </m:sub>
+                    </m:sSub>
+                    <m:r>
+                      <a:rPr lang="it-IT" sz="2400" b="0" i="1" smtClean="0">
+                        <a:solidFill>
+                          <a:schemeClr val="bg1"/>
+                        </a:solidFill>
+                        <a:latin typeface="Cambria Math" panose="02040503050406030204" pitchFamily="18" charset="0"/>
+                        <a:ea typeface="Cambria Math" panose="02040503050406030204" pitchFamily="18" charset="0"/>
+                      </a:rPr>
+                      <m:t>=0,003</m:t>
+                    </m:r>
+                  </m:oMath>
+                </a14:m>
+                <a:r>
+                  <a:rPr lang="it-IT" sz="2400" b="0" dirty="0">
+                    <a:solidFill>
+                      <a:schemeClr val="bg1"/>
+                    </a:solidFill>
+                    <a:ea typeface="Cambria Math" panose="02040503050406030204" pitchFamily="18" charset="0"/>
+                  </a:rPr>
+                  <a:t>7</a:t>
+                </a:r>
+              </a:p>
+            </p:txBody>
+          </p:sp>
+        </mc:Choice>
+        <mc:Fallback>
+          <p:sp>
+            <p:nvSpPr>
+              <p:cNvPr id="24" name="CasellaDiTesto 23">
+                <a:extLst>
+                  <a:ext uri="{FF2B5EF4-FFF2-40B4-BE49-F238E27FC236}">
+                    <a16:creationId xmlns:a16="http://schemas.microsoft.com/office/drawing/2014/main" id="{9829B040-A1FF-45C1-9753-5FC68E8C872C}"/>
+                  </a:ext>
+                </a:extLst>
+              </p:cNvPr>
+              <p:cNvSpPr txBox="1">
+                <a:spLocks noRot="1" noChangeAspect="1" noMove="1" noResize="1" noEditPoints="1" noAdjustHandles="1" noChangeArrowheads="1" noChangeShapeType="1" noTextEdit="1"/>
+              </p:cNvSpPr>
+              <p:nvPr/>
+            </p:nvSpPr>
+            <p:spPr>
+              <a:xfrm>
+                <a:off x="4175991" y="5525829"/>
+                <a:ext cx="4066947" cy="369332"/>
+              </a:xfrm>
+              <a:prstGeom prst="rect">
+                <a:avLst/>
+              </a:prstGeom>
+              <a:blipFill>
+                <a:blip r:embed="rId12"/>
+                <a:stretch>
+                  <a:fillRect l="-1799" t="-22951" r="-3748" b="-50820"/>
+                </a:stretch>
+              </a:blipFill>
+            </p:spPr>
+            <p:txBody>
+              <a:bodyPr/>
+              <a:lstStyle/>
+              <a:p>
+                <a:r>
+                  <a:rPr lang="it-IT">
+                    <a:noFill/>
+                  </a:rPr>
+                  <a:t> </a:t>
+                </a:r>
+              </a:p>
+            </p:txBody>
+          </p:sp>
+        </mc:Fallback>
+      </mc:AlternateContent>
+      <p:sp>
+        <p:nvSpPr>
+          <p:cNvPr id="25" name="Rettangolo 24">
+            <a:extLst>
+              <a:ext uri="{FF2B5EF4-FFF2-40B4-BE49-F238E27FC236}">
+                <a16:creationId xmlns:a16="http://schemas.microsoft.com/office/drawing/2014/main" id="{0F662A9E-0119-442C-9C3E-BD056B3F89E4}"/>
+              </a:ext>
+            </a:extLst>
+          </p:cNvPr>
+          <p:cNvSpPr/>
+          <p:nvPr/>
+        </p:nvSpPr>
+        <p:spPr>
+          <a:xfrm>
+            <a:off x="3964061" y="4890136"/>
+            <a:ext cx="4432437" cy="1045654"/>
+          </a:xfrm>
+          <a:prstGeom prst="rect">
+            <a:avLst/>
+          </a:prstGeom>
+          <a:noFill/>
+          <a:ln w="25400"/>
+        </p:spPr>
+        <p:style>
+          <a:lnRef idx="2">
+            <a:schemeClr val="accent1">
+              <a:shade val="50000"/>
+            </a:schemeClr>
+          </a:lnRef>
+          <a:fillRef idx="1">
+            <a:schemeClr val="accent1"/>
+          </a:fillRef>
+          <a:effectRef idx="0">
+            <a:schemeClr val="accent1"/>
+          </a:effectRef>
+          <a:fontRef idx="minor">
+            <a:schemeClr val="lt1"/>
+          </a:fontRef>
+        </p:style>
+        <p:txBody>
+          <a:bodyPr rtlCol="0" anchor="ctr"/>
+          <a:lstStyle/>
+          <a:p>
+            <a:pPr algn="ctr"/>
+            <a:endParaRPr lang="it-IT"/>
+          </a:p>
+        </p:txBody>
+      </p:sp>
+      <p:sp>
+        <p:nvSpPr>
+          <p:cNvPr id="26" name="Segnaposto numero diapositiva 25">
+            <a:extLst>
+              <a:ext uri="{FF2B5EF4-FFF2-40B4-BE49-F238E27FC236}">
+                <a16:creationId xmlns:a16="http://schemas.microsoft.com/office/drawing/2014/main" id="{298311C5-41EB-4906-93C6-889FAFBCE7F2}"/>
+              </a:ext>
+            </a:extLst>
+          </p:cNvPr>
+          <p:cNvSpPr>
+            <a:spLocks noGrp="1"/>
+          </p:cNvSpPr>
+          <p:nvPr>
+            <p:ph type="sldNum" sz="quarter" idx="12"/>
+          </p:nvPr>
+        </p:nvSpPr>
+        <p:spPr/>
+        <p:txBody>
+          <a:bodyPr/>
+          <a:lstStyle/>
+          <a:p>
+            <a:fld id="{4854181D-6920-4594-9A5D-6CE56DC9F8B2}" type="slidenum">
+              <a:rPr lang="en-US" smtClean="0"/>
+              <a:t>6</a:t>
+            </a:fld>
+            <a:endParaRPr lang="en-US"/>
           </a:p>
         </p:txBody>
       </p:sp>
@@ -11266,8 +14195,8 @@
           </a:p>
         </p:txBody>
       </p:sp>
-      <mc:AlternateContent xmlns:mc="http://schemas.openxmlformats.org/markup-compatibility/2006">
-        <mc:Choice xmlns:a14="http://schemas.microsoft.com/office/drawing/2010/main" Requires="a14">
+      <mc:AlternateContent xmlns:mc="http://schemas.openxmlformats.org/markup-compatibility/2006" xmlns:a14="http://schemas.microsoft.com/office/drawing/2010/main">
+        <mc:Choice Requires="a14">
           <p:sp>
             <p:nvSpPr>
               <p:cNvPr id="12" name="Rettangolo 11">
@@ -11446,7 +14375,7 @@
             </p:txBody>
           </p:sp>
         </mc:Choice>
-        <mc:Fallback>
+        <mc:Fallback xmlns="">
           <p:sp>
             <p:nvSpPr>
               <p:cNvPr id="12" name="Rettangolo 11">
@@ -11781,8 +14710,8 @@
           </a:fontRef>
         </p:style>
       </p:cxnSp>
-      <mc:AlternateContent xmlns:mc="http://schemas.openxmlformats.org/markup-compatibility/2006">
-        <mc:Choice xmlns:a14="http://schemas.microsoft.com/office/drawing/2010/main" Requires="a14">
+      <mc:AlternateContent xmlns:mc="http://schemas.openxmlformats.org/markup-compatibility/2006" xmlns:a14="http://schemas.microsoft.com/office/drawing/2010/main">
+        <mc:Choice Requires="a14">
           <p:sp>
             <p:nvSpPr>
               <p:cNvPr id="28" name="CasellaDiTesto 27">
@@ -12048,7 +14977,7 @@
             </p:txBody>
           </p:sp>
         </mc:Choice>
-        <mc:Fallback>
+        <mc:Fallback xmlns="">
           <p:sp>
             <p:nvSpPr>
               <p:cNvPr id="28" name="CasellaDiTesto 27">
@@ -12725,6 +15654,7 @@
             <a:avLst/>
           </a:prstGeom>
           <a:noFill/>
+          <a:ln w="25400"/>
         </p:spPr>
         <p:style>
           <a:lnRef idx="2">
@@ -12845,8 +15775,8 @@
           </a:p>
         </p:txBody>
       </p:sp>
-      <mc:AlternateContent xmlns:mc="http://schemas.openxmlformats.org/markup-compatibility/2006">
-        <mc:Choice xmlns:a14="http://schemas.microsoft.com/office/drawing/2010/main" Requires="a14">
+      <mc:AlternateContent xmlns:mc="http://schemas.openxmlformats.org/markup-compatibility/2006" xmlns:a14="http://schemas.microsoft.com/office/drawing/2010/main">
+        <mc:Choice Requires="a14">
           <p:sp>
             <p:nvSpPr>
               <p:cNvPr id="2" name="CasellaDiTesto 1">
@@ -13214,7 +16144,7 @@
             </p:txBody>
           </p:sp>
         </mc:Choice>
-        <mc:Fallback>
+        <mc:Fallback xmlns="">
           <p:sp>
             <p:nvSpPr>
               <p:cNvPr id="2" name="CasellaDiTesto 1">
@@ -13259,8 +16189,8 @@
           </p:sp>
         </mc:Fallback>
       </mc:AlternateContent>
-      <mc:AlternateContent xmlns:mc="http://schemas.openxmlformats.org/markup-compatibility/2006">
-        <mc:Choice xmlns:a14="http://schemas.microsoft.com/office/drawing/2010/main" Requires="a14">
+      <mc:AlternateContent xmlns:mc="http://schemas.openxmlformats.org/markup-compatibility/2006" xmlns:a14="http://schemas.microsoft.com/office/drawing/2010/main">
+        <mc:Choice Requires="a14">
           <p:sp>
             <p:nvSpPr>
               <p:cNvPr id="13" name="CasellaDiTesto 12">
@@ -13627,7 +16557,7 @@
             </p:txBody>
           </p:sp>
         </mc:Choice>
-        <mc:Fallback>
+        <mc:Fallback xmlns="">
           <p:sp>
             <p:nvSpPr>
               <p:cNvPr id="13" name="CasellaDiTesto 12">
@@ -13672,8 +16602,8 @@
           </p:sp>
         </mc:Fallback>
       </mc:AlternateContent>
-      <mc:AlternateContent xmlns:mc="http://schemas.openxmlformats.org/markup-compatibility/2006">
-        <mc:Choice xmlns:a14="http://schemas.microsoft.com/office/drawing/2010/main" Requires="a14">
+      <mc:AlternateContent xmlns:mc="http://schemas.openxmlformats.org/markup-compatibility/2006" xmlns:a14="http://schemas.microsoft.com/office/drawing/2010/main">
+        <mc:Choice Requires="a14">
           <p:sp>
             <p:nvSpPr>
               <p:cNvPr id="19" name="CasellaDiTesto 18">
@@ -13816,7 +16746,7 @@
             </p:txBody>
           </p:sp>
         </mc:Choice>
-        <mc:Fallback>
+        <mc:Fallback xmlns="">
           <p:sp>
             <p:nvSpPr>
               <p:cNvPr id="19" name="CasellaDiTesto 18">
@@ -13861,8 +16791,8 @@
           </p:sp>
         </mc:Fallback>
       </mc:AlternateContent>
-      <mc:AlternateContent xmlns:mc="http://schemas.openxmlformats.org/markup-compatibility/2006">
-        <mc:Choice xmlns:a14="http://schemas.microsoft.com/office/drawing/2010/main" Requires="a14">
+      <mc:AlternateContent xmlns:mc="http://schemas.openxmlformats.org/markup-compatibility/2006" xmlns:a14="http://schemas.microsoft.com/office/drawing/2010/main">
+        <mc:Choice Requires="a14">
           <p:sp>
             <p:nvSpPr>
               <p:cNvPr id="6" name="CasellaDiTesto 5">
@@ -14120,7 +17050,7 @@
             </p:txBody>
           </p:sp>
         </mc:Choice>
-        <mc:Fallback>
+        <mc:Fallback xmlns="">
           <p:sp>
             <p:nvSpPr>
               <p:cNvPr id="6" name="CasellaDiTesto 5">
@@ -14165,35 +17095,6 @@
           </p:sp>
         </mc:Fallback>
       </mc:AlternateContent>
-      <p:sp>
-        <p:nvSpPr>
-          <p:cNvPr id="3" name="Segnaposto numero diapositiva 2">
-            <a:extLst>
-              <a:ext uri="{FF2B5EF4-FFF2-40B4-BE49-F238E27FC236}">
-                <a16:creationId xmlns:a16="http://schemas.microsoft.com/office/drawing/2014/main" id="{605BBF32-A9EB-49C1-A9DB-C2645312BFFA}"/>
-              </a:ext>
-            </a:extLst>
-          </p:cNvPr>
-          <p:cNvSpPr>
-            <a:spLocks noGrp="1"/>
-          </p:cNvSpPr>
-          <p:nvPr>
-            <p:ph type="sldNum" sz="quarter" idx="12"/>
-          </p:nvPr>
-        </p:nvSpPr>
-        <p:spPr/>
-        <p:txBody>
-          <a:bodyPr/>
-          <a:lstStyle/>
-          <a:p>
-            <a:fld id="{4854181D-6920-4594-9A5D-6CE56DC9F8B2}" type="slidenum">
-              <a:rPr lang="en-US" smtClean="0"/>
-              <a:t>7</a:t>
-            </a:fld>
-            <a:endParaRPr lang="en-US"/>
-          </a:p>
-        </p:txBody>
-      </p:sp>
       <p:cxnSp>
         <p:nvCxnSpPr>
           <p:cNvPr id="32" name="Connettore 2 31">
@@ -14312,6 +17213,35 @@
               </a:rPr>
               <a:t> i in terna body)</a:t>
             </a:r>
+          </a:p>
+        </p:txBody>
+      </p:sp>
+      <p:sp>
+        <p:nvSpPr>
+          <p:cNvPr id="7" name="Segnaposto numero diapositiva 6">
+            <a:extLst>
+              <a:ext uri="{FF2B5EF4-FFF2-40B4-BE49-F238E27FC236}">
+                <a16:creationId xmlns:a16="http://schemas.microsoft.com/office/drawing/2014/main" id="{0D02E9DE-BB3B-4DD8-BA62-BFC629AE7678}"/>
+              </a:ext>
+            </a:extLst>
+          </p:cNvPr>
+          <p:cNvSpPr>
+            <a:spLocks noGrp="1"/>
+          </p:cNvSpPr>
+          <p:nvPr>
+            <p:ph type="sldNum" sz="quarter" idx="12"/>
+          </p:nvPr>
+        </p:nvSpPr>
+        <p:spPr/>
+        <p:txBody>
+          <a:bodyPr/>
+          <a:lstStyle/>
+          <a:p>
+            <a:fld id="{4854181D-6920-4594-9A5D-6CE56DC9F8B2}" type="slidenum">
+              <a:rPr lang="en-US" smtClean="0"/>
+              <a:t>7</a:t>
+            </a:fld>
+            <a:endParaRPr lang="en-US"/>
           </a:p>
         </p:txBody>
       </p:sp>
@@ -15182,7 +18112,7 @@
         <p:spPr>
           <a:xfrm>
             <a:off x="4575467" y="2366597"/>
-            <a:ext cx="2720879" cy="1292662"/>
+            <a:ext cx="2720879" cy="1015663"/>
           </a:xfrm>
           <a:prstGeom prst="rect">
             <a:avLst/>
@@ -15220,13 +18150,6 @@
               </a:rPr>
               <a:t>Velocità in terna body</a:t>
             </a:r>
-          </a:p>
-          <a:p>
-            <a:endParaRPr lang="it-IT" dirty="0">
-              <a:solidFill>
-                <a:schemeClr val="bg1"/>
-              </a:solidFill>
-            </a:endParaRPr>
           </a:p>
         </p:txBody>
       </p:sp>
@@ -15412,10 +18335,10 @@
       </p:pic>
       <p:sp>
         <p:nvSpPr>
-          <p:cNvPr id="3" name="Segnaposto numero diapositiva 2">
+          <p:cNvPr id="5" name="Segnaposto numero diapositiva 4">
             <a:extLst>
               <a:ext uri="{FF2B5EF4-FFF2-40B4-BE49-F238E27FC236}">
-                <a16:creationId xmlns:a16="http://schemas.microsoft.com/office/drawing/2014/main" id="{7ED05464-47CB-40EE-98CA-FF3142BC322A}"/>
+                <a16:creationId xmlns:a16="http://schemas.microsoft.com/office/drawing/2014/main" id="{9F1E40CE-83C4-4381-B6A3-F35167D9206D}"/>
               </a:ext>
             </a:extLst>
           </p:cNvPr>
@@ -15571,7 +18494,7 @@
         </p:nvCxnSpPr>
         <p:spPr>
           <a:xfrm>
-            <a:off x="2407265" y="1940001"/>
+            <a:off x="1188065" y="1940001"/>
             <a:ext cx="0" cy="272352"/>
           </a:xfrm>
           <a:prstGeom prst="straightConnector1">
@@ -15610,8 +18533,8 @@
         </p:nvSpPr>
         <p:spPr>
           <a:xfrm>
-            <a:off x="2051736" y="1373268"/>
-            <a:ext cx="6382135" cy="678209"/>
+            <a:off x="832536" y="1373268"/>
+            <a:ext cx="6604589" cy="678209"/>
           </a:xfrm>
           <a:prstGeom prst="rect">
             <a:avLst/>
@@ -15660,7 +18583,7 @@
         </p:nvCxnSpPr>
         <p:spPr>
           <a:xfrm>
-            <a:off x="3482889" y="1948315"/>
+            <a:off x="2263689" y="1948315"/>
             <a:ext cx="0" cy="272352"/>
           </a:xfrm>
           <a:prstGeom prst="straightConnector1">
@@ -15701,7 +18624,7 @@
         </p:nvCxnSpPr>
         <p:spPr>
           <a:xfrm>
-            <a:off x="5242803" y="1958623"/>
+            <a:off x="4023603" y="1958623"/>
             <a:ext cx="0" cy="272352"/>
           </a:xfrm>
           <a:prstGeom prst="straightConnector1">
@@ -15742,7 +18665,7 @@
         </p:nvCxnSpPr>
         <p:spPr>
           <a:xfrm>
-            <a:off x="6864191" y="1978079"/>
+            <a:off x="5959316" y="1978079"/>
             <a:ext cx="0" cy="272352"/>
           </a:xfrm>
           <a:prstGeom prst="straightConnector1">
@@ -15781,7 +18704,7 @@
         </p:nvSpPr>
         <p:spPr>
           <a:xfrm>
-            <a:off x="1965910" y="2259026"/>
+            <a:off x="746710" y="2259026"/>
             <a:ext cx="882709" cy="415498"/>
           </a:xfrm>
           <a:prstGeom prst="rect">
@@ -15821,7 +18744,7 @@
         </p:nvSpPr>
         <p:spPr>
           <a:xfrm>
-            <a:off x="2869796" y="2288218"/>
+            <a:off x="1650596" y="2288218"/>
             <a:ext cx="1622196" cy="415498"/>
           </a:xfrm>
           <a:prstGeom prst="rect">
@@ -15874,7 +18797,7 @@
         </p:nvSpPr>
         <p:spPr>
           <a:xfrm>
-            <a:off x="4808978" y="2278634"/>
+            <a:off x="3589778" y="2278634"/>
             <a:ext cx="882709" cy="415498"/>
           </a:xfrm>
           <a:prstGeom prst="rect">
@@ -15914,8 +18837,8 @@
         </p:nvSpPr>
         <p:spPr>
           <a:xfrm>
-            <a:off x="6110144" y="2288218"/>
-            <a:ext cx="2714468" cy="253916"/>
+            <a:off x="5110612" y="2288218"/>
+            <a:ext cx="1697408" cy="253916"/>
           </a:xfrm>
           <a:prstGeom prst="rect">
             <a:avLst/>
@@ -16026,8 +18949,8 @@
           </a:p>
         </p:txBody>
       </p:sp>
-      <mc:AlternateContent xmlns:mc="http://schemas.openxmlformats.org/markup-compatibility/2006">
-        <mc:Choice xmlns:a14="http://schemas.microsoft.com/office/drawing/2010/main" Requires="a14">
+      <mc:AlternateContent xmlns:mc="http://schemas.openxmlformats.org/markup-compatibility/2006" xmlns:a14="http://schemas.microsoft.com/office/drawing/2010/main">
+        <mc:Choice Requires="a14">
           <p:sp>
             <p:nvSpPr>
               <p:cNvPr id="6" name="Rettangolo 5">
@@ -16148,7 +19071,7 @@
                           </a:solidFill>
                           <a:latin typeface="Cambria Math" panose="02040503050406030204" pitchFamily="18" charset="0"/>
                         </a:rPr>
-                        <m:t>𝑀𝑎</m:t>
+                        <m:t>𝑀𝑎𝑑</m:t>
                       </m:r>
                       <m:r>
                         <a:rPr lang="it-IT" b="0" i="1" baseline="-25000" dirty="0" smtClean="0">
@@ -16157,7 +19080,7 @@
                           </a:solidFill>
                           <a:latin typeface="Cambria Math" panose="02040503050406030204" pitchFamily="18" charset="0"/>
                         </a:rPr>
-                        <m:t>𝑑𝑑</m:t>
+                        <m:t>𝑑</m:t>
                       </m:r>
                       <m:r>
                         <a:rPr lang="it-IT" i="1" dirty="0">
@@ -16180,7 +19103,7 @@
             </p:txBody>
           </p:sp>
         </mc:Choice>
-        <mc:Fallback>
+        <mc:Fallback xmlns="">
           <p:sp>
             <p:nvSpPr>
               <p:cNvPr id="6" name="Rettangolo 5">
@@ -17737,8 +20660,8 @@
           </p:sp>
         </mc:Fallback>
       </mc:AlternateContent>
-      <mc:AlternateContent xmlns:mc="http://schemas.openxmlformats.org/markup-compatibility/2006" xmlns:a14="http://schemas.microsoft.com/office/drawing/2010/main">
-        <mc:Choice Requires="a14">
+      <mc:AlternateContent xmlns:mc="http://schemas.openxmlformats.org/markup-compatibility/2006">
+        <mc:Choice xmlns:a14="http://schemas.microsoft.com/office/drawing/2010/main" Requires="a14">
           <p:sp>
             <p:nvSpPr>
               <p:cNvPr id="19" name="CasellaDiTesto 18">
@@ -17753,7 +20676,7 @@
             </p:nvSpPr>
             <p:spPr>
               <a:xfrm>
-                <a:off x="2194149" y="1443045"/>
+                <a:off x="974949" y="1443045"/>
                 <a:ext cx="6462176" cy="492443"/>
               </a:xfrm>
               <a:prstGeom prst="rect">
@@ -17792,13 +20715,13 @@
                       </m:accPr>
                       <m:e>
                         <m:r>
-                          <a:rPr lang="it-IT" sz="3200" i="1" dirty="0">
+                          <a:rPr lang="it-IT" sz="3200" b="1" i="1" dirty="0">
                             <a:solidFill>
                               <a:schemeClr val="bg1"/>
                             </a:solidFill>
                             <a:latin typeface="Cambria Math" panose="02040503050406030204" pitchFamily="18" charset="0"/>
                           </a:rPr>
-                          <m:t>𝜈</m:t>
+                          <m:t>𝝂</m:t>
                         </m:r>
                       </m:e>
                     </m:acc>
@@ -17848,13 +20771,13 @@
                           </m:sSubPr>
                           <m:e>
                             <m:r>
-                              <a:rPr lang="el-GR" sz="3200" b="0" i="1" dirty="0" smtClean="0">
+                              <a:rPr lang="el-GR" sz="3200" b="1" i="1" dirty="0" smtClean="0">
                                 <a:solidFill>
                                   <a:schemeClr val="bg1"/>
                                 </a:solidFill>
                                 <a:latin typeface="Cambria Math" panose="02040503050406030204" pitchFamily="18" charset="0"/>
                               </a:rPr>
-                              <m:t>𝜈</m:t>
+                              <m:t>𝝂</m:t>
                             </m:r>
                           </m:e>
                           <m:sub>
@@ -17874,7 +20797,7 @@
                     <m:sSub>
                       <m:sSubPr>
                         <m:ctrlPr>
-                          <a:rPr lang="it-IT" sz="3200" i="1" dirty="0">
+                          <a:rPr lang="it-IT" sz="3200" b="1" i="1" dirty="0">
                             <a:solidFill>
                               <a:schemeClr val="bg1"/>
                             </a:solidFill>
@@ -17884,18 +20807,18 @@
                       </m:sSubPr>
                       <m:e>
                         <m:r>
-                          <a:rPr lang="el-GR" sz="3200" i="1" dirty="0">
+                          <a:rPr lang="el-GR" sz="3200" b="1" i="1" dirty="0">
                             <a:solidFill>
                               <a:schemeClr val="bg1"/>
                             </a:solidFill>
                             <a:latin typeface="Cambria Math" panose="02040503050406030204" pitchFamily="18" charset="0"/>
                           </a:rPr>
-                          <m:t>𝜈</m:t>
+                          <m:t>𝝂</m:t>
                         </m:r>
                       </m:e>
                       <m:sub>
                         <m:r>
-                          <a:rPr lang="it-IT" sz="3200" i="1" dirty="0">
+                          <a:rPr lang="it-IT" sz="3200" b="0" i="1" dirty="0">
                             <a:solidFill>
                               <a:schemeClr val="bg1"/>
                             </a:solidFill>
@@ -17960,13 +20883,13 @@
                           </m:sSubPr>
                           <m:e>
                             <m:r>
-                              <a:rPr lang="el-GR" sz="3200" i="1" dirty="0">
+                              <a:rPr lang="el-GR" sz="3200" b="1" i="1" dirty="0">
                                 <a:solidFill>
                                   <a:schemeClr val="bg1"/>
                                 </a:solidFill>
                                 <a:latin typeface="Cambria Math" panose="02040503050406030204" pitchFamily="18" charset="0"/>
                               </a:rPr>
-                              <m:t>𝜈</m:t>
+                              <m:t>𝝂</m:t>
                             </m:r>
                           </m:e>
                           <m:sub>
@@ -17996,13 +20919,13 @@
                       </m:sSubPr>
                       <m:e>
                         <m:r>
-                          <a:rPr lang="el-GR" sz="3200" i="1" dirty="0">
+                          <a:rPr lang="el-GR" sz="3200" b="1" i="1" dirty="0">
                             <a:solidFill>
                               <a:schemeClr val="bg1"/>
                             </a:solidFill>
                             <a:latin typeface="Cambria Math" panose="02040503050406030204" pitchFamily="18" charset="0"/>
                           </a:rPr>
-                          <m:t>𝜈</m:t>
+                          <m:t>𝝂</m:t>
                         </m:r>
                       </m:e>
                       <m:sub>
@@ -18054,7 +20977,7 @@
                           <m:rPr>
                             <m:nor/>
                           </m:rPr>
-                          <a:rPr lang="it-IT" sz="3200" dirty="0">
+                          <a:rPr lang="it-IT" sz="3200" b="1" i="1" dirty="0">
                             <a:solidFill>
                               <a:schemeClr val="bg1"/>
                             </a:solidFill>
@@ -18087,18 +21010,18 @@
                 <a14:m>
                   <m:oMath xmlns:m="http://schemas.openxmlformats.org/officeDocument/2006/math">
                     <m:r>
-                      <a:rPr lang="it-IT" sz="3200" i="1">
+                      <a:rPr lang="it-IT" sz="3200" b="1" i="1">
                         <a:solidFill>
                           <a:schemeClr val="bg1"/>
                         </a:solidFill>
                         <a:latin typeface="Cambria Math" panose="02040503050406030204" pitchFamily="18" charset="0"/>
                         <a:ea typeface="Cambria Math" panose="02040503050406030204" pitchFamily="18" charset="0"/>
                       </a:rPr>
-                      <m:t>𝜏</m:t>
+                      <m:t>𝝉</m:t>
                     </m:r>
                   </m:oMath>
                 </a14:m>
-                <a:endParaRPr lang="it-IT" sz="3200" dirty="0">
+                <a:endParaRPr lang="it-IT" sz="3200" b="1" dirty="0">
                   <a:solidFill>
                     <a:schemeClr val="bg1"/>
                   </a:solidFill>
@@ -18107,7 +21030,7 @@
             </p:txBody>
           </p:sp>
         </mc:Choice>
-        <mc:Fallback xmlns="">
+        <mc:Fallback>
           <p:sp>
             <p:nvSpPr>
               <p:cNvPr id="19" name="CasellaDiTesto 18">
@@ -18124,7 +21047,7 @@
             </p:nvSpPr>
             <p:spPr>
               <a:xfrm>
-                <a:off x="2194149" y="1443045"/>
+                <a:off x="974949" y="1443045"/>
                 <a:ext cx="6462176" cy="492443"/>
               </a:xfrm>
               <a:prstGeom prst="rect">
@@ -18229,12 +21152,523 @@
           </a:fontRef>
         </p:style>
       </p:cxnSp>
+      <mc:AlternateContent xmlns:mc="http://schemas.openxmlformats.org/markup-compatibility/2006">
+        <mc:Choice xmlns:a14="http://schemas.microsoft.com/office/drawing/2010/main" Requires="a14">
+          <p:sp>
+            <p:nvSpPr>
+              <p:cNvPr id="22" name="CasellaDiTesto 21">
+                <a:extLst>
+                  <a:ext uri="{FF2B5EF4-FFF2-40B4-BE49-F238E27FC236}">
+                    <a16:creationId xmlns:a16="http://schemas.microsoft.com/office/drawing/2014/main" id="{F6DA2180-BC22-4EDE-8EC5-D1219A0D0B3F}"/>
+                  </a:ext>
+                </a:extLst>
+              </p:cNvPr>
+              <p:cNvSpPr txBox="1"/>
+              <p:nvPr/>
+            </p:nvSpPr>
+            <p:spPr>
+              <a:xfrm>
+                <a:off x="8784224" y="1073713"/>
+                <a:ext cx="1559810" cy="369332"/>
+              </a:xfrm>
+              <a:prstGeom prst="rect">
+                <a:avLst/>
+              </a:prstGeom>
+              <a:noFill/>
+            </p:spPr>
+            <p:txBody>
+              <a:bodyPr wrap="square" lIns="0" tIns="0" rIns="0" bIns="0" rtlCol="0">
+                <a:spAutoFit/>
+              </a:bodyPr>
+              <a:lstStyle/>
+              <a:p>
+                <a14:m>
+                  <m:oMath xmlns:m="http://schemas.openxmlformats.org/officeDocument/2006/math">
+                    <m:sSub>
+                      <m:sSubPr>
+                        <m:ctrlPr>
+                          <a:rPr lang="it-IT" sz="2400" i="1" smtClean="0">
+                            <a:solidFill>
+                              <a:schemeClr val="bg1"/>
+                            </a:solidFill>
+                            <a:latin typeface="Cambria Math" panose="02040503050406030204" pitchFamily="18" charset="0"/>
+                          </a:rPr>
+                        </m:ctrlPr>
+                      </m:sSubPr>
+                      <m:e>
+                        <m:r>
+                          <a:rPr lang="it-IT" sz="2400" b="1" i="1" dirty="0">
+                            <a:solidFill>
+                              <a:schemeClr val="bg1"/>
+                            </a:solidFill>
+                            <a:latin typeface="Cambria Math" panose="02040503050406030204" pitchFamily="18" charset="0"/>
+                          </a:rPr>
+                          <m:t>𝝂</m:t>
+                        </m:r>
+                      </m:e>
+                      <m:sub>
+                        <m:r>
+                          <a:rPr lang="it-IT" sz="2400" i="1">
+                            <a:solidFill>
+                              <a:schemeClr val="bg1"/>
+                            </a:solidFill>
+                            <a:latin typeface="Cambria Math" panose="02040503050406030204" pitchFamily="18" charset="0"/>
+                          </a:rPr>
+                          <m:t>𝑟</m:t>
+                        </m:r>
+                      </m:sub>
+                    </m:sSub>
+                  </m:oMath>
+                </a14:m>
+                <a:r>
+                  <a:rPr lang="it-IT" sz="2400" dirty="0">
+                    <a:solidFill>
+                      <a:schemeClr val="bg1"/>
+                    </a:solidFill>
+                  </a:rPr>
+                  <a:t> = </a:t>
+                </a:r>
+                <a14:m>
+                  <m:oMath xmlns:m="http://schemas.openxmlformats.org/officeDocument/2006/math">
+                    <m:r>
+                      <a:rPr lang="it-IT" sz="2400" b="1" i="1" dirty="0">
+                        <a:solidFill>
+                          <a:schemeClr val="bg1"/>
+                        </a:solidFill>
+                        <a:latin typeface="Cambria Math" panose="02040503050406030204" pitchFamily="18" charset="0"/>
+                      </a:rPr>
+                      <m:t>𝝂</m:t>
+                    </m:r>
+                  </m:oMath>
+                </a14:m>
+                <a:r>
+                  <a:rPr lang="it-IT" sz="2400" dirty="0">
+                    <a:solidFill>
+                      <a:schemeClr val="bg1"/>
+                    </a:solidFill>
+                  </a:rPr>
+                  <a:t> - </a:t>
+                </a:r>
+                <a14:m>
+                  <m:oMath xmlns:m="http://schemas.openxmlformats.org/officeDocument/2006/math">
+                    <m:sSub>
+                      <m:sSubPr>
+                        <m:ctrlPr>
+                          <a:rPr lang="it-IT" sz="2400" i="1">
+                            <a:solidFill>
+                              <a:schemeClr val="bg1"/>
+                            </a:solidFill>
+                            <a:latin typeface="Cambria Math" panose="02040503050406030204" pitchFamily="18" charset="0"/>
+                          </a:rPr>
+                        </m:ctrlPr>
+                      </m:sSubPr>
+                      <m:e>
+                        <m:r>
+                          <a:rPr lang="it-IT" sz="2400" b="1" i="1" dirty="0">
+                            <a:solidFill>
+                              <a:schemeClr val="bg1"/>
+                            </a:solidFill>
+                            <a:latin typeface="Cambria Math" panose="02040503050406030204" pitchFamily="18" charset="0"/>
+                          </a:rPr>
+                          <m:t>𝝂</m:t>
+                        </m:r>
+                      </m:e>
+                      <m:sub>
+                        <m:r>
+                          <a:rPr lang="it-IT" sz="2400" b="0" i="1" smtClean="0">
+                            <a:solidFill>
+                              <a:schemeClr val="bg1"/>
+                            </a:solidFill>
+                            <a:latin typeface="Cambria Math" panose="02040503050406030204" pitchFamily="18" charset="0"/>
+                          </a:rPr>
+                          <m:t>𝑐</m:t>
+                        </m:r>
+                      </m:sub>
+                    </m:sSub>
+                  </m:oMath>
+                </a14:m>
+                <a:endParaRPr lang="it-IT" sz="2400" dirty="0">
+                  <a:solidFill>
+                    <a:schemeClr val="bg1"/>
+                  </a:solidFill>
+                </a:endParaRPr>
+              </a:p>
+            </p:txBody>
+          </p:sp>
+        </mc:Choice>
+        <mc:Fallback>
+          <p:sp>
+            <p:nvSpPr>
+              <p:cNvPr id="22" name="CasellaDiTesto 21">
+                <a:extLst>
+                  <a:ext uri="{FF2B5EF4-FFF2-40B4-BE49-F238E27FC236}">
+                    <a16:creationId xmlns:a16="http://schemas.microsoft.com/office/drawing/2014/main" id="{F6DA2180-BC22-4EDE-8EC5-D1219A0D0B3F}"/>
+                  </a:ext>
+                </a:extLst>
+              </p:cNvPr>
+              <p:cNvSpPr txBox="1">
+                <a:spLocks noRot="1" noChangeAspect="1" noMove="1" noResize="1" noEditPoints="1" noAdjustHandles="1" noChangeArrowheads="1" noChangeShapeType="1" noTextEdit="1"/>
+              </p:cNvSpPr>
+              <p:nvPr/>
+            </p:nvSpPr>
+            <p:spPr>
+              <a:xfrm>
+                <a:off x="8784224" y="1073713"/>
+                <a:ext cx="1559810" cy="369332"/>
+              </a:xfrm>
+              <a:prstGeom prst="rect">
+                <a:avLst/>
+              </a:prstGeom>
+              <a:blipFill>
+                <a:blip r:embed="rId8"/>
+                <a:stretch>
+                  <a:fillRect l="-5078" t="-22951" b="-50820"/>
+                </a:stretch>
+              </a:blipFill>
+            </p:spPr>
+            <p:txBody>
+              <a:bodyPr/>
+              <a:lstStyle/>
+              <a:p>
+                <a:r>
+                  <a:rPr lang="it-IT">
+                    <a:noFill/>
+                  </a:rPr>
+                  <a:t> </a:t>
+                </a:r>
+              </a:p>
+            </p:txBody>
+          </p:sp>
+        </mc:Fallback>
+      </mc:AlternateContent>
+      <mc:AlternateContent xmlns:mc="http://schemas.openxmlformats.org/markup-compatibility/2006">
+        <mc:Choice xmlns:a14="http://schemas.microsoft.com/office/drawing/2010/main" Requires="a14">
+          <p:sp>
+            <p:nvSpPr>
+              <p:cNvPr id="2" name="CasellaDiTesto 1">
+                <a:extLst>
+                  <a:ext uri="{FF2B5EF4-FFF2-40B4-BE49-F238E27FC236}">
+                    <a16:creationId xmlns:a16="http://schemas.microsoft.com/office/drawing/2014/main" id="{466B8D2C-2887-4B9D-9C1F-9250146DCBF7}"/>
+                  </a:ext>
+                </a:extLst>
+              </p:cNvPr>
+              <p:cNvSpPr txBox="1"/>
+              <p:nvPr/>
+            </p:nvSpPr>
+            <p:spPr>
+              <a:xfrm>
+                <a:off x="8796393" y="1579240"/>
+                <a:ext cx="845424" cy="369332"/>
+              </a:xfrm>
+              <a:prstGeom prst="rect">
+                <a:avLst/>
+              </a:prstGeom>
+              <a:noFill/>
+            </p:spPr>
+            <p:txBody>
+              <a:bodyPr wrap="none" lIns="0" tIns="0" rIns="0" bIns="0" rtlCol="0">
+                <a:spAutoFit/>
+              </a:bodyPr>
+              <a:lstStyle/>
+              <a:p>
+                <a14:m>
+                  <m:oMath xmlns:m="http://schemas.openxmlformats.org/officeDocument/2006/math">
+                    <m:sSub>
+                      <m:sSubPr>
+                        <m:ctrlPr>
+                          <a:rPr lang="it-IT" sz="2400" i="1" smtClean="0">
+                            <a:solidFill>
+                              <a:schemeClr val="bg1"/>
+                            </a:solidFill>
+                            <a:latin typeface="Cambria Math" panose="02040503050406030204" pitchFamily="18" charset="0"/>
+                          </a:rPr>
+                        </m:ctrlPr>
+                      </m:sSubPr>
+                      <m:e>
+                        <m:acc>
+                          <m:accPr>
+                            <m:chr m:val="̇"/>
+                            <m:ctrlPr>
+                              <a:rPr lang="it-IT" sz="2400" b="1" i="1" smtClean="0">
+                                <a:solidFill>
+                                  <a:schemeClr val="bg1"/>
+                                </a:solidFill>
+                                <a:latin typeface="Cambria Math" panose="02040503050406030204" pitchFamily="18" charset="0"/>
+                              </a:rPr>
+                            </m:ctrlPr>
+                          </m:accPr>
+                          <m:e>
+                            <m:r>
+                              <a:rPr lang="el-GR" sz="2400" b="1" i="1">
+                                <a:solidFill>
+                                  <a:schemeClr val="bg1"/>
+                                </a:solidFill>
+                                <a:latin typeface="Cambria Math" panose="02040503050406030204" pitchFamily="18" charset="0"/>
+                              </a:rPr>
+                              <m:t>𝝂</m:t>
+                            </m:r>
+                          </m:e>
+                        </m:acc>
+                      </m:e>
+                      <m:sub>
+                        <m:r>
+                          <a:rPr lang="it-IT" sz="2400" b="0" i="1" smtClean="0">
+                            <a:solidFill>
+                              <a:schemeClr val="bg1"/>
+                            </a:solidFill>
+                            <a:latin typeface="Cambria Math" panose="02040503050406030204" pitchFamily="18" charset="0"/>
+                          </a:rPr>
+                          <m:t>𝑐</m:t>
+                        </m:r>
+                      </m:sub>
+                    </m:sSub>
+                  </m:oMath>
+                </a14:m>
+                <a:r>
+                  <a:rPr lang="it-IT" sz="2400" dirty="0">
+                    <a:solidFill>
+                      <a:schemeClr val="bg1"/>
+                    </a:solidFill>
+                  </a:rPr>
+                  <a:t> = 0</a:t>
+                </a:r>
+              </a:p>
+            </p:txBody>
+          </p:sp>
+        </mc:Choice>
+        <mc:Fallback>
+          <p:sp>
+            <p:nvSpPr>
+              <p:cNvPr id="2" name="CasellaDiTesto 1">
+                <a:extLst>
+                  <a:ext uri="{FF2B5EF4-FFF2-40B4-BE49-F238E27FC236}">
+                    <a16:creationId xmlns:a16="http://schemas.microsoft.com/office/drawing/2014/main" id="{466B8D2C-2887-4B9D-9C1F-9250146DCBF7}"/>
+                  </a:ext>
+                </a:extLst>
+              </p:cNvPr>
+              <p:cNvSpPr txBox="1">
+                <a:spLocks noRot="1" noChangeAspect="1" noMove="1" noResize="1" noEditPoints="1" noAdjustHandles="1" noChangeArrowheads="1" noChangeShapeType="1" noTextEdit="1"/>
+              </p:cNvSpPr>
+              <p:nvPr/>
+            </p:nvSpPr>
+            <p:spPr>
+              <a:xfrm>
+                <a:off x="8796393" y="1579240"/>
+                <a:ext cx="845424" cy="369332"/>
+              </a:xfrm>
+              <a:prstGeom prst="rect">
+                <a:avLst/>
+              </a:prstGeom>
+              <a:blipFill>
+                <a:blip r:embed="rId9"/>
+                <a:stretch>
+                  <a:fillRect l="-9353" t="-22951" r="-20144" b="-50820"/>
+                </a:stretch>
+              </a:blipFill>
+            </p:spPr>
+            <p:txBody>
+              <a:bodyPr/>
+              <a:lstStyle/>
+              <a:p>
+                <a:r>
+                  <a:rPr lang="it-IT">
+                    <a:noFill/>
+                  </a:rPr>
+                  <a:t> </a:t>
+                </a:r>
+              </a:p>
+            </p:txBody>
+          </p:sp>
+        </mc:Fallback>
+      </mc:AlternateContent>
+      <mc:AlternateContent xmlns:mc="http://schemas.openxmlformats.org/markup-compatibility/2006">
+        <mc:Choice xmlns:a14="http://schemas.microsoft.com/office/drawing/2010/main" Requires="a14">
+          <p:sp>
+            <p:nvSpPr>
+              <p:cNvPr id="24" name="CasellaDiTesto 23">
+                <a:extLst>
+                  <a:ext uri="{FF2B5EF4-FFF2-40B4-BE49-F238E27FC236}">
+                    <a16:creationId xmlns:a16="http://schemas.microsoft.com/office/drawing/2014/main" id="{731F95A7-22AA-4DEA-84C7-3596367FFF04}"/>
+                  </a:ext>
+                </a:extLst>
+              </p:cNvPr>
+              <p:cNvSpPr txBox="1"/>
+              <p:nvPr/>
+            </p:nvSpPr>
+            <p:spPr>
+              <a:xfrm>
+                <a:off x="8805918" y="2084065"/>
+                <a:ext cx="837409" cy="369332"/>
+              </a:xfrm>
+              <a:prstGeom prst="rect">
+                <a:avLst/>
+              </a:prstGeom>
+              <a:noFill/>
+            </p:spPr>
+            <p:txBody>
+              <a:bodyPr wrap="none" lIns="0" tIns="0" rIns="0" bIns="0" rtlCol="0">
+                <a:spAutoFit/>
+              </a:bodyPr>
+              <a:lstStyle/>
+              <a:p>
+                <a14:m>
+                  <m:oMath xmlns:m="http://schemas.openxmlformats.org/officeDocument/2006/math">
+                    <m:sSub>
+                      <m:sSubPr>
+                        <m:ctrlPr>
+                          <a:rPr lang="it-IT" sz="2400" i="1" smtClean="0">
+                            <a:solidFill>
+                              <a:schemeClr val="bg1"/>
+                            </a:solidFill>
+                            <a:latin typeface="Cambria Math" panose="02040503050406030204" pitchFamily="18" charset="0"/>
+                          </a:rPr>
+                        </m:ctrlPr>
+                      </m:sSubPr>
+                      <m:e>
+                        <m:acc>
+                          <m:accPr>
+                            <m:chr m:val="̇"/>
+                            <m:ctrlPr>
+                              <a:rPr lang="it-IT" sz="2400" b="1" i="1" smtClean="0">
+                                <a:solidFill>
+                                  <a:schemeClr val="bg1"/>
+                                </a:solidFill>
+                                <a:latin typeface="Cambria Math" panose="02040503050406030204" pitchFamily="18" charset="0"/>
+                              </a:rPr>
+                            </m:ctrlPr>
+                          </m:accPr>
+                          <m:e>
+                            <m:r>
+                              <a:rPr lang="el-GR" sz="2400" b="1" i="1">
+                                <a:solidFill>
+                                  <a:schemeClr val="bg1"/>
+                                </a:solidFill>
+                                <a:latin typeface="Cambria Math" panose="02040503050406030204" pitchFamily="18" charset="0"/>
+                              </a:rPr>
+                              <m:t>𝝂</m:t>
+                            </m:r>
+                          </m:e>
+                        </m:acc>
+                      </m:e>
+                      <m:sub>
+                        <m:r>
+                          <a:rPr lang="it-IT" sz="2400" b="0" i="1" smtClean="0">
+                            <a:solidFill>
+                              <a:schemeClr val="bg1"/>
+                            </a:solidFill>
+                            <a:latin typeface="Cambria Math" panose="02040503050406030204" pitchFamily="18" charset="0"/>
+                          </a:rPr>
+                          <m:t>𝑟</m:t>
+                        </m:r>
+                      </m:sub>
+                    </m:sSub>
+                    <m:r>
+                      <a:rPr lang="it-IT" sz="2400" b="0" i="1" smtClean="0">
+                        <a:solidFill>
+                          <a:schemeClr val="bg1"/>
+                        </a:solidFill>
+                        <a:latin typeface="Cambria Math" panose="02040503050406030204" pitchFamily="18" charset="0"/>
+                      </a:rPr>
+                      <m:t> </m:t>
+                    </m:r>
+                  </m:oMath>
+                </a14:m>
+                <a:r>
+                  <a:rPr lang="it-IT" sz="2400" dirty="0">
+                    <a:solidFill>
+                      <a:schemeClr val="bg1"/>
+                    </a:solidFill>
+                  </a:rPr>
+                  <a:t>= </a:t>
+                </a:r>
+                <a14:m>
+                  <m:oMath xmlns:m="http://schemas.openxmlformats.org/officeDocument/2006/math">
+                    <m:acc>
+                      <m:accPr>
+                        <m:chr m:val="̇"/>
+                        <m:ctrlPr>
+                          <a:rPr lang="it-IT" sz="2400" b="1" i="1">
+                            <a:solidFill>
+                              <a:schemeClr val="bg1"/>
+                            </a:solidFill>
+                            <a:latin typeface="Cambria Math" panose="02040503050406030204" pitchFamily="18" charset="0"/>
+                          </a:rPr>
+                        </m:ctrlPr>
+                      </m:accPr>
+                      <m:e>
+                        <m:r>
+                          <a:rPr lang="el-GR" sz="2400" b="1" i="1">
+                            <a:solidFill>
+                              <a:schemeClr val="bg1"/>
+                            </a:solidFill>
+                            <a:latin typeface="Cambria Math" panose="02040503050406030204" pitchFamily="18" charset="0"/>
+                          </a:rPr>
+                          <m:t>𝝂</m:t>
+                        </m:r>
+                      </m:e>
+                    </m:acc>
+                  </m:oMath>
+                </a14:m>
+                <a:endParaRPr lang="it-IT" sz="2400" dirty="0">
+                  <a:solidFill>
+                    <a:schemeClr val="bg1"/>
+                  </a:solidFill>
+                </a:endParaRPr>
+              </a:p>
+            </p:txBody>
+          </p:sp>
+        </mc:Choice>
+        <mc:Fallback>
+          <p:sp>
+            <p:nvSpPr>
+              <p:cNvPr id="24" name="CasellaDiTesto 23">
+                <a:extLst>
+                  <a:ext uri="{FF2B5EF4-FFF2-40B4-BE49-F238E27FC236}">
+                    <a16:creationId xmlns:a16="http://schemas.microsoft.com/office/drawing/2014/main" id="{731F95A7-22AA-4DEA-84C7-3596367FFF04}"/>
+                  </a:ext>
+                </a:extLst>
+              </p:cNvPr>
+              <p:cNvSpPr txBox="1">
+                <a:spLocks noRot="1" noChangeAspect="1" noMove="1" noResize="1" noEditPoints="1" noAdjustHandles="1" noChangeArrowheads="1" noChangeShapeType="1" noTextEdit="1"/>
+              </p:cNvSpPr>
+              <p:nvPr/>
+            </p:nvSpPr>
+            <p:spPr>
+              <a:xfrm>
+                <a:off x="8805918" y="2084065"/>
+                <a:ext cx="837409" cy="369332"/>
+              </a:xfrm>
+              <a:prstGeom prst="rect">
+                <a:avLst/>
+              </a:prstGeom>
+              <a:blipFill>
+                <a:blip r:embed="rId10"/>
+                <a:stretch>
+                  <a:fillRect l="-9489" t="-25000" r="-17518" b="-51667"/>
+                </a:stretch>
+              </a:blipFill>
+            </p:spPr>
+            <p:txBody>
+              <a:bodyPr/>
+              <a:lstStyle/>
+              <a:p>
+                <a:r>
+                  <a:rPr lang="it-IT">
+                    <a:noFill/>
+                  </a:rPr>
+                  <a:t> </a:t>
+                </a:r>
+              </a:p>
+            </p:txBody>
+          </p:sp>
+        </mc:Fallback>
+      </mc:AlternateContent>
       <p:sp>
         <p:nvSpPr>
-          <p:cNvPr id="18" name="Segnaposto numero diapositiva 17">
+          <p:cNvPr id="5" name="Segnaposto numero diapositiva 4">
             <a:extLst>
               <a:ext uri="{FF2B5EF4-FFF2-40B4-BE49-F238E27FC236}">
-                <a16:creationId xmlns:a16="http://schemas.microsoft.com/office/drawing/2014/main" id="{489FE85F-B88C-4FD5-9888-BA1BA589B0A0}"/>
+                <a16:creationId xmlns:a16="http://schemas.microsoft.com/office/drawing/2014/main" id="{DBA988ED-180D-4217-8506-1E00DA89F3C7}"/>
               </a:ext>
             </a:extLst>
           </p:cNvPr>

--- a/presentazione.pptx
+++ b/presentazione.pptx
@@ -5,10 +5,10 @@
     <p:sldMasterId id="2147483716" r:id="rId1"/>
   </p:sldMasterIdLst>
   <p:notesMasterIdLst>
-    <p:notesMasterId r:id="rId24"/>
+    <p:notesMasterId r:id="rId30"/>
   </p:notesMasterIdLst>
   <p:handoutMasterIdLst>
-    <p:handoutMasterId r:id="rId25"/>
+    <p:handoutMasterId r:id="rId31"/>
   </p:handoutMasterIdLst>
   <p:sldIdLst>
     <p:sldId id="256" r:id="rId2"/>
@@ -25,14 +25,20 @@
     <p:sldId id="275" r:id="rId13"/>
     <p:sldId id="278" r:id="rId14"/>
     <p:sldId id="276" r:id="rId15"/>
-    <p:sldId id="296" r:id="rId16"/>
-    <p:sldId id="290" r:id="rId17"/>
-    <p:sldId id="291" r:id="rId18"/>
-    <p:sldId id="292" r:id="rId19"/>
-    <p:sldId id="293" r:id="rId20"/>
-    <p:sldId id="294" r:id="rId21"/>
-    <p:sldId id="283" r:id="rId22"/>
-    <p:sldId id="284" r:id="rId23"/>
+    <p:sldId id="300" r:id="rId16"/>
+    <p:sldId id="299" r:id="rId17"/>
+    <p:sldId id="297" r:id="rId18"/>
+    <p:sldId id="296" r:id="rId19"/>
+    <p:sldId id="290" r:id="rId20"/>
+    <p:sldId id="291" r:id="rId21"/>
+    <p:sldId id="292" r:id="rId22"/>
+    <p:sldId id="293" r:id="rId23"/>
+    <p:sldId id="294" r:id="rId24"/>
+    <p:sldId id="284" r:id="rId25"/>
+    <p:sldId id="298" r:id="rId26"/>
+    <p:sldId id="303" r:id="rId27"/>
+    <p:sldId id="301" r:id="rId28"/>
+    <p:sldId id="302" r:id="rId29"/>
   </p:sldIdLst>
   <p:sldSz cx="12192000" cy="6858000"/>
   <p:notesSz cx="6858000" cy="9144000"/>
@@ -150,14 +156,20 @@
             <p14:sldId id="275"/>
             <p14:sldId id="278"/>
             <p14:sldId id="276"/>
+            <p14:sldId id="300"/>
+            <p14:sldId id="299"/>
+            <p14:sldId id="297"/>
             <p14:sldId id="296"/>
             <p14:sldId id="290"/>
             <p14:sldId id="291"/>
             <p14:sldId id="292"/>
             <p14:sldId id="293"/>
             <p14:sldId id="294"/>
-            <p14:sldId id="283"/>
             <p14:sldId id="284"/>
+            <p14:sldId id="298"/>
+            <p14:sldId id="303"/>
+            <p14:sldId id="301"/>
+            <p14:sldId id="302"/>
           </p14:sldIdLst>
         </p14:section>
       </p14:sectionLst>
@@ -263,7 +275,7 @@
           <a:p>
             <a:fld id="{CC770569-2EDB-4B82-806E-B779E2125378}" type="datetimeFigureOut">
               <a:rPr lang="it-IT" smtClean="0"/>
-              <a:t>08/06/2020</a:t>
+              <a:t>20/06/2020</a:t>
             </a:fld>
             <a:endParaRPr lang="it-IT"/>
           </a:p>
@@ -441,7 +453,7 @@
           <a:p>
             <a:fld id="{F3D5F453-40FB-4DD9-B536-90A4813DB008}" type="datetimeFigureOut">
               <a:rPr lang="it-IT" smtClean="0"/>
-              <a:t>08/06/2020</a:t>
+              <a:t>20/06/2020</a:t>
             </a:fld>
             <a:endParaRPr lang="it-IT"/>
           </a:p>
@@ -793,6 +805,90 @@
 </p:notes>
 </file>
 
+<file path=ppt/notesSlides/notesSlide2.xml><?xml version="1.0" encoding="utf-8"?>
+<p:notes xmlns:a="http://schemas.openxmlformats.org/drawingml/2006/main" xmlns:r="http://schemas.openxmlformats.org/officeDocument/2006/relationships" xmlns:p="http://schemas.openxmlformats.org/presentationml/2006/main">
+  <p:cSld>
+    <p:spTree>
+      <p:nvGrpSpPr>
+        <p:cNvPr id="1" name=""/>
+        <p:cNvGrpSpPr/>
+        <p:nvPr/>
+      </p:nvGrpSpPr>
+      <p:grpSpPr>
+        <a:xfrm>
+          <a:off x="0" y="0"/>
+          <a:ext cx="0" cy="0"/>
+          <a:chOff x="0" y="0"/>
+          <a:chExt cx="0" cy="0"/>
+        </a:xfrm>
+      </p:grpSpPr>
+      <p:sp>
+        <p:nvSpPr>
+          <p:cNvPr id="2" name="Segnaposto immagine diapositiva 1"/>
+          <p:cNvSpPr>
+            <a:spLocks noGrp="1" noRot="1" noChangeAspect="1"/>
+          </p:cNvSpPr>
+          <p:nvPr>
+            <p:ph type="sldImg"/>
+          </p:nvPr>
+        </p:nvSpPr>
+        <p:spPr/>
+      </p:sp>
+      <p:sp>
+        <p:nvSpPr>
+          <p:cNvPr id="3" name="Segnaposto note 2"/>
+          <p:cNvSpPr>
+            <a:spLocks noGrp="1"/>
+          </p:cNvSpPr>
+          <p:nvPr>
+            <p:ph type="body" idx="1"/>
+          </p:nvPr>
+        </p:nvSpPr>
+        <p:spPr/>
+        <p:txBody>
+          <a:bodyPr/>
+          <a:lstStyle/>
+          <a:p>
+            <a:endParaRPr lang="it-IT" dirty="0"/>
+          </a:p>
+        </p:txBody>
+      </p:sp>
+      <p:sp>
+        <p:nvSpPr>
+          <p:cNvPr id="4" name="Segnaposto numero diapositiva 3"/>
+          <p:cNvSpPr>
+            <a:spLocks noGrp="1"/>
+          </p:cNvSpPr>
+          <p:nvPr>
+            <p:ph type="sldNum" sz="quarter" idx="5"/>
+          </p:nvPr>
+        </p:nvSpPr>
+        <p:spPr/>
+        <p:txBody>
+          <a:bodyPr/>
+          <a:lstStyle/>
+          <a:p>
+            <a:fld id="{2386A015-34DC-4C1E-872A-26AD2B36AD0D}" type="slidenum">
+              <a:rPr lang="it-IT" smtClean="0"/>
+              <a:t>24</a:t>
+            </a:fld>
+            <a:endParaRPr lang="it-IT"/>
+          </a:p>
+        </p:txBody>
+      </p:sp>
+    </p:spTree>
+    <p:extLst>
+      <p:ext uri="{BB962C8B-B14F-4D97-AF65-F5344CB8AC3E}">
+        <p14:creationId xmlns:p14="http://schemas.microsoft.com/office/powerpoint/2010/main" val="3578986389"/>
+      </p:ext>
+    </p:extLst>
+  </p:cSld>
+  <p:clrMapOvr>
+    <a:masterClrMapping/>
+  </p:clrMapOvr>
+</p:notes>
+</file>
+
 <file path=ppt/slideLayouts/slideLayout1.xml><?xml version="1.0" encoding="utf-8"?>
 <p:sldLayout xmlns:a="http://schemas.openxmlformats.org/drawingml/2006/main" xmlns:r="http://schemas.openxmlformats.org/officeDocument/2006/relationships" xmlns:p="http://schemas.openxmlformats.org/presentationml/2006/main" type="title" preserve="1">
   <p:cSld name="Title Slide">
@@ -940,7 +1036,7 @@
           <a:p>
             <a:fld id="{84239772-C33B-4D72-8734-B8D1303541B2}" type="datetime1">
               <a:rPr lang="en-US" smtClean="0"/>
-              <a:t>6/8/2020</a:t>
+              <a:t>6/20/2020</a:t>
             </a:fld>
             <a:endParaRPr lang="en-US" dirty="0"/>
           </a:p>
@@ -1399,7 +1495,7 @@
           <a:p>
             <a:fld id="{4C4D76AC-BD49-48A7-8314-2C6390BCB40F}" type="datetime1">
               <a:rPr lang="en-US" smtClean="0"/>
-              <a:t>6/8/2020</a:t>
+              <a:t>6/20/2020</a:t>
             </a:fld>
             <a:endParaRPr lang="en-US" dirty="0"/>
           </a:p>
@@ -3251,7 +3347,7 @@
         </p:blipFill>
         <p:spPr>
           <a:xfrm>
-            <a:off x="840907" y="3961217"/>
+            <a:off x="840907" y="4083768"/>
             <a:ext cx="4099915" cy="1714649"/>
           </a:xfrm>
           <a:prstGeom prst="rect">
@@ -3285,6 +3381,94 @@
               <a:t>10</a:t>
             </a:fld>
             <a:endParaRPr lang="en-US"/>
+          </a:p>
+        </p:txBody>
+      </p:sp>
+      <p:sp>
+        <p:nvSpPr>
+          <p:cNvPr id="5" name="CasellaDiTesto 4">
+            <a:extLst>
+              <a:ext uri="{FF2B5EF4-FFF2-40B4-BE49-F238E27FC236}">
+                <a16:creationId xmlns:a16="http://schemas.microsoft.com/office/drawing/2014/main" id="{AC965CF0-1951-40DD-831D-A95EA207AB0E}"/>
+              </a:ext>
+            </a:extLst>
+          </p:cNvPr>
+          <p:cNvSpPr txBox="1"/>
+          <p:nvPr/>
+        </p:nvSpPr>
+        <p:spPr>
+          <a:xfrm>
+            <a:off x="10132947" y="313017"/>
+            <a:ext cx="1218146" cy="253916"/>
+          </a:xfrm>
+          <a:prstGeom prst="rect">
+            <a:avLst/>
+          </a:prstGeom>
+          <a:noFill/>
+        </p:spPr>
+        <p:txBody>
+          <a:bodyPr wrap="square" rtlCol="0">
+            <a:spAutoFit/>
+          </a:bodyPr>
+          <a:lstStyle/>
+          <a:p>
+            <a:pPr algn="ctr"/>
+            <a:r>
+              <a:rPr lang="it-IT" sz="1050" dirty="0" err="1">
+                <a:solidFill>
+                  <a:schemeClr val="bg1"/>
+                </a:solidFill>
+              </a:rPr>
+              <a:t>Imlay</a:t>
+            </a:r>
+            <a:r>
+              <a:rPr lang="it-IT" sz="1050" dirty="0">
+                <a:solidFill>
+                  <a:schemeClr val="bg1"/>
+                </a:solidFill>
+              </a:rPr>
+              <a:t>, 1964</a:t>
+            </a:r>
+          </a:p>
+        </p:txBody>
+      </p:sp>
+      <p:sp>
+        <p:nvSpPr>
+          <p:cNvPr id="6" name="CasellaDiTesto 5">
+            <a:extLst>
+              <a:ext uri="{FF2B5EF4-FFF2-40B4-BE49-F238E27FC236}">
+                <a16:creationId xmlns:a16="http://schemas.microsoft.com/office/drawing/2014/main" id="{024A4696-0FE5-43E5-8DB2-82750D176E96}"/>
+              </a:ext>
+            </a:extLst>
+          </p:cNvPr>
+          <p:cNvSpPr txBox="1"/>
+          <p:nvPr/>
+        </p:nvSpPr>
+        <p:spPr>
+          <a:xfrm>
+            <a:off x="3533998" y="3740600"/>
+            <a:ext cx="1218146" cy="253916"/>
+          </a:xfrm>
+          <a:prstGeom prst="rect">
+            <a:avLst/>
+          </a:prstGeom>
+          <a:noFill/>
+        </p:spPr>
+        <p:txBody>
+          <a:bodyPr wrap="square" rtlCol="0">
+            <a:spAutoFit/>
+          </a:bodyPr>
+          <a:lstStyle/>
+          <a:p>
+            <a:pPr algn="ctr"/>
+            <a:r>
+              <a:rPr lang="it-IT" sz="1050" dirty="0">
+                <a:solidFill>
+                  <a:schemeClr val="bg1"/>
+                </a:solidFill>
+              </a:rPr>
+              <a:t>Lamb, 1945</a:t>
+            </a:r>
           </a:p>
         </p:txBody>
       </p:sp>
@@ -3818,7 +4002,7 @@
                   <a:schemeClr val="bg1"/>
                 </a:solidFill>
               </a:rPr>
-              <a:t>Approssimazione ellissoide oblato a sfera</a:t>
+              <a:t>Approssimazione ellissoide oblato a sfera liscia</a:t>
             </a:r>
           </a:p>
           <a:p>
@@ -3886,7 +4070,7 @@
                   <a:schemeClr val="bg1"/>
                 </a:solidFill>
               </a:rPr>
-              <a:t> e per una velocità di 0.3 m/s</a:t>
+              <a:t> e per una velocità di 0.3 m/s -&gt; Re = circa 2*10^5</a:t>
             </a:r>
           </a:p>
           <a:p>
@@ -3900,7 +4084,7 @@
                   <a:schemeClr val="bg1"/>
                 </a:solidFill>
               </a:rPr>
-              <a:t>Braccio dei momenti di drag calcolato su un raggio medio</a:t>
+              <a:t>Braccio dei momenti di drag calcolato su un raggio medio (baricentro della semiellisse)</a:t>
             </a:r>
           </a:p>
         </p:txBody>
@@ -4545,6 +4729,598 @@
         <p:spPr>
           <a:xfrm>
             <a:off x="337221" y="428665"/>
+            <a:ext cx="4551054" cy="707886"/>
+          </a:xfrm>
+          <a:prstGeom prst="rect">
+            <a:avLst/>
+          </a:prstGeom>
+        </p:spPr>
+        <p:txBody>
+          <a:bodyPr wrap="none">
+            <a:spAutoFit/>
+          </a:bodyPr>
+          <a:lstStyle/>
+          <a:p>
+            <a:r>
+              <a:rPr lang="it-IT" sz="4000" b="1" dirty="0">
+                <a:solidFill>
+                  <a:schemeClr val="bg1"/>
+                </a:solidFill>
+              </a:rPr>
+              <a:t>Implementazione</a:t>
+            </a:r>
+          </a:p>
+        </p:txBody>
+      </p:sp>
+      <p:sp>
+        <p:nvSpPr>
+          <p:cNvPr id="3" name="Segnaposto numero diapositiva 2">
+            <a:extLst>
+              <a:ext uri="{FF2B5EF4-FFF2-40B4-BE49-F238E27FC236}">
+                <a16:creationId xmlns:a16="http://schemas.microsoft.com/office/drawing/2014/main" id="{9D4E6BFE-F9D6-4BAF-80BD-1D493B0A098A}"/>
+              </a:ext>
+            </a:extLst>
+          </p:cNvPr>
+          <p:cNvSpPr>
+            <a:spLocks noGrp="1"/>
+          </p:cNvSpPr>
+          <p:nvPr>
+            <p:ph type="sldNum" sz="quarter" idx="12"/>
+          </p:nvPr>
+        </p:nvSpPr>
+        <p:spPr/>
+        <p:txBody>
+          <a:bodyPr/>
+          <a:lstStyle/>
+          <a:p>
+            <a:fld id="{4854181D-6920-4594-9A5D-6CE56DC9F8B2}" type="slidenum">
+              <a:rPr lang="en-US" smtClean="0"/>
+              <a:t>14</a:t>
+            </a:fld>
+            <a:endParaRPr lang="en-US"/>
+          </a:p>
+        </p:txBody>
+      </p:sp>
+      <p:pic>
+        <p:nvPicPr>
+          <p:cNvPr id="6" name="Immagine 5" descr="Immagine che contiene screenshot&#10;&#10;Descrizione generata automaticamente">
+            <a:extLst>
+              <a:ext uri="{FF2B5EF4-FFF2-40B4-BE49-F238E27FC236}">
+                <a16:creationId xmlns:a16="http://schemas.microsoft.com/office/drawing/2014/main" id="{267468F4-7B0D-4946-A960-6D85D21CA5ED}"/>
+              </a:ext>
+            </a:extLst>
+          </p:cNvPr>
+          <p:cNvPicPr>
+            <a:picLocks noChangeAspect="1"/>
+          </p:cNvPicPr>
+          <p:nvPr/>
+        </p:nvPicPr>
+        <p:blipFill>
+          <a:blip r:embed="rId3">
+            <a:extLst>
+              <a:ext uri="{28A0092B-C50C-407E-A947-70E740481C1C}">
+                <a14:useLocalDpi xmlns:a14="http://schemas.microsoft.com/office/drawing/2010/main" val="0"/>
+              </a:ext>
+            </a:extLst>
+          </a:blip>
+          <a:stretch>
+            <a:fillRect/>
+          </a:stretch>
+        </p:blipFill>
+        <p:spPr>
+          <a:xfrm>
+            <a:off x="614866" y="1886517"/>
+            <a:ext cx="10962267" cy="3855100"/>
+          </a:xfrm>
+          <a:prstGeom prst="rect">
+            <a:avLst/>
+          </a:prstGeom>
+        </p:spPr>
+      </p:pic>
+    </p:spTree>
+    <p:extLst>
+      <p:ext uri="{BB962C8B-B14F-4D97-AF65-F5344CB8AC3E}">
+        <p14:creationId xmlns:p14="http://schemas.microsoft.com/office/powerpoint/2010/main" val="414146306"/>
+      </p:ext>
+    </p:extLst>
+  </p:cSld>
+  <p:clrMapOvr>
+    <a:masterClrMapping/>
+  </p:clrMapOvr>
+</p:sld>
+</file>
+
+<file path=ppt/slides/slide15.xml><?xml version="1.0" encoding="utf-8"?>
+<p:sld xmlns:a="http://schemas.openxmlformats.org/drawingml/2006/main" xmlns:r="http://schemas.openxmlformats.org/officeDocument/2006/relationships" xmlns:p="http://schemas.openxmlformats.org/presentationml/2006/main" showMasterSp="0">
+  <p:cSld>
+    <p:bg>
+      <p:bgPr>
+        <a:blipFill dpi="0" rotWithShape="1">
+          <a:blip r:embed="rId2">
+            <a:lum/>
+          </a:blip>
+          <a:srcRect/>
+          <a:stretch>
+            <a:fillRect/>
+          </a:stretch>
+        </a:blipFill>
+        <a:effectLst/>
+      </p:bgPr>
+    </p:bg>
+    <p:spTree>
+      <p:nvGrpSpPr>
+        <p:cNvPr id="1" name=""/>
+        <p:cNvGrpSpPr/>
+        <p:nvPr/>
+      </p:nvGrpSpPr>
+      <p:grpSpPr>
+        <a:xfrm>
+          <a:off x="0" y="0"/>
+          <a:ext cx="0" cy="0"/>
+          <a:chOff x="0" y="0"/>
+          <a:chExt cx="0" cy="0"/>
+        </a:xfrm>
+      </p:grpSpPr>
+      <p:sp>
+        <p:nvSpPr>
+          <p:cNvPr id="4" name="Segnaposto piè di pagina 3">
+            <a:extLst>
+              <a:ext uri="{FF2B5EF4-FFF2-40B4-BE49-F238E27FC236}">
+                <a16:creationId xmlns:a16="http://schemas.microsoft.com/office/drawing/2014/main" id="{4E362125-2F83-4266-AB8C-336E9ADDBB86}"/>
+              </a:ext>
+            </a:extLst>
+          </p:cNvPr>
+          <p:cNvSpPr>
+            <a:spLocks noGrp="1"/>
+          </p:cNvSpPr>
+          <p:nvPr>
+            <p:ph type="ftr" sz="quarter" idx="11"/>
+          </p:nvPr>
+        </p:nvSpPr>
+        <p:spPr>
+          <a:xfrm>
+            <a:off x="-231742" y="6492875"/>
+            <a:ext cx="4114800" cy="365125"/>
+          </a:xfrm>
+        </p:spPr>
+        <p:txBody>
+          <a:bodyPr/>
+          <a:lstStyle/>
+          <a:p>
+            <a:endParaRPr lang="en-US" i="1" dirty="0">
+              <a:solidFill>
+                <a:schemeClr val="bg1"/>
+              </a:solidFill>
+            </a:endParaRPr>
+          </a:p>
+        </p:txBody>
+      </p:sp>
+      <p:sp>
+        <p:nvSpPr>
+          <p:cNvPr id="11" name="Rettangolo 10">
+            <a:extLst>
+              <a:ext uri="{FF2B5EF4-FFF2-40B4-BE49-F238E27FC236}">
+                <a16:creationId xmlns:a16="http://schemas.microsoft.com/office/drawing/2014/main" id="{DE43AB90-63F1-413E-8732-29F127F1CF7E}"/>
+              </a:ext>
+            </a:extLst>
+          </p:cNvPr>
+          <p:cNvSpPr/>
+          <p:nvPr/>
+        </p:nvSpPr>
+        <p:spPr>
+          <a:xfrm>
+            <a:off x="337221" y="428665"/>
+            <a:ext cx="7270645" cy="707886"/>
+          </a:xfrm>
+          <a:prstGeom prst="rect">
+            <a:avLst/>
+          </a:prstGeom>
+        </p:spPr>
+        <p:txBody>
+          <a:bodyPr wrap="none">
+            <a:spAutoFit/>
+          </a:bodyPr>
+          <a:lstStyle/>
+          <a:p>
+            <a:r>
+              <a:rPr lang="it-IT" sz="4000" b="1" dirty="0">
+                <a:solidFill>
+                  <a:schemeClr val="bg1"/>
+                </a:solidFill>
+              </a:rPr>
+              <a:t>Implementazione - </a:t>
+            </a:r>
+            <a:r>
+              <a:rPr lang="it-IT" sz="4000" b="1" dirty="0" err="1">
+                <a:solidFill>
+                  <a:schemeClr val="bg1"/>
+                </a:solidFill>
+              </a:rPr>
+              <a:t>Thrusters</a:t>
+            </a:r>
+            <a:endParaRPr lang="it-IT" sz="4000" b="1" dirty="0">
+              <a:solidFill>
+                <a:schemeClr val="bg1"/>
+              </a:solidFill>
+            </a:endParaRPr>
+          </a:p>
+        </p:txBody>
+      </p:sp>
+      <p:sp>
+        <p:nvSpPr>
+          <p:cNvPr id="3" name="Segnaposto numero diapositiva 2">
+            <a:extLst>
+              <a:ext uri="{FF2B5EF4-FFF2-40B4-BE49-F238E27FC236}">
+                <a16:creationId xmlns:a16="http://schemas.microsoft.com/office/drawing/2014/main" id="{9D4E6BFE-F9D6-4BAF-80BD-1D493B0A098A}"/>
+              </a:ext>
+            </a:extLst>
+          </p:cNvPr>
+          <p:cNvSpPr>
+            <a:spLocks noGrp="1"/>
+          </p:cNvSpPr>
+          <p:nvPr>
+            <p:ph type="sldNum" sz="quarter" idx="12"/>
+          </p:nvPr>
+        </p:nvSpPr>
+        <p:spPr/>
+        <p:txBody>
+          <a:bodyPr/>
+          <a:lstStyle/>
+          <a:p>
+            <a:fld id="{4854181D-6920-4594-9A5D-6CE56DC9F8B2}" type="slidenum">
+              <a:rPr lang="en-US" smtClean="0"/>
+              <a:t>15</a:t>
+            </a:fld>
+            <a:endParaRPr lang="en-US"/>
+          </a:p>
+        </p:txBody>
+      </p:sp>
+      <p:pic>
+        <p:nvPicPr>
+          <p:cNvPr id="6" name="Immagine 5" descr="Immagine che contiene screenshot&#10;&#10;Descrizione generata automaticamente">
+            <a:extLst>
+              <a:ext uri="{FF2B5EF4-FFF2-40B4-BE49-F238E27FC236}">
+                <a16:creationId xmlns:a16="http://schemas.microsoft.com/office/drawing/2014/main" id="{FD1407B5-1DA9-4C18-AF77-013E096F29B7}"/>
+              </a:ext>
+            </a:extLst>
+          </p:cNvPr>
+          <p:cNvPicPr>
+            <a:picLocks noChangeAspect="1"/>
+          </p:cNvPicPr>
+          <p:nvPr/>
+        </p:nvPicPr>
+        <p:blipFill>
+          <a:blip r:embed="rId3">
+            <a:extLst>
+              <a:ext uri="{28A0092B-C50C-407E-A947-70E740481C1C}">
+                <a14:useLocalDpi xmlns:a14="http://schemas.microsoft.com/office/drawing/2010/main" val="0"/>
+              </a:ext>
+            </a:extLst>
+          </a:blip>
+          <a:stretch>
+            <a:fillRect/>
+          </a:stretch>
+        </p:blipFill>
+        <p:spPr>
+          <a:xfrm>
+            <a:off x="337221" y="2792161"/>
+            <a:ext cx="5077716" cy="2045103"/>
+          </a:xfrm>
+          <a:prstGeom prst="rect">
+            <a:avLst/>
+          </a:prstGeom>
+        </p:spPr>
+      </p:pic>
+      <p:pic>
+        <p:nvPicPr>
+          <p:cNvPr id="8" name="Immagine 7">
+            <a:extLst>
+              <a:ext uri="{FF2B5EF4-FFF2-40B4-BE49-F238E27FC236}">
+                <a16:creationId xmlns:a16="http://schemas.microsoft.com/office/drawing/2014/main" id="{9339F9C3-419C-4808-99DB-106981BA3839}"/>
+              </a:ext>
+            </a:extLst>
+          </p:cNvPr>
+          <p:cNvPicPr>
+            <a:picLocks noChangeAspect="1"/>
+          </p:cNvPicPr>
+          <p:nvPr/>
+        </p:nvPicPr>
+        <p:blipFill>
+          <a:blip r:embed="rId4">
+            <a:extLst>
+              <a:ext uri="{28A0092B-C50C-407E-A947-70E740481C1C}">
+                <a14:useLocalDpi xmlns:a14="http://schemas.microsoft.com/office/drawing/2010/main" val="0"/>
+              </a:ext>
+            </a:extLst>
+          </a:blip>
+          <a:stretch>
+            <a:fillRect/>
+          </a:stretch>
+        </p:blipFill>
+        <p:spPr>
+          <a:xfrm>
+            <a:off x="5863801" y="1519998"/>
+            <a:ext cx="5493597" cy="4589429"/>
+          </a:xfrm>
+          <a:prstGeom prst="rect">
+            <a:avLst/>
+          </a:prstGeom>
+        </p:spPr>
+      </p:pic>
+    </p:spTree>
+    <p:extLst>
+      <p:ext uri="{BB962C8B-B14F-4D97-AF65-F5344CB8AC3E}">
+        <p14:creationId xmlns:p14="http://schemas.microsoft.com/office/powerpoint/2010/main" val="1453082471"/>
+      </p:ext>
+    </p:extLst>
+  </p:cSld>
+  <p:clrMapOvr>
+    <a:masterClrMapping/>
+  </p:clrMapOvr>
+</p:sld>
+</file>
+
+<file path=ppt/slides/slide16.xml><?xml version="1.0" encoding="utf-8"?>
+<p:sld xmlns:a="http://schemas.openxmlformats.org/drawingml/2006/main" xmlns:r="http://schemas.openxmlformats.org/officeDocument/2006/relationships" xmlns:p="http://schemas.openxmlformats.org/presentationml/2006/main" showMasterSp="0">
+  <p:cSld>
+    <p:bg>
+      <p:bgPr>
+        <a:blipFill dpi="0" rotWithShape="1">
+          <a:blip r:embed="rId2">
+            <a:lum/>
+          </a:blip>
+          <a:srcRect/>
+          <a:stretch>
+            <a:fillRect/>
+          </a:stretch>
+        </a:blipFill>
+        <a:effectLst/>
+      </p:bgPr>
+    </p:bg>
+    <p:spTree>
+      <p:nvGrpSpPr>
+        <p:cNvPr id="1" name=""/>
+        <p:cNvGrpSpPr/>
+        <p:nvPr/>
+      </p:nvGrpSpPr>
+      <p:grpSpPr>
+        <a:xfrm>
+          <a:off x="0" y="0"/>
+          <a:ext cx="0" cy="0"/>
+          <a:chOff x="0" y="0"/>
+          <a:chExt cx="0" cy="0"/>
+        </a:xfrm>
+      </p:grpSpPr>
+      <p:sp>
+        <p:nvSpPr>
+          <p:cNvPr id="4" name="Segnaposto piè di pagina 3">
+            <a:extLst>
+              <a:ext uri="{FF2B5EF4-FFF2-40B4-BE49-F238E27FC236}">
+                <a16:creationId xmlns:a16="http://schemas.microsoft.com/office/drawing/2014/main" id="{4E362125-2F83-4266-AB8C-336E9ADDBB86}"/>
+              </a:ext>
+            </a:extLst>
+          </p:cNvPr>
+          <p:cNvSpPr>
+            <a:spLocks noGrp="1"/>
+          </p:cNvSpPr>
+          <p:nvPr>
+            <p:ph type="ftr" sz="quarter" idx="11"/>
+          </p:nvPr>
+        </p:nvSpPr>
+        <p:spPr>
+          <a:xfrm>
+            <a:off x="-231742" y="6492875"/>
+            <a:ext cx="4114800" cy="365125"/>
+          </a:xfrm>
+        </p:spPr>
+        <p:txBody>
+          <a:bodyPr/>
+          <a:lstStyle/>
+          <a:p>
+            <a:endParaRPr lang="en-US" i="1" dirty="0">
+              <a:solidFill>
+                <a:schemeClr val="bg1"/>
+              </a:solidFill>
+            </a:endParaRPr>
+          </a:p>
+        </p:txBody>
+      </p:sp>
+      <p:sp>
+        <p:nvSpPr>
+          <p:cNvPr id="11" name="Rettangolo 10">
+            <a:extLst>
+              <a:ext uri="{FF2B5EF4-FFF2-40B4-BE49-F238E27FC236}">
+                <a16:creationId xmlns:a16="http://schemas.microsoft.com/office/drawing/2014/main" id="{DE43AB90-63F1-413E-8732-29F127F1CF7E}"/>
+              </a:ext>
+            </a:extLst>
+          </p:cNvPr>
+          <p:cNvSpPr/>
+          <p:nvPr/>
+        </p:nvSpPr>
+        <p:spPr>
+          <a:xfrm>
+            <a:off x="337221" y="428665"/>
+            <a:ext cx="7061357" cy="707886"/>
+          </a:xfrm>
+          <a:prstGeom prst="rect">
+            <a:avLst/>
+          </a:prstGeom>
+        </p:spPr>
+        <p:txBody>
+          <a:bodyPr wrap="none">
+            <a:spAutoFit/>
+          </a:bodyPr>
+          <a:lstStyle/>
+          <a:p>
+            <a:r>
+              <a:rPr lang="it-IT" sz="4000" b="1" dirty="0">
+                <a:solidFill>
+                  <a:schemeClr val="bg1"/>
+                </a:solidFill>
+              </a:rPr>
+              <a:t>Implementazione - Modello</a:t>
+            </a:r>
+          </a:p>
+        </p:txBody>
+      </p:sp>
+      <p:sp>
+        <p:nvSpPr>
+          <p:cNvPr id="3" name="Segnaposto numero diapositiva 2">
+            <a:extLst>
+              <a:ext uri="{FF2B5EF4-FFF2-40B4-BE49-F238E27FC236}">
+                <a16:creationId xmlns:a16="http://schemas.microsoft.com/office/drawing/2014/main" id="{9D4E6BFE-F9D6-4BAF-80BD-1D493B0A098A}"/>
+              </a:ext>
+            </a:extLst>
+          </p:cNvPr>
+          <p:cNvSpPr>
+            <a:spLocks noGrp="1"/>
+          </p:cNvSpPr>
+          <p:nvPr>
+            <p:ph type="sldNum" sz="quarter" idx="12"/>
+          </p:nvPr>
+        </p:nvSpPr>
+        <p:spPr/>
+        <p:txBody>
+          <a:bodyPr/>
+          <a:lstStyle/>
+          <a:p>
+            <a:fld id="{4854181D-6920-4594-9A5D-6CE56DC9F8B2}" type="slidenum">
+              <a:rPr lang="en-US" smtClean="0"/>
+              <a:t>16</a:t>
+            </a:fld>
+            <a:endParaRPr lang="en-US"/>
+          </a:p>
+        </p:txBody>
+      </p:sp>
+      <p:pic>
+        <p:nvPicPr>
+          <p:cNvPr id="5" name="Immagine 4" descr="Immagine che contiene screenshot&#10;&#10;Descrizione generata automaticamente">
+            <a:extLst>
+              <a:ext uri="{FF2B5EF4-FFF2-40B4-BE49-F238E27FC236}">
+                <a16:creationId xmlns:a16="http://schemas.microsoft.com/office/drawing/2014/main" id="{5B70A158-503D-4D26-A8E5-767A900456DD}"/>
+              </a:ext>
+            </a:extLst>
+          </p:cNvPr>
+          <p:cNvPicPr>
+            <a:picLocks noChangeAspect="1"/>
+          </p:cNvPicPr>
+          <p:nvPr/>
+        </p:nvPicPr>
+        <p:blipFill>
+          <a:blip r:embed="rId3">
+            <a:extLst>
+              <a:ext uri="{28A0092B-C50C-407E-A947-70E740481C1C}">
+                <a14:useLocalDpi xmlns:a14="http://schemas.microsoft.com/office/drawing/2010/main" val="0"/>
+              </a:ext>
+            </a:extLst>
+          </a:blip>
+          <a:stretch>
+            <a:fillRect/>
+          </a:stretch>
+        </p:blipFill>
+        <p:spPr>
+          <a:xfrm>
+            <a:off x="315729" y="1552979"/>
+            <a:ext cx="11560542" cy="4732430"/>
+          </a:xfrm>
+          <a:prstGeom prst="rect">
+            <a:avLst/>
+          </a:prstGeom>
+        </p:spPr>
+      </p:pic>
+    </p:spTree>
+    <p:extLst>
+      <p:ext uri="{BB962C8B-B14F-4D97-AF65-F5344CB8AC3E}">
+        <p14:creationId xmlns:p14="http://schemas.microsoft.com/office/powerpoint/2010/main" val="2631239202"/>
+      </p:ext>
+    </p:extLst>
+  </p:cSld>
+  <p:clrMapOvr>
+    <a:masterClrMapping/>
+  </p:clrMapOvr>
+</p:sld>
+</file>
+
+<file path=ppt/slides/slide17.xml><?xml version="1.0" encoding="utf-8"?>
+<p:sld xmlns:a="http://schemas.openxmlformats.org/drawingml/2006/main" xmlns:r="http://schemas.openxmlformats.org/officeDocument/2006/relationships" xmlns:p="http://schemas.openxmlformats.org/presentationml/2006/main" showMasterSp="0">
+  <p:cSld>
+    <p:bg>
+      <p:bgPr>
+        <a:blipFill dpi="0" rotWithShape="1">
+          <a:blip r:embed="rId2">
+            <a:lum/>
+          </a:blip>
+          <a:srcRect/>
+          <a:stretch>
+            <a:fillRect/>
+          </a:stretch>
+        </a:blipFill>
+        <a:effectLst/>
+      </p:bgPr>
+    </p:bg>
+    <p:spTree>
+      <p:nvGrpSpPr>
+        <p:cNvPr id="1" name=""/>
+        <p:cNvGrpSpPr/>
+        <p:nvPr/>
+      </p:nvGrpSpPr>
+      <p:grpSpPr>
+        <a:xfrm>
+          <a:off x="0" y="0"/>
+          <a:ext cx="0" cy="0"/>
+          <a:chOff x="0" y="0"/>
+          <a:chExt cx="0" cy="0"/>
+        </a:xfrm>
+      </p:grpSpPr>
+      <p:sp>
+        <p:nvSpPr>
+          <p:cNvPr id="4" name="Segnaposto piè di pagina 3">
+            <a:extLst>
+              <a:ext uri="{FF2B5EF4-FFF2-40B4-BE49-F238E27FC236}">
+                <a16:creationId xmlns:a16="http://schemas.microsoft.com/office/drawing/2014/main" id="{4E362125-2F83-4266-AB8C-336E9ADDBB86}"/>
+              </a:ext>
+            </a:extLst>
+          </p:cNvPr>
+          <p:cNvSpPr>
+            <a:spLocks noGrp="1"/>
+          </p:cNvSpPr>
+          <p:nvPr>
+            <p:ph type="ftr" sz="quarter" idx="11"/>
+          </p:nvPr>
+        </p:nvSpPr>
+        <p:spPr>
+          <a:xfrm>
+            <a:off x="-231742" y="6492875"/>
+            <a:ext cx="4114800" cy="365125"/>
+          </a:xfrm>
+        </p:spPr>
+        <p:txBody>
+          <a:bodyPr/>
+          <a:lstStyle/>
+          <a:p>
+            <a:endParaRPr lang="en-US" i="1" dirty="0">
+              <a:solidFill>
+                <a:schemeClr val="bg1"/>
+              </a:solidFill>
+            </a:endParaRPr>
+          </a:p>
+        </p:txBody>
+      </p:sp>
+      <p:sp>
+        <p:nvSpPr>
+          <p:cNvPr id="11" name="Rettangolo 10">
+            <a:extLst>
+              <a:ext uri="{FF2B5EF4-FFF2-40B4-BE49-F238E27FC236}">
+                <a16:creationId xmlns:a16="http://schemas.microsoft.com/office/drawing/2014/main" id="{DE43AB90-63F1-413E-8732-29F127F1CF7E}"/>
+              </a:ext>
+            </a:extLst>
+          </p:cNvPr>
+          <p:cNvSpPr/>
+          <p:nvPr/>
+        </p:nvSpPr>
+        <p:spPr>
+          <a:xfrm>
+            <a:off x="337221" y="428665"/>
             <a:ext cx="2204258" cy="707886"/>
           </a:xfrm>
           <a:prstGeom prst="rect">
@@ -4998,7 +5774,7 @@
           <a:p>
             <a:fld id="{4854181D-6920-4594-9A5D-6CE56DC9F8B2}" type="slidenum">
               <a:rPr lang="en-US" smtClean="0"/>
-              <a:t>14</a:t>
+              <a:t>17</a:t>
             </a:fld>
             <a:endParaRPr lang="en-US"/>
           </a:p>
@@ -5007,7 +5783,7 @@
     </p:spTree>
     <p:extLst>
       <p:ext uri="{BB962C8B-B14F-4D97-AF65-F5344CB8AC3E}">
-        <p14:creationId xmlns:p14="http://schemas.microsoft.com/office/powerpoint/2010/main" val="414146306"/>
+        <p14:creationId xmlns:p14="http://schemas.microsoft.com/office/powerpoint/2010/main" val="1723724576"/>
       </p:ext>
     </p:extLst>
   </p:cSld>
@@ -5017,7 +5793,7 @@
 </p:sld>
 </file>
 
-<file path=ppt/slides/slide15.xml><?xml version="1.0" encoding="utf-8"?>
+<file path=ppt/slides/slide18.xml><?xml version="1.0" encoding="utf-8"?>
 <p:sld xmlns:a="http://schemas.openxmlformats.org/drawingml/2006/main" xmlns:r="http://schemas.openxmlformats.org/officeDocument/2006/relationships" xmlns:p="http://schemas.openxmlformats.org/presentationml/2006/main" showMasterSp="0">
   <p:cSld>
     <p:bg>
@@ -5649,7 +6425,7 @@
           <a:p>
             <a:fld id="{4854181D-6920-4594-9A5D-6CE56DC9F8B2}" type="slidenum">
               <a:rPr lang="en-US" smtClean="0"/>
-              <a:t>15</a:t>
+              <a:t>18</a:t>
             </a:fld>
             <a:endParaRPr lang="en-US"/>
           </a:p>
@@ -5668,7 +6444,7 @@
 </p:sld>
 </file>
 
-<file path=ppt/slides/slide16.xml><?xml version="1.0" encoding="utf-8"?>
+<file path=ppt/slides/slide19.xml><?xml version="1.0" encoding="utf-8"?>
 <p:sld xmlns:a="http://schemas.openxmlformats.org/drawingml/2006/main" xmlns:r="http://schemas.openxmlformats.org/officeDocument/2006/relationships" xmlns:p="http://schemas.openxmlformats.org/presentationml/2006/main" showMasterSp="0">
   <p:cSld>
     <p:bg>
@@ -6301,7 +7077,7 @@
           <a:p>
             <a:fld id="{4854181D-6920-4594-9A5D-6CE56DC9F8B2}" type="slidenum">
               <a:rPr lang="en-US" smtClean="0"/>
-              <a:t>16</a:t>
+              <a:t>19</a:t>
             </a:fld>
             <a:endParaRPr lang="en-US"/>
           </a:p>
@@ -6320,7 +7096,446 @@
 </p:sld>
 </file>
 
-<file path=ppt/slides/slide17.xml><?xml version="1.0" encoding="utf-8"?>
+<file path=ppt/slides/slide2.xml><?xml version="1.0" encoding="utf-8"?>
+<p:sld xmlns:a="http://schemas.openxmlformats.org/drawingml/2006/main" xmlns:r="http://schemas.openxmlformats.org/officeDocument/2006/relationships" xmlns:p="http://schemas.openxmlformats.org/presentationml/2006/main" showMasterSp="0">
+  <p:cSld>
+    <p:bg>
+      <p:bgPr>
+        <a:blipFill dpi="0" rotWithShape="1">
+          <a:blip r:embed="rId2">
+            <a:lum/>
+          </a:blip>
+          <a:srcRect/>
+          <a:stretch>
+            <a:fillRect/>
+          </a:stretch>
+        </a:blipFill>
+        <a:effectLst/>
+      </p:bgPr>
+    </p:bg>
+    <p:spTree>
+      <p:nvGrpSpPr>
+        <p:cNvPr id="1" name=""/>
+        <p:cNvGrpSpPr/>
+        <p:nvPr/>
+      </p:nvGrpSpPr>
+      <p:grpSpPr>
+        <a:xfrm>
+          <a:off x="0" y="0"/>
+          <a:ext cx="0" cy="0"/>
+          <a:chOff x="0" y="0"/>
+          <a:chExt cx="0" cy="0"/>
+        </a:xfrm>
+      </p:grpSpPr>
+      <p:sp>
+        <p:nvSpPr>
+          <p:cNvPr id="6" name="CasellaDiTesto 5">
+            <a:extLst>
+              <a:ext uri="{FF2B5EF4-FFF2-40B4-BE49-F238E27FC236}">
+                <a16:creationId xmlns:a16="http://schemas.microsoft.com/office/drawing/2014/main" id="{58B43D4A-9B9F-46E7-A1FA-56BB4438E194}"/>
+              </a:ext>
+            </a:extLst>
+          </p:cNvPr>
+          <p:cNvSpPr txBox="1"/>
+          <p:nvPr/>
+        </p:nvSpPr>
+        <p:spPr>
+          <a:xfrm>
+            <a:off x="287000" y="631856"/>
+            <a:ext cx="11407806" cy="2308324"/>
+          </a:xfrm>
+          <a:prstGeom prst="rect">
+            <a:avLst/>
+          </a:prstGeom>
+          <a:noFill/>
+        </p:spPr>
+        <p:txBody>
+          <a:bodyPr wrap="square" rtlCol="0">
+            <a:spAutoFit/>
+          </a:bodyPr>
+          <a:lstStyle/>
+          <a:p>
+            <a:pPr marL="285750" indent="-285750">
+              <a:buFont typeface="Arial" panose="020B0604020202020204" pitchFamily="34" charset="0"/>
+              <a:buChar char="•"/>
+            </a:pPr>
+            <a:r>
+              <a:rPr lang="it-IT" sz="4000" u="sng" dirty="0">
+                <a:solidFill>
+                  <a:schemeClr val="bg1"/>
+                </a:solidFill>
+              </a:rPr>
+              <a:t>Modello del veicolo</a:t>
+            </a:r>
+          </a:p>
+          <a:p>
+            <a:pPr marL="285750" indent="-285750">
+              <a:buFont typeface="Arial" panose="020B0604020202020204" pitchFamily="34" charset="0"/>
+              <a:buChar char="•"/>
+            </a:pPr>
+            <a:endParaRPr lang="it-IT" sz="4000" u="sng" dirty="0">
+              <a:solidFill>
+                <a:schemeClr val="bg1"/>
+              </a:solidFill>
+            </a:endParaRPr>
+          </a:p>
+          <a:p>
+            <a:endParaRPr lang="it-IT" sz="4000" u="sng" dirty="0">
+              <a:solidFill>
+                <a:schemeClr val="bg1"/>
+              </a:solidFill>
+            </a:endParaRPr>
+          </a:p>
+          <a:p>
+            <a:endParaRPr lang="it-IT" sz="2400" u="sng" dirty="0">
+              <a:solidFill>
+                <a:schemeClr val="bg1"/>
+              </a:solidFill>
+            </a:endParaRPr>
+          </a:p>
+        </p:txBody>
+      </p:sp>
+      <p:sp>
+        <p:nvSpPr>
+          <p:cNvPr id="7" name="CasellaDiTesto 6">
+            <a:extLst>
+              <a:ext uri="{FF2B5EF4-FFF2-40B4-BE49-F238E27FC236}">
+                <a16:creationId xmlns:a16="http://schemas.microsoft.com/office/drawing/2014/main" id="{E5D5F86F-0B83-4229-95AB-44E269B753B9}"/>
+              </a:ext>
+            </a:extLst>
+          </p:cNvPr>
+          <p:cNvSpPr txBox="1"/>
+          <p:nvPr/>
+        </p:nvSpPr>
+        <p:spPr>
+          <a:xfrm>
+            <a:off x="497194" y="1604958"/>
+            <a:ext cx="6178858" cy="4154984"/>
+          </a:xfrm>
+          <a:prstGeom prst="rect">
+            <a:avLst/>
+          </a:prstGeom>
+          <a:noFill/>
+        </p:spPr>
+        <p:txBody>
+          <a:bodyPr wrap="square" rtlCol="0">
+            <a:spAutoFit/>
+          </a:bodyPr>
+          <a:lstStyle/>
+          <a:p>
+            <a:pPr marL="285750" indent="-285750">
+              <a:buFont typeface="Arial" panose="020B0604020202020204" pitchFamily="34" charset="0"/>
+              <a:buChar char="•"/>
+            </a:pPr>
+            <a:r>
+              <a:rPr lang="it-IT" sz="2400" dirty="0">
+                <a:solidFill>
+                  <a:schemeClr val="bg1"/>
+                </a:solidFill>
+              </a:rPr>
+              <a:t>Segnali</a:t>
+            </a:r>
+          </a:p>
+          <a:p>
+            <a:endParaRPr lang="it-IT" sz="2400" dirty="0">
+              <a:solidFill>
+                <a:schemeClr val="bg1"/>
+              </a:solidFill>
+            </a:endParaRPr>
+          </a:p>
+          <a:p>
+            <a:pPr marL="285750" indent="-285750">
+              <a:buFont typeface="Arial" panose="020B0604020202020204" pitchFamily="34" charset="0"/>
+              <a:buChar char="•"/>
+            </a:pPr>
+            <a:r>
+              <a:rPr lang="it-IT" sz="2400" dirty="0">
+                <a:solidFill>
+                  <a:schemeClr val="bg1"/>
+                </a:solidFill>
+              </a:rPr>
+              <a:t>Forma e scelte progettuali</a:t>
+            </a:r>
+          </a:p>
+          <a:p>
+            <a:pPr marL="285750" indent="-285750">
+              <a:buFont typeface="Arial" panose="020B0604020202020204" pitchFamily="34" charset="0"/>
+              <a:buChar char="•"/>
+            </a:pPr>
+            <a:endParaRPr lang="it-IT" sz="2400" dirty="0">
+              <a:solidFill>
+                <a:schemeClr val="bg1"/>
+              </a:solidFill>
+            </a:endParaRPr>
+          </a:p>
+          <a:p>
+            <a:pPr marL="285750" indent="-285750">
+              <a:buFont typeface="Arial" panose="020B0604020202020204" pitchFamily="34" charset="0"/>
+              <a:buChar char="•"/>
+            </a:pPr>
+            <a:r>
+              <a:rPr lang="it-IT" sz="2400" dirty="0">
+                <a:solidFill>
+                  <a:schemeClr val="bg1"/>
+                </a:solidFill>
+              </a:rPr>
+              <a:t>Modellazione dei </a:t>
+            </a:r>
+            <a:r>
+              <a:rPr lang="it-IT" sz="2400" dirty="0" err="1">
+                <a:solidFill>
+                  <a:schemeClr val="bg1"/>
+                </a:solidFill>
+              </a:rPr>
+              <a:t>thrusters</a:t>
+            </a:r>
+            <a:endParaRPr lang="it-IT" sz="2400" dirty="0">
+              <a:solidFill>
+                <a:schemeClr val="bg1"/>
+              </a:solidFill>
+            </a:endParaRPr>
+          </a:p>
+          <a:p>
+            <a:pPr marL="285750" indent="-285750">
+              <a:buFont typeface="Arial" panose="020B0604020202020204" pitchFamily="34" charset="0"/>
+              <a:buChar char="•"/>
+            </a:pPr>
+            <a:endParaRPr lang="it-IT" sz="2400" dirty="0">
+              <a:solidFill>
+                <a:schemeClr val="bg1"/>
+              </a:solidFill>
+            </a:endParaRPr>
+          </a:p>
+          <a:p>
+            <a:pPr marL="285750" indent="-285750">
+              <a:buFont typeface="Arial" panose="020B0604020202020204" pitchFamily="34" charset="0"/>
+              <a:buChar char="•"/>
+            </a:pPr>
+            <a:r>
+              <a:rPr lang="it-IT" sz="2400" dirty="0">
+                <a:solidFill>
+                  <a:schemeClr val="bg1"/>
+                </a:solidFill>
+              </a:rPr>
+              <a:t>Modello cinematico </a:t>
+            </a:r>
+          </a:p>
+          <a:p>
+            <a:pPr marL="285750" indent="-285750">
+              <a:buFont typeface="Arial" panose="020B0604020202020204" pitchFamily="34" charset="0"/>
+              <a:buChar char="•"/>
+            </a:pPr>
+            <a:endParaRPr lang="it-IT" sz="2400" dirty="0">
+              <a:solidFill>
+                <a:schemeClr val="bg1"/>
+              </a:solidFill>
+            </a:endParaRPr>
+          </a:p>
+          <a:p>
+            <a:pPr marL="285750" indent="-285750">
+              <a:buFont typeface="Arial" panose="020B0604020202020204" pitchFamily="34" charset="0"/>
+              <a:buChar char="•"/>
+            </a:pPr>
+            <a:r>
+              <a:rPr lang="it-IT" sz="2400" dirty="0">
+                <a:solidFill>
+                  <a:schemeClr val="bg1"/>
+                </a:solidFill>
+              </a:rPr>
+              <a:t>Modello dinamico</a:t>
+            </a:r>
+          </a:p>
+          <a:p>
+            <a:pPr marL="285750" indent="-285750">
+              <a:buFont typeface="Arial" panose="020B0604020202020204" pitchFamily="34" charset="0"/>
+              <a:buChar char="•"/>
+            </a:pPr>
+            <a:endParaRPr lang="it-IT" sz="2400" dirty="0">
+              <a:solidFill>
+                <a:schemeClr val="bg1"/>
+              </a:solidFill>
+            </a:endParaRPr>
+          </a:p>
+          <a:p>
+            <a:endParaRPr lang="it-IT" sz="2400" dirty="0"/>
+          </a:p>
+        </p:txBody>
+      </p:sp>
+      <p:sp>
+        <p:nvSpPr>
+          <p:cNvPr id="8" name="CasellaDiTesto 7">
+            <a:extLst>
+              <a:ext uri="{FF2B5EF4-FFF2-40B4-BE49-F238E27FC236}">
+                <a16:creationId xmlns:a16="http://schemas.microsoft.com/office/drawing/2014/main" id="{A6725EAA-2C87-4E20-9E81-094E47FF29DC}"/>
+              </a:ext>
+            </a:extLst>
+          </p:cNvPr>
+          <p:cNvSpPr txBox="1"/>
+          <p:nvPr/>
+        </p:nvSpPr>
+        <p:spPr>
+          <a:xfrm>
+            <a:off x="6518204" y="631856"/>
+            <a:ext cx="5123986" cy="4401205"/>
+          </a:xfrm>
+          <a:prstGeom prst="rect">
+            <a:avLst/>
+          </a:prstGeom>
+          <a:noFill/>
+        </p:spPr>
+        <p:txBody>
+          <a:bodyPr wrap="square" rtlCol="0">
+            <a:spAutoFit/>
+          </a:bodyPr>
+          <a:lstStyle/>
+          <a:p>
+            <a:pPr marL="285750" indent="-285750">
+              <a:buFont typeface="Arial" panose="020B0604020202020204" pitchFamily="34" charset="0"/>
+              <a:buChar char="•"/>
+            </a:pPr>
+            <a:r>
+              <a:rPr lang="it-IT" sz="4000" u="sng" dirty="0">
+                <a:solidFill>
+                  <a:schemeClr val="bg1"/>
+                </a:solidFill>
+              </a:rPr>
+              <a:t>Implementazione</a:t>
+            </a:r>
+          </a:p>
+          <a:p>
+            <a:pPr marL="285750" indent="-285750">
+              <a:buFont typeface="Arial" panose="020B0604020202020204" pitchFamily="34" charset="0"/>
+              <a:buChar char="•"/>
+            </a:pPr>
+            <a:endParaRPr lang="it-IT" sz="4000" u="sng" dirty="0">
+              <a:solidFill>
+                <a:schemeClr val="bg1"/>
+              </a:solidFill>
+            </a:endParaRPr>
+          </a:p>
+          <a:p>
+            <a:pPr marL="285750" indent="-285750">
+              <a:buFont typeface="Arial" panose="020B0604020202020204" pitchFamily="34" charset="0"/>
+              <a:buChar char="•"/>
+            </a:pPr>
+            <a:r>
+              <a:rPr lang="it-IT" sz="4000" u="sng" dirty="0">
+                <a:solidFill>
+                  <a:schemeClr val="bg1"/>
+                </a:solidFill>
+              </a:rPr>
+              <a:t>Risultati</a:t>
+            </a:r>
+          </a:p>
+          <a:p>
+            <a:pPr marL="285750" indent="-285750">
+              <a:buFont typeface="Arial" panose="020B0604020202020204" pitchFamily="34" charset="0"/>
+              <a:buChar char="•"/>
+            </a:pPr>
+            <a:endParaRPr lang="it-IT" sz="4000" u="sng" dirty="0">
+              <a:solidFill>
+                <a:schemeClr val="bg1"/>
+              </a:solidFill>
+            </a:endParaRPr>
+          </a:p>
+          <a:p>
+            <a:pPr marL="285750" indent="-285750">
+              <a:buFont typeface="Arial" panose="020B0604020202020204" pitchFamily="34" charset="0"/>
+              <a:buChar char="•"/>
+            </a:pPr>
+            <a:r>
+              <a:rPr lang="it-IT" sz="4000" u="sng" dirty="0">
+                <a:solidFill>
+                  <a:schemeClr val="bg1"/>
+                </a:solidFill>
+              </a:rPr>
+              <a:t>Integrazione</a:t>
+            </a:r>
+          </a:p>
+          <a:p>
+            <a:endParaRPr lang="it-IT" sz="4000" u="sng" dirty="0">
+              <a:solidFill>
+                <a:schemeClr val="bg1"/>
+              </a:solidFill>
+            </a:endParaRPr>
+          </a:p>
+          <a:p>
+            <a:endParaRPr lang="it-IT" sz="4000" u="sng" dirty="0">
+              <a:solidFill>
+                <a:schemeClr val="bg1"/>
+              </a:solidFill>
+            </a:endParaRPr>
+          </a:p>
+        </p:txBody>
+      </p:sp>
+      <p:sp>
+        <p:nvSpPr>
+          <p:cNvPr id="11" name="Segnaposto piè di pagina 10">
+            <a:extLst>
+              <a:ext uri="{FF2B5EF4-FFF2-40B4-BE49-F238E27FC236}">
+                <a16:creationId xmlns:a16="http://schemas.microsoft.com/office/drawing/2014/main" id="{3FD763FD-E869-4130-980F-C0AF91880DF7}"/>
+              </a:ext>
+            </a:extLst>
+          </p:cNvPr>
+          <p:cNvSpPr>
+            <a:spLocks noGrp="1"/>
+          </p:cNvSpPr>
+          <p:nvPr>
+            <p:ph type="ftr" sz="quarter" idx="11"/>
+          </p:nvPr>
+        </p:nvSpPr>
+        <p:spPr/>
+        <p:txBody>
+          <a:bodyPr/>
+          <a:lstStyle/>
+          <a:p>
+            <a:endParaRPr lang="en-US"/>
+          </a:p>
+        </p:txBody>
+      </p:sp>
+      <p:sp>
+        <p:nvSpPr>
+          <p:cNvPr id="3" name="Segnaposto numero diapositiva 2">
+            <a:extLst>
+              <a:ext uri="{FF2B5EF4-FFF2-40B4-BE49-F238E27FC236}">
+                <a16:creationId xmlns:a16="http://schemas.microsoft.com/office/drawing/2014/main" id="{075B4F5A-2BB5-4E0E-9F24-054AA98CED71}"/>
+              </a:ext>
+            </a:extLst>
+          </p:cNvPr>
+          <p:cNvSpPr>
+            <a:spLocks noGrp="1"/>
+          </p:cNvSpPr>
+          <p:nvPr>
+            <p:ph type="sldNum" sz="quarter" idx="12"/>
+          </p:nvPr>
+        </p:nvSpPr>
+        <p:spPr/>
+        <p:txBody>
+          <a:bodyPr/>
+          <a:lstStyle/>
+          <a:p>
+            <a:fld id="{4854181D-6920-4594-9A5D-6CE56DC9F8B2}" type="slidenum">
+              <a:rPr lang="en-US" smtClean="0"/>
+              <a:t>2</a:t>
+            </a:fld>
+            <a:endParaRPr lang="en-US"/>
+          </a:p>
+        </p:txBody>
+      </p:sp>
+    </p:spTree>
+    <p:extLst>
+      <p:ext uri="{BB962C8B-B14F-4D97-AF65-F5344CB8AC3E}">
+        <p14:creationId xmlns:p14="http://schemas.microsoft.com/office/powerpoint/2010/main" val="2613357646"/>
+      </p:ext>
+    </p:extLst>
+  </p:cSld>
+  <p:clrMapOvr>
+    <a:masterClrMapping/>
+  </p:clrMapOvr>
+</p:sld>
+</file>
+
+<file path=ppt/slides/slide20.xml><?xml version="1.0" encoding="utf-8"?>
 <p:sld xmlns:a="http://schemas.openxmlformats.org/drawingml/2006/main" xmlns:r="http://schemas.openxmlformats.org/officeDocument/2006/relationships" xmlns:p="http://schemas.openxmlformats.org/presentationml/2006/main" showMasterSp="0">
   <p:cSld>
     <p:bg>
@@ -6958,7 +8173,7 @@
           <a:p>
             <a:fld id="{4854181D-6920-4594-9A5D-6CE56DC9F8B2}" type="slidenum">
               <a:rPr lang="en-US" smtClean="0"/>
-              <a:t>17</a:t>
+              <a:t>20</a:t>
             </a:fld>
             <a:endParaRPr lang="en-US"/>
           </a:p>
@@ -6977,7 +8192,7 @@
 </p:sld>
 </file>
 
-<file path=ppt/slides/slide18.xml><?xml version="1.0" encoding="utf-8"?>
+<file path=ppt/slides/slide21.xml><?xml version="1.0" encoding="utf-8"?>
 <p:sld xmlns:a="http://schemas.openxmlformats.org/drawingml/2006/main" xmlns:r="http://schemas.openxmlformats.org/officeDocument/2006/relationships" xmlns:p="http://schemas.openxmlformats.org/presentationml/2006/main" showMasterSp="0">
   <p:cSld>
     <p:bg>
@@ -7528,7 +8743,7 @@
           <a:p>
             <a:fld id="{4854181D-6920-4594-9A5D-6CE56DC9F8B2}" type="slidenum">
               <a:rPr lang="en-US" smtClean="0"/>
-              <a:t>18</a:t>
+              <a:t>21</a:t>
             </a:fld>
             <a:endParaRPr lang="en-US"/>
           </a:p>
@@ -7547,7 +8762,7 @@
 </p:sld>
 </file>
 
-<file path=ppt/slides/slide19.xml><?xml version="1.0" encoding="utf-8"?>
+<file path=ppt/slides/slide22.xml><?xml version="1.0" encoding="utf-8"?>
 <p:sld xmlns:a="http://schemas.openxmlformats.org/drawingml/2006/main" xmlns:r="http://schemas.openxmlformats.org/officeDocument/2006/relationships" xmlns:p="http://schemas.openxmlformats.org/presentationml/2006/main" showMasterSp="0">
   <p:cSld>
     <p:bg>
@@ -8082,7 +9297,7 @@
           <a:p>
             <a:fld id="{4854181D-6920-4594-9A5D-6CE56DC9F8B2}" type="slidenum">
               <a:rPr lang="en-US" smtClean="0"/>
-              <a:t>19</a:t>
+              <a:t>22</a:t>
             </a:fld>
             <a:endParaRPr lang="en-US"/>
           </a:p>
@@ -8101,396 +9316,7 @@
 </p:sld>
 </file>
 
-<file path=ppt/slides/slide2.xml><?xml version="1.0" encoding="utf-8"?>
-<p:sld xmlns:a="http://schemas.openxmlformats.org/drawingml/2006/main" xmlns:r="http://schemas.openxmlformats.org/officeDocument/2006/relationships" xmlns:p="http://schemas.openxmlformats.org/presentationml/2006/main" showMasterSp="0">
-  <p:cSld>
-    <p:bg>
-      <p:bgPr>
-        <a:blipFill dpi="0" rotWithShape="1">
-          <a:blip r:embed="rId2">
-            <a:lum/>
-          </a:blip>
-          <a:srcRect/>
-          <a:stretch>
-            <a:fillRect/>
-          </a:stretch>
-        </a:blipFill>
-        <a:effectLst/>
-      </p:bgPr>
-    </p:bg>
-    <p:spTree>
-      <p:nvGrpSpPr>
-        <p:cNvPr id="1" name=""/>
-        <p:cNvGrpSpPr/>
-        <p:nvPr/>
-      </p:nvGrpSpPr>
-      <p:grpSpPr>
-        <a:xfrm>
-          <a:off x="0" y="0"/>
-          <a:ext cx="0" cy="0"/>
-          <a:chOff x="0" y="0"/>
-          <a:chExt cx="0" cy="0"/>
-        </a:xfrm>
-      </p:grpSpPr>
-      <p:sp>
-        <p:nvSpPr>
-          <p:cNvPr id="6" name="CasellaDiTesto 5">
-            <a:extLst>
-              <a:ext uri="{FF2B5EF4-FFF2-40B4-BE49-F238E27FC236}">
-                <a16:creationId xmlns:a16="http://schemas.microsoft.com/office/drawing/2014/main" id="{58B43D4A-9B9F-46E7-A1FA-56BB4438E194}"/>
-              </a:ext>
-            </a:extLst>
-          </p:cNvPr>
-          <p:cNvSpPr txBox="1"/>
-          <p:nvPr/>
-        </p:nvSpPr>
-        <p:spPr>
-          <a:xfrm>
-            <a:off x="287000" y="631856"/>
-            <a:ext cx="11407806" cy="2308324"/>
-          </a:xfrm>
-          <a:prstGeom prst="rect">
-            <a:avLst/>
-          </a:prstGeom>
-          <a:noFill/>
-        </p:spPr>
-        <p:txBody>
-          <a:bodyPr wrap="square" rtlCol="0">
-            <a:spAutoFit/>
-          </a:bodyPr>
-          <a:lstStyle/>
-          <a:p>
-            <a:pPr marL="285750" indent="-285750">
-              <a:buFont typeface="Arial" panose="020B0604020202020204" pitchFamily="34" charset="0"/>
-              <a:buChar char="•"/>
-            </a:pPr>
-            <a:r>
-              <a:rPr lang="it-IT" sz="4000" u="sng" dirty="0">
-                <a:solidFill>
-                  <a:schemeClr val="bg1"/>
-                </a:solidFill>
-              </a:rPr>
-              <a:t>Modello del veicolo</a:t>
-            </a:r>
-          </a:p>
-          <a:p>
-            <a:pPr marL="285750" indent="-285750">
-              <a:buFont typeface="Arial" panose="020B0604020202020204" pitchFamily="34" charset="0"/>
-              <a:buChar char="•"/>
-            </a:pPr>
-            <a:endParaRPr lang="it-IT" sz="4000" u="sng" dirty="0">
-              <a:solidFill>
-                <a:schemeClr val="bg1"/>
-              </a:solidFill>
-            </a:endParaRPr>
-          </a:p>
-          <a:p>
-            <a:endParaRPr lang="it-IT" sz="4000" u="sng" dirty="0">
-              <a:solidFill>
-                <a:schemeClr val="bg1"/>
-              </a:solidFill>
-            </a:endParaRPr>
-          </a:p>
-          <a:p>
-            <a:endParaRPr lang="it-IT" sz="2400" u="sng" dirty="0">
-              <a:solidFill>
-                <a:schemeClr val="bg1"/>
-              </a:solidFill>
-            </a:endParaRPr>
-          </a:p>
-        </p:txBody>
-      </p:sp>
-      <p:sp>
-        <p:nvSpPr>
-          <p:cNvPr id="7" name="CasellaDiTesto 6">
-            <a:extLst>
-              <a:ext uri="{FF2B5EF4-FFF2-40B4-BE49-F238E27FC236}">
-                <a16:creationId xmlns:a16="http://schemas.microsoft.com/office/drawing/2014/main" id="{E5D5F86F-0B83-4229-95AB-44E269B753B9}"/>
-              </a:ext>
-            </a:extLst>
-          </p:cNvPr>
-          <p:cNvSpPr txBox="1"/>
-          <p:nvPr/>
-        </p:nvSpPr>
-        <p:spPr>
-          <a:xfrm>
-            <a:off x="497194" y="1604958"/>
-            <a:ext cx="6178858" cy="4154984"/>
-          </a:xfrm>
-          <a:prstGeom prst="rect">
-            <a:avLst/>
-          </a:prstGeom>
-          <a:noFill/>
-        </p:spPr>
-        <p:txBody>
-          <a:bodyPr wrap="square" rtlCol="0">
-            <a:spAutoFit/>
-          </a:bodyPr>
-          <a:lstStyle/>
-          <a:p>
-            <a:pPr marL="285750" indent="-285750">
-              <a:buFont typeface="Arial" panose="020B0604020202020204" pitchFamily="34" charset="0"/>
-              <a:buChar char="•"/>
-            </a:pPr>
-            <a:r>
-              <a:rPr lang="it-IT" sz="2400" dirty="0">
-                <a:solidFill>
-                  <a:schemeClr val="bg1"/>
-                </a:solidFill>
-              </a:rPr>
-              <a:t>Segnali</a:t>
-            </a:r>
-          </a:p>
-          <a:p>
-            <a:endParaRPr lang="it-IT" sz="2400" dirty="0">
-              <a:solidFill>
-                <a:schemeClr val="bg1"/>
-              </a:solidFill>
-            </a:endParaRPr>
-          </a:p>
-          <a:p>
-            <a:pPr marL="285750" indent="-285750">
-              <a:buFont typeface="Arial" panose="020B0604020202020204" pitchFamily="34" charset="0"/>
-              <a:buChar char="•"/>
-            </a:pPr>
-            <a:r>
-              <a:rPr lang="it-IT" sz="2400" dirty="0">
-                <a:solidFill>
-                  <a:schemeClr val="bg1"/>
-                </a:solidFill>
-              </a:rPr>
-              <a:t>Forma e scelte progettuali</a:t>
-            </a:r>
-          </a:p>
-          <a:p>
-            <a:pPr marL="285750" indent="-285750">
-              <a:buFont typeface="Arial" panose="020B0604020202020204" pitchFamily="34" charset="0"/>
-              <a:buChar char="•"/>
-            </a:pPr>
-            <a:endParaRPr lang="it-IT" sz="2400" dirty="0">
-              <a:solidFill>
-                <a:schemeClr val="bg1"/>
-              </a:solidFill>
-            </a:endParaRPr>
-          </a:p>
-          <a:p>
-            <a:pPr marL="285750" indent="-285750">
-              <a:buFont typeface="Arial" panose="020B0604020202020204" pitchFamily="34" charset="0"/>
-              <a:buChar char="•"/>
-            </a:pPr>
-            <a:r>
-              <a:rPr lang="it-IT" sz="2400" dirty="0">
-                <a:solidFill>
-                  <a:schemeClr val="bg1"/>
-                </a:solidFill>
-              </a:rPr>
-              <a:t>Modellazione dei </a:t>
-            </a:r>
-            <a:r>
-              <a:rPr lang="it-IT" sz="2400" dirty="0" err="1">
-                <a:solidFill>
-                  <a:schemeClr val="bg1"/>
-                </a:solidFill>
-              </a:rPr>
-              <a:t>thrusters</a:t>
-            </a:r>
-            <a:endParaRPr lang="it-IT" sz="2400" dirty="0">
-              <a:solidFill>
-                <a:schemeClr val="bg1"/>
-              </a:solidFill>
-            </a:endParaRPr>
-          </a:p>
-          <a:p>
-            <a:pPr marL="285750" indent="-285750">
-              <a:buFont typeface="Arial" panose="020B0604020202020204" pitchFamily="34" charset="0"/>
-              <a:buChar char="•"/>
-            </a:pPr>
-            <a:endParaRPr lang="it-IT" sz="2400" dirty="0">
-              <a:solidFill>
-                <a:schemeClr val="bg1"/>
-              </a:solidFill>
-            </a:endParaRPr>
-          </a:p>
-          <a:p>
-            <a:pPr marL="285750" indent="-285750">
-              <a:buFont typeface="Arial" panose="020B0604020202020204" pitchFamily="34" charset="0"/>
-              <a:buChar char="•"/>
-            </a:pPr>
-            <a:r>
-              <a:rPr lang="it-IT" sz="2400" dirty="0">
-                <a:solidFill>
-                  <a:schemeClr val="bg1"/>
-                </a:solidFill>
-              </a:rPr>
-              <a:t>Modello cinematico </a:t>
-            </a:r>
-          </a:p>
-          <a:p>
-            <a:pPr marL="285750" indent="-285750">
-              <a:buFont typeface="Arial" panose="020B0604020202020204" pitchFamily="34" charset="0"/>
-              <a:buChar char="•"/>
-            </a:pPr>
-            <a:endParaRPr lang="it-IT" sz="2400" dirty="0">
-              <a:solidFill>
-                <a:schemeClr val="bg1"/>
-              </a:solidFill>
-            </a:endParaRPr>
-          </a:p>
-          <a:p>
-            <a:pPr marL="285750" indent="-285750">
-              <a:buFont typeface="Arial" panose="020B0604020202020204" pitchFamily="34" charset="0"/>
-              <a:buChar char="•"/>
-            </a:pPr>
-            <a:r>
-              <a:rPr lang="it-IT" sz="2400" dirty="0">
-                <a:solidFill>
-                  <a:schemeClr val="bg1"/>
-                </a:solidFill>
-              </a:rPr>
-              <a:t>Modello dinamico</a:t>
-            </a:r>
-          </a:p>
-          <a:p>
-            <a:pPr marL="285750" indent="-285750">
-              <a:buFont typeface="Arial" panose="020B0604020202020204" pitchFamily="34" charset="0"/>
-              <a:buChar char="•"/>
-            </a:pPr>
-            <a:endParaRPr lang="it-IT" sz="2400" dirty="0">
-              <a:solidFill>
-                <a:schemeClr val="bg1"/>
-              </a:solidFill>
-            </a:endParaRPr>
-          </a:p>
-          <a:p>
-            <a:endParaRPr lang="it-IT" sz="2400" dirty="0"/>
-          </a:p>
-        </p:txBody>
-      </p:sp>
-      <p:sp>
-        <p:nvSpPr>
-          <p:cNvPr id="8" name="CasellaDiTesto 7">
-            <a:extLst>
-              <a:ext uri="{FF2B5EF4-FFF2-40B4-BE49-F238E27FC236}">
-                <a16:creationId xmlns:a16="http://schemas.microsoft.com/office/drawing/2014/main" id="{A6725EAA-2C87-4E20-9E81-094E47FF29DC}"/>
-              </a:ext>
-            </a:extLst>
-          </p:cNvPr>
-          <p:cNvSpPr txBox="1"/>
-          <p:nvPr/>
-        </p:nvSpPr>
-        <p:spPr>
-          <a:xfrm>
-            <a:off x="305853" y="5225062"/>
-            <a:ext cx="5123986" cy="1938992"/>
-          </a:xfrm>
-          <a:prstGeom prst="rect">
-            <a:avLst/>
-          </a:prstGeom>
-          <a:noFill/>
-        </p:spPr>
-        <p:txBody>
-          <a:bodyPr wrap="square" rtlCol="0">
-            <a:spAutoFit/>
-          </a:bodyPr>
-          <a:lstStyle/>
-          <a:p>
-            <a:pPr marL="285750" indent="-285750">
-              <a:buFont typeface="Arial" panose="020B0604020202020204" pitchFamily="34" charset="0"/>
-              <a:buChar char="•"/>
-            </a:pPr>
-            <a:r>
-              <a:rPr lang="it-IT" sz="4000" u="sng" dirty="0">
-                <a:solidFill>
-                  <a:schemeClr val="bg1"/>
-                </a:solidFill>
-              </a:rPr>
-              <a:t>Risultati</a:t>
-            </a:r>
-          </a:p>
-          <a:p>
-            <a:endParaRPr lang="it-IT" sz="4000" u="sng" dirty="0">
-              <a:solidFill>
-                <a:schemeClr val="bg1"/>
-              </a:solidFill>
-            </a:endParaRPr>
-          </a:p>
-          <a:p>
-            <a:endParaRPr lang="it-IT" sz="4000" u="sng" dirty="0">
-              <a:solidFill>
-                <a:schemeClr val="bg1"/>
-              </a:solidFill>
-            </a:endParaRPr>
-          </a:p>
-        </p:txBody>
-      </p:sp>
-      <p:sp>
-        <p:nvSpPr>
-          <p:cNvPr id="11" name="Segnaposto piè di pagina 10">
-            <a:extLst>
-              <a:ext uri="{FF2B5EF4-FFF2-40B4-BE49-F238E27FC236}">
-                <a16:creationId xmlns:a16="http://schemas.microsoft.com/office/drawing/2014/main" id="{3FD763FD-E869-4130-980F-C0AF91880DF7}"/>
-              </a:ext>
-            </a:extLst>
-          </p:cNvPr>
-          <p:cNvSpPr>
-            <a:spLocks noGrp="1"/>
-          </p:cNvSpPr>
-          <p:nvPr>
-            <p:ph type="ftr" sz="quarter" idx="11"/>
-          </p:nvPr>
-        </p:nvSpPr>
-        <p:spPr/>
-        <p:txBody>
-          <a:bodyPr/>
-          <a:lstStyle/>
-          <a:p>
-            <a:endParaRPr lang="en-US"/>
-          </a:p>
-        </p:txBody>
-      </p:sp>
-      <p:sp>
-        <p:nvSpPr>
-          <p:cNvPr id="3" name="Segnaposto numero diapositiva 2">
-            <a:extLst>
-              <a:ext uri="{FF2B5EF4-FFF2-40B4-BE49-F238E27FC236}">
-                <a16:creationId xmlns:a16="http://schemas.microsoft.com/office/drawing/2014/main" id="{075B4F5A-2BB5-4E0E-9F24-054AA98CED71}"/>
-              </a:ext>
-            </a:extLst>
-          </p:cNvPr>
-          <p:cNvSpPr>
-            <a:spLocks noGrp="1"/>
-          </p:cNvSpPr>
-          <p:nvPr>
-            <p:ph type="sldNum" sz="quarter" idx="12"/>
-          </p:nvPr>
-        </p:nvSpPr>
-        <p:spPr/>
-        <p:txBody>
-          <a:bodyPr/>
-          <a:lstStyle/>
-          <a:p>
-            <a:fld id="{4854181D-6920-4594-9A5D-6CE56DC9F8B2}" type="slidenum">
-              <a:rPr lang="en-US" smtClean="0"/>
-              <a:t>2</a:t>
-            </a:fld>
-            <a:endParaRPr lang="en-US"/>
-          </a:p>
-        </p:txBody>
-      </p:sp>
-    </p:spTree>
-    <p:extLst>
-      <p:ext uri="{BB962C8B-B14F-4D97-AF65-F5344CB8AC3E}">
-        <p14:creationId xmlns:p14="http://schemas.microsoft.com/office/powerpoint/2010/main" val="2613357646"/>
-      </p:ext>
-    </p:extLst>
-  </p:cSld>
-  <p:clrMapOvr>
-    <a:masterClrMapping/>
-  </p:clrMapOvr>
-</p:sld>
-</file>
-
-<file path=ppt/slides/slide20.xml><?xml version="1.0" encoding="utf-8"?>
+<file path=ppt/slides/slide23.xml><?xml version="1.0" encoding="utf-8"?>
 <p:sld xmlns:a="http://schemas.openxmlformats.org/drawingml/2006/main" xmlns:r="http://schemas.openxmlformats.org/officeDocument/2006/relationships" xmlns:p="http://schemas.openxmlformats.org/presentationml/2006/main" showMasterSp="0">
   <p:cSld>
     <p:bg>
@@ -9089,7 +9915,7 @@
           <a:p>
             <a:fld id="{4854181D-6920-4594-9A5D-6CE56DC9F8B2}" type="slidenum">
               <a:rPr lang="en-US" smtClean="0"/>
-              <a:t>20</a:t>
+              <a:t>23</a:t>
             </a:fld>
             <a:endParaRPr lang="en-US"/>
           </a:p>
@@ -9108,235 +9934,13 @@
 </p:sld>
 </file>
 
-<file path=ppt/slides/slide21.xml><?xml version="1.0" encoding="utf-8"?>
+<file path=ppt/slides/slide24.xml><?xml version="1.0" encoding="utf-8"?>
 <p:sld xmlns:a="http://schemas.openxmlformats.org/drawingml/2006/main" xmlns:r="http://schemas.openxmlformats.org/officeDocument/2006/relationships" xmlns:p="http://schemas.openxmlformats.org/presentationml/2006/main" showMasterSp="0">
   <p:cSld>
     <p:bg>
       <p:bgPr>
         <a:blipFill dpi="0" rotWithShape="1">
-          <a:blip r:embed="rId2">
-            <a:lum/>
-          </a:blip>
-          <a:srcRect/>
-          <a:stretch>
-            <a:fillRect/>
-          </a:stretch>
-        </a:blipFill>
-        <a:effectLst/>
-      </p:bgPr>
-    </p:bg>
-    <p:spTree>
-      <p:nvGrpSpPr>
-        <p:cNvPr id="1" name=""/>
-        <p:cNvGrpSpPr/>
-        <p:nvPr/>
-      </p:nvGrpSpPr>
-      <p:grpSpPr>
-        <a:xfrm>
-          <a:off x="0" y="0"/>
-          <a:ext cx="0" cy="0"/>
-          <a:chOff x="0" y="0"/>
-          <a:chExt cx="0" cy="0"/>
-        </a:xfrm>
-      </p:grpSpPr>
-      <p:sp>
-        <p:nvSpPr>
-          <p:cNvPr id="4" name="Segnaposto piè di pagina 3">
-            <a:extLst>
-              <a:ext uri="{FF2B5EF4-FFF2-40B4-BE49-F238E27FC236}">
-                <a16:creationId xmlns:a16="http://schemas.microsoft.com/office/drawing/2014/main" id="{4E362125-2F83-4266-AB8C-336E9ADDBB86}"/>
-              </a:ext>
-            </a:extLst>
-          </p:cNvPr>
-          <p:cNvSpPr>
-            <a:spLocks noGrp="1"/>
-          </p:cNvSpPr>
-          <p:nvPr>
-            <p:ph type="ftr" sz="quarter" idx="11"/>
-          </p:nvPr>
-        </p:nvSpPr>
-        <p:spPr>
-          <a:xfrm>
-            <a:off x="-231742" y="6492875"/>
-            <a:ext cx="4114800" cy="365125"/>
-          </a:xfrm>
-        </p:spPr>
-        <p:txBody>
-          <a:bodyPr/>
-          <a:lstStyle/>
-          <a:p>
-            <a:endParaRPr lang="en-US" i="1" dirty="0">
-              <a:solidFill>
-                <a:schemeClr val="bg1"/>
-              </a:solidFill>
-            </a:endParaRPr>
-          </a:p>
-        </p:txBody>
-      </p:sp>
-      <p:sp>
-        <p:nvSpPr>
-          <p:cNvPr id="11" name="Rettangolo 10">
-            <a:extLst>
-              <a:ext uri="{FF2B5EF4-FFF2-40B4-BE49-F238E27FC236}">
-                <a16:creationId xmlns:a16="http://schemas.microsoft.com/office/drawing/2014/main" id="{DE43AB90-63F1-413E-8732-29F127F1CF7E}"/>
-              </a:ext>
-            </a:extLst>
-          </p:cNvPr>
-          <p:cNvSpPr/>
-          <p:nvPr/>
-        </p:nvSpPr>
-        <p:spPr>
-          <a:xfrm>
-            <a:off x="337221" y="428665"/>
-            <a:ext cx="2204258" cy="707886"/>
-          </a:xfrm>
-          <a:prstGeom prst="rect">
-            <a:avLst/>
-          </a:prstGeom>
-        </p:spPr>
-        <p:txBody>
-          <a:bodyPr wrap="none">
-            <a:spAutoFit/>
-          </a:bodyPr>
-          <a:lstStyle/>
-          <a:p>
-            <a:r>
-              <a:rPr lang="it-IT" sz="4000" b="1" dirty="0">
-                <a:solidFill>
-                  <a:schemeClr val="bg1"/>
-                </a:solidFill>
-              </a:rPr>
-              <a:t>Risultati</a:t>
-            </a:r>
-          </a:p>
-        </p:txBody>
-      </p:sp>
-      <p:pic>
-        <p:nvPicPr>
-          <p:cNvPr id="7" name="Immagine 6" descr="Immagine che contiene portatile, tavolo, computer&#10;&#10;Descrizione generata automaticamente">
-            <a:extLst>
-              <a:ext uri="{FF2B5EF4-FFF2-40B4-BE49-F238E27FC236}">
-                <a16:creationId xmlns:a16="http://schemas.microsoft.com/office/drawing/2014/main" id="{8E89FF0A-5B42-4C52-B253-DCB5B0FD13B8}"/>
-              </a:ext>
-            </a:extLst>
-          </p:cNvPr>
-          <p:cNvPicPr>
-            <a:picLocks noChangeAspect="1"/>
-          </p:cNvPicPr>
-          <p:nvPr/>
-        </p:nvPicPr>
-        <p:blipFill rotWithShape="1">
           <a:blip r:embed="rId3">
-            <a:extLst>
-              <a:ext uri="{28A0092B-C50C-407E-A947-70E740481C1C}">
-                <a14:useLocalDpi xmlns:a14="http://schemas.microsoft.com/office/drawing/2010/main" val="0"/>
-              </a:ext>
-            </a:extLst>
-          </a:blip>
-          <a:srcRect l="7875" r="7027"/>
-          <a:stretch/>
-        </p:blipFill>
-        <p:spPr>
-          <a:xfrm>
-            <a:off x="2551522" y="1865066"/>
-            <a:ext cx="7088956" cy="4061079"/>
-          </a:xfrm>
-          <a:prstGeom prst="rect">
-            <a:avLst/>
-          </a:prstGeom>
-        </p:spPr>
-      </p:pic>
-      <p:sp>
-        <p:nvSpPr>
-          <p:cNvPr id="17" name="CasellaDiTesto 16">
-            <a:extLst>
-              <a:ext uri="{FF2B5EF4-FFF2-40B4-BE49-F238E27FC236}">
-                <a16:creationId xmlns:a16="http://schemas.microsoft.com/office/drawing/2014/main" id="{0C21BF71-2A87-47C6-A476-2F6835DB8FC9}"/>
-              </a:ext>
-            </a:extLst>
-          </p:cNvPr>
-          <p:cNvSpPr txBox="1"/>
-          <p:nvPr/>
-        </p:nvSpPr>
-        <p:spPr>
-          <a:xfrm>
-            <a:off x="2452747" y="1445691"/>
-            <a:ext cx="3231615" cy="369332"/>
-          </a:xfrm>
-          <a:prstGeom prst="rect">
-            <a:avLst/>
-          </a:prstGeom>
-          <a:noFill/>
-        </p:spPr>
-        <p:txBody>
-          <a:bodyPr wrap="square" rtlCol="0">
-            <a:spAutoFit/>
-          </a:bodyPr>
-          <a:lstStyle/>
-          <a:p>
-            <a:r>
-              <a:rPr lang="it-IT" dirty="0">
-                <a:solidFill>
-                  <a:schemeClr val="accent1">
-                    <a:lumMod val="60000"/>
-                    <a:lumOff val="40000"/>
-                  </a:schemeClr>
-                </a:solidFill>
-              </a:rPr>
-              <a:t>OUTPUT (velocità)</a:t>
-            </a:r>
-          </a:p>
-        </p:txBody>
-      </p:sp>
-      <p:sp>
-        <p:nvSpPr>
-          <p:cNvPr id="3" name="Segnaposto numero diapositiva 2">
-            <a:extLst>
-              <a:ext uri="{FF2B5EF4-FFF2-40B4-BE49-F238E27FC236}">
-                <a16:creationId xmlns:a16="http://schemas.microsoft.com/office/drawing/2014/main" id="{0BB7D503-E762-4ABB-BA57-6F1AF4EA7B15}"/>
-              </a:ext>
-            </a:extLst>
-          </p:cNvPr>
-          <p:cNvSpPr>
-            <a:spLocks noGrp="1"/>
-          </p:cNvSpPr>
-          <p:nvPr>
-            <p:ph type="sldNum" sz="quarter" idx="12"/>
-          </p:nvPr>
-        </p:nvSpPr>
-        <p:spPr/>
-        <p:txBody>
-          <a:bodyPr/>
-          <a:lstStyle/>
-          <a:p>
-            <a:fld id="{4854181D-6920-4594-9A5D-6CE56DC9F8B2}" type="slidenum">
-              <a:rPr lang="en-US" smtClean="0"/>
-              <a:t>21</a:t>
-            </a:fld>
-            <a:endParaRPr lang="en-US"/>
-          </a:p>
-        </p:txBody>
-      </p:sp>
-    </p:spTree>
-    <p:extLst>
-      <p:ext uri="{BB962C8B-B14F-4D97-AF65-F5344CB8AC3E}">
-        <p14:creationId xmlns:p14="http://schemas.microsoft.com/office/powerpoint/2010/main" val="14277591"/>
-      </p:ext>
-    </p:extLst>
-  </p:cSld>
-  <p:clrMapOvr>
-    <a:masterClrMapping/>
-  </p:clrMapOvr>
-</p:sld>
-</file>
-
-<file path=ppt/slides/slide22.xml><?xml version="1.0" encoding="utf-8"?>
-<p:sld xmlns:a="http://schemas.openxmlformats.org/drawingml/2006/main" xmlns:r="http://schemas.openxmlformats.org/officeDocument/2006/relationships" xmlns:p="http://schemas.openxmlformats.org/presentationml/2006/main" showMasterSp="0">
-  <p:cSld>
-    <p:bg>
-      <p:bgPr>
-        <a:blipFill dpi="0" rotWithShape="1">
-          <a:blip r:embed="rId2">
             <a:lum/>
           </a:blip>
           <a:srcRect/>
@@ -10031,7 +10635,7 @@
                       </a:txBody>
                       <a:tcPr anchor="ctr">
                         <a:blipFill>
-                          <a:blip r:embed="rId3"/>
+                          <a:blip r:embed="rId4"/>
                           <a:stretch>
                             <a:fillRect l="-293122" t="-43380" r="-2116" b="-563"/>
                           </a:stretch>
@@ -10191,7 +10795,7 @@
           <p:nvPr/>
         </p:nvPicPr>
         <p:blipFill rotWithShape="1">
-          <a:blip r:embed="rId4">
+          <a:blip r:embed="rId5">
             <a:extLst>
               <a:ext uri="{28A0092B-C50C-407E-A947-70E740481C1C}">
                 <a14:useLocalDpi xmlns:a14="http://schemas.microsoft.com/office/drawing/2010/main" val="0"/>
@@ -10226,7 +10830,7 @@
           <p:nvPr/>
         </p:nvPicPr>
         <p:blipFill rotWithShape="1">
-          <a:blip r:embed="rId5">
+          <a:blip r:embed="rId6">
             <a:extLst>
               <a:ext uri="{28A0092B-C50C-407E-A947-70E740481C1C}">
                 <a14:useLocalDpi xmlns:a14="http://schemas.microsoft.com/office/drawing/2010/main" val="0"/>
@@ -10350,7 +10954,7 @@
           <a:p>
             <a:fld id="{4854181D-6920-4594-9A5D-6CE56DC9F8B2}" type="slidenum">
               <a:rPr lang="en-US" smtClean="0"/>
-              <a:t>22</a:t>
+              <a:t>24</a:t>
             </a:fld>
             <a:endParaRPr lang="en-US"/>
           </a:p>
@@ -10360,6 +10964,813 @@
     <p:extLst>
       <p:ext uri="{BB962C8B-B14F-4D97-AF65-F5344CB8AC3E}">
         <p14:creationId xmlns:p14="http://schemas.microsoft.com/office/powerpoint/2010/main" val="2933177566"/>
+      </p:ext>
+    </p:extLst>
+  </p:cSld>
+  <p:clrMapOvr>
+    <a:masterClrMapping/>
+  </p:clrMapOvr>
+</p:sld>
+</file>
+
+<file path=ppt/slides/slide25.xml><?xml version="1.0" encoding="utf-8"?>
+<p:sld xmlns:a="http://schemas.openxmlformats.org/drawingml/2006/main" xmlns:r="http://schemas.openxmlformats.org/officeDocument/2006/relationships" xmlns:p="http://schemas.openxmlformats.org/presentationml/2006/main" showMasterSp="0">
+  <p:cSld>
+    <p:bg>
+      <p:bgPr>
+        <a:blipFill dpi="0" rotWithShape="1">
+          <a:blip r:embed="rId2">
+            <a:lum/>
+          </a:blip>
+          <a:srcRect/>
+          <a:stretch>
+            <a:fillRect/>
+          </a:stretch>
+        </a:blipFill>
+        <a:effectLst/>
+      </p:bgPr>
+    </p:bg>
+    <p:spTree>
+      <p:nvGrpSpPr>
+        <p:cNvPr id="1" name=""/>
+        <p:cNvGrpSpPr/>
+        <p:nvPr/>
+      </p:nvGrpSpPr>
+      <p:grpSpPr>
+        <a:xfrm>
+          <a:off x="0" y="0"/>
+          <a:ext cx="0" cy="0"/>
+          <a:chOff x="0" y="0"/>
+          <a:chExt cx="0" cy="0"/>
+        </a:xfrm>
+      </p:grpSpPr>
+      <p:sp>
+        <p:nvSpPr>
+          <p:cNvPr id="4" name="Segnaposto piè di pagina 3">
+            <a:extLst>
+              <a:ext uri="{FF2B5EF4-FFF2-40B4-BE49-F238E27FC236}">
+                <a16:creationId xmlns:a16="http://schemas.microsoft.com/office/drawing/2014/main" id="{4E362125-2F83-4266-AB8C-336E9ADDBB86}"/>
+              </a:ext>
+            </a:extLst>
+          </p:cNvPr>
+          <p:cNvSpPr>
+            <a:spLocks noGrp="1"/>
+          </p:cNvSpPr>
+          <p:nvPr>
+            <p:ph type="ftr" sz="quarter" idx="11"/>
+          </p:nvPr>
+        </p:nvSpPr>
+        <p:spPr>
+          <a:xfrm>
+            <a:off x="-231742" y="6492875"/>
+            <a:ext cx="4114800" cy="365125"/>
+          </a:xfrm>
+        </p:spPr>
+        <p:txBody>
+          <a:bodyPr/>
+          <a:lstStyle/>
+          <a:p>
+            <a:endParaRPr lang="en-US" i="1" dirty="0">
+              <a:solidFill>
+                <a:schemeClr val="bg1"/>
+              </a:solidFill>
+            </a:endParaRPr>
+          </a:p>
+        </p:txBody>
+      </p:sp>
+      <p:sp>
+        <p:nvSpPr>
+          <p:cNvPr id="11" name="Rettangolo 10">
+            <a:extLst>
+              <a:ext uri="{FF2B5EF4-FFF2-40B4-BE49-F238E27FC236}">
+                <a16:creationId xmlns:a16="http://schemas.microsoft.com/office/drawing/2014/main" id="{DE43AB90-63F1-413E-8732-29F127F1CF7E}"/>
+              </a:ext>
+            </a:extLst>
+          </p:cNvPr>
+          <p:cNvSpPr/>
+          <p:nvPr/>
+        </p:nvSpPr>
+        <p:spPr>
+          <a:xfrm>
+            <a:off x="337221" y="428665"/>
+            <a:ext cx="3340530" cy="707886"/>
+          </a:xfrm>
+          <a:prstGeom prst="rect">
+            <a:avLst/>
+          </a:prstGeom>
+        </p:spPr>
+        <p:txBody>
+          <a:bodyPr wrap="none">
+            <a:spAutoFit/>
+          </a:bodyPr>
+          <a:lstStyle/>
+          <a:p>
+            <a:r>
+              <a:rPr lang="it-IT" sz="4000" b="1" dirty="0">
+                <a:solidFill>
+                  <a:schemeClr val="bg1"/>
+                </a:solidFill>
+              </a:rPr>
+              <a:t>Integrazione</a:t>
+            </a:r>
+          </a:p>
+        </p:txBody>
+      </p:sp>
+      <p:sp>
+        <p:nvSpPr>
+          <p:cNvPr id="3" name="Segnaposto numero diapositiva 2">
+            <a:extLst>
+              <a:ext uri="{FF2B5EF4-FFF2-40B4-BE49-F238E27FC236}">
+                <a16:creationId xmlns:a16="http://schemas.microsoft.com/office/drawing/2014/main" id="{9D4E6BFE-F9D6-4BAF-80BD-1D493B0A098A}"/>
+              </a:ext>
+            </a:extLst>
+          </p:cNvPr>
+          <p:cNvSpPr>
+            <a:spLocks noGrp="1"/>
+          </p:cNvSpPr>
+          <p:nvPr>
+            <p:ph type="sldNum" sz="quarter" idx="12"/>
+          </p:nvPr>
+        </p:nvSpPr>
+        <p:spPr/>
+        <p:txBody>
+          <a:bodyPr/>
+          <a:lstStyle/>
+          <a:p>
+            <a:fld id="{4854181D-6920-4594-9A5D-6CE56DC9F8B2}" type="slidenum">
+              <a:rPr lang="en-US" smtClean="0"/>
+              <a:t>25</a:t>
+            </a:fld>
+            <a:endParaRPr lang="en-US"/>
+          </a:p>
+        </p:txBody>
+      </p:sp>
+      <p:pic>
+        <p:nvPicPr>
+          <p:cNvPr id="20" name="Immagine 19">
+            <a:extLst>
+              <a:ext uri="{FF2B5EF4-FFF2-40B4-BE49-F238E27FC236}">
+                <a16:creationId xmlns:a16="http://schemas.microsoft.com/office/drawing/2014/main" id="{801515FD-90E0-4DC5-898D-781D3C9D9B2D}"/>
+              </a:ext>
+            </a:extLst>
+          </p:cNvPr>
+          <p:cNvPicPr>
+            <a:picLocks noChangeAspect="1"/>
+          </p:cNvPicPr>
+          <p:nvPr/>
+        </p:nvPicPr>
+        <p:blipFill>
+          <a:blip r:embed="rId3"/>
+          <a:stretch>
+            <a:fillRect/>
+          </a:stretch>
+        </p:blipFill>
+        <p:spPr>
+          <a:xfrm>
+            <a:off x="1412589" y="1414757"/>
+            <a:ext cx="9366821" cy="4526862"/>
+          </a:xfrm>
+          <a:prstGeom prst="rect">
+            <a:avLst/>
+          </a:prstGeom>
+        </p:spPr>
+      </p:pic>
+    </p:spTree>
+    <p:extLst>
+      <p:ext uri="{BB962C8B-B14F-4D97-AF65-F5344CB8AC3E}">
+        <p14:creationId xmlns:p14="http://schemas.microsoft.com/office/powerpoint/2010/main" val="750680619"/>
+      </p:ext>
+    </p:extLst>
+  </p:cSld>
+  <p:clrMapOvr>
+    <a:masterClrMapping/>
+  </p:clrMapOvr>
+</p:sld>
+</file>
+
+<file path=ppt/slides/slide26.xml><?xml version="1.0" encoding="utf-8"?>
+<p:sld xmlns:a="http://schemas.openxmlformats.org/drawingml/2006/main" xmlns:r="http://schemas.openxmlformats.org/officeDocument/2006/relationships" xmlns:p="http://schemas.openxmlformats.org/presentationml/2006/main" showMasterSp="0">
+  <p:cSld>
+    <p:bg>
+      <p:bgPr>
+        <a:blipFill dpi="0" rotWithShape="1">
+          <a:blip r:embed="rId2">
+            <a:lum/>
+          </a:blip>
+          <a:srcRect/>
+          <a:stretch>
+            <a:fillRect/>
+          </a:stretch>
+        </a:blipFill>
+        <a:effectLst/>
+      </p:bgPr>
+    </p:bg>
+    <p:spTree>
+      <p:nvGrpSpPr>
+        <p:cNvPr id="1" name=""/>
+        <p:cNvGrpSpPr/>
+        <p:nvPr/>
+      </p:nvGrpSpPr>
+      <p:grpSpPr>
+        <a:xfrm>
+          <a:off x="0" y="0"/>
+          <a:ext cx="0" cy="0"/>
+          <a:chOff x="0" y="0"/>
+          <a:chExt cx="0" cy="0"/>
+        </a:xfrm>
+      </p:grpSpPr>
+      <p:sp>
+        <p:nvSpPr>
+          <p:cNvPr id="4" name="Segnaposto piè di pagina 3">
+            <a:extLst>
+              <a:ext uri="{FF2B5EF4-FFF2-40B4-BE49-F238E27FC236}">
+                <a16:creationId xmlns:a16="http://schemas.microsoft.com/office/drawing/2014/main" id="{4E362125-2F83-4266-AB8C-336E9ADDBB86}"/>
+              </a:ext>
+            </a:extLst>
+          </p:cNvPr>
+          <p:cNvSpPr>
+            <a:spLocks noGrp="1"/>
+          </p:cNvSpPr>
+          <p:nvPr>
+            <p:ph type="ftr" sz="quarter" idx="11"/>
+          </p:nvPr>
+        </p:nvSpPr>
+        <p:spPr>
+          <a:xfrm>
+            <a:off x="-231742" y="6492875"/>
+            <a:ext cx="4114800" cy="365125"/>
+          </a:xfrm>
+        </p:spPr>
+        <p:txBody>
+          <a:bodyPr/>
+          <a:lstStyle/>
+          <a:p>
+            <a:endParaRPr lang="en-US" i="1" dirty="0">
+              <a:solidFill>
+                <a:schemeClr val="bg1"/>
+              </a:solidFill>
+            </a:endParaRPr>
+          </a:p>
+        </p:txBody>
+      </p:sp>
+      <p:sp>
+        <p:nvSpPr>
+          <p:cNvPr id="11" name="Rettangolo 10">
+            <a:extLst>
+              <a:ext uri="{FF2B5EF4-FFF2-40B4-BE49-F238E27FC236}">
+                <a16:creationId xmlns:a16="http://schemas.microsoft.com/office/drawing/2014/main" id="{DE43AB90-63F1-413E-8732-29F127F1CF7E}"/>
+              </a:ext>
+            </a:extLst>
+          </p:cNvPr>
+          <p:cNvSpPr/>
+          <p:nvPr/>
+        </p:nvSpPr>
+        <p:spPr>
+          <a:xfrm>
+            <a:off x="337221" y="428665"/>
+            <a:ext cx="5462906" cy="707886"/>
+          </a:xfrm>
+          <a:prstGeom prst="rect">
+            <a:avLst/>
+          </a:prstGeom>
+        </p:spPr>
+        <p:txBody>
+          <a:bodyPr wrap="none">
+            <a:spAutoFit/>
+          </a:bodyPr>
+          <a:lstStyle/>
+          <a:p>
+            <a:r>
+              <a:rPr lang="it-IT" sz="4000" b="1" dirty="0">
+                <a:solidFill>
+                  <a:schemeClr val="bg1"/>
+                </a:solidFill>
+              </a:rPr>
+              <a:t>Integrazione parziale</a:t>
+            </a:r>
+          </a:p>
+        </p:txBody>
+      </p:sp>
+      <p:sp>
+        <p:nvSpPr>
+          <p:cNvPr id="3" name="Segnaposto numero diapositiva 2">
+            <a:extLst>
+              <a:ext uri="{FF2B5EF4-FFF2-40B4-BE49-F238E27FC236}">
+                <a16:creationId xmlns:a16="http://schemas.microsoft.com/office/drawing/2014/main" id="{9D4E6BFE-F9D6-4BAF-80BD-1D493B0A098A}"/>
+              </a:ext>
+            </a:extLst>
+          </p:cNvPr>
+          <p:cNvSpPr>
+            <a:spLocks noGrp="1"/>
+          </p:cNvSpPr>
+          <p:nvPr>
+            <p:ph type="sldNum" sz="quarter" idx="12"/>
+          </p:nvPr>
+        </p:nvSpPr>
+        <p:spPr/>
+        <p:txBody>
+          <a:bodyPr/>
+          <a:lstStyle/>
+          <a:p>
+            <a:fld id="{4854181D-6920-4594-9A5D-6CE56DC9F8B2}" type="slidenum">
+              <a:rPr lang="en-US" smtClean="0"/>
+              <a:t>26</a:t>
+            </a:fld>
+            <a:endParaRPr lang="en-US"/>
+          </a:p>
+        </p:txBody>
+      </p:sp>
+      <p:pic>
+        <p:nvPicPr>
+          <p:cNvPr id="5" name="Immagine 4">
+            <a:extLst>
+              <a:ext uri="{FF2B5EF4-FFF2-40B4-BE49-F238E27FC236}">
+                <a16:creationId xmlns:a16="http://schemas.microsoft.com/office/drawing/2014/main" id="{673A4A60-7DF9-4C96-B066-4EE574D071E1}"/>
+              </a:ext>
+            </a:extLst>
+          </p:cNvPr>
+          <p:cNvPicPr>
+            <a:picLocks noChangeAspect="1"/>
+          </p:cNvPicPr>
+          <p:nvPr/>
+        </p:nvPicPr>
+        <p:blipFill>
+          <a:blip r:embed="rId3"/>
+          <a:stretch>
+            <a:fillRect/>
+          </a:stretch>
+        </p:blipFill>
+        <p:spPr>
+          <a:xfrm>
+            <a:off x="711723" y="1758592"/>
+            <a:ext cx="10768553" cy="4112241"/>
+          </a:xfrm>
+          <a:prstGeom prst="rect">
+            <a:avLst/>
+          </a:prstGeom>
+        </p:spPr>
+      </p:pic>
+    </p:spTree>
+    <p:extLst>
+      <p:ext uri="{BB962C8B-B14F-4D97-AF65-F5344CB8AC3E}">
+        <p14:creationId xmlns:p14="http://schemas.microsoft.com/office/powerpoint/2010/main" val="1426070734"/>
+      </p:ext>
+    </p:extLst>
+  </p:cSld>
+  <p:clrMapOvr>
+    <a:masterClrMapping/>
+  </p:clrMapOvr>
+</p:sld>
+</file>
+
+<file path=ppt/slides/slide27.xml><?xml version="1.0" encoding="utf-8"?>
+<p:sld xmlns:a="http://schemas.openxmlformats.org/drawingml/2006/main" xmlns:r="http://schemas.openxmlformats.org/officeDocument/2006/relationships" xmlns:p="http://schemas.openxmlformats.org/presentationml/2006/main" showMasterSp="0">
+  <p:cSld>
+    <p:bg>
+      <p:bgPr>
+        <a:blipFill dpi="0" rotWithShape="1">
+          <a:blip r:embed="rId2">
+            <a:lum/>
+          </a:blip>
+          <a:srcRect/>
+          <a:stretch>
+            <a:fillRect/>
+          </a:stretch>
+        </a:blipFill>
+        <a:effectLst/>
+      </p:bgPr>
+    </p:bg>
+    <p:spTree>
+      <p:nvGrpSpPr>
+        <p:cNvPr id="1" name=""/>
+        <p:cNvGrpSpPr/>
+        <p:nvPr/>
+      </p:nvGrpSpPr>
+      <p:grpSpPr>
+        <a:xfrm>
+          <a:off x="0" y="0"/>
+          <a:ext cx="0" cy="0"/>
+          <a:chOff x="0" y="0"/>
+          <a:chExt cx="0" cy="0"/>
+        </a:xfrm>
+      </p:grpSpPr>
+      <p:sp>
+        <p:nvSpPr>
+          <p:cNvPr id="4" name="Segnaposto piè di pagina 3">
+            <a:extLst>
+              <a:ext uri="{FF2B5EF4-FFF2-40B4-BE49-F238E27FC236}">
+                <a16:creationId xmlns:a16="http://schemas.microsoft.com/office/drawing/2014/main" id="{4E362125-2F83-4266-AB8C-336E9ADDBB86}"/>
+              </a:ext>
+            </a:extLst>
+          </p:cNvPr>
+          <p:cNvSpPr>
+            <a:spLocks noGrp="1"/>
+          </p:cNvSpPr>
+          <p:nvPr>
+            <p:ph type="ftr" sz="quarter" idx="11"/>
+          </p:nvPr>
+        </p:nvSpPr>
+        <p:spPr>
+          <a:xfrm>
+            <a:off x="-231742" y="6492875"/>
+            <a:ext cx="4114800" cy="365125"/>
+          </a:xfrm>
+        </p:spPr>
+        <p:txBody>
+          <a:bodyPr/>
+          <a:lstStyle/>
+          <a:p>
+            <a:endParaRPr lang="en-US" i="1" dirty="0">
+              <a:solidFill>
+                <a:schemeClr val="bg1"/>
+              </a:solidFill>
+            </a:endParaRPr>
+          </a:p>
+        </p:txBody>
+      </p:sp>
+      <p:sp>
+        <p:nvSpPr>
+          <p:cNvPr id="11" name="Rettangolo 10">
+            <a:extLst>
+              <a:ext uri="{FF2B5EF4-FFF2-40B4-BE49-F238E27FC236}">
+                <a16:creationId xmlns:a16="http://schemas.microsoft.com/office/drawing/2014/main" id="{DE43AB90-63F1-413E-8732-29F127F1CF7E}"/>
+              </a:ext>
+            </a:extLst>
+          </p:cNvPr>
+          <p:cNvSpPr/>
+          <p:nvPr/>
+        </p:nvSpPr>
+        <p:spPr>
+          <a:xfrm>
+            <a:off x="337221" y="428665"/>
+            <a:ext cx="5462906" cy="707886"/>
+          </a:xfrm>
+          <a:prstGeom prst="rect">
+            <a:avLst/>
+          </a:prstGeom>
+        </p:spPr>
+        <p:txBody>
+          <a:bodyPr wrap="none">
+            <a:spAutoFit/>
+          </a:bodyPr>
+          <a:lstStyle/>
+          <a:p>
+            <a:r>
+              <a:rPr lang="it-IT" sz="4000" b="1" dirty="0">
+                <a:solidFill>
+                  <a:schemeClr val="bg1"/>
+                </a:solidFill>
+              </a:rPr>
+              <a:t>Integrazione parziale</a:t>
+            </a:r>
+          </a:p>
+        </p:txBody>
+      </p:sp>
+      <p:sp>
+        <p:nvSpPr>
+          <p:cNvPr id="3" name="Segnaposto numero diapositiva 2">
+            <a:extLst>
+              <a:ext uri="{FF2B5EF4-FFF2-40B4-BE49-F238E27FC236}">
+                <a16:creationId xmlns:a16="http://schemas.microsoft.com/office/drawing/2014/main" id="{9D4E6BFE-F9D6-4BAF-80BD-1D493B0A098A}"/>
+              </a:ext>
+            </a:extLst>
+          </p:cNvPr>
+          <p:cNvSpPr>
+            <a:spLocks noGrp="1"/>
+          </p:cNvSpPr>
+          <p:nvPr>
+            <p:ph type="sldNum" sz="quarter" idx="12"/>
+          </p:nvPr>
+        </p:nvSpPr>
+        <p:spPr/>
+        <p:txBody>
+          <a:bodyPr/>
+          <a:lstStyle/>
+          <a:p>
+            <a:fld id="{4854181D-6920-4594-9A5D-6CE56DC9F8B2}" type="slidenum">
+              <a:rPr lang="en-US" smtClean="0"/>
+              <a:t>27</a:t>
+            </a:fld>
+            <a:endParaRPr lang="en-US"/>
+          </a:p>
+        </p:txBody>
+      </p:sp>
+      <p:pic>
+        <p:nvPicPr>
+          <p:cNvPr id="7" name="Immagine 6">
+            <a:extLst>
+              <a:ext uri="{FF2B5EF4-FFF2-40B4-BE49-F238E27FC236}">
+                <a16:creationId xmlns:a16="http://schemas.microsoft.com/office/drawing/2014/main" id="{06C1497D-04E0-4923-B10A-FFAE366B92AA}"/>
+              </a:ext>
+            </a:extLst>
+          </p:cNvPr>
+          <p:cNvPicPr>
+            <a:picLocks noChangeAspect="1"/>
+          </p:cNvPicPr>
+          <p:nvPr/>
+        </p:nvPicPr>
+        <p:blipFill rotWithShape="1">
+          <a:blip r:embed="rId3"/>
+          <a:srcRect b="48987"/>
+          <a:stretch/>
+        </p:blipFill>
+        <p:spPr>
+          <a:xfrm>
+            <a:off x="561321" y="2852058"/>
+            <a:ext cx="11069357" cy="3076688"/>
+          </a:xfrm>
+          <a:prstGeom prst="rect">
+            <a:avLst/>
+          </a:prstGeom>
+        </p:spPr>
+      </p:pic>
+      <p:sp>
+        <p:nvSpPr>
+          <p:cNvPr id="8" name="CasellaDiTesto 7">
+            <a:extLst>
+              <a:ext uri="{FF2B5EF4-FFF2-40B4-BE49-F238E27FC236}">
+                <a16:creationId xmlns:a16="http://schemas.microsoft.com/office/drawing/2014/main" id="{6CE0F233-A9BC-4A86-A273-EB6E8353DE81}"/>
+              </a:ext>
+            </a:extLst>
+          </p:cNvPr>
+          <p:cNvSpPr txBox="1"/>
+          <p:nvPr/>
+        </p:nvSpPr>
+        <p:spPr>
+          <a:xfrm>
+            <a:off x="561321" y="1557390"/>
+            <a:ext cx="2986715" cy="646331"/>
+          </a:xfrm>
+          <a:prstGeom prst="rect">
+            <a:avLst/>
+          </a:prstGeom>
+          <a:noFill/>
+        </p:spPr>
+        <p:txBody>
+          <a:bodyPr wrap="none" rtlCol="0">
+            <a:spAutoFit/>
+          </a:bodyPr>
+          <a:lstStyle/>
+          <a:p>
+            <a:r>
+              <a:rPr lang="it-IT" dirty="0">
+                <a:solidFill>
+                  <a:schemeClr val="bg1"/>
+                </a:solidFill>
+              </a:rPr>
+              <a:t>Asse ascisse: secondi</a:t>
+            </a:r>
+          </a:p>
+          <a:p>
+            <a:r>
+              <a:rPr lang="it-IT" dirty="0">
+                <a:solidFill>
+                  <a:schemeClr val="bg1"/>
+                </a:solidFill>
+              </a:rPr>
+              <a:t>Asse ordinate: metri (NED)</a:t>
+            </a:r>
+          </a:p>
+        </p:txBody>
+      </p:sp>
+      <p:sp>
+        <p:nvSpPr>
+          <p:cNvPr id="9" name="CasellaDiTesto 8">
+            <a:extLst>
+              <a:ext uri="{FF2B5EF4-FFF2-40B4-BE49-F238E27FC236}">
+                <a16:creationId xmlns:a16="http://schemas.microsoft.com/office/drawing/2014/main" id="{3F943B3C-EA4A-4E61-961D-475E228C6BFE}"/>
+              </a:ext>
+            </a:extLst>
+          </p:cNvPr>
+          <p:cNvSpPr txBox="1"/>
+          <p:nvPr/>
+        </p:nvSpPr>
+        <p:spPr>
+          <a:xfrm>
+            <a:off x="4350136" y="1418890"/>
+            <a:ext cx="3736600" cy="923330"/>
+          </a:xfrm>
+          <a:prstGeom prst="rect">
+            <a:avLst/>
+          </a:prstGeom>
+          <a:noFill/>
+        </p:spPr>
+        <p:txBody>
+          <a:bodyPr wrap="none" rtlCol="0">
+            <a:spAutoFit/>
+          </a:bodyPr>
+          <a:lstStyle/>
+          <a:p>
+            <a:r>
+              <a:rPr lang="it-IT" dirty="0">
+                <a:solidFill>
+                  <a:schemeClr val="bg1"/>
+                </a:solidFill>
+              </a:rPr>
+              <a:t>Rosso: posizione reale del veicolo</a:t>
+            </a:r>
+          </a:p>
+          <a:p>
+            <a:r>
+              <a:rPr lang="it-IT" dirty="0">
+                <a:solidFill>
+                  <a:schemeClr val="bg1"/>
+                </a:solidFill>
+              </a:rPr>
+              <a:t>Verde: uscita sensori</a:t>
+            </a:r>
+          </a:p>
+          <a:p>
+            <a:r>
+              <a:rPr lang="it-IT" dirty="0">
+                <a:solidFill>
+                  <a:schemeClr val="bg1"/>
+                </a:solidFill>
+              </a:rPr>
+              <a:t>Blu: posizione stimata</a:t>
+            </a:r>
+          </a:p>
+        </p:txBody>
+      </p:sp>
+    </p:spTree>
+    <p:extLst>
+      <p:ext uri="{BB962C8B-B14F-4D97-AF65-F5344CB8AC3E}">
+        <p14:creationId xmlns:p14="http://schemas.microsoft.com/office/powerpoint/2010/main" val="1038073729"/>
+      </p:ext>
+    </p:extLst>
+  </p:cSld>
+  <p:clrMapOvr>
+    <a:masterClrMapping/>
+  </p:clrMapOvr>
+</p:sld>
+</file>
+
+<file path=ppt/slides/slide28.xml><?xml version="1.0" encoding="utf-8"?>
+<p:sld xmlns:a="http://schemas.openxmlformats.org/drawingml/2006/main" xmlns:r="http://schemas.openxmlformats.org/officeDocument/2006/relationships" xmlns:p="http://schemas.openxmlformats.org/presentationml/2006/main" showMasterSp="0">
+  <p:cSld>
+    <p:bg>
+      <p:bgPr>
+        <a:blipFill dpi="0" rotWithShape="1">
+          <a:blip r:embed="rId2">
+            <a:lum/>
+          </a:blip>
+          <a:srcRect/>
+          <a:stretch>
+            <a:fillRect/>
+          </a:stretch>
+        </a:blipFill>
+        <a:effectLst/>
+      </p:bgPr>
+    </p:bg>
+    <p:spTree>
+      <p:nvGrpSpPr>
+        <p:cNvPr id="1" name=""/>
+        <p:cNvGrpSpPr/>
+        <p:nvPr/>
+      </p:nvGrpSpPr>
+      <p:grpSpPr>
+        <a:xfrm>
+          <a:off x="0" y="0"/>
+          <a:ext cx="0" cy="0"/>
+          <a:chOff x="0" y="0"/>
+          <a:chExt cx="0" cy="0"/>
+        </a:xfrm>
+      </p:grpSpPr>
+      <p:sp>
+        <p:nvSpPr>
+          <p:cNvPr id="4" name="Segnaposto piè di pagina 3">
+            <a:extLst>
+              <a:ext uri="{FF2B5EF4-FFF2-40B4-BE49-F238E27FC236}">
+                <a16:creationId xmlns:a16="http://schemas.microsoft.com/office/drawing/2014/main" id="{4E362125-2F83-4266-AB8C-336E9ADDBB86}"/>
+              </a:ext>
+            </a:extLst>
+          </p:cNvPr>
+          <p:cNvSpPr>
+            <a:spLocks noGrp="1"/>
+          </p:cNvSpPr>
+          <p:nvPr>
+            <p:ph type="ftr" sz="quarter" idx="11"/>
+          </p:nvPr>
+        </p:nvSpPr>
+        <p:spPr>
+          <a:xfrm>
+            <a:off x="-231742" y="6492875"/>
+            <a:ext cx="4114800" cy="365125"/>
+          </a:xfrm>
+        </p:spPr>
+        <p:txBody>
+          <a:bodyPr/>
+          <a:lstStyle/>
+          <a:p>
+            <a:endParaRPr lang="en-US" i="1" dirty="0">
+              <a:solidFill>
+                <a:schemeClr val="bg1"/>
+              </a:solidFill>
+            </a:endParaRPr>
+          </a:p>
+        </p:txBody>
+      </p:sp>
+      <p:sp>
+        <p:nvSpPr>
+          <p:cNvPr id="11" name="Rettangolo 10">
+            <a:extLst>
+              <a:ext uri="{FF2B5EF4-FFF2-40B4-BE49-F238E27FC236}">
+                <a16:creationId xmlns:a16="http://schemas.microsoft.com/office/drawing/2014/main" id="{DE43AB90-63F1-413E-8732-29F127F1CF7E}"/>
+              </a:ext>
+            </a:extLst>
+          </p:cNvPr>
+          <p:cNvSpPr/>
+          <p:nvPr/>
+        </p:nvSpPr>
+        <p:spPr>
+          <a:xfrm>
+            <a:off x="337221" y="428665"/>
+            <a:ext cx="5462906" cy="707886"/>
+          </a:xfrm>
+          <a:prstGeom prst="rect">
+            <a:avLst/>
+          </a:prstGeom>
+        </p:spPr>
+        <p:txBody>
+          <a:bodyPr wrap="none">
+            <a:spAutoFit/>
+          </a:bodyPr>
+          <a:lstStyle/>
+          <a:p>
+            <a:r>
+              <a:rPr lang="it-IT" sz="4000" b="1" dirty="0">
+                <a:solidFill>
+                  <a:schemeClr val="bg1"/>
+                </a:solidFill>
+              </a:rPr>
+              <a:t>Integrazione parziale</a:t>
+            </a:r>
+          </a:p>
+        </p:txBody>
+      </p:sp>
+      <p:sp>
+        <p:nvSpPr>
+          <p:cNvPr id="3" name="Segnaposto numero diapositiva 2">
+            <a:extLst>
+              <a:ext uri="{FF2B5EF4-FFF2-40B4-BE49-F238E27FC236}">
+                <a16:creationId xmlns:a16="http://schemas.microsoft.com/office/drawing/2014/main" id="{9D4E6BFE-F9D6-4BAF-80BD-1D493B0A098A}"/>
+              </a:ext>
+            </a:extLst>
+          </p:cNvPr>
+          <p:cNvSpPr>
+            <a:spLocks noGrp="1"/>
+          </p:cNvSpPr>
+          <p:nvPr>
+            <p:ph type="sldNum" sz="quarter" idx="12"/>
+          </p:nvPr>
+        </p:nvSpPr>
+        <p:spPr/>
+        <p:txBody>
+          <a:bodyPr/>
+          <a:lstStyle/>
+          <a:p>
+            <a:fld id="{4854181D-6920-4594-9A5D-6CE56DC9F8B2}" type="slidenum">
+              <a:rPr lang="en-US" smtClean="0"/>
+              <a:t>28</a:t>
+            </a:fld>
+            <a:endParaRPr lang="en-US"/>
+          </a:p>
+        </p:txBody>
+      </p:sp>
+      <p:pic>
+        <p:nvPicPr>
+          <p:cNvPr id="5" name="Immagine 4">
+            <a:extLst>
+              <a:ext uri="{FF2B5EF4-FFF2-40B4-BE49-F238E27FC236}">
+                <a16:creationId xmlns:a16="http://schemas.microsoft.com/office/drawing/2014/main" id="{CBEA41C4-B086-45E2-81A2-245B126A12E6}"/>
+              </a:ext>
+            </a:extLst>
+          </p:cNvPr>
+          <p:cNvPicPr>
+            <a:picLocks noChangeAspect="1"/>
+          </p:cNvPicPr>
+          <p:nvPr/>
+        </p:nvPicPr>
+        <p:blipFill>
+          <a:blip r:embed="rId3"/>
+          <a:stretch>
+            <a:fillRect/>
+          </a:stretch>
+        </p:blipFill>
+        <p:spPr>
+          <a:xfrm>
+            <a:off x="1906621" y="1642774"/>
+            <a:ext cx="8378757" cy="4343877"/>
+          </a:xfrm>
+          <a:prstGeom prst="rect">
+            <a:avLst/>
+          </a:prstGeom>
+        </p:spPr>
+      </p:pic>
+    </p:spTree>
+    <p:extLst>
+      <p:ext uri="{BB962C8B-B14F-4D97-AF65-F5344CB8AC3E}">
+        <p14:creationId xmlns:p14="http://schemas.microsoft.com/office/powerpoint/2010/main" val="3595974915"/>
       </p:ext>
     </p:extLst>
   </p:cSld>
@@ -10478,43 +11889,6 @@
           </a:p>
         </p:txBody>
       </p:sp>
-      <p:pic>
-        <p:nvPicPr>
-          <p:cNvPr id="4" name="Immagine 3">
-            <a:extLst>
-              <a:ext uri="{FF2B5EF4-FFF2-40B4-BE49-F238E27FC236}">
-                <a16:creationId xmlns:a16="http://schemas.microsoft.com/office/drawing/2014/main" id="{B9B8A7BD-CB2C-4F46-8190-48823D2063C0}"/>
-              </a:ext>
-            </a:extLst>
-          </p:cNvPr>
-          <p:cNvPicPr>
-            <a:picLocks noChangeAspect="1"/>
-          </p:cNvPicPr>
-          <p:nvPr/>
-        </p:nvPicPr>
-        <p:blipFill>
-          <a:blip r:embed="rId3">
-            <a:alphaModFix/>
-            <a:extLst>
-              <a:ext uri="{28A0092B-C50C-407E-A947-70E740481C1C}">
-                <a14:useLocalDpi xmlns:a14="http://schemas.microsoft.com/office/drawing/2010/main" val="0"/>
-              </a:ext>
-            </a:extLst>
-          </a:blip>
-          <a:stretch>
-            <a:fillRect/>
-          </a:stretch>
-        </p:blipFill>
-        <p:spPr>
-          <a:xfrm>
-            <a:off x="7330492" y="932364"/>
-            <a:ext cx="3936528" cy="4993272"/>
-          </a:xfrm>
-          <a:prstGeom prst="rect">
-            <a:avLst/>
-          </a:prstGeom>
-        </p:spPr>
-      </p:pic>
       <p:sp>
         <p:nvSpPr>
           <p:cNvPr id="9" name="CasellaDiTesto 8">
@@ -10530,7 +11904,7 @@
         <p:spPr>
           <a:xfrm>
             <a:off x="497194" y="2434519"/>
-            <a:ext cx="6178858" cy="2308324"/>
+            <a:ext cx="6178858" cy="2677656"/>
           </a:xfrm>
           <a:prstGeom prst="rect">
             <a:avLst/>
@@ -10569,7 +11943,7 @@
                   <a:schemeClr val="bg1"/>
                 </a:solidFill>
               </a:rPr>
-              <a:t> vettore delle velocità desiderate delle eliche dei </a:t>
+              <a:t> vettore 7x1 delle velocità desiderate delle eliche dei </a:t>
             </a:r>
             <a:r>
               <a:rPr lang="it-IT" sz="2400" dirty="0" err="1">
@@ -10585,7 +11959,23 @@
                   <a:schemeClr val="bg1"/>
                 </a:solidFill>
               </a:rPr>
-              <a:t>. </a:t>
+              <a:t> (</a:t>
+            </a:r>
+            <a:r>
+              <a:rPr lang="it-IT" sz="2400" dirty="0" err="1">
+                <a:solidFill>
+                  <a:schemeClr val="bg1"/>
+                </a:solidFill>
+              </a:rPr>
+              <a:t>rad</a:t>
+            </a:r>
+            <a:r>
+              <a:rPr lang="it-IT" sz="2400" dirty="0">
+                <a:solidFill>
+                  <a:schemeClr val="bg1"/>
+                </a:solidFill>
+              </a:rPr>
+              <a:t>/s) </a:t>
             </a:r>
           </a:p>
           <a:p>
@@ -10647,6 +12037,35 @@
           </a:p>
         </p:txBody>
       </p:sp>
+      <p:pic>
+        <p:nvPicPr>
+          <p:cNvPr id="2" name="Immagine 1">
+            <a:extLst>
+              <a:ext uri="{FF2B5EF4-FFF2-40B4-BE49-F238E27FC236}">
+                <a16:creationId xmlns:a16="http://schemas.microsoft.com/office/drawing/2014/main" id="{E03C55DB-D57C-41DD-879A-B5D6B714B35E}"/>
+              </a:ext>
+            </a:extLst>
+          </p:cNvPr>
+          <p:cNvPicPr>
+            <a:picLocks noChangeAspect="1"/>
+          </p:cNvPicPr>
+          <p:nvPr/>
+        </p:nvPicPr>
+        <p:blipFill rotWithShape="1">
+          <a:blip r:embed="rId3"/>
+          <a:srcRect l="43221" t="32578" r="29566" b="9455"/>
+          <a:stretch/>
+        </p:blipFill>
+        <p:spPr>
+          <a:xfrm>
+            <a:off x="6975835" y="750851"/>
+            <a:ext cx="4487159" cy="5376572"/>
+          </a:xfrm>
+          <a:prstGeom prst="rect">
+            <a:avLst/>
+          </a:prstGeom>
+        </p:spPr>
+      </p:pic>
     </p:spTree>
     <p:extLst>
       <p:ext uri="{BB962C8B-B14F-4D97-AF65-F5344CB8AC3E}">
@@ -10999,7 +12418,7 @@
         <p:spPr>
           <a:xfrm>
             <a:off x="4784006" y="4461550"/>
-            <a:ext cx="4690857" cy="2031325"/>
+            <a:ext cx="4690857" cy="2308324"/>
           </a:xfrm>
           <a:prstGeom prst="rect">
             <a:avLst/>
@@ -11038,7 +12457,25 @@
                   <a:schemeClr val="bg1"/>
                 </a:solidFill>
               </a:rPr>
-              <a:t>V = 0.097m</a:t>
+              <a:t>V </a:t>
+            </a:r>
+            <a:r>
+              <a:rPr lang="it-IT" b="1" i="0" dirty="0">
+                <a:solidFill>
+                  <a:schemeClr val="bg1"/>
+                </a:solidFill>
+                <a:effectLst/>
+                <a:latin typeface="Arial" panose="020B0604020202020204" pitchFamily="34" charset="0"/>
+              </a:rPr>
+              <a:t>≃</a:t>
+            </a:r>
+            <a:r>
+              <a:rPr lang="it-IT" dirty="0">
+                <a:solidFill>
+                  <a:schemeClr val="bg1"/>
+                </a:solidFill>
+              </a:rPr>
+              <a:t> 0.097m</a:t>
             </a:r>
             <a:r>
               <a:rPr lang="it-IT" baseline="30000" dirty="0">
@@ -11056,7 +12493,25 @@
                   <a:schemeClr val="bg1"/>
                 </a:solidFill>
               </a:rPr>
-              <a:t>Densità = 1025kg/m</a:t>
+              <a:t>Densità </a:t>
+            </a:r>
+            <a:r>
+              <a:rPr lang="it-IT" b="1" i="0" dirty="0">
+                <a:solidFill>
+                  <a:schemeClr val="bg1"/>
+                </a:solidFill>
+                <a:effectLst/>
+                <a:latin typeface="Arial" panose="020B0604020202020204" pitchFamily="34" charset="0"/>
+              </a:rPr>
+              <a:t>≃</a:t>
+            </a:r>
+            <a:r>
+              <a:rPr lang="it-IT" dirty="0">
+                <a:solidFill>
+                  <a:schemeClr val="bg1"/>
+                </a:solidFill>
+              </a:rPr>
+              <a:t> 1025kg/m</a:t>
             </a:r>
             <a:r>
               <a:rPr lang="it-IT" baseline="30000" dirty="0">
@@ -11085,6 +12540,16 @@
                 </a:solidFill>
               </a:rPr>
               <a:t>CB a metà semiasse c </a:t>
+            </a:r>
+          </a:p>
+          <a:p>
+            <a:r>
+              <a:rPr lang="it-IT" dirty="0">
+                <a:solidFill>
+                  <a:schemeClr val="bg1"/>
+                </a:solidFill>
+              </a:rPr>
+              <a:t>Spinta costante verso l’alto di circa 4,11N </a:t>
             </a:r>
           </a:p>
           <a:p>
@@ -11301,7 +12766,7 @@
               <a:rPr lang="en-US" smtClean="0"/>
               <a:t>4</a:t>
             </a:fld>
-            <a:endParaRPr lang="en-US"/>
+            <a:endParaRPr lang="en-US" dirty="0"/>
           </a:p>
         </p:txBody>
       </p:sp>
@@ -12332,8 +13797,8 @@
           </a:prstGeom>
         </p:spPr>
       </p:pic>
-      <mc:AlternateContent xmlns:mc="http://schemas.openxmlformats.org/markup-compatibility/2006">
-        <mc:Choice xmlns:a14="http://schemas.microsoft.com/office/drawing/2010/main" Requires="a14">
+      <mc:AlternateContent xmlns:mc="http://schemas.openxmlformats.org/markup-compatibility/2006" xmlns:a14="http://schemas.microsoft.com/office/drawing/2010/main">
+        <mc:Choice Requires="a14">
           <p:sp>
             <p:nvSpPr>
               <p:cNvPr id="15" name="CasellaDiTesto 14">
@@ -12362,6 +13827,7 @@
               </a:bodyPr>
               <a:lstStyle/>
               <a:p>
+                <a:pPr/>
                 <a14:m>
                   <m:oMathPara xmlns:m="http://schemas.openxmlformats.org/officeDocument/2006/math">
                     <m:oMathParaPr>
@@ -12489,7 +13955,7 @@
             </p:txBody>
           </p:sp>
         </mc:Choice>
-        <mc:Fallback>
+        <mc:Fallback xmlns="">
           <p:sp>
             <p:nvSpPr>
               <p:cNvPr id="15" name="CasellaDiTesto 14">
@@ -12534,8 +14000,8 @@
           </p:sp>
         </mc:Fallback>
       </mc:AlternateContent>
-      <mc:AlternateContent xmlns:mc="http://schemas.openxmlformats.org/markup-compatibility/2006">
-        <mc:Choice xmlns:a14="http://schemas.microsoft.com/office/drawing/2010/main" Requires="a14">
+      <mc:AlternateContent xmlns:mc="http://schemas.openxmlformats.org/markup-compatibility/2006" xmlns:a14="http://schemas.microsoft.com/office/drawing/2010/main">
+        <mc:Choice Requires="a14">
           <p:sp>
             <p:nvSpPr>
               <p:cNvPr id="16" name="CasellaDiTesto 15">
@@ -12564,6 +14030,7 @@
               </a:bodyPr>
               <a:lstStyle/>
               <a:p>
+                <a:pPr/>
                 <a14:m>
                   <m:oMathPara xmlns:m="http://schemas.openxmlformats.org/officeDocument/2006/math">
                     <m:oMathParaPr>
@@ -12761,7 +14228,7 @@
             </p:txBody>
           </p:sp>
         </mc:Choice>
-        <mc:Fallback>
+        <mc:Fallback xmlns="">
           <p:sp>
             <p:nvSpPr>
               <p:cNvPr id="16" name="CasellaDiTesto 15">
@@ -12806,8 +14273,8 @@
           </p:sp>
         </mc:Fallback>
       </mc:AlternateContent>
-      <mc:AlternateContent xmlns:mc="http://schemas.openxmlformats.org/markup-compatibility/2006">
-        <mc:Choice xmlns:a14="http://schemas.microsoft.com/office/drawing/2010/main" Requires="a14">
+      <mc:AlternateContent xmlns:mc="http://schemas.openxmlformats.org/markup-compatibility/2006" xmlns:a14="http://schemas.microsoft.com/office/drawing/2010/main">
+        <mc:Choice Requires="a14">
           <p:sp>
             <p:nvSpPr>
               <p:cNvPr id="17" name="CasellaDiTesto 16">
@@ -12836,6 +14303,7 @@
               </a:bodyPr>
               <a:lstStyle/>
               <a:p>
+                <a:pPr/>
                 <a14:m>
                   <m:oMathPara xmlns:m="http://schemas.openxmlformats.org/officeDocument/2006/math">
                     <m:oMathParaPr>
@@ -12956,7 +14424,7 @@
             </p:txBody>
           </p:sp>
         </mc:Choice>
-        <mc:Fallback>
+        <mc:Fallback xmlns="">
           <p:sp>
             <p:nvSpPr>
               <p:cNvPr id="17" name="CasellaDiTesto 16">
@@ -13041,8 +14509,8 @@
           </a:p>
         </p:txBody>
       </p:sp>
-      <mc:AlternateContent xmlns:mc="http://schemas.openxmlformats.org/markup-compatibility/2006">
-        <mc:Choice xmlns:a14="http://schemas.microsoft.com/office/drawing/2010/main" Requires="a14">
+      <mc:AlternateContent xmlns:mc="http://schemas.openxmlformats.org/markup-compatibility/2006" xmlns:a14="http://schemas.microsoft.com/office/drawing/2010/main">
+        <mc:Choice Requires="a14">
           <p:sp>
             <p:nvSpPr>
               <p:cNvPr id="19" name="CasellaDiTesto 18">
@@ -13071,6 +14539,7 @@
               </a:bodyPr>
               <a:lstStyle/>
               <a:p>
+                <a:pPr/>
                 <a14:m>
                   <m:oMathPara xmlns:m="http://schemas.openxmlformats.org/officeDocument/2006/math">
                     <m:oMathParaPr>
@@ -13243,7 +14712,7 @@
             </p:txBody>
           </p:sp>
         </mc:Choice>
-        <mc:Fallback>
+        <mc:Fallback xmlns="">
           <p:sp>
             <p:nvSpPr>
               <p:cNvPr id="19" name="CasellaDiTesto 18">
@@ -13288,8 +14757,8 @@
           </p:sp>
         </mc:Fallback>
       </mc:AlternateContent>
-      <mc:AlternateContent xmlns:mc="http://schemas.openxmlformats.org/markup-compatibility/2006">
-        <mc:Choice xmlns:a14="http://schemas.microsoft.com/office/drawing/2010/main" Requires="a14">
+      <mc:AlternateContent xmlns:mc="http://schemas.openxmlformats.org/markup-compatibility/2006" xmlns:a14="http://schemas.microsoft.com/office/drawing/2010/main">
+        <mc:Choice Requires="a14">
           <p:sp>
             <p:nvSpPr>
               <p:cNvPr id="20" name="CasellaDiTesto 19">
@@ -13318,6 +14787,7 @@
               </a:bodyPr>
               <a:lstStyle/>
               <a:p>
+                <a:pPr/>
                 <a14:m>
                   <m:oMathPara xmlns:m="http://schemas.openxmlformats.org/officeDocument/2006/math">
                     <m:oMathParaPr>
@@ -13422,7 +14892,7 @@
             </p:txBody>
           </p:sp>
         </mc:Choice>
-        <mc:Fallback>
+        <mc:Fallback xmlns="">
           <p:sp>
             <p:nvSpPr>
               <p:cNvPr id="20" name="CasellaDiTesto 19">
@@ -13467,8 +14937,8 @@
           </p:sp>
         </mc:Fallback>
       </mc:AlternateContent>
-      <mc:AlternateContent xmlns:mc="http://schemas.openxmlformats.org/markup-compatibility/2006">
-        <mc:Choice xmlns:a14="http://schemas.microsoft.com/office/drawing/2010/main" Requires="a14">
+      <mc:AlternateContent xmlns:mc="http://schemas.openxmlformats.org/markup-compatibility/2006" xmlns:a14="http://schemas.microsoft.com/office/drawing/2010/main">
+        <mc:Choice Requires="a14">
           <p:sp>
             <p:nvSpPr>
               <p:cNvPr id="21" name="CasellaDiTesto 20">
@@ -13497,6 +14967,7 @@
               </a:bodyPr>
               <a:lstStyle/>
               <a:p>
+                <a:pPr/>
                 <a14:m>
                   <m:oMathPara xmlns:m="http://schemas.openxmlformats.org/officeDocument/2006/math">
                     <m:oMathParaPr>
@@ -13705,7 +15176,7 @@
             </p:txBody>
           </p:sp>
         </mc:Choice>
-        <mc:Fallback>
+        <mc:Fallback xmlns="">
           <p:sp>
             <p:nvSpPr>
               <p:cNvPr id="21" name="CasellaDiTesto 20">
@@ -13750,8 +15221,8 @@
           </p:sp>
         </mc:Fallback>
       </mc:AlternateContent>
-      <mc:AlternateContent xmlns:mc="http://schemas.openxmlformats.org/markup-compatibility/2006">
-        <mc:Choice xmlns:a14="http://schemas.microsoft.com/office/drawing/2010/main" Requires="a14">
+      <mc:AlternateContent xmlns:mc="http://schemas.openxmlformats.org/markup-compatibility/2006" xmlns:a14="http://schemas.microsoft.com/office/drawing/2010/main">
+        <mc:Choice Requires="a14">
           <p:sp>
             <p:nvSpPr>
               <p:cNvPr id="24" name="CasellaDiTesto 23">
@@ -13944,7 +15415,7 @@
             </p:txBody>
           </p:sp>
         </mc:Choice>
-        <mc:Fallback>
+        <mc:Fallback xmlns="">
           <p:sp>
             <p:nvSpPr>
               <p:cNvPr id="24" name="CasellaDiTesto 23">
@@ -17361,8 +18832,8 @@
           </a:p>
         </p:txBody>
       </p:sp>
-      <mc:AlternateContent xmlns:mc="http://schemas.openxmlformats.org/markup-compatibility/2006" xmlns:a14="http://schemas.microsoft.com/office/drawing/2010/main">
-        <mc:Choice Requires="a14">
+      <mc:AlternateContent xmlns:mc="http://schemas.openxmlformats.org/markup-compatibility/2006">
+        <mc:Choice xmlns:a14="http://schemas.microsoft.com/office/drawing/2010/main" Requires="a14">
           <p:sp>
             <p:nvSpPr>
               <p:cNvPr id="2" name="CasellaDiTesto 1">
@@ -17377,7 +18848,7 @@
             </p:nvSpPr>
             <p:spPr>
               <a:xfrm>
-                <a:off x="1637122" y="1506938"/>
+                <a:off x="873982" y="1350150"/>
                 <a:ext cx="1115505" cy="369332"/>
               </a:xfrm>
               <a:prstGeom prst="rect">
@@ -17481,7 +18952,7 @@
             </p:txBody>
           </p:sp>
         </mc:Choice>
-        <mc:Fallback xmlns="">
+        <mc:Fallback>
           <p:sp>
             <p:nvSpPr>
               <p:cNvPr id="2" name="CasellaDiTesto 1">
@@ -17498,7 +18969,7 @@
             </p:nvSpPr>
             <p:spPr>
               <a:xfrm>
-                <a:off x="1637122" y="1506938"/>
+                <a:off x="873982" y="1350150"/>
                 <a:ext cx="1115505" cy="369332"/>
               </a:xfrm>
               <a:prstGeom prst="rect">
@@ -17526,8 +18997,8 @@
           </p:sp>
         </mc:Fallback>
       </mc:AlternateContent>
-      <mc:AlternateContent xmlns:mc="http://schemas.openxmlformats.org/markup-compatibility/2006" xmlns:a14="http://schemas.microsoft.com/office/drawing/2010/main">
-        <mc:Choice Requires="a14">
+      <mc:AlternateContent xmlns:mc="http://schemas.openxmlformats.org/markup-compatibility/2006">
+        <mc:Choice xmlns:a14="http://schemas.microsoft.com/office/drawing/2010/main" Requires="a14">
           <p:sp>
             <p:nvSpPr>
               <p:cNvPr id="7" name="CasellaDiTesto 6">
@@ -17542,7 +19013,7 @@
             </p:nvSpPr>
             <p:spPr>
               <a:xfrm>
-                <a:off x="1773233" y="2283272"/>
+                <a:off x="1010093" y="2126484"/>
                 <a:ext cx="2239972" cy="386324"/>
               </a:xfrm>
               <a:prstGeom prst="rect">
@@ -17828,7 +19299,7 @@
             </p:txBody>
           </p:sp>
         </mc:Choice>
-        <mc:Fallback xmlns="">
+        <mc:Fallback>
           <p:sp>
             <p:nvSpPr>
               <p:cNvPr id="7" name="CasellaDiTesto 6">
@@ -17845,7 +19316,7 @@
             </p:nvSpPr>
             <p:spPr>
               <a:xfrm>
-                <a:off x="1773233" y="2283272"/>
+                <a:off x="1010093" y="2126484"/>
                 <a:ext cx="2239972" cy="386324"/>
               </a:xfrm>
               <a:prstGeom prst="rect">
@@ -17873,8 +19344,8 @@
           </p:sp>
         </mc:Fallback>
       </mc:AlternateContent>
-      <mc:AlternateContent xmlns:mc="http://schemas.openxmlformats.org/markup-compatibility/2006" xmlns:a14="http://schemas.microsoft.com/office/drawing/2010/main">
-        <mc:Choice Requires="a14">
+      <mc:AlternateContent xmlns:mc="http://schemas.openxmlformats.org/markup-compatibility/2006">
+        <mc:Choice xmlns:a14="http://schemas.microsoft.com/office/drawing/2010/main" Requires="a14">
           <p:sp>
             <p:nvSpPr>
               <p:cNvPr id="14" name="CasellaDiTesto 13">
@@ -17889,7 +19360,7 @@
             </p:nvSpPr>
             <p:spPr>
               <a:xfrm>
-                <a:off x="1782666" y="2952410"/>
+                <a:off x="1019526" y="2795622"/>
                 <a:ext cx="2118080" cy="369332"/>
               </a:xfrm>
               <a:prstGeom prst="rect">
@@ -18052,7 +19523,7 @@
             </p:txBody>
           </p:sp>
         </mc:Choice>
-        <mc:Fallback xmlns="">
+        <mc:Fallback>
           <p:sp>
             <p:nvSpPr>
               <p:cNvPr id="14" name="CasellaDiTesto 13">
@@ -18069,7 +19540,7 @@
             </p:nvSpPr>
             <p:spPr>
               <a:xfrm>
-                <a:off x="1782666" y="2952410"/>
+                <a:off x="1019526" y="2795622"/>
                 <a:ext cx="2118080" cy="369332"/>
               </a:xfrm>
               <a:prstGeom prst="rect">
@@ -18078,7 +19549,7 @@
               <a:blipFill>
                 <a:blip r:embed="rId5"/>
                 <a:stretch>
-                  <a:fillRect l="-3448" t="-22951" r="-5747" b="-50820"/>
+                  <a:fillRect l="-3448" t="-25000" r="-5747" b="-51667"/>
                 </a:stretch>
               </a:blipFill>
             </p:spPr>
@@ -18111,7 +19582,7 @@
         </p:nvSpPr>
         <p:spPr>
           <a:xfrm>
-            <a:off x="4575467" y="2366597"/>
+            <a:off x="3812327" y="2209809"/>
             <a:ext cx="2720879" cy="1015663"/>
           </a:xfrm>
           <a:prstGeom prst="rect">
@@ -18181,8 +19652,8 @@
         </p:blipFill>
         <p:spPr>
           <a:xfrm>
-            <a:off x="8948396" y="1456739"/>
-            <a:ext cx="2600223" cy="2039390"/>
+            <a:off x="7665188" y="665858"/>
+            <a:ext cx="3577552" cy="2805922"/>
           </a:xfrm>
           <a:prstGeom prst="rect">
             <a:avLst/>
@@ -18217,8 +19688,8 @@
         </p:blipFill>
         <p:spPr>
           <a:xfrm>
-            <a:off x="7416528" y="3867564"/>
-            <a:ext cx="4197293" cy="2039391"/>
+            <a:off x="5812903" y="3718088"/>
+            <a:ext cx="5429837" cy="2638262"/>
           </a:xfrm>
           <a:prstGeom prst="rect">
             <a:avLst/>
@@ -18253,7 +19724,7 @@
         </p:blipFill>
         <p:spPr>
           <a:xfrm>
-            <a:off x="4079994" y="4064173"/>
+            <a:off x="1002277" y="4652342"/>
             <a:ext cx="2938613" cy="828839"/>
           </a:xfrm>
           <a:prstGeom prst="rect">
@@ -18289,7 +19760,7 @@
         </p:blipFill>
         <p:spPr>
           <a:xfrm>
-            <a:off x="4049272" y="5124602"/>
+            <a:off x="1229040" y="5835312"/>
             <a:ext cx="2351596" cy="303431"/>
           </a:xfrm>
           <a:prstGeom prst="rect">
@@ -18325,7 +19796,7 @@
         </p:blipFill>
         <p:spPr>
           <a:xfrm>
-            <a:off x="867697" y="4122542"/>
+            <a:off x="1130388" y="3724771"/>
             <a:ext cx="2757134" cy="628570"/>
           </a:xfrm>
           <a:prstGeom prst="rect">
@@ -18949,8 +20420,8 @@
           </a:p>
         </p:txBody>
       </p:sp>
-      <mc:AlternateContent xmlns:mc="http://schemas.openxmlformats.org/markup-compatibility/2006" xmlns:a14="http://schemas.microsoft.com/office/drawing/2010/main">
-        <mc:Choice Requires="a14">
+      <mc:AlternateContent xmlns:mc="http://schemas.openxmlformats.org/markup-compatibility/2006">
+        <mc:Choice xmlns:a14="http://schemas.microsoft.com/office/drawing/2010/main" Requires="a14">
           <p:sp>
             <p:nvSpPr>
               <p:cNvPr id="6" name="Rettangolo 5">
@@ -18965,7 +20436,7 @@
             </p:nvSpPr>
             <p:spPr>
               <a:xfrm>
-                <a:off x="1174277" y="4623189"/>
+                <a:off x="1128282" y="4266302"/>
                 <a:ext cx="2270814" cy="369332"/>
               </a:xfrm>
               <a:prstGeom prst="rect">
@@ -19071,7 +20542,7 @@
                           </a:solidFill>
                           <a:latin typeface="Cambria Math" panose="02040503050406030204" pitchFamily="18" charset="0"/>
                         </a:rPr>
-                        <m:t>𝑀𝑎𝑑</m:t>
+                        <m:t>𝑀𝑎</m:t>
                       </m:r>
                       <m:r>
                         <a:rPr lang="it-IT" b="0" i="1" baseline="-25000" dirty="0" smtClean="0">
@@ -19080,7 +20551,7 @@
                           </a:solidFill>
                           <a:latin typeface="Cambria Math" panose="02040503050406030204" pitchFamily="18" charset="0"/>
                         </a:rPr>
-                        <m:t>𝑑</m:t>
+                        <m:t>𝑑𝑑</m:t>
                       </m:r>
                       <m:r>
                         <a:rPr lang="it-IT" i="1" dirty="0">
@@ -19103,7 +20574,7 @@
             </p:txBody>
           </p:sp>
         </mc:Choice>
-        <mc:Fallback xmlns="">
+        <mc:Fallback>
           <p:sp>
             <p:nvSpPr>
               <p:cNvPr id="6" name="Rettangolo 5">
@@ -19120,7 +20591,7 @@
             </p:nvSpPr>
             <p:spPr>
               <a:xfrm>
-                <a:off x="1174277" y="4623189"/>
+                <a:off x="1128282" y="4266302"/>
                 <a:ext cx="2270814" cy="369332"/>
               </a:xfrm>
               <a:prstGeom prst="rect">
@@ -19129,7 +20600,7 @@
               <a:blipFill>
                 <a:blip r:embed="rId3"/>
                 <a:stretch>
-                  <a:fillRect/>
+                  <a:fillRect b="-1667"/>
                 </a:stretch>
               </a:blipFill>
             </p:spPr>
@@ -20660,8 +22131,8 @@
           </p:sp>
         </mc:Fallback>
       </mc:AlternateContent>
-      <mc:AlternateContent xmlns:mc="http://schemas.openxmlformats.org/markup-compatibility/2006">
-        <mc:Choice xmlns:a14="http://schemas.microsoft.com/office/drawing/2010/main" Requires="a14">
+      <mc:AlternateContent xmlns:mc="http://schemas.openxmlformats.org/markup-compatibility/2006" xmlns:a14="http://schemas.microsoft.com/office/drawing/2010/main">
+        <mc:Choice Requires="a14">
           <p:sp>
             <p:nvSpPr>
               <p:cNvPr id="19" name="CasellaDiTesto 18">
@@ -21030,7 +22501,7 @@
             </p:txBody>
           </p:sp>
         </mc:Choice>
-        <mc:Fallback>
+        <mc:Fallback xmlns="">
           <p:sp>
             <p:nvSpPr>
               <p:cNvPr id="19" name="CasellaDiTesto 18">
@@ -21152,8 +22623,8 @@
           </a:fontRef>
         </p:style>
       </p:cxnSp>
-      <mc:AlternateContent xmlns:mc="http://schemas.openxmlformats.org/markup-compatibility/2006">
-        <mc:Choice xmlns:a14="http://schemas.microsoft.com/office/drawing/2010/main" Requires="a14">
+      <mc:AlternateContent xmlns:mc="http://schemas.openxmlformats.org/markup-compatibility/2006" xmlns:a14="http://schemas.microsoft.com/office/drawing/2010/main">
+        <mc:Choice Requires="a14">
           <p:sp>
             <p:nvSpPr>
               <p:cNvPr id="22" name="CasellaDiTesto 21">
@@ -21296,7 +22767,7 @@
             </p:txBody>
           </p:sp>
         </mc:Choice>
-        <mc:Fallback>
+        <mc:Fallback xmlns="">
           <p:sp>
             <p:nvSpPr>
               <p:cNvPr id="22" name="CasellaDiTesto 21">
@@ -21341,8 +22812,8 @@
           </p:sp>
         </mc:Fallback>
       </mc:AlternateContent>
-      <mc:AlternateContent xmlns:mc="http://schemas.openxmlformats.org/markup-compatibility/2006">
-        <mc:Choice xmlns:a14="http://schemas.microsoft.com/office/drawing/2010/main" Requires="a14">
+      <mc:AlternateContent xmlns:mc="http://schemas.openxmlformats.org/markup-compatibility/2006" xmlns:a14="http://schemas.microsoft.com/office/drawing/2010/main">
+        <mc:Choice Requires="a14">
           <p:sp>
             <p:nvSpPr>
               <p:cNvPr id="2" name="CasellaDiTesto 1">
@@ -21436,7 +22907,7 @@
             </p:txBody>
           </p:sp>
         </mc:Choice>
-        <mc:Fallback>
+        <mc:Fallback xmlns="">
           <p:sp>
             <p:nvSpPr>
               <p:cNvPr id="2" name="CasellaDiTesto 1">
@@ -21481,8 +22952,8 @@
           </p:sp>
         </mc:Fallback>
       </mc:AlternateContent>
-      <mc:AlternateContent xmlns:mc="http://schemas.openxmlformats.org/markup-compatibility/2006">
-        <mc:Choice xmlns:a14="http://schemas.microsoft.com/office/drawing/2010/main" Requires="a14">
+      <mc:AlternateContent xmlns:mc="http://schemas.openxmlformats.org/markup-compatibility/2006" xmlns:a14="http://schemas.microsoft.com/office/drawing/2010/main">
+        <mc:Choice Requires="a14">
           <p:sp>
             <p:nvSpPr>
               <p:cNvPr id="24" name="CasellaDiTesto 23">
@@ -21618,7 +23089,7 @@
             </p:txBody>
           </p:sp>
         </mc:Choice>
-        <mc:Fallback>
+        <mc:Fallback xmlns="">
           <p:sp>
             <p:nvSpPr>
               <p:cNvPr id="24" name="CasellaDiTesto 23">
@@ -21692,6 +23163,197 @@
           </a:p>
         </p:txBody>
       </p:sp>
+      <p:sp>
+        <p:nvSpPr>
+          <p:cNvPr id="9" name="CasellaDiTesto 8">
+            <a:extLst>
+              <a:ext uri="{FF2B5EF4-FFF2-40B4-BE49-F238E27FC236}">
+                <a16:creationId xmlns:a16="http://schemas.microsoft.com/office/drawing/2014/main" id="{5C2F72B7-A0CA-49BA-800A-45BFA04D9F96}"/>
+              </a:ext>
+            </a:extLst>
+          </p:cNvPr>
+          <p:cNvSpPr txBox="1"/>
+          <p:nvPr/>
+        </p:nvSpPr>
+        <p:spPr>
+          <a:xfrm>
+            <a:off x="8011721" y="1592251"/>
+            <a:ext cx="1697408" cy="400110"/>
+          </a:xfrm>
+          <a:prstGeom prst="rect">
+            <a:avLst/>
+          </a:prstGeom>
+          <a:noFill/>
+        </p:spPr>
+        <p:txBody>
+          <a:bodyPr wrap="square" rtlCol="0">
+            <a:spAutoFit/>
+          </a:bodyPr>
+          <a:lstStyle/>
+          <a:p>
+            <a:r>
+              <a:rPr lang="it-IT" sz="2000" dirty="0">
+                <a:solidFill>
+                  <a:schemeClr val="bg1"/>
+                </a:solidFill>
+              </a:rPr>
+              <a:t>Hp:</a:t>
+            </a:r>
+          </a:p>
+        </p:txBody>
+      </p:sp>
+      <mc:AlternateContent xmlns:mc="http://schemas.openxmlformats.org/markup-compatibility/2006">
+        <mc:Choice xmlns:a14="http://schemas.microsoft.com/office/drawing/2010/main" Requires="a14">
+          <p:sp>
+            <p:nvSpPr>
+              <p:cNvPr id="10" name="Rettangolo 9">
+                <a:extLst>
+                  <a:ext uri="{FF2B5EF4-FFF2-40B4-BE49-F238E27FC236}">
+                    <a16:creationId xmlns:a16="http://schemas.microsoft.com/office/drawing/2014/main" id="{BE84BBA0-E7A9-4817-9ED6-50B2215C54D1}"/>
+                  </a:ext>
+                </a:extLst>
+              </p:cNvPr>
+              <p:cNvSpPr/>
+              <p:nvPr/>
+            </p:nvSpPr>
+            <p:spPr>
+              <a:xfrm>
+                <a:off x="1128282" y="4945114"/>
+                <a:ext cx="786947" cy="369332"/>
+              </a:xfrm>
+              <a:prstGeom prst="rect">
+                <a:avLst/>
+              </a:prstGeom>
+            </p:spPr>
+            <p:txBody>
+              <a:bodyPr wrap="none">
+                <a:spAutoFit/>
+              </a:bodyPr>
+              <a:lstStyle/>
+              <a:p>
+                <a:pPr/>
+                <a14:m>
+                  <m:oMath xmlns:m="http://schemas.openxmlformats.org/officeDocument/2006/math">
+                    <m:sSub>
+                      <m:sSubPr>
+                        <m:ctrlPr>
+                          <a:rPr lang="it-IT" i="1" smtClean="0">
+                            <a:solidFill>
+                              <a:schemeClr val="bg1"/>
+                            </a:solidFill>
+                            <a:latin typeface="Cambria Math" panose="02040503050406030204" pitchFamily="18" charset="0"/>
+                          </a:rPr>
+                        </m:ctrlPr>
+                      </m:sSubPr>
+                      <m:e>
+                        <m:r>
+                          <a:rPr lang="it-IT" b="0" i="1" smtClean="0">
+                            <a:solidFill>
+                              <a:schemeClr val="bg1"/>
+                            </a:solidFill>
+                            <a:latin typeface="Cambria Math" panose="02040503050406030204" pitchFamily="18" charset="0"/>
+                          </a:rPr>
+                          <m:t>𝑟</m:t>
+                        </m:r>
+                      </m:e>
+                      <m:sub>
+                        <m:r>
+                          <a:rPr lang="it-IT" b="0" i="1" smtClean="0">
+                            <a:solidFill>
+                              <a:schemeClr val="bg1"/>
+                            </a:solidFill>
+                            <a:latin typeface="Cambria Math" panose="02040503050406030204" pitchFamily="18" charset="0"/>
+                          </a:rPr>
+                          <m:t>𝐺</m:t>
+                        </m:r>
+                      </m:sub>
+                    </m:sSub>
+                  </m:oMath>
+                </a14:m>
+                <a:r>
+                  <a:rPr lang="it-IT" dirty="0">
+                    <a:solidFill>
+                      <a:schemeClr val="bg1"/>
+                    </a:solidFill>
+                  </a:rPr>
+                  <a:t> =</a:t>
+                </a:r>
+                <a14:m>
+                  <m:oMath xmlns:m="http://schemas.openxmlformats.org/officeDocument/2006/math">
+                    <m:r>
+                      <a:rPr lang="it-IT" b="0" i="0" dirty="0" smtClean="0">
+                        <a:solidFill>
+                          <a:schemeClr val="bg1"/>
+                        </a:solidFill>
+                        <a:latin typeface="Cambria Math" panose="02040503050406030204" pitchFamily="18" charset="0"/>
+                      </a:rPr>
+                      <m:t> </m:t>
+                    </m:r>
+                    <m:r>
+                      <a:rPr lang="it-IT" b="0" i="1" dirty="0" smtClean="0">
+                        <a:solidFill>
+                          <a:schemeClr val="bg1"/>
+                        </a:solidFill>
+                        <a:latin typeface="Cambria Math" panose="02040503050406030204" pitchFamily="18" charset="0"/>
+                      </a:rPr>
+                      <m:t>0</m:t>
+                    </m:r>
+                  </m:oMath>
+                </a14:m>
+                <a:endParaRPr lang="it-IT" dirty="0">
+                  <a:solidFill>
+                    <a:schemeClr val="bg1"/>
+                  </a:solidFill>
+                </a:endParaRPr>
+              </a:p>
+            </p:txBody>
+          </p:sp>
+        </mc:Choice>
+        <mc:Fallback>
+          <p:sp>
+            <p:nvSpPr>
+              <p:cNvPr id="10" name="Rettangolo 9">
+                <a:extLst>
+                  <a:ext uri="{FF2B5EF4-FFF2-40B4-BE49-F238E27FC236}">
+                    <a16:creationId xmlns:a16="http://schemas.microsoft.com/office/drawing/2014/main" id="{BE84BBA0-E7A9-4817-9ED6-50B2215C54D1}"/>
+                  </a:ext>
+                </a:extLst>
+              </p:cNvPr>
+              <p:cNvSpPr>
+                <a:spLocks noRot="1" noChangeAspect="1" noMove="1" noResize="1" noEditPoints="1" noAdjustHandles="1" noChangeArrowheads="1" noChangeShapeType="1" noTextEdit="1"/>
+              </p:cNvSpPr>
+              <p:nvPr/>
+            </p:nvSpPr>
+            <p:spPr>
+              <a:xfrm>
+                <a:off x="1128282" y="4945114"/>
+                <a:ext cx="786947" cy="369332"/>
+              </a:xfrm>
+              <a:prstGeom prst="rect">
+                <a:avLst/>
+              </a:prstGeom>
+              <a:blipFill>
+                <a:blip r:embed="rId11"/>
+                <a:stretch>
+                  <a:fillRect t="-6557" b="-26230"/>
+                </a:stretch>
+              </a:blipFill>
+            </p:spPr>
+            <p:txBody>
+              <a:bodyPr/>
+              <a:lstStyle/>
+              <a:p>
+                <a:r>
+                  <a:rPr lang="it-IT">
+                    <a:noFill/>
+                  </a:rPr>
+                  <a:t> </a:t>
+                </a:r>
+              </a:p>
+            </p:txBody>
+          </p:sp>
+        </mc:Fallback>
+      </mc:AlternateContent>
     </p:spTree>
     <p:extLst>
       <p:ext uri="{BB962C8B-B14F-4D97-AF65-F5344CB8AC3E}">

--- a/presentazione.pptx
+++ b/presentazione.pptx
@@ -2404,7 +2404,7 @@
         </p:nvSpPr>
         <p:spPr>
           <a:xfrm>
-            <a:off x="780934" y="1248541"/>
+            <a:off x="840907" y="1241852"/>
             <a:ext cx="3266909" cy="1569660"/>
           </a:xfrm>
           <a:prstGeom prst="rect">
@@ -2462,8 +2462,8 @@
           </a:p>
         </p:txBody>
       </p:sp>
-      <mc:AlternateContent xmlns:mc="http://schemas.openxmlformats.org/markup-compatibility/2006" xmlns:a14="http://schemas.microsoft.com/office/drawing/2010/main">
-        <mc:Choice Requires="a14">
+      <mc:AlternateContent xmlns:mc="http://schemas.openxmlformats.org/markup-compatibility/2006">
+        <mc:Choice xmlns:a14="http://schemas.microsoft.com/office/drawing/2010/main" Requires="a14">
           <p:sp>
             <p:nvSpPr>
               <p:cNvPr id="38" name="CasellaDiTesto 37">
@@ -2478,8 +2478,8 @@
             </p:nvSpPr>
             <p:spPr>
               <a:xfrm>
-                <a:off x="522355" y="2098257"/>
-                <a:ext cx="4430129" cy="1311513"/>
+                <a:off x="510693" y="2001715"/>
+                <a:ext cx="4430129" cy="1499193"/>
               </a:xfrm>
               <a:prstGeom prst="rect">
                 <a:avLst/>
@@ -2502,7 +2502,7 @@
                       <m:sSub>
                         <m:sSubPr>
                           <m:ctrlPr>
-                            <a:rPr lang="it-IT" sz="1400" i="1" smtClean="0">
+                            <a:rPr lang="it-IT" sz="1600" i="1" smtClean="0">
                               <a:solidFill>
                                 <a:schemeClr val="bg1"/>
                               </a:solidFill>
@@ -2512,7 +2512,7 @@
                         </m:sSubPr>
                         <m:e>
                           <m:r>
-                            <a:rPr lang="it-IT" sz="1400" b="0" i="1" smtClean="0">
+                            <a:rPr lang="it-IT" sz="1600" b="0" i="1" smtClean="0">
                               <a:solidFill>
                                 <a:schemeClr val="bg1"/>
                               </a:solidFill>
@@ -2523,7 +2523,7 @@
                         </m:e>
                         <m:sub>
                           <m:r>
-                            <a:rPr lang="it-IT" sz="1400" b="0" i="1" smtClean="0">
+                            <a:rPr lang="it-IT" sz="1600" b="0" i="1" smtClean="0">
                               <a:solidFill>
                                 <a:schemeClr val="bg1"/>
                               </a:solidFill>
@@ -2534,7 +2534,7 @@
                         </m:sub>
                       </m:sSub>
                       <m:r>
-                        <a:rPr lang="it-IT" sz="1400" b="0" i="1" smtClean="0">
+                        <a:rPr lang="it-IT" sz="1600" b="0" i="1" smtClean="0">
                           <a:solidFill>
                             <a:schemeClr val="bg1"/>
                           </a:solidFill>
@@ -2547,7 +2547,7 @@
                           <m:begChr m:val="["/>
                           <m:endChr m:val="]"/>
                           <m:ctrlPr>
-                            <a:rPr lang="it-IT" sz="1400" i="1" smtClean="0">
+                            <a:rPr lang="it-IT" sz="1600" i="1" smtClean="0">
                               <a:solidFill>
                                 <a:schemeClr val="bg1"/>
                               </a:solidFill>
@@ -2567,7 +2567,7 @@
                                 </m:mc>
                               </m:mcs>
                               <m:ctrlPr>
-                                <a:rPr lang="it-IT" sz="1400" i="1" smtClean="0">
+                                <a:rPr lang="it-IT" sz="1600" i="1" smtClean="0">
                                   <a:solidFill>
                                     <a:schemeClr val="bg1"/>
                                   </a:solidFill>
@@ -2580,7 +2580,7 @@
                                 <m:sSub>
                                   <m:sSubPr>
                                     <m:ctrlPr>
-                                      <a:rPr lang="it-IT" sz="1400" i="1">
+                                      <a:rPr lang="it-IT" sz="1600" i="1">
                                         <a:solidFill>
                                           <a:schemeClr val="bg1"/>
                                         </a:solidFill>
@@ -2590,7 +2590,7 @@
                                   </m:sSubPr>
                                   <m:e>
                                     <m:r>
-                                      <a:rPr lang="it-IT" sz="1400" b="0" i="1" smtClean="0">
+                                      <a:rPr lang="it-IT" sz="1600" b="0" i="1" smtClean="0">
                                         <a:solidFill>
                                           <a:schemeClr val="bg1"/>
                                         </a:solidFill>
@@ -2604,7 +2604,7 @@
                                       <m:accPr>
                                         <m:chr m:val="̇"/>
                                         <m:ctrlPr>
-                                          <a:rPr lang="it-IT" sz="1400" b="0" i="1" smtClean="0">
+                                          <a:rPr lang="it-IT" sz="1600" b="0" i="1" smtClean="0">
                                             <a:solidFill>
                                               <a:schemeClr val="bg1"/>
                                             </a:solidFill>
@@ -2614,7 +2614,7 @@
                                       </m:accPr>
                                       <m:e>
                                         <m:r>
-                                          <a:rPr lang="it-IT" sz="1400" b="0" i="1" smtClean="0">
+                                          <a:rPr lang="it-IT" sz="1600" b="0" i="1" smtClean="0">
                                             <a:solidFill>
                                               <a:schemeClr val="bg1"/>
                                             </a:solidFill>
@@ -2629,7 +2629,7 @@
                               </m:e>
                               <m:e>
                                 <m:r>
-                                  <a:rPr lang="it-IT" sz="1400" b="0" i="1" smtClean="0">
+                                  <a:rPr lang="it-IT" sz="1600" b="0" i="1" smtClean="0">
                                     <a:solidFill>
                                       <a:schemeClr val="bg1"/>
                                     </a:solidFill>
@@ -2640,7 +2640,7 @@
                               </m:e>
                               <m:e>
                                 <m:r>
-                                  <a:rPr lang="it-IT" sz="1400" b="0" i="1" smtClean="0">
+                                  <a:rPr lang="it-IT" sz="1600" b="0" i="1" smtClean="0">
                                     <a:solidFill>
                                       <a:schemeClr val="bg1"/>
                                     </a:solidFill>
@@ -2651,7 +2651,7 @@
                               </m:e>
                               <m:e>
                                 <m:r>
-                                  <a:rPr lang="it-IT" sz="1400" b="0" i="1" smtClean="0">
+                                  <a:rPr lang="it-IT" sz="1600" b="0" i="1" smtClean="0">
                                     <a:solidFill>
                                       <a:schemeClr val="bg1"/>
                                     </a:solidFill>
@@ -2662,7 +2662,7 @@
                               </m:e>
                               <m:e>
                                 <m:r>
-                                  <a:rPr lang="it-IT" sz="1400" b="0" i="1" smtClean="0">
+                                  <a:rPr lang="it-IT" sz="1600" b="0" i="1" smtClean="0">
                                     <a:solidFill>
                                       <a:schemeClr val="bg1"/>
                                     </a:solidFill>
@@ -2673,7 +2673,7 @@
                               </m:e>
                               <m:e>
                                 <m:r>
-                                  <a:rPr lang="it-IT" sz="1400" b="0" i="1" smtClean="0">
+                                  <a:rPr lang="it-IT" sz="1600" b="0" i="1" smtClean="0">
                                     <a:solidFill>
                                       <a:schemeClr val="bg1"/>
                                     </a:solidFill>
@@ -2686,7 +2686,7 @@
                             <m:mr>
                               <m:e>
                                 <m:r>
-                                  <a:rPr lang="it-IT" sz="1400" b="0" i="1" smtClean="0">
+                                  <a:rPr lang="it-IT" sz="1600" b="0" i="1" smtClean="0">
                                     <a:solidFill>
                                       <a:schemeClr val="bg1"/>
                                     </a:solidFill>
@@ -2699,7 +2699,7 @@
                                 <m:sSub>
                                   <m:sSubPr>
                                     <m:ctrlPr>
-                                      <a:rPr lang="it-IT" sz="1400" i="1" smtClean="0">
+                                      <a:rPr lang="it-IT" sz="1600" i="1" smtClean="0">
                                         <a:solidFill>
                                           <a:schemeClr val="bg1"/>
                                         </a:solidFill>
@@ -2709,7 +2709,7 @@
                                   </m:sSubPr>
                                   <m:e>
                                     <m:r>
-                                      <a:rPr lang="it-IT" sz="1400" b="0" i="1" smtClean="0">
+                                      <a:rPr lang="it-IT" sz="1600" b="0" i="1" smtClean="0">
                                         <a:solidFill>
                                           <a:schemeClr val="bg1"/>
                                         </a:solidFill>
@@ -2723,7 +2723,7 @@
                                       <m:accPr>
                                         <m:chr m:val="̇"/>
                                         <m:ctrlPr>
-                                          <a:rPr lang="it-IT" sz="1400" b="0" i="1" smtClean="0">
+                                          <a:rPr lang="it-IT" sz="1600" b="0" i="1" smtClean="0">
                                             <a:solidFill>
                                               <a:schemeClr val="bg1"/>
                                             </a:solidFill>
@@ -2733,7 +2733,7 @@
                                       </m:accPr>
                                       <m:e>
                                         <m:r>
-                                          <a:rPr lang="it-IT" sz="1400" b="0" i="1" smtClean="0">
+                                          <a:rPr lang="it-IT" sz="1600" b="0" i="1" smtClean="0">
                                             <a:solidFill>
                                               <a:schemeClr val="bg1"/>
                                             </a:solidFill>
@@ -2748,7 +2748,7 @@
                               </m:e>
                               <m:e>
                                 <m:r>
-                                  <a:rPr lang="it-IT" sz="1400" b="0" i="1" smtClean="0">
+                                  <a:rPr lang="it-IT" sz="1600" b="0" i="1" smtClean="0">
                                     <a:solidFill>
                                       <a:schemeClr val="bg1"/>
                                     </a:solidFill>
@@ -2759,7 +2759,7 @@
                               </m:e>
                               <m:e>
                                 <m:r>
-                                  <a:rPr lang="it-IT" sz="1400" b="0" i="1" smtClean="0">
+                                  <a:rPr lang="it-IT" sz="1600" b="0" i="1" smtClean="0">
                                     <a:solidFill>
                                       <a:schemeClr val="bg1"/>
                                     </a:solidFill>
@@ -2770,7 +2770,7 @@
                               </m:e>
                               <m:e>
                                 <m:r>
-                                  <a:rPr lang="it-IT" sz="1400" b="0" i="1" smtClean="0">
+                                  <a:rPr lang="it-IT" sz="1600" b="0" i="1" smtClean="0">
                                     <a:solidFill>
                                       <a:schemeClr val="bg1"/>
                                     </a:solidFill>
@@ -2781,7 +2781,7 @@
                               </m:e>
                               <m:e>
                                 <m:r>
-                                  <a:rPr lang="it-IT" sz="1400" b="0" i="1" smtClean="0">
+                                  <a:rPr lang="it-IT" sz="1600" b="0" i="1" smtClean="0">
                                     <a:solidFill>
                                       <a:schemeClr val="bg1"/>
                                     </a:solidFill>
@@ -2794,7 +2794,7 @@
                             <m:mr>
                               <m:e>
                                 <m:r>
-                                  <a:rPr lang="it-IT" sz="1400" b="0" i="1" smtClean="0">
+                                  <a:rPr lang="it-IT" sz="1600" b="0" i="1" smtClean="0">
                                     <a:solidFill>
                                       <a:schemeClr val="bg1"/>
                                     </a:solidFill>
@@ -2805,7 +2805,7 @@
                               </m:e>
                               <m:e>
                                 <m:r>
-                                  <a:rPr lang="it-IT" sz="1400" b="0" i="1" smtClean="0">
+                                  <a:rPr lang="it-IT" sz="1600" b="0" i="1" smtClean="0">
                                     <a:solidFill>
                                       <a:schemeClr val="bg1"/>
                                     </a:solidFill>
@@ -2818,7 +2818,7 @@
                                 <m:sSub>
                                   <m:sSubPr>
                                     <m:ctrlPr>
-                                      <a:rPr lang="it-IT" sz="1400" i="1">
+                                      <a:rPr lang="it-IT" sz="1600" i="1">
                                         <a:solidFill>
                                           <a:schemeClr val="bg1"/>
                                         </a:solidFill>
@@ -2828,7 +2828,7 @@
                                   </m:sSubPr>
                                   <m:e>
                                     <m:r>
-                                      <a:rPr lang="it-IT" sz="1400" b="0" i="1" smtClean="0">
+                                      <a:rPr lang="it-IT" sz="1600" b="0" i="1" smtClean="0">
                                         <a:solidFill>
                                           <a:schemeClr val="bg1"/>
                                         </a:solidFill>
@@ -2842,7 +2842,7 @@
                                       <m:accPr>
                                         <m:chr m:val="̇"/>
                                         <m:ctrlPr>
-                                          <a:rPr lang="it-IT" sz="1400" b="0" i="1" smtClean="0">
+                                          <a:rPr lang="it-IT" sz="1600" b="0" i="1" smtClean="0">
                                             <a:solidFill>
                                               <a:schemeClr val="bg1"/>
                                             </a:solidFill>
@@ -2852,7 +2852,7 @@
                                       </m:accPr>
                                       <m:e>
                                         <m:r>
-                                          <a:rPr lang="it-IT" sz="1400" b="0" i="1" smtClean="0">
+                                          <a:rPr lang="it-IT" sz="1600" b="0" i="1" smtClean="0">
                                             <a:solidFill>
                                               <a:schemeClr val="bg1"/>
                                             </a:solidFill>
@@ -2867,7 +2867,7 @@
                               </m:e>
                               <m:e>
                                 <m:r>
-                                  <a:rPr lang="it-IT" sz="1400" b="0" i="1" smtClean="0">
+                                  <a:rPr lang="it-IT" sz="1600" b="0" i="1" smtClean="0">
                                     <a:solidFill>
                                       <a:schemeClr val="bg1"/>
                                     </a:solidFill>
@@ -2878,7 +2878,7 @@
                               </m:e>
                               <m:e>
                                 <m:r>
-                                  <a:rPr lang="it-IT" sz="1400" b="0" i="1" smtClean="0">
+                                  <a:rPr lang="it-IT" sz="1600" b="0" i="1" smtClean="0">
                                     <a:solidFill>
                                       <a:schemeClr val="bg1"/>
                                     </a:solidFill>
@@ -2889,7 +2889,7 @@
                               </m:e>
                               <m:e>
                                 <m:r>
-                                  <a:rPr lang="it-IT" sz="1400" b="0" i="1" smtClean="0">
+                                  <a:rPr lang="it-IT" sz="1600" b="0" i="1" smtClean="0">
                                     <a:solidFill>
                                       <a:schemeClr val="bg1"/>
                                     </a:solidFill>
@@ -2902,7 +2902,7 @@
                             <m:mr>
                               <m:e>
                                 <m:r>
-                                  <a:rPr lang="it-IT" sz="1400" b="0" i="1" smtClean="0">
+                                  <a:rPr lang="it-IT" sz="1600" b="0" i="1" smtClean="0">
                                     <a:solidFill>
                                       <a:schemeClr val="bg1"/>
                                     </a:solidFill>
@@ -2913,7 +2913,7 @@
                               </m:e>
                               <m:e>
                                 <m:r>
-                                  <a:rPr lang="it-IT" sz="1400" b="0" i="1" smtClean="0">
+                                  <a:rPr lang="it-IT" sz="1600" b="0" i="1" smtClean="0">
                                     <a:solidFill>
                                       <a:schemeClr val="bg1"/>
                                     </a:solidFill>
@@ -2924,7 +2924,7 @@
                               </m:e>
                               <m:e>
                                 <m:r>
-                                  <a:rPr lang="it-IT" sz="1400" b="0" i="1" smtClean="0">
+                                  <a:rPr lang="it-IT" sz="1600" b="0" i="1" smtClean="0">
                                     <a:solidFill>
                                       <a:schemeClr val="bg1"/>
                                     </a:solidFill>
@@ -2937,7 +2937,7 @@
                                 <m:sSub>
                                   <m:sSubPr>
                                     <m:ctrlPr>
-                                      <a:rPr lang="it-IT" sz="1400" i="1" smtClean="0">
+                                      <a:rPr lang="it-IT" sz="1600" i="1" smtClean="0">
                                         <a:solidFill>
                                           <a:schemeClr val="bg1"/>
                                         </a:solidFill>
@@ -2947,7 +2947,7 @@
                                   </m:sSubPr>
                                   <m:e>
                                     <m:r>
-                                      <a:rPr lang="it-IT" sz="1400" b="0" i="1" smtClean="0">
+                                      <a:rPr lang="it-IT" sz="1600" b="0" i="1" smtClean="0">
                                         <a:solidFill>
                                           <a:schemeClr val="bg1"/>
                                         </a:solidFill>
@@ -2961,7 +2961,7 @@
                                       <m:accPr>
                                         <m:chr m:val="̇"/>
                                         <m:ctrlPr>
-                                          <a:rPr lang="it-IT" sz="1400" b="0" i="1" smtClean="0">
+                                          <a:rPr lang="it-IT" sz="1600" b="0" i="1" smtClean="0">
                                             <a:solidFill>
                                               <a:schemeClr val="bg1"/>
                                             </a:solidFill>
@@ -2971,7 +2971,7 @@
                                       </m:accPr>
                                       <m:e>
                                         <m:r>
-                                          <a:rPr lang="it-IT" sz="1400" b="0" i="1" smtClean="0">
+                                          <a:rPr lang="it-IT" sz="1600" b="0" i="1" smtClean="0">
                                             <a:solidFill>
                                               <a:schemeClr val="bg1"/>
                                             </a:solidFill>
@@ -2986,7 +2986,7 @@
                               </m:e>
                               <m:e>
                                 <m:r>
-                                  <a:rPr lang="it-IT" sz="1400" b="0" i="1" smtClean="0">
+                                  <a:rPr lang="it-IT" sz="1600" b="0" i="1" smtClean="0">
                                     <a:solidFill>
                                       <a:schemeClr val="bg1"/>
                                     </a:solidFill>
@@ -2997,7 +2997,7 @@
                               </m:e>
                               <m:e>
                                 <m:r>
-                                  <a:rPr lang="it-IT" sz="1400" b="0" i="1" smtClean="0">
+                                  <a:rPr lang="it-IT" sz="1600" b="0" i="1" smtClean="0">
                                     <a:solidFill>
                                       <a:schemeClr val="bg1"/>
                                     </a:solidFill>
@@ -3010,7 +3010,7 @@
                             <m:mr>
                               <m:e>
                                 <m:r>
-                                  <a:rPr lang="it-IT" sz="1400" b="0" i="1" smtClean="0">
+                                  <a:rPr lang="it-IT" sz="1600" b="0" i="1" smtClean="0">
                                     <a:solidFill>
                                       <a:schemeClr val="bg1"/>
                                     </a:solidFill>
@@ -3021,7 +3021,7 @@
                               </m:e>
                               <m:e>
                                 <m:r>
-                                  <a:rPr lang="it-IT" sz="1400" b="0" i="1" smtClean="0">
+                                  <a:rPr lang="it-IT" sz="1600" b="0" i="1" smtClean="0">
                                     <a:solidFill>
                                       <a:schemeClr val="bg1"/>
                                     </a:solidFill>
@@ -3032,7 +3032,7 @@
                               </m:e>
                               <m:e>
                                 <m:r>
-                                  <a:rPr lang="it-IT" sz="1400" b="0" i="1" smtClean="0">
+                                  <a:rPr lang="it-IT" sz="1600" b="0" i="1" smtClean="0">
                                     <a:solidFill>
                                       <a:schemeClr val="bg1"/>
                                     </a:solidFill>
@@ -3043,7 +3043,7 @@
                               </m:e>
                               <m:e>
                                 <m:r>
-                                  <a:rPr lang="it-IT" sz="1400" b="0" i="1" smtClean="0">
+                                  <a:rPr lang="it-IT" sz="1600" b="0" i="1" smtClean="0">
                                     <a:solidFill>
                                       <a:schemeClr val="bg1"/>
                                     </a:solidFill>
@@ -3056,7 +3056,7 @@
                                 <m:sSub>
                                   <m:sSubPr>
                                     <m:ctrlPr>
-                                      <a:rPr lang="it-IT" sz="1400" i="1" smtClean="0">
+                                      <a:rPr lang="it-IT" sz="1600" i="1" smtClean="0">
                                         <a:solidFill>
                                           <a:schemeClr val="bg1"/>
                                         </a:solidFill>
@@ -3066,7 +3066,7 @@
                                   </m:sSubPr>
                                   <m:e>
                                     <m:r>
-                                      <a:rPr lang="it-IT" sz="1400" b="0" i="1" smtClean="0">
+                                      <a:rPr lang="it-IT" sz="1600" b="0" i="1" smtClean="0">
                                         <a:solidFill>
                                           <a:schemeClr val="bg1"/>
                                         </a:solidFill>
@@ -3080,7 +3080,7 @@
                                       <m:accPr>
                                         <m:chr m:val="̇"/>
                                         <m:ctrlPr>
-                                          <a:rPr lang="it-IT" sz="1400" b="0" i="1" smtClean="0">
+                                          <a:rPr lang="it-IT" sz="1600" b="0" i="1" smtClean="0">
                                             <a:solidFill>
                                               <a:schemeClr val="bg1"/>
                                             </a:solidFill>
@@ -3090,7 +3090,7 @@
                                       </m:accPr>
                                       <m:e>
                                         <m:r>
-                                          <a:rPr lang="it-IT" sz="1400" b="0" i="1" smtClean="0">
+                                          <a:rPr lang="it-IT" sz="1600" b="0" i="1" smtClean="0">
                                             <a:solidFill>
                                               <a:schemeClr val="bg1"/>
                                             </a:solidFill>
@@ -3105,7 +3105,7 @@
                               </m:e>
                               <m:e>
                                 <m:r>
-                                  <a:rPr lang="it-IT" sz="1400" b="0" i="1" smtClean="0">
+                                  <a:rPr lang="it-IT" sz="1600" b="0" i="1" smtClean="0">
                                     <a:solidFill>
                                       <a:schemeClr val="bg1"/>
                                     </a:solidFill>
@@ -3118,7 +3118,7 @@
                             <m:mr>
                               <m:e>
                                 <m:r>
-                                  <a:rPr lang="it-IT" sz="1400" b="0" i="1" smtClean="0">
+                                  <a:rPr lang="it-IT" sz="1600" b="0" i="1" smtClean="0">
                                     <a:solidFill>
                                       <a:schemeClr val="bg1"/>
                                     </a:solidFill>
@@ -3129,7 +3129,7 @@
                               </m:e>
                               <m:e>
                                 <m:r>
-                                  <a:rPr lang="it-IT" sz="1400" b="0" i="1" smtClean="0">
+                                  <a:rPr lang="it-IT" sz="1600" b="0" i="1" smtClean="0">
                                     <a:solidFill>
                                       <a:schemeClr val="bg1"/>
                                     </a:solidFill>
@@ -3140,7 +3140,7 @@
                               </m:e>
                               <m:e>
                                 <m:r>
-                                  <a:rPr lang="it-IT" sz="1400" b="0" i="1" smtClean="0">
+                                  <a:rPr lang="it-IT" sz="1600" b="0" i="1" smtClean="0">
                                     <a:solidFill>
                                       <a:schemeClr val="bg1"/>
                                     </a:solidFill>
@@ -3151,7 +3151,7 @@
                               </m:e>
                               <m:e>
                                 <m:r>
-                                  <a:rPr lang="it-IT" sz="1400" b="0" i="1" smtClean="0">
+                                  <a:rPr lang="it-IT" sz="1600" b="0" i="1" smtClean="0">
                                     <a:solidFill>
                                       <a:schemeClr val="bg1"/>
                                     </a:solidFill>
@@ -3162,7 +3162,7 @@
                               </m:e>
                               <m:e>
                                 <m:r>
-                                  <a:rPr lang="it-IT" sz="1400" b="0" i="1" smtClean="0">
+                                  <a:rPr lang="it-IT" sz="1600" b="0" i="1" smtClean="0">
                                     <a:solidFill>
                                       <a:schemeClr val="bg1"/>
                                     </a:solidFill>
@@ -3175,7 +3175,7 @@
                                 <m:sSub>
                                   <m:sSubPr>
                                     <m:ctrlPr>
-                                      <a:rPr lang="it-IT" sz="1400" i="1">
+                                      <a:rPr lang="it-IT" sz="1600" i="1">
                                         <a:solidFill>
                                           <a:schemeClr val="bg1"/>
                                         </a:solidFill>
@@ -3185,7 +3185,7 @@
                                   </m:sSubPr>
                                   <m:e>
                                     <m:r>
-                                      <a:rPr lang="it-IT" sz="1400" b="0" i="1" smtClean="0">
+                                      <a:rPr lang="it-IT" sz="1600" b="0" i="1" smtClean="0">
                                         <a:solidFill>
                                           <a:schemeClr val="bg1"/>
                                         </a:solidFill>
@@ -3199,7 +3199,7 @@
                                       <m:accPr>
                                         <m:chr m:val="̇"/>
                                         <m:ctrlPr>
-                                          <a:rPr lang="it-IT" sz="1400" b="0" i="1" smtClean="0">
+                                          <a:rPr lang="it-IT" sz="1600" b="0" i="1" smtClean="0">
                                             <a:solidFill>
                                               <a:schemeClr val="bg1"/>
                                             </a:solidFill>
@@ -3209,7 +3209,7 @@
                                       </m:accPr>
                                       <m:e>
                                         <m:r>
-                                          <a:rPr lang="it-IT" sz="1400" b="0" i="1" smtClean="0">
+                                          <a:rPr lang="it-IT" sz="1600" b="0" i="1" smtClean="0">
                                             <a:solidFill>
                                               <a:schemeClr val="bg1"/>
                                             </a:solidFill>
@@ -3229,7 +3229,7 @@
                     </m:oMath>
                   </m:oMathPara>
                 </a14:m>
-                <a:endParaRPr lang="it-IT" sz="1400" dirty="0">
+                <a:endParaRPr lang="it-IT" sz="1600" dirty="0">
                   <a:solidFill>
                     <a:schemeClr val="bg1"/>
                   </a:solidFill>
@@ -3238,7 +3238,7 @@
             </p:txBody>
           </p:sp>
         </mc:Choice>
-        <mc:Fallback xmlns="">
+        <mc:Fallback>
           <p:sp>
             <p:nvSpPr>
               <p:cNvPr id="38" name="CasellaDiTesto 37">
@@ -3255,8 +3255,8 @@
             </p:nvSpPr>
             <p:spPr>
               <a:xfrm>
-                <a:off x="522355" y="2098257"/>
-                <a:ext cx="4430129" cy="1311513"/>
+                <a:off x="510693" y="2001715"/>
+                <a:ext cx="4430129" cy="1499193"/>
               </a:xfrm>
               <a:prstGeom prst="rect">
                 <a:avLst/>
@@ -3694,42 +3694,6 @@
           </a:prstGeom>
         </p:spPr>
       </p:pic>
-      <p:pic>
-        <p:nvPicPr>
-          <p:cNvPr id="21" name="Immagine 20">
-            <a:extLst>
-              <a:ext uri="{FF2B5EF4-FFF2-40B4-BE49-F238E27FC236}">
-                <a16:creationId xmlns:a16="http://schemas.microsoft.com/office/drawing/2014/main" id="{FA01EB03-F41D-4554-8444-8D40020CC192}"/>
-              </a:ext>
-            </a:extLst>
-          </p:cNvPr>
-          <p:cNvPicPr>
-            <a:picLocks noChangeAspect="1"/>
-          </p:cNvPicPr>
-          <p:nvPr/>
-        </p:nvPicPr>
-        <p:blipFill>
-          <a:blip r:embed="rId4">
-            <a:extLst>
-              <a:ext uri="{28A0092B-C50C-407E-A947-70E740481C1C}">
-                <a14:useLocalDpi xmlns:a14="http://schemas.microsoft.com/office/drawing/2010/main" val="0"/>
-              </a:ext>
-            </a:extLst>
-          </a:blip>
-          <a:stretch>
-            <a:fillRect/>
-          </a:stretch>
-        </p:blipFill>
-        <p:spPr>
-          <a:xfrm>
-            <a:off x="2543274" y="1585978"/>
-            <a:ext cx="7105451" cy="1714661"/>
-          </a:xfrm>
-          <a:prstGeom prst="rect">
-            <a:avLst/>
-          </a:prstGeom>
-        </p:spPr>
-      </p:pic>
       <p:sp>
         <p:nvSpPr>
           <p:cNvPr id="2" name="Segnaposto numero diapositiva 1">
@@ -3759,6 +3723,42 @@
           </a:p>
         </p:txBody>
       </p:sp>
+      <p:pic>
+        <p:nvPicPr>
+          <p:cNvPr id="5" name="Immagine 4" descr="Immagine che contiene orologio&#10;&#10;Descrizione generata automaticamente">
+            <a:extLst>
+              <a:ext uri="{FF2B5EF4-FFF2-40B4-BE49-F238E27FC236}">
+                <a16:creationId xmlns:a16="http://schemas.microsoft.com/office/drawing/2014/main" id="{E096A661-325B-4706-ABC9-0C6A972555B4}"/>
+              </a:ext>
+            </a:extLst>
+          </p:cNvPr>
+          <p:cNvPicPr>
+            <a:picLocks noChangeAspect="1"/>
+          </p:cNvPicPr>
+          <p:nvPr/>
+        </p:nvPicPr>
+        <p:blipFill>
+          <a:blip r:embed="rId4">
+            <a:extLst>
+              <a:ext uri="{28A0092B-C50C-407E-A947-70E740481C1C}">
+                <a14:useLocalDpi xmlns:a14="http://schemas.microsoft.com/office/drawing/2010/main" val="0"/>
+              </a:ext>
+            </a:extLst>
+          </a:blip>
+          <a:stretch>
+            <a:fillRect/>
+          </a:stretch>
+        </p:blipFill>
+        <p:spPr>
+          <a:xfrm>
+            <a:off x="2151434" y="1462933"/>
+            <a:ext cx="7889132" cy="1821721"/>
+          </a:xfrm>
+          <a:prstGeom prst="rect">
+            <a:avLst/>
+          </a:prstGeom>
+        </p:spPr>
+      </p:pic>
     </p:spTree>
     <p:extLst>
       <p:ext uri="{BB962C8B-B14F-4D97-AF65-F5344CB8AC3E}">
@@ -3954,141 +3954,259 @@
           </a:prstGeom>
         </p:spPr>
       </p:pic>
-      <p:sp>
-        <p:nvSpPr>
-          <p:cNvPr id="7" name="CasellaDiTesto 6">
-            <a:extLst>
-              <a:ext uri="{FF2B5EF4-FFF2-40B4-BE49-F238E27FC236}">
-                <a16:creationId xmlns:a16="http://schemas.microsoft.com/office/drawing/2014/main" id="{59384F72-7613-415E-A318-69FE35851FC9}"/>
-              </a:ext>
-            </a:extLst>
-          </p:cNvPr>
-          <p:cNvSpPr txBox="1"/>
-          <p:nvPr/>
-        </p:nvSpPr>
-        <p:spPr>
-          <a:xfrm>
-            <a:off x="1196502" y="2101134"/>
-            <a:ext cx="6157609" cy="2031325"/>
-          </a:xfrm>
-          <a:prstGeom prst="rect">
-            <a:avLst/>
-          </a:prstGeom>
-          <a:noFill/>
-        </p:spPr>
-        <p:txBody>
-          <a:bodyPr wrap="square" rtlCol="0">
-            <a:spAutoFit/>
-          </a:bodyPr>
-          <a:lstStyle/>
-          <a:p>
-            <a:r>
-              <a:rPr lang="it-IT" dirty="0">
-                <a:solidFill>
-                  <a:schemeClr val="bg1"/>
-                </a:solidFill>
-              </a:rPr>
-              <a:t>Ipotesi Semplificative:</a:t>
-            </a:r>
-          </a:p>
-          <a:p>
-            <a:pPr marL="342900" indent="-342900">
-              <a:buFont typeface="+mj-lt"/>
-              <a:buAutoNum type="arabicPeriod"/>
-            </a:pPr>
-            <a:r>
-              <a:rPr lang="it-IT" dirty="0">
-                <a:solidFill>
-                  <a:schemeClr val="bg1"/>
-                </a:solidFill>
-              </a:rPr>
-              <a:t>Approssimazione ellissoide oblato a sfera liscia</a:t>
-            </a:r>
-          </a:p>
-          <a:p>
-            <a:pPr marL="342900" indent="-342900">
-              <a:buFont typeface="+mj-lt"/>
-              <a:buAutoNum type="arabicPeriod"/>
-            </a:pPr>
-            <a:r>
-              <a:rPr lang="it-IT" dirty="0">
-                <a:solidFill>
-                  <a:schemeClr val="bg1"/>
-                </a:solidFill>
-              </a:rPr>
-              <a:t>Si trascurano i termini lineari di D(v)</a:t>
-            </a:r>
-          </a:p>
-          <a:p>
-            <a:pPr marL="342900" indent="-342900">
-              <a:buFont typeface="+mj-lt"/>
-              <a:buAutoNum type="arabicPeriod"/>
-            </a:pPr>
-            <a:r>
-              <a:rPr lang="it-IT" dirty="0">
-                <a:solidFill>
-                  <a:schemeClr val="bg1"/>
-                </a:solidFill>
-              </a:rPr>
-              <a:t>Calcolo di Re a 20 °C, con </a:t>
-            </a:r>
-            <a:r>
-              <a:rPr lang="el-GR" dirty="0">
-                <a:solidFill>
-                  <a:schemeClr val="bg1"/>
-                </a:solidFill>
-              </a:rPr>
-              <a:t>ρ</a:t>
-            </a:r>
-            <a:r>
-              <a:rPr lang="it-IT" baseline="-25000" dirty="0">
-                <a:solidFill>
-                  <a:schemeClr val="bg1"/>
-                </a:solidFill>
-              </a:rPr>
-              <a:t>acqua</a:t>
-            </a:r>
-            <a:r>
-              <a:rPr lang="it-IT" dirty="0">
-                <a:solidFill>
-                  <a:schemeClr val="bg1"/>
-                </a:solidFill>
-              </a:rPr>
-              <a:t> = 1030 kg/m</a:t>
-            </a:r>
-            <a:r>
-              <a:rPr lang="it-IT" baseline="30000" dirty="0">
-                <a:solidFill>
-                  <a:schemeClr val="bg1"/>
-                </a:solidFill>
-              </a:rPr>
-              <a:t>3</a:t>
-            </a:r>
-            <a:r>
-              <a:rPr lang="it-IT" dirty="0">
-                <a:solidFill>
-                  <a:schemeClr val="bg1"/>
-                </a:solidFill>
-              </a:rPr>
-              <a:t> e per una velocità di 0.3 m/s -&gt; Re = circa 2*10^5</a:t>
-            </a:r>
-          </a:p>
-          <a:p>
-            <a:pPr marL="342900" indent="-342900">
-              <a:buFont typeface="+mj-lt"/>
-              <a:buAutoNum type="arabicPeriod"/>
-            </a:pPr>
-            <a:r>
-              <a:rPr lang="it-IT" dirty="0">
-                <a:solidFill>
-                  <a:schemeClr val="bg1"/>
-                </a:solidFill>
-              </a:rPr>
-              <a:t>Braccio dei momenti di drag calcolato su un raggio medio (baricentro della semiellisse)</a:t>
-            </a:r>
-          </a:p>
-        </p:txBody>
-      </p:sp>
+      <mc:AlternateContent xmlns:mc="http://schemas.openxmlformats.org/markup-compatibility/2006">
+        <mc:Choice xmlns:a14="http://schemas.microsoft.com/office/drawing/2010/main" Requires="a14">
+          <p:sp>
+            <p:nvSpPr>
+              <p:cNvPr id="7" name="CasellaDiTesto 6">
+                <a:extLst>
+                  <a:ext uri="{FF2B5EF4-FFF2-40B4-BE49-F238E27FC236}">
+                    <a16:creationId xmlns:a16="http://schemas.microsoft.com/office/drawing/2014/main" id="{59384F72-7613-415E-A318-69FE35851FC9}"/>
+                  </a:ext>
+                </a:extLst>
+              </p:cNvPr>
+              <p:cNvSpPr txBox="1"/>
+              <p:nvPr/>
+            </p:nvSpPr>
+            <p:spPr>
+              <a:xfrm>
+                <a:off x="1196502" y="2101134"/>
+                <a:ext cx="6157609" cy="2034403"/>
+              </a:xfrm>
+              <a:prstGeom prst="rect">
+                <a:avLst/>
+              </a:prstGeom>
+              <a:noFill/>
+            </p:spPr>
+            <p:txBody>
+              <a:bodyPr wrap="square" rtlCol="0">
+                <a:spAutoFit/>
+              </a:bodyPr>
+              <a:lstStyle/>
+              <a:p>
+                <a:r>
+                  <a:rPr lang="it-IT" dirty="0">
+                    <a:solidFill>
+                      <a:schemeClr val="bg1"/>
+                    </a:solidFill>
+                  </a:rPr>
+                  <a:t>Ipotesi Semplificative:</a:t>
+                </a:r>
+              </a:p>
+              <a:p>
+                <a:pPr marL="342900" indent="-342900">
+                  <a:buFont typeface="+mj-lt"/>
+                  <a:buAutoNum type="arabicPeriod"/>
+                </a:pPr>
+                <a:r>
+                  <a:rPr lang="it-IT" dirty="0">
+                    <a:solidFill>
+                      <a:schemeClr val="bg1"/>
+                    </a:solidFill>
+                  </a:rPr>
+                  <a:t>Approssimazione ellissoide oblato a sfera liscia</a:t>
+                </a:r>
+              </a:p>
+              <a:p>
+                <a:pPr marL="342900" indent="-342900">
+                  <a:buFont typeface="+mj-lt"/>
+                  <a:buAutoNum type="arabicPeriod"/>
+                </a:pPr>
+                <a:r>
+                  <a:rPr lang="it-IT" dirty="0">
+                    <a:solidFill>
+                      <a:schemeClr val="bg1"/>
+                    </a:solidFill>
+                  </a:rPr>
+                  <a:t>Si trascurano i termini lineari di D(v)</a:t>
+                </a:r>
+              </a:p>
+              <a:p>
+                <a:pPr marL="342900" indent="-342900">
+                  <a:buFont typeface="+mj-lt"/>
+                  <a:buAutoNum type="arabicPeriod"/>
+                </a:pPr>
+                <a:r>
+                  <a:rPr lang="it-IT" dirty="0">
+                    <a:solidFill>
+                      <a:schemeClr val="bg1"/>
+                    </a:solidFill>
+                  </a:rPr>
+                  <a:t>Calcolo di Re a 20 °C, con </a:t>
+                </a:r>
+                <a:r>
+                  <a:rPr lang="el-GR" dirty="0">
+                    <a:solidFill>
+                      <a:schemeClr val="bg1"/>
+                    </a:solidFill>
+                  </a:rPr>
+                  <a:t>ρ</a:t>
+                </a:r>
+                <a:r>
+                  <a:rPr lang="it-IT" dirty="0">
+                    <a:solidFill>
+                      <a:schemeClr val="bg1"/>
+                    </a:solidFill>
+                  </a:rPr>
+                  <a:t>acqua = 1030 kg/m3 e per una velocità di 0.3 m/s → </a:t>
+                </a:r>
+                <a14:m>
+                  <m:oMath xmlns:m="http://schemas.openxmlformats.org/officeDocument/2006/math">
+                    <m:r>
+                      <a:rPr lang="it-IT" b="0" i="1" smtClean="0">
+                        <a:solidFill>
+                          <a:schemeClr val="bg1"/>
+                        </a:solidFill>
+                        <a:latin typeface="Cambria Math" panose="02040503050406030204" pitchFamily="18" charset="0"/>
+                      </a:rPr>
+                      <m:t>𝑅𝑒</m:t>
+                    </m:r>
+                    <m:r>
+                      <a:rPr lang="it-IT" b="0" i="1" smtClean="0">
+                        <a:solidFill>
+                          <a:schemeClr val="bg1"/>
+                        </a:solidFill>
+                        <a:latin typeface="Cambria Math" panose="02040503050406030204" pitchFamily="18" charset="0"/>
+                      </a:rPr>
+                      <m:t> ≅2∙</m:t>
+                    </m:r>
+                    <m:sSup>
+                      <m:sSupPr>
+                        <m:ctrlPr>
+                          <a:rPr lang="it-IT" b="0" i="1" smtClean="0">
+                            <a:solidFill>
+                              <a:schemeClr val="bg1"/>
+                            </a:solidFill>
+                            <a:latin typeface="Cambria Math" panose="02040503050406030204" pitchFamily="18" charset="0"/>
+                            <a:ea typeface="Cambria Math" panose="02040503050406030204" pitchFamily="18" charset="0"/>
+                          </a:rPr>
+                        </m:ctrlPr>
+                      </m:sSupPr>
+                      <m:e>
+                        <m:r>
+                          <a:rPr lang="it-IT" b="0" i="1" smtClean="0">
+                            <a:solidFill>
+                              <a:schemeClr val="bg1"/>
+                            </a:solidFill>
+                            <a:latin typeface="Cambria Math" panose="02040503050406030204" pitchFamily="18" charset="0"/>
+                            <a:ea typeface="Cambria Math" panose="02040503050406030204" pitchFamily="18" charset="0"/>
+                          </a:rPr>
+                          <m:t>10</m:t>
+                        </m:r>
+                      </m:e>
+                      <m:sup>
+                        <m:r>
+                          <a:rPr lang="it-IT" b="0" i="1" smtClean="0">
+                            <a:solidFill>
+                              <a:schemeClr val="bg1"/>
+                            </a:solidFill>
+                            <a:latin typeface="Cambria Math" panose="02040503050406030204" pitchFamily="18" charset="0"/>
+                            <a:ea typeface="Cambria Math" panose="02040503050406030204" pitchFamily="18" charset="0"/>
+                          </a:rPr>
+                          <m:t>5</m:t>
+                        </m:r>
+                      </m:sup>
+                    </m:sSup>
+                  </m:oMath>
+                </a14:m>
+                <a:r>
+                  <a:rPr lang="it-IT" dirty="0">
+                    <a:solidFill>
+                      <a:schemeClr val="bg1"/>
+                    </a:solidFill>
+                  </a:rPr>
+                  <a:t>, </a:t>
+                </a:r>
+                <a14:m>
+                  <m:oMath xmlns:m="http://schemas.openxmlformats.org/officeDocument/2006/math">
+                    <m:r>
+                      <a:rPr lang="it-IT" b="0" i="1" smtClean="0">
+                        <a:solidFill>
+                          <a:schemeClr val="bg1"/>
+                        </a:solidFill>
+                        <a:latin typeface="Cambria Math" panose="02040503050406030204" pitchFamily="18" charset="0"/>
+                      </a:rPr>
+                      <m:t>𝐶𝐷</m:t>
+                    </m:r>
+                    <m:r>
+                      <a:rPr lang="it-IT" b="0" i="1" smtClean="0">
+                        <a:solidFill>
+                          <a:schemeClr val="bg1"/>
+                        </a:solidFill>
+                        <a:latin typeface="Cambria Math" panose="02040503050406030204" pitchFamily="18" charset="0"/>
+                      </a:rPr>
+                      <m:t> ≅0,49</m:t>
+                    </m:r>
+                  </m:oMath>
+                </a14:m>
+                <a:endParaRPr lang="it-IT" dirty="0">
+                  <a:solidFill>
+                    <a:schemeClr val="bg1"/>
+                  </a:solidFill>
+                </a:endParaRPr>
+              </a:p>
+              <a:p>
+                <a:pPr marL="342900" indent="-342900">
+                  <a:buFont typeface="+mj-lt"/>
+                  <a:buAutoNum type="arabicPeriod"/>
+                </a:pPr>
+                <a:r>
+                  <a:rPr lang="it-IT" dirty="0">
+                    <a:solidFill>
+                      <a:schemeClr val="bg1"/>
+                    </a:solidFill>
+                  </a:rPr>
+                  <a:t>Braccio dei momenti di drag calcolato su un raggio medio (baricentro della semiellisse)</a:t>
+                </a:r>
+              </a:p>
+            </p:txBody>
+          </p:sp>
+        </mc:Choice>
+        <mc:Fallback>
+          <p:sp>
+            <p:nvSpPr>
+              <p:cNvPr id="7" name="CasellaDiTesto 6">
+                <a:extLst>
+                  <a:ext uri="{FF2B5EF4-FFF2-40B4-BE49-F238E27FC236}">
+                    <a16:creationId xmlns:a16="http://schemas.microsoft.com/office/drawing/2014/main" id="{59384F72-7613-415E-A318-69FE35851FC9}"/>
+                  </a:ext>
+                </a:extLst>
+              </p:cNvPr>
+              <p:cNvSpPr txBox="1">
+                <a:spLocks noRot="1" noChangeAspect="1" noMove="1" noResize="1" noEditPoints="1" noAdjustHandles="1" noChangeArrowheads="1" noChangeShapeType="1" noTextEdit="1"/>
+              </p:cNvSpPr>
+              <p:nvPr/>
+            </p:nvSpPr>
+            <p:spPr>
+              <a:xfrm>
+                <a:off x="1196502" y="2101134"/>
+                <a:ext cx="6157609" cy="2034403"/>
+              </a:xfrm>
+              <a:prstGeom prst="rect">
+                <a:avLst/>
+              </a:prstGeom>
+              <a:blipFill>
+                <a:blip r:embed="rId4"/>
+                <a:stretch>
+                  <a:fillRect l="-891" t="-1502" b="-4204"/>
+                </a:stretch>
+              </a:blipFill>
+            </p:spPr>
+            <p:txBody>
+              <a:bodyPr/>
+              <a:lstStyle/>
+              <a:p>
+                <a:r>
+                  <a:rPr lang="it-IT">
+                    <a:noFill/>
+                  </a:rPr>
+                  <a:t> </a:t>
+                </a:r>
+              </a:p>
+            </p:txBody>
+          </p:sp>
+        </mc:Fallback>
+      </mc:AlternateContent>
       <p:pic>
         <p:nvPicPr>
           <p:cNvPr id="16" name="Immagine 15">
@@ -4104,7 +4222,7 @@
           <p:nvPr/>
         </p:nvPicPr>
         <p:blipFill>
-          <a:blip r:embed="rId4">
+          <a:blip r:embed="rId5">
             <a:extLst>
               <a:ext uri="{28A0092B-C50C-407E-A947-70E740481C1C}">
                 <a14:useLocalDpi xmlns:a14="http://schemas.microsoft.com/office/drawing/2010/main" val="0"/>
@@ -4419,7 +4537,7 @@
         </p:blipFill>
         <p:spPr>
           <a:xfrm>
-            <a:off x="9169687" y="2681351"/>
+            <a:off x="9028285" y="2711415"/>
             <a:ext cx="2466133" cy="502153"/>
           </a:xfrm>
           <a:prstGeom prst="rect">
@@ -4501,10 +4619,10 @@
       </p:pic>
       <p:pic>
         <p:nvPicPr>
-          <p:cNvPr id="25" name="Immagine 24">
+          <p:cNvPr id="27" name="Immagine 26">
             <a:extLst>
               <a:ext uri="{FF2B5EF4-FFF2-40B4-BE49-F238E27FC236}">
-                <a16:creationId xmlns:a16="http://schemas.microsoft.com/office/drawing/2014/main" id="{08656E91-10C2-4D13-893A-1BFCC015B46F}"/>
+                <a16:creationId xmlns:a16="http://schemas.microsoft.com/office/drawing/2014/main" id="{8D8ED8B0-1976-4829-8EB5-29F804191963}"/>
               </a:ext>
             </a:extLst>
           </p:cNvPr>
@@ -4527,44 +4645,8 @@
         </p:blipFill>
         <p:spPr>
           <a:xfrm>
-            <a:off x="4688272" y="2714470"/>
-            <a:ext cx="1407728" cy="624044"/>
-          </a:xfrm>
-          <a:prstGeom prst="rect">
-            <a:avLst/>
-          </a:prstGeom>
-        </p:spPr>
-      </p:pic>
-      <p:pic>
-        <p:nvPicPr>
-          <p:cNvPr id="27" name="Immagine 26">
-            <a:extLst>
-              <a:ext uri="{FF2B5EF4-FFF2-40B4-BE49-F238E27FC236}">
-                <a16:creationId xmlns:a16="http://schemas.microsoft.com/office/drawing/2014/main" id="{8D8ED8B0-1976-4829-8EB5-29F804191963}"/>
-              </a:ext>
-            </a:extLst>
-          </p:cNvPr>
-          <p:cNvPicPr>
-            <a:picLocks noChangeAspect="1"/>
-          </p:cNvPicPr>
-          <p:nvPr/>
-        </p:nvPicPr>
-        <p:blipFill>
-          <a:blip r:embed="rId7">
-            <a:extLst>
-              <a:ext uri="{28A0092B-C50C-407E-A947-70E740481C1C}">
-                <a14:useLocalDpi xmlns:a14="http://schemas.microsoft.com/office/drawing/2010/main" val="0"/>
-              </a:ext>
-            </a:extLst>
-          </a:blip>
-          <a:stretch>
-            <a:fillRect/>
-          </a:stretch>
-        </p:blipFill>
-        <p:spPr>
-          <a:xfrm>
-            <a:off x="6708645" y="2687459"/>
-            <a:ext cx="1723311" cy="606799"/>
+            <a:off x="6704022" y="2655375"/>
+            <a:ext cx="1802084" cy="634536"/>
           </a:xfrm>
           <a:prstGeom prst="rect">
             <a:avLst/>
@@ -4586,7 +4668,7 @@
           <p:nvPr/>
         </p:nvPicPr>
         <p:blipFill>
-          <a:blip r:embed="rId8">
+          <a:blip r:embed="rId7">
             <a:extLst>
               <a:ext uri="{28A0092B-C50C-407E-A947-70E740481C1C}">
                 <a14:useLocalDpi xmlns:a14="http://schemas.microsoft.com/office/drawing/2010/main" val="0"/>
@@ -4636,6 +4718,42 @@
           </a:p>
         </p:txBody>
       </p:sp>
+      <p:pic>
+        <p:nvPicPr>
+          <p:cNvPr id="13" name="Immagine 12" descr="Immagine che contiene disegnando, orologio&#10;&#10;Descrizione generata automaticamente">
+            <a:extLst>
+              <a:ext uri="{FF2B5EF4-FFF2-40B4-BE49-F238E27FC236}">
+                <a16:creationId xmlns:a16="http://schemas.microsoft.com/office/drawing/2014/main" id="{43060116-7A16-4D7A-A458-1C33CC7736D4}"/>
+              </a:ext>
+            </a:extLst>
+          </p:cNvPr>
+          <p:cNvPicPr>
+            <a:picLocks noChangeAspect="1"/>
+          </p:cNvPicPr>
+          <p:nvPr/>
+        </p:nvPicPr>
+        <p:blipFill>
+          <a:blip r:embed="rId8">
+            <a:extLst>
+              <a:ext uri="{28A0092B-C50C-407E-A947-70E740481C1C}">
+                <a14:useLocalDpi xmlns:a14="http://schemas.microsoft.com/office/drawing/2010/main" val="0"/>
+              </a:ext>
+            </a:extLst>
+          </a:blip>
+          <a:stretch>
+            <a:fillRect/>
+          </a:stretch>
+        </p:blipFill>
+        <p:spPr>
+          <a:xfrm>
+            <a:off x="4630398" y="2691540"/>
+            <a:ext cx="1465602" cy="606799"/>
+          </a:xfrm>
+          <a:prstGeom prst="rect">
+            <a:avLst/>
+          </a:prstGeom>
+        </p:spPr>
+      </p:pic>
     </p:spTree>
     <p:extLst>
       <p:ext uri="{BB962C8B-B14F-4D97-AF65-F5344CB8AC3E}">
@@ -22546,42 +22664,6 @@
           </p:sp>
         </mc:Fallback>
       </mc:AlternateContent>
-      <p:pic>
-        <p:nvPicPr>
-          <p:cNvPr id="7" name="Immagine 6">
-            <a:extLst>
-              <a:ext uri="{FF2B5EF4-FFF2-40B4-BE49-F238E27FC236}">
-                <a16:creationId xmlns:a16="http://schemas.microsoft.com/office/drawing/2014/main" id="{69173790-63A6-4CF6-858B-4ED57AB6760F}"/>
-              </a:ext>
-            </a:extLst>
-          </p:cNvPr>
-          <p:cNvPicPr>
-            <a:picLocks noChangeAspect="1"/>
-          </p:cNvPicPr>
-          <p:nvPr/>
-        </p:nvPicPr>
-        <p:blipFill>
-          <a:blip r:embed="rId7">
-            <a:extLst>
-              <a:ext uri="{28A0092B-C50C-407E-A947-70E740481C1C}">
-                <a14:useLocalDpi xmlns:a14="http://schemas.microsoft.com/office/drawing/2010/main" val="0"/>
-              </a:ext>
-            </a:extLst>
-          </a:blip>
-          <a:stretch>
-            <a:fillRect/>
-          </a:stretch>
-        </p:blipFill>
-        <p:spPr>
-          <a:xfrm>
-            <a:off x="8578709" y="3276044"/>
-            <a:ext cx="1362959" cy="1623160"/>
-          </a:xfrm>
-          <a:prstGeom prst="rect">
-            <a:avLst/>
-          </a:prstGeom>
-        </p:spPr>
-      </p:pic>
       <p:cxnSp>
         <p:nvCxnSpPr>
           <p:cNvPr id="32" name="Connettore 2 31">
@@ -23218,8 +23300,8 @@
             </p:nvSpPr>
             <p:spPr>
               <a:xfrm>
-                <a:off x="1128282" y="4945114"/>
-                <a:ext cx="786947" cy="369332"/>
+                <a:off x="1188064" y="4853962"/>
+                <a:ext cx="1010918" cy="810735"/>
               </a:xfrm>
               <a:prstGeom prst="rect">
                 <a:avLst/>
@@ -23247,13 +23329,13 @@
                       </m:sSubPr>
                       <m:e>
                         <m:r>
-                          <a:rPr lang="it-IT" b="0" i="1" smtClean="0">
+                          <a:rPr lang="it-IT" b="1" i="1" smtClean="0">
                             <a:solidFill>
                               <a:schemeClr val="bg1"/>
                             </a:solidFill>
                             <a:latin typeface="Cambria Math" panose="02040503050406030204" pitchFamily="18" charset="0"/>
                           </a:rPr>
-                          <m:t>𝑟</m:t>
+                          <m:t>𝒓</m:t>
                         </m:r>
                       </m:e>
                       <m:sub>
@@ -23289,15 +23371,96 @@
                       </a:rPr>
                       <m:t> </m:t>
                     </m:r>
-                    <m:r>
-                      <a:rPr lang="it-IT" b="0" i="1" dirty="0" smtClean="0">
-                        <a:solidFill>
-                          <a:schemeClr val="bg1"/>
-                        </a:solidFill>
-                        <a:latin typeface="Cambria Math" panose="02040503050406030204" pitchFamily="18" charset="0"/>
-                      </a:rPr>
-                      <m:t>0</m:t>
-                    </m:r>
+                    <m:d>
+                      <m:dPr>
+                        <m:begChr m:val="["/>
+                        <m:endChr m:val="]"/>
+                        <m:ctrlPr>
+                          <a:rPr lang="it-IT" b="0" i="1" dirty="0" smtClean="0">
+                            <a:solidFill>
+                              <a:schemeClr val="bg1"/>
+                            </a:solidFill>
+                            <a:latin typeface="Cambria Math" panose="02040503050406030204" pitchFamily="18" charset="0"/>
+                          </a:rPr>
+                        </m:ctrlPr>
+                      </m:dPr>
+                      <m:e>
+                        <m:m>
+                          <m:mPr>
+                            <m:mcs>
+                              <m:mc>
+                                <m:mcPr>
+                                  <m:count m:val="1"/>
+                                  <m:mcJc m:val="center"/>
+                                </m:mcPr>
+                              </m:mc>
+                            </m:mcs>
+                            <m:ctrlPr>
+                              <a:rPr lang="it-IT" b="0" i="1" dirty="0" smtClean="0">
+                                <a:solidFill>
+                                  <a:schemeClr val="bg1"/>
+                                </a:solidFill>
+                                <a:latin typeface="Cambria Math" panose="02040503050406030204" pitchFamily="18" charset="0"/>
+                              </a:rPr>
+                            </m:ctrlPr>
+                          </m:mPr>
+                          <m:mr>
+                            <m:e>
+                              <m:r>
+                                <m:rPr>
+                                  <m:brk m:alnAt="7"/>
+                                </m:rPr>
+                                <a:rPr lang="it-IT" b="0" i="1" dirty="0" smtClean="0">
+                                  <a:solidFill>
+                                    <a:schemeClr val="bg1"/>
+                                  </a:solidFill>
+                                  <a:latin typeface="Cambria Math" panose="02040503050406030204" pitchFamily="18" charset="0"/>
+                                </a:rPr>
+                                <m:t>0</m:t>
+                              </m:r>
+                            </m:e>
+                          </m:mr>
+                          <m:mr>
+                            <m:e>
+                              <m:eqArr>
+                                <m:eqArrPr>
+                                  <m:ctrlPr>
+                                    <a:rPr lang="it-IT" b="0" i="1" dirty="0" smtClean="0">
+                                      <a:solidFill>
+                                        <a:schemeClr val="bg1"/>
+                                      </a:solidFill>
+                                      <a:latin typeface="Cambria Math" panose="02040503050406030204" pitchFamily="18" charset="0"/>
+                                    </a:rPr>
+                                  </m:ctrlPr>
+                                </m:eqArrPr>
+                                <m:e>
+                                  <m:r>
+                                    <a:rPr lang="it-IT" b="0" i="1" dirty="0" smtClean="0">
+                                      <a:solidFill>
+                                        <a:schemeClr val="bg1"/>
+                                      </a:solidFill>
+                                      <a:latin typeface="Cambria Math" panose="02040503050406030204" pitchFamily="18" charset="0"/>
+                                    </a:rPr>
+                                    <m:t>0</m:t>
+                                  </m:r>
+                                </m:e>
+                                <m:e>
+                                  <m:r>
+                                    <a:rPr lang="it-IT" b="0" i="1" dirty="0" smtClean="0">
+                                      <a:solidFill>
+                                        <a:schemeClr val="bg1"/>
+                                      </a:solidFill>
+                                      <a:latin typeface="Cambria Math" panose="02040503050406030204" pitchFamily="18" charset="0"/>
+                                    </a:rPr>
+                                    <m:t>0</m:t>
+                                  </m:r>
+                                </m:e>
+                              </m:eqArr>
+                            </m:e>
+                          </m:mr>
+                        </m:m>
+                      </m:e>
+                    </m:d>
                   </m:oMath>
                 </a14:m>
                 <a:endParaRPr lang="it-IT" dirty="0">
@@ -23326,8 +23489,8 @@
             </p:nvSpPr>
             <p:spPr>
               <a:xfrm>
-                <a:off x="1128282" y="4945114"/>
-                <a:ext cx="786947" cy="369332"/>
+                <a:off x="1188064" y="4853962"/>
+                <a:ext cx="1010918" cy="810735"/>
               </a:xfrm>
               <a:prstGeom prst="rect">
                 <a:avLst/>
@@ -23335,7 +23498,7 @@
               <a:blipFill>
                 <a:blip r:embed="rId11"/>
                 <a:stretch>
-                  <a:fillRect t="-6557" b="-26230"/>
+                  <a:fillRect/>
                 </a:stretch>
               </a:blipFill>
             </p:spPr>
@@ -23354,6 +23517,266 @@
           </p:sp>
         </mc:Fallback>
       </mc:AlternateContent>
+      <mc:AlternateContent xmlns:mc="http://schemas.openxmlformats.org/markup-compatibility/2006">
+        <mc:Choice xmlns:a14="http://schemas.microsoft.com/office/drawing/2010/main" Requires="a14">
+          <p:sp>
+            <p:nvSpPr>
+              <p:cNvPr id="20" name="Rettangolo 19">
+                <a:extLst>
+                  <a:ext uri="{FF2B5EF4-FFF2-40B4-BE49-F238E27FC236}">
+                    <a16:creationId xmlns:a16="http://schemas.microsoft.com/office/drawing/2014/main" id="{9AC29DEA-2E73-4534-A96B-2A3D032FD15A}"/>
+                  </a:ext>
+                </a:extLst>
+              </p:cNvPr>
+              <p:cNvSpPr/>
+              <p:nvPr/>
+            </p:nvSpPr>
+            <p:spPr>
+              <a:xfrm>
+                <a:off x="1188064" y="5771866"/>
+                <a:ext cx="1437445" cy="369332"/>
+              </a:xfrm>
+              <a:prstGeom prst="rect">
+                <a:avLst/>
+              </a:prstGeom>
+            </p:spPr>
+            <p:txBody>
+              <a:bodyPr wrap="none">
+                <a:spAutoFit/>
+              </a:bodyPr>
+              <a:lstStyle/>
+              <a:p>
+                <a14:m>
+                  <m:oMath xmlns:m="http://schemas.openxmlformats.org/officeDocument/2006/math">
+                    <m:r>
+                      <m:rPr>
+                        <m:sty m:val="p"/>
+                      </m:rPr>
+                      <a:rPr lang="it-IT" b="0" i="0" smtClean="0">
+                        <a:solidFill>
+                          <a:schemeClr val="bg1"/>
+                        </a:solidFill>
+                        <a:latin typeface="Cambria Math" panose="02040503050406030204" pitchFamily="18" charset="0"/>
+                      </a:rPr>
+                      <m:t>S</m:t>
+                    </m:r>
+                    <m:r>
+                      <a:rPr lang="it-IT" b="0" i="0" smtClean="0">
+                        <a:solidFill>
+                          <a:schemeClr val="bg1"/>
+                        </a:solidFill>
+                        <a:latin typeface="Cambria Math" panose="02040503050406030204" pitchFamily="18" charset="0"/>
+                      </a:rPr>
+                      <m:t>(</m:t>
+                    </m:r>
+                    <m:sSub>
+                      <m:sSubPr>
+                        <m:ctrlPr>
+                          <a:rPr lang="it-IT" i="1" smtClean="0">
+                            <a:solidFill>
+                              <a:schemeClr val="bg1"/>
+                            </a:solidFill>
+                            <a:latin typeface="Cambria Math" panose="02040503050406030204" pitchFamily="18" charset="0"/>
+                          </a:rPr>
+                        </m:ctrlPr>
+                      </m:sSubPr>
+                      <m:e>
+                        <m:r>
+                          <a:rPr lang="it-IT" b="1" i="1" smtClean="0">
+                            <a:solidFill>
+                              <a:schemeClr val="bg1"/>
+                            </a:solidFill>
+                            <a:latin typeface="Cambria Math" panose="02040503050406030204" pitchFamily="18" charset="0"/>
+                          </a:rPr>
+                          <m:t>𝒓</m:t>
+                        </m:r>
+                      </m:e>
+                      <m:sub>
+                        <m:r>
+                          <a:rPr lang="it-IT" b="0" i="1" smtClean="0">
+                            <a:solidFill>
+                              <a:schemeClr val="bg1"/>
+                            </a:solidFill>
+                            <a:latin typeface="Cambria Math" panose="02040503050406030204" pitchFamily="18" charset="0"/>
+                          </a:rPr>
+                          <m:t>𝐺</m:t>
+                        </m:r>
+                      </m:sub>
+                    </m:sSub>
+                    <m:r>
+                      <a:rPr lang="it-IT" b="0" i="1" smtClean="0">
+                        <a:solidFill>
+                          <a:schemeClr val="bg1"/>
+                        </a:solidFill>
+                        <a:latin typeface="Cambria Math" panose="02040503050406030204" pitchFamily="18" charset="0"/>
+                      </a:rPr>
+                      <m:t>)</m:t>
+                    </m:r>
+                  </m:oMath>
+                </a14:m>
+                <a:r>
+                  <a:rPr lang="it-IT" dirty="0">
+                    <a:solidFill>
+                      <a:schemeClr val="bg1"/>
+                    </a:solidFill>
+                  </a:rPr>
+                  <a:t> =</a:t>
+                </a:r>
+                <a14:m>
+                  <m:oMath xmlns:m="http://schemas.openxmlformats.org/officeDocument/2006/math">
+                    <m:r>
+                      <a:rPr lang="it-IT" b="0" i="0" dirty="0" smtClean="0">
+                        <a:solidFill>
+                          <a:schemeClr val="bg1"/>
+                        </a:solidFill>
+                        <a:latin typeface="Cambria Math" panose="02040503050406030204" pitchFamily="18" charset="0"/>
+                      </a:rPr>
+                      <m:t> </m:t>
+                    </m:r>
+                    <m:sSub>
+                      <m:sSubPr>
+                        <m:ctrlPr>
+                          <a:rPr lang="it-IT" b="0" i="1" dirty="0" smtClean="0">
+                            <a:solidFill>
+                              <a:schemeClr val="bg1"/>
+                            </a:solidFill>
+                            <a:latin typeface="Cambria Math" panose="02040503050406030204" pitchFamily="18" charset="0"/>
+                          </a:rPr>
+                        </m:ctrlPr>
+                      </m:sSubPr>
+                      <m:e>
+                        <m:r>
+                          <a:rPr lang="it-IT" b="0" i="1" dirty="0" smtClean="0">
+                            <a:solidFill>
+                              <a:schemeClr val="bg1"/>
+                            </a:solidFill>
+                            <a:latin typeface="Cambria Math" panose="02040503050406030204" pitchFamily="18" charset="0"/>
+                          </a:rPr>
+                          <m:t>0</m:t>
+                        </m:r>
+                      </m:e>
+                      <m:sub>
+                        <m:r>
+                          <a:rPr lang="it-IT" b="0" i="1" dirty="0" smtClean="0">
+                            <a:solidFill>
+                              <a:schemeClr val="bg1"/>
+                            </a:solidFill>
+                            <a:latin typeface="Cambria Math" panose="02040503050406030204" pitchFamily="18" charset="0"/>
+                          </a:rPr>
+                          <m:t>3</m:t>
+                        </m:r>
+                        <m:r>
+                          <a:rPr lang="it-IT" b="0" i="1" dirty="0" smtClean="0">
+                            <a:solidFill>
+                              <a:schemeClr val="bg1"/>
+                            </a:solidFill>
+                            <a:latin typeface="Cambria Math" panose="02040503050406030204" pitchFamily="18" charset="0"/>
+                          </a:rPr>
+                          <m:t>𝑥</m:t>
+                        </m:r>
+                        <m:r>
+                          <a:rPr lang="it-IT" b="0" i="1" dirty="0" smtClean="0">
+                            <a:solidFill>
+                              <a:schemeClr val="bg1"/>
+                            </a:solidFill>
+                            <a:latin typeface="Cambria Math" panose="02040503050406030204" pitchFamily="18" charset="0"/>
+                          </a:rPr>
+                          <m:t>3</m:t>
+                        </m:r>
+                      </m:sub>
+                    </m:sSub>
+                  </m:oMath>
+                </a14:m>
+                <a:endParaRPr lang="it-IT" dirty="0">
+                  <a:solidFill>
+                    <a:schemeClr val="bg1"/>
+                  </a:solidFill>
+                </a:endParaRPr>
+              </a:p>
+            </p:txBody>
+          </p:sp>
+        </mc:Choice>
+        <mc:Fallback>
+          <p:sp>
+            <p:nvSpPr>
+              <p:cNvPr id="20" name="Rettangolo 19">
+                <a:extLst>
+                  <a:ext uri="{FF2B5EF4-FFF2-40B4-BE49-F238E27FC236}">
+                    <a16:creationId xmlns:a16="http://schemas.microsoft.com/office/drawing/2014/main" id="{9AC29DEA-2E73-4534-A96B-2A3D032FD15A}"/>
+                  </a:ext>
+                </a:extLst>
+              </p:cNvPr>
+              <p:cNvSpPr>
+                <a:spLocks noRot="1" noChangeAspect="1" noMove="1" noResize="1" noEditPoints="1" noAdjustHandles="1" noChangeArrowheads="1" noChangeShapeType="1" noTextEdit="1"/>
+              </p:cNvSpPr>
+              <p:nvPr/>
+            </p:nvSpPr>
+            <p:spPr>
+              <a:xfrm>
+                <a:off x="1188064" y="5771866"/>
+                <a:ext cx="1437445" cy="369332"/>
+              </a:xfrm>
+              <a:prstGeom prst="rect">
+                <a:avLst/>
+              </a:prstGeom>
+              <a:blipFill>
+                <a:blip r:embed="rId12"/>
+                <a:stretch>
+                  <a:fillRect t="-8333" b="-28333"/>
+                </a:stretch>
+              </a:blipFill>
+            </p:spPr>
+            <p:txBody>
+              <a:bodyPr/>
+              <a:lstStyle/>
+              <a:p>
+                <a:r>
+                  <a:rPr lang="it-IT">
+                    <a:noFill/>
+                  </a:rPr>
+                  <a:t> </a:t>
+                </a:r>
+              </a:p>
+            </p:txBody>
+          </p:sp>
+        </mc:Fallback>
+      </mc:AlternateContent>
+      <p:pic>
+        <p:nvPicPr>
+          <p:cNvPr id="23" name="Immagine 22" descr="Immagine che contiene orologio&#10;&#10;Descrizione generata automaticamente">
+            <a:extLst>
+              <a:ext uri="{FF2B5EF4-FFF2-40B4-BE49-F238E27FC236}">
+                <a16:creationId xmlns:a16="http://schemas.microsoft.com/office/drawing/2014/main" id="{5E075662-ADC9-4BC7-BDA8-852C06E8FB4C}"/>
+              </a:ext>
+            </a:extLst>
+          </p:cNvPr>
+          <p:cNvPicPr>
+            <a:picLocks noChangeAspect="1"/>
+          </p:cNvPicPr>
+          <p:nvPr/>
+        </p:nvPicPr>
+        <p:blipFill>
+          <a:blip r:embed="rId13">
+            <a:extLst>
+              <a:ext uri="{28A0092B-C50C-407E-A947-70E740481C1C}">
+                <a14:useLocalDpi xmlns:a14="http://schemas.microsoft.com/office/drawing/2010/main" val="0"/>
+              </a:ext>
+            </a:extLst>
+          </a:blip>
+          <a:stretch>
+            <a:fillRect/>
+          </a:stretch>
+        </p:blipFill>
+        <p:spPr>
+          <a:xfrm>
+            <a:off x="8610600" y="3143358"/>
+            <a:ext cx="1244690" cy="1825546"/>
+          </a:xfrm>
+          <a:prstGeom prst="rect">
+            <a:avLst/>
+          </a:prstGeom>
+        </p:spPr>
+      </p:pic>
     </p:spTree>
     <p:extLst>
       <p:ext uri="{BB962C8B-B14F-4D97-AF65-F5344CB8AC3E}">

--- a/presentazione.pptx
+++ b/presentazione.pptx
@@ -1034,7 +1034,7 @@
           <a:bodyPr/>
           <a:lstStyle/>
           <a:p>
-            <a:fld id="{84239772-C33B-4D72-8734-B8D1303541B2}" type="datetime1">
+            <a:fld id="{406A2CA4-CF9F-4D6B-896C-705236384917}" type="datetime1">
               <a:rPr lang="en-US" smtClean="0"/>
               <a:t>6/20/2020</a:t>
             </a:fld>
@@ -1493,7 +1493,7 @@
             </a:lvl1pPr>
           </a:lstStyle>
           <a:p>
-            <a:fld id="{4C4D76AC-BD49-48A7-8314-2C6390BCB40F}" type="datetime1">
+            <a:fld id="{E4D457AD-4150-436F-9174-87F56CCB1892}" type="datetime1">
               <a:rPr lang="en-US" smtClean="0"/>
               <a:t>6/20/2020</a:t>
             </a:fld>
@@ -2245,35 +2245,6 @@
           </a:prstGeom>
         </p:spPr>
       </p:pic>
-      <p:sp>
-        <p:nvSpPr>
-          <p:cNvPr id="4" name="Segnaposto numero diapositiva 3">
-            <a:extLst>
-              <a:ext uri="{FF2B5EF4-FFF2-40B4-BE49-F238E27FC236}">
-                <a16:creationId xmlns:a16="http://schemas.microsoft.com/office/drawing/2014/main" id="{FC2961BE-480D-43F3-BE0F-BB990EBA96E6}"/>
-              </a:ext>
-            </a:extLst>
-          </p:cNvPr>
-          <p:cNvSpPr>
-            <a:spLocks noGrp="1"/>
-          </p:cNvSpPr>
-          <p:nvPr>
-            <p:ph type="sldNum" sz="quarter" idx="12"/>
-          </p:nvPr>
-        </p:nvSpPr>
-        <p:spPr/>
-        <p:txBody>
-          <a:bodyPr/>
-          <a:lstStyle/>
-          <a:p>
-            <a:fld id="{4854181D-6920-4594-9A5D-6CE56DC9F8B2}" type="slidenum">
-              <a:rPr lang="en-US" smtClean="0"/>
-              <a:t>1</a:t>
-            </a:fld>
-            <a:endParaRPr lang="en-US"/>
-          </a:p>
-        </p:txBody>
-      </p:sp>
     </p:spTree>
     <p:extLst>
       <p:ext uri="{BB962C8B-B14F-4D97-AF65-F5344CB8AC3E}">
@@ -2462,8 +2433,8 @@
           </a:p>
         </p:txBody>
       </p:sp>
-      <mc:AlternateContent xmlns:mc="http://schemas.openxmlformats.org/markup-compatibility/2006">
-        <mc:Choice xmlns:a14="http://schemas.microsoft.com/office/drawing/2010/main" Requires="a14">
+      <mc:AlternateContent xmlns:mc="http://schemas.openxmlformats.org/markup-compatibility/2006" xmlns:a14="http://schemas.microsoft.com/office/drawing/2010/main">
+        <mc:Choice Requires="a14">
           <p:sp>
             <p:nvSpPr>
               <p:cNvPr id="38" name="CasellaDiTesto 37">
@@ -3238,7 +3209,7 @@
             </p:txBody>
           </p:sp>
         </mc:Choice>
-        <mc:Fallback>
+        <mc:Fallback xmlns="">
           <p:sp>
             <p:nvSpPr>
               <p:cNvPr id="38" name="CasellaDiTesto 37">
@@ -3357,35 +3328,6 @@
       </p:pic>
       <p:sp>
         <p:nvSpPr>
-          <p:cNvPr id="2" name="Segnaposto numero diapositiva 1">
-            <a:extLst>
-              <a:ext uri="{FF2B5EF4-FFF2-40B4-BE49-F238E27FC236}">
-                <a16:creationId xmlns:a16="http://schemas.microsoft.com/office/drawing/2014/main" id="{4837F35C-5785-4D6E-8BA2-80AFF8B6D6F8}"/>
-              </a:ext>
-            </a:extLst>
-          </p:cNvPr>
-          <p:cNvSpPr>
-            <a:spLocks noGrp="1"/>
-          </p:cNvSpPr>
-          <p:nvPr>
-            <p:ph type="sldNum" sz="quarter" idx="12"/>
-          </p:nvPr>
-        </p:nvSpPr>
-        <p:spPr/>
-        <p:txBody>
-          <a:bodyPr/>
-          <a:lstStyle/>
-          <a:p>
-            <a:fld id="{4854181D-6920-4594-9A5D-6CE56DC9F8B2}" type="slidenum">
-              <a:rPr lang="en-US" smtClean="0"/>
-              <a:t>10</a:t>
-            </a:fld>
-            <a:endParaRPr lang="en-US"/>
-          </a:p>
-        </p:txBody>
-      </p:sp>
-      <p:sp>
-        <p:nvSpPr>
           <p:cNvPr id="5" name="CasellaDiTesto 4">
             <a:extLst>
               <a:ext uri="{FF2B5EF4-FFF2-40B4-BE49-F238E27FC236}">
@@ -3469,6 +3411,35 @@
               </a:rPr>
               <a:t>Lamb, 1945</a:t>
             </a:r>
+          </a:p>
+        </p:txBody>
+      </p:sp>
+      <p:sp>
+        <p:nvSpPr>
+          <p:cNvPr id="8" name="Segnaposto numero diapositiva 7">
+            <a:extLst>
+              <a:ext uri="{FF2B5EF4-FFF2-40B4-BE49-F238E27FC236}">
+                <a16:creationId xmlns:a16="http://schemas.microsoft.com/office/drawing/2014/main" id="{D0A01893-DAEE-4311-AFFE-98A287E87F4E}"/>
+              </a:ext>
+            </a:extLst>
+          </p:cNvPr>
+          <p:cNvSpPr>
+            <a:spLocks noGrp="1"/>
+          </p:cNvSpPr>
+          <p:nvPr>
+            <p:ph type="sldNum" sz="quarter" idx="12"/>
+          </p:nvPr>
+        </p:nvSpPr>
+        <p:spPr/>
+        <p:txBody>
+          <a:bodyPr/>
+          <a:lstStyle/>
+          <a:p>
+            <a:fld id="{4854181D-6920-4594-9A5D-6CE56DC9F8B2}" type="slidenum">
+              <a:rPr lang="en-US" smtClean="0"/>
+              <a:t>10</a:t>
+            </a:fld>
+            <a:endParaRPr lang="en-US"/>
           </a:p>
         </p:txBody>
       </p:sp>
@@ -3694,35 +3665,6 @@
           </a:prstGeom>
         </p:spPr>
       </p:pic>
-      <p:sp>
-        <p:nvSpPr>
-          <p:cNvPr id="2" name="Segnaposto numero diapositiva 1">
-            <a:extLst>
-              <a:ext uri="{FF2B5EF4-FFF2-40B4-BE49-F238E27FC236}">
-                <a16:creationId xmlns:a16="http://schemas.microsoft.com/office/drawing/2014/main" id="{32E2FB2F-8F7C-4915-8F14-182849432571}"/>
-              </a:ext>
-            </a:extLst>
-          </p:cNvPr>
-          <p:cNvSpPr>
-            <a:spLocks noGrp="1"/>
-          </p:cNvSpPr>
-          <p:nvPr>
-            <p:ph type="sldNum" sz="quarter" idx="12"/>
-          </p:nvPr>
-        </p:nvSpPr>
-        <p:spPr/>
-        <p:txBody>
-          <a:bodyPr/>
-          <a:lstStyle/>
-          <a:p>
-            <a:fld id="{4854181D-6920-4594-9A5D-6CE56DC9F8B2}" type="slidenum">
-              <a:rPr lang="en-US" smtClean="0"/>
-              <a:t>11</a:t>
-            </a:fld>
-            <a:endParaRPr lang="en-US"/>
-          </a:p>
-        </p:txBody>
-      </p:sp>
       <p:pic>
         <p:nvPicPr>
           <p:cNvPr id="5" name="Immagine 4" descr="Immagine che contiene orologio&#10;&#10;Descrizione generata automaticamente">
@@ -3759,6 +3701,35 @@
           </a:prstGeom>
         </p:spPr>
       </p:pic>
+      <p:sp>
+        <p:nvSpPr>
+          <p:cNvPr id="3" name="Segnaposto numero diapositiva 2">
+            <a:extLst>
+              <a:ext uri="{FF2B5EF4-FFF2-40B4-BE49-F238E27FC236}">
+                <a16:creationId xmlns:a16="http://schemas.microsoft.com/office/drawing/2014/main" id="{2CF8711D-4C81-446A-BFC9-15237AC80147}"/>
+              </a:ext>
+            </a:extLst>
+          </p:cNvPr>
+          <p:cNvSpPr>
+            <a:spLocks noGrp="1"/>
+          </p:cNvSpPr>
+          <p:nvPr>
+            <p:ph type="sldNum" sz="quarter" idx="12"/>
+          </p:nvPr>
+        </p:nvSpPr>
+        <p:spPr/>
+        <p:txBody>
+          <a:bodyPr/>
+          <a:lstStyle/>
+          <a:p>
+            <a:fld id="{4854181D-6920-4594-9A5D-6CE56DC9F8B2}" type="slidenum">
+              <a:rPr lang="en-US" smtClean="0"/>
+              <a:t>11</a:t>
+            </a:fld>
+            <a:endParaRPr lang="en-US"/>
+          </a:p>
+        </p:txBody>
+      </p:sp>
     </p:spTree>
     <p:extLst>
       <p:ext uri="{BB962C8B-B14F-4D97-AF65-F5344CB8AC3E}">
@@ -3971,7 +3942,7 @@
             <p:spPr>
               <a:xfrm>
                 <a:off x="1196502" y="2101134"/>
-                <a:ext cx="6157609" cy="2034403"/>
+                <a:ext cx="6157609" cy="2196435"/>
               </a:xfrm>
               <a:prstGeom prst="rect">
                 <a:avLst/>
@@ -4034,21 +4005,133 @@
                   </a:rPr>
                   <a:t>Calcolo di Re a 20 °C, con </a:t>
                 </a:r>
-                <a:r>
-                  <a:rPr lang="el-GR" dirty="0">
-                    <a:solidFill>
-                      <a:schemeClr val="bg1"/>
-                    </a:solidFill>
-                  </a:rPr>
-                  <a:t>ρ</a:t>
-                </a:r>
+                <a14:m>
+                  <m:oMath xmlns:m="http://schemas.openxmlformats.org/officeDocument/2006/math">
+                    <m:sSub>
+                      <m:sSubPr>
+                        <m:ctrlPr>
+                          <a:rPr lang="it-IT" i="1" dirty="0" smtClean="0">
+                            <a:solidFill>
+                              <a:schemeClr val="bg1"/>
+                            </a:solidFill>
+                            <a:latin typeface="Cambria Math" panose="02040503050406030204" pitchFamily="18" charset="0"/>
+                          </a:rPr>
+                        </m:ctrlPr>
+                      </m:sSubPr>
+                      <m:e>
+                        <m:r>
+                          <a:rPr lang="el-GR" i="1" dirty="0">
+                            <a:solidFill>
+                              <a:schemeClr val="bg1"/>
+                            </a:solidFill>
+                            <a:latin typeface="Cambria Math" panose="02040503050406030204" pitchFamily="18" charset="0"/>
+                          </a:rPr>
+                          <m:t>𝜌</m:t>
+                        </m:r>
+                      </m:e>
+                      <m:sub>
+                        <m:r>
+                          <a:rPr lang="it-IT" i="1" dirty="0">
+                            <a:solidFill>
+                              <a:schemeClr val="bg1"/>
+                            </a:solidFill>
+                            <a:latin typeface="Cambria Math" panose="02040503050406030204" pitchFamily="18" charset="0"/>
+                          </a:rPr>
+                          <m:t>𝑎𝑐𝑞𝑢𝑎</m:t>
+                        </m:r>
+                      </m:sub>
+                    </m:sSub>
+                    <m:r>
+                      <m:rPr>
+                        <m:nor/>
+                      </m:rPr>
+                      <a:rPr lang="it-IT" b="0" i="0" dirty="0" smtClean="0">
+                        <a:solidFill>
+                          <a:schemeClr val="bg1"/>
+                        </a:solidFill>
+                        <a:latin typeface="Cambria Math" panose="02040503050406030204" pitchFamily="18" charset="0"/>
+                      </a:rPr>
+                      <m:t> </m:t>
+                    </m:r>
+                    <m:r>
+                      <m:rPr>
+                        <m:nor/>
+                      </m:rPr>
+                      <a:rPr lang="it-IT" dirty="0">
+                        <a:solidFill>
+                          <a:schemeClr val="bg1"/>
+                        </a:solidFill>
+                      </a:rPr>
+                      <m:t>= 1030 </m:t>
+                    </m:r>
+                    <m:f>
+                      <m:fPr>
+                        <m:ctrlPr>
+                          <a:rPr lang="it-IT" i="1" dirty="0" smtClean="0">
+                            <a:solidFill>
+                              <a:schemeClr val="bg1"/>
+                            </a:solidFill>
+                            <a:latin typeface="Cambria Math" panose="02040503050406030204" pitchFamily="18" charset="0"/>
+                          </a:rPr>
+                        </m:ctrlPr>
+                      </m:fPr>
+                      <m:num>
+                        <m:r>
+                          <a:rPr lang="it-IT" b="0" i="1" dirty="0" smtClean="0">
+                            <a:solidFill>
+                              <a:schemeClr val="bg1"/>
+                            </a:solidFill>
+                            <a:latin typeface="Cambria Math" panose="02040503050406030204" pitchFamily="18" charset="0"/>
+                          </a:rPr>
+                          <m:t>𝑘𝑔</m:t>
+                        </m:r>
+                      </m:num>
+                      <m:den>
+                        <m:sSup>
+                          <m:sSupPr>
+                            <m:ctrlPr>
+                              <a:rPr lang="it-IT" i="1" dirty="0" smtClean="0">
+                                <a:solidFill>
+                                  <a:schemeClr val="bg1"/>
+                                </a:solidFill>
+                                <a:latin typeface="Cambria Math" panose="02040503050406030204" pitchFamily="18" charset="0"/>
+                              </a:rPr>
+                            </m:ctrlPr>
+                          </m:sSupPr>
+                          <m:e>
+                            <m:r>
+                              <a:rPr lang="it-IT" b="0" i="1" dirty="0" smtClean="0">
+                                <a:solidFill>
+                                  <a:schemeClr val="bg1"/>
+                                </a:solidFill>
+                                <a:latin typeface="Cambria Math" panose="02040503050406030204" pitchFamily="18" charset="0"/>
+                              </a:rPr>
+                              <m:t>𝑚</m:t>
+                            </m:r>
+                          </m:e>
+                          <m:sup>
+                            <m:r>
+                              <a:rPr lang="it-IT" b="0" i="1" dirty="0" smtClean="0">
+                                <a:solidFill>
+                                  <a:schemeClr val="bg1"/>
+                                </a:solidFill>
+                                <a:latin typeface="Cambria Math" panose="02040503050406030204" pitchFamily="18" charset="0"/>
+                              </a:rPr>
+                              <m:t>3</m:t>
+                            </m:r>
+                          </m:sup>
+                        </m:sSup>
+                      </m:den>
+                    </m:f>
+                  </m:oMath>
+                </a14:m>
                 <a:r>
                   <a:rPr lang="it-IT" dirty="0">
                     <a:solidFill>
                       <a:schemeClr val="bg1"/>
                     </a:solidFill>
                   </a:rPr>
-                  <a:t>acqua = 1030 kg/m3 e per una velocità di 0.3 m/s → </a:t>
+                  <a:t> e per una velocità di 0.3 m/s → </a:t>
                 </a:r>
                 <a14:m>
                   <m:oMath xmlns:m="http://schemas.openxmlformats.org/officeDocument/2006/math">
@@ -4180,7 +4263,7 @@
             <p:spPr>
               <a:xfrm>
                 <a:off x="1196502" y="2101134"/>
-                <a:ext cx="6157609" cy="2034403"/>
+                <a:ext cx="6157609" cy="2196435"/>
               </a:xfrm>
               <a:prstGeom prst="rect">
                 <a:avLst/>
@@ -4188,7 +4271,7 @@
               <a:blipFill>
                 <a:blip r:embed="rId4"/>
                 <a:stretch>
-                  <a:fillRect l="-891" t="-1502" b="-4204"/>
+                  <a:fillRect l="-891" t="-1389" r="-594" b="-1944"/>
                 </a:stretch>
               </a:blipFill>
             </p:spPr>
@@ -4245,10 +4328,10 @@
       </p:pic>
       <p:sp>
         <p:nvSpPr>
-          <p:cNvPr id="3" name="Segnaposto numero diapositiva 2">
+          <p:cNvPr id="2" name="Segnaposto numero diapositiva 1">
             <a:extLst>
               <a:ext uri="{FF2B5EF4-FFF2-40B4-BE49-F238E27FC236}">
-                <a16:creationId xmlns:a16="http://schemas.microsoft.com/office/drawing/2014/main" id="{C9C30014-545C-4A40-85DD-EEF2478DFD9F}"/>
+                <a16:creationId xmlns:a16="http://schemas.microsoft.com/office/drawing/2014/main" id="{2258A93B-DC81-4A28-9D9B-DB918C94D673}"/>
               </a:ext>
             </a:extLst>
           </p:cNvPr>
@@ -4689,35 +4772,6 @@
           </a:prstGeom>
         </p:spPr>
       </p:pic>
-      <p:sp>
-        <p:nvSpPr>
-          <p:cNvPr id="6" name="Segnaposto numero diapositiva 5">
-            <a:extLst>
-              <a:ext uri="{FF2B5EF4-FFF2-40B4-BE49-F238E27FC236}">
-                <a16:creationId xmlns:a16="http://schemas.microsoft.com/office/drawing/2014/main" id="{74C45054-7913-4C13-B7DB-69CBC3E69928}"/>
-              </a:ext>
-            </a:extLst>
-          </p:cNvPr>
-          <p:cNvSpPr>
-            <a:spLocks noGrp="1"/>
-          </p:cNvSpPr>
-          <p:nvPr>
-            <p:ph type="sldNum" sz="quarter" idx="12"/>
-          </p:nvPr>
-        </p:nvSpPr>
-        <p:spPr/>
-        <p:txBody>
-          <a:bodyPr/>
-          <a:lstStyle/>
-          <a:p>
-            <a:fld id="{4854181D-6920-4594-9A5D-6CE56DC9F8B2}" type="slidenum">
-              <a:rPr lang="en-US" smtClean="0"/>
-              <a:t>13</a:t>
-            </a:fld>
-            <a:endParaRPr lang="en-US"/>
-          </a:p>
-        </p:txBody>
-      </p:sp>
       <p:pic>
         <p:nvPicPr>
           <p:cNvPr id="13" name="Immagine 12" descr="Immagine che contiene disegnando, orologio&#10;&#10;Descrizione generata automaticamente">
@@ -4754,6 +4808,35 @@
           </a:prstGeom>
         </p:spPr>
       </p:pic>
+      <p:sp>
+        <p:nvSpPr>
+          <p:cNvPr id="5" name="Segnaposto numero diapositiva 4">
+            <a:extLst>
+              <a:ext uri="{FF2B5EF4-FFF2-40B4-BE49-F238E27FC236}">
+                <a16:creationId xmlns:a16="http://schemas.microsoft.com/office/drawing/2014/main" id="{927F117E-DCAA-45EB-9315-286A3870120E}"/>
+              </a:ext>
+            </a:extLst>
+          </p:cNvPr>
+          <p:cNvSpPr>
+            <a:spLocks noGrp="1"/>
+          </p:cNvSpPr>
+          <p:nvPr>
+            <p:ph type="sldNum" sz="quarter" idx="12"/>
+          </p:nvPr>
+        </p:nvSpPr>
+        <p:spPr/>
+        <p:txBody>
+          <a:bodyPr/>
+          <a:lstStyle/>
+          <a:p>
+            <a:fld id="{4854181D-6920-4594-9A5D-6CE56DC9F8B2}" type="slidenum">
+              <a:rPr lang="en-US" smtClean="0"/>
+              <a:t>13</a:t>
+            </a:fld>
+            <a:endParaRPr lang="en-US"/>
+          </a:p>
+        </p:txBody>
+      </p:sp>
     </p:spTree>
     <p:extLst>
       <p:ext uri="{BB962C8B-B14F-4D97-AF65-F5344CB8AC3E}">
@@ -4870,35 +4953,6 @@
           </a:p>
         </p:txBody>
       </p:sp>
-      <p:sp>
-        <p:nvSpPr>
-          <p:cNvPr id="3" name="Segnaposto numero diapositiva 2">
-            <a:extLst>
-              <a:ext uri="{FF2B5EF4-FFF2-40B4-BE49-F238E27FC236}">
-                <a16:creationId xmlns:a16="http://schemas.microsoft.com/office/drawing/2014/main" id="{9D4E6BFE-F9D6-4BAF-80BD-1D493B0A098A}"/>
-              </a:ext>
-            </a:extLst>
-          </p:cNvPr>
-          <p:cNvSpPr>
-            <a:spLocks noGrp="1"/>
-          </p:cNvSpPr>
-          <p:nvPr>
-            <p:ph type="sldNum" sz="quarter" idx="12"/>
-          </p:nvPr>
-        </p:nvSpPr>
-        <p:spPr/>
-        <p:txBody>
-          <a:bodyPr/>
-          <a:lstStyle/>
-          <a:p>
-            <a:fld id="{4854181D-6920-4594-9A5D-6CE56DC9F8B2}" type="slidenum">
-              <a:rPr lang="en-US" smtClean="0"/>
-              <a:t>14</a:t>
-            </a:fld>
-            <a:endParaRPr lang="en-US"/>
-          </a:p>
-        </p:txBody>
-      </p:sp>
       <p:pic>
         <p:nvPicPr>
           <p:cNvPr id="6" name="Immagine 5" descr="Immagine che contiene screenshot&#10;&#10;Descrizione generata automaticamente">
@@ -4935,6 +4989,35 @@
           </a:prstGeom>
         </p:spPr>
       </p:pic>
+      <p:sp>
+        <p:nvSpPr>
+          <p:cNvPr id="2" name="Segnaposto numero diapositiva 1">
+            <a:extLst>
+              <a:ext uri="{FF2B5EF4-FFF2-40B4-BE49-F238E27FC236}">
+                <a16:creationId xmlns:a16="http://schemas.microsoft.com/office/drawing/2014/main" id="{7C460810-5A0F-4C91-89F9-7D27DB108EDF}"/>
+              </a:ext>
+            </a:extLst>
+          </p:cNvPr>
+          <p:cNvSpPr>
+            <a:spLocks noGrp="1"/>
+          </p:cNvSpPr>
+          <p:nvPr>
+            <p:ph type="sldNum" sz="quarter" idx="12"/>
+          </p:nvPr>
+        </p:nvSpPr>
+        <p:spPr/>
+        <p:txBody>
+          <a:bodyPr/>
+          <a:lstStyle/>
+          <a:p>
+            <a:fld id="{4854181D-6920-4594-9A5D-6CE56DC9F8B2}" type="slidenum">
+              <a:rPr lang="en-US" smtClean="0"/>
+              <a:t>14</a:t>
+            </a:fld>
+            <a:endParaRPr lang="en-US"/>
+          </a:p>
+        </p:txBody>
+      </p:sp>
     </p:spTree>
     <p:extLst>
       <p:ext uri="{BB962C8B-B14F-4D97-AF65-F5344CB8AC3E}">
@@ -5064,12 +5147,84 @@
           </a:p>
         </p:txBody>
       </p:sp>
+      <p:pic>
+        <p:nvPicPr>
+          <p:cNvPr id="6" name="Immagine 5" descr="Immagine che contiene screenshot&#10;&#10;Descrizione generata automaticamente">
+            <a:extLst>
+              <a:ext uri="{FF2B5EF4-FFF2-40B4-BE49-F238E27FC236}">
+                <a16:creationId xmlns:a16="http://schemas.microsoft.com/office/drawing/2014/main" id="{FD1407B5-1DA9-4C18-AF77-013E096F29B7}"/>
+              </a:ext>
+            </a:extLst>
+          </p:cNvPr>
+          <p:cNvPicPr>
+            <a:picLocks noChangeAspect="1"/>
+          </p:cNvPicPr>
+          <p:nvPr/>
+        </p:nvPicPr>
+        <p:blipFill>
+          <a:blip r:embed="rId3">
+            <a:extLst>
+              <a:ext uri="{28A0092B-C50C-407E-A947-70E740481C1C}">
+                <a14:useLocalDpi xmlns:a14="http://schemas.microsoft.com/office/drawing/2010/main" val="0"/>
+              </a:ext>
+            </a:extLst>
+          </a:blip>
+          <a:stretch>
+            <a:fillRect/>
+          </a:stretch>
+        </p:blipFill>
+        <p:spPr>
+          <a:xfrm>
+            <a:off x="602403" y="2792161"/>
+            <a:ext cx="5077716" cy="2045103"/>
+          </a:xfrm>
+          <a:prstGeom prst="rect">
+            <a:avLst/>
+          </a:prstGeom>
+        </p:spPr>
+      </p:pic>
+      <p:pic>
+        <p:nvPicPr>
+          <p:cNvPr id="8" name="Immagine 7">
+            <a:extLst>
+              <a:ext uri="{FF2B5EF4-FFF2-40B4-BE49-F238E27FC236}">
+                <a16:creationId xmlns:a16="http://schemas.microsoft.com/office/drawing/2014/main" id="{9339F9C3-419C-4808-99DB-106981BA3839}"/>
+              </a:ext>
+            </a:extLst>
+          </p:cNvPr>
+          <p:cNvPicPr>
+            <a:picLocks noChangeAspect="1"/>
+          </p:cNvPicPr>
+          <p:nvPr/>
+        </p:nvPicPr>
+        <p:blipFill>
+          <a:blip r:embed="rId4">
+            <a:extLst>
+              <a:ext uri="{28A0092B-C50C-407E-A947-70E740481C1C}">
+                <a14:useLocalDpi xmlns:a14="http://schemas.microsoft.com/office/drawing/2010/main" val="0"/>
+              </a:ext>
+            </a:extLst>
+          </a:blip>
+          <a:stretch>
+            <a:fillRect/>
+          </a:stretch>
+        </p:blipFill>
+        <p:spPr>
+          <a:xfrm>
+            <a:off x="6096000" y="1519997"/>
+            <a:ext cx="5493597" cy="4589429"/>
+          </a:xfrm>
+          <a:prstGeom prst="rect">
+            <a:avLst/>
+          </a:prstGeom>
+        </p:spPr>
+      </p:pic>
       <p:sp>
         <p:nvSpPr>
-          <p:cNvPr id="3" name="Segnaposto numero diapositiva 2">
+          <p:cNvPr id="2" name="Segnaposto numero diapositiva 1">
             <a:extLst>
               <a:ext uri="{FF2B5EF4-FFF2-40B4-BE49-F238E27FC236}">
-                <a16:creationId xmlns:a16="http://schemas.microsoft.com/office/drawing/2014/main" id="{9D4E6BFE-F9D6-4BAF-80BD-1D493B0A098A}"/>
+                <a16:creationId xmlns:a16="http://schemas.microsoft.com/office/drawing/2014/main" id="{C5BE8150-B75D-4DEF-A43A-0543361CA26C}"/>
               </a:ext>
             </a:extLst>
           </p:cNvPr>
@@ -5093,78 +5248,6 @@
           </a:p>
         </p:txBody>
       </p:sp>
-      <p:pic>
-        <p:nvPicPr>
-          <p:cNvPr id="6" name="Immagine 5" descr="Immagine che contiene screenshot&#10;&#10;Descrizione generata automaticamente">
-            <a:extLst>
-              <a:ext uri="{FF2B5EF4-FFF2-40B4-BE49-F238E27FC236}">
-                <a16:creationId xmlns:a16="http://schemas.microsoft.com/office/drawing/2014/main" id="{FD1407B5-1DA9-4C18-AF77-013E096F29B7}"/>
-              </a:ext>
-            </a:extLst>
-          </p:cNvPr>
-          <p:cNvPicPr>
-            <a:picLocks noChangeAspect="1"/>
-          </p:cNvPicPr>
-          <p:nvPr/>
-        </p:nvPicPr>
-        <p:blipFill>
-          <a:blip r:embed="rId3">
-            <a:extLst>
-              <a:ext uri="{28A0092B-C50C-407E-A947-70E740481C1C}">
-                <a14:useLocalDpi xmlns:a14="http://schemas.microsoft.com/office/drawing/2010/main" val="0"/>
-              </a:ext>
-            </a:extLst>
-          </a:blip>
-          <a:stretch>
-            <a:fillRect/>
-          </a:stretch>
-        </p:blipFill>
-        <p:spPr>
-          <a:xfrm>
-            <a:off x="337221" y="2792161"/>
-            <a:ext cx="5077716" cy="2045103"/>
-          </a:xfrm>
-          <a:prstGeom prst="rect">
-            <a:avLst/>
-          </a:prstGeom>
-        </p:spPr>
-      </p:pic>
-      <p:pic>
-        <p:nvPicPr>
-          <p:cNvPr id="8" name="Immagine 7">
-            <a:extLst>
-              <a:ext uri="{FF2B5EF4-FFF2-40B4-BE49-F238E27FC236}">
-                <a16:creationId xmlns:a16="http://schemas.microsoft.com/office/drawing/2014/main" id="{9339F9C3-419C-4808-99DB-106981BA3839}"/>
-              </a:ext>
-            </a:extLst>
-          </p:cNvPr>
-          <p:cNvPicPr>
-            <a:picLocks noChangeAspect="1"/>
-          </p:cNvPicPr>
-          <p:nvPr/>
-        </p:nvPicPr>
-        <p:blipFill>
-          <a:blip r:embed="rId4">
-            <a:extLst>
-              <a:ext uri="{28A0092B-C50C-407E-A947-70E740481C1C}">
-                <a14:useLocalDpi xmlns:a14="http://schemas.microsoft.com/office/drawing/2010/main" val="0"/>
-              </a:ext>
-            </a:extLst>
-          </a:blip>
-          <a:stretch>
-            <a:fillRect/>
-          </a:stretch>
-        </p:blipFill>
-        <p:spPr>
-          <a:xfrm>
-            <a:off x="5863801" y="1519998"/>
-            <a:ext cx="5493597" cy="4589429"/>
-          </a:xfrm>
-          <a:prstGeom prst="rect">
-            <a:avLst/>
-          </a:prstGeom>
-        </p:spPr>
-      </p:pic>
     </p:spTree>
     <p:extLst>
       <p:ext uri="{BB962C8B-B14F-4D97-AF65-F5344CB8AC3E}">
@@ -5281,35 +5364,6 @@
           </a:p>
         </p:txBody>
       </p:sp>
-      <p:sp>
-        <p:nvSpPr>
-          <p:cNvPr id="3" name="Segnaposto numero diapositiva 2">
-            <a:extLst>
-              <a:ext uri="{FF2B5EF4-FFF2-40B4-BE49-F238E27FC236}">
-                <a16:creationId xmlns:a16="http://schemas.microsoft.com/office/drawing/2014/main" id="{9D4E6BFE-F9D6-4BAF-80BD-1D493B0A098A}"/>
-              </a:ext>
-            </a:extLst>
-          </p:cNvPr>
-          <p:cNvSpPr>
-            <a:spLocks noGrp="1"/>
-          </p:cNvSpPr>
-          <p:nvPr>
-            <p:ph type="sldNum" sz="quarter" idx="12"/>
-          </p:nvPr>
-        </p:nvSpPr>
-        <p:spPr/>
-        <p:txBody>
-          <a:bodyPr/>
-          <a:lstStyle/>
-          <a:p>
-            <a:fld id="{4854181D-6920-4594-9A5D-6CE56DC9F8B2}" type="slidenum">
-              <a:rPr lang="en-US" smtClean="0"/>
-              <a:t>16</a:t>
-            </a:fld>
-            <a:endParaRPr lang="en-US"/>
-          </a:p>
-        </p:txBody>
-      </p:sp>
       <p:pic>
         <p:nvPicPr>
           <p:cNvPr id="5" name="Immagine 4" descr="Immagine che contiene screenshot&#10;&#10;Descrizione generata automaticamente">
@@ -5346,6 +5400,35 @@
           </a:prstGeom>
         </p:spPr>
       </p:pic>
+      <p:sp>
+        <p:nvSpPr>
+          <p:cNvPr id="2" name="Segnaposto numero diapositiva 1">
+            <a:extLst>
+              <a:ext uri="{FF2B5EF4-FFF2-40B4-BE49-F238E27FC236}">
+                <a16:creationId xmlns:a16="http://schemas.microsoft.com/office/drawing/2014/main" id="{A18B3BCB-DA3C-4EE6-ADC0-3FCB2CFEAD02}"/>
+              </a:ext>
+            </a:extLst>
+          </p:cNvPr>
+          <p:cNvSpPr>
+            <a:spLocks noGrp="1"/>
+          </p:cNvSpPr>
+          <p:nvPr>
+            <p:ph type="sldNum" sz="quarter" idx="12"/>
+          </p:nvPr>
+        </p:nvSpPr>
+        <p:spPr/>
+        <p:txBody>
+          <a:bodyPr/>
+          <a:lstStyle/>
+          <a:p>
+            <a:fld id="{4854181D-6920-4594-9A5D-6CE56DC9F8B2}" type="slidenum">
+              <a:rPr lang="en-US" smtClean="0"/>
+              <a:t>16</a:t>
+            </a:fld>
+            <a:endParaRPr lang="en-US"/>
+          </a:p>
+        </p:txBody>
+      </p:sp>
     </p:spTree>
     <p:extLst>
       <p:ext uri="{BB962C8B-B14F-4D97-AF65-F5344CB8AC3E}">
@@ -5871,10 +5954,10 @@
       </p:sp>
       <p:sp>
         <p:nvSpPr>
-          <p:cNvPr id="3" name="Segnaposto numero diapositiva 2">
+          <p:cNvPr id="2" name="Segnaposto numero diapositiva 1">
             <a:extLst>
               <a:ext uri="{FF2B5EF4-FFF2-40B4-BE49-F238E27FC236}">
-                <a16:creationId xmlns:a16="http://schemas.microsoft.com/office/drawing/2014/main" id="{9D4E6BFE-F9D6-4BAF-80BD-1D493B0A098A}"/>
+                <a16:creationId xmlns:a16="http://schemas.microsoft.com/office/drawing/2014/main" id="{8AFD7117-21B0-47EF-8110-9958517C0A96}"/>
               </a:ext>
             </a:extLst>
           </p:cNvPr>
@@ -6522,10 +6605,10 @@
       </p:sp>
       <p:sp>
         <p:nvSpPr>
-          <p:cNvPr id="3" name="Segnaposto numero diapositiva 2">
+          <p:cNvPr id="2" name="Segnaposto numero diapositiva 1">
             <a:extLst>
               <a:ext uri="{FF2B5EF4-FFF2-40B4-BE49-F238E27FC236}">
-                <a16:creationId xmlns:a16="http://schemas.microsoft.com/office/drawing/2014/main" id="{B7F1A0EE-8767-4CCF-B592-307DB0643630}"/>
+                <a16:creationId xmlns:a16="http://schemas.microsoft.com/office/drawing/2014/main" id="{D8F178AF-57A1-4604-BDC4-6998A478D968}"/>
               </a:ext>
             </a:extLst>
           </p:cNvPr>
@@ -7174,10 +7257,10 @@
       </p:sp>
       <p:sp>
         <p:nvSpPr>
-          <p:cNvPr id="3" name="Segnaposto numero diapositiva 2">
+          <p:cNvPr id="2" name="Segnaposto numero diapositiva 1">
             <a:extLst>
               <a:ext uri="{FF2B5EF4-FFF2-40B4-BE49-F238E27FC236}">
-                <a16:creationId xmlns:a16="http://schemas.microsoft.com/office/drawing/2014/main" id="{74471CCF-DD1C-42CD-9EA8-55DE505722AA}"/>
+                <a16:creationId xmlns:a16="http://schemas.microsoft.com/office/drawing/2014/main" id="{EA8FBF00-B0F0-4579-BC24-41F12891EFA5}"/>
               </a:ext>
             </a:extLst>
           </p:cNvPr>
@@ -7613,10 +7696,10 @@
       </p:sp>
       <p:sp>
         <p:nvSpPr>
-          <p:cNvPr id="3" name="Segnaposto numero diapositiva 2">
+          <p:cNvPr id="2" name="Segnaposto numero diapositiva 1">
             <a:extLst>
               <a:ext uri="{FF2B5EF4-FFF2-40B4-BE49-F238E27FC236}">
-                <a16:creationId xmlns:a16="http://schemas.microsoft.com/office/drawing/2014/main" id="{075B4F5A-2BB5-4E0E-9F24-054AA98CED71}"/>
+                <a16:creationId xmlns:a16="http://schemas.microsoft.com/office/drawing/2014/main" id="{FA8996B0-5ACC-4713-B7F7-02E5A056B3AB}"/>
               </a:ext>
             </a:extLst>
           </p:cNvPr>
@@ -8270,10 +8353,10 @@
       </p:sp>
       <p:sp>
         <p:nvSpPr>
-          <p:cNvPr id="3" name="Segnaposto numero diapositiva 2">
+          <p:cNvPr id="2" name="Segnaposto numero diapositiva 1">
             <a:extLst>
               <a:ext uri="{FF2B5EF4-FFF2-40B4-BE49-F238E27FC236}">
-                <a16:creationId xmlns:a16="http://schemas.microsoft.com/office/drawing/2014/main" id="{24B62806-4A7F-468D-9C6E-FA653B6FE253}"/>
+                <a16:creationId xmlns:a16="http://schemas.microsoft.com/office/drawing/2014/main" id="{5302166B-4BEB-4907-A716-F30AD269909F}"/>
               </a:ext>
             </a:extLst>
           </p:cNvPr>
@@ -8840,10 +8923,10 @@
       </p:sp>
       <p:sp>
         <p:nvSpPr>
-          <p:cNvPr id="6" name="Segnaposto numero diapositiva 5">
+          <p:cNvPr id="2" name="Segnaposto numero diapositiva 1">
             <a:extLst>
               <a:ext uri="{FF2B5EF4-FFF2-40B4-BE49-F238E27FC236}">
-                <a16:creationId xmlns:a16="http://schemas.microsoft.com/office/drawing/2014/main" id="{DCEEC4A1-07BB-49D0-9B46-E27BE2238F83}"/>
+                <a16:creationId xmlns:a16="http://schemas.microsoft.com/office/drawing/2014/main" id="{8DE1EB9E-19B3-4788-85CA-10E70389246C}"/>
               </a:ext>
             </a:extLst>
           </p:cNvPr>
@@ -9394,10 +9477,10 @@
       </p:sp>
       <p:sp>
         <p:nvSpPr>
-          <p:cNvPr id="5" name="Segnaposto numero diapositiva 4">
+          <p:cNvPr id="2" name="Segnaposto numero diapositiva 1">
             <a:extLst>
               <a:ext uri="{FF2B5EF4-FFF2-40B4-BE49-F238E27FC236}">
-                <a16:creationId xmlns:a16="http://schemas.microsoft.com/office/drawing/2014/main" id="{4F4507F0-A999-48B2-A69B-33ECA7540C34}"/>
+                <a16:creationId xmlns:a16="http://schemas.microsoft.com/office/drawing/2014/main" id="{DB9E6D09-CB4D-4000-B173-CE8E2992C063}"/>
               </a:ext>
             </a:extLst>
           </p:cNvPr>
@@ -10012,10 +10095,10 @@
       </p:sp>
       <p:sp>
         <p:nvSpPr>
-          <p:cNvPr id="5" name="Segnaposto numero diapositiva 4">
+          <p:cNvPr id="2" name="Segnaposto numero diapositiva 1">
             <a:extLst>
               <a:ext uri="{FF2B5EF4-FFF2-40B4-BE49-F238E27FC236}">
-                <a16:creationId xmlns:a16="http://schemas.microsoft.com/office/drawing/2014/main" id="{271F0076-91B2-4C67-9522-EDA2CF5A7883}"/>
+                <a16:creationId xmlns:a16="http://schemas.microsoft.com/office/drawing/2014/main" id="{2F26B40E-6425-473B-B061-FBB207CA5FC3}"/>
               </a:ext>
             </a:extLst>
           </p:cNvPr>
@@ -11051,10 +11134,10 @@
       </p:sp>
       <p:sp>
         <p:nvSpPr>
-          <p:cNvPr id="2" name="Segnaposto numero diapositiva 1">
+          <p:cNvPr id="3" name="Segnaposto numero diapositiva 2">
             <a:extLst>
               <a:ext uri="{FF2B5EF4-FFF2-40B4-BE49-F238E27FC236}">
-                <a16:creationId xmlns:a16="http://schemas.microsoft.com/office/drawing/2014/main" id="{C1895AC1-923F-461B-A013-48A3D35F6685}"/>
+                <a16:creationId xmlns:a16="http://schemas.microsoft.com/office/drawing/2014/main" id="{ECC89D23-2095-4787-85FD-29E68AF0DB5B}"/>
               </a:ext>
             </a:extLst>
           </p:cNvPr>
@@ -11194,35 +11277,6 @@
           </a:p>
         </p:txBody>
       </p:sp>
-      <p:sp>
-        <p:nvSpPr>
-          <p:cNvPr id="3" name="Segnaposto numero diapositiva 2">
-            <a:extLst>
-              <a:ext uri="{FF2B5EF4-FFF2-40B4-BE49-F238E27FC236}">
-                <a16:creationId xmlns:a16="http://schemas.microsoft.com/office/drawing/2014/main" id="{9D4E6BFE-F9D6-4BAF-80BD-1D493B0A098A}"/>
-              </a:ext>
-            </a:extLst>
-          </p:cNvPr>
-          <p:cNvSpPr>
-            <a:spLocks noGrp="1"/>
-          </p:cNvSpPr>
-          <p:nvPr>
-            <p:ph type="sldNum" sz="quarter" idx="12"/>
-          </p:nvPr>
-        </p:nvSpPr>
-        <p:spPr/>
-        <p:txBody>
-          <a:bodyPr/>
-          <a:lstStyle/>
-          <a:p>
-            <a:fld id="{4854181D-6920-4594-9A5D-6CE56DC9F8B2}" type="slidenum">
-              <a:rPr lang="en-US" smtClean="0"/>
-              <a:t>25</a:t>
-            </a:fld>
-            <a:endParaRPr lang="en-US"/>
-          </a:p>
-        </p:txBody>
-      </p:sp>
       <p:pic>
         <p:nvPicPr>
           <p:cNvPr id="20" name="Immagine 19">
@@ -11253,6 +11307,35 @@
           </a:prstGeom>
         </p:spPr>
       </p:pic>
+      <p:sp>
+        <p:nvSpPr>
+          <p:cNvPr id="2" name="Segnaposto numero diapositiva 1">
+            <a:extLst>
+              <a:ext uri="{FF2B5EF4-FFF2-40B4-BE49-F238E27FC236}">
+                <a16:creationId xmlns:a16="http://schemas.microsoft.com/office/drawing/2014/main" id="{350C013C-7F40-436F-BE3C-683F9EC1CA4F}"/>
+              </a:ext>
+            </a:extLst>
+          </p:cNvPr>
+          <p:cNvSpPr>
+            <a:spLocks noGrp="1"/>
+          </p:cNvSpPr>
+          <p:nvPr>
+            <p:ph type="sldNum" sz="quarter" idx="12"/>
+          </p:nvPr>
+        </p:nvSpPr>
+        <p:spPr/>
+        <p:txBody>
+          <a:bodyPr/>
+          <a:lstStyle/>
+          <a:p>
+            <a:fld id="{4854181D-6920-4594-9A5D-6CE56DC9F8B2}" type="slidenum">
+              <a:rPr lang="en-US" smtClean="0"/>
+              <a:t>25</a:t>
+            </a:fld>
+            <a:endParaRPr lang="en-US"/>
+          </a:p>
+        </p:txBody>
+      </p:sp>
     </p:spTree>
     <p:extLst>
       <p:ext uri="{BB962C8B-B14F-4D97-AF65-F5344CB8AC3E}">
@@ -11369,35 +11452,6 @@
           </a:p>
         </p:txBody>
       </p:sp>
-      <p:sp>
-        <p:nvSpPr>
-          <p:cNvPr id="3" name="Segnaposto numero diapositiva 2">
-            <a:extLst>
-              <a:ext uri="{FF2B5EF4-FFF2-40B4-BE49-F238E27FC236}">
-                <a16:creationId xmlns:a16="http://schemas.microsoft.com/office/drawing/2014/main" id="{9D4E6BFE-F9D6-4BAF-80BD-1D493B0A098A}"/>
-              </a:ext>
-            </a:extLst>
-          </p:cNvPr>
-          <p:cNvSpPr>
-            <a:spLocks noGrp="1"/>
-          </p:cNvSpPr>
-          <p:nvPr>
-            <p:ph type="sldNum" sz="quarter" idx="12"/>
-          </p:nvPr>
-        </p:nvSpPr>
-        <p:spPr/>
-        <p:txBody>
-          <a:bodyPr/>
-          <a:lstStyle/>
-          <a:p>
-            <a:fld id="{4854181D-6920-4594-9A5D-6CE56DC9F8B2}" type="slidenum">
-              <a:rPr lang="en-US" smtClean="0"/>
-              <a:t>26</a:t>
-            </a:fld>
-            <a:endParaRPr lang="en-US"/>
-          </a:p>
-        </p:txBody>
-      </p:sp>
       <p:pic>
         <p:nvPicPr>
           <p:cNvPr id="5" name="Immagine 4">
@@ -11428,6 +11482,35 @@
           </a:prstGeom>
         </p:spPr>
       </p:pic>
+      <p:sp>
+        <p:nvSpPr>
+          <p:cNvPr id="2" name="Segnaposto numero diapositiva 1">
+            <a:extLst>
+              <a:ext uri="{FF2B5EF4-FFF2-40B4-BE49-F238E27FC236}">
+                <a16:creationId xmlns:a16="http://schemas.microsoft.com/office/drawing/2014/main" id="{B0EA013E-5233-4A5E-851F-E472DBD666FE}"/>
+              </a:ext>
+            </a:extLst>
+          </p:cNvPr>
+          <p:cNvSpPr>
+            <a:spLocks noGrp="1"/>
+          </p:cNvSpPr>
+          <p:nvPr>
+            <p:ph type="sldNum" sz="quarter" idx="12"/>
+          </p:nvPr>
+        </p:nvSpPr>
+        <p:spPr/>
+        <p:txBody>
+          <a:bodyPr/>
+          <a:lstStyle/>
+          <a:p>
+            <a:fld id="{4854181D-6920-4594-9A5D-6CE56DC9F8B2}" type="slidenum">
+              <a:rPr lang="en-US" smtClean="0"/>
+              <a:t>26</a:t>
+            </a:fld>
+            <a:endParaRPr lang="en-US"/>
+          </a:p>
+        </p:txBody>
+      </p:sp>
     </p:spTree>
     <p:extLst>
       <p:ext uri="{BB962C8B-B14F-4D97-AF65-F5344CB8AC3E}">
@@ -11544,35 +11627,6 @@
           </a:p>
         </p:txBody>
       </p:sp>
-      <p:sp>
-        <p:nvSpPr>
-          <p:cNvPr id="3" name="Segnaposto numero diapositiva 2">
-            <a:extLst>
-              <a:ext uri="{FF2B5EF4-FFF2-40B4-BE49-F238E27FC236}">
-                <a16:creationId xmlns:a16="http://schemas.microsoft.com/office/drawing/2014/main" id="{9D4E6BFE-F9D6-4BAF-80BD-1D493B0A098A}"/>
-              </a:ext>
-            </a:extLst>
-          </p:cNvPr>
-          <p:cNvSpPr>
-            <a:spLocks noGrp="1"/>
-          </p:cNvSpPr>
-          <p:nvPr>
-            <p:ph type="sldNum" sz="quarter" idx="12"/>
-          </p:nvPr>
-        </p:nvSpPr>
-        <p:spPr/>
-        <p:txBody>
-          <a:bodyPr/>
-          <a:lstStyle/>
-          <a:p>
-            <a:fld id="{4854181D-6920-4594-9A5D-6CE56DC9F8B2}" type="slidenum">
-              <a:rPr lang="en-US" smtClean="0"/>
-              <a:t>27</a:t>
-            </a:fld>
-            <a:endParaRPr lang="en-US"/>
-          </a:p>
-        </p:txBody>
-      </p:sp>
       <p:pic>
         <p:nvPicPr>
           <p:cNvPr id="7" name="Immagine 6">
@@ -11707,6 +11761,35 @@
               </a:rPr>
               <a:t>Blu: posizione stimata</a:t>
             </a:r>
+          </a:p>
+        </p:txBody>
+      </p:sp>
+      <p:sp>
+        <p:nvSpPr>
+          <p:cNvPr id="2" name="Segnaposto numero diapositiva 1">
+            <a:extLst>
+              <a:ext uri="{FF2B5EF4-FFF2-40B4-BE49-F238E27FC236}">
+                <a16:creationId xmlns:a16="http://schemas.microsoft.com/office/drawing/2014/main" id="{59F8649F-0D0A-4789-99B2-80D806AD821D}"/>
+              </a:ext>
+            </a:extLst>
+          </p:cNvPr>
+          <p:cNvSpPr>
+            <a:spLocks noGrp="1"/>
+          </p:cNvSpPr>
+          <p:nvPr>
+            <p:ph type="sldNum" sz="quarter" idx="12"/>
+          </p:nvPr>
+        </p:nvSpPr>
+        <p:spPr/>
+        <p:txBody>
+          <a:bodyPr/>
+          <a:lstStyle/>
+          <a:p>
+            <a:fld id="{4854181D-6920-4594-9A5D-6CE56DC9F8B2}" type="slidenum">
+              <a:rPr lang="en-US" smtClean="0"/>
+              <a:t>27</a:t>
+            </a:fld>
+            <a:endParaRPr lang="en-US"/>
           </a:p>
         </p:txBody>
       </p:sp>
@@ -11826,35 +11909,6 @@
           </a:p>
         </p:txBody>
       </p:sp>
-      <p:sp>
-        <p:nvSpPr>
-          <p:cNvPr id="3" name="Segnaposto numero diapositiva 2">
-            <a:extLst>
-              <a:ext uri="{FF2B5EF4-FFF2-40B4-BE49-F238E27FC236}">
-                <a16:creationId xmlns:a16="http://schemas.microsoft.com/office/drawing/2014/main" id="{9D4E6BFE-F9D6-4BAF-80BD-1D493B0A098A}"/>
-              </a:ext>
-            </a:extLst>
-          </p:cNvPr>
-          <p:cNvSpPr>
-            <a:spLocks noGrp="1"/>
-          </p:cNvSpPr>
-          <p:nvPr>
-            <p:ph type="sldNum" sz="quarter" idx="12"/>
-          </p:nvPr>
-        </p:nvSpPr>
-        <p:spPr/>
-        <p:txBody>
-          <a:bodyPr/>
-          <a:lstStyle/>
-          <a:p>
-            <a:fld id="{4854181D-6920-4594-9A5D-6CE56DC9F8B2}" type="slidenum">
-              <a:rPr lang="en-US" smtClean="0"/>
-              <a:t>28</a:t>
-            </a:fld>
-            <a:endParaRPr lang="en-US"/>
-          </a:p>
-        </p:txBody>
-      </p:sp>
       <p:pic>
         <p:nvPicPr>
           <p:cNvPr id="5" name="Immagine 4">
@@ -11885,6 +11939,35 @@
           </a:prstGeom>
         </p:spPr>
       </p:pic>
+      <p:sp>
+        <p:nvSpPr>
+          <p:cNvPr id="2" name="Segnaposto numero diapositiva 1">
+            <a:extLst>
+              <a:ext uri="{FF2B5EF4-FFF2-40B4-BE49-F238E27FC236}">
+                <a16:creationId xmlns:a16="http://schemas.microsoft.com/office/drawing/2014/main" id="{2D93E094-05D2-4BA6-88B6-09B7A104FE2E}"/>
+              </a:ext>
+            </a:extLst>
+          </p:cNvPr>
+          <p:cNvSpPr>
+            <a:spLocks noGrp="1"/>
+          </p:cNvSpPr>
+          <p:nvPr>
+            <p:ph type="sldNum" sz="quarter" idx="12"/>
+          </p:nvPr>
+        </p:nvSpPr>
+        <p:spPr/>
+        <p:txBody>
+          <a:bodyPr/>
+          <a:lstStyle/>
+          <a:p>
+            <a:fld id="{4854181D-6920-4594-9A5D-6CE56DC9F8B2}" type="slidenum">
+              <a:rPr lang="en-US" smtClean="0"/>
+              <a:t>28</a:t>
+            </a:fld>
+            <a:endParaRPr lang="en-US"/>
+          </a:p>
+        </p:txBody>
+      </p:sp>
     </p:spTree>
     <p:extLst>
       <p:ext uri="{BB962C8B-B14F-4D97-AF65-F5344CB8AC3E}">
@@ -11958,7 +12041,7 @@
           <a:lstStyle/>
           <a:p>
             <a:r>
-              <a:rPr lang="it-IT" sz="4000" b="1" dirty="0">
+              <a:rPr lang="it-IT" sz="4000" b="1">
                 <a:solidFill>
                   <a:schemeClr val="bg1"/>
                 </a:solidFill>
@@ -11967,7 +12050,7 @@
             </a:r>
           </a:p>
           <a:p>
-            <a:endParaRPr lang="it-IT" sz="4000" u="sng" dirty="0">
+            <a:endParaRPr lang="it-IT" sz="4000" u="sng">
               <a:solidFill>
                 <a:schemeClr val="bg1"/>
               </a:solidFill>
@@ -12040,7 +12123,7 @@
               <a:buChar char="•"/>
             </a:pPr>
             <a:r>
-              <a:rPr lang="it-IT" sz="2400" dirty="0">
+              <a:rPr lang="it-IT" sz="2400">
                 <a:solidFill>
                   <a:schemeClr val="bg1"/>
                 </a:solidFill>
@@ -12048,7 +12131,7 @@
               <a:t>Input: </a:t>
             </a:r>
             <a:r>
-              <a:rPr lang="it-IT" sz="2400" b="1" dirty="0">
+              <a:rPr lang="it-IT" sz="2400" b="1">
                 <a:solidFill>
                   <a:schemeClr val="bg1"/>
                 </a:solidFill>
@@ -12056,44 +12139,12 @@
               <a:t>n</a:t>
             </a:r>
             <a:r>
-              <a:rPr lang="it-IT" sz="2400" dirty="0">
+              <a:rPr lang="it-IT" sz="2400">
                 <a:solidFill>
                   <a:schemeClr val="bg1"/>
                 </a:solidFill>
               </a:rPr>
-              <a:t> vettore 7x1 delle velocità desiderate delle eliche dei </a:t>
-            </a:r>
-            <a:r>
-              <a:rPr lang="it-IT" sz="2400" dirty="0" err="1">
-                <a:solidFill>
-                  <a:schemeClr val="bg1"/>
-                </a:solidFill>
-              </a:rPr>
-              <a:t>thruster</a:t>
-            </a:r>
-            <a:r>
-              <a:rPr lang="it-IT" sz="2400" dirty="0">
-                <a:solidFill>
-                  <a:schemeClr val="bg1"/>
-                </a:solidFill>
-              </a:rPr>
-              <a:t> (</a:t>
-            </a:r>
-            <a:r>
-              <a:rPr lang="it-IT" sz="2400" dirty="0" err="1">
-                <a:solidFill>
-                  <a:schemeClr val="bg1"/>
-                </a:solidFill>
-              </a:rPr>
-              <a:t>rad</a:t>
-            </a:r>
-            <a:r>
-              <a:rPr lang="it-IT" sz="2400" dirty="0">
-                <a:solidFill>
-                  <a:schemeClr val="bg1"/>
-                </a:solidFill>
-              </a:rPr>
-              <a:t>/s) </a:t>
+              <a:t> vettore 7x1 delle velocità desiderate delle eliche dei thruster (rad/s) </a:t>
             </a:r>
           </a:p>
           <a:p>
@@ -12101,7 +12152,7 @@
               <a:buFont typeface="Arial" panose="020B0604020202020204" pitchFamily="34" charset="0"/>
               <a:buChar char="•"/>
             </a:pPr>
-            <a:endParaRPr lang="it-IT" sz="2400" dirty="0">
+            <a:endParaRPr lang="it-IT" sz="2400">
               <a:solidFill>
                 <a:schemeClr val="bg1"/>
               </a:solidFill>
@@ -12113,7 +12164,7 @@
               <a:buChar char="•"/>
             </a:pPr>
             <a:r>
-              <a:rPr lang="it-IT" sz="2400" dirty="0">
+              <a:rPr lang="it-IT" sz="2400">
                 <a:solidFill>
                   <a:schemeClr val="bg1"/>
                 </a:solidFill>
@@ -12126,12 +12177,48 @@
           </a:p>
         </p:txBody>
       </p:sp>
+      <p:pic>
+        <p:nvPicPr>
+          <p:cNvPr id="5" name="Immagine 4">
+            <a:extLst>
+              <a:ext uri="{FF2B5EF4-FFF2-40B4-BE49-F238E27FC236}">
+                <a16:creationId xmlns:a16="http://schemas.microsoft.com/office/drawing/2014/main" id="{F96452AE-B346-4DA4-B49D-FF8873DFFFC3}"/>
+              </a:ext>
+            </a:extLst>
+          </p:cNvPr>
+          <p:cNvPicPr>
+            <a:picLocks noChangeAspect="1"/>
+          </p:cNvPicPr>
+          <p:nvPr/>
+        </p:nvPicPr>
+        <p:blipFill>
+          <a:blip r:embed="rId3">
+            <a:extLst>
+              <a:ext uri="{28A0092B-C50C-407E-A947-70E740481C1C}">
+                <a14:useLocalDpi xmlns:a14="http://schemas.microsoft.com/office/drawing/2010/main" val="0"/>
+              </a:ext>
+            </a:extLst>
+          </a:blip>
+          <a:stretch>
+            <a:fillRect/>
+          </a:stretch>
+        </p:blipFill>
+        <p:spPr>
+          <a:xfrm>
+            <a:off x="6800295" y="631856"/>
+            <a:ext cx="4631979" cy="5582348"/>
+          </a:xfrm>
+          <a:prstGeom prst="rect">
+            <a:avLst/>
+          </a:prstGeom>
+        </p:spPr>
+      </p:pic>
       <p:sp>
         <p:nvSpPr>
-          <p:cNvPr id="3" name="Segnaposto numero diapositiva 2">
+          <p:cNvPr id="7" name="Segnaposto numero diapositiva 6">
             <a:extLst>
               <a:ext uri="{FF2B5EF4-FFF2-40B4-BE49-F238E27FC236}">
-                <a16:creationId xmlns:a16="http://schemas.microsoft.com/office/drawing/2014/main" id="{E90B0F11-69C7-434D-897F-49F172DD8589}"/>
+                <a16:creationId xmlns:a16="http://schemas.microsoft.com/office/drawing/2014/main" id="{7E1C3A03-FDB3-4D09-AE97-4F7C1F4DCA03}"/>
               </a:ext>
             </a:extLst>
           </p:cNvPr>
@@ -12155,35 +12242,6 @@
           </a:p>
         </p:txBody>
       </p:sp>
-      <p:pic>
-        <p:nvPicPr>
-          <p:cNvPr id="2" name="Immagine 1">
-            <a:extLst>
-              <a:ext uri="{FF2B5EF4-FFF2-40B4-BE49-F238E27FC236}">
-                <a16:creationId xmlns:a16="http://schemas.microsoft.com/office/drawing/2014/main" id="{E03C55DB-D57C-41DD-879A-B5D6B714B35E}"/>
-              </a:ext>
-            </a:extLst>
-          </p:cNvPr>
-          <p:cNvPicPr>
-            <a:picLocks noChangeAspect="1"/>
-          </p:cNvPicPr>
-          <p:nvPr/>
-        </p:nvPicPr>
-        <p:blipFill rotWithShape="1">
-          <a:blip r:embed="rId3"/>
-          <a:srcRect l="43221" t="32578" r="29566" b="9455"/>
-          <a:stretch/>
-        </p:blipFill>
-        <p:spPr>
-          <a:xfrm>
-            <a:off x="6975835" y="750851"/>
-            <a:ext cx="4487159" cy="5376572"/>
-          </a:xfrm>
-          <a:prstGeom prst="rect">
-            <a:avLst/>
-          </a:prstGeom>
-        </p:spPr>
-      </p:pic>
     </p:spTree>
     <p:extLst>
       <p:ext uri="{BB962C8B-B14F-4D97-AF65-F5344CB8AC3E}">
@@ -12536,7 +12594,7 @@
         <p:spPr>
           <a:xfrm>
             <a:off x="4784006" y="4461550"/>
-            <a:ext cx="4690857" cy="2308324"/>
+            <a:ext cx="4690857" cy="2031325"/>
           </a:xfrm>
           <a:prstGeom prst="rect">
             <a:avLst/>
@@ -12555,17 +12613,7 @@
                   <a:schemeClr val="bg1"/>
                 </a:solidFill>
               </a:rPr>
-              <a:t>a = b = 0.35m</a:t>
-            </a:r>
-          </a:p>
-          <a:p>
-            <a:r>
-              <a:rPr lang="it-IT" dirty="0">
-                <a:solidFill>
-                  <a:schemeClr val="bg1"/>
-                </a:solidFill>
-              </a:rPr>
-              <a:t>c = 0.19m</a:t>
+              <a:t>a = b = 0.35m	c = 0.19m</a:t>
             </a:r>
           </a:p>
           <a:p>
@@ -12601,7 +12649,7 @@
                   <a:schemeClr val="bg1"/>
                 </a:solidFill>
               </a:rPr>
-              <a:t>3</a:t>
+              <a:t>3 </a:t>
             </a:r>
           </a:p>
           <a:p>
@@ -12861,10 +12909,10 @@
       </p:sp>
       <p:sp>
         <p:nvSpPr>
-          <p:cNvPr id="3" name="Segnaposto numero diapositiva 2">
+          <p:cNvPr id="2" name="Segnaposto numero diapositiva 1">
             <a:extLst>
               <a:ext uri="{FF2B5EF4-FFF2-40B4-BE49-F238E27FC236}">
-                <a16:creationId xmlns:a16="http://schemas.microsoft.com/office/drawing/2014/main" id="{B6CFE4A3-20B8-4B02-B01E-127C2499CDCF}"/>
+                <a16:creationId xmlns:a16="http://schemas.microsoft.com/office/drawing/2014/main" id="{A0BDB7C5-88D6-48C7-90EA-2A37C90871EA}"/>
               </a:ext>
             </a:extLst>
           </p:cNvPr>
@@ -12884,7 +12932,7 @@
               <a:rPr lang="en-US" smtClean="0"/>
               <a:t>4</a:t>
             </a:fld>
-            <a:endParaRPr lang="en-US" dirty="0"/>
+            <a:endParaRPr lang="en-US"/>
           </a:p>
         </p:txBody>
       </p:sp>
@@ -13369,10 +13417,10 @@
       </p:pic>
       <p:sp>
         <p:nvSpPr>
-          <p:cNvPr id="5" name="Segnaposto numero diapositiva 4">
+          <p:cNvPr id="2" name="Segnaposto numero diapositiva 1">
             <a:extLst>
               <a:ext uri="{FF2B5EF4-FFF2-40B4-BE49-F238E27FC236}">
-                <a16:creationId xmlns:a16="http://schemas.microsoft.com/office/drawing/2014/main" id="{E23E9305-97DD-4758-B45C-AEDCFD519473}"/>
+                <a16:creationId xmlns:a16="http://schemas.microsoft.com/office/drawing/2014/main" id="{C227B643-F35F-46B0-940B-C5625CFF96D5}"/>
               </a:ext>
             </a:extLst>
           </p:cNvPr>
@@ -13396,6 +13444,324 @@
           </a:p>
         </p:txBody>
       </p:sp>
+      <p:cxnSp>
+        <p:nvCxnSpPr>
+          <p:cNvPr id="7" name="Connettore 2 6">
+            <a:extLst>
+              <a:ext uri="{FF2B5EF4-FFF2-40B4-BE49-F238E27FC236}">
+                <a16:creationId xmlns:a16="http://schemas.microsoft.com/office/drawing/2014/main" id="{311EBE68-FD1A-4F4C-B379-09EC9C9DDFA1}"/>
+              </a:ext>
+            </a:extLst>
+          </p:cNvPr>
+          <p:cNvCxnSpPr>
+            <a:cxnSpLocks/>
+          </p:cNvCxnSpPr>
+          <p:nvPr/>
+        </p:nvCxnSpPr>
+        <p:spPr>
+          <a:xfrm>
+            <a:off x="8663866" y="2192784"/>
+            <a:ext cx="0" cy="363985"/>
+          </a:xfrm>
+          <a:prstGeom prst="straightConnector1">
+            <a:avLst/>
+          </a:prstGeom>
+          <a:ln w="57150">
+            <a:solidFill>
+              <a:schemeClr val="accent6">
+                <a:lumMod val="50000"/>
+              </a:schemeClr>
+            </a:solidFill>
+            <a:tailEnd type="triangle"/>
+          </a:ln>
+        </p:spPr>
+        <p:style>
+          <a:lnRef idx="1">
+            <a:schemeClr val="accent1"/>
+          </a:lnRef>
+          <a:fillRef idx="0">
+            <a:schemeClr val="accent1"/>
+          </a:fillRef>
+          <a:effectRef idx="0">
+            <a:schemeClr val="accent1"/>
+          </a:effectRef>
+          <a:fontRef idx="minor">
+            <a:schemeClr val="tx1"/>
+          </a:fontRef>
+        </p:style>
+      </p:cxnSp>
+      <p:cxnSp>
+        <p:nvCxnSpPr>
+          <p:cNvPr id="9" name="Connettore 2 8">
+            <a:extLst>
+              <a:ext uri="{FF2B5EF4-FFF2-40B4-BE49-F238E27FC236}">
+                <a16:creationId xmlns:a16="http://schemas.microsoft.com/office/drawing/2014/main" id="{B94B36EB-3B86-4B9A-B8DB-0C302587CF06}"/>
+              </a:ext>
+            </a:extLst>
+          </p:cNvPr>
+          <p:cNvCxnSpPr>
+            <a:cxnSpLocks/>
+          </p:cNvCxnSpPr>
+          <p:nvPr/>
+        </p:nvCxnSpPr>
+        <p:spPr>
+          <a:xfrm>
+            <a:off x="8142303" y="2667739"/>
+            <a:ext cx="0" cy="363985"/>
+          </a:xfrm>
+          <a:prstGeom prst="straightConnector1">
+            <a:avLst/>
+          </a:prstGeom>
+          <a:ln w="57150">
+            <a:solidFill>
+              <a:schemeClr val="accent6">
+                <a:lumMod val="50000"/>
+              </a:schemeClr>
+            </a:solidFill>
+            <a:tailEnd type="triangle"/>
+          </a:ln>
+        </p:spPr>
+        <p:style>
+          <a:lnRef idx="1">
+            <a:schemeClr val="accent1"/>
+          </a:lnRef>
+          <a:fillRef idx="0">
+            <a:schemeClr val="accent1"/>
+          </a:fillRef>
+          <a:effectRef idx="0">
+            <a:schemeClr val="accent1"/>
+          </a:effectRef>
+          <a:fontRef idx="minor">
+            <a:schemeClr val="tx1"/>
+          </a:fontRef>
+        </p:style>
+      </p:cxnSp>
+      <p:cxnSp>
+        <p:nvCxnSpPr>
+          <p:cNvPr id="10" name="Connettore 2 9">
+            <a:extLst>
+              <a:ext uri="{FF2B5EF4-FFF2-40B4-BE49-F238E27FC236}">
+                <a16:creationId xmlns:a16="http://schemas.microsoft.com/office/drawing/2014/main" id="{8DF8120A-8582-4849-B6CE-7EF14F95A154}"/>
+              </a:ext>
+            </a:extLst>
+          </p:cNvPr>
+          <p:cNvCxnSpPr>
+            <a:cxnSpLocks/>
+          </p:cNvCxnSpPr>
+          <p:nvPr/>
+        </p:nvCxnSpPr>
+        <p:spPr>
+          <a:xfrm>
+            <a:off x="8967186" y="3031724"/>
+            <a:ext cx="0" cy="363985"/>
+          </a:xfrm>
+          <a:prstGeom prst="straightConnector1">
+            <a:avLst/>
+          </a:prstGeom>
+          <a:ln w="57150">
+            <a:solidFill>
+              <a:schemeClr val="accent6">
+                <a:lumMod val="50000"/>
+              </a:schemeClr>
+            </a:solidFill>
+            <a:tailEnd type="triangle"/>
+          </a:ln>
+        </p:spPr>
+        <p:style>
+          <a:lnRef idx="1">
+            <a:schemeClr val="accent1"/>
+          </a:lnRef>
+          <a:fillRef idx="0">
+            <a:schemeClr val="accent1"/>
+          </a:fillRef>
+          <a:effectRef idx="0">
+            <a:schemeClr val="accent1"/>
+          </a:effectRef>
+          <a:fontRef idx="minor">
+            <a:schemeClr val="tx1"/>
+          </a:fontRef>
+        </p:style>
+      </p:cxnSp>
+      <p:cxnSp>
+        <p:nvCxnSpPr>
+          <p:cNvPr id="13" name="Connettore 2 12">
+            <a:extLst>
+              <a:ext uri="{FF2B5EF4-FFF2-40B4-BE49-F238E27FC236}">
+                <a16:creationId xmlns:a16="http://schemas.microsoft.com/office/drawing/2014/main" id="{B827912F-F5C8-439C-B6F2-986C445C948D}"/>
+              </a:ext>
+            </a:extLst>
+          </p:cNvPr>
+          <p:cNvCxnSpPr>
+            <a:cxnSpLocks/>
+          </p:cNvCxnSpPr>
+          <p:nvPr/>
+        </p:nvCxnSpPr>
+        <p:spPr>
+          <a:xfrm>
+            <a:off x="7528264" y="3395709"/>
+            <a:ext cx="295923" cy="294443"/>
+          </a:xfrm>
+          <a:prstGeom prst="straightConnector1">
+            <a:avLst/>
+          </a:prstGeom>
+          <a:ln w="57150">
+            <a:solidFill>
+              <a:schemeClr val="accent1">
+                <a:lumMod val="50000"/>
+              </a:schemeClr>
+            </a:solidFill>
+            <a:tailEnd type="triangle"/>
+          </a:ln>
+        </p:spPr>
+        <p:style>
+          <a:lnRef idx="1">
+            <a:schemeClr val="accent1"/>
+          </a:lnRef>
+          <a:fillRef idx="0">
+            <a:schemeClr val="accent1"/>
+          </a:fillRef>
+          <a:effectRef idx="0">
+            <a:schemeClr val="accent1"/>
+          </a:effectRef>
+          <a:fontRef idx="minor">
+            <a:schemeClr val="tx1"/>
+          </a:fontRef>
+        </p:style>
+      </p:cxnSp>
+      <p:cxnSp>
+        <p:nvCxnSpPr>
+          <p:cNvPr id="17" name="Connettore 2 16">
+            <a:extLst>
+              <a:ext uri="{FF2B5EF4-FFF2-40B4-BE49-F238E27FC236}">
+                <a16:creationId xmlns:a16="http://schemas.microsoft.com/office/drawing/2014/main" id="{853452A8-0811-4A9F-8098-E914587F29E1}"/>
+              </a:ext>
+            </a:extLst>
+          </p:cNvPr>
+          <p:cNvCxnSpPr>
+            <a:cxnSpLocks/>
+          </p:cNvCxnSpPr>
+          <p:nvPr/>
+        </p:nvCxnSpPr>
+        <p:spPr>
+          <a:xfrm>
+            <a:off x="9698075" y="2129159"/>
+            <a:ext cx="315937" cy="223424"/>
+          </a:xfrm>
+          <a:prstGeom prst="straightConnector1">
+            <a:avLst/>
+          </a:prstGeom>
+          <a:ln w="57150">
+            <a:solidFill>
+              <a:schemeClr val="accent1">
+                <a:lumMod val="50000"/>
+              </a:schemeClr>
+            </a:solidFill>
+            <a:tailEnd type="triangle"/>
+          </a:ln>
+        </p:spPr>
+        <p:style>
+          <a:lnRef idx="1">
+            <a:schemeClr val="accent1"/>
+          </a:lnRef>
+          <a:fillRef idx="0">
+            <a:schemeClr val="accent1"/>
+          </a:fillRef>
+          <a:effectRef idx="0">
+            <a:schemeClr val="accent1"/>
+          </a:effectRef>
+          <a:fontRef idx="minor">
+            <a:schemeClr val="tx1"/>
+          </a:fontRef>
+        </p:style>
+      </p:cxnSp>
+      <p:cxnSp>
+        <p:nvCxnSpPr>
+          <p:cNvPr id="21" name="Connettore 2 20">
+            <a:extLst>
+              <a:ext uri="{FF2B5EF4-FFF2-40B4-BE49-F238E27FC236}">
+                <a16:creationId xmlns:a16="http://schemas.microsoft.com/office/drawing/2014/main" id="{D1119856-D452-476B-A760-999351FC0FA0}"/>
+              </a:ext>
+            </a:extLst>
+          </p:cNvPr>
+          <p:cNvCxnSpPr>
+            <a:cxnSpLocks/>
+          </p:cNvCxnSpPr>
+          <p:nvPr/>
+        </p:nvCxnSpPr>
+        <p:spPr>
+          <a:xfrm flipV="1">
+            <a:off x="9486450" y="3615634"/>
+            <a:ext cx="423249" cy="248575"/>
+          </a:xfrm>
+          <a:prstGeom prst="straightConnector1">
+            <a:avLst/>
+          </a:prstGeom>
+          <a:ln w="57150">
+            <a:solidFill>
+              <a:srgbClr val="0F6C00"/>
+            </a:solidFill>
+            <a:tailEnd type="triangle"/>
+          </a:ln>
+        </p:spPr>
+        <p:style>
+          <a:lnRef idx="1">
+            <a:schemeClr val="accent1"/>
+          </a:lnRef>
+          <a:fillRef idx="0">
+            <a:schemeClr val="accent1"/>
+          </a:fillRef>
+          <a:effectRef idx="0">
+            <a:schemeClr val="accent1"/>
+          </a:effectRef>
+          <a:fontRef idx="minor">
+            <a:schemeClr val="tx1"/>
+          </a:fontRef>
+        </p:style>
+      </p:cxnSp>
+      <p:cxnSp>
+        <p:nvCxnSpPr>
+          <p:cNvPr id="29" name="Connettore 2 28">
+            <a:extLst>
+              <a:ext uri="{FF2B5EF4-FFF2-40B4-BE49-F238E27FC236}">
+                <a16:creationId xmlns:a16="http://schemas.microsoft.com/office/drawing/2014/main" id="{A4AA1264-0309-4726-8574-7CF006DEDD89}"/>
+              </a:ext>
+            </a:extLst>
+          </p:cNvPr>
+          <p:cNvCxnSpPr>
+            <a:cxnSpLocks/>
+          </p:cNvCxnSpPr>
+          <p:nvPr/>
+        </p:nvCxnSpPr>
+        <p:spPr>
+          <a:xfrm flipH="1">
+            <a:off x="7824188" y="1997476"/>
+            <a:ext cx="369901" cy="191936"/>
+          </a:xfrm>
+          <a:prstGeom prst="straightConnector1">
+            <a:avLst/>
+          </a:prstGeom>
+          <a:ln w="57150">
+            <a:solidFill>
+              <a:srgbClr val="0F6C00"/>
+            </a:solidFill>
+            <a:tailEnd type="triangle"/>
+          </a:ln>
+        </p:spPr>
+        <p:style>
+          <a:lnRef idx="1">
+            <a:schemeClr val="accent1"/>
+          </a:lnRef>
+          <a:fillRef idx="0">
+            <a:schemeClr val="accent1"/>
+          </a:fillRef>
+          <a:effectRef idx="0">
+            <a:schemeClr val="accent1"/>
+          </a:effectRef>
+          <a:fontRef idx="minor">
+            <a:schemeClr val="tx1"/>
+          </a:fontRef>
+        </p:style>
+      </p:cxnSp>
     </p:spTree>
     <p:extLst>
       <p:ext uri="{BB962C8B-B14F-4D97-AF65-F5344CB8AC3E}">
@@ -13625,7 +13991,15 @@
                   <a:schemeClr val="bg1"/>
                 </a:solidFill>
               </a:rPr>
-              <a:t> perfettamente bidirezionale</a:t>
+              <a:t> perfettamente </a:t>
+            </a:r>
+            <a:r>
+              <a:rPr lang="it-IT" b="1" dirty="0">
+                <a:solidFill>
+                  <a:schemeClr val="bg1"/>
+                </a:solidFill>
+              </a:rPr>
+              <a:t>bidirezionale</a:t>
             </a:r>
           </a:p>
           <a:p>
@@ -14875,8 +15249,8 @@
           </p:sp>
         </mc:Fallback>
       </mc:AlternateContent>
-      <mc:AlternateContent xmlns:mc="http://schemas.openxmlformats.org/markup-compatibility/2006" xmlns:a14="http://schemas.microsoft.com/office/drawing/2010/main">
-        <mc:Choice Requires="a14">
+      <mc:AlternateContent xmlns:mc="http://schemas.openxmlformats.org/markup-compatibility/2006">
+        <mc:Choice xmlns:a14="http://schemas.microsoft.com/office/drawing/2010/main" Requires="a14">
           <p:sp>
             <p:nvSpPr>
               <p:cNvPr id="20" name="CasellaDiTesto 19">
@@ -15010,7 +15384,7 @@
             </p:txBody>
           </p:sp>
         </mc:Choice>
-        <mc:Fallback xmlns="">
+        <mc:Fallback>
           <p:sp>
             <p:nvSpPr>
               <p:cNvPr id="20" name="CasellaDiTesto 19">
@@ -15055,8 +15429,8 @@
           </p:sp>
         </mc:Fallback>
       </mc:AlternateContent>
-      <mc:AlternateContent xmlns:mc="http://schemas.openxmlformats.org/markup-compatibility/2006" xmlns:a14="http://schemas.microsoft.com/office/drawing/2010/main">
-        <mc:Choice Requires="a14">
+      <mc:AlternateContent xmlns:mc="http://schemas.openxmlformats.org/markup-compatibility/2006">
+        <mc:Choice xmlns:a14="http://schemas.microsoft.com/office/drawing/2010/main" Requires="a14">
           <p:sp>
             <p:nvSpPr>
               <p:cNvPr id="21" name="CasellaDiTesto 20">
@@ -15071,7 +15445,7 @@
             </p:nvSpPr>
             <p:spPr>
               <a:xfrm>
-                <a:off x="4739532" y="4954697"/>
+                <a:off x="4739532" y="4999087"/>
                 <a:ext cx="2838982" cy="369332"/>
               </a:xfrm>
               <a:prstGeom prst="rect">
@@ -15294,7 +15668,7 @@
             </p:txBody>
           </p:sp>
         </mc:Choice>
-        <mc:Fallback xmlns="">
+        <mc:Fallback>
           <p:sp>
             <p:nvSpPr>
               <p:cNvPr id="21" name="CasellaDiTesto 20">
@@ -15311,7 +15685,7 @@
             </p:nvSpPr>
             <p:spPr>
               <a:xfrm>
-                <a:off x="4739532" y="4954697"/>
+                <a:off x="4739532" y="4999087"/>
                 <a:ext cx="2838982" cy="369332"/>
               </a:xfrm>
               <a:prstGeom prst="rect">
@@ -15320,7 +15694,7 @@
               <a:blipFill>
                 <a:blip r:embed="rId11"/>
                 <a:stretch>
-                  <a:fillRect l="-1931" r="-215" b="-36667"/>
+                  <a:fillRect l="-1931" r="-215" b="-36066"/>
                 </a:stretch>
               </a:blipFill>
             </p:spPr>
@@ -15339,8 +15713,8 @@
           </p:sp>
         </mc:Fallback>
       </mc:AlternateContent>
-      <mc:AlternateContent xmlns:mc="http://schemas.openxmlformats.org/markup-compatibility/2006" xmlns:a14="http://schemas.microsoft.com/office/drawing/2010/main">
-        <mc:Choice Requires="a14">
+      <mc:AlternateContent xmlns:mc="http://schemas.openxmlformats.org/markup-compatibility/2006">
+        <mc:Choice xmlns:a14="http://schemas.microsoft.com/office/drawing/2010/main" Requires="a14">
           <p:sp>
             <p:nvSpPr>
               <p:cNvPr id="24" name="CasellaDiTesto 23">
@@ -15355,8 +15729,8 @@
             </p:nvSpPr>
             <p:spPr>
               <a:xfrm>
-                <a:off x="4175991" y="5525829"/>
-                <a:ext cx="4066947" cy="369332"/>
+                <a:off x="4896209" y="5504466"/>
+                <a:ext cx="2525628" cy="924869"/>
               </a:xfrm>
               <a:prstGeom prst="rect">
                 <a:avLst/>
@@ -15369,112 +15743,215 @@
               </a:bodyPr>
               <a:lstStyle/>
               <a:p>
+                <a:pPr/>
+                <a14:m>
+                  <m:oMathPara xmlns:m="http://schemas.openxmlformats.org/officeDocument/2006/math">
+                    <m:oMathParaPr>
+                      <m:jc m:val="left"/>
+                    </m:oMathParaPr>
+                    <m:oMath xmlns:m="http://schemas.openxmlformats.org/officeDocument/2006/math">
+                      <m:sSub>
+                        <m:sSubPr>
+                          <m:ctrlPr>
+                            <a:rPr lang="it-IT" i="1" smtClean="0">
+                              <a:solidFill>
+                                <a:schemeClr val="bg1"/>
+                              </a:solidFill>
+                              <a:latin typeface="Cambria Math" panose="02040503050406030204" pitchFamily="18" charset="0"/>
+                            </a:rPr>
+                          </m:ctrlPr>
+                        </m:sSubPr>
+                        <m:e>
+                          <m:r>
+                            <a:rPr lang="it-IT" b="0" i="1" smtClean="0">
+                              <a:solidFill>
+                                <a:schemeClr val="bg1"/>
+                              </a:solidFill>
+                              <a:latin typeface="Cambria Math" panose="02040503050406030204" pitchFamily="18" charset="0"/>
+                            </a:rPr>
+                            <m:t>𝑎</m:t>
+                          </m:r>
+                        </m:e>
+                        <m:sub>
+                          <m:r>
+                            <a:rPr lang="it-IT" b="0" i="1" smtClean="0">
+                              <a:solidFill>
+                                <a:schemeClr val="bg1"/>
+                              </a:solidFill>
+                              <a:latin typeface="Cambria Math" panose="02040503050406030204" pitchFamily="18" charset="0"/>
+                            </a:rPr>
+                            <m:t>1</m:t>
+                          </m:r>
+                        </m:sub>
+                      </m:sSub>
+                      <m:r>
+                        <a:rPr lang="it-IT" b="0" i="1" smtClean="0">
+                          <a:solidFill>
+                            <a:schemeClr val="bg1"/>
+                          </a:solidFill>
+                          <a:latin typeface="Cambria Math" panose="02040503050406030204" pitchFamily="18" charset="0"/>
+                        </a:rPr>
+                        <m:t>=3,883</m:t>
+                      </m:r>
+                      <m:r>
+                        <a:rPr lang="it-IT" b="0" i="1" smtClean="0">
+                          <a:solidFill>
+                            <a:schemeClr val="bg1"/>
+                          </a:solidFill>
+                          <a:latin typeface="Cambria Math" panose="02040503050406030204" pitchFamily="18" charset="0"/>
+                          <a:ea typeface="Cambria Math" panose="02040503050406030204" pitchFamily="18" charset="0"/>
+                        </a:rPr>
+                        <m:t>∙</m:t>
+                      </m:r>
+                      <m:sSup>
+                        <m:sSupPr>
+                          <m:ctrlPr>
+                            <a:rPr lang="it-IT" b="0" i="1" smtClean="0">
+                              <a:solidFill>
+                                <a:schemeClr val="bg1"/>
+                              </a:solidFill>
+                              <a:latin typeface="Cambria Math" panose="02040503050406030204" pitchFamily="18" charset="0"/>
+                              <a:ea typeface="Cambria Math" panose="02040503050406030204" pitchFamily="18" charset="0"/>
+                            </a:rPr>
+                          </m:ctrlPr>
+                        </m:sSupPr>
+                        <m:e>
+                          <m:r>
+                            <a:rPr lang="it-IT" b="0" i="1" smtClean="0">
+                              <a:solidFill>
+                                <a:schemeClr val="bg1"/>
+                              </a:solidFill>
+                              <a:latin typeface="Cambria Math" panose="02040503050406030204" pitchFamily="18" charset="0"/>
+                              <a:ea typeface="Cambria Math" panose="02040503050406030204" pitchFamily="18" charset="0"/>
+                            </a:rPr>
+                            <m:t>10</m:t>
+                          </m:r>
+                        </m:e>
+                        <m:sup>
+                          <m:r>
+                            <a:rPr lang="it-IT" b="0" i="1" smtClean="0">
+                              <a:solidFill>
+                                <a:schemeClr val="bg1"/>
+                              </a:solidFill>
+                              <a:latin typeface="Cambria Math" panose="02040503050406030204" pitchFamily="18" charset="0"/>
+                              <a:ea typeface="Cambria Math" panose="02040503050406030204" pitchFamily="18" charset="0"/>
+                            </a:rPr>
+                            <m:t>−4</m:t>
+                          </m:r>
+                        </m:sup>
+                      </m:sSup>
+                      <m:f>
+                        <m:fPr>
+                          <m:ctrlPr>
+                            <a:rPr lang="it-IT" b="0" i="1" smtClean="0">
+                              <a:solidFill>
+                                <a:schemeClr val="bg1"/>
+                              </a:solidFill>
+                              <a:latin typeface="Cambria Math" panose="02040503050406030204" pitchFamily="18" charset="0"/>
+                              <a:ea typeface="Cambria Math" panose="02040503050406030204" pitchFamily="18" charset="0"/>
+                            </a:rPr>
+                          </m:ctrlPr>
+                        </m:fPr>
+                        <m:num>
+                          <m:r>
+                            <a:rPr lang="it-IT" b="0" i="1" smtClean="0">
+                              <a:solidFill>
+                                <a:schemeClr val="bg1"/>
+                              </a:solidFill>
+                              <a:latin typeface="Cambria Math" panose="02040503050406030204" pitchFamily="18" charset="0"/>
+                              <a:ea typeface="Cambria Math" panose="02040503050406030204" pitchFamily="18" charset="0"/>
+                            </a:rPr>
+                            <m:t>𝑘𝑔</m:t>
+                          </m:r>
+                          <m:r>
+                            <a:rPr lang="it-IT" b="0" i="1" smtClean="0">
+                              <a:solidFill>
+                                <a:schemeClr val="bg1"/>
+                              </a:solidFill>
+                              <a:latin typeface="Cambria Math" panose="02040503050406030204" pitchFamily="18" charset="0"/>
+                              <a:ea typeface="Cambria Math" panose="02040503050406030204" pitchFamily="18" charset="0"/>
+                            </a:rPr>
+                            <m:t>∙</m:t>
+                          </m:r>
+                          <m:r>
+                            <a:rPr lang="it-IT" b="0" i="1" smtClean="0">
+                              <a:solidFill>
+                                <a:schemeClr val="bg1"/>
+                              </a:solidFill>
+                              <a:latin typeface="Cambria Math" panose="02040503050406030204" pitchFamily="18" charset="0"/>
+                              <a:ea typeface="Cambria Math" panose="02040503050406030204" pitchFamily="18" charset="0"/>
+                            </a:rPr>
+                            <m:t>𝑚</m:t>
+                          </m:r>
+                        </m:num>
+                        <m:den>
+                          <m:sSup>
+                            <m:sSupPr>
+                              <m:ctrlPr>
+                                <a:rPr lang="it-IT" b="0" i="1" smtClean="0">
+                                  <a:solidFill>
+                                    <a:schemeClr val="bg1"/>
+                                  </a:solidFill>
+                                  <a:latin typeface="Cambria Math" panose="02040503050406030204" pitchFamily="18" charset="0"/>
+                                  <a:ea typeface="Cambria Math" panose="02040503050406030204" pitchFamily="18" charset="0"/>
+                                </a:rPr>
+                              </m:ctrlPr>
+                            </m:sSupPr>
+                            <m:e>
+                              <m:r>
+                                <a:rPr lang="it-IT" b="0" i="1" smtClean="0">
+                                  <a:solidFill>
+                                    <a:schemeClr val="bg1"/>
+                                  </a:solidFill>
+                                  <a:latin typeface="Cambria Math" panose="02040503050406030204" pitchFamily="18" charset="0"/>
+                                  <a:ea typeface="Cambria Math" panose="02040503050406030204" pitchFamily="18" charset="0"/>
+                                </a:rPr>
+                                <m:t>𝑟𝑎𝑑</m:t>
+                              </m:r>
+                            </m:e>
+                            <m:sup>
+                              <m:r>
+                                <a:rPr lang="it-IT" b="0" i="1" smtClean="0">
+                                  <a:solidFill>
+                                    <a:schemeClr val="bg1"/>
+                                  </a:solidFill>
+                                  <a:latin typeface="Cambria Math" panose="02040503050406030204" pitchFamily="18" charset="0"/>
+                                  <a:ea typeface="Cambria Math" panose="02040503050406030204" pitchFamily="18" charset="0"/>
+                                </a:rPr>
+                                <m:t>2</m:t>
+                              </m:r>
+                            </m:sup>
+                          </m:sSup>
+                        </m:den>
+                      </m:f>
+                      <m:r>
+                        <a:rPr lang="it-IT" b="0" i="1" smtClean="0">
+                          <a:solidFill>
+                            <a:schemeClr val="bg1"/>
+                          </a:solidFill>
+                          <a:latin typeface="Cambria Math" panose="02040503050406030204" pitchFamily="18" charset="0"/>
+                          <a:ea typeface="Cambria Math" panose="02040503050406030204" pitchFamily="18" charset="0"/>
+                        </a:rPr>
+                        <m:t> </m:t>
+                      </m:r>
+                    </m:oMath>
+                  </m:oMathPara>
+                </a14:m>
+                <a:endParaRPr lang="it-IT" b="0" i="1" dirty="0">
+                  <a:solidFill>
+                    <a:schemeClr val="bg1"/>
+                  </a:solidFill>
+                  <a:latin typeface="Cambria Math" panose="02040503050406030204" pitchFamily="18" charset="0"/>
+                  <a:ea typeface="Cambria Math" panose="02040503050406030204" pitchFamily="18" charset="0"/>
+                </a:endParaRPr>
+              </a:p>
+              <a:p>
                 <a14:m>
                   <m:oMath xmlns:m="http://schemas.openxmlformats.org/officeDocument/2006/math">
                     <m:sSub>
                       <m:sSubPr>
                         <m:ctrlPr>
-                          <a:rPr lang="it-IT" sz="2400" i="1" smtClean="0">
-                            <a:solidFill>
-                              <a:schemeClr val="bg1"/>
-                            </a:solidFill>
-                            <a:latin typeface="Cambria Math" panose="02040503050406030204" pitchFamily="18" charset="0"/>
-                          </a:rPr>
-                        </m:ctrlPr>
-                      </m:sSubPr>
-                      <m:e>
-                        <m:r>
-                          <a:rPr lang="it-IT" sz="2400" b="0" i="1" smtClean="0">
-                            <a:solidFill>
-                              <a:schemeClr val="bg1"/>
-                            </a:solidFill>
-                            <a:latin typeface="Cambria Math" panose="02040503050406030204" pitchFamily="18" charset="0"/>
-                          </a:rPr>
-                          <m:t>𝑎</m:t>
-                        </m:r>
-                      </m:e>
-                      <m:sub>
-                        <m:r>
-                          <a:rPr lang="it-IT" sz="2400" b="0" i="1" smtClean="0">
-                            <a:solidFill>
-                              <a:schemeClr val="bg1"/>
-                            </a:solidFill>
-                            <a:latin typeface="Cambria Math" panose="02040503050406030204" pitchFamily="18" charset="0"/>
-                          </a:rPr>
-                          <m:t>1</m:t>
-                        </m:r>
-                      </m:sub>
-                    </m:sSub>
-                    <m:r>
-                      <a:rPr lang="it-IT" sz="2400" b="0" i="1" smtClean="0">
-                        <a:solidFill>
-                          <a:schemeClr val="bg1"/>
-                        </a:solidFill>
-                        <a:latin typeface="Cambria Math" panose="02040503050406030204" pitchFamily="18" charset="0"/>
-                      </a:rPr>
-                      <m:t>=3,883</m:t>
-                    </m:r>
-                    <m:r>
-                      <a:rPr lang="it-IT" sz="2400" b="0" i="1" smtClean="0">
-                        <a:solidFill>
-                          <a:schemeClr val="bg1"/>
-                        </a:solidFill>
-                        <a:latin typeface="Cambria Math" panose="02040503050406030204" pitchFamily="18" charset="0"/>
-                        <a:ea typeface="Cambria Math" panose="02040503050406030204" pitchFamily="18" charset="0"/>
-                      </a:rPr>
-                      <m:t>∙</m:t>
-                    </m:r>
-                    <m:sSup>
-                      <m:sSupPr>
-                        <m:ctrlPr>
-                          <a:rPr lang="it-IT" sz="2400" b="0" i="1" smtClean="0">
-                            <a:solidFill>
-                              <a:schemeClr val="bg1"/>
-                            </a:solidFill>
-                            <a:latin typeface="Cambria Math" panose="02040503050406030204" pitchFamily="18" charset="0"/>
-                            <a:ea typeface="Cambria Math" panose="02040503050406030204" pitchFamily="18" charset="0"/>
-                          </a:rPr>
-                        </m:ctrlPr>
-                      </m:sSupPr>
-                      <m:e>
-                        <m:r>
-                          <a:rPr lang="it-IT" sz="2400" b="0" i="1" smtClean="0">
-                            <a:solidFill>
-                              <a:schemeClr val="bg1"/>
-                            </a:solidFill>
-                            <a:latin typeface="Cambria Math" panose="02040503050406030204" pitchFamily="18" charset="0"/>
-                            <a:ea typeface="Cambria Math" panose="02040503050406030204" pitchFamily="18" charset="0"/>
-                          </a:rPr>
-                          <m:t>10</m:t>
-                        </m:r>
-                      </m:e>
-                      <m:sup>
-                        <m:r>
-                          <a:rPr lang="it-IT" sz="2400" b="0" i="1" smtClean="0">
-                            <a:solidFill>
-                              <a:schemeClr val="bg1"/>
-                            </a:solidFill>
-                            <a:latin typeface="Cambria Math" panose="02040503050406030204" pitchFamily="18" charset="0"/>
-                            <a:ea typeface="Cambria Math" panose="02040503050406030204" pitchFamily="18" charset="0"/>
-                          </a:rPr>
-                          <m:t>−4</m:t>
-                        </m:r>
-                      </m:sup>
-                    </m:sSup>
-                    <m:r>
-                      <a:rPr lang="it-IT" sz="2400" b="0" i="1" smtClean="0">
-                        <a:solidFill>
-                          <a:schemeClr val="bg1"/>
-                        </a:solidFill>
-                        <a:latin typeface="Cambria Math" panose="02040503050406030204" pitchFamily="18" charset="0"/>
-                        <a:ea typeface="Cambria Math" panose="02040503050406030204" pitchFamily="18" charset="0"/>
-                      </a:rPr>
-                      <m:t>, </m:t>
-                    </m:r>
-                    <m:sSub>
-                      <m:sSubPr>
-                        <m:ctrlPr>
-                          <a:rPr lang="it-IT" sz="2400" b="0" i="1" smtClean="0">
+                          <a:rPr lang="it-IT" b="0" i="1" smtClean="0">
                             <a:solidFill>
                               <a:schemeClr val="bg1"/>
                             </a:solidFill>
@@ -15485,7 +15962,7 @@
                       </m:sSubPr>
                       <m:e>
                         <m:r>
-                          <a:rPr lang="it-IT" sz="2400" b="0" i="1" smtClean="0">
+                          <a:rPr lang="it-IT" b="0" i="1" smtClean="0">
                             <a:solidFill>
                               <a:schemeClr val="bg1"/>
                             </a:solidFill>
@@ -15497,7 +15974,7 @@
                       </m:e>
                       <m:sub>
                         <m:r>
-                          <a:rPr lang="it-IT" sz="2400" b="0" i="1" smtClean="0">
+                          <a:rPr lang="it-IT" b="0" i="1" smtClean="0">
                             <a:solidFill>
                               <a:schemeClr val="bg1"/>
                             </a:solidFill>
@@ -15509,7 +15986,7 @@
                       </m:sub>
                     </m:sSub>
                     <m:r>
-                      <a:rPr lang="it-IT" sz="2400" b="0" i="1" smtClean="0">
+                      <a:rPr lang="it-IT" b="0" i="1" smtClean="0">
                         <a:solidFill>
                           <a:schemeClr val="bg1"/>
                         </a:solidFill>
@@ -15518,22 +15995,69 @@
                       </a:rPr>
                       <m:t>=0,003</m:t>
                     </m:r>
+                    <m:r>
+                      <a:rPr lang="it-IT" b="0" i="1" smtClean="0">
+                        <a:solidFill>
+                          <a:schemeClr val="bg1"/>
+                        </a:solidFill>
+                        <a:latin typeface="Cambria Math" panose="02040503050406030204" pitchFamily="18" charset="0"/>
+                        <a:ea typeface="Cambria Math" panose="02040503050406030204" pitchFamily="18" charset="0"/>
+                      </a:rPr>
+                      <m:t>7 </m:t>
+                    </m:r>
+                    <m:f>
+                      <m:fPr>
+                        <m:ctrlPr>
+                          <a:rPr lang="it-IT" b="0" i="1" smtClean="0">
+                            <a:solidFill>
+                              <a:schemeClr val="bg1"/>
+                            </a:solidFill>
+                            <a:latin typeface="Cambria Math" panose="02040503050406030204" pitchFamily="18" charset="0"/>
+                            <a:ea typeface="Cambria Math" panose="02040503050406030204" pitchFamily="18" charset="0"/>
+                          </a:rPr>
+                        </m:ctrlPr>
+                      </m:fPr>
+                      <m:num>
+                        <m:r>
+                          <a:rPr lang="it-IT" b="0" i="1" smtClean="0">
+                            <a:solidFill>
+                              <a:schemeClr val="bg1"/>
+                            </a:solidFill>
+                            <a:latin typeface="Cambria Math" panose="02040503050406030204" pitchFamily="18" charset="0"/>
+                            <a:ea typeface="Cambria Math" panose="02040503050406030204" pitchFamily="18" charset="0"/>
+                          </a:rPr>
+                          <m:t>𝑘𝑔</m:t>
+                        </m:r>
+                      </m:num>
+                      <m:den>
+                        <m:r>
+                          <a:rPr lang="it-IT" b="0" i="1" smtClean="0">
+                            <a:solidFill>
+                              <a:schemeClr val="bg1"/>
+                            </a:solidFill>
+                            <a:latin typeface="Cambria Math" panose="02040503050406030204" pitchFamily="18" charset="0"/>
+                            <a:ea typeface="Cambria Math" panose="02040503050406030204" pitchFamily="18" charset="0"/>
+                          </a:rPr>
+                          <m:t>𝑟𝑎𝑑</m:t>
+                        </m:r>
+                      </m:den>
+                    </m:f>
                   </m:oMath>
                 </a14:m>
                 <a:r>
-                  <a:rPr lang="it-IT" sz="2400" b="0" dirty="0">
+                  <a:rPr lang="it-IT" b="0" dirty="0">
                     <a:solidFill>
                       <a:schemeClr val="bg1"/>
                     </a:solidFill>
                     <a:ea typeface="Cambria Math" panose="02040503050406030204" pitchFamily="18" charset="0"/>
                   </a:rPr>
-                  <a:t>7</a:t>
+                  <a:t> </a:t>
                 </a:r>
               </a:p>
             </p:txBody>
           </p:sp>
         </mc:Choice>
-        <mc:Fallback xmlns="">
+        <mc:Fallback>
           <p:sp>
             <p:nvSpPr>
               <p:cNvPr id="24" name="CasellaDiTesto 23">
@@ -15550,8 +16074,8 @@
             </p:nvSpPr>
             <p:spPr>
               <a:xfrm>
-                <a:off x="4175991" y="5525829"/>
-                <a:ext cx="4066947" cy="369332"/>
+                <a:off x="4896209" y="5504466"/>
+                <a:ext cx="2525628" cy="924869"/>
               </a:xfrm>
               <a:prstGeom prst="rect">
                 <a:avLst/>
@@ -15559,7 +16083,7 @@
               <a:blipFill>
                 <a:blip r:embed="rId12"/>
                 <a:stretch>
-                  <a:fillRect l="-1799" t="-22951" r="-3748" b="-50820"/>
+                  <a:fillRect l="-2415" b="-5263"/>
                 </a:stretch>
               </a:blipFill>
             </p:spPr>
@@ -15592,8 +16116,8 @@
         </p:nvSpPr>
         <p:spPr>
           <a:xfrm>
-            <a:off x="3964061" y="4890136"/>
-            <a:ext cx="4432437" cy="1045654"/>
+            <a:off x="4497134" y="4890135"/>
+            <a:ext cx="3308327" cy="1697095"/>
           </a:xfrm>
           <a:prstGeom prst="rect">
             <a:avLst/>
@@ -15628,10 +16152,10 @@
       </p:sp>
       <p:sp>
         <p:nvSpPr>
-          <p:cNvPr id="26" name="Segnaposto numero diapositiva 25">
+          <p:cNvPr id="2" name="Segnaposto numero diapositiva 1">
             <a:extLst>
               <a:ext uri="{FF2B5EF4-FFF2-40B4-BE49-F238E27FC236}">
-                <a16:creationId xmlns:a16="http://schemas.microsoft.com/office/drawing/2014/main" id="{298311C5-41EB-4906-93C6-889FAFBCE7F2}"/>
+                <a16:creationId xmlns:a16="http://schemas.microsoft.com/office/drawing/2014/main" id="{5889C3A8-086C-4048-A130-64AC5CC225BA}"/>
               </a:ext>
             </a:extLst>
           </p:cNvPr>
@@ -18807,10 +19331,10 @@
       </p:sp>
       <p:sp>
         <p:nvSpPr>
-          <p:cNvPr id="7" name="Segnaposto numero diapositiva 6">
+          <p:cNvPr id="3" name="Segnaposto numero diapositiva 2">
             <a:extLst>
               <a:ext uri="{FF2B5EF4-FFF2-40B4-BE49-F238E27FC236}">
-                <a16:creationId xmlns:a16="http://schemas.microsoft.com/office/drawing/2014/main" id="{0D02E9DE-BB3B-4DD8-BA62-BFC629AE7678}"/>
+                <a16:creationId xmlns:a16="http://schemas.microsoft.com/office/drawing/2014/main" id="{FAEE095C-487C-463F-B0F1-0B4EDB0E67DA}"/>
               </a:ext>
             </a:extLst>
           </p:cNvPr>
@@ -18831,6 +19355,96 @@
               <a:t>7</a:t>
             </a:fld>
             <a:endParaRPr lang="en-US"/>
+          </a:p>
+        </p:txBody>
+      </p:sp>
+      <p:sp>
+        <p:nvSpPr>
+          <p:cNvPr id="10" name="Parentesi graffa aperta 9">
+            <a:extLst>
+              <a:ext uri="{FF2B5EF4-FFF2-40B4-BE49-F238E27FC236}">
+                <a16:creationId xmlns:a16="http://schemas.microsoft.com/office/drawing/2014/main" id="{AB7FF866-140D-4BDF-BE95-AC336B0CAE10}"/>
+              </a:ext>
+            </a:extLst>
+          </p:cNvPr>
+          <p:cNvSpPr/>
+          <p:nvPr/>
+        </p:nvSpPr>
+        <p:spPr>
+          <a:xfrm rot="5400000">
+            <a:off x="8095529" y="3301556"/>
+            <a:ext cx="219964" cy="3343946"/>
+          </a:xfrm>
+          <a:prstGeom prst="leftBrace">
+            <a:avLst>
+              <a:gd name="adj1" fmla="val 30957"/>
+              <a:gd name="adj2" fmla="val 50000"/>
+            </a:avLst>
+          </a:prstGeom>
+          <a:ln w="28575">
+            <a:solidFill>
+              <a:schemeClr val="bg1"/>
+            </a:solidFill>
+          </a:ln>
+        </p:spPr>
+        <p:style>
+          <a:lnRef idx="1">
+            <a:schemeClr val="accent1"/>
+          </a:lnRef>
+          <a:fillRef idx="0">
+            <a:schemeClr val="accent1"/>
+          </a:fillRef>
+          <a:effectRef idx="0">
+            <a:schemeClr val="accent1"/>
+          </a:effectRef>
+          <a:fontRef idx="minor">
+            <a:schemeClr val="tx1"/>
+          </a:fontRef>
+        </p:style>
+        <p:txBody>
+          <a:bodyPr rtlCol="0" anchor="ctr"/>
+          <a:lstStyle/>
+          <a:p>
+            <a:pPr algn="ctr"/>
+            <a:endParaRPr lang="it-IT"/>
+          </a:p>
+        </p:txBody>
+      </p:sp>
+      <p:sp>
+        <p:nvSpPr>
+          <p:cNvPr id="16" name="Rettangolo 15">
+            <a:extLst>
+              <a:ext uri="{FF2B5EF4-FFF2-40B4-BE49-F238E27FC236}">
+                <a16:creationId xmlns:a16="http://schemas.microsoft.com/office/drawing/2014/main" id="{8CA8ED43-BAFB-422D-B875-1C358E520A56}"/>
+              </a:ext>
+            </a:extLst>
+          </p:cNvPr>
+          <p:cNvSpPr/>
+          <p:nvPr/>
+        </p:nvSpPr>
+        <p:spPr>
+          <a:xfrm>
+            <a:off x="7874497" y="4425159"/>
+            <a:ext cx="721266" cy="369332"/>
+          </a:xfrm>
+          <a:prstGeom prst="rect">
+            <a:avLst/>
+          </a:prstGeom>
+        </p:spPr>
+        <p:txBody>
+          <a:bodyPr wrap="square">
+            <a:spAutoFit/>
+          </a:bodyPr>
+          <a:lstStyle/>
+          <a:p>
+            <a:r>
+              <a:rPr lang="it-IT" dirty="0">
+                <a:solidFill>
+                  <a:schemeClr val="bg1"/>
+                </a:solidFill>
+              </a:rPr>
+              <a:t>TAM</a:t>
+            </a:r>
           </a:p>
         </p:txBody>
       </p:sp>
@@ -18950,8 +19564,8 @@
           </a:p>
         </p:txBody>
       </p:sp>
-      <mc:AlternateContent xmlns:mc="http://schemas.openxmlformats.org/markup-compatibility/2006">
-        <mc:Choice xmlns:a14="http://schemas.microsoft.com/office/drawing/2010/main" Requires="a14">
+      <mc:AlternateContent xmlns:mc="http://schemas.openxmlformats.org/markup-compatibility/2006" xmlns:a14="http://schemas.microsoft.com/office/drawing/2010/main">
+        <mc:Choice Requires="a14">
           <p:sp>
             <p:nvSpPr>
               <p:cNvPr id="2" name="CasellaDiTesto 1">
@@ -19070,7 +19684,7 @@
             </p:txBody>
           </p:sp>
         </mc:Choice>
-        <mc:Fallback>
+        <mc:Fallback xmlns="">
           <p:sp>
             <p:nvSpPr>
               <p:cNvPr id="2" name="CasellaDiTesto 1">
@@ -19115,8 +19729,8 @@
           </p:sp>
         </mc:Fallback>
       </mc:AlternateContent>
-      <mc:AlternateContent xmlns:mc="http://schemas.openxmlformats.org/markup-compatibility/2006">
-        <mc:Choice xmlns:a14="http://schemas.microsoft.com/office/drawing/2010/main" Requires="a14">
+      <mc:AlternateContent xmlns:mc="http://schemas.openxmlformats.org/markup-compatibility/2006" xmlns:a14="http://schemas.microsoft.com/office/drawing/2010/main">
+        <mc:Choice Requires="a14">
           <p:sp>
             <p:nvSpPr>
               <p:cNvPr id="7" name="CasellaDiTesto 6">
@@ -19417,7 +20031,7 @@
             </p:txBody>
           </p:sp>
         </mc:Choice>
-        <mc:Fallback>
+        <mc:Fallback xmlns="">
           <p:sp>
             <p:nvSpPr>
               <p:cNvPr id="7" name="CasellaDiTesto 6">
@@ -19462,8 +20076,8 @@
           </p:sp>
         </mc:Fallback>
       </mc:AlternateContent>
-      <mc:AlternateContent xmlns:mc="http://schemas.openxmlformats.org/markup-compatibility/2006">
-        <mc:Choice xmlns:a14="http://schemas.microsoft.com/office/drawing/2010/main" Requires="a14">
+      <mc:AlternateContent xmlns:mc="http://schemas.openxmlformats.org/markup-compatibility/2006" xmlns:a14="http://schemas.microsoft.com/office/drawing/2010/main">
+        <mc:Choice Requires="a14">
           <p:sp>
             <p:nvSpPr>
               <p:cNvPr id="14" name="CasellaDiTesto 13">
@@ -19641,7 +20255,7 @@
             </p:txBody>
           </p:sp>
         </mc:Choice>
-        <mc:Fallback>
+        <mc:Fallback xmlns="">
           <p:sp>
             <p:nvSpPr>
               <p:cNvPr id="14" name="CasellaDiTesto 13">
@@ -19814,120 +20428,12 @@
           </a:prstGeom>
         </p:spPr>
       </p:pic>
-      <p:pic>
-        <p:nvPicPr>
-          <p:cNvPr id="26" name="Immagine 25">
-            <a:extLst>
-              <a:ext uri="{FF2B5EF4-FFF2-40B4-BE49-F238E27FC236}">
-                <a16:creationId xmlns:a16="http://schemas.microsoft.com/office/drawing/2014/main" id="{470A0DFB-3589-4AF6-8C22-4D1F6A6647C7}"/>
-              </a:ext>
-            </a:extLst>
-          </p:cNvPr>
-          <p:cNvPicPr>
-            <a:picLocks noChangeAspect="1"/>
-          </p:cNvPicPr>
-          <p:nvPr/>
-        </p:nvPicPr>
-        <p:blipFill>
-          <a:blip r:embed="rId8">
-            <a:extLst>
-              <a:ext uri="{28A0092B-C50C-407E-A947-70E740481C1C}">
-                <a14:useLocalDpi xmlns:a14="http://schemas.microsoft.com/office/drawing/2010/main" val="0"/>
-              </a:ext>
-            </a:extLst>
-          </a:blip>
-          <a:stretch>
-            <a:fillRect/>
-          </a:stretch>
-        </p:blipFill>
-        <p:spPr>
-          <a:xfrm>
-            <a:off x="1002277" y="4652342"/>
-            <a:ext cx="2938613" cy="828839"/>
-          </a:xfrm>
-          <a:prstGeom prst="rect">
-            <a:avLst/>
-          </a:prstGeom>
-        </p:spPr>
-      </p:pic>
-      <p:pic>
-        <p:nvPicPr>
-          <p:cNvPr id="34" name="Immagine 33">
-            <a:extLst>
-              <a:ext uri="{FF2B5EF4-FFF2-40B4-BE49-F238E27FC236}">
-                <a16:creationId xmlns:a16="http://schemas.microsoft.com/office/drawing/2014/main" id="{268227B2-7FBF-4EEB-8AC9-CE283E126A4A}"/>
-              </a:ext>
-            </a:extLst>
-          </p:cNvPr>
-          <p:cNvPicPr>
-            <a:picLocks noChangeAspect="1"/>
-          </p:cNvPicPr>
-          <p:nvPr/>
-        </p:nvPicPr>
-        <p:blipFill>
-          <a:blip r:embed="rId9">
-            <a:extLst>
-              <a:ext uri="{28A0092B-C50C-407E-A947-70E740481C1C}">
-                <a14:useLocalDpi xmlns:a14="http://schemas.microsoft.com/office/drawing/2010/main" val="0"/>
-              </a:ext>
-            </a:extLst>
-          </a:blip>
-          <a:stretch>
-            <a:fillRect/>
-          </a:stretch>
-        </p:blipFill>
-        <p:spPr>
-          <a:xfrm>
-            <a:off x="1229040" y="5835312"/>
-            <a:ext cx="2351596" cy="303431"/>
-          </a:xfrm>
-          <a:prstGeom prst="rect">
-            <a:avLst/>
-          </a:prstGeom>
-        </p:spPr>
-      </p:pic>
-      <p:pic>
-        <p:nvPicPr>
-          <p:cNvPr id="36" name="Immagine 35">
-            <a:extLst>
-              <a:ext uri="{FF2B5EF4-FFF2-40B4-BE49-F238E27FC236}">
-                <a16:creationId xmlns:a16="http://schemas.microsoft.com/office/drawing/2014/main" id="{DDEE8E4B-2B35-4172-AA68-9579BA000ABD}"/>
-              </a:ext>
-            </a:extLst>
-          </p:cNvPr>
-          <p:cNvPicPr>
-            <a:picLocks noChangeAspect="1"/>
-          </p:cNvPicPr>
-          <p:nvPr/>
-        </p:nvPicPr>
-        <p:blipFill>
-          <a:blip r:embed="rId10">
-            <a:extLst>
-              <a:ext uri="{28A0092B-C50C-407E-A947-70E740481C1C}">
-                <a14:useLocalDpi xmlns:a14="http://schemas.microsoft.com/office/drawing/2010/main" val="0"/>
-              </a:ext>
-            </a:extLst>
-          </a:blip>
-          <a:stretch>
-            <a:fillRect/>
-          </a:stretch>
-        </p:blipFill>
-        <p:spPr>
-          <a:xfrm>
-            <a:off x="1130388" y="3724771"/>
-            <a:ext cx="2757134" cy="628570"/>
-          </a:xfrm>
-          <a:prstGeom prst="rect">
-            <a:avLst/>
-          </a:prstGeom>
-        </p:spPr>
-      </p:pic>
       <p:sp>
         <p:nvSpPr>
-          <p:cNvPr id="5" name="Segnaposto numero diapositiva 4">
+          <p:cNvPr id="3" name="Segnaposto numero diapositiva 2">
             <a:extLst>
               <a:ext uri="{FF2B5EF4-FFF2-40B4-BE49-F238E27FC236}">
-                <a16:creationId xmlns:a16="http://schemas.microsoft.com/office/drawing/2014/main" id="{9F1E40CE-83C4-4381-B6A3-F35167D9206D}"/>
+                <a16:creationId xmlns:a16="http://schemas.microsoft.com/office/drawing/2014/main" id="{152F89B8-03A2-4FA0-A291-663CB9577B79}"/>
               </a:ext>
             </a:extLst>
           </p:cNvPr>
@@ -19951,6 +20457,114 @@
           </a:p>
         </p:txBody>
       </p:sp>
+      <p:pic>
+        <p:nvPicPr>
+          <p:cNvPr id="8" name="Immagine 7" descr="Immagine che contiene disegnando&#10;&#10;Descrizione generata automaticamente">
+            <a:extLst>
+              <a:ext uri="{FF2B5EF4-FFF2-40B4-BE49-F238E27FC236}">
+                <a16:creationId xmlns:a16="http://schemas.microsoft.com/office/drawing/2014/main" id="{D5A59E60-1ADD-4684-8E06-E569DB2BC04D}"/>
+              </a:ext>
+            </a:extLst>
+          </p:cNvPr>
+          <p:cNvPicPr>
+            <a:picLocks noChangeAspect="1"/>
+          </p:cNvPicPr>
+          <p:nvPr/>
+        </p:nvPicPr>
+        <p:blipFill>
+          <a:blip r:embed="rId8">
+            <a:extLst>
+              <a:ext uri="{28A0092B-C50C-407E-A947-70E740481C1C}">
+                <a14:useLocalDpi xmlns:a14="http://schemas.microsoft.com/office/drawing/2010/main" val="0"/>
+              </a:ext>
+            </a:extLst>
+          </a:blip>
+          <a:stretch>
+            <a:fillRect/>
+          </a:stretch>
+        </p:blipFill>
+        <p:spPr>
+          <a:xfrm>
+            <a:off x="989481" y="3696976"/>
+            <a:ext cx="2938613" cy="648866"/>
+          </a:xfrm>
+          <a:prstGeom prst="rect">
+            <a:avLst/>
+          </a:prstGeom>
+        </p:spPr>
+      </p:pic>
+      <p:pic>
+        <p:nvPicPr>
+          <p:cNvPr id="10" name="Immagine 9" descr="Immagine che contiene disegnando&#10;&#10;Descrizione generata automaticamente">
+            <a:extLst>
+              <a:ext uri="{FF2B5EF4-FFF2-40B4-BE49-F238E27FC236}">
+                <a16:creationId xmlns:a16="http://schemas.microsoft.com/office/drawing/2014/main" id="{7491596F-B0DB-4F5F-9898-DB17D338184A}"/>
+              </a:ext>
+            </a:extLst>
+          </p:cNvPr>
+          <p:cNvPicPr>
+            <a:picLocks noChangeAspect="1"/>
+          </p:cNvPicPr>
+          <p:nvPr/>
+        </p:nvPicPr>
+        <p:blipFill>
+          <a:blip r:embed="rId9">
+            <a:extLst>
+              <a:ext uri="{28A0092B-C50C-407E-A947-70E740481C1C}">
+                <a14:useLocalDpi xmlns:a14="http://schemas.microsoft.com/office/drawing/2010/main" val="0"/>
+              </a:ext>
+            </a:extLst>
+          </a:blip>
+          <a:stretch>
+            <a:fillRect/>
+          </a:stretch>
+        </p:blipFill>
+        <p:spPr>
+          <a:xfrm>
+            <a:off x="988468" y="4607131"/>
+            <a:ext cx="2931471" cy="874049"/>
+          </a:xfrm>
+          <a:prstGeom prst="rect">
+            <a:avLst/>
+          </a:prstGeom>
+        </p:spPr>
+      </p:pic>
+      <p:pic>
+        <p:nvPicPr>
+          <p:cNvPr id="13" name="Immagine 12" descr="Immagine che contiene disegnando&#10;&#10;Descrizione generata automaticamente">
+            <a:extLst>
+              <a:ext uri="{FF2B5EF4-FFF2-40B4-BE49-F238E27FC236}">
+                <a16:creationId xmlns:a16="http://schemas.microsoft.com/office/drawing/2014/main" id="{66350826-E7B0-4CCA-B190-90088F9E95EB}"/>
+              </a:ext>
+            </a:extLst>
+          </p:cNvPr>
+          <p:cNvPicPr>
+            <a:picLocks noChangeAspect="1"/>
+          </p:cNvPicPr>
+          <p:nvPr/>
+        </p:nvPicPr>
+        <p:blipFill>
+          <a:blip r:embed="rId10">
+            <a:extLst>
+              <a:ext uri="{28A0092B-C50C-407E-A947-70E740481C1C}">
+                <a14:useLocalDpi xmlns:a14="http://schemas.microsoft.com/office/drawing/2010/main" val="0"/>
+              </a:ext>
+            </a:extLst>
+          </a:blip>
+          <a:stretch>
+            <a:fillRect/>
+          </a:stretch>
+        </p:blipFill>
+        <p:spPr>
+          <a:xfrm>
+            <a:off x="1010093" y="5756174"/>
+            <a:ext cx="3064602" cy="394888"/>
+          </a:xfrm>
+          <a:prstGeom prst="rect">
+            <a:avLst/>
+          </a:prstGeom>
+        </p:spPr>
+      </p:pic>
     </p:spTree>
     <p:extLst>
       <p:ext uri="{BB962C8B-B14F-4D97-AF65-F5344CB8AC3E}">
@@ -20555,7 +21169,7 @@
             <p:spPr>
               <a:xfrm>
                 <a:off x="1128282" y="4266302"/>
-                <a:ext cx="2270814" cy="369332"/>
+                <a:ext cx="2320956" cy="369332"/>
               </a:xfrm>
               <a:prstGeom prst="rect">
                 <a:avLst/>
@@ -20653,24 +21267,40 @@
                         </a:rPr>
                         <m:t>+</m:t>
                       </m:r>
-                      <m:r>
-                        <a:rPr lang="it-IT" b="0" i="1" dirty="0" smtClean="0">
-                          <a:solidFill>
-                            <a:schemeClr val="bg1"/>
-                          </a:solidFill>
-                          <a:latin typeface="Cambria Math" panose="02040503050406030204" pitchFamily="18" charset="0"/>
-                        </a:rPr>
-                        <m:t>𝑀𝑎</m:t>
-                      </m:r>
-                      <m:r>
-                        <a:rPr lang="it-IT" b="0" i="1" baseline="-25000" dirty="0" smtClean="0">
-                          <a:solidFill>
-                            <a:schemeClr val="bg1"/>
-                          </a:solidFill>
-                          <a:latin typeface="Cambria Math" panose="02040503050406030204" pitchFamily="18" charset="0"/>
-                        </a:rPr>
-                        <m:t>𝑑𝑑</m:t>
-                      </m:r>
+                      <m:sSub>
+                        <m:sSubPr>
+                          <m:ctrlPr>
+                            <a:rPr lang="it-IT" i="1" dirty="0" smtClean="0">
+                              <a:solidFill>
+                                <a:schemeClr val="bg1"/>
+                              </a:solidFill>
+                              <a:latin typeface="Cambria Math" panose="02040503050406030204" pitchFamily="18" charset="0"/>
+                            </a:rPr>
+                          </m:ctrlPr>
+                        </m:sSubPr>
+                        <m:e>
+                          <m:r>
+                            <a:rPr lang="it-IT" b="0" i="1" dirty="0" smtClean="0">
+                              <a:solidFill>
+                                <a:schemeClr val="bg1"/>
+                              </a:solidFill>
+                              <a:latin typeface="Cambria Math" panose="02040503050406030204" pitchFamily="18" charset="0"/>
+                            </a:rPr>
+                            <m:t>𝑀</m:t>
+                          </m:r>
+                        </m:e>
+                        <m:sub>
+                          <m:r>
+                            <a:rPr lang="it-IT" b="0" i="1" dirty="0" smtClean="0">
+                              <a:solidFill>
+                                <a:schemeClr val="bg1"/>
+                              </a:solidFill>
+                              <a:latin typeface="Cambria Math" panose="02040503050406030204" pitchFamily="18" charset="0"/>
+                            </a:rPr>
+                            <m:t>𝑎𝑑𝑑</m:t>
+                          </m:r>
+                        </m:sub>
+                      </m:sSub>
                       <m:r>
                         <a:rPr lang="it-IT" i="1" dirty="0">
                           <a:solidFill>
@@ -20710,7 +21340,7 @@
             <p:spPr>
               <a:xfrm>
                 <a:off x="1128282" y="4266302"/>
-                <a:ext cx="2270814" cy="369332"/>
+                <a:ext cx="2320956" cy="369332"/>
               </a:xfrm>
               <a:prstGeom prst="rect">
                 <a:avLst/>
@@ -23218,35 +23848,6 @@
       </mc:AlternateContent>
       <p:sp>
         <p:nvSpPr>
-          <p:cNvPr id="5" name="Segnaposto numero diapositiva 4">
-            <a:extLst>
-              <a:ext uri="{FF2B5EF4-FFF2-40B4-BE49-F238E27FC236}">
-                <a16:creationId xmlns:a16="http://schemas.microsoft.com/office/drawing/2014/main" id="{DBA988ED-180D-4217-8506-1E00DA89F3C7}"/>
-              </a:ext>
-            </a:extLst>
-          </p:cNvPr>
-          <p:cNvSpPr>
-            <a:spLocks noGrp="1"/>
-          </p:cNvSpPr>
-          <p:nvPr>
-            <p:ph type="sldNum" sz="quarter" idx="12"/>
-          </p:nvPr>
-        </p:nvSpPr>
-        <p:spPr/>
-        <p:txBody>
-          <a:bodyPr/>
-          <a:lstStyle/>
-          <a:p>
-            <a:fld id="{4854181D-6920-4594-9A5D-6CE56DC9F8B2}" type="slidenum">
-              <a:rPr lang="en-US" smtClean="0"/>
-              <a:t>9</a:t>
-            </a:fld>
-            <a:endParaRPr lang="en-US"/>
-          </a:p>
-        </p:txBody>
-      </p:sp>
-      <p:sp>
-        <p:nvSpPr>
           <p:cNvPr id="9" name="CasellaDiTesto 8">
             <a:extLst>
               <a:ext uri="{FF2B5EF4-FFF2-40B4-BE49-F238E27FC236}">
@@ -23300,7 +23901,7 @@
             </p:nvSpPr>
             <p:spPr>
               <a:xfrm>
-                <a:off x="1188064" y="4853962"/>
+                <a:off x="1188064" y="4891670"/>
                 <a:ext cx="1010918" cy="810735"/>
               </a:xfrm>
               <a:prstGeom prst="rect">
@@ -23313,7 +23914,6 @@
               </a:bodyPr>
               <a:lstStyle/>
               <a:p>
-                <a:pPr/>
                 <a14:m>
                   <m:oMath xmlns:m="http://schemas.openxmlformats.org/officeDocument/2006/math">
                     <m:sSub>
@@ -23489,7 +24089,7 @@
             </p:nvSpPr>
             <p:spPr>
               <a:xfrm>
-                <a:off x="1188064" y="4853962"/>
+                <a:off x="1188064" y="4891670"/>
                 <a:ext cx="1010918" cy="810735"/>
               </a:xfrm>
               <a:prstGeom prst="rect">
@@ -23517,230 +24117,6 @@
           </p:sp>
         </mc:Fallback>
       </mc:AlternateContent>
-      <mc:AlternateContent xmlns:mc="http://schemas.openxmlformats.org/markup-compatibility/2006">
-        <mc:Choice xmlns:a14="http://schemas.microsoft.com/office/drawing/2010/main" Requires="a14">
-          <p:sp>
-            <p:nvSpPr>
-              <p:cNvPr id="20" name="Rettangolo 19">
-                <a:extLst>
-                  <a:ext uri="{FF2B5EF4-FFF2-40B4-BE49-F238E27FC236}">
-                    <a16:creationId xmlns:a16="http://schemas.microsoft.com/office/drawing/2014/main" id="{9AC29DEA-2E73-4534-A96B-2A3D032FD15A}"/>
-                  </a:ext>
-                </a:extLst>
-              </p:cNvPr>
-              <p:cNvSpPr/>
-              <p:nvPr/>
-            </p:nvSpPr>
-            <p:spPr>
-              <a:xfrm>
-                <a:off x="1188064" y="5771866"/>
-                <a:ext cx="1437445" cy="369332"/>
-              </a:xfrm>
-              <a:prstGeom prst="rect">
-                <a:avLst/>
-              </a:prstGeom>
-            </p:spPr>
-            <p:txBody>
-              <a:bodyPr wrap="none">
-                <a:spAutoFit/>
-              </a:bodyPr>
-              <a:lstStyle/>
-              <a:p>
-                <a14:m>
-                  <m:oMath xmlns:m="http://schemas.openxmlformats.org/officeDocument/2006/math">
-                    <m:r>
-                      <m:rPr>
-                        <m:sty m:val="p"/>
-                      </m:rPr>
-                      <a:rPr lang="it-IT" b="0" i="0" smtClean="0">
-                        <a:solidFill>
-                          <a:schemeClr val="bg1"/>
-                        </a:solidFill>
-                        <a:latin typeface="Cambria Math" panose="02040503050406030204" pitchFamily="18" charset="0"/>
-                      </a:rPr>
-                      <m:t>S</m:t>
-                    </m:r>
-                    <m:r>
-                      <a:rPr lang="it-IT" b="0" i="0" smtClean="0">
-                        <a:solidFill>
-                          <a:schemeClr val="bg1"/>
-                        </a:solidFill>
-                        <a:latin typeface="Cambria Math" panose="02040503050406030204" pitchFamily="18" charset="0"/>
-                      </a:rPr>
-                      <m:t>(</m:t>
-                    </m:r>
-                    <m:sSub>
-                      <m:sSubPr>
-                        <m:ctrlPr>
-                          <a:rPr lang="it-IT" i="1" smtClean="0">
-                            <a:solidFill>
-                              <a:schemeClr val="bg1"/>
-                            </a:solidFill>
-                            <a:latin typeface="Cambria Math" panose="02040503050406030204" pitchFamily="18" charset="0"/>
-                          </a:rPr>
-                        </m:ctrlPr>
-                      </m:sSubPr>
-                      <m:e>
-                        <m:r>
-                          <a:rPr lang="it-IT" b="1" i="1" smtClean="0">
-                            <a:solidFill>
-                              <a:schemeClr val="bg1"/>
-                            </a:solidFill>
-                            <a:latin typeface="Cambria Math" panose="02040503050406030204" pitchFamily="18" charset="0"/>
-                          </a:rPr>
-                          <m:t>𝒓</m:t>
-                        </m:r>
-                      </m:e>
-                      <m:sub>
-                        <m:r>
-                          <a:rPr lang="it-IT" b="0" i="1" smtClean="0">
-                            <a:solidFill>
-                              <a:schemeClr val="bg1"/>
-                            </a:solidFill>
-                            <a:latin typeface="Cambria Math" panose="02040503050406030204" pitchFamily="18" charset="0"/>
-                          </a:rPr>
-                          <m:t>𝐺</m:t>
-                        </m:r>
-                      </m:sub>
-                    </m:sSub>
-                    <m:r>
-                      <a:rPr lang="it-IT" b="0" i="1" smtClean="0">
-                        <a:solidFill>
-                          <a:schemeClr val="bg1"/>
-                        </a:solidFill>
-                        <a:latin typeface="Cambria Math" panose="02040503050406030204" pitchFamily="18" charset="0"/>
-                      </a:rPr>
-                      <m:t>)</m:t>
-                    </m:r>
-                  </m:oMath>
-                </a14:m>
-                <a:r>
-                  <a:rPr lang="it-IT" dirty="0">
-                    <a:solidFill>
-                      <a:schemeClr val="bg1"/>
-                    </a:solidFill>
-                  </a:rPr>
-                  <a:t> =</a:t>
-                </a:r>
-                <a14:m>
-                  <m:oMath xmlns:m="http://schemas.openxmlformats.org/officeDocument/2006/math">
-                    <m:r>
-                      <a:rPr lang="it-IT" b="0" i="0" dirty="0" smtClean="0">
-                        <a:solidFill>
-                          <a:schemeClr val="bg1"/>
-                        </a:solidFill>
-                        <a:latin typeface="Cambria Math" panose="02040503050406030204" pitchFamily="18" charset="0"/>
-                      </a:rPr>
-                      <m:t> </m:t>
-                    </m:r>
-                    <m:sSub>
-                      <m:sSubPr>
-                        <m:ctrlPr>
-                          <a:rPr lang="it-IT" b="0" i="1" dirty="0" smtClean="0">
-                            <a:solidFill>
-                              <a:schemeClr val="bg1"/>
-                            </a:solidFill>
-                            <a:latin typeface="Cambria Math" panose="02040503050406030204" pitchFamily="18" charset="0"/>
-                          </a:rPr>
-                        </m:ctrlPr>
-                      </m:sSubPr>
-                      <m:e>
-                        <m:r>
-                          <a:rPr lang="it-IT" b="0" i="1" dirty="0" smtClean="0">
-                            <a:solidFill>
-                              <a:schemeClr val="bg1"/>
-                            </a:solidFill>
-                            <a:latin typeface="Cambria Math" panose="02040503050406030204" pitchFamily="18" charset="0"/>
-                          </a:rPr>
-                          <m:t>0</m:t>
-                        </m:r>
-                      </m:e>
-                      <m:sub>
-                        <m:r>
-                          <a:rPr lang="it-IT" b="0" i="1" dirty="0" smtClean="0">
-                            <a:solidFill>
-                              <a:schemeClr val="bg1"/>
-                            </a:solidFill>
-                            <a:latin typeface="Cambria Math" panose="02040503050406030204" pitchFamily="18" charset="0"/>
-                          </a:rPr>
-                          <m:t>3</m:t>
-                        </m:r>
-                        <m:r>
-                          <a:rPr lang="it-IT" b="0" i="1" dirty="0" smtClean="0">
-                            <a:solidFill>
-                              <a:schemeClr val="bg1"/>
-                            </a:solidFill>
-                            <a:latin typeface="Cambria Math" panose="02040503050406030204" pitchFamily="18" charset="0"/>
-                          </a:rPr>
-                          <m:t>𝑥</m:t>
-                        </m:r>
-                        <m:r>
-                          <a:rPr lang="it-IT" b="0" i="1" dirty="0" smtClean="0">
-                            <a:solidFill>
-                              <a:schemeClr val="bg1"/>
-                            </a:solidFill>
-                            <a:latin typeface="Cambria Math" panose="02040503050406030204" pitchFamily="18" charset="0"/>
-                          </a:rPr>
-                          <m:t>3</m:t>
-                        </m:r>
-                      </m:sub>
-                    </m:sSub>
-                  </m:oMath>
-                </a14:m>
-                <a:endParaRPr lang="it-IT" dirty="0">
-                  <a:solidFill>
-                    <a:schemeClr val="bg1"/>
-                  </a:solidFill>
-                </a:endParaRPr>
-              </a:p>
-            </p:txBody>
-          </p:sp>
-        </mc:Choice>
-        <mc:Fallback>
-          <p:sp>
-            <p:nvSpPr>
-              <p:cNvPr id="20" name="Rettangolo 19">
-                <a:extLst>
-                  <a:ext uri="{FF2B5EF4-FFF2-40B4-BE49-F238E27FC236}">
-                    <a16:creationId xmlns:a16="http://schemas.microsoft.com/office/drawing/2014/main" id="{9AC29DEA-2E73-4534-A96B-2A3D032FD15A}"/>
-                  </a:ext>
-                </a:extLst>
-              </p:cNvPr>
-              <p:cNvSpPr>
-                <a:spLocks noRot="1" noChangeAspect="1" noMove="1" noResize="1" noEditPoints="1" noAdjustHandles="1" noChangeArrowheads="1" noChangeShapeType="1" noTextEdit="1"/>
-              </p:cNvSpPr>
-              <p:nvPr/>
-            </p:nvSpPr>
-            <p:spPr>
-              <a:xfrm>
-                <a:off x="1188064" y="5771866"/>
-                <a:ext cx="1437445" cy="369332"/>
-              </a:xfrm>
-              <a:prstGeom prst="rect">
-                <a:avLst/>
-              </a:prstGeom>
-              <a:blipFill>
-                <a:blip r:embed="rId12"/>
-                <a:stretch>
-                  <a:fillRect t="-8333" b="-28333"/>
-                </a:stretch>
-              </a:blipFill>
-            </p:spPr>
-            <p:txBody>
-              <a:bodyPr/>
-              <a:lstStyle/>
-              <a:p>
-                <a:r>
-                  <a:rPr lang="it-IT">
-                    <a:noFill/>
-                  </a:rPr>
-                  <a:t> </a:t>
-                </a:r>
-              </a:p>
-            </p:txBody>
-          </p:sp>
-        </mc:Fallback>
-      </mc:AlternateContent>
       <p:pic>
         <p:nvPicPr>
           <p:cNvPr id="23" name="Immagine 22" descr="Immagine che contiene orologio&#10;&#10;Descrizione generata automaticamente">
@@ -23756,7 +24132,7 @@
           <p:nvPr/>
         </p:nvPicPr>
         <p:blipFill>
-          <a:blip r:embed="rId13">
+          <a:blip r:embed="rId12">
             <a:extLst>
               <a:ext uri="{28A0092B-C50C-407E-A947-70E740481C1C}">
                 <a14:useLocalDpi xmlns:a14="http://schemas.microsoft.com/office/drawing/2010/main" val="0"/>
@@ -23777,6 +24153,35 @@
           </a:prstGeom>
         </p:spPr>
       </p:pic>
+      <p:sp>
+        <p:nvSpPr>
+          <p:cNvPr id="7" name="Segnaposto numero diapositiva 6">
+            <a:extLst>
+              <a:ext uri="{FF2B5EF4-FFF2-40B4-BE49-F238E27FC236}">
+                <a16:creationId xmlns:a16="http://schemas.microsoft.com/office/drawing/2014/main" id="{73AFAA86-F61D-410E-A32E-66EAB9B48873}"/>
+              </a:ext>
+            </a:extLst>
+          </p:cNvPr>
+          <p:cNvSpPr>
+            <a:spLocks noGrp="1"/>
+          </p:cNvSpPr>
+          <p:nvPr>
+            <p:ph type="sldNum" sz="quarter" idx="12"/>
+          </p:nvPr>
+        </p:nvSpPr>
+        <p:spPr/>
+        <p:txBody>
+          <a:bodyPr/>
+          <a:lstStyle/>
+          <a:p>
+            <a:fld id="{4854181D-6920-4594-9A5D-6CE56DC9F8B2}" type="slidenum">
+              <a:rPr lang="en-US" smtClean="0"/>
+              <a:t>9</a:t>
+            </a:fld>
+            <a:endParaRPr lang="en-US"/>
+          </a:p>
+        </p:txBody>
+      </p:sp>
     </p:spTree>
     <p:extLst>
       <p:ext uri="{BB962C8B-B14F-4D97-AF65-F5344CB8AC3E}">

--- a/presentazione.pptx
+++ b/presentazione.pptx
@@ -275,7 +275,7 @@
           <a:p>
             <a:fld id="{CC770569-2EDB-4B82-806E-B779E2125378}" type="datetimeFigureOut">
               <a:rPr lang="it-IT" smtClean="0"/>
-              <a:t>20/06/2020</a:t>
+              <a:t>21/06/2020</a:t>
             </a:fld>
             <a:endParaRPr lang="it-IT"/>
           </a:p>
@@ -453,7 +453,7 @@
           <a:p>
             <a:fld id="{F3D5F453-40FB-4DD9-B536-90A4813DB008}" type="datetimeFigureOut">
               <a:rPr lang="it-IT" smtClean="0"/>
-              <a:t>20/06/2020</a:t>
+              <a:t>21/06/2020</a:t>
             </a:fld>
             <a:endParaRPr lang="it-IT"/>
           </a:p>
@@ -1036,7 +1036,7 @@
           <a:p>
             <a:fld id="{406A2CA4-CF9F-4D6B-896C-705236384917}" type="datetime1">
               <a:rPr lang="en-US" smtClean="0"/>
-              <a:t>6/20/2020</a:t>
+              <a:t>6/21/2020</a:t>
             </a:fld>
             <a:endParaRPr lang="en-US" dirty="0"/>
           </a:p>
@@ -1495,7 +1495,7 @@
           <a:p>
             <a:fld id="{E4D457AD-4150-436F-9174-87F56CCB1892}" type="datetime1">
               <a:rPr lang="en-US" smtClean="0"/>
-              <a:t>6/20/2020</a:t>
+              <a:t>6/21/2020</a:t>
             </a:fld>
             <a:endParaRPr lang="en-US" dirty="0"/>
           </a:p>
@@ -3942,7 +3942,7 @@
             <p:spPr>
               <a:xfrm>
                 <a:off x="1196502" y="2101134"/>
-                <a:ext cx="6157609" cy="2196435"/>
+                <a:ext cx="6157609" cy="2156360"/>
               </a:xfrm>
               <a:prstGeom prst="rect">
                 <a:avLst/>
@@ -3975,7 +3975,7 @@
                       <a:schemeClr val="bg1"/>
                     </a:solidFill>
                   </a:rPr>
-                  <a:t>Approssimazione ellissoide oblato a sfera liscia</a:t>
+                  <a:t>Si trascurano i termini lineari di D(v)</a:t>
                 </a:r>
               </a:p>
               <a:p>
@@ -3989,7 +3989,7 @@
                       <a:schemeClr val="bg1"/>
                     </a:solidFill>
                   </a:rPr>
-                  <a:t>Si trascurano i termini lineari di D(v)</a:t>
+                  <a:t>Approssimazione ellissoide oblato a sfera liscia</a:t>
                 </a:r>
               </a:p>
               <a:p>
@@ -4263,7 +4263,7 @@
             <p:spPr>
               <a:xfrm>
                 <a:off x="1196502" y="2101134"/>
-                <a:ext cx="6157609" cy="2196435"/>
+                <a:ext cx="6157609" cy="2156360"/>
               </a:xfrm>
               <a:prstGeom prst="rect">
                 <a:avLst/>
@@ -4271,7 +4271,7 @@
               <a:blipFill>
                 <a:blip r:embed="rId4"/>
                 <a:stretch>
-                  <a:fillRect l="-891" t="-1389" r="-594" b="-1944"/>
+                  <a:fillRect l="-891" t="-1416" r="-594" b="-3966"/>
                 </a:stretch>
               </a:blipFill>
             </p:spPr>
@@ -15249,8 +15249,8 @@
           </p:sp>
         </mc:Fallback>
       </mc:AlternateContent>
-      <mc:AlternateContent xmlns:mc="http://schemas.openxmlformats.org/markup-compatibility/2006">
-        <mc:Choice xmlns:a14="http://schemas.microsoft.com/office/drawing/2010/main" Requires="a14">
+      <mc:AlternateContent xmlns:mc="http://schemas.openxmlformats.org/markup-compatibility/2006" xmlns:a14="http://schemas.microsoft.com/office/drawing/2010/main">
+        <mc:Choice Requires="a14">
           <p:sp>
             <p:nvSpPr>
               <p:cNvPr id="20" name="CasellaDiTesto 19">
@@ -15384,7 +15384,7 @@
             </p:txBody>
           </p:sp>
         </mc:Choice>
-        <mc:Fallback>
+        <mc:Fallback xmlns="">
           <p:sp>
             <p:nvSpPr>
               <p:cNvPr id="20" name="CasellaDiTesto 19">
@@ -15429,8 +15429,8 @@
           </p:sp>
         </mc:Fallback>
       </mc:AlternateContent>
-      <mc:AlternateContent xmlns:mc="http://schemas.openxmlformats.org/markup-compatibility/2006">
-        <mc:Choice xmlns:a14="http://schemas.microsoft.com/office/drawing/2010/main" Requires="a14">
+      <mc:AlternateContent xmlns:mc="http://schemas.openxmlformats.org/markup-compatibility/2006" xmlns:a14="http://schemas.microsoft.com/office/drawing/2010/main">
+        <mc:Choice Requires="a14">
           <p:sp>
             <p:nvSpPr>
               <p:cNvPr id="21" name="CasellaDiTesto 20">
@@ -15668,7 +15668,7 @@
             </p:txBody>
           </p:sp>
         </mc:Choice>
-        <mc:Fallback>
+        <mc:Fallback xmlns="">
           <p:sp>
             <p:nvSpPr>
               <p:cNvPr id="21" name="CasellaDiTesto 20">
@@ -15713,8 +15713,8 @@
           </p:sp>
         </mc:Fallback>
       </mc:AlternateContent>
-      <mc:AlternateContent xmlns:mc="http://schemas.openxmlformats.org/markup-compatibility/2006">
-        <mc:Choice xmlns:a14="http://schemas.microsoft.com/office/drawing/2010/main" Requires="a14">
+      <mc:AlternateContent xmlns:mc="http://schemas.openxmlformats.org/markup-compatibility/2006" xmlns:a14="http://schemas.microsoft.com/office/drawing/2010/main">
+        <mc:Choice Requires="a14">
           <p:sp>
             <p:nvSpPr>
               <p:cNvPr id="24" name="CasellaDiTesto 23">
@@ -15993,17 +15993,7 @@
                         <a:latin typeface="Cambria Math" panose="02040503050406030204" pitchFamily="18" charset="0"/>
                         <a:ea typeface="Cambria Math" panose="02040503050406030204" pitchFamily="18" charset="0"/>
                       </a:rPr>
-                      <m:t>=0,003</m:t>
-                    </m:r>
-                    <m:r>
-                      <a:rPr lang="it-IT" b="0" i="1" smtClean="0">
-                        <a:solidFill>
-                          <a:schemeClr val="bg1"/>
-                        </a:solidFill>
-                        <a:latin typeface="Cambria Math" panose="02040503050406030204" pitchFamily="18" charset="0"/>
-                        <a:ea typeface="Cambria Math" panose="02040503050406030204" pitchFamily="18" charset="0"/>
-                      </a:rPr>
-                      <m:t>7 </m:t>
+                      <m:t>=0,0037 </m:t>
                     </m:r>
                     <m:f>
                       <m:fPr>
@@ -16057,7 +16047,7 @@
             </p:txBody>
           </p:sp>
         </mc:Choice>
-        <mc:Fallback>
+        <mc:Fallback xmlns="">
           <p:sp>
             <p:nvSpPr>
               <p:cNvPr id="24" name="CasellaDiTesto 23">
@@ -20565,6 +20555,54 @@
           </a:prstGeom>
         </p:spPr>
       </p:pic>
+      <p:sp>
+        <p:nvSpPr>
+          <p:cNvPr id="15" name="Rettangolo 14">
+            <a:extLst>
+              <a:ext uri="{FF2B5EF4-FFF2-40B4-BE49-F238E27FC236}">
+                <a16:creationId xmlns:a16="http://schemas.microsoft.com/office/drawing/2014/main" id="{AD7051F9-5E8F-4736-B27B-971D9BBAB29C}"/>
+              </a:ext>
+            </a:extLst>
+          </p:cNvPr>
+          <p:cNvSpPr/>
+          <p:nvPr/>
+        </p:nvSpPr>
+        <p:spPr>
+          <a:xfrm>
+            <a:off x="918814" y="1181715"/>
+            <a:ext cx="1025839" cy="735261"/>
+          </a:xfrm>
+          <a:prstGeom prst="rect">
+            <a:avLst/>
+          </a:prstGeom>
+          <a:noFill/>
+          <a:ln w="25400"/>
+        </p:spPr>
+        <p:style>
+          <a:lnRef idx="2">
+            <a:schemeClr val="accent1">
+              <a:shade val="50000"/>
+            </a:schemeClr>
+          </a:lnRef>
+          <a:fillRef idx="1">
+            <a:schemeClr val="accent1"/>
+          </a:fillRef>
+          <a:effectRef idx="0">
+            <a:schemeClr val="accent1"/>
+          </a:effectRef>
+          <a:fontRef idx="minor">
+            <a:schemeClr val="lt1"/>
+          </a:fontRef>
+        </p:style>
+        <p:txBody>
+          <a:bodyPr rtlCol="0" anchor="ctr"/>
+          <a:lstStyle/>
+          <a:p>
+            <a:pPr algn="ctr"/>
+            <a:endParaRPr lang="it-IT"/>
+          </a:p>
+        </p:txBody>
+      </p:sp>
     </p:spTree>
     <p:extLst>
       <p:ext uri="{BB962C8B-B14F-4D97-AF65-F5344CB8AC3E}">
@@ -21152,8 +21190,8 @@
           </a:p>
         </p:txBody>
       </p:sp>
-      <mc:AlternateContent xmlns:mc="http://schemas.openxmlformats.org/markup-compatibility/2006">
-        <mc:Choice xmlns:a14="http://schemas.microsoft.com/office/drawing/2010/main" Requires="a14">
+      <mc:AlternateContent xmlns:mc="http://schemas.openxmlformats.org/markup-compatibility/2006" xmlns:a14="http://schemas.microsoft.com/office/drawing/2010/main">
+        <mc:Choice Requires="a14">
           <p:sp>
             <p:nvSpPr>
               <p:cNvPr id="6" name="Rettangolo 5">
@@ -21322,7 +21360,7 @@
             </p:txBody>
           </p:sp>
         </mc:Choice>
-        <mc:Fallback>
+        <mc:Fallback xmlns="">
           <p:sp>
             <p:nvSpPr>
               <p:cNvPr id="6" name="Rettangolo 5">
@@ -23885,8 +23923,8 @@
           </a:p>
         </p:txBody>
       </p:sp>
-      <mc:AlternateContent xmlns:mc="http://schemas.openxmlformats.org/markup-compatibility/2006">
-        <mc:Choice xmlns:a14="http://schemas.microsoft.com/office/drawing/2010/main" Requires="a14">
+      <mc:AlternateContent xmlns:mc="http://schemas.openxmlformats.org/markup-compatibility/2006" xmlns:a14="http://schemas.microsoft.com/office/drawing/2010/main">
+        <mc:Choice Requires="a14">
           <p:sp>
             <p:nvSpPr>
               <p:cNvPr id="10" name="Rettangolo 9">
@@ -24072,7 +24110,7 @@
             </p:txBody>
           </p:sp>
         </mc:Choice>
-        <mc:Fallback>
+        <mc:Fallback xmlns="">
           <p:sp>
             <p:nvSpPr>
               <p:cNvPr id="10" name="Rettangolo 9">

--- a/presentazione.pptx
+++ b/presentazione.pptx
@@ -5,10 +5,10 @@
     <p:sldMasterId id="2147483716" r:id="rId1"/>
   </p:sldMasterIdLst>
   <p:notesMasterIdLst>
-    <p:notesMasterId r:id="rId30"/>
+    <p:notesMasterId r:id="rId29"/>
   </p:notesMasterIdLst>
   <p:handoutMasterIdLst>
-    <p:handoutMasterId r:id="rId31"/>
+    <p:handoutMasterId r:id="rId30"/>
   </p:handoutMasterIdLst>
   <p:sldIdLst>
     <p:sldId id="256" r:id="rId2"/>
@@ -38,7 +38,6 @@
     <p:sldId id="298" r:id="rId26"/>
     <p:sldId id="303" r:id="rId27"/>
     <p:sldId id="301" r:id="rId28"/>
-    <p:sldId id="302" r:id="rId29"/>
   </p:sldIdLst>
   <p:sldSz cx="12192000" cy="6858000"/>
   <p:notesSz cx="6858000" cy="9144000"/>
@@ -169,7 +168,6 @@
             <p14:sldId id="298"/>
             <p14:sldId id="303"/>
             <p14:sldId id="301"/>
-            <p14:sldId id="302"/>
           </p14:sldIdLst>
         </p14:section>
       </p14:sectionLst>
@@ -3925,8 +3923,8 @@
           </a:prstGeom>
         </p:spPr>
       </p:pic>
-      <mc:AlternateContent xmlns:mc="http://schemas.openxmlformats.org/markup-compatibility/2006">
-        <mc:Choice xmlns:a14="http://schemas.microsoft.com/office/drawing/2010/main" Requires="a14">
+      <mc:AlternateContent xmlns:mc="http://schemas.openxmlformats.org/markup-compatibility/2006" xmlns:a14="http://schemas.microsoft.com/office/drawing/2010/main">
+        <mc:Choice Requires="a14">
           <p:sp>
             <p:nvSpPr>
               <p:cNvPr id="7" name="CasellaDiTesto 6">
@@ -4245,7 +4243,7 @@
             </p:txBody>
           </p:sp>
         </mc:Choice>
-        <mc:Fallback>
+        <mc:Fallback xmlns="">
           <p:sp>
             <p:nvSpPr>
               <p:cNvPr id="7" name="CasellaDiTesto 6">
@@ -11797,181 +11795,6 @@
     <p:extLst>
       <p:ext uri="{BB962C8B-B14F-4D97-AF65-F5344CB8AC3E}">
         <p14:creationId xmlns:p14="http://schemas.microsoft.com/office/powerpoint/2010/main" val="1038073729"/>
-      </p:ext>
-    </p:extLst>
-  </p:cSld>
-  <p:clrMapOvr>
-    <a:masterClrMapping/>
-  </p:clrMapOvr>
-</p:sld>
-</file>
-
-<file path=ppt/slides/slide28.xml><?xml version="1.0" encoding="utf-8"?>
-<p:sld xmlns:a="http://schemas.openxmlformats.org/drawingml/2006/main" xmlns:r="http://schemas.openxmlformats.org/officeDocument/2006/relationships" xmlns:p="http://schemas.openxmlformats.org/presentationml/2006/main" showMasterSp="0">
-  <p:cSld>
-    <p:bg>
-      <p:bgPr>
-        <a:blipFill dpi="0" rotWithShape="1">
-          <a:blip r:embed="rId2">
-            <a:lum/>
-          </a:blip>
-          <a:srcRect/>
-          <a:stretch>
-            <a:fillRect/>
-          </a:stretch>
-        </a:blipFill>
-        <a:effectLst/>
-      </p:bgPr>
-    </p:bg>
-    <p:spTree>
-      <p:nvGrpSpPr>
-        <p:cNvPr id="1" name=""/>
-        <p:cNvGrpSpPr/>
-        <p:nvPr/>
-      </p:nvGrpSpPr>
-      <p:grpSpPr>
-        <a:xfrm>
-          <a:off x="0" y="0"/>
-          <a:ext cx="0" cy="0"/>
-          <a:chOff x="0" y="0"/>
-          <a:chExt cx="0" cy="0"/>
-        </a:xfrm>
-      </p:grpSpPr>
-      <p:sp>
-        <p:nvSpPr>
-          <p:cNvPr id="4" name="Segnaposto piè di pagina 3">
-            <a:extLst>
-              <a:ext uri="{FF2B5EF4-FFF2-40B4-BE49-F238E27FC236}">
-                <a16:creationId xmlns:a16="http://schemas.microsoft.com/office/drawing/2014/main" id="{4E362125-2F83-4266-AB8C-336E9ADDBB86}"/>
-              </a:ext>
-            </a:extLst>
-          </p:cNvPr>
-          <p:cNvSpPr>
-            <a:spLocks noGrp="1"/>
-          </p:cNvSpPr>
-          <p:nvPr>
-            <p:ph type="ftr" sz="quarter" idx="11"/>
-          </p:nvPr>
-        </p:nvSpPr>
-        <p:spPr>
-          <a:xfrm>
-            <a:off x="-231742" y="6492875"/>
-            <a:ext cx="4114800" cy="365125"/>
-          </a:xfrm>
-        </p:spPr>
-        <p:txBody>
-          <a:bodyPr/>
-          <a:lstStyle/>
-          <a:p>
-            <a:endParaRPr lang="en-US" i="1" dirty="0">
-              <a:solidFill>
-                <a:schemeClr val="bg1"/>
-              </a:solidFill>
-            </a:endParaRPr>
-          </a:p>
-        </p:txBody>
-      </p:sp>
-      <p:sp>
-        <p:nvSpPr>
-          <p:cNvPr id="11" name="Rettangolo 10">
-            <a:extLst>
-              <a:ext uri="{FF2B5EF4-FFF2-40B4-BE49-F238E27FC236}">
-                <a16:creationId xmlns:a16="http://schemas.microsoft.com/office/drawing/2014/main" id="{DE43AB90-63F1-413E-8732-29F127F1CF7E}"/>
-              </a:ext>
-            </a:extLst>
-          </p:cNvPr>
-          <p:cNvSpPr/>
-          <p:nvPr/>
-        </p:nvSpPr>
-        <p:spPr>
-          <a:xfrm>
-            <a:off x="337221" y="428665"/>
-            <a:ext cx="5462906" cy="707886"/>
-          </a:xfrm>
-          <a:prstGeom prst="rect">
-            <a:avLst/>
-          </a:prstGeom>
-        </p:spPr>
-        <p:txBody>
-          <a:bodyPr wrap="none">
-            <a:spAutoFit/>
-          </a:bodyPr>
-          <a:lstStyle/>
-          <a:p>
-            <a:r>
-              <a:rPr lang="it-IT" sz="4000" b="1" dirty="0">
-                <a:solidFill>
-                  <a:schemeClr val="bg1"/>
-                </a:solidFill>
-              </a:rPr>
-              <a:t>Integrazione parziale</a:t>
-            </a:r>
-          </a:p>
-        </p:txBody>
-      </p:sp>
-      <p:pic>
-        <p:nvPicPr>
-          <p:cNvPr id="5" name="Immagine 4">
-            <a:extLst>
-              <a:ext uri="{FF2B5EF4-FFF2-40B4-BE49-F238E27FC236}">
-                <a16:creationId xmlns:a16="http://schemas.microsoft.com/office/drawing/2014/main" id="{CBEA41C4-B086-45E2-81A2-245B126A12E6}"/>
-              </a:ext>
-            </a:extLst>
-          </p:cNvPr>
-          <p:cNvPicPr>
-            <a:picLocks noChangeAspect="1"/>
-          </p:cNvPicPr>
-          <p:nvPr/>
-        </p:nvPicPr>
-        <p:blipFill>
-          <a:blip r:embed="rId3"/>
-          <a:stretch>
-            <a:fillRect/>
-          </a:stretch>
-        </p:blipFill>
-        <p:spPr>
-          <a:xfrm>
-            <a:off x="1906621" y="1642774"/>
-            <a:ext cx="8378757" cy="4343877"/>
-          </a:xfrm>
-          <a:prstGeom prst="rect">
-            <a:avLst/>
-          </a:prstGeom>
-        </p:spPr>
-      </p:pic>
-      <p:sp>
-        <p:nvSpPr>
-          <p:cNvPr id="2" name="Segnaposto numero diapositiva 1">
-            <a:extLst>
-              <a:ext uri="{FF2B5EF4-FFF2-40B4-BE49-F238E27FC236}">
-                <a16:creationId xmlns:a16="http://schemas.microsoft.com/office/drawing/2014/main" id="{2D93E094-05D2-4BA6-88B6-09B7A104FE2E}"/>
-              </a:ext>
-            </a:extLst>
-          </p:cNvPr>
-          <p:cNvSpPr>
-            <a:spLocks noGrp="1"/>
-          </p:cNvSpPr>
-          <p:nvPr>
-            <p:ph type="sldNum" sz="quarter" idx="12"/>
-          </p:nvPr>
-        </p:nvSpPr>
-        <p:spPr/>
-        <p:txBody>
-          <a:bodyPr/>
-          <a:lstStyle/>
-          <a:p>
-            <a:fld id="{4854181D-6920-4594-9A5D-6CE56DC9F8B2}" type="slidenum">
-              <a:rPr lang="en-US" smtClean="0"/>
-              <a:t>28</a:t>
-            </a:fld>
-            <a:endParaRPr lang="en-US"/>
-          </a:p>
-        </p:txBody>
-      </p:sp>
-    </p:spTree>
-    <p:extLst>
-      <p:ext uri="{BB962C8B-B14F-4D97-AF65-F5344CB8AC3E}">
-        <p14:creationId xmlns:p14="http://schemas.microsoft.com/office/powerpoint/2010/main" val="3595974915"/>
       </p:ext>
     </p:extLst>
   </p:cSld>
@@ -17800,7 +17623,7 @@
         </p:nvCxnSpPr>
         <p:spPr>
           <a:xfrm>
-            <a:off x="10292484" y="5289318"/>
+            <a:off x="10397376" y="5274430"/>
             <a:ext cx="486733" cy="8849"/>
           </a:xfrm>
           <a:prstGeom prst="straightConnector1">
@@ -17839,7 +17662,7 @@
         </p:nvSpPr>
         <p:spPr>
           <a:xfrm>
-            <a:off x="10663758" y="5050996"/>
+            <a:off x="10715628" y="5053101"/>
             <a:ext cx="1218146" cy="577081"/>
           </a:xfrm>
           <a:prstGeom prst="rect">
@@ -17878,8 +17701,8 @@
           </a:p>
         </p:txBody>
       </p:sp>
-      <mc:AlternateContent xmlns:mc="http://schemas.openxmlformats.org/markup-compatibility/2006" xmlns:a14="http://schemas.microsoft.com/office/drawing/2010/main">
-        <mc:Choice Requires="a14">
+      <mc:AlternateContent xmlns:mc="http://schemas.openxmlformats.org/markup-compatibility/2006">
+        <mc:Choice xmlns:a14="http://schemas.microsoft.com/office/drawing/2010/main" Requires="a14">
           <p:sp>
             <p:nvSpPr>
               <p:cNvPr id="2" name="CasellaDiTesto 1">
@@ -18247,7 +18070,7 @@
             </p:txBody>
           </p:sp>
         </mc:Choice>
-        <mc:Fallback xmlns="">
+        <mc:Fallback>
           <p:sp>
             <p:nvSpPr>
               <p:cNvPr id="2" name="CasellaDiTesto 1">

--- a/presentazione.pptx
+++ b/presentazione.pptx
@@ -4835,6 +4835,54 @@
           </a:p>
         </p:txBody>
       </p:sp>
+      <p:sp>
+        <p:nvSpPr>
+          <p:cNvPr id="14" name="Rettangolo 13">
+            <a:extLst>
+              <a:ext uri="{FF2B5EF4-FFF2-40B4-BE49-F238E27FC236}">
+                <a16:creationId xmlns:a16="http://schemas.microsoft.com/office/drawing/2014/main" id="{88C7552E-B4BB-4DCA-9805-B3579B317E11}"/>
+              </a:ext>
+            </a:extLst>
+          </p:cNvPr>
+          <p:cNvSpPr/>
+          <p:nvPr/>
+        </p:nvSpPr>
+        <p:spPr>
+          <a:xfrm>
+            <a:off x="1126055" y="3939754"/>
+            <a:ext cx="2913285" cy="646331"/>
+          </a:xfrm>
+          <a:prstGeom prst="rect">
+            <a:avLst/>
+          </a:prstGeom>
+          <a:noFill/>
+          <a:ln w="28575"/>
+        </p:spPr>
+        <p:style>
+          <a:lnRef idx="2">
+            <a:schemeClr val="accent1">
+              <a:shade val="50000"/>
+            </a:schemeClr>
+          </a:lnRef>
+          <a:fillRef idx="1">
+            <a:schemeClr val="accent1"/>
+          </a:fillRef>
+          <a:effectRef idx="0">
+            <a:schemeClr val="accent1"/>
+          </a:effectRef>
+          <a:fontRef idx="minor">
+            <a:schemeClr val="lt1"/>
+          </a:fontRef>
+        </p:style>
+        <p:txBody>
+          <a:bodyPr rtlCol="0" anchor="ctr"/>
+          <a:lstStyle/>
+          <a:p>
+            <a:pPr algn="ctr"/>
+            <a:endParaRPr lang="it-IT"/>
+          </a:p>
+        </p:txBody>
+      </p:sp>
     </p:spTree>
     <p:extLst>
       <p:ext uri="{BB962C8B-B14F-4D97-AF65-F5344CB8AC3E}">
@@ -15252,8 +15300,8 @@
           </p:sp>
         </mc:Fallback>
       </mc:AlternateContent>
-      <mc:AlternateContent xmlns:mc="http://schemas.openxmlformats.org/markup-compatibility/2006" xmlns:a14="http://schemas.microsoft.com/office/drawing/2010/main">
-        <mc:Choice Requires="a14">
+      <mc:AlternateContent xmlns:mc="http://schemas.openxmlformats.org/markup-compatibility/2006">
+        <mc:Choice xmlns:a14="http://schemas.microsoft.com/office/drawing/2010/main" Requires="a14">
           <p:sp>
             <p:nvSpPr>
               <p:cNvPr id="21" name="CasellaDiTesto 20">
@@ -15382,7 +15430,7 @@
                           </a:solidFill>
                           <a:latin typeface="Cambria Math" panose="02040503050406030204" pitchFamily="18" charset="0"/>
                         </a:rPr>
-                        <m:t>+</m:t>
+                        <m:t>−</m:t>
                       </m:r>
                       <m:sSub>
                         <m:sSubPr>
@@ -15491,7 +15539,7 @@
             </p:txBody>
           </p:sp>
         </mc:Choice>
-        <mc:Fallback xmlns="">
+        <mc:Fallback>
           <p:sp>
             <p:nvSpPr>
               <p:cNvPr id="21" name="CasellaDiTesto 20">
@@ -17701,8 +17749,8 @@
           </a:p>
         </p:txBody>
       </p:sp>
-      <mc:AlternateContent xmlns:mc="http://schemas.openxmlformats.org/markup-compatibility/2006">
-        <mc:Choice xmlns:a14="http://schemas.microsoft.com/office/drawing/2010/main" Requires="a14">
+      <mc:AlternateContent xmlns:mc="http://schemas.openxmlformats.org/markup-compatibility/2006" xmlns:a14="http://schemas.microsoft.com/office/drawing/2010/main">
+        <mc:Choice Requires="a14">
           <p:sp>
             <p:nvSpPr>
               <p:cNvPr id="2" name="CasellaDiTesto 1">
@@ -18070,7 +18118,7 @@
             </p:txBody>
           </p:sp>
         </mc:Choice>
-        <mc:Fallback>
+        <mc:Fallback xmlns="">
           <p:sp>
             <p:nvSpPr>
               <p:cNvPr id="2" name="CasellaDiTesto 1">

--- a/presentazione.pptx
+++ b/presentazione.pptx
@@ -273,7 +273,7 @@
           <a:p>
             <a:fld id="{CC770569-2EDB-4B82-806E-B779E2125378}" type="datetimeFigureOut">
               <a:rPr lang="it-IT" smtClean="0"/>
-              <a:t>21/06/2020</a:t>
+              <a:t>22/06/2020</a:t>
             </a:fld>
             <a:endParaRPr lang="it-IT"/>
           </a:p>
@@ -451,7 +451,7 @@
           <a:p>
             <a:fld id="{F3D5F453-40FB-4DD9-B536-90A4813DB008}" type="datetimeFigureOut">
               <a:rPr lang="it-IT" smtClean="0"/>
-              <a:t>21/06/2020</a:t>
+              <a:t>22/06/2020</a:t>
             </a:fld>
             <a:endParaRPr lang="it-IT"/>
           </a:p>
@@ -1034,7 +1034,7 @@
           <a:p>
             <a:fld id="{406A2CA4-CF9F-4D6B-896C-705236384917}" type="datetime1">
               <a:rPr lang="en-US" smtClean="0"/>
-              <a:t>6/21/2020</a:t>
+              <a:t>6/22/2020</a:t>
             </a:fld>
             <a:endParaRPr lang="en-US" dirty="0"/>
           </a:p>
@@ -1493,7 +1493,7 @@
           <a:p>
             <a:fld id="{E4D457AD-4150-436F-9174-87F56CCB1892}" type="datetime1">
               <a:rPr lang="en-US" smtClean="0"/>
-              <a:t>6/21/2020</a:t>
+              <a:t>6/22/2020</a:t>
             </a:fld>
             <a:endParaRPr lang="en-US" dirty="0"/>
           </a:p>
@@ -3923,8 +3923,8 @@
           </a:prstGeom>
         </p:spPr>
       </p:pic>
-      <mc:AlternateContent xmlns:mc="http://schemas.openxmlformats.org/markup-compatibility/2006" xmlns:a14="http://schemas.microsoft.com/office/drawing/2010/main">
-        <mc:Choice Requires="a14">
+      <mc:AlternateContent xmlns:mc="http://schemas.openxmlformats.org/markup-compatibility/2006">
+        <mc:Choice xmlns:a14="http://schemas.microsoft.com/office/drawing/2010/main" Requires="a14">
           <p:sp>
             <p:nvSpPr>
               <p:cNvPr id="7" name="CasellaDiTesto 6">
@@ -3940,7 +3940,7 @@
             <p:spPr>
               <a:xfrm>
                 <a:off x="1196502" y="2101134"/>
-                <a:ext cx="6157609" cy="2156360"/>
+                <a:ext cx="6157609" cy="2433358"/>
               </a:xfrm>
               <a:prstGeom prst="rect">
                 <a:avLst/>
@@ -4001,7 +4001,17 @@
                       <a:schemeClr val="bg1"/>
                     </a:solidFill>
                   </a:rPr>
-                  <a:t>Calcolo di Re a 20 °C, con </a:t>
+                  <a:t>20 °C</a:t>
+                </a:r>
+              </a:p>
+              <a:p>
+                <a:r>
+                  <a:rPr lang="it-IT" dirty="0">
+                    <a:solidFill>
+                      <a:schemeClr val="bg1"/>
+                    </a:solidFill>
+                  </a:rPr>
+                  <a:t>      </a:t>
                 </a:r>
                 <a14:m>
                   <m:oMath xmlns:m="http://schemas.openxmlformats.org/officeDocument/2006/math">
@@ -4129,102 +4139,18 @@
                       <a:schemeClr val="bg1"/>
                     </a:solidFill>
                   </a:rPr>
-                  <a:t> e per una velocità di 0.3 m/s → </a:t>
+                  <a:t> </a:t>
                 </a:r>
-                <a14:m>
-                  <m:oMath xmlns:m="http://schemas.openxmlformats.org/officeDocument/2006/math">
-                    <m:r>
-                      <a:rPr lang="it-IT" b="0" i="1" smtClean="0">
-                        <a:solidFill>
-                          <a:schemeClr val="bg1"/>
-                        </a:solidFill>
-                        <a:latin typeface="Cambria Math" panose="02040503050406030204" pitchFamily="18" charset="0"/>
-                      </a:rPr>
-                      <m:t>𝑅𝑒</m:t>
-                    </m:r>
-                    <m:r>
-                      <a:rPr lang="it-IT" b="0" i="1" smtClean="0">
-                        <a:solidFill>
-                          <a:schemeClr val="bg1"/>
-                        </a:solidFill>
-                        <a:latin typeface="Cambria Math" panose="02040503050406030204" pitchFamily="18" charset="0"/>
-                      </a:rPr>
-                      <m:t> ≅2∙</m:t>
-                    </m:r>
-                    <m:sSup>
-                      <m:sSupPr>
-                        <m:ctrlPr>
-                          <a:rPr lang="it-IT" b="0" i="1" smtClean="0">
-                            <a:solidFill>
-                              <a:schemeClr val="bg1"/>
-                            </a:solidFill>
-                            <a:latin typeface="Cambria Math" panose="02040503050406030204" pitchFamily="18" charset="0"/>
-                            <a:ea typeface="Cambria Math" panose="02040503050406030204" pitchFamily="18" charset="0"/>
-                          </a:rPr>
-                        </m:ctrlPr>
-                      </m:sSupPr>
-                      <m:e>
-                        <m:r>
-                          <a:rPr lang="it-IT" b="0" i="1" smtClean="0">
-                            <a:solidFill>
-                              <a:schemeClr val="bg1"/>
-                            </a:solidFill>
-                            <a:latin typeface="Cambria Math" panose="02040503050406030204" pitchFamily="18" charset="0"/>
-                            <a:ea typeface="Cambria Math" panose="02040503050406030204" pitchFamily="18" charset="0"/>
-                          </a:rPr>
-                          <m:t>10</m:t>
-                        </m:r>
-                      </m:e>
-                      <m:sup>
-                        <m:r>
-                          <a:rPr lang="it-IT" b="0" i="1" smtClean="0">
-                            <a:solidFill>
-                              <a:schemeClr val="bg1"/>
-                            </a:solidFill>
-                            <a:latin typeface="Cambria Math" panose="02040503050406030204" pitchFamily="18" charset="0"/>
-                            <a:ea typeface="Cambria Math" panose="02040503050406030204" pitchFamily="18" charset="0"/>
-                          </a:rPr>
-                          <m:t>5</m:t>
-                        </m:r>
-                      </m:sup>
-                    </m:sSup>
-                  </m:oMath>
-                </a14:m>
+              </a:p>
+              <a:p>
                 <a:r>
                   <a:rPr lang="it-IT" dirty="0">
                     <a:solidFill>
                       <a:schemeClr val="bg1"/>
                     </a:solidFill>
                   </a:rPr>
-                  <a:t>, </a:t>
+                  <a:t>      v = 0.3 m/s</a:t>
                 </a:r>
-                <a14:m>
-                  <m:oMath xmlns:m="http://schemas.openxmlformats.org/officeDocument/2006/math">
-                    <m:r>
-                      <a:rPr lang="it-IT" b="0" i="1" smtClean="0">
-                        <a:solidFill>
-                          <a:schemeClr val="bg1"/>
-                        </a:solidFill>
-                        <a:latin typeface="Cambria Math" panose="02040503050406030204" pitchFamily="18" charset="0"/>
-                      </a:rPr>
-                      <m:t>𝐶𝐷</m:t>
-                    </m:r>
-                    <m:r>
-                      <a:rPr lang="it-IT" b="0" i="1" smtClean="0">
-                        <a:solidFill>
-                          <a:schemeClr val="bg1"/>
-                        </a:solidFill>
-                        <a:latin typeface="Cambria Math" panose="02040503050406030204" pitchFamily="18" charset="0"/>
-                      </a:rPr>
-                      <m:t> ≅0,49</m:t>
-                    </m:r>
-                  </m:oMath>
-                </a14:m>
-                <a:endParaRPr lang="it-IT" dirty="0">
-                  <a:solidFill>
-                    <a:schemeClr val="bg1"/>
-                  </a:solidFill>
-                </a:endParaRPr>
               </a:p>
               <a:p>
                 <a:pPr marL="342900" indent="-342900">
@@ -4243,7 +4169,7 @@
             </p:txBody>
           </p:sp>
         </mc:Choice>
-        <mc:Fallback xmlns="">
+        <mc:Fallback>
           <p:sp>
             <p:nvSpPr>
               <p:cNvPr id="7" name="CasellaDiTesto 6">
@@ -4261,7 +4187,7 @@
             <p:spPr>
               <a:xfrm>
                 <a:off x="1196502" y="2101134"/>
-                <a:ext cx="6157609" cy="2156360"/>
+                <a:ext cx="6157609" cy="2433358"/>
               </a:xfrm>
               <a:prstGeom prst="rect">
                 <a:avLst/>
@@ -4269,7 +4195,7 @@
               <a:blipFill>
                 <a:blip r:embed="rId4"/>
                 <a:stretch>
-                  <a:fillRect l="-891" t="-1416" r="-594" b="-3966"/>
+                  <a:fillRect l="-891" t="-1253" b="-3258"/>
                 </a:stretch>
               </a:blipFill>
             </p:spPr>
@@ -4350,6 +4276,258 @@
               <a:t>12</a:t>
             </a:fld>
             <a:endParaRPr lang="en-US"/>
+          </a:p>
+        </p:txBody>
+      </p:sp>
+      <p:cxnSp>
+        <p:nvCxnSpPr>
+          <p:cNvPr id="5" name="Connettore 2 4">
+            <a:extLst>
+              <a:ext uri="{FF2B5EF4-FFF2-40B4-BE49-F238E27FC236}">
+                <a16:creationId xmlns:a16="http://schemas.microsoft.com/office/drawing/2014/main" id="{28D578D8-488D-465A-A2E8-6B93EC92427D}"/>
+              </a:ext>
+            </a:extLst>
+          </p:cNvPr>
+          <p:cNvCxnSpPr/>
+          <p:nvPr/>
+        </p:nvCxnSpPr>
+        <p:spPr>
+          <a:xfrm>
+            <a:off x="3968875" y="3429000"/>
+            <a:ext cx="511389" cy="0"/>
+          </a:xfrm>
+          <a:prstGeom prst="straightConnector1">
+            <a:avLst/>
+          </a:prstGeom>
+          <a:ln>
+            <a:tailEnd type="triangle"/>
+          </a:ln>
+        </p:spPr>
+        <p:style>
+          <a:lnRef idx="1">
+            <a:schemeClr val="accent1"/>
+          </a:lnRef>
+          <a:fillRef idx="0">
+            <a:schemeClr val="accent1"/>
+          </a:fillRef>
+          <a:effectRef idx="0">
+            <a:schemeClr val="accent1"/>
+          </a:effectRef>
+          <a:fontRef idx="minor">
+            <a:schemeClr val="tx1"/>
+          </a:fontRef>
+        </p:style>
+      </p:cxnSp>
+      <mc:AlternateContent xmlns:mc="http://schemas.openxmlformats.org/markup-compatibility/2006">
+        <mc:Choice xmlns:a14="http://schemas.microsoft.com/office/drawing/2010/main" Requires="a14">
+          <p:sp>
+            <p:nvSpPr>
+              <p:cNvPr id="8" name="CasellaDiTesto 7">
+                <a:extLst>
+                  <a:ext uri="{FF2B5EF4-FFF2-40B4-BE49-F238E27FC236}">
+                    <a16:creationId xmlns:a16="http://schemas.microsoft.com/office/drawing/2014/main" id="{2BFE7342-1EEA-4EC0-A790-271C018E1111}"/>
+                  </a:ext>
+                </a:extLst>
+              </p:cNvPr>
+              <p:cNvSpPr txBox="1"/>
+              <p:nvPr/>
+            </p:nvSpPr>
+            <p:spPr>
+              <a:xfrm>
+                <a:off x="4480264" y="3077895"/>
+                <a:ext cx="1615736" cy="649409"/>
+              </a:xfrm>
+              <a:prstGeom prst="rect">
+                <a:avLst/>
+              </a:prstGeom>
+              <a:noFill/>
+            </p:spPr>
+            <p:txBody>
+              <a:bodyPr wrap="square" rtlCol="0">
+                <a:spAutoFit/>
+              </a:bodyPr>
+              <a:lstStyle/>
+              <a:p>
+                <a14:m>
+                  <m:oMath xmlns:m="http://schemas.openxmlformats.org/officeDocument/2006/math">
+                    <m:r>
+                      <a:rPr lang="it-IT" i="1">
+                        <a:solidFill>
+                          <a:schemeClr val="bg1"/>
+                        </a:solidFill>
+                        <a:latin typeface="Cambria Math" panose="02040503050406030204" pitchFamily="18" charset="0"/>
+                      </a:rPr>
+                      <m:t>𝑅𝑒</m:t>
+                    </m:r>
+                    <m:r>
+                      <a:rPr lang="it-IT" i="1">
+                        <a:solidFill>
+                          <a:schemeClr val="bg1"/>
+                        </a:solidFill>
+                        <a:latin typeface="Cambria Math" panose="02040503050406030204" pitchFamily="18" charset="0"/>
+                      </a:rPr>
+                      <m:t> ≅2∙</m:t>
+                    </m:r>
+                    <m:sSup>
+                      <m:sSupPr>
+                        <m:ctrlPr>
+                          <a:rPr lang="it-IT" i="1">
+                            <a:solidFill>
+                              <a:schemeClr val="bg1"/>
+                            </a:solidFill>
+                            <a:latin typeface="Cambria Math" panose="02040503050406030204" pitchFamily="18" charset="0"/>
+                            <a:ea typeface="Cambria Math" panose="02040503050406030204" pitchFamily="18" charset="0"/>
+                          </a:rPr>
+                        </m:ctrlPr>
+                      </m:sSupPr>
+                      <m:e>
+                        <m:r>
+                          <a:rPr lang="it-IT" i="1">
+                            <a:solidFill>
+                              <a:schemeClr val="bg1"/>
+                            </a:solidFill>
+                            <a:latin typeface="Cambria Math" panose="02040503050406030204" pitchFamily="18" charset="0"/>
+                            <a:ea typeface="Cambria Math" panose="02040503050406030204" pitchFamily="18" charset="0"/>
+                          </a:rPr>
+                          <m:t>10</m:t>
+                        </m:r>
+                      </m:e>
+                      <m:sup>
+                        <m:r>
+                          <a:rPr lang="it-IT" i="1">
+                            <a:solidFill>
+                              <a:schemeClr val="bg1"/>
+                            </a:solidFill>
+                            <a:latin typeface="Cambria Math" panose="02040503050406030204" pitchFamily="18" charset="0"/>
+                            <a:ea typeface="Cambria Math" panose="02040503050406030204" pitchFamily="18" charset="0"/>
+                          </a:rPr>
+                          <m:t>5</m:t>
+                        </m:r>
+                      </m:sup>
+                    </m:sSup>
+                  </m:oMath>
+                </a14:m>
+                <a:r>
+                  <a:rPr lang="it-IT" dirty="0">
+                    <a:solidFill>
+                      <a:schemeClr val="bg1"/>
+                    </a:solidFill>
+                  </a:rPr>
+                  <a:t> </a:t>
+                </a:r>
+                <a14:m>
+                  <m:oMath xmlns:m="http://schemas.openxmlformats.org/officeDocument/2006/math">
+                    <m:r>
+                      <a:rPr lang="it-IT" i="1">
+                        <a:solidFill>
+                          <a:schemeClr val="bg1"/>
+                        </a:solidFill>
+                        <a:latin typeface="Cambria Math" panose="02040503050406030204" pitchFamily="18" charset="0"/>
+                      </a:rPr>
+                      <m:t>𝐶𝐷</m:t>
+                    </m:r>
+                    <m:r>
+                      <a:rPr lang="it-IT" i="1">
+                        <a:solidFill>
+                          <a:schemeClr val="bg1"/>
+                        </a:solidFill>
+                        <a:latin typeface="Cambria Math" panose="02040503050406030204" pitchFamily="18" charset="0"/>
+                      </a:rPr>
+                      <m:t> ≅0,49</m:t>
+                    </m:r>
+                  </m:oMath>
+                </a14:m>
+                <a:endParaRPr lang="it-IT" dirty="0"/>
+              </a:p>
+            </p:txBody>
+          </p:sp>
+        </mc:Choice>
+        <mc:Fallback>
+          <p:sp>
+            <p:nvSpPr>
+              <p:cNvPr id="8" name="CasellaDiTesto 7">
+                <a:extLst>
+                  <a:ext uri="{FF2B5EF4-FFF2-40B4-BE49-F238E27FC236}">
+                    <a16:creationId xmlns:a16="http://schemas.microsoft.com/office/drawing/2014/main" id="{2BFE7342-1EEA-4EC0-A790-271C018E1111}"/>
+                  </a:ext>
+                </a:extLst>
+              </p:cNvPr>
+              <p:cNvSpPr txBox="1">
+                <a:spLocks noRot="1" noChangeAspect="1" noMove="1" noResize="1" noEditPoints="1" noAdjustHandles="1" noChangeArrowheads="1" noChangeShapeType="1" noTextEdit="1"/>
+              </p:cNvSpPr>
+              <p:nvPr/>
+            </p:nvSpPr>
+            <p:spPr>
+              <a:xfrm>
+                <a:off x="4480264" y="3077895"/>
+                <a:ext cx="1615736" cy="649409"/>
+              </a:xfrm>
+              <a:prstGeom prst="rect">
+                <a:avLst/>
+              </a:prstGeom>
+              <a:blipFill>
+                <a:blip r:embed="rId6"/>
+                <a:stretch>
+                  <a:fillRect/>
+                </a:stretch>
+              </a:blipFill>
+            </p:spPr>
+            <p:txBody>
+              <a:bodyPr/>
+              <a:lstStyle/>
+              <a:p>
+                <a:r>
+                  <a:rPr lang="it-IT">
+                    <a:noFill/>
+                  </a:rPr>
+                  <a:t> </a:t>
+                </a:r>
+              </a:p>
+            </p:txBody>
+          </p:sp>
+        </mc:Fallback>
+      </mc:AlternateContent>
+      <p:sp>
+        <p:nvSpPr>
+          <p:cNvPr id="9" name="Parentesi graffa chiusa 8">
+            <a:extLst>
+              <a:ext uri="{FF2B5EF4-FFF2-40B4-BE49-F238E27FC236}">
+                <a16:creationId xmlns:a16="http://schemas.microsoft.com/office/drawing/2014/main" id="{6A366C15-40BE-42B8-B46F-F5B927BF1157}"/>
+              </a:ext>
+            </a:extLst>
+          </p:cNvPr>
+          <p:cNvSpPr/>
+          <p:nvPr/>
+        </p:nvSpPr>
+        <p:spPr>
+          <a:xfrm>
+            <a:off x="3649678" y="3005448"/>
+            <a:ext cx="147563" cy="865213"/>
+          </a:xfrm>
+          <a:prstGeom prst="rightBrace">
+            <a:avLst/>
+          </a:prstGeom>
+        </p:spPr>
+        <p:style>
+          <a:lnRef idx="1">
+            <a:schemeClr val="accent1"/>
+          </a:lnRef>
+          <a:fillRef idx="0">
+            <a:schemeClr val="accent1"/>
+          </a:fillRef>
+          <a:effectRef idx="0">
+            <a:schemeClr val="accent1"/>
+          </a:effectRef>
+          <a:fontRef idx="minor">
+            <a:schemeClr val="tx1"/>
+          </a:fontRef>
+        </p:style>
+        <p:txBody>
+          <a:bodyPr rtlCol="0" anchor="ctr"/>
+          <a:lstStyle/>
+          <a:p>
+            <a:pPr algn="ctr"/>
+            <a:endParaRPr lang="it-IT"/>
           </a:p>
         </p:txBody>
       </p:sp>
@@ -12321,7 +12499,7 @@
                   <a:schemeClr val="bg1"/>
                 </a:solidFill>
               </a:rPr>
-              <a:t>Veicolo a galleggiabilità leggermente positiva</a:t>
+              <a:t>Veicolo leggermente positivo (W &lt; B)</a:t>
             </a:r>
           </a:p>
           <a:p>
@@ -12335,7 +12513,7 @@
                   <a:schemeClr val="bg1"/>
                 </a:solidFill>
               </a:rPr>
-              <a:t>Stabilità di forma </a:t>
+              <a:t>Stabilità di peso </a:t>
             </a:r>
             <a:r>
               <a:rPr lang="it-IT" sz="2000" b="0" i="0" dirty="0">
@@ -15300,8 +15478,8 @@
           </p:sp>
         </mc:Fallback>
       </mc:AlternateContent>
-      <mc:AlternateContent xmlns:mc="http://schemas.openxmlformats.org/markup-compatibility/2006">
-        <mc:Choice xmlns:a14="http://schemas.microsoft.com/office/drawing/2010/main" Requires="a14">
+      <mc:AlternateContent xmlns:mc="http://schemas.openxmlformats.org/markup-compatibility/2006" xmlns:a14="http://schemas.microsoft.com/office/drawing/2010/main">
+        <mc:Choice Requires="a14">
           <p:sp>
             <p:nvSpPr>
               <p:cNvPr id="21" name="CasellaDiTesto 20">
@@ -15539,7 +15717,7 @@
             </p:txBody>
           </p:sp>
         </mc:Choice>
-        <mc:Fallback>
+        <mc:Fallback xmlns="">
           <p:sp>
             <p:nvSpPr>
               <p:cNvPr id="21" name="CasellaDiTesto 20">

--- a/presentazione.pptx
+++ b/presentazione.pptx
@@ -5,10 +5,10 @@
     <p:sldMasterId id="2147483716" r:id="rId1"/>
   </p:sldMasterIdLst>
   <p:notesMasterIdLst>
-    <p:notesMasterId r:id="rId29"/>
+    <p:notesMasterId r:id="rId30"/>
   </p:notesMasterIdLst>
   <p:handoutMasterIdLst>
-    <p:handoutMasterId r:id="rId30"/>
+    <p:handoutMasterId r:id="rId31"/>
   </p:handoutMasterIdLst>
   <p:sldIdLst>
     <p:sldId id="256" r:id="rId2"/>
@@ -38,6 +38,7 @@
     <p:sldId id="298" r:id="rId26"/>
     <p:sldId id="303" r:id="rId27"/>
     <p:sldId id="301" r:id="rId28"/>
+    <p:sldId id="304" r:id="rId29"/>
   </p:sldIdLst>
   <p:sldSz cx="12192000" cy="6858000"/>
   <p:notesSz cx="6858000" cy="9144000"/>
@@ -168,6 +169,7 @@
             <p14:sldId id="298"/>
             <p14:sldId id="303"/>
             <p14:sldId id="301"/>
+            <p14:sldId id="304"/>
           </p14:sldIdLst>
         </p14:section>
       </p14:sectionLst>
@@ -3940,7 +3942,7 @@
             <p:spPr>
               <a:xfrm>
                 <a:off x="1196502" y="2101134"/>
-                <a:ext cx="6157609" cy="2433358"/>
+                <a:ext cx="6157609" cy="2430281"/>
               </a:xfrm>
               <a:prstGeom prst="rect">
                 <a:avLst/>
@@ -3973,7 +3975,7 @@
                       <a:schemeClr val="bg1"/>
                     </a:solidFill>
                   </a:rPr>
-                  <a:t>Si trascurano i termini lineari di D(v)</a:t>
+                  <a:t>Si trascurano i termini lineari di drag</a:t>
                 </a:r>
               </a:p>
               <a:p>
@@ -4001,7 +4003,7 @@
                       <a:schemeClr val="bg1"/>
                     </a:solidFill>
                   </a:rPr>
-                  <a:t>20 °C</a:t>
+                  <a:t>T = 20 °C</a:t>
                 </a:r>
               </a:p>
               <a:p>
@@ -4155,7 +4157,7 @@
               <a:p>
                 <a:pPr marL="342900" indent="-342900">
                   <a:buFont typeface="+mj-lt"/>
-                  <a:buAutoNum type="arabicPeriod"/>
+                  <a:buAutoNum type="arabicPeriod" startAt="4"/>
                 </a:pPr>
                 <a:r>
                   <a:rPr lang="it-IT" dirty="0">
@@ -4187,7 +4189,7 @@
             <p:spPr>
               <a:xfrm>
                 <a:off x="1196502" y="2101134"/>
-                <a:ext cx="6157609" cy="2433358"/>
+                <a:ext cx="6157609" cy="2430281"/>
               </a:xfrm>
               <a:prstGeom prst="rect">
                 <a:avLst/>
@@ -4195,7 +4197,7 @@
               <a:blipFill>
                 <a:blip r:embed="rId4"/>
                 <a:stretch>
-                  <a:fillRect l="-891" t="-1253" b="-3258"/>
+                  <a:fillRect l="-891" t="-1256" b="-3518"/>
                 </a:stretch>
               </a:blipFill>
             </p:spPr>
@@ -4214,42 +4216,6 @@
           </p:sp>
         </mc:Fallback>
       </mc:AlternateContent>
-      <p:pic>
-        <p:nvPicPr>
-          <p:cNvPr id="16" name="Immagine 15">
-            <a:extLst>
-              <a:ext uri="{FF2B5EF4-FFF2-40B4-BE49-F238E27FC236}">
-                <a16:creationId xmlns:a16="http://schemas.microsoft.com/office/drawing/2014/main" id="{8C44DABD-745D-4DFE-A6AA-10EBBC013769}"/>
-              </a:ext>
-            </a:extLst>
-          </p:cNvPr>
-          <p:cNvPicPr>
-            <a:picLocks noChangeAspect="1"/>
-          </p:cNvPicPr>
-          <p:nvPr/>
-        </p:nvPicPr>
-        <p:blipFill>
-          <a:blip r:embed="rId5">
-            <a:extLst>
-              <a:ext uri="{28A0092B-C50C-407E-A947-70E740481C1C}">
-                <a14:useLocalDpi xmlns:a14="http://schemas.microsoft.com/office/drawing/2010/main" val="0"/>
-              </a:ext>
-            </a:extLst>
-          </a:blip>
-          <a:stretch>
-            <a:fillRect/>
-          </a:stretch>
-        </p:blipFill>
-        <p:spPr>
-          <a:xfrm>
-            <a:off x="717992" y="4716949"/>
-            <a:ext cx="11044286" cy="1123148"/>
-          </a:xfrm>
-          <a:prstGeom prst="rect">
-            <a:avLst/>
-          </a:prstGeom>
-        </p:spPr>
-      </p:pic>
       <p:sp>
         <p:nvSpPr>
           <p:cNvPr id="2" name="Segnaposto numero diapositiva 1">
@@ -4466,7 +4432,7 @@
                 <a:avLst/>
               </a:prstGeom>
               <a:blipFill>
-                <a:blip r:embed="rId6"/>
+                <a:blip r:embed="rId5"/>
                 <a:stretch>
                   <a:fillRect/>
                 </a:stretch>
@@ -4531,6 +4497,77 @@
           </a:p>
         </p:txBody>
       </p:sp>
+      <p:pic>
+        <p:nvPicPr>
+          <p:cNvPr id="14" name="Immagine 13">
+            <a:extLst>
+              <a:ext uri="{FF2B5EF4-FFF2-40B4-BE49-F238E27FC236}">
+                <a16:creationId xmlns:a16="http://schemas.microsoft.com/office/drawing/2014/main" id="{C8A6A0FB-C9E1-4568-B604-EE0180BE4B1E}"/>
+              </a:ext>
+            </a:extLst>
+          </p:cNvPr>
+          <p:cNvPicPr>
+            <a:picLocks noChangeAspect="1"/>
+          </p:cNvPicPr>
+          <p:nvPr/>
+        </p:nvPicPr>
+        <p:blipFill>
+          <a:blip r:embed="rId6">
+            <a:extLst>
+              <a:ext uri="{28A0092B-C50C-407E-A947-70E740481C1C}">
+                <a14:useLocalDpi xmlns:a14="http://schemas.microsoft.com/office/drawing/2010/main" val="0"/>
+              </a:ext>
+            </a:extLst>
+          </a:blip>
+          <a:stretch>
+            <a:fillRect/>
+          </a:stretch>
+        </p:blipFill>
+        <p:spPr>
+          <a:xfrm>
+            <a:off x="6187441" y="4879752"/>
+            <a:ext cx="5699016" cy="1241046"/>
+          </a:xfrm>
+          <a:prstGeom prst="rect">
+            <a:avLst/>
+          </a:prstGeom>
+        </p:spPr>
+      </p:pic>
+      <p:pic>
+        <p:nvPicPr>
+          <p:cNvPr id="17" name="Immagine 16">
+            <a:extLst>
+              <a:ext uri="{FF2B5EF4-FFF2-40B4-BE49-F238E27FC236}">
+                <a16:creationId xmlns:a16="http://schemas.microsoft.com/office/drawing/2014/main" id="{DE58A8AB-EB2D-45B9-AAF0-C118614C2668}"/>
+              </a:ext>
+            </a:extLst>
+          </p:cNvPr>
+          <p:cNvPicPr>
+            <a:picLocks noChangeAspect="1"/>
+          </p:cNvPicPr>
+          <p:nvPr/>
+        </p:nvPicPr>
+        <p:blipFill rotWithShape="1">
+          <a:blip r:embed="rId7">
+            <a:extLst>
+              <a:ext uri="{28A0092B-C50C-407E-A947-70E740481C1C}">
+                <a14:useLocalDpi xmlns:a14="http://schemas.microsoft.com/office/drawing/2010/main" val="0"/>
+              </a:ext>
+            </a:extLst>
+          </a:blip>
+          <a:srcRect l="-1" r="29599" b="-1753"/>
+          <a:stretch/>
+        </p:blipFill>
+        <p:spPr>
+          <a:xfrm>
+            <a:off x="396984" y="4879752"/>
+            <a:ext cx="5699016" cy="1267863"/>
+          </a:xfrm>
+          <a:prstGeom prst="rect">
+            <a:avLst/>
+          </a:prstGeom>
+        </p:spPr>
+      </p:pic>
     </p:spTree>
     <p:extLst>
       <p:ext uri="{BB962C8B-B14F-4D97-AF65-F5344CB8AC3E}">
@@ -6805,7 +6842,7 @@
                   <a:schemeClr val="bg1"/>
                 </a:solidFill>
               </a:rPr>
-              <a:t>Profondità iniziale: 0 m</a:t>
+              <a:t>Condizioni iniziali nulle</a:t>
             </a:r>
           </a:p>
           <a:p>
@@ -7438,7 +7475,7 @@
         <p:spPr>
           <a:xfrm>
             <a:off x="356292" y="4840089"/>
-            <a:ext cx="3101451" cy="954107"/>
+            <a:ext cx="3101451" cy="984885"/>
           </a:xfrm>
           <a:prstGeom prst="rect">
             <a:avLst/>
@@ -7457,12 +7494,12 @@
                   <a:schemeClr val="bg1"/>
                 </a:solidFill>
               </a:rPr>
-              <a:t>Profondità iniziale: 0 m</a:t>
-            </a:r>
-          </a:p>
-          <a:p>
-            <a:r>
-              <a:rPr lang="it-IT" sz="1800" dirty="0">
+              <a:t>Condizioni iniziali nulle</a:t>
+            </a:r>
+          </a:p>
+          <a:p>
+            <a:r>
+              <a:rPr lang="it-IT" sz="2000" dirty="0">
                 <a:solidFill>
                   <a:schemeClr val="bg1"/>
                 </a:solidFill>
@@ -8534,7 +8571,7 @@
         <p:spPr>
           <a:xfrm>
             <a:off x="356292" y="4840089"/>
-            <a:ext cx="3101451" cy="954107"/>
+            <a:ext cx="3101451" cy="984885"/>
           </a:xfrm>
           <a:prstGeom prst="rect">
             <a:avLst/>
@@ -8553,12 +8590,12 @@
                   <a:schemeClr val="bg1"/>
                 </a:solidFill>
               </a:rPr>
-              <a:t>Profondità iniziale: 0 m</a:t>
-            </a:r>
-          </a:p>
-          <a:p>
-            <a:r>
-              <a:rPr lang="it-IT" sz="1800" dirty="0">
+              <a:t>Condizioni iniziali nulle</a:t>
+            </a:r>
+          </a:p>
+          <a:p>
+            <a:r>
+              <a:rPr lang="it-IT" sz="2000" dirty="0">
                 <a:solidFill>
                   <a:schemeClr val="bg1"/>
                 </a:solidFill>
@@ -9121,7 +9158,7 @@
         <p:spPr>
           <a:xfrm>
             <a:off x="337221" y="4884302"/>
-            <a:ext cx="6212264" cy="369332"/>
+            <a:ext cx="6212264" cy="400110"/>
           </a:xfrm>
           <a:prstGeom prst="rect">
             <a:avLst/>
@@ -9135,7 +9172,7 @@
           <a:lstStyle/>
           <a:p>
             <a:r>
-              <a:rPr lang="it-IT" sz="1800" dirty="0">
+              <a:rPr lang="it-IT" sz="2000" dirty="0">
                 <a:solidFill>
                   <a:schemeClr val="bg1"/>
                 </a:solidFill>
@@ -9675,7 +9712,7 @@
         <p:spPr>
           <a:xfrm>
             <a:off x="337221" y="4884302"/>
-            <a:ext cx="6212264" cy="369332"/>
+            <a:ext cx="6212264" cy="400110"/>
           </a:xfrm>
           <a:prstGeom prst="rect">
             <a:avLst/>
@@ -9689,7 +9726,7 @@
           <a:lstStyle/>
           <a:p>
             <a:r>
-              <a:rPr lang="it-IT" sz="1800" dirty="0">
+              <a:rPr lang="it-IT" sz="2000" dirty="0">
                 <a:solidFill>
                   <a:schemeClr val="bg1"/>
                 </a:solidFill>
@@ -10292,8 +10329,8 @@
         </p:nvSpPr>
         <p:spPr>
           <a:xfrm>
-            <a:off x="337221" y="4956322"/>
-            <a:ext cx="6212264" cy="369332"/>
+            <a:off x="337221" y="5090576"/>
+            <a:ext cx="6212264" cy="707886"/>
           </a:xfrm>
           <a:prstGeom prst="rect">
             <a:avLst/>
@@ -10307,7 +10344,17 @@
           <a:lstStyle/>
           <a:p>
             <a:r>
-              <a:rPr lang="it-IT" sz="1800" dirty="0">
+              <a:rPr lang="it-IT" sz="2000" dirty="0">
+                <a:solidFill>
+                  <a:schemeClr val="bg1"/>
+                </a:solidFill>
+              </a:rPr>
+              <a:t>Condizioni iniziali nulle</a:t>
+            </a:r>
+          </a:p>
+          <a:p>
+            <a:r>
+              <a:rPr lang="it-IT" sz="2000" dirty="0">
                 <a:solidFill>
                   <a:schemeClr val="bg1"/>
                 </a:solidFill>
@@ -11385,6 +11432,44 @@
           </a:p>
         </p:txBody>
       </p:sp>
+      <p:sp>
+        <p:nvSpPr>
+          <p:cNvPr id="2" name="Rettangolo 1">
+            <a:extLst>
+              <a:ext uri="{FF2B5EF4-FFF2-40B4-BE49-F238E27FC236}">
+                <a16:creationId xmlns:a16="http://schemas.microsoft.com/office/drawing/2014/main" id="{6372F053-6730-4429-968F-F613F2050573}"/>
+              </a:ext>
+            </a:extLst>
+          </p:cNvPr>
+          <p:cNvSpPr/>
+          <p:nvPr/>
+        </p:nvSpPr>
+        <p:spPr>
+          <a:xfrm>
+            <a:off x="425568" y="5412073"/>
+            <a:ext cx="2868157" cy="400110"/>
+          </a:xfrm>
+          <a:prstGeom prst="rect">
+            <a:avLst/>
+          </a:prstGeom>
+        </p:spPr>
+        <p:txBody>
+          <a:bodyPr wrap="none">
+            <a:spAutoFit/>
+          </a:bodyPr>
+          <a:lstStyle/>
+          <a:p>
+            <a:r>
+              <a:rPr lang="it-IT" sz="2000" dirty="0">
+                <a:solidFill>
+                  <a:schemeClr val="bg1"/>
+                </a:solidFill>
+              </a:rPr>
+              <a:t>Condizioni iniziali nulle</a:t>
+            </a:r>
+          </a:p>
+        </p:txBody>
+      </p:sp>
     </p:spTree>
     <p:extLst>
       <p:ext uri="{BB962C8B-B14F-4D97-AF65-F5344CB8AC3E}">
@@ -12021,6 +12106,152 @@
     <p:extLst>
       <p:ext uri="{BB962C8B-B14F-4D97-AF65-F5344CB8AC3E}">
         <p14:creationId xmlns:p14="http://schemas.microsoft.com/office/powerpoint/2010/main" val="1038073729"/>
+      </p:ext>
+    </p:extLst>
+  </p:cSld>
+  <p:clrMapOvr>
+    <a:masterClrMapping/>
+  </p:clrMapOvr>
+</p:sld>
+</file>
+
+<file path=ppt/slides/slide28.xml><?xml version="1.0" encoding="utf-8"?>
+<p:sld xmlns:a="http://schemas.openxmlformats.org/drawingml/2006/main" xmlns:r="http://schemas.openxmlformats.org/officeDocument/2006/relationships" xmlns:p="http://schemas.openxmlformats.org/presentationml/2006/main" showMasterSp="0">
+  <p:cSld>
+    <p:bg>
+      <p:bgPr>
+        <a:blipFill dpi="0" rotWithShape="1">
+          <a:blip r:embed="rId2">
+            <a:lum/>
+          </a:blip>
+          <a:srcRect/>
+          <a:stretch>
+            <a:fillRect/>
+          </a:stretch>
+        </a:blipFill>
+        <a:effectLst/>
+      </p:bgPr>
+    </p:bg>
+    <p:spTree>
+      <p:nvGrpSpPr>
+        <p:cNvPr id="1" name=""/>
+        <p:cNvGrpSpPr/>
+        <p:nvPr/>
+      </p:nvGrpSpPr>
+      <p:grpSpPr>
+        <a:xfrm>
+          <a:off x="0" y="0"/>
+          <a:ext cx="0" cy="0"/>
+          <a:chOff x="0" y="0"/>
+          <a:chExt cx="0" cy="0"/>
+        </a:xfrm>
+      </p:grpSpPr>
+      <p:sp>
+        <p:nvSpPr>
+          <p:cNvPr id="4" name="Segnaposto piè di pagina 3">
+            <a:extLst>
+              <a:ext uri="{FF2B5EF4-FFF2-40B4-BE49-F238E27FC236}">
+                <a16:creationId xmlns:a16="http://schemas.microsoft.com/office/drawing/2014/main" id="{4E362125-2F83-4266-AB8C-336E9ADDBB86}"/>
+              </a:ext>
+            </a:extLst>
+          </p:cNvPr>
+          <p:cNvSpPr>
+            <a:spLocks noGrp="1"/>
+          </p:cNvSpPr>
+          <p:nvPr>
+            <p:ph type="ftr" sz="quarter" idx="11"/>
+          </p:nvPr>
+        </p:nvSpPr>
+        <p:spPr>
+          <a:xfrm>
+            <a:off x="-231742" y="6492875"/>
+            <a:ext cx="4114800" cy="365125"/>
+          </a:xfrm>
+        </p:spPr>
+        <p:txBody>
+          <a:bodyPr/>
+          <a:lstStyle/>
+          <a:p>
+            <a:endParaRPr lang="en-US" i="1" dirty="0">
+              <a:solidFill>
+                <a:schemeClr val="bg1"/>
+              </a:solidFill>
+            </a:endParaRPr>
+          </a:p>
+        </p:txBody>
+      </p:sp>
+      <p:sp>
+        <p:nvSpPr>
+          <p:cNvPr id="11" name="Rettangolo 10">
+            <a:extLst>
+              <a:ext uri="{FF2B5EF4-FFF2-40B4-BE49-F238E27FC236}">
+                <a16:creationId xmlns:a16="http://schemas.microsoft.com/office/drawing/2014/main" id="{DE43AB90-63F1-413E-8732-29F127F1CF7E}"/>
+              </a:ext>
+            </a:extLst>
+          </p:cNvPr>
+          <p:cNvSpPr/>
+          <p:nvPr/>
+        </p:nvSpPr>
+        <p:spPr>
+          <a:xfrm>
+            <a:off x="1287196" y="2721114"/>
+            <a:ext cx="9617608" cy="707886"/>
+          </a:xfrm>
+          <a:prstGeom prst="rect">
+            <a:avLst/>
+          </a:prstGeom>
+        </p:spPr>
+        <p:txBody>
+          <a:bodyPr wrap="square" anchor="ctr">
+            <a:spAutoFit/>
+          </a:bodyPr>
+          <a:lstStyle/>
+          <a:p>
+            <a:pPr algn="ctr"/>
+            <a:r>
+              <a:rPr lang="it-IT" sz="4000" b="1" dirty="0">
+                <a:solidFill>
+                  <a:schemeClr val="bg1"/>
+                </a:solidFill>
+              </a:rPr>
+              <a:t>Grazie per l’attenzione</a:t>
+            </a:r>
+          </a:p>
+        </p:txBody>
+      </p:sp>
+      <p:sp>
+        <p:nvSpPr>
+          <p:cNvPr id="2" name="Segnaposto numero diapositiva 1">
+            <a:extLst>
+              <a:ext uri="{FF2B5EF4-FFF2-40B4-BE49-F238E27FC236}">
+                <a16:creationId xmlns:a16="http://schemas.microsoft.com/office/drawing/2014/main" id="{59F8649F-0D0A-4789-99B2-80D806AD821D}"/>
+              </a:ext>
+            </a:extLst>
+          </p:cNvPr>
+          <p:cNvSpPr>
+            <a:spLocks noGrp="1"/>
+          </p:cNvSpPr>
+          <p:nvPr>
+            <p:ph type="sldNum" sz="quarter" idx="12"/>
+          </p:nvPr>
+        </p:nvSpPr>
+        <p:spPr/>
+        <p:txBody>
+          <a:bodyPr/>
+          <a:lstStyle/>
+          <a:p>
+            <a:fld id="{4854181D-6920-4594-9A5D-6CE56DC9F8B2}" type="slidenum">
+              <a:rPr lang="en-US" smtClean="0"/>
+              <a:t>28</a:t>
+            </a:fld>
+            <a:endParaRPr lang="en-US"/>
+          </a:p>
+        </p:txBody>
+      </p:sp>
+    </p:spTree>
+    <p:extLst>
+      <p:ext uri="{BB962C8B-B14F-4D97-AF65-F5344CB8AC3E}">
+        <p14:creationId xmlns:p14="http://schemas.microsoft.com/office/powerpoint/2010/main" val="3461097518"/>
       </p:ext>
     </p:extLst>
   </p:cSld>
@@ -13954,8 +14185,8 @@
         </p:nvSpPr>
         <p:spPr>
           <a:xfrm>
-            <a:off x="417994" y="1416600"/>
-            <a:ext cx="9938278" cy="2308324"/>
+            <a:off x="370837" y="2623852"/>
+            <a:ext cx="9938278" cy="1477328"/>
           </a:xfrm>
           <a:prstGeom prst="rect">
             <a:avLst/>
@@ -14024,7 +14255,7 @@
                   <a:schemeClr val="bg1"/>
                 </a:solidFill>
               </a:rPr>
-              <a:t>Ciascun </a:t>
+              <a:t>Ipotesi: </a:t>
             </a:r>
             <a:r>
               <a:rPr lang="it-IT" dirty="0" err="1">
@@ -14032,7 +14263,7 @@
                   <a:schemeClr val="bg1"/>
                 </a:solidFill>
               </a:rPr>
-              <a:t>thruster</a:t>
+              <a:t>thrusters</a:t>
             </a:r>
             <a:r>
               <a:rPr lang="it-IT" dirty="0">
@@ -14048,7 +14279,7 @@
                   <a:schemeClr val="bg1"/>
                 </a:solidFill>
               </a:rPr>
-              <a:t>bidirezionale</a:t>
+              <a:t>bidirezionali</a:t>
             </a:r>
           </a:p>
           <a:p>
@@ -14158,119 +14389,6 @@
               </a:rPr>
               <a:t>/s ≃ 350 RPM</a:t>
             </a:r>
-          </a:p>
-          <a:p>
-            <a:pPr marL="342900" indent="-342900">
-              <a:buFont typeface="Arial" panose="020B0604020202020204" pitchFamily="34" charset="0"/>
-              <a:buChar char="•"/>
-            </a:pPr>
-            <a:r>
-              <a:rPr lang="it-IT" dirty="0">
-                <a:solidFill>
-                  <a:schemeClr val="bg1"/>
-                </a:solidFill>
-              </a:rPr>
-              <a:t>Wake </a:t>
-            </a:r>
-            <a:r>
-              <a:rPr lang="it-IT" dirty="0" err="1">
-                <a:solidFill>
-                  <a:schemeClr val="bg1"/>
-                </a:solidFill>
-              </a:rPr>
-              <a:t>fraction</a:t>
-            </a:r>
-            <a:r>
-              <a:rPr lang="it-IT" dirty="0">
-                <a:solidFill>
-                  <a:schemeClr val="bg1"/>
-                </a:solidFill>
-              </a:rPr>
-              <a:t> </a:t>
-            </a:r>
-            <a:r>
-              <a:rPr lang="it-IT" dirty="0" err="1">
-                <a:solidFill>
-                  <a:schemeClr val="bg1"/>
-                </a:solidFill>
-              </a:rPr>
-              <a:t>number</a:t>
-            </a:r>
-            <a:r>
-              <a:rPr lang="it-IT" dirty="0">
-                <a:solidFill>
-                  <a:schemeClr val="bg1"/>
-                </a:solidFill>
-              </a:rPr>
-              <a:t>:		w = 0.1</a:t>
-            </a:r>
-          </a:p>
-          <a:p>
-            <a:pPr marL="342900" indent="-342900">
-              <a:buFont typeface="Arial" panose="020B0604020202020204" pitchFamily="34" charset="0"/>
-              <a:buChar char="•"/>
-            </a:pPr>
-            <a:r>
-              <a:rPr lang="it-IT" dirty="0">
-                <a:solidFill>
-                  <a:schemeClr val="bg1"/>
-                </a:solidFill>
-              </a:rPr>
-              <a:t>Dinamica del primo ordine con </a:t>
-            </a:r>
-            <a:r>
-              <a:rPr lang="el-GR" dirty="0">
-                <a:solidFill>
-                  <a:schemeClr val="bg1"/>
-                </a:solidFill>
-              </a:rPr>
-              <a:t>τ</a:t>
-            </a:r>
-            <a:r>
-              <a:rPr lang="it-IT" baseline="-25000" dirty="0">
-                <a:solidFill>
-                  <a:schemeClr val="bg1"/>
-                </a:solidFill>
-              </a:rPr>
-              <a:t>dyn</a:t>
-            </a:r>
-            <a:r>
-              <a:rPr lang="el-GR" dirty="0">
-                <a:solidFill>
-                  <a:schemeClr val="bg1"/>
-                </a:solidFill>
-              </a:rPr>
-              <a:t> </a:t>
-            </a:r>
-            <a:r>
-              <a:rPr lang="it-IT" dirty="0">
-                <a:solidFill>
-                  <a:schemeClr val="bg1"/>
-                </a:solidFill>
-              </a:rPr>
-              <a:t>= 0,2 s</a:t>
-            </a:r>
-          </a:p>
-          <a:p>
-            <a:pPr marL="342900" indent="-342900">
-              <a:buFont typeface="Arial" panose="020B0604020202020204" pitchFamily="34" charset="0"/>
-              <a:buChar char="•"/>
-            </a:pPr>
-            <a:r>
-              <a:rPr lang="it-IT" dirty="0">
-                <a:solidFill>
-                  <a:schemeClr val="bg1"/>
-                </a:solidFill>
-              </a:rPr>
-              <a:t>Diametro: 		d = 0,076m</a:t>
-            </a:r>
-            <a:endParaRPr lang="it-IT" i="0" dirty="0">
-              <a:solidFill>
-                <a:schemeClr val="bg1"/>
-              </a:solidFill>
-              <a:effectLst/>
-              <a:latin typeface="Arial" panose="020B0604020202020204" pitchFamily="34" charset="0"/>
-            </a:endParaRPr>
           </a:p>
         </p:txBody>
       </p:sp>
@@ -14301,7 +14419,7 @@
         </p:blipFill>
         <p:spPr>
           <a:xfrm>
-            <a:off x="8870090" y="3555393"/>
+            <a:off x="8622684" y="3016345"/>
             <a:ext cx="2731116" cy="2889115"/>
           </a:xfrm>
           <a:prstGeom prst="rect">
@@ -14330,7 +14448,7 @@
         </p:blipFill>
         <p:spPr>
           <a:xfrm>
-            <a:off x="6403524" y="367449"/>
+            <a:off x="3231466" y="1354123"/>
             <a:ext cx="5269666" cy="929046"/>
           </a:xfrm>
           <a:prstGeom prst="rect">
@@ -14338,1148 +14456,8 @@
           </a:prstGeom>
         </p:spPr>
       </p:pic>
-      <mc:AlternateContent xmlns:mc="http://schemas.openxmlformats.org/markup-compatibility/2006" xmlns:a14="http://schemas.microsoft.com/office/drawing/2010/main">
-        <mc:Choice Requires="a14">
-          <p:sp>
-            <p:nvSpPr>
-              <p:cNvPr id="15" name="CasellaDiTesto 14">
-                <a:extLst>
-                  <a:ext uri="{FF2B5EF4-FFF2-40B4-BE49-F238E27FC236}">
-                    <a16:creationId xmlns:a16="http://schemas.microsoft.com/office/drawing/2014/main" id="{7EE5740E-0725-4D89-B330-5291317EB6EE}"/>
-                  </a:ext>
-                </a:extLst>
-              </p:cNvPr>
-              <p:cNvSpPr txBox="1"/>
-              <p:nvPr/>
-            </p:nvSpPr>
-            <p:spPr>
-              <a:xfrm>
-                <a:off x="582852" y="4060635"/>
-                <a:ext cx="2126930" cy="369332"/>
-              </a:xfrm>
-              <a:prstGeom prst="rect">
-                <a:avLst/>
-              </a:prstGeom>
-              <a:noFill/>
-            </p:spPr>
-            <p:txBody>
-              <a:bodyPr wrap="square" lIns="0" tIns="0" rIns="0" bIns="0" rtlCol="0">
-                <a:spAutoFit/>
-              </a:bodyPr>
-              <a:lstStyle/>
-              <a:p>
-                <a:pPr/>
-                <a14:m>
-                  <m:oMathPara xmlns:m="http://schemas.openxmlformats.org/officeDocument/2006/math">
-                    <m:oMathParaPr>
-                      <m:jc m:val="centerGroup"/>
-                    </m:oMathParaPr>
-                    <m:oMath xmlns:m="http://schemas.openxmlformats.org/officeDocument/2006/math">
-                      <m:sSub>
-                        <m:sSubPr>
-                          <m:ctrlPr>
-                            <a:rPr lang="el-GR" sz="2400" b="0" i="1" smtClean="0">
-                              <a:solidFill>
-                                <a:schemeClr val="bg1"/>
-                              </a:solidFill>
-                              <a:latin typeface="Cambria Math" panose="02040503050406030204" pitchFamily="18" charset="0"/>
-                            </a:rPr>
-                          </m:ctrlPr>
-                        </m:sSubPr>
-                        <m:e>
-                          <m:r>
-                            <a:rPr lang="el-GR" sz="2400" i="1">
-                              <a:solidFill>
-                                <a:schemeClr val="bg1"/>
-                              </a:solidFill>
-                              <a:latin typeface="Cambria Math" panose="02040503050406030204" pitchFamily="18" charset="0"/>
-                            </a:rPr>
-                            <m:t>𝜈</m:t>
-                          </m:r>
-                        </m:e>
-                        <m:sub>
-                          <m:r>
-                            <a:rPr lang="it-IT" sz="2400" b="0" i="1" smtClean="0">
-                              <a:solidFill>
-                                <a:schemeClr val="bg1"/>
-                              </a:solidFill>
-                              <a:latin typeface="Cambria Math" panose="02040503050406030204" pitchFamily="18" charset="0"/>
-                            </a:rPr>
-                            <m:t>𝑎</m:t>
-                          </m:r>
-                        </m:sub>
-                      </m:sSub>
-                      <m:r>
-                        <a:rPr lang="it-IT" sz="2400" b="0" i="1" smtClean="0">
-                          <a:solidFill>
-                            <a:schemeClr val="bg1"/>
-                          </a:solidFill>
-                          <a:latin typeface="Cambria Math" panose="02040503050406030204" pitchFamily="18" charset="0"/>
-                        </a:rPr>
-                        <m:t>=</m:t>
-                      </m:r>
-                      <m:d>
-                        <m:dPr>
-                          <m:ctrlPr>
-                            <a:rPr lang="it-IT" sz="2400" b="0" i="1" smtClean="0">
-                              <a:solidFill>
-                                <a:schemeClr val="bg1"/>
-                              </a:solidFill>
-                              <a:latin typeface="Cambria Math" panose="02040503050406030204" pitchFamily="18" charset="0"/>
-                            </a:rPr>
-                          </m:ctrlPr>
-                        </m:dPr>
-                        <m:e>
-                          <m:r>
-                            <a:rPr lang="it-IT" sz="2400" b="0" i="1" smtClean="0">
-                              <a:solidFill>
-                                <a:schemeClr val="bg1"/>
-                              </a:solidFill>
-                              <a:latin typeface="Cambria Math" panose="02040503050406030204" pitchFamily="18" charset="0"/>
-                            </a:rPr>
-                            <m:t>1−</m:t>
-                          </m:r>
-                          <m:r>
-                            <a:rPr lang="it-IT" sz="2400" b="0" i="1" smtClean="0">
-                              <a:solidFill>
-                                <a:schemeClr val="bg1"/>
-                              </a:solidFill>
-                              <a:latin typeface="Cambria Math" panose="02040503050406030204" pitchFamily="18" charset="0"/>
-                            </a:rPr>
-                            <m:t>𝑤</m:t>
-                          </m:r>
-                        </m:e>
-                      </m:d>
-                      <m:sSub>
-                        <m:sSubPr>
-                          <m:ctrlPr>
-                            <a:rPr lang="el-GR" sz="2400" i="1" smtClean="0">
-                              <a:solidFill>
-                                <a:schemeClr val="bg1"/>
-                              </a:solidFill>
-                              <a:latin typeface="Cambria Math" panose="02040503050406030204" pitchFamily="18" charset="0"/>
-                            </a:rPr>
-                          </m:ctrlPr>
-                        </m:sSubPr>
-                        <m:e>
-                          <m:r>
-                            <a:rPr lang="el-GR" sz="2400" i="1">
-                              <a:solidFill>
-                                <a:schemeClr val="bg1"/>
-                              </a:solidFill>
-                              <a:latin typeface="Cambria Math" panose="02040503050406030204" pitchFamily="18" charset="0"/>
-                            </a:rPr>
-                            <m:t>𝜈</m:t>
-                          </m:r>
-                        </m:e>
-                        <m:sub>
-                          <m:r>
-                            <a:rPr lang="it-IT" sz="2400" b="0" i="1" smtClean="0">
-                              <a:solidFill>
-                                <a:schemeClr val="bg1"/>
-                              </a:solidFill>
-                              <a:latin typeface="Cambria Math" panose="02040503050406030204" pitchFamily="18" charset="0"/>
-                            </a:rPr>
-                            <m:t>𝑖</m:t>
-                          </m:r>
-                        </m:sub>
-                      </m:sSub>
-                    </m:oMath>
-                  </m:oMathPara>
-                </a14:m>
-                <a:endParaRPr lang="it-IT" sz="2400" dirty="0">
-                  <a:solidFill>
-                    <a:schemeClr val="bg1"/>
-                  </a:solidFill>
-                </a:endParaRPr>
-              </a:p>
-            </p:txBody>
-          </p:sp>
-        </mc:Choice>
-        <mc:Fallback xmlns="">
-          <p:sp>
-            <p:nvSpPr>
-              <p:cNvPr id="15" name="CasellaDiTesto 14">
-                <a:extLst>
-                  <a:ext uri="{FF2B5EF4-FFF2-40B4-BE49-F238E27FC236}">
-                    <a16:creationId xmlns:a16="http://schemas.microsoft.com/office/drawing/2014/main" id="{7EE5740E-0725-4D89-B330-5291317EB6EE}"/>
-                  </a:ext>
-                </a:extLst>
-              </p:cNvPr>
-              <p:cNvSpPr txBox="1">
-                <a:spLocks noRot="1" noChangeAspect="1" noMove="1" noResize="1" noEditPoints="1" noAdjustHandles="1" noChangeArrowheads="1" noChangeShapeType="1" noTextEdit="1"/>
-              </p:cNvSpPr>
-              <p:nvPr/>
-            </p:nvSpPr>
-            <p:spPr>
-              <a:xfrm>
-                <a:off x="582852" y="4060635"/>
-                <a:ext cx="2126930" cy="369332"/>
-              </a:xfrm>
-              <a:prstGeom prst="rect">
-                <a:avLst/>
-              </a:prstGeom>
-              <a:blipFill>
-                <a:blip r:embed="rId6"/>
-                <a:stretch>
-                  <a:fillRect b="-16393"/>
-                </a:stretch>
-              </a:blipFill>
-            </p:spPr>
-            <p:txBody>
-              <a:bodyPr/>
-              <a:lstStyle/>
-              <a:p>
-                <a:r>
-                  <a:rPr lang="it-IT">
-                    <a:noFill/>
-                  </a:rPr>
-                  <a:t> </a:t>
-                </a:r>
-              </a:p>
-            </p:txBody>
-          </p:sp>
-        </mc:Fallback>
-      </mc:AlternateContent>
-      <mc:AlternateContent xmlns:mc="http://schemas.openxmlformats.org/markup-compatibility/2006" xmlns:a14="http://schemas.microsoft.com/office/drawing/2010/main">
-        <mc:Choice Requires="a14">
-          <p:sp>
-            <p:nvSpPr>
-              <p:cNvPr id="16" name="CasellaDiTesto 15">
-                <a:extLst>
-                  <a:ext uri="{FF2B5EF4-FFF2-40B4-BE49-F238E27FC236}">
-                    <a16:creationId xmlns:a16="http://schemas.microsoft.com/office/drawing/2014/main" id="{6F326B97-472B-4C94-A444-FD773AA4B683}"/>
-                  </a:ext>
-                </a:extLst>
-              </p:cNvPr>
-              <p:cNvSpPr txBox="1"/>
-              <p:nvPr/>
-            </p:nvSpPr>
-            <p:spPr>
-              <a:xfrm>
-                <a:off x="582852" y="4701356"/>
-                <a:ext cx="2622706" cy="369332"/>
-              </a:xfrm>
-              <a:prstGeom prst="rect">
-                <a:avLst/>
-              </a:prstGeom>
-              <a:noFill/>
-            </p:spPr>
-            <p:txBody>
-              <a:bodyPr wrap="none" lIns="0" tIns="0" rIns="0" bIns="0" rtlCol="0">
-                <a:spAutoFit/>
-              </a:bodyPr>
-              <a:lstStyle/>
-              <a:p>
-                <a:pPr/>
-                <a14:m>
-                  <m:oMathPara xmlns:m="http://schemas.openxmlformats.org/officeDocument/2006/math">
-                    <m:oMathParaPr>
-                      <m:jc m:val="centerGroup"/>
-                    </m:oMathParaPr>
-                    <m:oMath xmlns:m="http://schemas.openxmlformats.org/officeDocument/2006/math">
-                      <m:r>
-                        <a:rPr lang="it-IT" sz="2400" b="0" i="1" smtClean="0">
-                          <a:solidFill>
-                            <a:schemeClr val="bg1"/>
-                          </a:solidFill>
-                          <a:latin typeface="Cambria Math" panose="02040503050406030204" pitchFamily="18" charset="0"/>
-                        </a:rPr>
-                        <m:t>𝑇</m:t>
-                      </m:r>
-                      <m:r>
-                        <a:rPr lang="it-IT" sz="2400" b="0" i="1" smtClean="0">
-                          <a:solidFill>
-                            <a:schemeClr val="bg1"/>
-                          </a:solidFill>
-                          <a:latin typeface="Cambria Math" panose="02040503050406030204" pitchFamily="18" charset="0"/>
-                        </a:rPr>
-                        <m:t>=</m:t>
-                      </m:r>
-                      <m:r>
-                        <a:rPr lang="el-GR" sz="2400" b="0" i="1" smtClean="0">
-                          <a:solidFill>
-                            <a:schemeClr val="bg1"/>
-                          </a:solidFill>
-                          <a:latin typeface="Cambria Math" panose="02040503050406030204" pitchFamily="18" charset="0"/>
-                        </a:rPr>
-                        <m:t>𝜌</m:t>
-                      </m:r>
-                      <m:sSup>
-                        <m:sSupPr>
-                          <m:ctrlPr>
-                            <a:rPr lang="el-GR" sz="2400" b="0" i="1" smtClean="0">
-                              <a:solidFill>
-                                <a:schemeClr val="bg1"/>
-                              </a:solidFill>
-                              <a:latin typeface="Cambria Math" panose="02040503050406030204" pitchFamily="18" charset="0"/>
-                            </a:rPr>
-                          </m:ctrlPr>
-                        </m:sSupPr>
-                        <m:e>
-                          <m:r>
-                            <a:rPr lang="it-IT" sz="2400" b="0" i="1" smtClean="0">
-                              <a:solidFill>
-                                <a:schemeClr val="bg1"/>
-                              </a:solidFill>
-                              <a:latin typeface="Cambria Math" panose="02040503050406030204" pitchFamily="18" charset="0"/>
-                            </a:rPr>
-                            <m:t>𝐷</m:t>
-                          </m:r>
-                        </m:e>
-                        <m:sup>
-                          <m:r>
-                            <a:rPr lang="it-IT" sz="2400" b="0" i="1" smtClean="0">
-                              <a:solidFill>
-                                <a:schemeClr val="bg1"/>
-                              </a:solidFill>
-                              <a:latin typeface="Cambria Math" panose="02040503050406030204" pitchFamily="18" charset="0"/>
-                            </a:rPr>
-                            <m:t>4</m:t>
-                          </m:r>
-                        </m:sup>
-                      </m:sSup>
-                      <m:sSub>
-                        <m:sSubPr>
-                          <m:ctrlPr>
-                            <a:rPr lang="el-GR" sz="2400" b="0" i="1" smtClean="0">
-                              <a:solidFill>
-                                <a:schemeClr val="bg1"/>
-                              </a:solidFill>
-                              <a:latin typeface="Cambria Math" panose="02040503050406030204" pitchFamily="18" charset="0"/>
-                            </a:rPr>
-                          </m:ctrlPr>
-                        </m:sSubPr>
-                        <m:e>
-                          <m:r>
-                            <a:rPr lang="it-IT" sz="2400" b="0" i="1" smtClean="0">
-                              <a:solidFill>
-                                <a:schemeClr val="bg1"/>
-                              </a:solidFill>
-                              <a:latin typeface="Cambria Math" panose="02040503050406030204" pitchFamily="18" charset="0"/>
-                            </a:rPr>
-                            <m:t>𝐾</m:t>
-                          </m:r>
-                        </m:e>
-                        <m:sub>
-                          <m:r>
-                            <a:rPr lang="it-IT" sz="2400" b="0" i="1" smtClean="0">
-                              <a:solidFill>
-                                <a:schemeClr val="bg1"/>
-                              </a:solidFill>
-                              <a:latin typeface="Cambria Math" panose="02040503050406030204" pitchFamily="18" charset="0"/>
-                            </a:rPr>
-                            <m:t>𝑇</m:t>
-                          </m:r>
-                        </m:sub>
-                      </m:sSub>
-                      <m:d>
-                        <m:dPr>
-                          <m:ctrlPr>
-                            <a:rPr lang="it-IT" sz="2400" b="0" i="1" smtClean="0">
-                              <a:solidFill>
-                                <a:schemeClr val="bg1"/>
-                              </a:solidFill>
-                              <a:latin typeface="Cambria Math" panose="02040503050406030204" pitchFamily="18" charset="0"/>
-                            </a:rPr>
-                          </m:ctrlPr>
-                        </m:dPr>
-                        <m:e>
-                          <m:sSub>
-                            <m:sSubPr>
-                              <m:ctrlPr>
-                                <a:rPr lang="it-IT" sz="2400" b="0" i="1" smtClean="0">
-                                  <a:solidFill>
-                                    <a:schemeClr val="bg1"/>
-                                  </a:solidFill>
-                                  <a:latin typeface="Cambria Math" panose="02040503050406030204" pitchFamily="18" charset="0"/>
-                                </a:rPr>
-                              </m:ctrlPr>
-                            </m:sSubPr>
-                            <m:e>
-                              <m:r>
-                                <a:rPr lang="it-IT" sz="2400" b="0" i="1" smtClean="0">
-                                  <a:solidFill>
-                                    <a:schemeClr val="bg1"/>
-                                  </a:solidFill>
-                                  <a:latin typeface="Cambria Math" panose="02040503050406030204" pitchFamily="18" charset="0"/>
-                                </a:rPr>
-                                <m:t>𝐽</m:t>
-                              </m:r>
-                            </m:e>
-                            <m:sub>
-                              <m:r>
-                                <a:rPr lang="it-IT" sz="2400" b="0" i="1" smtClean="0">
-                                  <a:solidFill>
-                                    <a:schemeClr val="bg1"/>
-                                  </a:solidFill>
-                                  <a:latin typeface="Cambria Math" panose="02040503050406030204" pitchFamily="18" charset="0"/>
-                                </a:rPr>
-                                <m:t>0</m:t>
-                              </m:r>
-                            </m:sub>
-                          </m:sSub>
-                        </m:e>
-                      </m:d>
-                      <m:r>
-                        <a:rPr lang="it-IT" sz="2400" b="0" i="1" smtClean="0">
-                          <a:solidFill>
-                            <a:schemeClr val="bg1"/>
-                          </a:solidFill>
-                          <a:latin typeface="Cambria Math" panose="02040503050406030204" pitchFamily="18" charset="0"/>
-                        </a:rPr>
-                        <m:t>|</m:t>
-                      </m:r>
-                      <m:r>
-                        <a:rPr lang="it-IT" sz="2400" b="0" i="1" smtClean="0">
-                          <a:solidFill>
-                            <a:schemeClr val="bg1"/>
-                          </a:solidFill>
-                          <a:latin typeface="Cambria Math" panose="02040503050406030204" pitchFamily="18" charset="0"/>
-                        </a:rPr>
-                        <m:t>𝑛</m:t>
-                      </m:r>
-                      <m:r>
-                        <a:rPr lang="it-IT" sz="2400" b="0" i="1" smtClean="0">
-                          <a:solidFill>
-                            <a:schemeClr val="bg1"/>
-                          </a:solidFill>
-                          <a:latin typeface="Cambria Math" panose="02040503050406030204" pitchFamily="18" charset="0"/>
-                        </a:rPr>
-                        <m:t>|</m:t>
-                      </m:r>
-                      <m:r>
-                        <a:rPr lang="it-IT" sz="2400" b="0" i="1" smtClean="0">
-                          <a:solidFill>
-                            <a:schemeClr val="bg1"/>
-                          </a:solidFill>
-                          <a:latin typeface="Cambria Math" panose="02040503050406030204" pitchFamily="18" charset="0"/>
-                        </a:rPr>
-                        <m:t>𝑛</m:t>
-                      </m:r>
-                    </m:oMath>
-                  </m:oMathPara>
-                </a14:m>
-                <a:endParaRPr lang="it-IT" sz="2400" dirty="0">
-                  <a:solidFill>
-                    <a:schemeClr val="bg1"/>
-                  </a:solidFill>
-                </a:endParaRPr>
-              </a:p>
-            </p:txBody>
-          </p:sp>
-        </mc:Choice>
-        <mc:Fallback xmlns="">
-          <p:sp>
-            <p:nvSpPr>
-              <p:cNvPr id="16" name="CasellaDiTesto 15">
-                <a:extLst>
-                  <a:ext uri="{FF2B5EF4-FFF2-40B4-BE49-F238E27FC236}">
-                    <a16:creationId xmlns:a16="http://schemas.microsoft.com/office/drawing/2014/main" id="{6F326B97-472B-4C94-A444-FD773AA4B683}"/>
-                  </a:ext>
-                </a:extLst>
-              </p:cNvPr>
-              <p:cNvSpPr txBox="1">
-                <a:spLocks noRot="1" noChangeAspect="1" noMove="1" noResize="1" noEditPoints="1" noAdjustHandles="1" noChangeArrowheads="1" noChangeShapeType="1" noTextEdit="1"/>
-              </p:cNvSpPr>
-              <p:nvPr/>
-            </p:nvSpPr>
-            <p:spPr>
-              <a:xfrm>
-                <a:off x="582852" y="4701356"/>
-                <a:ext cx="2622706" cy="369332"/>
-              </a:xfrm>
-              <a:prstGeom prst="rect">
-                <a:avLst/>
-              </a:prstGeom>
-              <a:blipFill>
-                <a:blip r:embed="rId7"/>
-                <a:stretch>
-                  <a:fillRect l="-2326" r="-930" b="-36066"/>
-                </a:stretch>
-              </a:blipFill>
-            </p:spPr>
-            <p:txBody>
-              <a:bodyPr/>
-              <a:lstStyle/>
-              <a:p>
-                <a:r>
-                  <a:rPr lang="it-IT">
-                    <a:noFill/>
-                  </a:rPr>
-                  <a:t> </a:t>
-                </a:r>
-              </a:p>
-            </p:txBody>
-          </p:sp>
-        </mc:Fallback>
-      </mc:AlternateContent>
-      <mc:AlternateContent xmlns:mc="http://schemas.openxmlformats.org/markup-compatibility/2006" xmlns:a14="http://schemas.microsoft.com/office/drawing/2010/main">
-        <mc:Choice Requires="a14">
-          <p:sp>
-            <p:nvSpPr>
-              <p:cNvPr id="17" name="CasellaDiTesto 16">
-                <a:extLst>
-                  <a:ext uri="{FF2B5EF4-FFF2-40B4-BE49-F238E27FC236}">
-                    <a16:creationId xmlns:a16="http://schemas.microsoft.com/office/drawing/2014/main" id="{90F37753-85BF-45CD-9D26-4AF9A39476D5}"/>
-                  </a:ext>
-                </a:extLst>
-              </p:cNvPr>
-              <p:cNvSpPr txBox="1"/>
-              <p:nvPr/>
-            </p:nvSpPr>
-            <p:spPr>
-              <a:xfrm>
-                <a:off x="582852" y="5221359"/>
-                <a:ext cx="1117294" cy="632417"/>
-              </a:xfrm>
-              <a:prstGeom prst="rect">
-                <a:avLst/>
-              </a:prstGeom>
-              <a:noFill/>
-            </p:spPr>
-            <p:txBody>
-              <a:bodyPr wrap="none" lIns="0" tIns="0" rIns="0" bIns="0" rtlCol="0">
-                <a:spAutoFit/>
-              </a:bodyPr>
-              <a:lstStyle/>
-              <a:p>
-                <a:pPr/>
-                <a14:m>
-                  <m:oMathPara xmlns:m="http://schemas.openxmlformats.org/officeDocument/2006/math">
-                    <m:oMathParaPr>
-                      <m:jc m:val="centerGroup"/>
-                    </m:oMathParaPr>
-                    <m:oMath xmlns:m="http://schemas.openxmlformats.org/officeDocument/2006/math">
-                      <m:sSub>
-                        <m:sSubPr>
-                          <m:ctrlPr>
-                            <a:rPr lang="it-IT" sz="2400" i="1" smtClean="0">
-                              <a:solidFill>
-                                <a:schemeClr val="bg1"/>
-                              </a:solidFill>
-                              <a:latin typeface="Cambria Math" panose="02040503050406030204" pitchFamily="18" charset="0"/>
-                            </a:rPr>
-                          </m:ctrlPr>
-                        </m:sSubPr>
-                        <m:e>
-                          <m:r>
-                            <a:rPr lang="it-IT" sz="2400" b="0" i="1" smtClean="0">
-                              <a:solidFill>
-                                <a:schemeClr val="bg1"/>
-                              </a:solidFill>
-                              <a:latin typeface="Cambria Math" panose="02040503050406030204" pitchFamily="18" charset="0"/>
-                            </a:rPr>
-                            <m:t>𝐽</m:t>
-                          </m:r>
-                        </m:e>
-                        <m:sub>
-                          <m:r>
-                            <a:rPr lang="it-IT" sz="2400" b="0" i="1" smtClean="0">
-                              <a:solidFill>
-                                <a:schemeClr val="bg1"/>
-                              </a:solidFill>
-                              <a:latin typeface="Cambria Math" panose="02040503050406030204" pitchFamily="18" charset="0"/>
-                            </a:rPr>
-                            <m:t>0</m:t>
-                          </m:r>
-                        </m:sub>
-                      </m:sSub>
-                      <m:r>
-                        <a:rPr lang="it-IT" sz="2400" b="0" i="1" smtClean="0">
-                          <a:solidFill>
-                            <a:schemeClr val="bg1"/>
-                          </a:solidFill>
-                          <a:latin typeface="Cambria Math" panose="02040503050406030204" pitchFamily="18" charset="0"/>
-                        </a:rPr>
-                        <m:t>=</m:t>
-                      </m:r>
-                      <m:f>
-                        <m:fPr>
-                          <m:ctrlPr>
-                            <a:rPr lang="it-IT" sz="2400" b="0" i="1" smtClean="0">
-                              <a:solidFill>
-                                <a:schemeClr val="bg1"/>
-                              </a:solidFill>
-                              <a:latin typeface="Cambria Math" panose="02040503050406030204" pitchFamily="18" charset="0"/>
-                            </a:rPr>
-                          </m:ctrlPr>
-                        </m:fPr>
-                        <m:num>
-                          <m:sSub>
-                            <m:sSubPr>
-                              <m:ctrlPr>
-                                <a:rPr lang="it-IT" sz="2400" b="0" i="1" smtClean="0">
-                                  <a:solidFill>
-                                    <a:schemeClr val="bg1"/>
-                                  </a:solidFill>
-                                  <a:latin typeface="Cambria Math" panose="02040503050406030204" pitchFamily="18" charset="0"/>
-                                </a:rPr>
-                              </m:ctrlPr>
-                            </m:sSubPr>
-                            <m:e>
-                              <m:r>
-                                <a:rPr lang="el-GR" sz="2400" b="0" i="1" smtClean="0">
-                                  <a:solidFill>
-                                    <a:schemeClr val="bg1"/>
-                                  </a:solidFill>
-                                  <a:latin typeface="Cambria Math" panose="02040503050406030204" pitchFamily="18" charset="0"/>
-                                </a:rPr>
-                                <m:t>𝜈</m:t>
-                              </m:r>
-                            </m:e>
-                            <m:sub>
-                              <m:r>
-                                <a:rPr lang="it-IT" sz="2400" b="0" i="1" smtClean="0">
-                                  <a:solidFill>
-                                    <a:schemeClr val="bg1"/>
-                                  </a:solidFill>
-                                  <a:latin typeface="Cambria Math" panose="02040503050406030204" pitchFamily="18" charset="0"/>
-                                </a:rPr>
-                                <m:t>𝑎</m:t>
-                              </m:r>
-                            </m:sub>
-                          </m:sSub>
-                        </m:num>
-                        <m:den>
-                          <m:r>
-                            <a:rPr lang="it-IT" sz="2400" b="0" i="1" smtClean="0">
-                              <a:solidFill>
-                                <a:schemeClr val="bg1"/>
-                              </a:solidFill>
-                              <a:latin typeface="Cambria Math" panose="02040503050406030204" pitchFamily="18" charset="0"/>
-                            </a:rPr>
-                            <m:t>𝑛𝐷</m:t>
-                          </m:r>
-                        </m:den>
-                      </m:f>
-                    </m:oMath>
-                  </m:oMathPara>
-                </a14:m>
-                <a:endParaRPr lang="it-IT" sz="2400" dirty="0">
-                  <a:solidFill>
-                    <a:schemeClr val="bg1"/>
-                  </a:solidFill>
-                </a:endParaRPr>
-              </a:p>
-            </p:txBody>
-          </p:sp>
-        </mc:Choice>
-        <mc:Fallback xmlns="">
-          <p:sp>
-            <p:nvSpPr>
-              <p:cNvPr id="17" name="CasellaDiTesto 16">
-                <a:extLst>
-                  <a:ext uri="{FF2B5EF4-FFF2-40B4-BE49-F238E27FC236}">
-                    <a16:creationId xmlns:a16="http://schemas.microsoft.com/office/drawing/2014/main" id="{90F37753-85BF-45CD-9D26-4AF9A39476D5}"/>
-                  </a:ext>
-                </a:extLst>
-              </p:cNvPr>
-              <p:cNvSpPr txBox="1">
-                <a:spLocks noRot="1" noChangeAspect="1" noMove="1" noResize="1" noEditPoints="1" noAdjustHandles="1" noChangeArrowheads="1" noChangeShapeType="1" noTextEdit="1"/>
-              </p:cNvSpPr>
-              <p:nvPr/>
-            </p:nvSpPr>
-            <p:spPr>
-              <a:xfrm>
-                <a:off x="582852" y="5221359"/>
-                <a:ext cx="1117294" cy="632417"/>
-              </a:xfrm>
-              <a:prstGeom prst="rect">
-                <a:avLst/>
-              </a:prstGeom>
-              <a:blipFill>
-                <a:blip r:embed="rId8"/>
-                <a:stretch>
-                  <a:fillRect/>
-                </a:stretch>
-              </a:blipFill>
-            </p:spPr>
-            <p:txBody>
-              <a:bodyPr/>
-              <a:lstStyle/>
-              <a:p>
-                <a:r>
-                  <a:rPr lang="it-IT">
-                    <a:noFill/>
-                  </a:rPr>
-                  <a:t> </a:t>
-                </a:r>
-              </a:p>
-            </p:txBody>
-          </p:sp>
-        </mc:Fallback>
-      </mc:AlternateContent>
-      <p:sp>
-        <p:nvSpPr>
-          <p:cNvPr id="18" name="CasellaDiTesto 17">
-            <a:extLst>
-              <a:ext uri="{FF2B5EF4-FFF2-40B4-BE49-F238E27FC236}">
-                <a16:creationId xmlns:a16="http://schemas.microsoft.com/office/drawing/2014/main" id="{15E6D9AE-58B9-486D-8E01-D13F03FC5FB3}"/>
-              </a:ext>
-            </a:extLst>
-          </p:cNvPr>
-          <p:cNvSpPr txBox="1"/>
-          <p:nvPr/>
-        </p:nvSpPr>
-        <p:spPr>
-          <a:xfrm>
-            <a:off x="3827944" y="3829802"/>
-            <a:ext cx="4705798" cy="369332"/>
-          </a:xfrm>
-          <a:prstGeom prst="rect">
-            <a:avLst/>
-          </a:prstGeom>
-          <a:noFill/>
-        </p:spPr>
-        <p:txBody>
-          <a:bodyPr wrap="square" rtlCol="0">
-            <a:spAutoFit/>
-          </a:bodyPr>
-          <a:lstStyle/>
-          <a:p>
-            <a:pPr algn="ctr"/>
-            <a:r>
-              <a:rPr lang="it-IT" dirty="0">
-                <a:solidFill>
-                  <a:schemeClr val="bg1"/>
-                </a:solidFill>
-              </a:rPr>
-              <a:t>nella zona operativa lineare vale </a:t>
-            </a:r>
-          </a:p>
-        </p:txBody>
-      </p:sp>
-      <mc:AlternateContent xmlns:mc="http://schemas.openxmlformats.org/markup-compatibility/2006" xmlns:a14="http://schemas.microsoft.com/office/drawing/2010/main">
-        <mc:Choice Requires="a14">
-          <p:sp>
-            <p:nvSpPr>
-              <p:cNvPr id="19" name="CasellaDiTesto 18">
-                <a:extLst>
-                  <a:ext uri="{FF2B5EF4-FFF2-40B4-BE49-F238E27FC236}">
-                    <a16:creationId xmlns:a16="http://schemas.microsoft.com/office/drawing/2014/main" id="{E157F996-E685-4703-B168-1F5ACC74E5E9}"/>
-                  </a:ext>
-                </a:extLst>
-              </p:cNvPr>
-              <p:cNvSpPr txBox="1"/>
-              <p:nvPr/>
-            </p:nvSpPr>
-            <p:spPr>
-              <a:xfrm>
-                <a:off x="3981767" y="4279081"/>
-                <a:ext cx="2090123" cy="369332"/>
-              </a:xfrm>
-              <a:prstGeom prst="rect">
-                <a:avLst/>
-              </a:prstGeom>
-              <a:noFill/>
-            </p:spPr>
-            <p:txBody>
-              <a:bodyPr wrap="none" lIns="0" tIns="0" rIns="0" bIns="0" rtlCol="0">
-                <a:spAutoFit/>
-              </a:bodyPr>
-              <a:lstStyle/>
-              <a:p>
-                <a:pPr/>
-                <a14:m>
-                  <m:oMathPara xmlns:m="http://schemas.openxmlformats.org/officeDocument/2006/math">
-                    <m:oMathParaPr>
-                      <m:jc m:val="centerGroup"/>
-                    </m:oMathParaPr>
-                    <m:oMath xmlns:m="http://schemas.openxmlformats.org/officeDocument/2006/math">
-                      <m:sSub>
-                        <m:sSubPr>
-                          <m:ctrlPr>
-                            <a:rPr lang="it-IT" sz="2400" i="1" smtClean="0">
-                              <a:solidFill>
-                                <a:schemeClr val="bg1"/>
-                              </a:solidFill>
-                              <a:latin typeface="Cambria Math" panose="02040503050406030204" pitchFamily="18" charset="0"/>
-                            </a:rPr>
-                          </m:ctrlPr>
-                        </m:sSubPr>
-                        <m:e>
-                          <m:r>
-                            <a:rPr lang="it-IT" sz="2400" b="0" i="1" smtClean="0">
-                              <a:solidFill>
-                                <a:schemeClr val="bg1"/>
-                              </a:solidFill>
-                              <a:latin typeface="Cambria Math" panose="02040503050406030204" pitchFamily="18" charset="0"/>
-                            </a:rPr>
-                            <m:t>𝐾</m:t>
-                          </m:r>
-                        </m:e>
-                        <m:sub>
-                          <m:r>
-                            <a:rPr lang="it-IT" sz="2400" b="0" i="1" smtClean="0">
-                              <a:solidFill>
-                                <a:schemeClr val="bg1"/>
-                              </a:solidFill>
-                              <a:latin typeface="Cambria Math" panose="02040503050406030204" pitchFamily="18" charset="0"/>
-                            </a:rPr>
-                            <m:t>𝑇</m:t>
-                          </m:r>
-                        </m:sub>
-                      </m:sSub>
-                      <m:r>
-                        <a:rPr lang="it-IT" sz="2400" b="0" i="1" smtClean="0">
-                          <a:solidFill>
-                            <a:schemeClr val="bg1"/>
-                          </a:solidFill>
-                          <a:latin typeface="Cambria Math" panose="02040503050406030204" pitchFamily="18" charset="0"/>
-                        </a:rPr>
-                        <m:t>=</m:t>
-                      </m:r>
-                      <m:sSub>
-                        <m:sSubPr>
-                          <m:ctrlPr>
-                            <a:rPr lang="it-IT" sz="2400" b="0" i="1" smtClean="0">
-                              <a:solidFill>
-                                <a:schemeClr val="bg1"/>
-                              </a:solidFill>
-                              <a:latin typeface="Cambria Math" panose="02040503050406030204" pitchFamily="18" charset="0"/>
-                            </a:rPr>
-                          </m:ctrlPr>
-                        </m:sSubPr>
-                        <m:e>
-                          <m:r>
-                            <a:rPr lang="el-GR" sz="2400" b="0" i="1" smtClean="0">
-                              <a:solidFill>
-                                <a:schemeClr val="bg1"/>
-                              </a:solidFill>
-                              <a:latin typeface="Cambria Math" panose="02040503050406030204" pitchFamily="18" charset="0"/>
-                            </a:rPr>
-                            <m:t>𝛼</m:t>
-                          </m:r>
-                        </m:e>
-                        <m:sub>
-                          <m:r>
-                            <a:rPr lang="el-GR" sz="2400" b="0" i="1" smtClean="0">
-                              <a:solidFill>
-                                <a:schemeClr val="bg1"/>
-                              </a:solidFill>
-                              <a:latin typeface="Cambria Math" panose="02040503050406030204" pitchFamily="18" charset="0"/>
-                            </a:rPr>
-                            <m:t>1</m:t>
-                          </m:r>
-                        </m:sub>
-                      </m:sSub>
-                      <m:r>
-                        <a:rPr lang="el-GR" sz="2400" b="0" i="1" smtClean="0">
-                          <a:solidFill>
-                            <a:schemeClr val="bg1"/>
-                          </a:solidFill>
-                          <a:latin typeface="Cambria Math" panose="02040503050406030204" pitchFamily="18" charset="0"/>
-                        </a:rPr>
-                        <m:t>+</m:t>
-                      </m:r>
-                      <m:sSub>
-                        <m:sSubPr>
-                          <m:ctrlPr>
-                            <a:rPr lang="el-GR" sz="2400" b="0" i="1" smtClean="0">
-                              <a:solidFill>
-                                <a:schemeClr val="bg1"/>
-                              </a:solidFill>
-                              <a:latin typeface="Cambria Math" panose="02040503050406030204" pitchFamily="18" charset="0"/>
-                            </a:rPr>
-                          </m:ctrlPr>
-                        </m:sSubPr>
-                        <m:e>
-                          <m:r>
-                            <a:rPr lang="el-GR" sz="2400" b="0" i="1" smtClean="0">
-                              <a:solidFill>
-                                <a:schemeClr val="bg1"/>
-                              </a:solidFill>
-                              <a:latin typeface="Cambria Math" panose="02040503050406030204" pitchFamily="18" charset="0"/>
-                            </a:rPr>
-                            <m:t>𝛼</m:t>
-                          </m:r>
-                        </m:e>
-                        <m:sub>
-                          <m:r>
-                            <a:rPr lang="el-GR" sz="2400" b="0" i="1" smtClean="0">
-                              <a:solidFill>
-                                <a:schemeClr val="bg1"/>
-                              </a:solidFill>
-                              <a:latin typeface="Cambria Math" panose="02040503050406030204" pitchFamily="18" charset="0"/>
-                            </a:rPr>
-                            <m:t>2</m:t>
-                          </m:r>
-                        </m:sub>
-                      </m:sSub>
-                      <m:sSub>
-                        <m:sSubPr>
-                          <m:ctrlPr>
-                            <a:rPr lang="el-GR" sz="2400" b="0" i="1" smtClean="0">
-                              <a:solidFill>
-                                <a:schemeClr val="bg1"/>
-                              </a:solidFill>
-                              <a:latin typeface="Cambria Math" panose="02040503050406030204" pitchFamily="18" charset="0"/>
-                            </a:rPr>
-                          </m:ctrlPr>
-                        </m:sSubPr>
-                        <m:e>
-                          <m:r>
-                            <a:rPr lang="it-IT" sz="2400" b="0" i="1" smtClean="0">
-                              <a:solidFill>
-                                <a:schemeClr val="bg1"/>
-                              </a:solidFill>
-                              <a:latin typeface="Cambria Math" panose="02040503050406030204" pitchFamily="18" charset="0"/>
-                            </a:rPr>
-                            <m:t>𝐽</m:t>
-                          </m:r>
-                        </m:e>
-                        <m:sub>
-                          <m:r>
-                            <a:rPr lang="it-IT" sz="2400" b="0" i="1" smtClean="0">
-                              <a:solidFill>
-                                <a:schemeClr val="bg1"/>
-                              </a:solidFill>
-                              <a:latin typeface="Cambria Math" panose="02040503050406030204" pitchFamily="18" charset="0"/>
-                            </a:rPr>
-                            <m:t>0</m:t>
-                          </m:r>
-                        </m:sub>
-                      </m:sSub>
-                    </m:oMath>
-                  </m:oMathPara>
-                </a14:m>
-                <a:endParaRPr lang="it-IT" sz="2400" dirty="0">
-                  <a:solidFill>
-                    <a:schemeClr val="bg1"/>
-                  </a:solidFill>
-                </a:endParaRPr>
-              </a:p>
-            </p:txBody>
-          </p:sp>
-        </mc:Choice>
-        <mc:Fallback xmlns="">
-          <p:sp>
-            <p:nvSpPr>
-              <p:cNvPr id="19" name="CasellaDiTesto 18">
-                <a:extLst>
-                  <a:ext uri="{FF2B5EF4-FFF2-40B4-BE49-F238E27FC236}">
-                    <a16:creationId xmlns:a16="http://schemas.microsoft.com/office/drawing/2014/main" id="{E157F996-E685-4703-B168-1F5ACC74E5E9}"/>
-                  </a:ext>
-                </a:extLst>
-              </p:cNvPr>
-              <p:cNvSpPr txBox="1">
-                <a:spLocks noRot="1" noChangeAspect="1" noMove="1" noResize="1" noEditPoints="1" noAdjustHandles="1" noChangeArrowheads="1" noChangeShapeType="1" noTextEdit="1"/>
-              </p:cNvSpPr>
-              <p:nvPr/>
-            </p:nvSpPr>
-            <p:spPr>
-              <a:xfrm>
-                <a:off x="3981767" y="4279081"/>
-                <a:ext cx="2090123" cy="369332"/>
-              </a:xfrm>
-              <a:prstGeom prst="rect">
-                <a:avLst/>
-              </a:prstGeom>
-              <a:blipFill>
-                <a:blip r:embed="rId9"/>
-                <a:stretch>
-                  <a:fillRect l="-2624" r="-583" b="-29508"/>
-                </a:stretch>
-              </a:blipFill>
-            </p:spPr>
-            <p:txBody>
-              <a:bodyPr/>
-              <a:lstStyle/>
-              <a:p>
-                <a:r>
-                  <a:rPr lang="it-IT">
-                    <a:noFill/>
-                  </a:rPr>
-                  <a:t> </a:t>
-                </a:r>
-              </a:p>
-            </p:txBody>
-          </p:sp>
-        </mc:Fallback>
-      </mc:AlternateContent>
-      <mc:AlternateContent xmlns:mc="http://schemas.openxmlformats.org/markup-compatibility/2006" xmlns:a14="http://schemas.microsoft.com/office/drawing/2010/main">
-        <mc:Choice Requires="a14">
-          <p:sp>
-            <p:nvSpPr>
-              <p:cNvPr id="20" name="CasellaDiTesto 19">
-                <a:extLst>
-                  <a:ext uri="{FF2B5EF4-FFF2-40B4-BE49-F238E27FC236}">
-                    <a16:creationId xmlns:a16="http://schemas.microsoft.com/office/drawing/2014/main" id="{2964BA3D-34EB-4304-8796-754501B9079F}"/>
-                  </a:ext>
-                </a:extLst>
-              </p:cNvPr>
-              <p:cNvSpPr txBox="1"/>
-              <p:nvPr/>
-            </p:nvSpPr>
-            <p:spPr>
-              <a:xfrm>
-                <a:off x="6348410" y="4279081"/>
-                <a:ext cx="1980927" cy="369332"/>
-              </a:xfrm>
-              <a:prstGeom prst="rect">
-                <a:avLst/>
-              </a:prstGeom>
-              <a:noFill/>
-            </p:spPr>
-            <p:txBody>
-              <a:bodyPr wrap="none" lIns="0" tIns="0" rIns="0" bIns="0" rtlCol="0">
-                <a:spAutoFit/>
-              </a:bodyPr>
-              <a:lstStyle/>
-              <a:p>
-                <a:pPr/>
-                <a14:m>
-                  <m:oMathPara xmlns:m="http://schemas.openxmlformats.org/officeDocument/2006/math">
-                    <m:oMathParaPr>
-                      <m:jc m:val="centerGroup"/>
-                    </m:oMathParaPr>
-                    <m:oMath xmlns:m="http://schemas.openxmlformats.org/officeDocument/2006/math">
-                      <m:sSub>
-                        <m:sSubPr>
-                          <m:ctrlPr>
-                            <a:rPr lang="it-IT" sz="2400" b="0" i="1" smtClean="0">
-                              <a:solidFill>
-                                <a:schemeClr val="bg1"/>
-                              </a:solidFill>
-                              <a:latin typeface="Cambria Math" panose="02040503050406030204" pitchFamily="18" charset="0"/>
-                            </a:rPr>
-                          </m:ctrlPr>
-                        </m:sSubPr>
-                        <m:e>
-                          <m:r>
-                            <a:rPr lang="el-GR" sz="2400" b="0" i="1" smtClean="0">
-                              <a:solidFill>
-                                <a:schemeClr val="bg1"/>
-                              </a:solidFill>
-                              <a:latin typeface="Cambria Math" panose="02040503050406030204" pitchFamily="18" charset="0"/>
-                            </a:rPr>
-                            <m:t>𝛼</m:t>
-                          </m:r>
-                        </m:e>
-                        <m:sub>
-                          <m:r>
-                            <a:rPr lang="el-GR" sz="2400" b="0" i="1" smtClean="0">
-                              <a:solidFill>
-                                <a:schemeClr val="bg1"/>
-                              </a:solidFill>
-                              <a:latin typeface="Cambria Math" panose="02040503050406030204" pitchFamily="18" charset="0"/>
-                            </a:rPr>
-                            <m:t>1</m:t>
-                          </m:r>
-                        </m:sub>
-                      </m:sSub>
-                      <m:r>
-                        <a:rPr lang="el-GR" sz="2400" b="0" i="1" smtClean="0">
-                          <a:solidFill>
-                            <a:schemeClr val="bg1"/>
-                          </a:solidFill>
-                          <a:latin typeface="Cambria Math" panose="02040503050406030204" pitchFamily="18" charset="0"/>
-                        </a:rPr>
-                        <m:t>&gt;0, </m:t>
-                      </m:r>
-                      <m:sSub>
-                        <m:sSubPr>
-                          <m:ctrlPr>
-                            <a:rPr lang="el-GR" sz="2400" b="0" i="1" smtClean="0">
-                              <a:solidFill>
-                                <a:schemeClr val="bg1"/>
-                              </a:solidFill>
-                              <a:latin typeface="Cambria Math" panose="02040503050406030204" pitchFamily="18" charset="0"/>
-                            </a:rPr>
-                          </m:ctrlPr>
-                        </m:sSubPr>
-                        <m:e>
-                          <m:r>
-                            <a:rPr lang="el-GR" sz="2400" b="0" i="1" smtClean="0">
-                              <a:solidFill>
-                                <a:schemeClr val="bg1"/>
-                              </a:solidFill>
-                              <a:latin typeface="Cambria Math" panose="02040503050406030204" pitchFamily="18" charset="0"/>
-                            </a:rPr>
-                            <m:t>𝛼</m:t>
-                          </m:r>
-                        </m:e>
-                        <m:sub>
-                          <m:r>
-                            <a:rPr lang="it-IT" sz="2400" b="0" i="1" smtClean="0">
-                              <a:solidFill>
-                                <a:schemeClr val="bg1"/>
-                              </a:solidFill>
-                              <a:latin typeface="Cambria Math" panose="02040503050406030204" pitchFamily="18" charset="0"/>
-                            </a:rPr>
-                            <m:t>2</m:t>
-                          </m:r>
-                        </m:sub>
-                      </m:sSub>
-                      <m:r>
-                        <a:rPr lang="it-IT" sz="2400" b="0" i="1" smtClean="0">
-                          <a:solidFill>
-                            <a:schemeClr val="bg1"/>
-                          </a:solidFill>
-                          <a:latin typeface="Cambria Math" panose="02040503050406030204" pitchFamily="18" charset="0"/>
-                        </a:rPr>
-                        <m:t>&lt;0</m:t>
-                      </m:r>
-                    </m:oMath>
-                  </m:oMathPara>
-                </a14:m>
-                <a:endParaRPr lang="it-IT" sz="2400" dirty="0">
-                  <a:solidFill>
-                    <a:schemeClr val="bg1"/>
-                  </a:solidFill>
-                </a:endParaRPr>
-              </a:p>
-            </p:txBody>
-          </p:sp>
-        </mc:Choice>
-        <mc:Fallback xmlns="">
-          <p:sp>
-            <p:nvSpPr>
-              <p:cNvPr id="20" name="CasellaDiTesto 19">
-                <a:extLst>
-                  <a:ext uri="{FF2B5EF4-FFF2-40B4-BE49-F238E27FC236}">
-                    <a16:creationId xmlns:a16="http://schemas.microsoft.com/office/drawing/2014/main" id="{2964BA3D-34EB-4304-8796-754501B9079F}"/>
-                  </a:ext>
-                </a:extLst>
-              </p:cNvPr>
-              <p:cNvSpPr txBox="1">
-                <a:spLocks noRot="1" noChangeAspect="1" noMove="1" noResize="1" noEditPoints="1" noAdjustHandles="1" noChangeArrowheads="1" noChangeShapeType="1" noTextEdit="1"/>
-              </p:cNvSpPr>
-              <p:nvPr/>
-            </p:nvSpPr>
-            <p:spPr>
-              <a:xfrm>
-                <a:off x="6348410" y="4279081"/>
-                <a:ext cx="1980927" cy="369332"/>
-              </a:xfrm>
-              <a:prstGeom prst="rect">
-                <a:avLst/>
-              </a:prstGeom>
-              <a:blipFill>
-                <a:blip r:embed="rId10"/>
-                <a:stretch>
-                  <a:fillRect l="-1231" r="-3077" b="-14754"/>
-                </a:stretch>
-              </a:blipFill>
-            </p:spPr>
-            <p:txBody>
-              <a:bodyPr/>
-              <a:lstStyle/>
-              <a:p>
-                <a:r>
-                  <a:rPr lang="it-IT">
-                    <a:noFill/>
-                  </a:rPr>
-                  <a:t> </a:t>
-                </a:r>
-              </a:p>
-            </p:txBody>
-          </p:sp>
-        </mc:Fallback>
-      </mc:AlternateContent>
-      <mc:AlternateContent xmlns:mc="http://schemas.openxmlformats.org/markup-compatibility/2006" xmlns:a14="http://schemas.microsoft.com/office/drawing/2010/main">
-        <mc:Choice Requires="a14">
+      <mc:AlternateContent xmlns:mc="http://schemas.openxmlformats.org/markup-compatibility/2006">
+        <mc:Choice xmlns:a14="http://schemas.microsoft.com/office/drawing/2010/main" Requires="a14">
           <p:sp>
             <p:nvSpPr>
               <p:cNvPr id="21" name="CasellaDiTesto 20">
@@ -15494,7 +14472,7 @@
             </p:nvSpPr>
             <p:spPr>
               <a:xfrm>
-                <a:off x="4739532" y="4999087"/>
+                <a:off x="3497682" y="4690279"/>
                 <a:ext cx="2838982" cy="369332"/>
               </a:xfrm>
               <a:prstGeom prst="rect">
@@ -15717,7 +14695,7 @@
             </p:txBody>
           </p:sp>
         </mc:Choice>
-        <mc:Fallback xmlns="">
+        <mc:Fallback>
           <p:sp>
             <p:nvSpPr>
               <p:cNvPr id="21" name="CasellaDiTesto 20">
@@ -15734,16 +14712,16 @@
             </p:nvSpPr>
             <p:spPr>
               <a:xfrm>
-                <a:off x="4739532" y="4999087"/>
+                <a:off x="3497682" y="4690279"/>
                 <a:ext cx="2838982" cy="369332"/>
               </a:xfrm>
               <a:prstGeom prst="rect">
                 <a:avLst/>
               </a:prstGeom>
               <a:blipFill>
-                <a:blip r:embed="rId11"/>
+                <a:blip r:embed="rId6"/>
                 <a:stretch>
-                  <a:fillRect l="-1931" r="-215" b="-36066"/>
+                  <a:fillRect l="-2151" r="-430" b="-36066"/>
                 </a:stretch>
               </a:blipFill>
             </p:spPr>
@@ -15762,8 +14740,8 @@
           </p:sp>
         </mc:Fallback>
       </mc:AlternateContent>
-      <mc:AlternateContent xmlns:mc="http://schemas.openxmlformats.org/markup-compatibility/2006" xmlns:a14="http://schemas.microsoft.com/office/drawing/2010/main">
-        <mc:Choice Requires="a14">
+      <mc:AlternateContent xmlns:mc="http://schemas.openxmlformats.org/markup-compatibility/2006">
+        <mc:Choice xmlns:a14="http://schemas.microsoft.com/office/drawing/2010/main" Requires="a14">
           <p:sp>
             <p:nvSpPr>
               <p:cNvPr id="24" name="CasellaDiTesto 23">
@@ -15778,7 +14756,7 @@
             </p:nvSpPr>
             <p:spPr>
               <a:xfrm>
-                <a:off x="4896209" y="5504466"/>
+                <a:off x="3654359" y="5195658"/>
                 <a:ext cx="2525628" cy="924869"/>
               </a:xfrm>
               <a:prstGeom prst="rect">
@@ -16096,7 +15074,7 @@
             </p:txBody>
           </p:sp>
         </mc:Choice>
-        <mc:Fallback xmlns="">
+        <mc:Fallback>
           <p:sp>
             <p:nvSpPr>
               <p:cNvPr id="24" name="CasellaDiTesto 23">
@@ -16113,16 +15091,16 @@
             </p:nvSpPr>
             <p:spPr>
               <a:xfrm>
-                <a:off x="4896209" y="5504466"/>
+                <a:off x="3654359" y="5195658"/>
                 <a:ext cx="2525628" cy="924869"/>
               </a:xfrm>
               <a:prstGeom prst="rect">
                 <a:avLst/>
               </a:prstGeom>
               <a:blipFill>
-                <a:blip r:embed="rId12"/>
+                <a:blip r:embed="rId7"/>
                 <a:stretch>
-                  <a:fillRect l="-2415" b="-5263"/>
+                  <a:fillRect l="-2410" b="-5263"/>
                 </a:stretch>
               </a:blipFill>
             </p:spPr>
@@ -16155,7 +15133,7 @@
         </p:nvSpPr>
         <p:spPr>
           <a:xfrm>
-            <a:off x="4497134" y="4890135"/>
+            <a:off x="3255284" y="4581327"/>
             <a:ext cx="3308327" cy="1697095"/>
           </a:xfrm>
           <a:prstGeom prst="rect">
